--- a/Наработки/диздоки/ЮАС/ЮАС.pptx
+++ b/Наработки/диздоки/ЮАС/ЮАС.pptx
@@ -209,7 +209,7 @@
             <a:fld id="{33E3D7F9-E251-484C-A6FF-FA958879DF69}" type="datetimeFigureOut">
               <a:rPr lang="ru-RU" smtClean="0"/>
               <a:pPr/>
-              <a:t>08.12.2022</a:t>
+              <a:t>02.02.2023</a:t>
             </a:fld>
             <a:endParaRPr lang="ru-RU"/>
           </a:p>
@@ -699,7 +699,7 @@
             <a:fld id="{85A5DE44-605B-4D3B-B2B7-94543DF81A36}" type="datetimeFigureOut">
               <a:rPr lang="ru-RU" smtClean="0"/>
               <a:pPr/>
-              <a:t>08.12.2022</a:t>
+              <a:t>02.02.2023</a:t>
             </a:fld>
             <a:endParaRPr lang="ru-RU"/>
           </a:p>
@@ -871,7 +871,7 @@
             <a:fld id="{85A5DE44-605B-4D3B-B2B7-94543DF81A36}" type="datetimeFigureOut">
               <a:rPr lang="ru-RU" smtClean="0"/>
               <a:pPr/>
-              <a:t>08.12.2022</a:t>
+              <a:t>02.02.2023</a:t>
             </a:fld>
             <a:endParaRPr lang="ru-RU"/>
           </a:p>
@@ -1053,7 +1053,7 @@
             <a:fld id="{85A5DE44-605B-4D3B-B2B7-94543DF81A36}" type="datetimeFigureOut">
               <a:rPr lang="ru-RU" smtClean="0"/>
               <a:pPr/>
-              <a:t>08.12.2022</a:t>
+              <a:t>02.02.2023</a:t>
             </a:fld>
             <a:endParaRPr lang="ru-RU"/>
           </a:p>
@@ -1225,7 +1225,7 @@
             <a:fld id="{85A5DE44-605B-4D3B-B2B7-94543DF81A36}" type="datetimeFigureOut">
               <a:rPr lang="ru-RU" smtClean="0"/>
               <a:pPr/>
-              <a:t>08.12.2022</a:t>
+              <a:t>02.02.2023</a:t>
             </a:fld>
             <a:endParaRPr lang="ru-RU"/>
           </a:p>
@@ -1473,7 +1473,7 @@
             <a:fld id="{85A5DE44-605B-4D3B-B2B7-94543DF81A36}" type="datetimeFigureOut">
               <a:rPr lang="ru-RU" smtClean="0"/>
               <a:pPr/>
-              <a:t>08.12.2022</a:t>
+              <a:t>02.02.2023</a:t>
             </a:fld>
             <a:endParaRPr lang="ru-RU"/>
           </a:p>
@@ -1707,7 +1707,7 @@
             <a:fld id="{85A5DE44-605B-4D3B-B2B7-94543DF81A36}" type="datetimeFigureOut">
               <a:rPr lang="ru-RU" smtClean="0"/>
               <a:pPr/>
-              <a:t>08.12.2022</a:t>
+              <a:t>02.02.2023</a:t>
             </a:fld>
             <a:endParaRPr lang="ru-RU"/>
           </a:p>
@@ -2076,7 +2076,7 @@
             <a:fld id="{85A5DE44-605B-4D3B-B2B7-94543DF81A36}" type="datetimeFigureOut">
               <a:rPr lang="ru-RU" smtClean="0"/>
               <a:pPr/>
-              <a:t>08.12.2022</a:t>
+              <a:t>02.02.2023</a:t>
             </a:fld>
             <a:endParaRPr lang="ru-RU"/>
           </a:p>
@@ -2196,7 +2196,7 @@
             <a:fld id="{85A5DE44-605B-4D3B-B2B7-94543DF81A36}" type="datetimeFigureOut">
               <a:rPr lang="ru-RU" smtClean="0"/>
               <a:pPr/>
-              <a:t>08.12.2022</a:t>
+              <a:t>02.02.2023</a:t>
             </a:fld>
             <a:endParaRPr lang="ru-RU"/>
           </a:p>
@@ -2293,7 +2293,7 @@
             <a:fld id="{85A5DE44-605B-4D3B-B2B7-94543DF81A36}" type="datetimeFigureOut">
               <a:rPr lang="ru-RU" smtClean="0"/>
               <a:pPr/>
-              <a:t>08.12.2022</a:t>
+              <a:t>02.02.2023</a:t>
             </a:fld>
             <a:endParaRPr lang="ru-RU"/>
           </a:p>
@@ -2572,7 +2572,7 @@
             <a:fld id="{85A5DE44-605B-4D3B-B2B7-94543DF81A36}" type="datetimeFigureOut">
               <a:rPr lang="ru-RU" smtClean="0"/>
               <a:pPr/>
-              <a:t>08.12.2022</a:t>
+              <a:t>02.02.2023</a:t>
             </a:fld>
             <a:endParaRPr lang="ru-RU"/>
           </a:p>
@@ -2831,7 +2831,7 @@
             <a:fld id="{85A5DE44-605B-4D3B-B2B7-94543DF81A36}" type="datetimeFigureOut">
               <a:rPr lang="ru-RU" smtClean="0"/>
               <a:pPr/>
-              <a:t>08.12.2022</a:t>
+              <a:t>02.02.2023</a:t>
             </a:fld>
             <a:endParaRPr lang="ru-RU"/>
           </a:p>
@@ -3046,7 +3046,7 @@
             <a:fld id="{85A5DE44-605B-4D3B-B2B7-94543DF81A36}" type="datetimeFigureOut">
               <a:rPr lang="ru-RU" smtClean="0"/>
               <a:pPr/>
-              <a:t>08.12.2022</a:t>
+              <a:t>02.02.2023</a:t>
             </a:fld>
             <a:endParaRPr lang="ru-RU"/>
           </a:p>
@@ -3460,7 +3460,7 @@
         </p:nvSpPr>
         <p:spPr>
           <a:xfrm>
-            <a:off x="10548736" y="4422939"/>
+            <a:off x="1487403" y="3702299"/>
             <a:ext cx="2115918" cy="1080000"/>
           </a:xfrm>
           <a:prstGeom prst="rect">
@@ -3517,7 +3517,7 @@
         </p:nvCxnSpPr>
         <p:spPr>
           <a:xfrm>
-            <a:off x="17935074" y="4235116"/>
+            <a:off x="17663158" y="2500498"/>
             <a:ext cx="822570" cy="727823"/>
           </a:xfrm>
           <a:prstGeom prst="straightConnector1">
@@ -3710,7 +3710,7 @@
         </p:nvSpPr>
         <p:spPr>
           <a:xfrm>
-            <a:off x="13026426" y="4422939"/>
+            <a:off x="3965093" y="3702299"/>
             <a:ext cx="2115918" cy="1080000"/>
           </a:xfrm>
           <a:prstGeom prst="rect">
@@ -3762,7 +3762,7 @@
         </p:nvSpPr>
         <p:spPr>
           <a:xfrm>
-            <a:off x="410126" y="188083"/>
+            <a:off x="3682716" y="741535"/>
             <a:ext cx="2115918" cy="1080000"/>
           </a:xfrm>
           <a:prstGeom prst="rect">
@@ -3821,7 +3821,7 @@
         </p:nvSpPr>
         <p:spPr>
           <a:xfrm>
-            <a:off x="2808421" y="188083"/>
+            <a:off x="6081011" y="741535"/>
             <a:ext cx="2115918" cy="1080000"/>
           </a:xfrm>
           <a:prstGeom prst="rect">
@@ -3874,7 +3874,7 @@
         </p:nvSpPr>
         <p:spPr>
           <a:xfrm>
-            <a:off x="13026426" y="5969859"/>
+            <a:off x="3965093" y="5249219"/>
             <a:ext cx="2115918" cy="1080000"/>
           </a:xfrm>
           <a:prstGeom prst="rect">
@@ -3943,7 +3943,7 @@
         </p:nvSpPr>
         <p:spPr>
           <a:xfrm>
-            <a:off x="13026426" y="7516779"/>
+            <a:off x="3965093" y="6796139"/>
             <a:ext cx="2115918" cy="1080000"/>
           </a:xfrm>
           <a:prstGeom prst="rect">
@@ -4004,7 +4004,7 @@
         </p:nvSpPr>
         <p:spPr>
           <a:xfrm>
-            <a:off x="10548736" y="7516689"/>
+            <a:off x="1487403" y="6796049"/>
             <a:ext cx="2115918" cy="1080000"/>
           </a:xfrm>
           <a:prstGeom prst="rect">
@@ -4069,7 +4069,7 @@
         </p:nvCxnSpPr>
         <p:spPr>
           <a:xfrm>
-            <a:off x="12664654" y="8056689"/>
+            <a:off x="3603321" y="7336049"/>
             <a:ext cx="361772" cy="90"/>
           </a:xfrm>
           <a:prstGeom prst="line">
@@ -4110,7 +4110,7 @@
         </p:nvSpPr>
         <p:spPr>
           <a:xfrm>
-            <a:off x="13026426" y="9063609"/>
+            <a:off x="3965093" y="8342969"/>
             <a:ext cx="2115918" cy="1080000"/>
           </a:xfrm>
           <a:prstGeom prst="rect">
@@ -4159,7 +4159,7 @@
         </p:nvSpPr>
         <p:spPr>
           <a:xfrm>
-            <a:off x="10548736" y="5969859"/>
+            <a:off x="1487403" y="5249219"/>
             <a:ext cx="2115918" cy="1080000"/>
           </a:xfrm>
           <a:prstGeom prst="rect">
@@ -4189,6 +4189,881 @@
             <a:r>
               <a:rPr lang="ru-RU" sz="1400" dirty="0"/>
               <a:t>Начать набор чернокожих</a:t>
+            </a:r>
+            <a:endParaRPr lang="ru-RU" sz="500" dirty="0"/>
+          </a:p>
+        </p:txBody>
+      </p:sp>
+      <p:sp>
+        <p:nvSpPr>
+          <p:cNvPr id="17" name="Прямоугольник 16">
+            <a:extLst>
+              <a:ext uri="{FF2B5EF4-FFF2-40B4-BE49-F238E27FC236}">
+                <a16:creationId xmlns:a16="http://schemas.microsoft.com/office/drawing/2014/main" id="{2A6F6301-CA97-4EB0-A44D-E7FF27A013B5}"/>
+              </a:ext>
+            </a:extLst>
+          </p:cNvPr>
+          <p:cNvSpPr/>
+          <p:nvPr/>
+        </p:nvSpPr>
+        <p:spPr>
+          <a:xfrm>
+            <a:off x="36910726" y="8683956"/>
+            <a:ext cx="2115918" cy="1080000"/>
+          </a:xfrm>
+          <a:prstGeom prst="rect">
+            <a:avLst/>
+          </a:prstGeom>
+          <a:ln w="28575"/>
+        </p:spPr>
+        <p:style>
+          <a:lnRef idx="2">
+            <a:schemeClr val="accent1"/>
+          </a:lnRef>
+          <a:fillRef idx="1">
+            <a:schemeClr val="lt1"/>
+          </a:fillRef>
+          <a:effectRef idx="0">
+            <a:schemeClr val="accent1"/>
+          </a:effectRef>
+          <a:fontRef idx="minor">
+            <a:schemeClr val="dk1"/>
+          </a:fontRef>
+        </p:style>
+        <p:txBody>
+          <a:bodyPr lIns="124733" tIns="62367" rIns="124733" bIns="62367" rtlCol="0" anchor="ctr"/>
+          <a:lstStyle/>
+          <a:p>
+            <a:pPr algn="ctr"/>
+            <a:r>
+              <a:rPr lang="ru-RU" sz="1400" dirty="0"/>
+              <a:t>Разносторонняя тренировка </a:t>
+            </a:r>
+            <a:r>
+              <a:rPr lang="ru-RU" sz="500" dirty="0"/>
+              <a:t>(Летчиков, набравшись опыта, часто отправляли домой в Союз и не возвращали в течение многих месяцев, после чего условия в пустыне существенно менялись, и от них требовалось набираться опыта на разных самолетах, разных тактиках и операциях с разных баз. Были случаи, когда опытных летчиков-истребителей отправляли обратно в Западную пустыню в качестве пилотов бомбардировщиков для их второго тура, что усугубляло отсутствие преемственности и опыта.)</a:t>
+            </a:r>
+          </a:p>
+        </p:txBody>
+      </p:sp>
+      <p:sp>
+        <p:nvSpPr>
+          <p:cNvPr id="18" name="Прямоугольник 17">
+            <a:extLst>
+              <a:ext uri="{FF2B5EF4-FFF2-40B4-BE49-F238E27FC236}">
+                <a16:creationId xmlns:a16="http://schemas.microsoft.com/office/drawing/2014/main" id="{221854E5-65A8-4BC0-9062-E1F29DFF7724}"/>
+              </a:ext>
+            </a:extLst>
+          </p:cNvPr>
+          <p:cNvSpPr/>
+          <p:nvPr/>
+        </p:nvSpPr>
+        <p:spPr>
+          <a:xfrm>
+            <a:off x="39635440" y="8683956"/>
+            <a:ext cx="2115918" cy="1080000"/>
+          </a:xfrm>
+          <a:prstGeom prst="rect">
+            <a:avLst/>
+          </a:prstGeom>
+          <a:ln w="28575"/>
+        </p:spPr>
+        <p:style>
+          <a:lnRef idx="2">
+            <a:schemeClr val="accent1"/>
+          </a:lnRef>
+          <a:fillRef idx="1">
+            <a:schemeClr val="lt1"/>
+          </a:fillRef>
+          <a:effectRef idx="0">
+            <a:schemeClr val="accent1"/>
+          </a:effectRef>
+          <a:fontRef idx="minor">
+            <a:schemeClr val="dk1"/>
+          </a:fontRef>
+        </p:style>
+        <p:txBody>
+          <a:bodyPr lIns="124733" tIns="62367" rIns="124733" bIns="62367" rtlCol="0" anchor="ctr"/>
+          <a:lstStyle/>
+          <a:p>
+            <a:pPr algn="ctr"/>
+            <a:r>
+              <a:rPr lang="ru-RU" sz="1400" dirty="0"/>
+              <a:t>Подготовка наших асов </a:t>
+            </a:r>
+            <a:r>
+              <a:rPr lang="ru-RU" sz="1050" dirty="0"/>
+              <a:t>(SAAF также произвела ряд воздушных асов SAAF времен Второй мировой войны , в том числе Джона </a:t>
+            </a:r>
+            <a:r>
+              <a:rPr lang="ru-RU" sz="1050" dirty="0" err="1"/>
+              <a:t>Фроста</a:t>
+            </a:r>
+            <a:r>
+              <a:rPr lang="ru-RU" sz="1050" dirty="0"/>
+              <a:t> и Мармадьюка </a:t>
+            </a:r>
+            <a:r>
+              <a:rPr lang="ru-RU" sz="1050" dirty="0" err="1"/>
+              <a:t>Паттла</a:t>
+            </a:r>
+            <a:r>
+              <a:rPr lang="ru-RU" sz="1050" dirty="0"/>
+              <a:t>)</a:t>
+            </a:r>
+            <a:endParaRPr lang="ru-RU" sz="500" dirty="0"/>
+          </a:p>
+        </p:txBody>
+      </p:sp>
+      <p:sp>
+        <p:nvSpPr>
+          <p:cNvPr id="19" name="Прямоугольник 18">
+            <a:extLst>
+              <a:ext uri="{FF2B5EF4-FFF2-40B4-BE49-F238E27FC236}">
+                <a16:creationId xmlns:a16="http://schemas.microsoft.com/office/drawing/2014/main" id="{033C32B1-7FB5-4427-AC80-41EF0E3274D9}"/>
+              </a:ext>
+            </a:extLst>
+          </p:cNvPr>
+          <p:cNvSpPr/>
+          <p:nvPr/>
+        </p:nvSpPr>
+        <p:spPr>
+          <a:xfrm>
+            <a:off x="38202501" y="7063956"/>
+            <a:ext cx="2115918" cy="1080000"/>
+          </a:xfrm>
+          <a:prstGeom prst="rect">
+            <a:avLst/>
+          </a:prstGeom>
+          <a:ln w="28575"/>
+        </p:spPr>
+        <p:style>
+          <a:lnRef idx="2">
+            <a:schemeClr val="accent1"/>
+          </a:lnRef>
+          <a:fillRef idx="1">
+            <a:schemeClr val="lt1"/>
+          </a:fillRef>
+          <a:effectRef idx="0">
+            <a:schemeClr val="accent1"/>
+          </a:effectRef>
+          <a:fontRef idx="minor">
+            <a:schemeClr val="dk1"/>
+          </a:fontRef>
+        </p:style>
+        <p:txBody>
+          <a:bodyPr lIns="124733" tIns="62367" rIns="124733" bIns="62367" rtlCol="0" anchor="ctr"/>
+          <a:lstStyle/>
+          <a:p>
+            <a:pPr algn="ctr"/>
+            <a:r>
+              <a:rPr lang="ru-RU" sz="1400" dirty="0"/>
+              <a:t>Мобильное депо ВВС </a:t>
+            </a:r>
+            <a:r>
+              <a:rPr lang="ru-RU" sz="700" dirty="0"/>
+              <a:t>(Мобильное депо ВВС (MAFD) базировалось в Претории . Его роль во время Второй мировой войны заключалась в том, что он был местом, где можно было разместить экипаж в режиме ожидания, прежде чем его отправят в более активную эскадрилью.)</a:t>
+            </a:r>
+            <a:endParaRPr lang="ru-RU" sz="500" dirty="0"/>
+          </a:p>
+        </p:txBody>
+      </p:sp>
+      <p:sp>
+        <p:nvSpPr>
+          <p:cNvPr id="20" name="Прямоугольник 19">
+            <a:extLst>
+              <a:ext uri="{FF2B5EF4-FFF2-40B4-BE49-F238E27FC236}">
+                <a16:creationId xmlns:a16="http://schemas.microsoft.com/office/drawing/2014/main" id="{DE8DA818-D0A4-4747-B22E-8EA433779FBF}"/>
+              </a:ext>
+            </a:extLst>
+          </p:cNvPr>
+          <p:cNvSpPr/>
+          <p:nvPr/>
+        </p:nvSpPr>
+        <p:spPr>
+          <a:xfrm>
+            <a:off x="38202501" y="5548537"/>
+            <a:ext cx="2115918" cy="1080000"/>
+          </a:xfrm>
+          <a:prstGeom prst="rect">
+            <a:avLst/>
+          </a:prstGeom>
+          <a:ln w="28575"/>
+        </p:spPr>
+        <p:style>
+          <a:lnRef idx="2">
+            <a:schemeClr val="accent1"/>
+          </a:lnRef>
+          <a:fillRef idx="1">
+            <a:schemeClr val="lt1"/>
+          </a:fillRef>
+          <a:effectRef idx="0">
+            <a:schemeClr val="accent1"/>
+          </a:effectRef>
+          <a:fontRef idx="minor">
+            <a:schemeClr val="dk1"/>
+          </a:fontRef>
+        </p:style>
+        <p:txBody>
+          <a:bodyPr lIns="124733" tIns="62367" rIns="124733" bIns="62367" rtlCol="0" anchor="ctr"/>
+          <a:lstStyle/>
+          <a:p>
+            <a:pPr algn="ctr"/>
+            <a:r>
+              <a:rPr lang="ru-RU" sz="1400" dirty="0"/>
+              <a:t>«Железное место» </a:t>
+            </a:r>
+            <a:r>
+              <a:rPr lang="ru-RU" sz="700" dirty="0"/>
+              <a:t>(База ВВС </a:t>
+            </a:r>
+            <a:r>
+              <a:rPr lang="ru-RU" sz="700" dirty="0" err="1"/>
+              <a:t>Ysterplaat</a:t>
+            </a:r>
+            <a:r>
+              <a:rPr lang="ru-RU" sz="700" dirty="0"/>
+              <a:t> ( ICAO : FAYP ) — авиабаза ВВС ЮАР. Он расположен в пригороде Кейптауна </a:t>
+            </a:r>
+            <a:r>
+              <a:rPr lang="ru-RU" sz="700" dirty="0" err="1"/>
+              <a:t>Истерплаат</a:t>
+            </a:r>
+            <a:r>
+              <a:rPr lang="ru-RU" sz="700" dirty="0"/>
+              <a:t> , на юго-западном побережье Южной Африки . Название </a:t>
+            </a:r>
+            <a:r>
+              <a:rPr lang="ru-RU" sz="700" dirty="0" err="1"/>
+              <a:t>Ysterplaat</a:t>
+            </a:r>
+            <a:r>
+              <a:rPr lang="ru-RU" sz="700" dirty="0"/>
+              <a:t> на африкаанс происходит от голландского </a:t>
+            </a:r>
+            <a:r>
+              <a:rPr lang="ru-RU" sz="700" dirty="0" err="1"/>
+              <a:t>Ijzerplaats</a:t>
+            </a:r>
+            <a:r>
+              <a:rPr lang="ru-RU" sz="700" dirty="0"/>
+              <a:t>, что означает «Железное место» или «Железное место» на английском языке.)</a:t>
+            </a:r>
+            <a:endParaRPr lang="ru-RU" sz="500" dirty="0"/>
+          </a:p>
+        </p:txBody>
+      </p:sp>
+      <p:sp>
+        <p:nvSpPr>
+          <p:cNvPr id="21" name="Прямоугольник 20">
+            <a:extLst>
+              <a:ext uri="{FF2B5EF4-FFF2-40B4-BE49-F238E27FC236}">
+                <a16:creationId xmlns:a16="http://schemas.microsoft.com/office/drawing/2014/main" id="{CC1F0354-3AC0-4BAF-B8BB-C910E7C4A5D6}"/>
+              </a:ext>
+            </a:extLst>
+          </p:cNvPr>
+          <p:cNvSpPr/>
+          <p:nvPr/>
+        </p:nvSpPr>
+        <p:spPr>
+          <a:xfrm>
+            <a:off x="35591426" y="5548537"/>
+            <a:ext cx="2115918" cy="1080000"/>
+          </a:xfrm>
+          <a:prstGeom prst="rect">
+            <a:avLst/>
+          </a:prstGeom>
+          <a:ln w="28575"/>
+        </p:spPr>
+        <p:style>
+          <a:lnRef idx="2">
+            <a:schemeClr val="accent1"/>
+          </a:lnRef>
+          <a:fillRef idx="1">
+            <a:schemeClr val="lt1"/>
+          </a:fillRef>
+          <a:effectRef idx="0">
+            <a:schemeClr val="accent1"/>
+          </a:effectRef>
+          <a:fontRef idx="minor">
+            <a:schemeClr val="dk1"/>
+          </a:fontRef>
+        </p:style>
+        <p:txBody>
+          <a:bodyPr lIns="124733" tIns="62367" rIns="124733" bIns="62367" rtlCol="0" anchor="ctr"/>
+          <a:lstStyle/>
+          <a:p>
+            <a:pPr algn="ctr"/>
+            <a:r>
+              <a:rPr lang="ru-RU" sz="1400" dirty="0"/>
+              <a:t>Аэропорт Порт-Элизабет </a:t>
+            </a:r>
+            <a:r>
+              <a:rPr lang="ru-RU" sz="500" dirty="0"/>
+              <a:t>(Аэропорт Порт-Элизабет был основан в 1929 году в непосредственной близости от города. Первоначально он был основан подполковником Миллером, которому нужен был аэродром для работы почтовой службы между городом и Кейптауном. Официально он был открыт всего девять лет спустя, в 1936 году, с единственной взлетно-посадочной полосой, одним ангаром и бетонным перроном. Однако фундамент этой инфраструктуры будет демонтирован, чтобы освободить место для дополнительной парковки автомобилей.) </a:t>
+            </a:r>
+          </a:p>
+        </p:txBody>
+      </p:sp>
+      <p:sp>
+        <p:nvSpPr>
+          <p:cNvPr id="22" name="Прямоугольник 21">
+            <a:extLst>
+              <a:ext uri="{FF2B5EF4-FFF2-40B4-BE49-F238E27FC236}">
+                <a16:creationId xmlns:a16="http://schemas.microsoft.com/office/drawing/2014/main" id="{626AB241-048C-4E7B-8C47-DD836E054087}"/>
+              </a:ext>
+            </a:extLst>
+          </p:cNvPr>
+          <p:cNvSpPr/>
+          <p:nvPr/>
+        </p:nvSpPr>
+        <p:spPr>
+          <a:xfrm>
+            <a:off x="35591426" y="7063956"/>
+            <a:ext cx="2115918" cy="1080000"/>
+          </a:xfrm>
+          <a:prstGeom prst="rect">
+            <a:avLst/>
+          </a:prstGeom>
+          <a:ln w="28575"/>
+        </p:spPr>
+        <p:style>
+          <a:lnRef idx="2">
+            <a:schemeClr val="accent1"/>
+          </a:lnRef>
+          <a:fillRef idx="1">
+            <a:schemeClr val="lt1"/>
+          </a:fillRef>
+          <a:effectRef idx="0">
+            <a:schemeClr val="accent1"/>
+          </a:effectRef>
+          <a:fontRef idx="minor">
+            <a:schemeClr val="dk1"/>
+          </a:fontRef>
+        </p:style>
+        <p:txBody>
+          <a:bodyPr lIns="124733" tIns="62367" rIns="124733" bIns="62367" rtlCol="0" anchor="ctr"/>
+          <a:lstStyle/>
+          <a:p>
+            <a:pPr algn="ctr"/>
+            <a:r>
+              <a:rPr lang="ru-RU" sz="1400" dirty="0"/>
+              <a:t>Расширить аэропорт Порт-Элизабет </a:t>
+            </a:r>
+            <a:r>
+              <a:rPr lang="ru-RU" sz="500" dirty="0"/>
+              <a:t>Во время Второй мировой войны аэродром был расширен для размещения 42-й авиашколы Королевских ВВС и 6-й эскадрильи ВВС ЮАР на южной и восточной сторонах поля. Торговые операции велись с северной стороны. В 1954 году здесь приземлился первый реактивный самолет — пять </a:t>
+            </a:r>
+            <a:r>
+              <a:rPr lang="ru-RU" sz="500" dirty="0" err="1"/>
+              <a:t>De</a:t>
+            </a:r>
+            <a:r>
+              <a:rPr lang="ru-RU" sz="500" dirty="0"/>
+              <a:t> </a:t>
+            </a:r>
+            <a:r>
+              <a:rPr lang="ru-RU" sz="500" dirty="0" err="1"/>
+              <a:t>Havilland</a:t>
+            </a:r>
+            <a:r>
+              <a:rPr lang="ru-RU" sz="500" dirty="0"/>
+              <a:t> </a:t>
+            </a:r>
+            <a:r>
+              <a:rPr lang="ru-RU" sz="500" dirty="0" err="1"/>
+              <a:t>Vampire</a:t>
+            </a:r>
+            <a:r>
+              <a:rPr lang="ru-RU" sz="500" dirty="0"/>
+              <a:t> FB9 .</a:t>
+            </a:r>
+          </a:p>
+        </p:txBody>
+      </p:sp>
+      <p:sp>
+        <p:nvSpPr>
+          <p:cNvPr id="23" name="Прямоугольник 22">
+            <a:extLst>
+              <a:ext uri="{FF2B5EF4-FFF2-40B4-BE49-F238E27FC236}">
+                <a16:creationId xmlns:a16="http://schemas.microsoft.com/office/drawing/2014/main" id="{3E58D11B-FF28-4315-BCA2-A769980F1758}"/>
+              </a:ext>
+            </a:extLst>
+          </p:cNvPr>
+          <p:cNvSpPr/>
+          <p:nvPr/>
+        </p:nvSpPr>
+        <p:spPr>
+          <a:xfrm>
+            <a:off x="1241946" y="9305806"/>
+            <a:ext cx="2115918" cy="1080000"/>
+          </a:xfrm>
+          <a:prstGeom prst="rect">
+            <a:avLst/>
+          </a:prstGeom>
+          <a:ln w="28575"/>
+        </p:spPr>
+        <p:style>
+          <a:lnRef idx="2">
+            <a:schemeClr val="accent1"/>
+          </a:lnRef>
+          <a:fillRef idx="1">
+            <a:schemeClr val="lt1"/>
+          </a:fillRef>
+          <a:effectRef idx="0">
+            <a:schemeClr val="accent1"/>
+          </a:effectRef>
+          <a:fontRef idx="minor">
+            <a:schemeClr val="dk1"/>
+          </a:fontRef>
+        </p:style>
+        <p:txBody>
+          <a:bodyPr lIns="124733" tIns="62367" rIns="124733" bIns="62367" rtlCol="0" anchor="ctr"/>
+          <a:lstStyle/>
+          <a:p>
+            <a:pPr algn="ctr"/>
+            <a:r>
+              <a:rPr lang="ru-RU" sz="1400" dirty="0"/>
+              <a:t>Расширение обучения в ЮАК </a:t>
+            </a:r>
+            <a:r>
+              <a:rPr lang="ru-RU" sz="800" dirty="0"/>
+              <a:t>(Расширение обучения К 1939 году было создано еще шесть филиалов: Физическая подготовка Камуфляж, Броня, Химическая война, полковой и коммандос. Около 150 000 курсантов всех рангов прошли обучение в Армейском училище во время войны.) </a:t>
+            </a:r>
+            <a:endParaRPr lang="ru-RU" sz="500" dirty="0"/>
+          </a:p>
+        </p:txBody>
+      </p:sp>
+      <p:sp>
+        <p:nvSpPr>
+          <p:cNvPr id="24" name="Прямоугольник 23">
+            <a:extLst>
+              <a:ext uri="{FF2B5EF4-FFF2-40B4-BE49-F238E27FC236}">
+                <a16:creationId xmlns:a16="http://schemas.microsoft.com/office/drawing/2014/main" id="{35D89978-ED38-4BF1-8A1D-667372754781}"/>
+              </a:ext>
+            </a:extLst>
+          </p:cNvPr>
+          <p:cNvSpPr/>
+          <p:nvPr/>
+        </p:nvSpPr>
+        <p:spPr>
+          <a:xfrm>
+            <a:off x="1241946" y="10540737"/>
+            <a:ext cx="2115918" cy="1080000"/>
+          </a:xfrm>
+          <a:prstGeom prst="rect">
+            <a:avLst/>
+          </a:prstGeom>
+          <a:ln w="28575"/>
+        </p:spPr>
+        <p:style>
+          <a:lnRef idx="2">
+            <a:schemeClr val="accent1"/>
+          </a:lnRef>
+          <a:fillRef idx="1">
+            <a:schemeClr val="lt1"/>
+          </a:fillRef>
+          <a:effectRef idx="0">
+            <a:schemeClr val="accent1"/>
+          </a:effectRef>
+          <a:fontRef idx="minor">
+            <a:schemeClr val="dk1"/>
+          </a:fontRef>
+        </p:style>
+        <p:txBody>
+          <a:bodyPr lIns="124733" tIns="62367" rIns="124733" bIns="62367" rtlCol="0" anchor="ctr"/>
+          <a:lstStyle/>
+          <a:p>
+            <a:pPr algn="ctr"/>
+            <a:r>
+              <a:rPr lang="ru-RU" sz="1400" dirty="0"/>
+              <a:t>Новые армейские школы </a:t>
+            </a:r>
+            <a:r>
+              <a:rPr lang="ru-RU" sz="1050" dirty="0"/>
+              <a:t>(Несколько филиалов также стали самостоятельными школами и переехали в помещения по всей Южной Африке.)</a:t>
+            </a:r>
+            <a:endParaRPr lang="ru-RU" sz="500" dirty="0"/>
+          </a:p>
+        </p:txBody>
+      </p:sp>
+      <p:sp>
+        <p:nvSpPr>
+          <p:cNvPr id="25" name="Прямоугольник 24">
+            <a:extLst>
+              <a:ext uri="{FF2B5EF4-FFF2-40B4-BE49-F238E27FC236}">
+                <a16:creationId xmlns:a16="http://schemas.microsoft.com/office/drawing/2014/main" id="{771F1D95-8056-47E0-8042-78976D883C77}"/>
+              </a:ext>
+            </a:extLst>
+          </p:cNvPr>
+          <p:cNvSpPr/>
+          <p:nvPr/>
+        </p:nvSpPr>
+        <p:spPr>
+          <a:xfrm>
+            <a:off x="34235533" y="8683956"/>
+            <a:ext cx="2115918" cy="1080000"/>
+          </a:xfrm>
+          <a:prstGeom prst="rect">
+            <a:avLst/>
+          </a:prstGeom>
+          <a:ln w="28575"/>
+        </p:spPr>
+        <p:style>
+          <a:lnRef idx="2">
+            <a:schemeClr val="accent1"/>
+          </a:lnRef>
+          <a:fillRef idx="1">
+            <a:schemeClr val="lt1"/>
+          </a:fillRef>
+          <a:effectRef idx="0">
+            <a:schemeClr val="accent1"/>
+          </a:effectRef>
+          <a:fontRef idx="minor">
+            <a:schemeClr val="dk1"/>
+          </a:fontRef>
+        </p:style>
+        <p:txBody>
+          <a:bodyPr lIns="124733" tIns="62367" rIns="124733" bIns="62367" rtlCol="0" anchor="ctr"/>
+          <a:lstStyle/>
+          <a:p>
+            <a:pPr algn="ctr"/>
+            <a:r>
+              <a:rPr lang="ru-RU" sz="1400" dirty="0"/>
+              <a:t>80 Аэронавигационное училище (1946) </a:t>
+            </a:r>
+            <a:r>
+              <a:rPr lang="ru-RU" sz="900" dirty="0"/>
+              <a:t>(80 </a:t>
+            </a:r>
+            <a:r>
+              <a:rPr lang="ru-RU" sz="900" dirty="0" err="1"/>
+              <a:t>Air</a:t>
+            </a:r>
+            <a:r>
+              <a:rPr lang="ru-RU" sz="900" dirty="0"/>
+              <a:t> </a:t>
+            </a:r>
+            <a:r>
+              <a:rPr lang="ru-RU" sz="900" dirty="0" err="1"/>
+              <a:t>Navigation</a:t>
+            </a:r>
+            <a:r>
+              <a:rPr lang="ru-RU" sz="900" dirty="0"/>
+              <a:t> </a:t>
+            </a:r>
+            <a:r>
+              <a:rPr lang="ru-RU" sz="900" dirty="0" err="1"/>
+              <a:t>School</a:t>
+            </a:r>
+            <a:r>
+              <a:rPr lang="ru-RU" sz="900" dirty="0"/>
+              <a:t> — подразделение ВВС ЮАР . В настоящее время это школа воздушной навигации, морских операций и выживания на море.)  </a:t>
+            </a:r>
+            <a:endParaRPr lang="ru-RU" sz="500" dirty="0"/>
+          </a:p>
+        </p:txBody>
+      </p:sp>
+      <p:sp>
+        <p:nvSpPr>
+          <p:cNvPr id="26" name="Прямоугольник 25">
+            <a:extLst>
+              <a:ext uri="{FF2B5EF4-FFF2-40B4-BE49-F238E27FC236}">
+                <a16:creationId xmlns:a16="http://schemas.microsoft.com/office/drawing/2014/main" id="{9F9C69CF-CC3F-47D0-B213-FA599973B24B}"/>
+              </a:ext>
+            </a:extLst>
+          </p:cNvPr>
+          <p:cNvSpPr/>
+          <p:nvPr/>
+        </p:nvSpPr>
+        <p:spPr>
+          <a:xfrm>
+            <a:off x="26375123" y="1864634"/>
+            <a:ext cx="2115918" cy="1080000"/>
+          </a:xfrm>
+          <a:prstGeom prst="rect">
+            <a:avLst/>
+          </a:prstGeom>
+          <a:ln w="28575"/>
+        </p:spPr>
+        <p:style>
+          <a:lnRef idx="2">
+            <a:schemeClr val="accent1"/>
+          </a:lnRef>
+          <a:fillRef idx="1">
+            <a:schemeClr val="lt1"/>
+          </a:fillRef>
+          <a:effectRef idx="0">
+            <a:schemeClr val="accent1"/>
+          </a:effectRef>
+          <a:fontRef idx="minor">
+            <a:schemeClr val="dk1"/>
+          </a:fontRef>
+        </p:style>
+        <p:txBody>
+          <a:bodyPr lIns="124733" tIns="62367" rIns="124733" bIns="62367" rtlCol="0" anchor="ctr"/>
+          <a:lstStyle/>
+          <a:p>
+            <a:pPr algn="ctr"/>
+            <a:r>
+              <a:rPr lang="ru-RU" sz="800" dirty="0"/>
+              <a:t>В октябре 1939 года контр-адмирал Гай Галифакс , отставной офицер Королевского флота, проживающий в Южной Африке, был назначен директором Военно-морской службы Южной Африки, позже переименованной в Силы обороны в море (SDF) в январе 1940 года</a:t>
+            </a:r>
+            <a:endParaRPr lang="ru-RU" sz="100" dirty="0"/>
+          </a:p>
+        </p:txBody>
+      </p:sp>
+      <p:sp>
+        <p:nvSpPr>
+          <p:cNvPr id="28" name="Прямоугольник 27">
+            <a:extLst>
+              <a:ext uri="{FF2B5EF4-FFF2-40B4-BE49-F238E27FC236}">
+                <a16:creationId xmlns:a16="http://schemas.microsoft.com/office/drawing/2014/main" id="{3D69AD52-26EA-4816-8BCF-6D9B1B889307}"/>
+              </a:ext>
+            </a:extLst>
+          </p:cNvPr>
+          <p:cNvSpPr/>
+          <p:nvPr/>
+        </p:nvSpPr>
+        <p:spPr>
+          <a:xfrm>
+            <a:off x="30369276" y="7063956"/>
+            <a:ext cx="2115918" cy="1080000"/>
+          </a:xfrm>
+          <a:prstGeom prst="rect">
+            <a:avLst/>
+          </a:prstGeom>
+          <a:ln w="28575"/>
+        </p:spPr>
+        <p:style>
+          <a:lnRef idx="2">
+            <a:schemeClr val="accent1"/>
+          </a:lnRef>
+          <a:fillRef idx="1">
+            <a:schemeClr val="lt1"/>
+          </a:fillRef>
+          <a:effectRef idx="0">
+            <a:schemeClr val="accent1"/>
+          </a:effectRef>
+          <a:fontRef idx="minor">
+            <a:schemeClr val="dk1"/>
+          </a:fontRef>
+        </p:style>
+        <p:txBody>
+          <a:bodyPr lIns="124733" tIns="62367" rIns="124733" bIns="62367" rtlCol="0" anchor="ctr"/>
+          <a:lstStyle/>
+          <a:p>
+            <a:pPr algn="ctr"/>
+            <a:r>
+              <a:rPr lang="ru-RU" sz="1400" dirty="0"/>
+              <a:t>Переоборудование китобоев и траулеров </a:t>
+            </a:r>
+            <a:r>
+              <a:rPr lang="ru-RU" sz="700" dirty="0"/>
+              <a:t>(Надзор за крупной промышленной программой . преобразования гражданских китобоев и рыболовных траулеров в военные суда, несмотря на то, что они очень примитивны, более 80 таких судов впоследствии станут основой военно-морских сил Южной Африки.)</a:t>
+            </a:r>
+            <a:endParaRPr lang="ru-RU" sz="500" dirty="0"/>
+          </a:p>
+        </p:txBody>
+      </p:sp>
+      <p:sp>
+        <p:nvSpPr>
+          <p:cNvPr id="29" name="Прямоугольник 28">
+            <a:extLst>
+              <a:ext uri="{FF2B5EF4-FFF2-40B4-BE49-F238E27FC236}">
+                <a16:creationId xmlns:a16="http://schemas.microsoft.com/office/drawing/2014/main" id="{792B2C5D-D74D-4FB3-8B78-C7BCC7046C90}"/>
+              </a:ext>
+            </a:extLst>
+          </p:cNvPr>
+          <p:cNvSpPr/>
+          <p:nvPr/>
+        </p:nvSpPr>
+        <p:spPr>
+          <a:xfrm>
+            <a:off x="31560340" y="5548537"/>
+            <a:ext cx="2115918" cy="1080000"/>
+          </a:xfrm>
+          <a:prstGeom prst="rect">
+            <a:avLst/>
+          </a:prstGeom>
+          <a:ln w="28575"/>
+        </p:spPr>
+        <p:style>
+          <a:lnRef idx="2">
+            <a:schemeClr val="accent1"/>
+          </a:lnRef>
+          <a:fillRef idx="1">
+            <a:schemeClr val="lt1"/>
+          </a:fillRef>
+          <a:effectRef idx="0">
+            <a:schemeClr val="accent1"/>
+          </a:effectRef>
+          <a:fontRef idx="minor">
+            <a:schemeClr val="dk1"/>
+          </a:fontRef>
+        </p:style>
+        <p:txBody>
+          <a:bodyPr lIns="124733" tIns="62367" rIns="124733" bIns="62367" rtlCol="0" anchor="ctr"/>
+          <a:lstStyle/>
+          <a:p>
+            <a:pPr algn="ctr"/>
+            <a:r>
+              <a:rPr lang="ru-RU" sz="1400" dirty="0"/>
+              <a:t>Промышленная программа флота</a:t>
+            </a:r>
+            <a:endParaRPr lang="ru-RU" sz="500" dirty="0"/>
+          </a:p>
+        </p:txBody>
+      </p:sp>
+      <p:sp>
+        <p:nvSpPr>
+          <p:cNvPr id="30" name="Прямоугольник 29">
+            <a:extLst>
+              <a:ext uri="{FF2B5EF4-FFF2-40B4-BE49-F238E27FC236}">
+                <a16:creationId xmlns:a16="http://schemas.microsoft.com/office/drawing/2014/main" id="{9EE84AD7-C133-4B21-8162-048600DC6053}"/>
+              </a:ext>
+            </a:extLst>
+          </p:cNvPr>
+          <p:cNvSpPr/>
+          <p:nvPr/>
+        </p:nvSpPr>
+        <p:spPr>
+          <a:xfrm>
+            <a:off x="31560340" y="8683956"/>
+            <a:ext cx="2115918" cy="1080000"/>
+          </a:xfrm>
+          <a:prstGeom prst="rect">
+            <a:avLst/>
+          </a:prstGeom>
+          <a:ln w="28575"/>
+        </p:spPr>
+        <p:style>
+          <a:lnRef idx="2">
+            <a:schemeClr val="accent1"/>
+          </a:lnRef>
+          <a:fillRef idx="1">
+            <a:schemeClr val="lt1"/>
+          </a:fillRef>
+          <a:effectRef idx="0">
+            <a:schemeClr val="accent1"/>
+          </a:effectRef>
+          <a:fontRef idx="minor">
+            <a:schemeClr val="dk1"/>
+          </a:fontRef>
+        </p:style>
+        <p:txBody>
+          <a:bodyPr lIns="124733" tIns="62367" rIns="124733" bIns="62367" rtlCol="0" anchor="ctr"/>
+          <a:lstStyle/>
+          <a:p>
+            <a:pPr algn="ctr"/>
+            <a:r>
+              <a:rPr lang="ru-RU" sz="1400" dirty="0"/>
+              <a:t>Объединить военно-морские ведомства </a:t>
+            </a:r>
+            <a:r>
+              <a:rPr lang="ru-RU" sz="700" dirty="0"/>
+              <a:t>(В 1942 году после успешного объединения SDF и RNVR (SA) возникла единая национальная военно-морская служба, в результате которой были созданы Военно-морские силы Южной Африки (SANF))</a:t>
+            </a:r>
+            <a:endParaRPr lang="ru-RU" sz="500" dirty="0"/>
+          </a:p>
+        </p:txBody>
+      </p:sp>
+      <p:sp>
+        <p:nvSpPr>
+          <p:cNvPr id="31" name="Прямоугольник 30">
+            <a:extLst>
+              <a:ext uri="{FF2B5EF4-FFF2-40B4-BE49-F238E27FC236}">
+                <a16:creationId xmlns:a16="http://schemas.microsoft.com/office/drawing/2014/main" id="{BAE0D071-9F16-46A2-A3C7-D4043769D316}"/>
+              </a:ext>
+            </a:extLst>
+          </p:cNvPr>
+          <p:cNvSpPr/>
+          <p:nvPr/>
+        </p:nvSpPr>
+        <p:spPr>
+          <a:xfrm>
+            <a:off x="32980351" y="7063956"/>
+            <a:ext cx="2115918" cy="1080000"/>
+          </a:xfrm>
+          <a:prstGeom prst="rect">
+            <a:avLst/>
+          </a:prstGeom>
+          <a:ln w="28575"/>
+        </p:spPr>
+        <p:style>
+          <a:lnRef idx="2">
+            <a:schemeClr val="accent1"/>
+          </a:lnRef>
+          <a:fillRef idx="1">
+            <a:schemeClr val="lt1"/>
+          </a:fillRef>
+          <a:effectRef idx="0">
+            <a:schemeClr val="accent1"/>
+          </a:effectRef>
+          <a:fontRef idx="minor">
+            <a:schemeClr val="dk1"/>
+          </a:fontRef>
+        </p:style>
+        <p:txBody>
+          <a:bodyPr lIns="124733" tIns="62367" rIns="124733" bIns="62367" rtlCol="0" anchor="ctr"/>
+          <a:lstStyle/>
+          <a:p>
+            <a:pPr algn="ctr"/>
+            <a:r>
+              <a:rPr lang="ru-RU" sz="1400" dirty="0"/>
+              <a:t>Военно-морская база Дурбан </a:t>
+            </a:r>
+            <a:r>
+              <a:rPr lang="ru-RU" sz="500" dirty="0"/>
+              <a:t>(Вступление Японии во Вторую мировую войну на стороне держав Оси и их способность угрожать восточному побережью Африки побудили к строительству новой военно-морской базы на острове Солсбери. В процессе этого строительства остров был соединен с материком дамбой, а уровень земли был поднят на три метра. Помимо причалов, в состав базы входили казармы, мастерские, госпиталь, а также учебные заведения. Также были установлены плавучий сухой док и кран . Однако строительство было завершено только после окончания войны. [5])</a:t>
+            </a:r>
+          </a:p>
+        </p:txBody>
+      </p:sp>
+      <p:sp>
+        <p:nvSpPr>
+          <p:cNvPr id="32" name="Прямоугольник 31">
+            <a:extLst>
+              <a:ext uri="{FF2B5EF4-FFF2-40B4-BE49-F238E27FC236}">
+                <a16:creationId xmlns:a16="http://schemas.microsoft.com/office/drawing/2014/main" id="{3FA86464-4A7A-4479-B421-35E994E3C985}"/>
+              </a:ext>
+            </a:extLst>
+          </p:cNvPr>
+          <p:cNvSpPr/>
+          <p:nvPr/>
+        </p:nvSpPr>
+        <p:spPr>
+          <a:xfrm>
+            <a:off x="7935036" y="1433423"/>
+            <a:ext cx="2115918" cy="1080000"/>
+          </a:xfrm>
+          <a:prstGeom prst="rect">
+            <a:avLst/>
+          </a:prstGeom>
+          <a:ln w="28575"/>
+        </p:spPr>
+        <p:style>
+          <a:lnRef idx="2">
+            <a:schemeClr val="accent1"/>
+          </a:lnRef>
+          <a:fillRef idx="1">
+            <a:schemeClr val="lt1"/>
+          </a:fillRef>
+          <a:effectRef idx="0">
+            <a:schemeClr val="accent1"/>
+          </a:effectRef>
+          <a:fontRef idx="minor">
+            <a:schemeClr val="dk1"/>
+          </a:fontRef>
+        </p:style>
+        <p:txBody>
+          <a:bodyPr lIns="124733" tIns="62367" rIns="124733" bIns="62367" rtlCol="0" anchor="ctr"/>
+          <a:lstStyle/>
+          <a:p>
+            <a:pPr algn="ctr"/>
+            <a:r>
+              <a:rPr lang="ru-RU" sz="1400" dirty="0"/>
+              <a:t>Армия на старте в 20к</a:t>
             </a:r>
             <a:endParaRPr lang="ru-RU" sz="500" dirty="0"/>
           </a:p>

--- a/Наработки/диздоки/ЮАС/ЮАС.pptx
+++ b/Наработки/диздоки/ЮАС/ЮАС.pptx
@@ -209,7 +209,7 @@
             <a:fld id="{33E3D7F9-E251-484C-A6FF-FA958879DF69}" type="datetimeFigureOut">
               <a:rPr lang="ru-RU" smtClean="0"/>
               <a:pPr/>
-              <a:t>02.02.2023</a:t>
+              <a:t>03.02.2023</a:t>
             </a:fld>
             <a:endParaRPr lang="ru-RU"/>
           </a:p>
@@ -699,7 +699,7 @@
             <a:fld id="{85A5DE44-605B-4D3B-B2B7-94543DF81A36}" type="datetimeFigureOut">
               <a:rPr lang="ru-RU" smtClean="0"/>
               <a:pPr/>
-              <a:t>02.02.2023</a:t>
+              <a:t>03.02.2023</a:t>
             </a:fld>
             <a:endParaRPr lang="ru-RU"/>
           </a:p>
@@ -871,7 +871,7 @@
             <a:fld id="{85A5DE44-605B-4D3B-B2B7-94543DF81A36}" type="datetimeFigureOut">
               <a:rPr lang="ru-RU" smtClean="0"/>
               <a:pPr/>
-              <a:t>02.02.2023</a:t>
+              <a:t>03.02.2023</a:t>
             </a:fld>
             <a:endParaRPr lang="ru-RU"/>
           </a:p>
@@ -1053,7 +1053,7 @@
             <a:fld id="{85A5DE44-605B-4D3B-B2B7-94543DF81A36}" type="datetimeFigureOut">
               <a:rPr lang="ru-RU" smtClean="0"/>
               <a:pPr/>
-              <a:t>02.02.2023</a:t>
+              <a:t>03.02.2023</a:t>
             </a:fld>
             <a:endParaRPr lang="ru-RU"/>
           </a:p>
@@ -1225,7 +1225,7 @@
             <a:fld id="{85A5DE44-605B-4D3B-B2B7-94543DF81A36}" type="datetimeFigureOut">
               <a:rPr lang="ru-RU" smtClean="0"/>
               <a:pPr/>
-              <a:t>02.02.2023</a:t>
+              <a:t>03.02.2023</a:t>
             </a:fld>
             <a:endParaRPr lang="ru-RU"/>
           </a:p>
@@ -1473,7 +1473,7 @@
             <a:fld id="{85A5DE44-605B-4D3B-B2B7-94543DF81A36}" type="datetimeFigureOut">
               <a:rPr lang="ru-RU" smtClean="0"/>
               <a:pPr/>
-              <a:t>02.02.2023</a:t>
+              <a:t>03.02.2023</a:t>
             </a:fld>
             <a:endParaRPr lang="ru-RU"/>
           </a:p>
@@ -1707,7 +1707,7 @@
             <a:fld id="{85A5DE44-605B-4D3B-B2B7-94543DF81A36}" type="datetimeFigureOut">
               <a:rPr lang="ru-RU" smtClean="0"/>
               <a:pPr/>
-              <a:t>02.02.2023</a:t>
+              <a:t>03.02.2023</a:t>
             </a:fld>
             <a:endParaRPr lang="ru-RU"/>
           </a:p>
@@ -2076,7 +2076,7 @@
             <a:fld id="{85A5DE44-605B-4D3B-B2B7-94543DF81A36}" type="datetimeFigureOut">
               <a:rPr lang="ru-RU" smtClean="0"/>
               <a:pPr/>
-              <a:t>02.02.2023</a:t>
+              <a:t>03.02.2023</a:t>
             </a:fld>
             <a:endParaRPr lang="ru-RU"/>
           </a:p>
@@ -2196,7 +2196,7 @@
             <a:fld id="{85A5DE44-605B-4D3B-B2B7-94543DF81A36}" type="datetimeFigureOut">
               <a:rPr lang="ru-RU" smtClean="0"/>
               <a:pPr/>
-              <a:t>02.02.2023</a:t>
+              <a:t>03.02.2023</a:t>
             </a:fld>
             <a:endParaRPr lang="ru-RU"/>
           </a:p>
@@ -2293,7 +2293,7 @@
             <a:fld id="{85A5DE44-605B-4D3B-B2B7-94543DF81A36}" type="datetimeFigureOut">
               <a:rPr lang="ru-RU" smtClean="0"/>
               <a:pPr/>
-              <a:t>02.02.2023</a:t>
+              <a:t>03.02.2023</a:t>
             </a:fld>
             <a:endParaRPr lang="ru-RU"/>
           </a:p>
@@ -2572,7 +2572,7 @@
             <a:fld id="{85A5DE44-605B-4D3B-B2B7-94543DF81A36}" type="datetimeFigureOut">
               <a:rPr lang="ru-RU" smtClean="0"/>
               <a:pPr/>
-              <a:t>02.02.2023</a:t>
+              <a:t>03.02.2023</a:t>
             </a:fld>
             <a:endParaRPr lang="ru-RU"/>
           </a:p>
@@ -2831,7 +2831,7 @@
             <a:fld id="{85A5DE44-605B-4D3B-B2B7-94543DF81A36}" type="datetimeFigureOut">
               <a:rPr lang="ru-RU" smtClean="0"/>
               <a:pPr/>
-              <a:t>02.02.2023</a:t>
+              <a:t>03.02.2023</a:t>
             </a:fld>
             <a:endParaRPr lang="ru-RU"/>
           </a:p>
@@ -3046,7 +3046,7 @@
             <a:fld id="{85A5DE44-605B-4D3B-B2B7-94543DF81A36}" type="datetimeFigureOut">
               <a:rPr lang="ru-RU" smtClean="0"/>
               <a:pPr/>
-              <a:t>02.02.2023</a:t>
+              <a:t>03.02.2023</a:t>
             </a:fld>
             <a:endParaRPr lang="ru-RU"/>
           </a:p>
@@ -3460,7 +3460,7 @@
         </p:nvSpPr>
         <p:spPr>
           <a:xfrm>
-            <a:off x="1487403" y="3702299"/>
+            <a:off x="4066792" y="3770652"/>
             <a:ext cx="2115918" cy="1080000"/>
           </a:xfrm>
           <a:prstGeom prst="rect">
@@ -3710,7 +3710,7 @@
         </p:nvSpPr>
         <p:spPr>
           <a:xfrm>
-            <a:off x="3965093" y="3702299"/>
+            <a:off x="5299277" y="5219642"/>
             <a:ext cx="2115918" cy="1080000"/>
           </a:xfrm>
           <a:prstGeom prst="rect">
@@ -3874,7 +3874,7 @@
         </p:nvSpPr>
         <p:spPr>
           <a:xfrm>
-            <a:off x="3965093" y="5249219"/>
+            <a:off x="5299277" y="6658606"/>
             <a:ext cx="2115918" cy="1080000"/>
           </a:xfrm>
           <a:prstGeom prst="rect">
@@ -3943,7 +3943,7 @@
         </p:nvSpPr>
         <p:spPr>
           <a:xfrm>
-            <a:off x="3965093" y="6796139"/>
+            <a:off x="5299277" y="8091676"/>
             <a:ext cx="2115918" cy="1080000"/>
           </a:xfrm>
           <a:prstGeom prst="rect">
@@ -4004,7 +4004,7 @@
         </p:nvSpPr>
         <p:spPr>
           <a:xfrm>
-            <a:off x="1487403" y="6796049"/>
+            <a:off x="2834307" y="8091676"/>
             <a:ext cx="2115918" cy="1080000"/>
           </a:xfrm>
           <a:prstGeom prst="rect">
@@ -4069,8 +4069,8 @@
         </p:nvCxnSpPr>
         <p:spPr>
           <a:xfrm>
-            <a:off x="3603321" y="7336049"/>
-            <a:ext cx="361772" cy="90"/>
+            <a:off x="4950225" y="8631676"/>
+            <a:ext cx="349052" cy="0"/>
           </a:xfrm>
           <a:prstGeom prst="line">
             <a:avLst/>
@@ -4110,7 +4110,7 @@
         </p:nvSpPr>
         <p:spPr>
           <a:xfrm>
-            <a:off x="3965093" y="8342969"/>
+            <a:off x="5299277" y="10963710"/>
             <a:ext cx="2115918" cy="1080000"/>
           </a:xfrm>
           <a:prstGeom prst="rect">
@@ -4159,7 +4159,7 @@
         </p:nvSpPr>
         <p:spPr>
           <a:xfrm>
-            <a:off x="1487403" y="5249219"/>
+            <a:off x="5299277" y="9527693"/>
             <a:ext cx="2115918" cy="1080000"/>
           </a:xfrm>
           <a:prstGeom prst="rect">
@@ -4208,7 +4208,7 @@
         </p:nvSpPr>
         <p:spPr>
           <a:xfrm>
-            <a:off x="36910726" y="8683956"/>
+            <a:off x="17007128" y="6906071"/>
             <a:ext cx="2115918" cy="1080000"/>
           </a:xfrm>
           <a:prstGeom prst="rect">
@@ -4260,7 +4260,7 @@
         </p:nvSpPr>
         <p:spPr>
           <a:xfrm>
-            <a:off x="39635440" y="8683956"/>
+            <a:off x="19731842" y="6906071"/>
             <a:ext cx="2115918" cy="1080000"/>
           </a:xfrm>
           <a:prstGeom prst="rect">
@@ -4329,7 +4329,7 @@
         </p:nvSpPr>
         <p:spPr>
           <a:xfrm>
-            <a:off x="38202501" y="7063956"/>
+            <a:off x="18298903" y="5286071"/>
             <a:ext cx="2115918" cy="1080000"/>
           </a:xfrm>
           <a:prstGeom prst="rect">
@@ -4382,7 +4382,7 @@
         </p:nvSpPr>
         <p:spPr>
           <a:xfrm>
-            <a:off x="38202501" y="5548537"/>
+            <a:off x="18298903" y="3770652"/>
             <a:ext cx="2115918" cy="1080000"/>
           </a:xfrm>
           <a:prstGeom prst="rect">
@@ -4467,7 +4467,7 @@
         </p:nvSpPr>
         <p:spPr>
           <a:xfrm>
-            <a:off x="35591426" y="5548537"/>
+            <a:off x="15687828" y="3770652"/>
             <a:ext cx="2115918" cy="1080000"/>
           </a:xfrm>
           <a:prstGeom prst="rect">
@@ -4519,7 +4519,7 @@
         </p:nvSpPr>
         <p:spPr>
           <a:xfrm>
-            <a:off x="35591426" y="7063956"/>
+            <a:off x="15687828" y="5286071"/>
             <a:ext cx="2115918" cy="1080000"/>
           </a:xfrm>
           <a:prstGeom prst="rect">
@@ -4595,7 +4595,7 @@
         </p:nvSpPr>
         <p:spPr>
           <a:xfrm>
-            <a:off x="1241946" y="9305806"/>
+            <a:off x="2834307" y="5219642"/>
             <a:ext cx="2115918" cy="1080000"/>
           </a:xfrm>
           <a:prstGeom prst="rect">
@@ -4648,7 +4648,7 @@
         </p:nvSpPr>
         <p:spPr>
           <a:xfrm>
-            <a:off x="1241946" y="10540737"/>
+            <a:off x="2834307" y="6655659"/>
             <a:ext cx="2115918" cy="1080000"/>
           </a:xfrm>
           <a:prstGeom prst="rect">
@@ -4701,7 +4701,7 @@
         </p:nvSpPr>
         <p:spPr>
           <a:xfrm>
-            <a:off x="34235533" y="8683956"/>
+            <a:off x="14331935" y="6906071"/>
             <a:ext cx="2115918" cy="1080000"/>
           </a:xfrm>
           <a:prstGeom prst="rect">
@@ -4827,7 +4827,7 @@
         </p:nvSpPr>
         <p:spPr>
           <a:xfrm>
-            <a:off x="30369276" y="7063956"/>
+            <a:off x="10465678" y="5286071"/>
             <a:ext cx="2115918" cy="1080000"/>
           </a:xfrm>
           <a:prstGeom prst="rect">
@@ -4880,7 +4880,7 @@
         </p:nvSpPr>
         <p:spPr>
           <a:xfrm>
-            <a:off x="31560340" y="5548537"/>
+            <a:off x="11656742" y="3770652"/>
             <a:ext cx="2115918" cy="1080000"/>
           </a:xfrm>
           <a:prstGeom prst="rect">
@@ -4929,7 +4929,7 @@
         </p:nvSpPr>
         <p:spPr>
           <a:xfrm>
-            <a:off x="31560340" y="8683956"/>
+            <a:off x="11656742" y="6906071"/>
             <a:ext cx="2115918" cy="1080000"/>
           </a:xfrm>
           <a:prstGeom prst="rect">
@@ -4982,7 +4982,7 @@
         </p:nvSpPr>
         <p:spPr>
           <a:xfrm>
-            <a:off x="32980351" y="7063956"/>
+            <a:off x="13076753" y="5286071"/>
             <a:ext cx="2115918" cy="1080000"/>
           </a:xfrm>
           <a:prstGeom prst="rect">
@@ -5066,6 +5066,331 @@
               <a:t>Армия на старте в 20к</a:t>
             </a:r>
             <a:endParaRPr lang="ru-RU" sz="500" dirty="0"/>
+          </a:p>
+        </p:txBody>
+      </p:sp>
+      <p:sp>
+        <p:nvSpPr>
+          <p:cNvPr id="33" name="Прямоугольник 32">
+            <a:extLst>
+              <a:ext uri="{FF2B5EF4-FFF2-40B4-BE49-F238E27FC236}">
+                <a16:creationId xmlns:a16="http://schemas.microsoft.com/office/drawing/2014/main" id="{40162262-496D-43E4-8F2B-B90E7B9A1929}"/>
+              </a:ext>
+            </a:extLst>
+          </p:cNvPr>
+          <p:cNvSpPr/>
+          <p:nvPr/>
+        </p:nvSpPr>
+        <p:spPr>
+          <a:xfrm>
+            <a:off x="2834307" y="10963710"/>
+            <a:ext cx="2115918" cy="1080000"/>
+          </a:xfrm>
+          <a:prstGeom prst="rect">
+            <a:avLst/>
+          </a:prstGeom>
+          <a:ln w="28575"/>
+        </p:spPr>
+        <p:style>
+          <a:lnRef idx="2">
+            <a:schemeClr val="accent1"/>
+          </a:lnRef>
+          <a:fillRef idx="1">
+            <a:schemeClr val="lt1"/>
+          </a:fillRef>
+          <a:effectRef idx="0">
+            <a:schemeClr val="accent1"/>
+          </a:effectRef>
+          <a:fontRef idx="minor">
+            <a:schemeClr val="dk1"/>
+          </a:fontRef>
+        </p:style>
+        <p:txBody>
+          <a:bodyPr lIns="124733" tIns="62367" rIns="124733" bIns="62367" rtlCol="0" anchor="ctr"/>
+          <a:lstStyle/>
+          <a:p>
+            <a:pPr algn="ctr"/>
+            <a:r>
+              <a:rPr lang="ru-RU" sz="1400" dirty="0"/>
+              <a:t>Признать цветных мысов и индейцев годными к службе (вместо капского корпуса) </a:t>
+            </a:r>
+            <a:r>
+              <a:rPr lang="ru-RU" sz="500" dirty="0"/>
+              <a:t>(</a:t>
+            </a:r>
+            <a:r>
+              <a:rPr lang="ru-RU" sz="200" dirty="0"/>
+              <a:t>Учитывая отношение страны к расе в то время, вряд ли рассматривался набор боевых отрядов из гораздо более многочисленного чернокожего населения. Вместо этого, в попытке высвободить как можно больше белых для боевого и технического вооружения, был сформирован ряд корпусов для предоставления водителей и пионеров, набранных из более приемлемого населения цветных мысов и индейцев .)</a:t>
+            </a:r>
+            <a:endParaRPr lang="ru-RU" sz="500" dirty="0"/>
+          </a:p>
+        </p:txBody>
+      </p:sp>
+      <p:sp>
+        <p:nvSpPr>
+          <p:cNvPr id="36" name="Прямоугольник 35">
+            <a:extLst>
+              <a:ext uri="{FF2B5EF4-FFF2-40B4-BE49-F238E27FC236}">
+                <a16:creationId xmlns:a16="http://schemas.microsoft.com/office/drawing/2014/main" id="{1DE14A81-2776-4187-BF76-C4A0AB64650B}"/>
+              </a:ext>
+            </a:extLst>
+          </p:cNvPr>
+          <p:cNvSpPr/>
+          <p:nvPr/>
+        </p:nvSpPr>
+        <p:spPr>
+          <a:xfrm>
+            <a:off x="2834307" y="9527693"/>
+            <a:ext cx="2115918" cy="1080000"/>
+          </a:xfrm>
+          <a:prstGeom prst="rect">
+            <a:avLst/>
+          </a:prstGeom>
+          <a:ln w="28575"/>
+        </p:spPr>
+        <p:style>
+          <a:lnRef idx="2">
+            <a:schemeClr val="accent1"/>
+          </a:lnRef>
+          <a:fillRef idx="1">
+            <a:schemeClr val="lt1"/>
+          </a:fillRef>
+          <a:effectRef idx="0">
+            <a:schemeClr val="accent1"/>
+          </a:effectRef>
+          <a:fontRef idx="minor">
+            <a:schemeClr val="dk1"/>
+          </a:fontRef>
+        </p:style>
+        <p:txBody>
+          <a:bodyPr lIns="124733" tIns="62367" rIns="124733" bIns="62367" rtlCol="0" anchor="ctr"/>
+          <a:lstStyle/>
+          <a:p>
+            <a:pPr algn="ctr"/>
+            <a:r>
+              <a:rPr lang="ru-RU" sz="1400" dirty="0"/>
+              <a:t>Туземный военный корпус </a:t>
+            </a:r>
+            <a:r>
+              <a:rPr lang="ru-RU" sz="400" dirty="0"/>
+              <a:t>(Туземный военный корпус ( NMC ) был южноафриканским военным подразделением во время Второй мировой войны. Он состоял из чернокожих южноафриканских добровольцев, завербованных в Силы обороны Союза (UDF). Несмотря на название подразделения, они не играли боевой роли и служили рабочими, прикрепленными к белым южноафриканским воинским частям UDF. Цель заключалась в том, чтобы высвободить ограниченное количество белых новобранцев в ОДС для боевых ролей.)</a:t>
+            </a:r>
+            <a:endParaRPr lang="ru-RU" sz="500" dirty="0"/>
+          </a:p>
+        </p:txBody>
+      </p:sp>
+      <p:sp>
+        <p:nvSpPr>
+          <p:cNvPr id="37" name="Прямоугольник 36">
+            <a:extLst>
+              <a:ext uri="{FF2B5EF4-FFF2-40B4-BE49-F238E27FC236}">
+                <a16:creationId xmlns:a16="http://schemas.microsoft.com/office/drawing/2014/main" id="{FBD8229D-379D-4D52-BB0C-76E0E81CD826}"/>
+              </a:ext>
+            </a:extLst>
+          </p:cNvPr>
+          <p:cNvSpPr/>
+          <p:nvPr/>
+        </p:nvSpPr>
+        <p:spPr>
+          <a:xfrm>
+            <a:off x="141686" y="9414276"/>
+            <a:ext cx="2115918" cy="1080000"/>
+          </a:xfrm>
+          <a:prstGeom prst="rect">
+            <a:avLst/>
+          </a:prstGeom>
+          <a:ln w="28575"/>
+        </p:spPr>
+        <p:style>
+          <a:lnRef idx="2">
+            <a:schemeClr val="accent1"/>
+          </a:lnRef>
+          <a:fillRef idx="1">
+            <a:schemeClr val="lt1"/>
+          </a:fillRef>
+          <a:effectRef idx="0">
+            <a:schemeClr val="accent1"/>
+          </a:effectRef>
+          <a:fontRef idx="minor">
+            <a:schemeClr val="dk1"/>
+          </a:fontRef>
+        </p:style>
+        <p:txBody>
+          <a:bodyPr lIns="124733" tIns="62367" rIns="124733" bIns="62367" rtlCol="0" anchor="ctr"/>
+          <a:lstStyle/>
+          <a:p>
+            <a:pPr algn="ctr"/>
+            <a:r>
+              <a:rPr lang="ru-RU" sz="200" dirty="0"/>
+              <a:t>В начале 1940 года NEAS установил уровень набора в 8000 чернокожих солдат, но к 1941 году требования резко изменились, и NEAS рассчитывал на уровень 60 000 человек. [1] : 26 Вербовка закончилась в 1943 году, когда союзники одержали верх над силами Оси в Северной Африке, и потребность в этих типах войск уменьшилась. [1] : 26 Цифры различаются по окончательным уровням: 77 239 по оценке UDF и другие как высокие 80 479, которые могут включать новобранцев, которые были отклонены. [4] : 77 Цифры показывают, что самый высокий набор пришелся из Трансвааля: 52 037 человек, в основном из-за засухи в Северном Трансваале, 9 555 человек из Капской провинции, 7 366 человек из </a:t>
+            </a:r>
+            <a:r>
+              <a:rPr lang="ru-RU" sz="200" dirty="0" err="1"/>
+              <a:t>Натала</a:t>
+            </a:r>
+            <a:r>
+              <a:rPr lang="ru-RU" sz="200" dirty="0"/>
+              <a:t>, 4 522 человека из Оранжевого Свободного государства и 7 000 человек из Юго-Западной Африки. [4] : 77 Тридцать процентов новобранцев прибыли из городских районов Южной Африки, а остальные семьдесят процентов прибыли из сельской местности. [1] : 44Первоначальный набор осуществлялся с помощью плакатов и фильмов. Плакаты с вербовкой часто размещались в общественных местах, часто посещаемых чернокожими мужчинами. [1] : 27 Использовались также пропагандистские вербовочные фильмы, на которых были показаны новобранцы, проходящие обучение, с использованием передвижных </a:t>
+            </a:r>
+            <a:r>
+              <a:rPr lang="ru-RU" sz="200" dirty="0" err="1"/>
+              <a:t>кинофургонов</a:t>
+            </a:r>
+            <a:r>
+              <a:rPr lang="ru-RU" sz="200" dirty="0"/>
+              <a:t>, которые демонстрировали фильмы в черных районах страны. [1] : 27 Были предприняты попытки использовать уполномоченных по рождению для вербовки чернокожих, но они были скорее препятствием для процесса, поскольку большинство чернокожих с самого начала не доверяли им. [1] : 27. Частные компании пытались способствовать найму своих чернокожих сотрудников, но это не одобрялось белыми владельцами. [1] : 27Другой метод заключался в том, чтобы обратиться к чернокожим вождям в сельской местности и с помощью денежных поощрений заставить их приказать некоторым из своих людей подписать документы о вербовке. [1] : 29 Этот метод был открыт для злоупотреблений со стороны вождей при выборе того, кто должен идти, а также для мошеннических практик получения государственных денег с последующим отказом в предоставлении рекрутов. [1] : 31Были также вопросы, касающиеся восприятия войны и ожиданий их роли в Военном корпусе туземцев. Большинство сельских чернокожих мало понимали, что такое война в Европе, и некоторые потенциальные новобранцы ожидали, что их обучение будет включать изучение новой профессии, исключенной из законов о расовой занятости внутри страны. [1] : 38Низкая заработная плата также мешала найму. Как и в гражданской жизни, ставки заработной платы были основаны на расе, при этом чернокожие находились в самом низу шкалы, при этом базовая заработная плата в корпусе устанавливалась на уровне 1 шиллинга 6 пенсов в день для неженатых военнослужащих и тех, у кого есть иждивенцы, 2 шиллинга 3 пенса в отличие от основных белых солдат, которые платили по 5 шиллингов в день. [1] : 40 Высшим званием, которое могли получить черные войска, был сержант. [1] : 44 Другим препятствием был отказ низших белых чинов подчиняться приказам черного солдата более высокого ранга. [1] : 45 Это можно было бы преодолеть только в том случае, если бы белый офицер дал разрешение черному солдату. [1] : 38</a:t>
+            </a:r>
+            <a:endParaRPr lang="ru-RU" sz="100" dirty="0"/>
+          </a:p>
+        </p:txBody>
+      </p:sp>
+      <p:sp>
+        <p:nvSpPr>
+          <p:cNvPr id="38" name="Прямоугольник 37">
+            <a:extLst>
+              <a:ext uri="{FF2B5EF4-FFF2-40B4-BE49-F238E27FC236}">
+                <a16:creationId xmlns:a16="http://schemas.microsoft.com/office/drawing/2014/main" id="{5577797A-63B1-4A4D-BF5F-CE7415CAF008}"/>
+              </a:ext>
+            </a:extLst>
+          </p:cNvPr>
+          <p:cNvSpPr/>
+          <p:nvPr/>
+        </p:nvSpPr>
+        <p:spPr>
+          <a:xfrm>
+            <a:off x="7764247" y="9527693"/>
+            <a:ext cx="2115918" cy="1080000"/>
+          </a:xfrm>
+          <a:prstGeom prst="rect">
+            <a:avLst/>
+          </a:prstGeom>
+          <a:ln w="28575"/>
+        </p:spPr>
+        <p:style>
+          <a:lnRef idx="2">
+            <a:schemeClr val="accent1"/>
+          </a:lnRef>
+          <a:fillRef idx="1">
+            <a:schemeClr val="lt1"/>
+          </a:fillRef>
+          <a:effectRef idx="0">
+            <a:schemeClr val="accent1"/>
+          </a:effectRef>
+          <a:fontRef idx="minor">
+            <a:schemeClr val="dk1"/>
+          </a:fontRef>
+        </p:style>
+        <p:txBody>
+          <a:bodyPr lIns="124733" tIns="62367" rIns="124733" bIns="62367" rtlCol="0" anchor="ctr"/>
+          <a:lstStyle/>
+          <a:p>
+            <a:pPr algn="ctr"/>
+            <a:r>
+              <a:rPr lang="ru-RU" sz="1400" dirty="0"/>
+              <a:t>Создание региональных командований </a:t>
+            </a:r>
+            <a:r>
+              <a:rPr lang="ru-RU" sz="500" dirty="0"/>
+              <a:t>(1939 году армия дома в Южной Африке была разделена между рядом региональных командований . [15] К ним относятся Капское командование (со штаб-квартирой в замке Доброй Надежды , Кейптаун), Оранжевое командование Свободного государства , </a:t>
+            </a:r>
+            <a:r>
+              <a:rPr lang="ru-RU" sz="500" dirty="0" err="1"/>
+              <a:t>Натальское</a:t>
+            </a:r>
+            <a:r>
+              <a:rPr lang="ru-RU" sz="500" dirty="0"/>
+              <a:t> командование , </a:t>
+            </a:r>
+            <a:r>
+              <a:rPr lang="ru-RU" sz="500" dirty="0" err="1"/>
+              <a:t>Витватерсрандское</a:t>
+            </a:r>
+            <a:r>
+              <a:rPr lang="ru-RU" sz="500" dirty="0"/>
+              <a:t> командование (5-я и 9-я бригады плюс </a:t>
+            </a:r>
+            <a:r>
+              <a:rPr lang="ru-RU" sz="500" dirty="0" err="1"/>
+              <a:t>Трансваальская</a:t>
+            </a:r>
+            <a:r>
+              <a:rPr lang="ru-RU" sz="500" dirty="0"/>
+              <a:t> конная артиллерия ), Робертс-Хайтс и </a:t>
+            </a:r>
+            <a:r>
+              <a:rPr lang="ru-RU" sz="500" dirty="0" err="1"/>
+              <a:t>Трансваальское</a:t>
+            </a:r>
+            <a:r>
+              <a:rPr lang="ru-RU" sz="500" dirty="0"/>
+              <a:t> командование ( Штаб -квартира Робертс-Хайтс ) </a:t>
+            </a:r>
+            <a:r>
+              <a:rPr lang="ru-RU" sz="500" dirty="0" err="1"/>
+              <a:t>иКомандование</a:t>
+            </a:r>
+            <a:r>
+              <a:rPr lang="ru-RU" sz="500" dirty="0"/>
+              <a:t> Восточной провинции в Восточном Лондоне .)</a:t>
+            </a:r>
+          </a:p>
+        </p:txBody>
+      </p:sp>
+      <p:sp>
+        <p:nvSpPr>
+          <p:cNvPr id="39" name="Прямоугольник 38">
+            <a:extLst>
+              <a:ext uri="{FF2B5EF4-FFF2-40B4-BE49-F238E27FC236}">
+                <a16:creationId xmlns:a16="http://schemas.microsoft.com/office/drawing/2014/main" id="{EC51DEA3-FD70-4670-A431-295D6B333808}"/>
+              </a:ext>
+            </a:extLst>
+          </p:cNvPr>
+          <p:cNvSpPr/>
+          <p:nvPr/>
+        </p:nvSpPr>
+        <p:spPr>
+          <a:xfrm>
+            <a:off x="10180367" y="13848102"/>
+            <a:ext cx="2115918" cy="1080000"/>
+          </a:xfrm>
+          <a:prstGeom prst="rect">
+            <a:avLst/>
+          </a:prstGeom>
+          <a:solidFill>
+            <a:schemeClr val="accent1">
+              <a:lumMod val="60000"/>
+              <a:lumOff val="40000"/>
+            </a:schemeClr>
+          </a:solidFill>
+          <a:ln w="28575"/>
+        </p:spPr>
+        <p:style>
+          <a:lnRef idx="2">
+            <a:schemeClr val="accent1"/>
+          </a:lnRef>
+          <a:fillRef idx="1">
+            <a:schemeClr val="lt1"/>
+          </a:fillRef>
+          <a:effectRef idx="0">
+            <a:schemeClr val="accent1"/>
+          </a:effectRef>
+          <a:fontRef idx="minor">
+            <a:schemeClr val="dk1"/>
+          </a:fontRef>
+        </p:style>
+        <p:txBody>
+          <a:bodyPr lIns="124733" tIns="62367" rIns="124733" bIns="62367" rtlCol="0" anchor="ctr"/>
+          <a:lstStyle/>
+          <a:p>
+            <a:pPr algn="ctr"/>
+            <a:r>
+              <a:rPr lang="ru-RU" sz="1400" dirty="0"/>
+              <a:t>Молодежная лига Африканского национального конгресса </a:t>
+            </a:r>
+            <a:r>
+              <a:rPr lang="ru-RU" sz="500" dirty="0"/>
+              <a:t>(Молодежная лига Африканского национального конгресса ( АНКИЛ ) является молодежным крылом Африканского национального конгресса (АНК). Как указано в ее уставе, Молодежная лига АНК возглавляется Национальным исполнительным комитетом (НИК) и Национальным рабочим комитетом (НРК).)</a:t>
+            </a:r>
           </a:p>
         </p:txBody>
       </p:sp>

--- a/Наработки/диздоки/ЮАС/ЮАС.pptx
+++ b/Наработки/диздоки/ЮАС/ЮАС.pptx
@@ -209,7 +209,7 @@
             <a:fld id="{33E3D7F9-E251-484C-A6FF-FA958879DF69}" type="datetimeFigureOut">
               <a:rPr lang="ru-RU" smtClean="0"/>
               <a:pPr/>
-              <a:t>03.02.2023</a:t>
+              <a:t>07.02.2023</a:t>
             </a:fld>
             <a:endParaRPr lang="ru-RU"/>
           </a:p>
@@ -699,7 +699,7 @@
             <a:fld id="{85A5DE44-605B-4D3B-B2B7-94543DF81A36}" type="datetimeFigureOut">
               <a:rPr lang="ru-RU" smtClean="0"/>
               <a:pPr/>
-              <a:t>03.02.2023</a:t>
+              <a:t>07.02.2023</a:t>
             </a:fld>
             <a:endParaRPr lang="ru-RU"/>
           </a:p>
@@ -871,7 +871,7 @@
             <a:fld id="{85A5DE44-605B-4D3B-B2B7-94543DF81A36}" type="datetimeFigureOut">
               <a:rPr lang="ru-RU" smtClean="0"/>
               <a:pPr/>
-              <a:t>03.02.2023</a:t>
+              <a:t>07.02.2023</a:t>
             </a:fld>
             <a:endParaRPr lang="ru-RU"/>
           </a:p>
@@ -1053,7 +1053,7 @@
             <a:fld id="{85A5DE44-605B-4D3B-B2B7-94543DF81A36}" type="datetimeFigureOut">
               <a:rPr lang="ru-RU" smtClean="0"/>
               <a:pPr/>
-              <a:t>03.02.2023</a:t>
+              <a:t>07.02.2023</a:t>
             </a:fld>
             <a:endParaRPr lang="ru-RU"/>
           </a:p>
@@ -1225,7 +1225,7 @@
             <a:fld id="{85A5DE44-605B-4D3B-B2B7-94543DF81A36}" type="datetimeFigureOut">
               <a:rPr lang="ru-RU" smtClean="0"/>
               <a:pPr/>
-              <a:t>03.02.2023</a:t>
+              <a:t>07.02.2023</a:t>
             </a:fld>
             <a:endParaRPr lang="ru-RU"/>
           </a:p>
@@ -1473,7 +1473,7 @@
             <a:fld id="{85A5DE44-605B-4D3B-B2B7-94543DF81A36}" type="datetimeFigureOut">
               <a:rPr lang="ru-RU" smtClean="0"/>
               <a:pPr/>
-              <a:t>03.02.2023</a:t>
+              <a:t>07.02.2023</a:t>
             </a:fld>
             <a:endParaRPr lang="ru-RU"/>
           </a:p>
@@ -1707,7 +1707,7 @@
             <a:fld id="{85A5DE44-605B-4D3B-B2B7-94543DF81A36}" type="datetimeFigureOut">
               <a:rPr lang="ru-RU" smtClean="0"/>
               <a:pPr/>
-              <a:t>03.02.2023</a:t>
+              <a:t>07.02.2023</a:t>
             </a:fld>
             <a:endParaRPr lang="ru-RU"/>
           </a:p>
@@ -2076,7 +2076,7 @@
             <a:fld id="{85A5DE44-605B-4D3B-B2B7-94543DF81A36}" type="datetimeFigureOut">
               <a:rPr lang="ru-RU" smtClean="0"/>
               <a:pPr/>
-              <a:t>03.02.2023</a:t>
+              <a:t>07.02.2023</a:t>
             </a:fld>
             <a:endParaRPr lang="ru-RU"/>
           </a:p>
@@ -2196,7 +2196,7 @@
             <a:fld id="{85A5DE44-605B-4D3B-B2B7-94543DF81A36}" type="datetimeFigureOut">
               <a:rPr lang="ru-RU" smtClean="0"/>
               <a:pPr/>
-              <a:t>03.02.2023</a:t>
+              <a:t>07.02.2023</a:t>
             </a:fld>
             <a:endParaRPr lang="ru-RU"/>
           </a:p>
@@ -2293,7 +2293,7 @@
             <a:fld id="{85A5DE44-605B-4D3B-B2B7-94543DF81A36}" type="datetimeFigureOut">
               <a:rPr lang="ru-RU" smtClean="0"/>
               <a:pPr/>
-              <a:t>03.02.2023</a:t>
+              <a:t>07.02.2023</a:t>
             </a:fld>
             <a:endParaRPr lang="ru-RU"/>
           </a:p>
@@ -2572,7 +2572,7 @@
             <a:fld id="{85A5DE44-605B-4D3B-B2B7-94543DF81A36}" type="datetimeFigureOut">
               <a:rPr lang="ru-RU" smtClean="0"/>
               <a:pPr/>
-              <a:t>03.02.2023</a:t>
+              <a:t>07.02.2023</a:t>
             </a:fld>
             <a:endParaRPr lang="ru-RU"/>
           </a:p>
@@ -2831,7 +2831,7 @@
             <a:fld id="{85A5DE44-605B-4D3B-B2B7-94543DF81A36}" type="datetimeFigureOut">
               <a:rPr lang="ru-RU" smtClean="0"/>
               <a:pPr/>
-              <a:t>03.02.2023</a:t>
+              <a:t>07.02.2023</a:t>
             </a:fld>
             <a:endParaRPr lang="ru-RU"/>
           </a:p>
@@ -3046,7 +3046,7 @@
             <a:fld id="{85A5DE44-605B-4D3B-B2B7-94543DF81A36}" type="datetimeFigureOut">
               <a:rPr lang="ru-RU" smtClean="0"/>
               <a:pPr/>
-              <a:t>03.02.2023</a:t>
+              <a:t>07.02.2023</a:t>
             </a:fld>
             <a:endParaRPr lang="ru-RU"/>
           </a:p>
@@ -3460,7 +3460,7 @@
         </p:nvSpPr>
         <p:spPr>
           <a:xfrm>
-            <a:off x="4066792" y="3770652"/>
+            <a:off x="8929681" y="6707892"/>
             <a:ext cx="2115918" cy="1080000"/>
           </a:xfrm>
           <a:prstGeom prst="rect">
@@ -3489,19 +3489,7 @@
             <a:pPr algn="ctr"/>
             <a:r>
               <a:rPr lang="ru-RU" sz="1400" dirty="0"/>
-              <a:t>Увеличение действующей армии </a:t>
-            </a:r>
-            <a:r>
-              <a:rPr lang="ru-RU" sz="1050" dirty="0"/>
-              <a:t>(</a:t>
-            </a:r>
-            <a:r>
-              <a:rPr lang="ru-RU" sz="500" dirty="0"/>
-              <a:t>С объявлением войны в сентябре 1939 года южноафриканская армия насчитывала всего 5 353 регулярных солдата [16] с дополнительными 14 631 бойцом Активных гражданских сил (ACF), которые обучали добровольцев в мирное время, а во время войны составляли основную часть. корпус армии . дополнительными 14 631 бойцом Активных гражданских сил (ACF)</a:t>
-            </a:r>
-            <a:r>
-              <a:rPr lang="ru-RU" sz="1050" dirty="0"/>
-              <a:t>)</a:t>
+              <a:t>Увеличение действующей армии</a:t>
             </a:r>
             <a:endParaRPr lang="ru-RU" sz="500" dirty="0"/>
           </a:p>
@@ -3512,13 +3500,15 @@
           <p:cNvPr id="215" name="Прямая со стрелкой 214"/>
           <p:cNvCxnSpPr>
             <a:cxnSpLocks/>
+            <a:stCxn id="42" idx="2"/>
+            <a:endCxn id="43" idx="0"/>
           </p:cNvCxnSpPr>
           <p:nvPr/>
         </p:nvCxnSpPr>
         <p:spPr>
           <a:xfrm>
-            <a:off x="17663158" y="2500498"/>
-            <a:ext cx="822570" cy="727823"/>
+            <a:off x="3868117" y="9220962"/>
+            <a:ext cx="0" cy="353070"/>
           </a:xfrm>
           <a:prstGeom prst="straightConnector1">
             <a:avLst/>
@@ -3584,13 +3574,15 @@
           <p:cNvPr id="217" name="Shape 248"/>
           <p:cNvCxnSpPr>
             <a:cxnSpLocks/>
+            <a:stCxn id="38" idx="2"/>
+            <a:endCxn id="40" idx="0"/>
           </p:cNvCxnSpPr>
           <p:nvPr/>
         </p:nvCxnSpPr>
         <p:spPr>
           <a:xfrm rot="16200000" flipH="1">
-            <a:off x="18010004" y="2954659"/>
-            <a:ext cx="318372" cy="1176907"/>
+            <a:off x="4298956" y="5935231"/>
+            <a:ext cx="341821" cy="1203499"/>
           </a:xfrm>
           <a:prstGeom prst="bentConnector3">
             <a:avLst>
@@ -3663,13 +3655,15 @@
           <p:cNvPr id="592" name="Shape 248"/>
           <p:cNvCxnSpPr>
             <a:cxnSpLocks/>
+            <a:stCxn id="22" idx="2"/>
+            <a:endCxn id="17" idx="0"/>
           </p:cNvCxnSpPr>
           <p:nvPr/>
         </p:nvCxnSpPr>
         <p:spPr>
           <a:xfrm rot="16200000" flipH="1">
-            <a:off x="21262807" y="-84492"/>
-            <a:ext cx="393394" cy="5921022"/>
+            <a:off x="6738229" y="13087716"/>
+            <a:ext cx="353071" cy="1182405"/>
           </a:xfrm>
           <a:prstGeom prst="bentConnector3">
             <a:avLst>
@@ -3710,7 +3704,7 @@
         </p:nvSpPr>
         <p:spPr>
           <a:xfrm>
-            <a:off x="5299277" y="5219642"/>
+            <a:off x="8929681" y="5285922"/>
             <a:ext cx="2115918" cy="1080000"/>
           </a:xfrm>
           <a:prstGeom prst="rect">
@@ -3739,124 +3733,9 @@
             <a:pPr algn="ctr"/>
             <a:r>
               <a:rPr lang="ru-RU" sz="1400" dirty="0"/>
-              <a:t>Национальный стрелковый резерв </a:t>
-            </a:r>
-            <a:r>
-              <a:rPr lang="ru-RU" sz="800" dirty="0"/>
-              <a:t>(100 000 человек также входили в состав Национального стрелкового резерва, который обеспечивал обучение и практику обращения с оружием)</a:t>
-            </a:r>
-          </a:p>
-        </p:txBody>
-      </p:sp>
-      <p:sp>
-        <p:nvSpPr>
-          <p:cNvPr id="747" name="Прямоугольник 746">
-            <a:extLst>
-              <a:ext uri="{FF2B5EF4-FFF2-40B4-BE49-F238E27FC236}">
-                <a16:creationId xmlns:a16="http://schemas.microsoft.com/office/drawing/2014/main" id="{72E02326-9BAE-478B-9EEE-2C543A0FAD0A}"/>
-              </a:ext>
-            </a:extLst>
-          </p:cNvPr>
-          <p:cNvSpPr/>
-          <p:nvPr/>
-        </p:nvSpPr>
-        <p:spPr>
-          <a:xfrm>
-            <a:off x="3682716" y="741535"/>
-            <a:ext cx="2115918" cy="1080000"/>
-          </a:xfrm>
-          <a:prstGeom prst="rect">
-            <a:avLst/>
-          </a:prstGeom>
-          <a:ln w="28575"/>
-        </p:spPr>
-        <p:style>
-          <a:lnRef idx="2">
-            <a:schemeClr val="accent1"/>
-          </a:lnRef>
-          <a:fillRef idx="1">
-            <a:schemeClr val="lt1"/>
-          </a:fillRef>
-          <a:effectRef idx="0">
-            <a:schemeClr val="accent1"/>
-          </a:effectRef>
-          <a:fontRef idx="minor">
-            <a:schemeClr val="dk1"/>
-          </a:fontRef>
-        </p:style>
-        <p:txBody>
-          <a:bodyPr lIns="124733" tIns="62367" rIns="124733" bIns="62367" rtlCol="0" anchor="ctr"/>
-          <a:lstStyle/>
-          <a:p>
-            <a:pPr algn="ctr"/>
-            <a:r>
-              <a:rPr lang="ru-RU" sz="1050" dirty="0"/>
-              <a:t>НД «Отсутствие наступательной стратегии» (В довоенных планах не предполагалось, что армия будет сражаться за пределами юга Африки, и она была обучена и оснащена только для ведения боевых действий </a:t>
-            </a:r>
-            <a:r>
-              <a:rPr lang="ru-RU" sz="1050" dirty="0">
-                <a:hlinkClick r:id="rId3" tooltip="Куст"/>
-              </a:rPr>
-              <a:t>в кустах</a:t>
-            </a:r>
-            <a:r>
-              <a:rPr lang="ru-RU" sz="1050" dirty="0"/>
-              <a:t> .)</a:t>
-            </a:r>
-            <a:endParaRPr lang="ru-RU" sz="100" dirty="0"/>
-          </a:p>
-        </p:txBody>
-      </p:sp>
-      <p:sp>
-        <p:nvSpPr>
-          <p:cNvPr id="748" name="Прямоугольник 747">
-            <a:extLst>
-              <a:ext uri="{FF2B5EF4-FFF2-40B4-BE49-F238E27FC236}">
-                <a16:creationId xmlns:a16="http://schemas.microsoft.com/office/drawing/2014/main" id="{F2BBEBF4-42DC-4610-B84B-15C10B5A94A7}"/>
-              </a:ext>
-            </a:extLst>
-          </p:cNvPr>
-          <p:cNvSpPr/>
-          <p:nvPr/>
-        </p:nvSpPr>
-        <p:spPr>
-          <a:xfrm>
-            <a:off x="6081011" y="741535"/>
-            <a:ext cx="2115918" cy="1080000"/>
-          </a:xfrm>
-          <a:prstGeom prst="rect">
-            <a:avLst/>
-          </a:prstGeom>
-          <a:ln w="28575"/>
-        </p:spPr>
-        <p:style>
-          <a:lnRef idx="2">
-            <a:schemeClr val="accent1"/>
-          </a:lnRef>
-          <a:fillRef idx="1">
-            <a:schemeClr val="lt1"/>
-          </a:fillRef>
-          <a:effectRef idx="0">
-            <a:schemeClr val="accent1"/>
-          </a:effectRef>
-          <a:fontRef idx="minor">
-            <a:schemeClr val="dk1"/>
-          </a:fontRef>
-        </p:style>
-        <p:txBody>
-          <a:bodyPr lIns="124733" tIns="62367" rIns="124733" bIns="62367" rtlCol="0" anchor="ctr"/>
-          <a:lstStyle/>
-          <a:p>
-            <a:pPr algn="ctr"/>
-            <a:r>
-              <a:rPr lang="ru-RU" sz="1050" dirty="0"/>
-              <a:t>НД «Добровольческая белая армия» </a:t>
-            </a:r>
-            <a:r>
-              <a:rPr lang="ru-RU" sz="300" dirty="0"/>
-              <a:t>(Одной из проблем, с которыми постоянно сталкивалась Южная Африка во время войны, была нехватка доступных людей. Из-за своей расовой политики он будет рассматривать возможность вооружения только мужчин европейского происхождения, что ограничивает доступный пул мужчин в возрасте от 20 до 40 лет примерно до 320 000 человек. Вдобавок объявление войны Германии было поддержано лишь узким большинством в южноафриканском парламенте и далеко не пользовалось всеобщей популярностью. Действительно, значительное меньшинство активно выступало против войны, и в этих условиях призыв в армию никогда не рассматривался. Расширение армии и ее развертывание за границей полностью зависело от добровольцев..)</a:t>
-            </a:r>
-            <a:endParaRPr lang="ru-RU" sz="100" dirty="0"/>
+              <a:t>Национальный стрелковый резерв</a:t>
+            </a:r>
+            <a:endParaRPr lang="ru-RU" sz="800" dirty="0"/>
           </a:p>
         </p:txBody>
       </p:sp>
@@ -3874,7 +3753,7 @@
         </p:nvSpPr>
         <p:spPr>
           <a:xfrm>
-            <a:off x="5299277" y="6658606"/>
+            <a:off x="10176493" y="8140962"/>
             <a:ext cx="2115918" cy="1080000"/>
           </a:xfrm>
           <a:prstGeom prst="rect">
@@ -3943,7 +3822,7 @@
         </p:nvSpPr>
         <p:spPr>
           <a:xfrm>
-            <a:off x="5299277" y="8091676"/>
+            <a:off x="0" y="1074515"/>
             <a:ext cx="2115918" cy="1080000"/>
           </a:xfrm>
           <a:prstGeom prst="rect">
@@ -3972,130 +3851,12 @@
             <a:pPr algn="ctr"/>
             <a:r>
               <a:rPr lang="ru-RU" sz="1400" dirty="0"/>
-              <a:t>Отменить закон об обороне Южной Африки </a:t>
-            </a:r>
-            <a:r>
-              <a:rPr lang="ru-RU" sz="300" dirty="0"/>
-              <a:t>(</a:t>
-            </a:r>
-            <a:r>
-              <a:rPr lang="ru-RU" sz="300" b="1" dirty="0"/>
-              <a:t>Первоначально, чтобы обойти ограничения Закона об обороне Южной Африки (Закон № 13 от 1912 г.), [3] набирались только добровольцы, и они подвергались присяге при призыве, согласно которой они соглашались быть развернутыми где-либо в Африке, что было предварительным -необходимо для принятия в войска Союза. Мужчины, прошедшие аттестацию на этих условиях, имели право носить отличительные знаки различия мобильных полевых войск, красно-оранжевый погон, который впоследствии стал известен как «Красный ярлык». [4] Позднее в Закон об обороне были внесены поправки.</a:t>
-            </a:r>
-            <a:r>
-              <a:rPr lang="ru-RU" sz="300" dirty="0"/>
-              <a:t>)</a:t>
+              <a:t>Отменить закон об обороне Южной Африки</a:t>
             </a:r>
             <a:endParaRPr lang="ru-RU" sz="800" dirty="0"/>
           </a:p>
         </p:txBody>
       </p:sp>
-      <p:sp>
-        <p:nvSpPr>
-          <p:cNvPr id="753" name="Прямоугольник 752">
-            <a:extLst>
-              <a:ext uri="{FF2B5EF4-FFF2-40B4-BE49-F238E27FC236}">
-                <a16:creationId xmlns:a16="http://schemas.microsoft.com/office/drawing/2014/main" id="{FAE710D3-316E-4960-8D4E-0B859F1216AD}"/>
-              </a:ext>
-            </a:extLst>
-          </p:cNvPr>
-          <p:cNvSpPr/>
-          <p:nvPr/>
-        </p:nvSpPr>
-        <p:spPr>
-          <a:xfrm>
-            <a:off x="2834307" y="8091676"/>
-            <a:ext cx="2115918" cy="1080000"/>
-          </a:xfrm>
-          <a:prstGeom prst="rect">
-            <a:avLst/>
-          </a:prstGeom>
-          <a:ln w="28575"/>
-        </p:spPr>
-        <p:style>
-          <a:lnRef idx="2">
-            <a:schemeClr val="accent1"/>
-          </a:lnRef>
-          <a:fillRef idx="1">
-            <a:schemeClr val="lt1"/>
-          </a:fillRef>
-          <a:effectRef idx="0">
-            <a:schemeClr val="accent1"/>
-          </a:effectRef>
-          <a:fontRef idx="minor">
-            <a:schemeClr val="dk1"/>
-          </a:fontRef>
-        </p:style>
-        <p:txBody>
-          <a:bodyPr lIns="124733" tIns="62367" rIns="124733" bIns="62367" rtlCol="0" anchor="ctr"/>
-          <a:lstStyle/>
-          <a:p>
-            <a:pPr algn="ctr"/>
-            <a:r>
-              <a:rPr lang="ru-RU" sz="1400" dirty="0"/>
-              <a:t>Внести поправки в закон об обороне Южной Африки </a:t>
-            </a:r>
-            <a:r>
-              <a:rPr lang="ru-RU" sz="300" dirty="0"/>
-              <a:t>(</a:t>
-            </a:r>
-            <a:r>
-              <a:rPr lang="ru-RU" sz="300" b="1" dirty="0"/>
-              <a:t>Первоначально, чтобы обойти ограничения Закона об обороне Южной Африки (Закон № 13 от 1912 г.), [3] набирались только добровольцы, и они подвергались присяге при призыве, согласно которой они соглашались быть развернутыми где-либо в Африке, что было предварительным -необходимо для принятия в войска Союза. Мужчины, прошедшие аттестацию на этих условиях, имели право носить отличительные знаки различия мобильных полевых войск, красно-оранжевый погон, который впоследствии стал известен как «Красный ярлык». [4] Позднее в Закон об обороне были внесены поправки.</a:t>
-            </a:r>
-            <a:r>
-              <a:rPr lang="ru-RU" sz="300" dirty="0"/>
-              <a:t>)</a:t>
-            </a:r>
-            <a:endParaRPr lang="ru-RU" sz="800" dirty="0"/>
-          </a:p>
-        </p:txBody>
-      </p:sp>
-      <p:cxnSp>
-        <p:nvCxnSpPr>
-          <p:cNvPr id="754" name="Прямая соединительная линия 753">
-            <a:extLst>
-              <a:ext uri="{FF2B5EF4-FFF2-40B4-BE49-F238E27FC236}">
-                <a16:creationId xmlns:a16="http://schemas.microsoft.com/office/drawing/2014/main" id="{E45590A0-E34F-4C04-8084-3ABF59DEB4B5}"/>
-              </a:ext>
-            </a:extLst>
-          </p:cNvPr>
-          <p:cNvCxnSpPr>
-            <a:cxnSpLocks/>
-            <a:stCxn id="753" idx="3"/>
-            <a:endCxn id="750" idx="1"/>
-          </p:cNvCxnSpPr>
-          <p:nvPr/>
-        </p:nvCxnSpPr>
-        <p:spPr>
-          <a:xfrm>
-            <a:off x="4950225" y="8631676"/>
-            <a:ext cx="349052" cy="0"/>
-          </a:xfrm>
-          <a:prstGeom prst="line">
-            <a:avLst/>
-          </a:prstGeom>
-          <a:ln w="38100">
-            <a:solidFill>
-              <a:srgbClr val="FF0000"/>
-            </a:solidFill>
-          </a:ln>
-        </p:spPr>
-        <p:style>
-          <a:lnRef idx="1">
-            <a:schemeClr val="accent2"/>
-          </a:lnRef>
-          <a:fillRef idx="0">
-            <a:schemeClr val="accent2"/>
-          </a:fillRef>
-          <a:effectRef idx="0">
-            <a:schemeClr val="accent2"/>
-          </a:effectRef>
-          <a:fontRef idx="minor">
-            <a:schemeClr val="tx1"/>
-          </a:fontRef>
-        </p:style>
-      </p:cxnSp>
       <p:sp>
         <p:nvSpPr>
           <p:cNvPr id="755" name="Прямоугольник 754">
@@ -4110,7 +3871,7 @@
         </p:nvSpPr>
         <p:spPr>
           <a:xfrm>
-            <a:off x="5299277" y="10963710"/>
+            <a:off x="0" y="-5485"/>
             <a:ext cx="2115918" cy="1080000"/>
           </a:xfrm>
           <a:prstGeom prst="rect">
@@ -4159,7 +3920,7 @@
         </p:nvSpPr>
         <p:spPr>
           <a:xfrm>
-            <a:off x="5299277" y="9527693"/>
+            <a:off x="6633" y="3163603"/>
             <a:ext cx="2115918" cy="1080000"/>
           </a:xfrm>
           <a:prstGeom prst="rect">
@@ -4208,7 +3969,7 @@
         </p:nvSpPr>
         <p:spPr>
           <a:xfrm>
-            <a:off x="17007128" y="6906071"/>
+            <a:off x="6448008" y="13855455"/>
             <a:ext cx="2115918" cy="1080000"/>
           </a:xfrm>
           <a:prstGeom prst="rect">
@@ -4260,7 +4021,7 @@
         </p:nvSpPr>
         <p:spPr>
           <a:xfrm>
-            <a:off x="19731842" y="6906071"/>
+            <a:off x="8929681" y="13855455"/>
             <a:ext cx="2115918" cy="1080000"/>
           </a:xfrm>
           <a:prstGeom prst="rect">
@@ -4329,7 +4090,7 @@
         </p:nvSpPr>
         <p:spPr>
           <a:xfrm>
-            <a:off x="18298903" y="5286071"/>
+            <a:off x="7721047" y="12420180"/>
             <a:ext cx="2115918" cy="1080000"/>
           </a:xfrm>
           <a:prstGeom prst="rect">
@@ -4382,7 +4143,7 @@
         </p:nvSpPr>
         <p:spPr>
           <a:xfrm>
-            <a:off x="18298903" y="3770652"/>
+            <a:off x="7721047" y="10998208"/>
             <a:ext cx="2115918" cy="1080000"/>
           </a:xfrm>
           <a:prstGeom prst="rect">
@@ -4467,7 +4228,7 @@
         </p:nvSpPr>
         <p:spPr>
           <a:xfrm>
-            <a:off x="15687828" y="3770652"/>
+            <a:off x="5265845" y="10998208"/>
             <a:ext cx="2115918" cy="1080000"/>
           </a:xfrm>
           <a:prstGeom prst="rect">
@@ -4519,7 +4280,7 @@
         </p:nvSpPr>
         <p:spPr>
           <a:xfrm>
-            <a:off x="15687828" y="5286071"/>
+            <a:off x="5265603" y="12422384"/>
             <a:ext cx="2115918" cy="1080000"/>
           </a:xfrm>
           <a:prstGeom prst="rect">
@@ -4595,7 +4356,7 @@
         </p:nvSpPr>
         <p:spPr>
           <a:xfrm>
-            <a:off x="2834307" y="5219642"/>
+            <a:off x="1579306" y="6707892"/>
             <a:ext cx="2115918" cy="1080000"/>
           </a:xfrm>
           <a:prstGeom prst="rect">
@@ -4648,7 +4409,7 @@
         </p:nvSpPr>
         <p:spPr>
           <a:xfrm>
-            <a:off x="2834307" y="6655659"/>
+            <a:off x="354713" y="8140962"/>
             <a:ext cx="2115918" cy="1080000"/>
           </a:xfrm>
           <a:prstGeom prst="rect">
@@ -4701,7 +4462,7 @@
         </p:nvSpPr>
         <p:spPr>
           <a:xfrm>
-            <a:off x="14331935" y="6906071"/>
+            <a:off x="4013657" y="13855455"/>
             <a:ext cx="2115918" cy="1080000"/>
           </a:xfrm>
           <a:prstGeom prst="rect">
@@ -4778,7 +4539,7 @@
         </p:nvSpPr>
         <p:spPr>
           <a:xfrm>
-            <a:off x="26375123" y="1864634"/>
+            <a:off x="8929681" y="2075381"/>
             <a:ext cx="2115918" cy="1080000"/>
           </a:xfrm>
           <a:prstGeom prst="rect">
@@ -4827,7 +4588,7 @@
         </p:nvSpPr>
         <p:spPr>
           <a:xfrm>
-            <a:off x="10465678" y="5286071"/>
+            <a:off x="354713" y="12424025"/>
             <a:ext cx="2115918" cy="1080000"/>
           </a:xfrm>
           <a:prstGeom prst="rect">
@@ -4880,7 +4641,7 @@
         </p:nvSpPr>
         <p:spPr>
           <a:xfrm>
-            <a:off x="11656742" y="3770652"/>
+            <a:off x="1579306" y="10992595"/>
             <a:ext cx="2115918" cy="1080000"/>
           </a:xfrm>
           <a:prstGeom prst="rect">
@@ -4929,7 +4690,7 @@
         </p:nvSpPr>
         <p:spPr>
           <a:xfrm>
-            <a:off x="11656742" y="6906071"/>
+            <a:off x="1579306" y="13855455"/>
             <a:ext cx="2115918" cy="1080000"/>
           </a:xfrm>
           <a:prstGeom prst="rect">
@@ -4982,7 +4743,7 @@
         </p:nvSpPr>
         <p:spPr>
           <a:xfrm>
-            <a:off x="13076753" y="5286071"/>
+            <a:off x="2810158" y="12425664"/>
             <a:ext cx="2115918" cy="1080000"/>
           </a:xfrm>
           <a:prstGeom prst="rect">
@@ -5034,7 +4795,7 @@
         </p:nvSpPr>
         <p:spPr>
           <a:xfrm>
-            <a:off x="7935036" y="1433423"/>
+            <a:off x="9268536" y="318998"/>
             <a:ext cx="2115918" cy="1080000"/>
           </a:xfrm>
           <a:prstGeom prst="rect">
@@ -5063,7 +4824,7 @@
             <a:pPr algn="ctr"/>
             <a:r>
               <a:rPr lang="ru-RU" sz="1400" dirty="0"/>
-              <a:t>Армия на старте в 20к</a:t>
+              <a:t>Армия на старте в 5к</a:t>
             </a:r>
             <a:endParaRPr lang="ru-RU" sz="500" dirty="0"/>
           </a:p>
@@ -5083,7 +4844,7 @@
         </p:nvSpPr>
         <p:spPr>
           <a:xfrm>
-            <a:off x="2834307" y="10963710"/>
+            <a:off x="6633" y="2083603"/>
             <a:ext cx="2115918" cy="1080000"/>
           </a:xfrm>
           <a:prstGeom prst="rect">
@@ -5112,15 +4873,7 @@
             <a:pPr algn="ctr"/>
             <a:r>
               <a:rPr lang="ru-RU" sz="1400" dirty="0"/>
-              <a:t>Признать цветных мысов и индейцев годными к службе (вместо капского корпуса) </a:t>
-            </a:r>
-            <a:r>
-              <a:rPr lang="ru-RU" sz="500" dirty="0"/>
-              <a:t>(</a:t>
-            </a:r>
-            <a:r>
-              <a:rPr lang="ru-RU" sz="200" dirty="0"/>
-              <a:t>Учитывая отношение страны к расе в то время, вряд ли рассматривался набор боевых отрядов из гораздо более многочисленного чернокожего населения. Вместо этого, в попытке высвободить как можно больше белых для боевого и технического вооружения, был сформирован ряд корпусов для предоставления водителей и пионеров, набранных из более приемлемого населения цветных мысов и индейцев .)</a:t>
+              <a:t>Признать цветных мысов и индейцев годными к службе</a:t>
             </a:r>
             <a:endParaRPr lang="ru-RU" sz="500" dirty="0"/>
           </a:p>
@@ -5140,7 +4893,7 @@
         </p:nvSpPr>
         <p:spPr>
           <a:xfrm>
-            <a:off x="2834307" y="9527693"/>
+            <a:off x="7721048" y="8140962"/>
             <a:ext cx="2115918" cy="1080000"/>
           </a:xfrm>
           <a:prstGeom prst="rect">
@@ -5169,11 +4922,7 @@
             <a:pPr algn="ctr"/>
             <a:r>
               <a:rPr lang="ru-RU" sz="1400" dirty="0"/>
-              <a:t>Туземный военный корпус </a:t>
-            </a:r>
-            <a:r>
-              <a:rPr lang="ru-RU" sz="400" dirty="0"/>
-              <a:t>(Туземный военный корпус ( NMC ) был южноафриканским военным подразделением во время Второй мировой войны. Он состоял из чернокожих южноафриканских добровольцев, завербованных в Силы обороны Союза (UDF). Несмотря на название подразделения, они не играли боевой роли и служили рабочими, прикрепленными к белым южноафриканским воинским частям UDF. Цель заключалась в том, чтобы высвободить ограниченное количество белых новобранцев в ОДС для боевых ролей.)</a:t>
+              <a:t>Туземный военный корпус</a:t>
             </a:r>
             <a:endParaRPr lang="ru-RU" sz="500" dirty="0"/>
           </a:p>
@@ -5193,7 +4942,7 @@
         </p:nvSpPr>
         <p:spPr>
           <a:xfrm>
-            <a:off x="141686" y="9414276"/>
+            <a:off x="5299277" y="499528"/>
             <a:ext cx="2115918" cy="1080000"/>
           </a:xfrm>
           <a:prstGeom prst="rect">
@@ -5258,7 +5007,7 @@
         </p:nvSpPr>
         <p:spPr>
           <a:xfrm>
-            <a:off x="7764247" y="9527693"/>
+            <a:off x="2810158" y="5286071"/>
             <a:ext cx="2115918" cy="1080000"/>
           </a:xfrm>
           <a:prstGeom prst="rect">
@@ -5350,7 +5099,7 @@
         </p:nvSpPr>
         <p:spPr>
           <a:xfrm>
-            <a:off x="10180367" y="13848102"/>
+            <a:off x="16691456" y="2336019"/>
             <a:ext cx="2115918" cy="1080000"/>
           </a:xfrm>
           <a:prstGeom prst="rect">
@@ -5394,6 +5143,1703 @@
           </a:p>
         </p:txBody>
       </p:sp>
+      <p:sp>
+        <p:nvSpPr>
+          <p:cNvPr id="40" name="Прямоугольник 39">
+            <a:extLst>
+              <a:ext uri="{FF2B5EF4-FFF2-40B4-BE49-F238E27FC236}">
+                <a16:creationId xmlns:a16="http://schemas.microsoft.com/office/drawing/2014/main" id="{EA2CA77D-FB8E-4EA3-BD84-AEE2E9318B52}"/>
+              </a:ext>
+            </a:extLst>
+          </p:cNvPr>
+          <p:cNvSpPr/>
+          <p:nvPr/>
+        </p:nvSpPr>
+        <p:spPr>
+          <a:xfrm>
+            <a:off x="4013657" y="6707892"/>
+            <a:ext cx="2115918" cy="1080000"/>
+          </a:xfrm>
+          <a:prstGeom prst="rect">
+            <a:avLst/>
+          </a:prstGeom>
+          <a:ln w="28575"/>
+        </p:spPr>
+        <p:style>
+          <a:lnRef idx="2">
+            <a:schemeClr val="accent1"/>
+          </a:lnRef>
+          <a:fillRef idx="1">
+            <a:schemeClr val="lt1"/>
+          </a:fillRef>
+          <a:effectRef idx="0">
+            <a:schemeClr val="accent1"/>
+          </a:effectRef>
+          <a:fontRef idx="minor">
+            <a:schemeClr val="dk1"/>
+          </a:fontRef>
+        </p:style>
+        <p:txBody>
+          <a:bodyPr lIns="124733" tIns="62367" rIns="124733" bIns="62367" rtlCol="0" anchor="ctr"/>
+          <a:lstStyle/>
+          <a:p>
+            <a:pPr algn="ctr"/>
+            <a:r>
+              <a:rPr lang="ru-RU" sz="1400" dirty="0"/>
+              <a:t>Начать выпуск боеприпасов на </a:t>
+            </a:r>
+            <a:r>
+              <a:rPr lang="en-US" sz="1400" dirty="0"/>
+              <a:t>Magazine Hill</a:t>
+            </a:r>
+            <a:r>
+              <a:rPr lang="ru-RU" sz="1400" dirty="0"/>
+              <a:t> (1938)</a:t>
+            </a:r>
+            <a:endParaRPr lang="ru-RU" sz="500" dirty="0"/>
+          </a:p>
+        </p:txBody>
+      </p:sp>
+      <p:sp>
+        <p:nvSpPr>
+          <p:cNvPr id="42" name="Прямоугольник 41">
+            <a:extLst>
+              <a:ext uri="{FF2B5EF4-FFF2-40B4-BE49-F238E27FC236}">
+                <a16:creationId xmlns:a16="http://schemas.microsoft.com/office/drawing/2014/main" id="{BD556DD8-C967-42C9-9A2B-4B9E2DB3097F}"/>
+              </a:ext>
+            </a:extLst>
+          </p:cNvPr>
+          <p:cNvSpPr/>
+          <p:nvPr/>
+        </p:nvSpPr>
+        <p:spPr>
+          <a:xfrm>
+            <a:off x="2810158" y="8140962"/>
+            <a:ext cx="2115918" cy="1080000"/>
+          </a:xfrm>
+          <a:prstGeom prst="rect">
+            <a:avLst/>
+          </a:prstGeom>
+          <a:ln w="28575"/>
+        </p:spPr>
+        <p:style>
+          <a:lnRef idx="2">
+            <a:schemeClr val="accent1"/>
+          </a:lnRef>
+          <a:fillRef idx="1">
+            <a:schemeClr val="lt1"/>
+          </a:fillRef>
+          <a:effectRef idx="0">
+            <a:schemeClr val="accent1"/>
+          </a:effectRef>
+          <a:fontRef idx="minor">
+            <a:schemeClr val="dk1"/>
+          </a:fontRef>
+        </p:style>
+        <p:txBody>
+          <a:bodyPr lIns="124733" tIns="62367" rIns="124733" bIns="62367" rtlCol="0" anchor="ctr"/>
+          <a:lstStyle/>
+          <a:p>
+            <a:pPr algn="ctr"/>
+            <a:r>
+              <a:rPr lang="ru-RU" sz="1400" dirty="0"/>
+              <a:t>Новые заводы для танковой техники (1942)</a:t>
+            </a:r>
+            <a:endParaRPr lang="ru-RU" sz="500" dirty="0"/>
+          </a:p>
+        </p:txBody>
+      </p:sp>
+      <p:sp>
+        <p:nvSpPr>
+          <p:cNvPr id="43" name="Прямоугольник 42">
+            <a:extLst>
+              <a:ext uri="{FF2B5EF4-FFF2-40B4-BE49-F238E27FC236}">
+                <a16:creationId xmlns:a16="http://schemas.microsoft.com/office/drawing/2014/main" id="{645E2E65-98B9-4262-8BA0-E3EE832689F7}"/>
+              </a:ext>
+            </a:extLst>
+          </p:cNvPr>
+          <p:cNvSpPr/>
+          <p:nvPr/>
+        </p:nvSpPr>
+        <p:spPr>
+          <a:xfrm>
+            <a:off x="2810158" y="9574032"/>
+            <a:ext cx="2115918" cy="1080000"/>
+          </a:xfrm>
+          <a:prstGeom prst="rect">
+            <a:avLst/>
+          </a:prstGeom>
+          <a:ln w="28575"/>
+        </p:spPr>
+        <p:style>
+          <a:lnRef idx="2">
+            <a:schemeClr val="accent1"/>
+          </a:lnRef>
+          <a:fillRef idx="1">
+            <a:schemeClr val="lt1"/>
+          </a:fillRef>
+          <a:effectRef idx="0">
+            <a:schemeClr val="accent1"/>
+          </a:effectRef>
+          <a:fontRef idx="minor">
+            <a:schemeClr val="dk1"/>
+          </a:fontRef>
+        </p:style>
+        <p:txBody>
+          <a:bodyPr lIns="124733" tIns="62367" rIns="124733" bIns="62367" rtlCol="0" anchor="ctr"/>
+          <a:lstStyle/>
+          <a:p>
+            <a:pPr algn="ctr"/>
+            <a:r>
+              <a:rPr lang="ru-RU" sz="1400" dirty="0"/>
+              <a:t>Развитие бронетехники (ваниль)</a:t>
+            </a:r>
+            <a:endParaRPr lang="ru-RU" sz="500" dirty="0"/>
+          </a:p>
+        </p:txBody>
+      </p:sp>
+      <p:cxnSp>
+        <p:nvCxnSpPr>
+          <p:cNvPr id="44" name="Shape 248">
+            <a:extLst>
+              <a:ext uri="{FF2B5EF4-FFF2-40B4-BE49-F238E27FC236}">
+                <a16:creationId xmlns:a16="http://schemas.microsoft.com/office/drawing/2014/main" id="{C5406149-8843-4449-8B7D-86A8BACE4508}"/>
+              </a:ext>
+            </a:extLst>
+          </p:cNvPr>
+          <p:cNvCxnSpPr>
+            <a:cxnSpLocks/>
+            <a:stCxn id="38" idx="2"/>
+            <a:endCxn id="23" idx="0"/>
+          </p:cNvCxnSpPr>
+          <p:nvPr/>
+        </p:nvCxnSpPr>
+        <p:spPr>
+          <a:xfrm rot="5400000">
+            <a:off x="3081781" y="5921555"/>
+            <a:ext cx="341821" cy="1230852"/>
+          </a:xfrm>
+          <a:prstGeom prst="bentConnector3">
+            <a:avLst>
+              <a:gd name="adj1" fmla="val 50000"/>
+            </a:avLst>
+          </a:prstGeom>
+          <a:ln w="28575">
+            <a:tailEnd type="arrow"/>
+          </a:ln>
+        </p:spPr>
+        <p:style>
+          <a:lnRef idx="1">
+            <a:schemeClr val="accent1"/>
+          </a:lnRef>
+          <a:fillRef idx="0">
+            <a:schemeClr val="accent1"/>
+          </a:fillRef>
+          <a:effectRef idx="0">
+            <a:schemeClr val="accent1"/>
+          </a:effectRef>
+          <a:fontRef idx="minor">
+            <a:schemeClr val="tx1"/>
+          </a:fontRef>
+        </p:style>
+      </p:cxnSp>
+      <p:cxnSp>
+        <p:nvCxnSpPr>
+          <p:cNvPr id="46" name="Shape 248">
+            <a:extLst>
+              <a:ext uri="{FF2B5EF4-FFF2-40B4-BE49-F238E27FC236}">
+                <a16:creationId xmlns:a16="http://schemas.microsoft.com/office/drawing/2014/main" id="{280B1A26-E857-4911-8026-062204862403}"/>
+              </a:ext>
+            </a:extLst>
+          </p:cNvPr>
+          <p:cNvCxnSpPr>
+            <a:cxnSpLocks/>
+            <a:stCxn id="23" idx="2"/>
+            <a:endCxn id="24" idx="0"/>
+          </p:cNvCxnSpPr>
+          <p:nvPr/>
+        </p:nvCxnSpPr>
+        <p:spPr>
+          <a:xfrm rot="5400000">
+            <a:off x="1848434" y="7352131"/>
+            <a:ext cx="353070" cy="1224593"/>
+          </a:xfrm>
+          <a:prstGeom prst="bentConnector3">
+            <a:avLst>
+              <a:gd name="adj1" fmla="val 50000"/>
+            </a:avLst>
+          </a:prstGeom>
+          <a:ln w="28575">
+            <a:tailEnd type="arrow"/>
+          </a:ln>
+        </p:spPr>
+        <p:style>
+          <a:lnRef idx="1">
+            <a:schemeClr val="accent1"/>
+          </a:lnRef>
+          <a:fillRef idx="0">
+            <a:schemeClr val="accent1"/>
+          </a:fillRef>
+          <a:effectRef idx="0">
+            <a:schemeClr val="accent1"/>
+          </a:effectRef>
+          <a:fontRef idx="minor">
+            <a:schemeClr val="tx1"/>
+          </a:fontRef>
+        </p:style>
+      </p:cxnSp>
+      <p:cxnSp>
+        <p:nvCxnSpPr>
+          <p:cNvPr id="49" name="Shape 248">
+            <a:extLst>
+              <a:ext uri="{FF2B5EF4-FFF2-40B4-BE49-F238E27FC236}">
+                <a16:creationId xmlns:a16="http://schemas.microsoft.com/office/drawing/2014/main" id="{BD5D228F-210F-458B-89AE-DDE88B49461D}"/>
+              </a:ext>
+            </a:extLst>
+          </p:cNvPr>
+          <p:cNvCxnSpPr>
+            <a:cxnSpLocks/>
+            <a:stCxn id="40" idx="2"/>
+            <a:endCxn id="42" idx="0"/>
+          </p:cNvCxnSpPr>
+          <p:nvPr/>
+        </p:nvCxnSpPr>
+        <p:spPr>
+          <a:xfrm rot="5400000">
+            <a:off x="4293332" y="7362678"/>
+            <a:ext cx="353070" cy="1203499"/>
+          </a:xfrm>
+          <a:prstGeom prst="bentConnector3">
+            <a:avLst>
+              <a:gd name="adj1" fmla="val 50000"/>
+            </a:avLst>
+          </a:prstGeom>
+          <a:ln w="28575">
+            <a:tailEnd type="arrow"/>
+          </a:ln>
+        </p:spPr>
+        <p:style>
+          <a:lnRef idx="1">
+            <a:schemeClr val="accent1"/>
+          </a:lnRef>
+          <a:fillRef idx="0">
+            <a:schemeClr val="accent1"/>
+          </a:fillRef>
+          <a:effectRef idx="0">
+            <a:schemeClr val="accent1"/>
+          </a:effectRef>
+          <a:fontRef idx="minor">
+            <a:schemeClr val="tx1"/>
+          </a:fontRef>
+        </p:style>
+      </p:cxnSp>
+      <p:sp>
+        <p:nvSpPr>
+          <p:cNvPr id="52" name="Прямоугольник 51">
+            <a:extLst>
+              <a:ext uri="{FF2B5EF4-FFF2-40B4-BE49-F238E27FC236}">
+                <a16:creationId xmlns:a16="http://schemas.microsoft.com/office/drawing/2014/main" id="{46EE00FE-646D-4C1F-A9C8-51C2B2622237}"/>
+              </a:ext>
+            </a:extLst>
+          </p:cNvPr>
+          <p:cNvSpPr/>
+          <p:nvPr/>
+        </p:nvSpPr>
+        <p:spPr>
+          <a:xfrm>
+            <a:off x="5265603" y="8140962"/>
+            <a:ext cx="2115918" cy="1080000"/>
+          </a:xfrm>
+          <a:prstGeom prst="rect">
+            <a:avLst/>
+          </a:prstGeom>
+          <a:ln w="28575"/>
+        </p:spPr>
+        <p:style>
+          <a:lnRef idx="2">
+            <a:schemeClr val="accent1"/>
+          </a:lnRef>
+          <a:fillRef idx="1">
+            <a:schemeClr val="lt1"/>
+          </a:fillRef>
+          <a:effectRef idx="0">
+            <a:schemeClr val="accent1"/>
+          </a:effectRef>
+          <a:fontRef idx="minor">
+            <a:schemeClr val="dk1"/>
+          </a:fontRef>
+        </p:style>
+        <p:txBody>
+          <a:bodyPr lIns="124733" tIns="62367" rIns="124733" bIns="62367" rtlCol="0" anchor="ctr"/>
+          <a:lstStyle/>
+          <a:p>
+            <a:pPr algn="ctr"/>
+            <a:r>
+              <a:rPr lang="ru-RU" sz="1400" dirty="0"/>
+              <a:t>Улучшить патрон .303 (ваниль)</a:t>
+            </a:r>
+            <a:endParaRPr lang="ru-RU" sz="500" dirty="0"/>
+          </a:p>
+        </p:txBody>
+      </p:sp>
+      <p:cxnSp>
+        <p:nvCxnSpPr>
+          <p:cNvPr id="55" name="Shape 248">
+            <a:extLst>
+              <a:ext uri="{FF2B5EF4-FFF2-40B4-BE49-F238E27FC236}">
+                <a16:creationId xmlns:a16="http://schemas.microsoft.com/office/drawing/2014/main" id="{E7E90FE1-73EE-4AA8-B507-2A9427ABD363}"/>
+              </a:ext>
+            </a:extLst>
+          </p:cNvPr>
+          <p:cNvCxnSpPr>
+            <a:cxnSpLocks/>
+            <a:stCxn id="40" idx="2"/>
+            <a:endCxn id="52" idx="0"/>
+          </p:cNvCxnSpPr>
+          <p:nvPr/>
+        </p:nvCxnSpPr>
+        <p:spPr>
+          <a:xfrm rot="16200000" flipH="1">
+            <a:off x="5521054" y="7338454"/>
+            <a:ext cx="353070" cy="1251946"/>
+          </a:xfrm>
+          <a:prstGeom prst="bentConnector3">
+            <a:avLst>
+              <a:gd name="adj1" fmla="val 50000"/>
+            </a:avLst>
+          </a:prstGeom>
+          <a:ln w="28575">
+            <a:tailEnd type="arrow"/>
+          </a:ln>
+        </p:spPr>
+        <p:style>
+          <a:lnRef idx="1">
+            <a:schemeClr val="accent1"/>
+          </a:lnRef>
+          <a:fillRef idx="0">
+            <a:schemeClr val="accent1"/>
+          </a:fillRef>
+          <a:effectRef idx="0">
+            <a:schemeClr val="accent1"/>
+          </a:effectRef>
+          <a:fontRef idx="minor">
+            <a:schemeClr val="tx1"/>
+          </a:fontRef>
+        </p:style>
+      </p:cxnSp>
+      <p:sp>
+        <p:nvSpPr>
+          <p:cNvPr id="58" name="Прямоугольник 57">
+            <a:extLst>
+              <a:ext uri="{FF2B5EF4-FFF2-40B4-BE49-F238E27FC236}">
+                <a16:creationId xmlns:a16="http://schemas.microsoft.com/office/drawing/2014/main" id="{BEA30B09-C375-448F-862A-864DB922DE93}"/>
+              </a:ext>
+            </a:extLst>
+          </p:cNvPr>
+          <p:cNvSpPr/>
+          <p:nvPr/>
+        </p:nvSpPr>
+        <p:spPr>
+          <a:xfrm>
+            <a:off x="5265603" y="9574032"/>
+            <a:ext cx="2115918" cy="1080000"/>
+          </a:xfrm>
+          <a:prstGeom prst="rect">
+            <a:avLst/>
+          </a:prstGeom>
+          <a:ln w="28575"/>
+        </p:spPr>
+        <p:style>
+          <a:lnRef idx="2">
+            <a:schemeClr val="accent1"/>
+          </a:lnRef>
+          <a:fillRef idx="1">
+            <a:schemeClr val="lt1"/>
+          </a:fillRef>
+          <a:effectRef idx="0">
+            <a:schemeClr val="accent1"/>
+          </a:effectRef>
+          <a:fontRef idx="minor">
+            <a:schemeClr val="dk1"/>
+          </a:fontRef>
+        </p:style>
+        <p:txBody>
+          <a:bodyPr lIns="124733" tIns="62367" rIns="124733" bIns="62367" rtlCol="0" anchor="ctr"/>
+          <a:lstStyle/>
+          <a:p>
+            <a:pPr algn="ctr"/>
+            <a:r>
+              <a:rPr lang="ru-RU" sz="1400" dirty="0"/>
+              <a:t>Фабрика </a:t>
+            </a:r>
+            <a:r>
+              <a:rPr lang="ru-RU" sz="1400" dirty="0" err="1"/>
+              <a:t>Ленц</a:t>
+            </a:r>
+            <a:r>
+              <a:rPr lang="ru-RU" sz="1400" dirty="0"/>
+              <a:t> </a:t>
+            </a:r>
+            <a:r>
+              <a:rPr lang="ru-RU" sz="1400" dirty="0" err="1"/>
+              <a:t>Бобм</a:t>
+            </a:r>
+            <a:r>
+              <a:rPr lang="ru-RU" sz="1400" dirty="0"/>
+              <a:t> (дорога)</a:t>
+            </a:r>
+            <a:endParaRPr lang="ru-RU" sz="500" dirty="0"/>
+          </a:p>
+        </p:txBody>
+      </p:sp>
+      <p:cxnSp>
+        <p:nvCxnSpPr>
+          <p:cNvPr id="61" name="Прямая со стрелкой 60">
+            <a:extLst>
+              <a:ext uri="{FF2B5EF4-FFF2-40B4-BE49-F238E27FC236}">
+                <a16:creationId xmlns:a16="http://schemas.microsoft.com/office/drawing/2014/main" id="{CCA94CF1-3EF1-4DC8-8583-E856FE0E7B60}"/>
+              </a:ext>
+            </a:extLst>
+          </p:cNvPr>
+          <p:cNvCxnSpPr>
+            <a:cxnSpLocks/>
+            <a:stCxn id="52" idx="2"/>
+            <a:endCxn id="58" idx="0"/>
+          </p:cNvCxnSpPr>
+          <p:nvPr/>
+        </p:nvCxnSpPr>
+        <p:spPr>
+          <a:xfrm>
+            <a:off x="6323562" y="9220962"/>
+            <a:ext cx="0" cy="353070"/>
+          </a:xfrm>
+          <a:prstGeom prst="straightConnector1">
+            <a:avLst/>
+          </a:prstGeom>
+          <a:ln w="28575">
+            <a:tailEnd type="arrow"/>
+          </a:ln>
+        </p:spPr>
+        <p:style>
+          <a:lnRef idx="1">
+            <a:schemeClr val="accent1"/>
+          </a:lnRef>
+          <a:fillRef idx="0">
+            <a:schemeClr val="accent1"/>
+          </a:fillRef>
+          <a:effectRef idx="0">
+            <a:schemeClr val="accent1"/>
+          </a:effectRef>
+          <a:fontRef idx="minor">
+            <a:schemeClr val="tx1"/>
+          </a:fontRef>
+        </p:style>
+      </p:cxnSp>
+      <p:cxnSp>
+        <p:nvCxnSpPr>
+          <p:cNvPr id="64" name="Прямая со стрелкой 63">
+            <a:extLst>
+              <a:ext uri="{FF2B5EF4-FFF2-40B4-BE49-F238E27FC236}">
+                <a16:creationId xmlns:a16="http://schemas.microsoft.com/office/drawing/2014/main" id="{E4E35A0E-E65F-407D-AB83-AA088EBABEBC}"/>
+              </a:ext>
+            </a:extLst>
+          </p:cNvPr>
+          <p:cNvCxnSpPr>
+            <a:cxnSpLocks/>
+            <a:stCxn id="746" idx="2"/>
+            <a:endCxn id="192" idx="0"/>
+          </p:cNvCxnSpPr>
+          <p:nvPr/>
+        </p:nvCxnSpPr>
+        <p:spPr>
+          <a:xfrm>
+            <a:off x="9987640" y="6365922"/>
+            <a:ext cx="0" cy="341970"/>
+          </a:xfrm>
+          <a:prstGeom prst="straightConnector1">
+            <a:avLst/>
+          </a:prstGeom>
+          <a:ln w="28575">
+            <a:tailEnd type="arrow"/>
+          </a:ln>
+        </p:spPr>
+        <p:style>
+          <a:lnRef idx="1">
+            <a:schemeClr val="accent1"/>
+          </a:lnRef>
+          <a:fillRef idx="0">
+            <a:schemeClr val="accent1"/>
+          </a:fillRef>
+          <a:effectRef idx="0">
+            <a:schemeClr val="accent1"/>
+          </a:effectRef>
+          <a:fontRef idx="minor">
+            <a:schemeClr val="tx1"/>
+          </a:fontRef>
+        </p:style>
+      </p:cxnSp>
+      <p:cxnSp>
+        <p:nvCxnSpPr>
+          <p:cNvPr id="67" name="Shape 248">
+            <a:extLst>
+              <a:ext uri="{FF2B5EF4-FFF2-40B4-BE49-F238E27FC236}">
+                <a16:creationId xmlns:a16="http://schemas.microsoft.com/office/drawing/2014/main" id="{5D4BE53E-DF5C-4E66-B1E7-1885D3B286F1}"/>
+              </a:ext>
+            </a:extLst>
+          </p:cNvPr>
+          <p:cNvCxnSpPr>
+            <a:cxnSpLocks/>
+            <a:stCxn id="192" idx="2"/>
+            <a:endCxn id="36" idx="0"/>
+          </p:cNvCxnSpPr>
+          <p:nvPr/>
+        </p:nvCxnSpPr>
+        <p:spPr>
+          <a:xfrm rot="5400000">
+            <a:off x="9206789" y="7360111"/>
+            <a:ext cx="353070" cy="1208633"/>
+          </a:xfrm>
+          <a:prstGeom prst="bentConnector3">
+            <a:avLst>
+              <a:gd name="adj1" fmla="val 50000"/>
+            </a:avLst>
+          </a:prstGeom>
+          <a:ln w="28575">
+            <a:tailEnd type="arrow"/>
+          </a:ln>
+        </p:spPr>
+        <p:style>
+          <a:lnRef idx="1">
+            <a:schemeClr val="accent1"/>
+          </a:lnRef>
+          <a:fillRef idx="0">
+            <a:schemeClr val="accent1"/>
+          </a:fillRef>
+          <a:effectRef idx="0">
+            <a:schemeClr val="accent1"/>
+          </a:effectRef>
+          <a:fontRef idx="minor">
+            <a:schemeClr val="tx1"/>
+          </a:fontRef>
+        </p:style>
+      </p:cxnSp>
+      <p:cxnSp>
+        <p:nvCxnSpPr>
+          <p:cNvPr id="70" name="Shape 248">
+            <a:extLst>
+              <a:ext uri="{FF2B5EF4-FFF2-40B4-BE49-F238E27FC236}">
+                <a16:creationId xmlns:a16="http://schemas.microsoft.com/office/drawing/2014/main" id="{55A42631-74CA-4086-8355-0D18574FCB06}"/>
+              </a:ext>
+            </a:extLst>
+          </p:cNvPr>
+          <p:cNvCxnSpPr>
+            <a:cxnSpLocks/>
+            <a:stCxn id="192" idx="2"/>
+            <a:endCxn id="749" idx="0"/>
+          </p:cNvCxnSpPr>
+          <p:nvPr/>
+        </p:nvCxnSpPr>
+        <p:spPr>
+          <a:xfrm rot="16200000" flipH="1">
+            <a:off x="10434511" y="7341021"/>
+            <a:ext cx="353070" cy="1246812"/>
+          </a:xfrm>
+          <a:prstGeom prst="bentConnector3">
+            <a:avLst>
+              <a:gd name="adj1" fmla="val 50000"/>
+            </a:avLst>
+          </a:prstGeom>
+          <a:ln w="28575">
+            <a:tailEnd type="arrow"/>
+          </a:ln>
+        </p:spPr>
+        <p:style>
+          <a:lnRef idx="1">
+            <a:schemeClr val="accent1"/>
+          </a:lnRef>
+          <a:fillRef idx="0">
+            <a:schemeClr val="accent1"/>
+          </a:fillRef>
+          <a:effectRef idx="0">
+            <a:schemeClr val="accent1"/>
+          </a:effectRef>
+          <a:fontRef idx="minor">
+            <a:schemeClr val="tx1"/>
+          </a:fontRef>
+        </p:style>
+      </p:cxnSp>
+      <p:sp>
+        <p:nvSpPr>
+          <p:cNvPr id="73" name="Прямоугольник 72">
+            <a:extLst>
+              <a:ext uri="{FF2B5EF4-FFF2-40B4-BE49-F238E27FC236}">
+                <a16:creationId xmlns:a16="http://schemas.microsoft.com/office/drawing/2014/main" id="{28846087-0D11-4C41-98D5-FF64F01C8EED}"/>
+              </a:ext>
+            </a:extLst>
+          </p:cNvPr>
+          <p:cNvSpPr/>
+          <p:nvPr/>
+        </p:nvSpPr>
+        <p:spPr>
+          <a:xfrm>
+            <a:off x="7721047" y="9562933"/>
+            <a:ext cx="2115918" cy="1080000"/>
+          </a:xfrm>
+          <a:prstGeom prst="rect">
+            <a:avLst/>
+          </a:prstGeom>
+          <a:ln w="28575"/>
+        </p:spPr>
+        <p:style>
+          <a:lnRef idx="2">
+            <a:schemeClr val="accent1"/>
+          </a:lnRef>
+          <a:fillRef idx="1">
+            <a:schemeClr val="lt1"/>
+          </a:fillRef>
+          <a:effectRef idx="0">
+            <a:schemeClr val="accent1"/>
+          </a:effectRef>
+          <a:fontRef idx="minor">
+            <a:schemeClr val="dk1"/>
+          </a:fontRef>
+        </p:style>
+        <p:txBody>
+          <a:bodyPr lIns="124733" tIns="62367" rIns="124733" bIns="62367" rtlCol="0" anchor="ctr"/>
+          <a:lstStyle/>
+          <a:p>
+            <a:pPr algn="ctr"/>
+            <a:r>
+              <a:rPr lang="ru-RU" sz="1400" dirty="0"/>
+              <a:t>Служба тылового обеспечения </a:t>
+            </a:r>
+            <a:r>
+              <a:rPr lang="en-US" sz="1400" dirty="0"/>
+              <a:t>Q</a:t>
+            </a:r>
+            <a:r>
+              <a:rPr lang="ru-RU" sz="1400" dirty="0"/>
+              <a:t> (ваниль)</a:t>
+            </a:r>
+            <a:endParaRPr lang="ru-RU" sz="500" dirty="0"/>
+          </a:p>
+        </p:txBody>
+      </p:sp>
+      <p:cxnSp>
+        <p:nvCxnSpPr>
+          <p:cNvPr id="74" name="Прямая со стрелкой 73">
+            <a:extLst>
+              <a:ext uri="{FF2B5EF4-FFF2-40B4-BE49-F238E27FC236}">
+                <a16:creationId xmlns:a16="http://schemas.microsoft.com/office/drawing/2014/main" id="{76BD4381-1AF6-47C0-9685-3C3F816BB149}"/>
+              </a:ext>
+            </a:extLst>
+          </p:cNvPr>
+          <p:cNvCxnSpPr>
+            <a:cxnSpLocks/>
+            <a:stCxn id="36" idx="2"/>
+            <a:endCxn id="73" idx="0"/>
+          </p:cNvCxnSpPr>
+          <p:nvPr/>
+        </p:nvCxnSpPr>
+        <p:spPr>
+          <a:xfrm flipH="1">
+            <a:off x="8779006" y="9220962"/>
+            <a:ext cx="1" cy="341971"/>
+          </a:xfrm>
+          <a:prstGeom prst="straightConnector1">
+            <a:avLst/>
+          </a:prstGeom>
+          <a:ln w="28575">
+            <a:tailEnd type="arrow"/>
+          </a:ln>
+        </p:spPr>
+        <p:style>
+          <a:lnRef idx="1">
+            <a:schemeClr val="accent1"/>
+          </a:lnRef>
+          <a:fillRef idx="0">
+            <a:schemeClr val="accent1"/>
+          </a:fillRef>
+          <a:effectRef idx="0">
+            <a:schemeClr val="accent1"/>
+          </a:effectRef>
+          <a:fontRef idx="minor">
+            <a:schemeClr val="tx1"/>
+          </a:fontRef>
+        </p:style>
+      </p:cxnSp>
+      <p:sp>
+        <p:nvSpPr>
+          <p:cNvPr id="77" name="Прямоугольник 76">
+            <a:extLst>
+              <a:ext uri="{FF2B5EF4-FFF2-40B4-BE49-F238E27FC236}">
+                <a16:creationId xmlns:a16="http://schemas.microsoft.com/office/drawing/2014/main" id="{25EF6ECF-6406-4EAA-9FFF-5F8B11AAFEEA}"/>
+              </a:ext>
+            </a:extLst>
+          </p:cNvPr>
+          <p:cNvSpPr/>
+          <p:nvPr/>
+        </p:nvSpPr>
+        <p:spPr>
+          <a:xfrm>
+            <a:off x="10174791" y="9574032"/>
+            <a:ext cx="2115918" cy="1080000"/>
+          </a:xfrm>
+          <a:prstGeom prst="rect">
+            <a:avLst/>
+          </a:prstGeom>
+          <a:ln w="28575"/>
+        </p:spPr>
+        <p:style>
+          <a:lnRef idx="2">
+            <a:schemeClr val="accent1"/>
+          </a:lnRef>
+          <a:fillRef idx="1">
+            <a:schemeClr val="lt1"/>
+          </a:fillRef>
+          <a:effectRef idx="0">
+            <a:schemeClr val="accent1"/>
+          </a:effectRef>
+          <a:fontRef idx="minor">
+            <a:schemeClr val="dk1"/>
+          </a:fontRef>
+        </p:style>
+        <p:txBody>
+          <a:bodyPr lIns="124733" tIns="62367" rIns="124733" bIns="62367" rtlCol="0" anchor="ctr"/>
+          <a:lstStyle/>
+          <a:p>
+            <a:pPr algn="ctr"/>
+            <a:r>
+              <a:rPr lang="ru-RU" sz="1400" dirty="0"/>
+              <a:t>Подготовка в джунглях и пустыни (на выбор)</a:t>
+            </a:r>
+            <a:endParaRPr lang="ru-RU" sz="500" dirty="0"/>
+          </a:p>
+        </p:txBody>
+      </p:sp>
+      <p:cxnSp>
+        <p:nvCxnSpPr>
+          <p:cNvPr id="78" name="Прямая со стрелкой 77">
+            <a:extLst>
+              <a:ext uri="{FF2B5EF4-FFF2-40B4-BE49-F238E27FC236}">
+                <a16:creationId xmlns:a16="http://schemas.microsoft.com/office/drawing/2014/main" id="{6E9786A6-51F2-4C7F-A2C6-9E3184A50EA9}"/>
+              </a:ext>
+            </a:extLst>
+          </p:cNvPr>
+          <p:cNvCxnSpPr>
+            <a:cxnSpLocks/>
+            <a:stCxn id="20" idx="2"/>
+            <a:endCxn id="19" idx="0"/>
+          </p:cNvCxnSpPr>
+          <p:nvPr/>
+        </p:nvCxnSpPr>
+        <p:spPr>
+          <a:xfrm>
+            <a:off x="8779006" y="12078208"/>
+            <a:ext cx="0" cy="341972"/>
+          </a:xfrm>
+          <a:prstGeom prst="straightConnector1">
+            <a:avLst/>
+          </a:prstGeom>
+          <a:ln w="28575">
+            <a:tailEnd type="arrow"/>
+          </a:ln>
+        </p:spPr>
+        <p:style>
+          <a:lnRef idx="1">
+            <a:schemeClr val="accent1"/>
+          </a:lnRef>
+          <a:fillRef idx="0">
+            <a:schemeClr val="accent1"/>
+          </a:fillRef>
+          <a:effectRef idx="0">
+            <a:schemeClr val="accent1"/>
+          </a:effectRef>
+          <a:fontRef idx="minor">
+            <a:schemeClr val="tx1"/>
+          </a:fontRef>
+        </p:style>
+      </p:cxnSp>
+      <p:cxnSp>
+        <p:nvCxnSpPr>
+          <p:cNvPr id="81" name="Прямая со стрелкой 80">
+            <a:extLst>
+              <a:ext uri="{FF2B5EF4-FFF2-40B4-BE49-F238E27FC236}">
+                <a16:creationId xmlns:a16="http://schemas.microsoft.com/office/drawing/2014/main" id="{4803635F-708D-4CBC-A897-0D61B6AA5CE6}"/>
+              </a:ext>
+            </a:extLst>
+          </p:cNvPr>
+          <p:cNvCxnSpPr>
+            <a:cxnSpLocks/>
+            <a:stCxn id="21" idx="2"/>
+            <a:endCxn id="22" idx="0"/>
+          </p:cNvCxnSpPr>
+          <p:nvPr/>
+        </p:nvCxnSpPr>
+        <p:spPr>
+          <a:xfrm flipH="1">
+            <a:off x="6323562" y="12078208"/>
+            <a:ext cx="242" cy="344176"/>
+          </a:xfrm>
+          <a:prstGeom prst="straightConnector1">
+            <a:avLst/>
+          </a:prstGeom>
+          <a:ln w="28575">
+            <a:tailEnd type="arrow"/>
+          </a:ln>
+        </p:spPr>
+        <p:style>
+          <a:lnRef idx="1">
+            <a:schemeClr val="accent1"/>
+          </a:lnRef>
+          <a:fillRef idx="0">
+            <a:schemeClr val="accent1"/>
+          </a:fillRef>
+          <a:effectRef idx="0">
+            <a:schemeClr val="accent1"/>
+          </a:effectRef>
+          <a:fontRef idx="minor">
+            <a:schemeClr val="tx1"/>
+          </a:fontRef>
+        </p:style>
+      </p:cxnSp>
+      <p:cxnSp>
+        <p:nvCxnSpPr>
+          <p:cNvPr id="84" name="Shape 248">
+            <a:extLst>
+              <a:ext uri="{FF2B5EF4-FFF2-40B4-BE49-F238E27FC236}">
+                <a16:creationId xmlns:a16="http://schemas.microsoft.com/office/drawing/2014/main" id="{700C8A12-2D4F-49EA-86E1-78C48BA648F3}"/>
+              </a:ext>
+            </a:extLst>
+          </p:cNvPr>
+          <p:cNvCxnSpPr>
+            <a:cxnSpLocks/>
+            <a:stCxn id="29" idx="2"/>
+            <a:endCxn id="28" idx="0"/>
+          </p:cNvCxnSpPr>
+          <p:nvPr/>
+        </p:nvCxnSpPr>
+        <p:spPr>
+          <a:xfrm rot="5400000">
+            <a:off x="1849254" y="11636014"/>
+            <a:ext cx="351430" cy="1224593"/>
+          </a:xfrm>
+          <a:prstGeom prst="bentConnector3">
+            <a:avLst>
+              <a:gd name="adj1" fmla="val 50000"/>
+            </a:avLst>
+          </a:prstGeom>
+          <a:ln w="28575">
+            <a:tailEnd type="arrow"/>
+          </a:ln>
+        </p:spPr>
+        <p:style>
+          <a:lnRef idx="1">
+            <a:schemeClr val="accent1"/>
+          </a:lnRef>
+          <a:fillRef idx="0">
+            <a:schemeClr val="accent1"/>
+          </a:fillRef>
+          <a:effectRef idx="0">
+            <a:schemeClr val="accent1"/>
+          </a:effectRef>
+          <a:fontRef idx="minor">
+            <a:schemeClr val="tx1"/>
+          </a:fontRef>
+        </p:style>
+      </p:cxnSp>
+      <p:cxnSp>
+        <p:nvCxnSpPr>
+          <p:cNvPr id="87" name="Shape 248">
+            <a:extLst>
+              <a:ext uri="{FF2B5EF4-FFF2-40B4-BE49-F238E27FC236}">
+                <a16:creationId xmlns:a16="http://schemas.microsoft.com/office/drawing/2014/main" id="{59BFC179-4040-42B9-B9FD-CEBEB4F660EA}"/>
+              </a:ext>
+            </a:extLst>
+          </p:cNvPr>
+          <p:cNvCxnSpPr>
+            <a:cxnSpLocks/>
+            <a:stCxn id="29" idx="2"/>
+            <a:endCxn id="31" idx="0"/>
+          </p:cNvCxnSpPr>
+          <p:nvPr/>
+        </p:nvCxnSpPr>
+        <p:spPr>
+          <a:xfrm rot="16200000" flipH="1">
+            <a:off x="3076157" y="11633703"/>
+            <a:ext cx="353069" cy="1230852"/>
+          </a:xfrm>
+          <a:prstGeom prst="bentConnector3">
+            <a:avLst>
+              <a:gd name="adj1" fmla="val 50000"/>
+            </a:avLst>
+          </a:prstGeom>
+          <a:ln w="28575">
+            <a:tailEnd type="arrow"/>
+          </a:ln>
+        </p:spPr>
+        <p:style>
+          <a:lnRef idx="1">
+            <a:schemeClr val="accent1"/>
+          </a:lnRef>
+          <a:fillRef idx="0">
+            <a:schemeClr val="accent1"/>
+          </a:fillRef>
+          <a:effectRef idx="0">
+            <a:schemeClr val="accent1"/>
+          </a:effectRef>
+          <a:fontRef idx="minor">
+            <a:schemeClr val="tx1"/>
+          </a:fontRef>
+        </p:style>
+      </p:cxnSp>
+      <p:cxnSp>
+        <p:nvCxnSpPr>
+          <p:cNvPr id="90" name="Shape 248">
+            <a:extLst>
+              <a:ext uri="{FF2B5EF4-FFF2-40B4-BE49-F238E27FC236}">
+                <a16:creationId xmlns:a16="http://schemas.microsoft.com/office/drawing/2014/main" id="{62AA7CF6-F06B-4A00-B8C6-DA4C8C112830}"/>
+              </a:ext>
+            </a:extLst>
+          </p:cNvPr>
+          <p:cNvCxnSpPr>
+            <a:cxnSpLocks/>
+            <a:stCxn id="28" idx="2"/>
+            <a:endCxn id="30" idx="0"/>
+          </p:cNvCxnSpPr>
+          <p:nvPr/>
+        </p:nvCxnSpPr>
+        <p:spPr>
+          <a:xfrm rot="16200000" flipH="1">
+            <a:off x="1849253" y="13067443"/>
+            <a:ext cx="351430" cy="1224593"/>
+          </a:xfrm>
+          <a:prstGeom prst="bentConnector3">
+            <a:avLst>
+              <a:gd name="adj1" fmla="val 50000"/>
+            </a:avLst>
+          </a:prstGeom>
+          <a:ln w="28575">
+            <a:tailEnd type="arrow"/>
+          </a:ln>
+        </p:spPr>
+        <p:style>
+          <a:lnRef idx="1">
+            <a:schemeClr val="accent1"/>
+          </a:lnRef>
+          <a:fillRef idx="0">
+            <a:schemeClr val="accent1"/>
+          </a:fillRef>
+          <a:effectRef idx="0">
+            <a:schemeClr val="accent1"/>
+          </a:effectRef>
+          <a:fontRef idx="minor">
+            <a:schemeClr val="tx1"/>
+          </a:fontRef>
+        </p:style>
+      </p:cxnSp>
+      <p:cxnSp>
+        <p:nvCxnSpPr>
+          <p:cNvPr id="93" name="Shape 248">
+            <a:extLst>
+              <a:ext uri="{FF2B5EF4-FFF2-40B4-BE49-F238E27FC236}">
+                <a16:creationId xmlns:a16="http://schemas.microsoft.com/office/drawing/2014/main" id="{1E71622C-0B52-40C2-B2A7-7C300CBE6EA7}"/>
+              </a:ext>
+            </a:extLst>
+          </p:cNvPr>
+          <p:cNvCxnSpPr>
+            <a:cxnSpLocks/>
+            <a:stCxn id="31" idx="2"/>
+            <a:endCxn id="30" idx="0"/>
+          </p:cNvCxnSpPr>
+          <p:nvPr/>
+        </p:nvCxnSpPr>
+        <p:spPr>
+          <a:xfrm rot="5400000">
+            <a:off x="3077796" y="13065133"/>
+            <a:ext cx="349791" cy="1230852"/>
+          </a:xfrm>
+          <a:prstGeom prst="bentConnector3">
+            <a:avLst>
+              <a:gd name="adj1" fmla="val 50000"/>
+            </a:avLst>
+          </a:prstGeom>
+          <a:ln w="28575">
+            <a:tailEnd type="arrow"/>
+          </a:ln>
+        </p:spPr>
+        <p:style>
+          <a:lnRef idx="1">
+            <a:schemeClr val="accent1"/>
+          </a:lnRef>
+          <a:fillRef idx="0">
+            <a:schemeClr val="accent1"/>
+          </a:fillRef>
+          <a:effectRef idx="0">
+            <a:schemeClr val="accent1"/>
+          </a:effectRef>
+          <a:fontRef idx="minor">
+            <a:schemeClr val="tx1"/>
+          </a:fontRef>
+        </p:style>
+      </p:cxnSp>
+      <p:cxnSp>
+        <p:nvCxnSpPr>
+          <p:cNvPr id="96" name="Shape 248">
+            <a:extLst>
+              <a:ext uri="{FF2B5EF4-FFF2-40B4-BE49-F238E27FC236}">
+                <a16:creationId xmlns:a16="http://schemas.microsoft.com/office/drawing/2014/main" id="{678CE35A-0F37-49CD-B54A-CAFFF9D4A1F6}"/>
+              </a:ext>
+            </a:extLst>
+          </p:cNvPr>
+          <p:cNvCxnSpPr>
+            <a:cxnSpLocks/>
+            <a:stCxn id="31" idx="2"/>
+            <a:endCxn id="25" idx="0"/>
+          </p:cNvCxnSpPr>
+          <p:nvPr/>
+        </p:nvCxnSpPr>
+        <p:spPr>
+          <a:xfrm rot="16200000" flipH="1">
+            <a:off x="4294971" y="13078809"/>
+            <a:ext cx="349791" cy="1203499"/>
+          </a:xfrm>
+          <a:prstGeom prst="bentConnector3">
+            <a:avLst>
+              <a:gd name="adj1" fmla="val 50000"/>
+            </a:avLst>
+          </a:prstGeom>
+          <a:ln w="28575">
+            <a:tailEnd type="arrow"/>
+          </a:ln>
+        </p:spPr>
+        <p:style>
+          <a:lnRef idx="1">
+            <a:schemeClr val="accent1"/>
+          </a:lnRef>
+          <a:fillRef idx="0">
+            <a:schemeClr val="accent1"/>
+          </a:fillRef>
+          <a:effectRef idx="0">
+            <a:schemeClr val="accent1"/>
+          </a:effectRef>
+          <a:fontRef idx="minor">
+            <a:schemeClr val="tx1"/>
+          </a:fontRef>
+        </p:style>
+      </p:cxnSp>
+      <p:cxnSp>
+        <p:nvCxnSpPr>
+          <p:cNvPr id="99" name="Shape 248">
+            <a:extLst>
+              <a:ext uri="{FF2B5EF4-FFF2-40B4-BE49-F238E27FC236}">
+                <a16:creationId xmlns:a16="http://schemas.microsoft.com/office/drawing/2014/main" id="{E6261722-3108-462A-B217-3F7FD3B0DDFB}"/>
+              </a:ext>
+            </a:extLst>
+          </p:cNvPr>
+          <p:cNvCxnSpPr>
+            <a:cxnSpLocks/>
+            <a:stCxn id="22" idx="2"/>
+            <a:endCxn id="25" idx="0"/>
+          </p:cNvCxnSpPr>
+          <p:nvPr/>
+        </p:nvCxnSpPr>
+        <p:spPr>
+          <a:xfrm rot="5400000">
+            <a:off x="5521054" y="13052946"/>
+            <a:ext cx="353071" cy="1251946"/>
+          </a:xfrm>
+          <a:prstGeom prst="bentConnector3">
+            <a:avLst>
+              <a:gd name="adj1" fmla="val 50000"/>
+            </a:avLst>
+          </a:prstGeom>
+          <a:ln w="28575">
+            <a:tailEnd type="arrow"/>
+          </a:ln>
+        </p:spPr>
+        <p:style>
+          <a:lnRef idx="1">
+            <a:schemeClr val="accent1"/>
+          </a:lnRef>
+          <a:fillRef idx="0">
+            <a:schemeClr val="accent1"/>
+          </a:fillRef>
+          <a:effectRef idx="0">
+            <a:schemeClr val="accent1"/>
+          </a:effectRef>
+          <a:fontRef idx="minor">
+            <a:schemeClr val="tx1"/>
+          </a:fontRef>
+        </p:style>
+      </p:cxnSp>
+      <p:cxnSp>
+        <p:nvCxnSpPr>
+          <p:cNvPr id="102" name="Shape 248">
+            <a:extLst>
+              <a:ext uri="{FF2B5EF4-FFF2-40B4-BE49-F238E27FC236}">
+                <a16:creationId xmlns:a16="http://schemas.microsoft.com/office/drawing/2014/main" id="{FD5E7D5A-F053-4AE5-BA18-1275C8A6FF31}"/>
+              </a:ext>
+            </a:extLst>
+          </p:cNvPr>
+          <p:cNvCxnSpPr>
+            <a:cxnSpLocks/>
+            <a:stCxn id="19" idx="2"/>
+            <a:endCxn id="18" idx="0"/>
+          </p:cNvCxnSpPr>
+          <p:nvPr/>
+        </p:nvCxnSpPr>
+        <p:spPr>
+          <a:xfrm rot="16200000" flipH="1">
+            <a:off x="9205686" y="13073500"/>
+            <a:ext cx="355275" cy="1208634"/>
+          </a:xfrm>
+          <a:prstGeom prst="bentConnector3">
+            <a:avLst>
+              <a:gd name="adj1" fmla="val 50000"/>
+            </a:avLst>
+          </a:prstGeom>
+          <a:ln w="28575">
+            <a:tailEnd type="arrow"/>
+          </a:ln>
+        </p:spPr>
+        <p:style>
+          <a:lnRef idx="1">
+            <a:schemeClr val="accent1"/>
+          </a:lnRef>
+          <a:fillRef idx="0">
+            <a:schemeClr val="accent1"/>
+          </a:fillRef>
+          <a:effectRef idx="0">
+            <a:schemeClr val="accent1"/>
+          </a:effectRef>
+          <a:fontRef idx="minor">
+            <a:schemeClr val="tx1"/>
+          </a:fontRef>
+        </p:style>
+      </p:cxnSp>
+      <p:cxnSp>
+        <p:nvCxnSpPr>
+          <p:cNvPr id="107" name="Shape 248">
+            <a:extLst>
+              <a:ext uri="{FF2B5EF4-FFF2-40B4-BE49-F238E27FC236}">
+                <a16:creationId xmlns:a16="http://schemas.microsoft.com/office/drawing/2014/main" id="{FE9E9FAE-0CA2-4071-8287-52722FDADD22}"/>
+              </a:ext>
+            </a:extLst>
+          </p:cNvPr>
+          <p:cNvCxnSpPr>
+            <a:cxnSpLocks/>
+            <a:stCxn id="19" idx="2"/>
+            <a:endCxn id="17" idx="0"/>
+          </p:cNvCxnSpPr>
+          <p:nvPr/>
+        </p:nvCxnSpPr>
+        <p:spPr>
+          <a:xfrm rot="5400000">
+            <a:off x="7964850" y="13041298"/>
+            <a:ext cx="355275" cy="1273039"/>
+          </a:xfrm>
+          <a:prstGeom prst="bentConnector3">
+            <a:avLst>
+              <a:gd name="adj1" fmla="val 50000"/>
+            </a:avLst>
+          </a:prstGeom>
+          <a:ln w="28575">
+            <a:prstDash val="dash"/>
+            <a:tailEnd type="arrow"/>
+          </a:ln>
+        </p:spPr>
+        <p:style>
+          <a:lnRef idx="1">
+            <a:schemeClr val="accent1"/>
+          </a:lnRef>
+          <a:fillRef idx="0">
+            <a:schemeClr val="accent1"/>
+          </a:fillRef>
+          <a:effectRef idx="0">
+            <a:schemeClr val="accent1"/>
+          </a:effectRef>
+          <a:fontRef idx="minor">
+            <a:schemeClr val="tx1"/>
+          </a:fontRef>
+        </p:style>
+      </p:cxnSp>
+      <p:sp>
+        <p:nvSpPr>
+          <p:cNvPr id="110" name="Прямоугольник 109">
+            <a:extLst>
+              <a:ext uri="{FF2B5EF4-FFF2-40B4-BE49-F238E27FC236}">
+                <a16:creationId xmlns:a16="http://schemas.microsoft.com/office/drawing/2014/main" id="{AF761871-6C13-4546-83B1-02B3391D9F15}"/>
+              </a:ext>
+            </a:extLst>
+          </p:cNvPr>
+          <p:cNvSpPr/>
+          <p:nvPr/>
+        </p:nvSpPr>
+        <p:spPr>
+          <a:xfrm>
+            <a:off x="2810158" y="15285246"/>
+            <a:ext cx="2115918" cy="1080000"/>
+          </a:xfrm>
+          <a:prstGeom prst="rect">
+            <a:avLst/>
+          </a:prstGeom>
+          <a:ln w="28575"/>
+        </p:spPr>
+        <p:style>
+          <a:lnRef idx="2">
+            <a:schemeClr val="accent1"/>
+          </a:lnRef>
+          <a:fillRef idx="1">
+            <a:schemeClr val="lt1"/>
+          </a:fillRef>
+          <a:effectRef idx="0">
+            <a:schemeClr val="accent1"/>
+          </a:effectRef>
+          <a:fontRef idx="minor">
+            <a:schemeClr val="dk1"/>
+          </a:fontRef>
+        </p:style>
+        <p:txBody>
+          <a:bodyPr lIns="124733" tIns="62367" rIns="124733" bIns="62367" rtlCol="0" anchor="ctr"/>
+          <a:lstStyle/>
+          <a:p>
+            <a:pPr algn="ctr"/>
+            <a:r>
+              <a:rPr lang="ru-RU" sz="1400" dirty="0"/>
+              <a:t>Расширение базы в </a:t>
+            </a:r>
+            <a:r>
+              <a:rPr lang="ru-RU" sz="1400" dirty="0" err="1"/>
+              <a:t>Саймонстауне</a:t>
+            </a:r>
+            <a:r>
+              <a:rPr lang="ru-RU" sz="1400" dirty="0"/>
+              <a:t> (ваниль)</a:t>
+            </a:r>
+            <a:endParaRPr lang="ru-RU" sz="500" dirty="0"/>
+          </a:p>
+        </p:txBody>
+      </p:sp>
+      <p:sp>
+        <p:nvSpPr>
+          <p:cNvPr id="111" name="Прямоугольник 110">
+            <a:extLst>
+              <a:ext uri="{FF2B5EF4-FFF2-40B4-BE49-F238E27FC236}">
+                <a16:creationId xmlns:a16="http://schemas.microsoft.com/office/drawing/2014/main" id="{D2CDA8C3-CF75-4C72-93E9-E8DBACEC6530}"/>
+              </a:ext>
+            </a:extLst>
+          </p:cNvPr>
+          <p:cNvSpPr/>
+          <p:nvPr/>
+        </p:nvSpPr>
+        <p:spPr>
+          <a:xfrm>
+            <a:off x="350856" y="15285246"/>
+            <a:ext cx="2115918" cy="1080000"/>
+          </a:xfrm>
+          <a:prstGeom prst="rect">
+            <a:avLst/>
+          </a:prstGeom>
+          <a:ln w="28575"/>
+        </p:spPr>
+        <p:style>
+          <a:lnRef idx="2">
+            <a:schemeClr val="accent1"/>
+          </a:lnRef>
+          <a:fillRef idx="1">
+            <a:schemeClr val="lt1"/>
+          </a:fillRef>
+          <a:effectRef idx="0">
+            <a:schemeClr val="accent1"/>
+          </a:effectRef>
+          <a:fontRef idx="minor">
+            <a:schemeClr val="dk1"/>
+          </a:fontRef>
+        </p:style>
+        <p:txBody>
+          <a:bodyPr lIns="124733" tIns="62367" rIns="124733" bIns="62367" rtlCol="0" anchor="ctr"/>
+          <a:lstStyle/>
+          <a:p>
+            <a:pPr algn="ctr"/>
+            <a:r>
+              <a:rPr lang="ru-RU" sz="1400" dirty="0"/>
+              <a:t>Силы морской обороны (ваниль, но против конвоев</a:t>
+            </a:r>
+            <a:endParaRPr lang="ru-RU" sz="500" dirty="0"/>
+          </a:p>
+        </p:txBody>
+      </p:sp>
+      <p:cxnSp>
+        <p:nvCxnSpPr>
+          <p:cNvPr id="112" name="Прямая со стрелкой 111">
+            <a:extLst>
+              <a:ext uri="{FF2B5EF4-FFF2-40B4-BE49-F238E27FC236}">
+                <a16:creationId xmlns:a16="http://schemas.microsoft.com/office/drawing/2014/main" id="{F58F84DE-E9C4-4BD7-8748-A78C2F6FD8BF}"/>
+              </a:ext>
+            </a:extLst>
+          </p:cNvPr>
+          <p:cNvCxnSpPr>
+            <a:cxnSpLocks/>
+            <a:stCxn id="28" idx="2"/>
+            <a:endCxn id="111" idx="0"/>
+          </p:cNvCxnSpPr>
+          <p:nvPr/>
+        </p:nvCxnSpPr>
+        <p:spPr>
+          <a:xfrm flipH="1">
+            <a:off x="1408815" y="13504025"/>
+            <a:ext cx="3857" cy="1781221"/>
+          </a:xfrm>
+          <a:prstGeom prst="straightConnector1">
+            <a:avLst/>
+          </a:prstGeom>
+          <a:ln w="28575">
+            <a:tailEnd type="arrow"/>
+          </a:ln>
+        </p:spPr>
+        <p:style>
+          <a:lnRef idx="1">
+            <a:schemeClr val="accent1"/>
+          </a:lnRef>
+          <a:fillRef idx="0">
+            <a:schemeClr val="accent1"/>
+          </a:fillRef>
+          <a:effectRef idx="0">
+            <a:schemeClr val="accent1"/>
+          </a:effectRef>
+          <a:fontRef idx="minor">
+            <a:schemeClr val="tx1"/>
+          </a:fontRef>
+        </p:style>
+      </p:cxnSp>
+      <p:cxnSp>
+        <p:nvCxnSpPr>
+          <p:cNvPr id="115" name="Прямая со стрелкой 114">
+            <a:extLst>
+              <a:ext uri="{FF2B5EF4-FFF2-40B4-BE49-F238E27FC236}">
+                <a16:creationId xmlns:a16="http://schemas.microsoft.com/office/drawing/2014/main" id="{B1276E7E-09F3-4F48-83F0-61AD6A00A2DC}"/>
+              </a:ext>
+            </a:extLst>
+          </p:cNvPr>
+          <p:cNvCxnSpPr>
+            <a:cxnSpLocks/>
+            <a:stCxn id="31" idx="2"/>
+            <a:endCxn id="110" idx="0"/>
+          </p:cNvCxnSpPr>
+          <p:nvPr/>
+        </p:nvCxnSpPr>
+        <p:spPr>
+          <a:xfrm>
+            <a:off x="3868117" y="13505664"/>
+            <a:ext cx="0" cy="1779582"/>
+          </a:xfrm>
+          <a:prstGeom prst="straightConnector1">
+            <a:avLst/>
+          </a:prstGeom>
+          <a:ln w="28575">
+            <a:tailEnd type="arrow"/>
+          </a:ln>
+        </p:spPr>
+        <p:style>
+          <a:lnRef idx="1">
+            <a:schemeClr val="accent1"/>
+          </a:lnRef>
+          <a:fillRef idx="0">
+            <a:schemeClr val="accent1"/>
+          </a:fillRef>
+          <a:effectRef idx="0">
+            <a:schemeClr val="accent1"/>
+          </a:effectRef>
+          <a:fontRef idx="minor">
+            <a:schemeClr val="tx1"/>
+          </a:fontRef>
+        </p:style>
+      </p:cxnSp>
+      <p:sp>
+        <p:nvSpPr>
+          <p:cNvPr id="118" name="Прямоугольник 117">
+            <a:extLst>
+              <a:ext uri="{FF2B5EF4-FFF2-40B4-BE49-F238E27FC236}">
+                <a16:creationId xmlns:a16="http://schemas.microsoft.com/office/drawing/2014/main" id="{B9B0CFE7-80AC-4244-B88C-C62FC2E3D2AD}"/>
+              </a:ext>
+            </a:extLst>
+          </p:cNvPr>
+          <p:cNvSpPr/>
+          <p:nvPr/>
+        </p:nvSpPr>
+        <p:spPr>
+          <a:xfrm>
+            <a:off x="7721047" y="15289467"/>
+            <a:ext cx="2115918" cy="1080000"/>
+          </a:xfrm>
+          <a:prstGeom prst="rect">
+            <a:avLst/>
+          </a:prstGeom>
+          <a:ln w="28575"/>
+        </p:spPr>
+        <p:style>
+          <a:lnRef idx="2">
+            <a:schemeClr val="accent1"/>
+          </a:lnRef>
+          <a:fillRef idx="1">
+            <a:schemeClr val="lt1"/>
+          </a:fillRef>
+          <a:effectRef idx="0">
+            <a:schemeClr val="accent1"/>
+          </a:effectRef>
+          <a:fontRef idx="minor">
+            <a:schemeClr val="dk1"/>
+          </a:fontRef>
+        </p:style>
+        <p:txBody>
+          <a:bodyPr lIns="124733" tIns="62367" rIns="124733" bIns="62367" rtlCol="0" anchor="ctr"/>
+          <a:lstStyle/>
+          <a:p>
+            <a:pPr algn="ctr"/>
+            <a:r>
+              <a:rPr lang="ru-RU" sz="1400" dirty="0"/>
+              <a:t>Довести «кэб-</a:t>
+            </a:r>
+            <a:r>
+              <a:rPr lang="ru-RU" sz="1400" dirty="0" err="1"/>
+              <a:t>рэнк</a:t>
+            </a:r>
+            <a:r>
+              <a:rPr lang="ru-RU" sz="1400" dirty="0"/>
+              <a:t>» до совершенства(ваниль)</a:t>
+            </a:r>
+            <a:endParaRPr lang="ru-RU" sz="500" dirty="0"/>
+          </a:p>
+        </p:txBody>
+      </p:sp>
+      <p:cxnSp>
+        <p:nvCxnSpPr>
+          <p:cNvPr id="122" name="Прямая со стрелкой 121">
+            <a:extLst>
+              <a:ext uri="{FF2B5EF4-FFF2-40B4-BE49-F238E27FC236}">
+                <a16:creationId xmlns:a16="http://schemas.microsoft.com/office/drawing/2014/main" id="{AFFC3425-EE6E-4A23-8273-1B43F1F5FFD8}"/>
+              </a:ext>
+            </a:extLst>
+          </p:cNvPr>
+          <p:cNvCxnSpPr>
+            <a:cxnSpLocks/>
+            <a:stCxn id="749" idx="2"/>
+            <a:endCxn id="77" idx="0"/>
+          </p:cNvCxnSpPr>
+          <p:nvPr/>
+        </p:nvCxnSpPr>
+        <p:spPr>
+          <a:xfrm flipH="1">
+            <a:off x="11232750" y="9220962"/>
+            <a:ext cx="1702" cy="353070"/>
+          </a:xfrm>
+          <a:prstGeom prst="straightConnector1">
+            <a:avLst/>
+          </a:prstGeom>
+          <a:ln w="28575">
+            <a:tailEnd type="arrow"/>
+          </a:ln>
+        </p:spPr>
+        <p:style>
+          <a:lnRef idx="1">
+            <a:schemeClr val="accent1"/>
+          </a:lnRef>
+          <a:fillRef idx="0">
+            <a:schemeClr val="accent1"/>
+          </a:fillRef>
+          <a:effectRef idx="0">
+            <a:schemeClr val="accent1"/>
+          </a:effectRef>
+          <a:fontRef idx="minor">
+            <a:schemeClr val="tx1"/>
+          </a:fontRef>
+        </p:style>
+      </p:cxnSp>
+      <p:cxnSp>
+        <p:nvCxnSpPr>
+          <p:cNvPr id="127" name="Shape 248">
+            <a:extLst>
+              <a:ext uri="{FF2B5EF4-FFF2-40B4-BE49-F238E27FC236}">
+                <a16:creationId xmlns:a16="http://schemas.microsoft.com/office/drawing/2014/main" id="{1281530A-C1F3-48DD-BF88-2B748908877C}"/>
+              </a:ext>
+            </a:extLst>
+          </p:cNvPr>
+          <p:cNvCxnSpPr>
+            <a:cxnSpLocks/>
+            <a:stCxn id="17" idx="2"/>
+            <a:endCxn id="118" idx="0"/>
+          </p:cNvCxnSpPr>
+          <p:nvPr/>
+        </p:nvCxnSpPr>
+        <p:spPr>
+          <a:xfrm rot="16200000" flipH="1">
+            <a:off x="7965480" y="14475941"/>
+            <a:ext cx="354012" cy="1273039"/>
+          </a:xfrm>
+          <a:prstGeom prst="bentConnector3">
+            <a:avLst>
+              <a:gd name="adj1" fmla="val 50000"/>
+            </a:avLst>
+          </a:prstGeom>
+          <a:ln w="28575">
+            <a:tailEnd type="arrow"/>
+          </a:ln>
+        </p:spPr>
+        <p:style>
+          <a:lnRef idx="1">
+            <a:schemeClr val="accent1"/>
+          </a:lnRef>
+          <a:fillRef idx="0">
+            <a:schemeClr val="accent1"/>
+          </a:fillRef>
+          <a:effectRef idx="0">
+            <a:schemeClr val="accent1"/>
+          </a:effectRef>
+          <a:fontRef idx="minor">
+            <a:schemeClr val="tx1"/>
+          </a:fontRef>
+        </p:style>
+      </p:cxnSp>
+      <p:cxnSp>
+        <p:nvCxnSpPr>
+          <p:cNvPr id="130" name="Shape 248">
+            <a:extLst>
+              <a:ext uri="{FF2B5EF4-FFF2-40B4-BE49-F238E27FC236}">
+                <a16:creationId xmlns:a16="http://schemas.microsoft.com/office/drawing/2014/main" id="{5BC99ECC-6DFA-4AF9-A537-86299940BCE8}"/>
+              </a:ext>
+            </a:extLst>
+          </p:cNvPr>
+          <p:cNvCxnSpPr>
+            <a:cxnSpLocks/>
+            <a:stCxn id="18" idx="2"/>
+            <a:endCxn id="118" idx="0"/>
+          </p:cNvCxnSpPr>
+          <p:nvPr/>
+        </p:nvCxnSpPr>
+        <p:spPr>
+          <a:xfrm rot="5400000">
+            <a:off x="9206317" y="14508144"/>
+            <a:ext cx="354012" cy="1208634"/>
+          </a:xfrm>
+          <a:prstGeom prst="bentConnector3">
+            <a:avLst>
+              <a:gd name="adj1" fmla="val 50000"/>
+            </a:avLst>
+          </a:prstGeom>
+          <a:ln w="28575">
+            <a:tailEnd type="arrow"/>
+          </a:ln>
+        </p:spPr>
+        <p:style>
+          <a:lnRef idx="1">
+            <a:schemeClr val="accent1"/>
+          </a:lnRef>
+          <a:fillRef idx="0">
+            <a:schemeClr val="accent1"/>
+          </a:fillRef>
+          <a:effectRef idx="0">
+            <a:schemeClr val="accent1"/>
+          </a:effectRef>
+          <a:fontRef idx="minor">
+            <a:schemeClr val="tx1"/>
+          </a:fontRef>
+        </p:style>
+      </p:cxnSp>
+      <p:sp>
+        <p:nvSpPr>
+          <p:cNvPr id="140" name="Прямоугольник 139">
+            <a:extLst>
+              <a:ext uri="{FF2B5EF4-FFF2-40B4-BE49-F238E27FC236}">
+                <a16:creationId xmlns:a16="http://schemas.microsoft.com/office/drawing/2014/main" id="{90A6A426-8459-491A-95EF-691BEA84E482}"/>
+              </a:ext>
+            </a:extLst>
+          </p:cNvPr>
+          <p:cNvSpPr/>
+          <p:nvPr/>
+        </p:nvSpPr>
+        <p:spPr>
+          <a:xfrm>
+            <a:off x="350856" y="9574032"/>
+            <a:ext cx="2115918" cy="1080000"/>
+          </a:xfrm>
+          <a:prstGeom prst="rect">
+            <a:avLst/>
+          </a:prstGeom>
+          <a:ln w="28575"/>
+        </p:spPr>
+        <p:style>
+          <a:lnRef idx="2">
+            <a:schemeClr val="accent1"/>
+          </a:lnRef>
+          <a:fillRef idx="1">
+            <a:schemeClr val="lt1"/>
+          </a:fillRef>
+          <a:effectRef idx="0">
+            <a:schemeClr val="accent1"/>
+          </a:effectRef>
+          <a:fontRef idx="minor">
+            <a:schemeClr val="dk1"/>
+          </a:fontRef>
+        </p:style>
+        <p:txBody>
+          <a:bodyPr lIns="124733" tIns="62367" rIns="124733" bIns="62367" rtlCol="0" anchor="ctr"/>
+          <a:lstStyle/>
+          <a:p>
+            <a:pPr algn="ctr"/>
+            <a:r>
+              <a:rPr lang="ru-RU" sz="1400" dirty="0"/>
+              <a:t>Развитие бронеавтомобилей для пустыни (1942)</a:t>
+            </a:r>
+            <a:endParaRPr lang="ru-RU" sz="500" dirty="0"/>
+          </a:p>
+        </p:txBody>
+      </p:sp>
+      <p:cxnSp>
+        <p:nvCxnSpPr>
+          <p:cNvPr id="141" name="Shape 248">
+            <a:extLst>
+              <a:ext uri="{FF2B5EF4-FFF2-40B4-BE49-F238E27FC236}">
+                <a16:creationId xmlns:a16="http://schemas.microsoft.com/office/drawing/2014/main" id="{060CBC03-6C78-4A13-9A72-BF92B71C90AF}"/>
+              </a:ext>
+            </a:extLst>
+          </p:cNvPr>
+          <p:cNvCxnSpPr>
+            <a:cxnSpLocks/>
+            <a:stCxn id="42" idx="2"/>
+            <a:endCxn id="140" idx="0"/>
+          </p:cNvCxnSpPr>
+          <p:nvPr/>
+        </p:nvCxnSpPr>
+        <p:spPr>
+          <a:xfrm rot="5400000">
+            <a:off x="2461931" y="8167846"/>
+            <a:ext cx="353070" cy="2459302"/>
+          </a:xfrm>
+          <a:prstGeom prst="bentConnector3">
+            <a:avLst>
+              <a:gd name="adj1" fmla="val 50000"/>
+            </a:avLst>
+          </a:prstGeom>
+          <a:ln w="28575">
+            <a:tailEnd type="arrow"/>
+          </a:ln>
+        </p:spPr>
+        <p:style>
+          <a:lnRef idx="1">
+            <a:schemeClr val="accent1"/>
+          </a:lnRef>
+          <a:fillRef idx="0">
+            <a:schemeClr val="accent1"/>
+          </a:fillRef>
+          <a:effectRef idx="0">
+            <a:schemeClr val="accent1"/>
+          </a:effectRef>
+          <a:fontRef idx="minor">
+            <a:schemeClr val="tx1"/>
+          </a:fontRef>
+        </p:style>
+      </p:cxnSp>
     </p:spTree>
     <p:extLst>
       <p:ext uri="{BB962C8B-B14F-4D97-AF65-F5344CB8AC3E}">

--- a/Наработки/диздоки/ЮАС/ЮАС.pptx
+++ b/Наработки/диздоки/ЮАС/ЮАС.pptx
@@ -209,7 +209,7 @@
             <a:fld id="{33E3D7F9-E251-484C-A6FF-FA958879DF69}" type="datetimeFigureOut">
               <a:rPr lang="ru-RU" smtClean="0"/>
               <a:pPr/>
-              <a:t>07.02.2023</a:t>
+              <a:t>15.02.2023</a:t>
             </a:fld>
             <a:endParaRPr lang="ru-RU"/>
           </a:p>
@@ -699,7 +699,7 @@
             <a:fld id="{85A5DE44-605B-4D3B-B2B7-94543DF81A36}" type="datetimeFigureOut">
               <a:rPr lang="ru-RU" smtClean="0"/>
               <a:pPr/>
-              <a:t>07.02.2023</a:t>
+              <a:t>15.02.2023</a:t>
             </a:fld>
             <a:endParaRPr lang="ru-RU"/>
           </a:p>
@@ -871,7 +871,7 @@
             <a:fld id="{85A5DE44-605B-4D3B-B2B7-94543DF81A36}" type="datetimeFigureOut">
               <a:rPr lang="ru-RU" smtClean="0"/>
               <a:pPr/>
-              <a:t>07.02.2023</a:t>
+              <a:t>15.02.2023</a:t>
             </a:fld>
             <a:endParaRPr lang="ru-RU"/>
           </a:p>
@@ -1053,7 +1053,7 @@
             <a:fld id="{85A5DE44-605B-4D3B-B2B7-94543DF81A36}" type="datetimeFigureOut">
               <a:rPr lang="ru-RU" smtClean="0"/>
               <a:pPr/>
-              <a:t>07.02.2023</a:t>
+              <a:t>15.02.2023</a:t>
             </a:fld>
             <a:endParaRPr lang="ru-RU"/>
           </a:p>
@@ -1225,7 +1225,7 @@
             <a:fld id="{85A5DE44-605B-4D3B-B2B7-94543DF81A36}" type="datetimeFigureOut">
               <a:rPr lang="ru-RU" smtClean="0"/>
               <a:pPr/>
-              <a:t>07.02.2023</a:t>
+              <a:t>15.02.2023</a:t>
             </a:fld>
             <a:endParaRPr lang="ru-RU"/>
           </a:p>
@@ -1473,7 +1473,7 @@
             <a:fld id="{85A5DE44-605B-4D3B-B2B7-94543DF81A36}" type="datetimeFigureOut">
               <a:rPr lang="ru-RU" smtClean="0"/>
               <a:pPr/>
-              <a:t>07.02.2023</a:t>
+              <a:t>15.02.2023</a:t>
             </a:fld>
             <a:endParaRPr lang="ru-RU"/>
           </a:p>
@@ -1707,7 +1707,7 @@
             <a:fld id="{85A5DE44-605B-4D3B-B2B7-94543DF81A36}" type="datetimeFigureOut">
               <a:rPr lang="ru-RU" smtClean="0"/>
               <a:pPr/>
-              <a:t>07.02.2023</a:t>
+              <a:t>15.02.2023</a:t>
             </a:fld>
             <a:endParaRPr lang="ru-RU"/>
           </a:p>
@@ -2076,7 +2076,7 @@
             <a:fld id="{85A5DE44-605B-4D3B-B2B7-94543DF81A36}" type="datetimeFigureOut">
               <a:rPr lang="ru-RU" smtClean="0"/>
               <a:pPr/>
-              <a:t>07.02.2023</a:t>
+              <a:t>15.02.2023</a:t>
             </a:fld>
             <a:endParaRPr lang="ru-RU"/>
           </a:p>
@@ -2196,7 +2196,7 @@
             <a:fld id="{85A5DE44-605B-4D3B-B2B7-94543DF81A36}" type="datetimeFigureOut">
               <a:rPr lang="ru-RU" smtClean="0"/>
               <a:pPr/>
-              <a:t>07.02.2023</a:t>
+              <a:t>15.02.2023</a:t>
             </a:fld>
             <a:endParaRPr lang="ru-RU"/>
           </a:p>
@@ -2293,7 +2293,7 @@
             <a:fld id="{85A5DE44-605B-4D3B-B2B7-94543DF81A36}" type="datetimeFigureOut">
               <a:rPr lang="ru-RU" smtClean="0"/>
               <a:pPr/>
-              <a:t>07.02.2023</a:t>
+              <a:t>15.02.2023</a:t>
             </a:fld>
             <a:endParaRPr lang="ru-RU"/>
           </a:p>
@@ -2572,7 +2572,7 @@
             <a:fld id="{85A5DE44-605B-4D3B-B2B7-94543DF81A36}" type="datetimeFigureOut">
               <a:rPr lang="ru-RU" smtClean="0"/>
               <a:pPr/>
-              <a:t>07.02.2023</a:t>
+              <a:t>15.02.2023</a:t>
             </a:fld>
             <a:endParaRPr lang="ru-RU"/>
           </a:p>
@@ -2831,7 +2831,7 @@
             <a:fld id="{85A5DE44-605B-4D3B-B2B7-94543DF81A36}" type="datetimeFigureOut">
               <a:rPr lang="ru-RU" smtClean="0"/>
               <a:pPr/>
-              <a:t>07.02.2023</a:t>
+              <a:t>15.02.2023</a:t>
             </a:fld>
             <a:endParaRPr lang="ru-RU"/>
           </a:p>
@@ -3046,7 +3046,7 @@
             <a:fld id="{85A5DE44-605B-4D3B-B2B7-94543DF81A36}" type="datetimeFigureOut">
               <a:rPr lang="ru-RU" smtClean="0"/>
               <a:pPr/>
-              <a:t>07.02.2023</a:t>
+              <a:t>15.02.2023</a:t>
             </a:fld>
             <a:endParaRPr lang="ru-RU"/>
           </a:p>
@@ -3497,43 +3497,6 @@
       </p:sp>
       <p:cxnSp>
         <p:nvCxnSpPr>
-          <p:cNvPr id="215" name="Прямая со стрелкой 214"/>
-          <p:cNvCxnSpPr>
-            <a:cxnSpLocks/>
-            <a:stCxn id="42" idx="2"/>
-            <a:endCxn id="43" idx="0"/>
-          </p:cNvCxnSpPr>
-          <p:nvPr/>
-        </p:nvCxnSpPr>
-        <p:spPr>
-          <a:xfrm>
-            <a:off x="3868117" y="9220962"/>
-            <a:ext cx="0" cy="353070"/>
-          </a:xfrm>
-          <a:prstGeom prst="straightConnector1">
-            <a:avLst/>
-          </a:prstGeom>
-          <a:ln w="28575">
-            <a:tailEnd type="arrow"/>
-          </a:ln>
-        </p:spPr>
-        <p:style>
-          <a:lnRef idx="1">
-            <a:schemeClr val="accent1"/>
-          </a:lnRef>
-          <a:fillRef idx="0">
-            <a:schemeClr val="accent1"/>
-          </a:fillRef>
-          <a:effectRef idx="0">
-            <a:schemeClr val="accent1"/>
-          </a:effectRef>
-          <a:fontRef idx="minor">
-            <a:schemeClr val="tx1"/>
-          </a:fontRef>
-        </p:style>
-      </p:cxnSp>
-      <p:cxnSp>
-        <p:nvCxnSpPr>
           <p:cNvPr id="223" name="Прямая соединительная линия 222"/>
           <p:cNvCxnSpPr>
             <a:cxnSpLocks/>
@@ -3569,45 +3532,6 @@
           </a:fontRef>
         </p:style>
       </p:cxnSp>
-      <p:cxnSp>
-        <p:nvCxnSpPr>
-          <p:cNvPr id="217" name="Shape 248"/>
-          <p:cNvCxnSpPr>
-            <a:cxnSpLocks/>
-            <a:stCxn id="38" idx="2"/>
-            <a:endCxn id="40" idx="0"/>
-          </p:cNvCxnSpPr>
-          <p:nvPr/>
-        </p:nvCxnSpPr>
-        <p:spPr>
-          <a:xfrm rot="16200000" flipH="1">
-            <a:off x="4298956" y="5935231"/>
-            <a:ext cx="341821" cy="1203499"/>
-          </a:xfrm>
-          <a:prstGeom prst="bentConnector3">
-            <a:avLst>
-              <a:gd name="adj1" fmla="val 50000"/>
-            </a:avLst>
-          </a:prstGeom>
-          <a:ln w="28575">
-            <a:tailEnd type="arrow"/>
-          </a:ln>
-        </p:spPr>
-        <p:style>
-          <a:lnRef idx="1">
-            <a:schemeClr val="accent1"/>
-          </a:lnRef>
-          <a:fillRef idx="0">
-            <a:schemeClr val="accent1"/>
-          </a:fillRef>
-          <a:effectRef idx="0">
-            <a:schemeClr val="accent1"/>
-          </a:effectRef>
-          <a:fontRef idx="minor">
-            <a:schemeClr val="tx1"/>
-          </a:fontRef>
-        </p:style>
-      </p:cxnSp>
       <p:sp>
         <p:nvSpPr>
           <p:cNvPr id="569" name="Прямоугольник 568"/>
@@ -3782,27 +3706,7 @@
             <a:pPr algn="ctr"/>
             <a:r>
               <a:rPr lang="ru-RU" sz="1400" dirty="0"/>
-              <a:t>Призвать коммандос </a:t>
-            </a:r>
-            <a:r>
-              <a:rPr lang="ru-RU" sz="1050" dirty="0"/>
-              <a:t>(</a:t>
-            </a:r>
-            <a:r>
-              <a:rPr lang="ru-RU" sz="500" dirty="0"/>
-              <a:t>122 000 коммандос, из которых только 39 000 считались подходящими для полевого развертывания. Закон об обороне также запрещал развертывание его членов за пределами юга Африки. [2] 4 сентября генерал Герцог подал в отставку и был заменен генералом </a:t>
-            </a:r>
-            <a:r>
-              <a:rPr lang="ru-RU" sz="500" dirty="0" err="1"/>
-              <a:t>Смэтсом</a:t>
-            </a:r>
-            <a:r>
-              <a:rPr lang="ru-RU" sz="500" dirty="0"/>
-              <a:t> , а два дня спустя, 6 сентября, Южная Африка объявила войну Германии.</a:t>
-            </a:r>
-            <a:r>
-              <a:rPr lang="ru-RU" sz="1050" dirty="0"/>
-              <a:t>)</a:t>
+              <a:t>Призвать коммандос</a:t>
             </a:r>
             <a:endParaRPr lang="ru-RU" sz="500" dirty="0"/>
           </a:p>
@@ -3908,55 +3812,6 @@
       </p:sp>
       <p:sp>
         <p:nvSpPr>
-          <p:cNvPr id="756" name="Прямоугольник 755">
-            <a:extLst>
-              <a:ext uri="{FF2B5EF4-FFF2-40B4-BE49-F238E27FC236}">
-                <a16:creationId xmlns:a16="http://schemas.microsoft.com/office/drawing/2014/main" id="{C7CEC720-AA75-4F6D-998A-75757A64BBA6}"/>
-              </a:ext>
-            </a:extLst>
-          </p:cNvPr>
-          <p:cNvSpPr/>
-          <p:nvPr/>
-        </p:nvSpPr>
-        <p:spPr>
-          <a:xfrm>
-            <a:off x="6633" y="3163603"/>
-            <a:ext cx="2115918" cy="1080000"/>
-          </a:xfrm>
-          <a:prstGeom prst="rect">
-            <a:avLst/>
-          </a:prstGeom>
-          <a:ln w="28575"/>
-        </p:spPr>
-        <p:style>
-          <a:lnRef idx="2">
-            <a:schemeClr val="accent1"/>
-          </a:lnRef>
-          <a:fillRef idx="1">
-            <a:schemeClr val="lt1"/>
-          </a:fillRef>
-          <a:effectRef idx="0">
-            <a:schemeClr val="accent1"/>
-          </a:effectRef>
-          <a:fontRef idx="minor">
-            <a:schemeClr val="dk1"/>
-          </a:fontRef>
-        </p:style>
-        <p:txBody>
-          <a:bodyPr lIns="124733" tIns="62367" rIns="124733" bIns="62367" rtlCol="0" anchor="ctr"/>
-          <a:lstStyle/>
-          <a:p>
-            <a:pPr algn="ctr"/>
-            <a:r>
-              <a:rPr lang="ru-RU" sz="1400" dirty="0"/>
-              <a:t>Начать набор чернокожих</a:t>
-            </a:r>
-            <a:endParaRPr lang="ru-RU" sz="500" dirty="0"/>
-          </a:p>
-        </p:txBody>
-      </p:sp>
-      <p:sp>
-        <p:nvSpPr>
           <p:cNvPr id="17" name="Прямоугольник 16">
             <a:extLst>
               <a:ext uri="{FF2B5EF4-FFF2-40B4-BE49-F238E27FC236}">
@@ -3998,12 +3853,9 @@
             <a:pPr algn="ctr"/>
             <a:r>
               <a:rPr lang="ru-RU" sz="1400" dirty="0"/>
-              <a:t>Разносторонняя тренировка </a:t>
-            </a:r>
-            <a:r>
-              <a:rPr lang="ru-RU" sz="500" dirty="0"/>
-              <a:t>(Летчиков, набравшись опыта, часто отправляли домой в Союз и не возвращали в течение многих месяцев, после чего условия в пустыне существенно менялись, и от них требовалось набираться опыта на разных самолетах, разных тактиках и операциях с разных баз. Были случаи, когда опытных летчиков-истребителей отправляли обратно в Западную пустыню в качестве пилотов бомбардировщиков для их второго тура, что усугубляло отсутствие преемственности и опыта.)</a:t>
-            </a:r>
+              <a:t>Разносторонняя тренировка</a:t>
+            </a:r>
+            <a:endParaRPr lang="ru-RU" sz="500" dirty="0"/>
           </a:p>
         </p:txBody>
       </p:sp>
@@ -4050,27 +3902,7 @@
             <a:pPr algn="ctr"/>
             <a:r>
               <a:rPr lang="ru-RU" sz="1400" dirty="0"/>
-              <a:t>Подготовка наших асов </a:t>
-            </a:r>
-            <a:r>
-              <a:rPr lang="ru-RU" sz="1050" dirty="0"/>
-              <a:t>(SAAF также произвела ряд воздушных асов SAAF времен Второй мировой войны , в том числе Джона </a:t>
-            </a:r>
-            <a:r>
-              <a:rPr lang="ru-RU" sz="1050" dirty="0" err="1"/>
-              <a:t>Фроста</a:t>
-            </a:r>
-            <a:r>
-              <a:rPr lang="ru-RU" sz="1050" dirty="0"/>
-              <a:t> и Мармадьюка </a:t>
-            </a:r>
-            <a:r>
-              <a:rPr lang="ru-RU" sz="1050" dirty="0" err="1"/>
-              <a:t>Паттла</a:t>
-            </a:r>
-            <a:r>
-              <a:rPr lang="ru-RU" sz="1050" dirty="0"/>
-              <a:t>)</a:t>
+              <a:t>Подготовка наших асов</a:t>
             </a:r>
             <a:endParaRPr lang="ru-RU" sz="500" dirty="0"/>
           </a:p>
@@ -4119,11 +3951,7 @@
             <a:pPr algn="ctr"/>
             <a:r>
               <a:rPr lang="ru-RU" sz="1400" dirty="0"/>
-              <a:t>Мобильное депо ВВС </a:t>
-            </a:r>
-            <a:r>
-              <a:rPr lang="ru-RU" sz="700" dirty="0"/>
-              <a:t>(Мобильное депо ВВС (MAFD) базировалось в Претории . Его роль во время Второй мировой войны заключалась в том, что он был местом, где можно было разместить экипаж в режиме ожидания, прежде чем его отправят в более активную эскадрилью.)</a:t>
+              <a:t>Мобильное депо ВВС</a:t>
             </a:r>
             <a:endParaRPr lang="ru-RU" sz="500" dirty="0"/>
           </a:p>
@@ -4172,43 +4000,7 @@
             <a:pPr algn="ctr"/>
             <a:r>
               <a:rPr lang="ru-RU" sz="1400" dirty="0"/>
-              <a:t>«Железное место» </a:t>
-            </a:r>
-            <a:r>
-              <a:rPr lang="ru-RU" sz="700" dirty="0"/>
-              <a:t>(База ВВС </a:t>
-            </a:r>
-            <a:r>
-              <a:rPr lang="ru-RU" sz="700" dirty="0" err="1"/>
-              <a:t>Ysterplaat</a:t>
-            </a:r>
-            <a:r>
-              <a:rPr lang="ru-RU" sz="700" dirty="0"/>
-              <a:t> ( ICAO : FAYP ) — авиабаза ВВС ЮАР. Он расположен в пригороде Кейптауна </a:t>
-            </a:r>
-            <a:r>
-              <a:rPr lang="ru-RU" sz="700" dirty="0" err="1"/>
-              <a:t>Истерплаат</a:t>
-            </a:r>
-            <a:r>
-              <a:rPr lang="ru-RU" sz="700" dirty="0"/>
-              <a:t> , на юго-западном побережье Южной Африки . Название </a:t>
-            </a:r>
-            <a:r>
-              <a:rPr lang="ru-RU" sz="700" dirty="0" err="1"/>
-              <a:t>Ysterplaat</a:t>
-            </a:r>
-            <a:r>
-              <a:rPr lang="ru-RU" sz="700" dirty="0"/>
-              <a:t> на африкаанс происходит от голландского </a:t>
-            </a:r>
-            <a:r>
-              <a:rPr lang="ru-RU" sz="700" dirty="0" err="1"/>
-              <a:t>Ijzerplaats</a:t>
-            </a:r>
-            <a:r>
-              <a:rPr lang="ru-RU" sz="700" dirty="0"/>
-              <a:t>, что означает «Железное место» или «Железное место» на английском языке.)</a:t>
+              <a:t>«Железное место»</a:t>
             </a:r>
             <a:endParaRPr lang="ru-RU" sz="500" dirty="0"/>
           </a:p>
@@ -4257,12 +4049,9 @@
             <a:pPr algn="ctr"/>
             <a:r>
               <a:rPr lang="ru-RU" sz="1400" dirty="0"/>
-              <a:t>Аэропорт Порт-Элизабет </a:t>
-            </a:r>
-            <a:r>
-              <a:rPr lang="ru-RU" sz="500" dirty="0"/>
-              <a:t>(Аэропорт Порт-Элизабет был основан в 1929 году в непосредственной близости от города. Первоначально он был основан подполковником Миллером, которому нужен был аэродром для работы почтовой службы между городом и Кейптауном. Официально он был открыт всего девять лет спустя, в 1936 году, с единственной взлетно-посадочной полосой, одним ангаром и бетонным перроном. Однако фундамент этой инфраструктуры будет демонтирован, чтобы освободить место для дополнительной парковки автомобилей.) </a:t>
-            </a:r>
+              <a:t>Аэропорт Порт-Элизабет(1936)</a:t>
+            </a:r>
+            <a:endParaRPr lang="ru-RU" sz="500" dirty="0"/>
           </a:p>
         </p:txBody>
       </p:sp>
@@ -4309,36 +4098,9 @@
             <a:pPr algn="ctr"/>
             <a:r>
               <a:rPr lang="ru-RU" sz="1400" dirty="0"/>
-              <a:t>Расширить аэропорт Порт-Элизабет </a:t>
-            </a:r>
-            <a:r>
-              <a:rPr lang="ru-RU" sz="500" dirty="0"/>
-              <a:t>Во время Второй мировой войны аэродром был расширен для размещения 42-й авиашколы Королевских ВВС и 6-й эскадрильи ВВС ЮАР на южной и восточной сторонах поля. Торговые операции велись с северной стороны. В 1954 году здесь приземлился первый реактивный самолет — пять </a:t>
-            </a:r>
-            <a:r>
-              <a:rPr lang="ru-RU" sz="500" dirty="0" err="1"/>
-              <a:t>De</a:t>
-            </a:r>
-            <a:r>
-              <a:rPr lang="ru-RU" sz="500" dirty="0"/>
-              <a:t> </a:t>
-            </a:r>
-            <a:r>
-              <a:rPr lang="ru-RU" sz="500" dirty="0" err="1"/>
-              <a:t>Havilland</a:t>
-            </a:r>
-            <a:r>
-              <a:rPr lang="ru-RU" sz="500" dirty="0"/>
-              <a:t> </a:t>
-            </a:r>
-            <a:r>
-              <a:rPr lang="ru-RU" sz="500" dirty="0" err="1"/>
-              <a:t>Vampire</a:t>
-            </a:r>
-            <a:r>
-              <a:rPr lang="ru-RU" sz="500" dirty="0"/>
-              <a:t> FB9 .</a:t>
-            </a:r>
+              <a:t>Расширить аэропорт Порт-Элизабет (1942)</a:t>
+            </a:r>
+            <a:endParaRPr lang="ru-RU" sz="500" dirty="0"/>
           </a:p>
         </p:txBody>
       </p:sp>
@@ -4385,11 +4147,7 @@
             <a:pPr algn="ctr"/>
             <a:r>
               <a:rPr lang="ru-RU" sz="1400" dirty="0"/>
-              <a:t>Расширение обучения в ЮАК </a:t>
-            </a:r>
-            <a:r>
-              <a:rPr lang="ru-RU" sz="800" dirty="0"/>
-              <a:t>(Расширение обучения К 1939 году было создано еще шесть филиалов: Физическая подготовка Камуфляж, Броня, Химическая война, полковой и коммандос. Около 150 000 курсантов всех рангов прошли обучение в Армейском училище во время войны.) </a:t>
+              <a:t>Расширение обучения в ЮАК (1939)</a:t>
             </a:r>
             <a:endParaRPr lang="ru-RU" sz="500" dirty="0"/>
           </a:p>
@@ -4409,7 +4167,7 @@
         </p:nvSpPr>
         <p:spPr>
           <a:xfrm>
-            <a:off x="354713" y="8140962"/>
+            <a:off x="1582196" y="8140962"/>
             <a:ext cx="2115918" cy="1080000"/>
           </a:xfrm>
           <a:prstGeom prst="rect">
@@ -4438,11 +4196,7 @@
             <a:pPr algn="ctr"/>
             <a:r>
               <a:rPr lang="ru-RU" sz="1400" dirty="0"/>
-              <a:t>Новые армейские школы </a:t>
-            </a:r>
-            <a:r>
-              <a:rPr lang="ru-RU" sz="1050" dirty="0"/>
-              <a:t>(Несколько филиалов также стали самостоятельными школами и переехали в помещения по всей Южной Африке.)</a:t>
+              <a:t>Новые армейские школы</a:t>
             </a:r>
             <a:endParaRPr lang="ru-RU" sz="500" dirty="0"/>
           </a:p>
@@ -4491,35 +4245,7 @@
             <a:pPr algn="ctr"/>
             <a:r>
               <a:rPr lang="ru-RU" sz="1400" dirty="0"/>
-              <a:t>80 Аэронавигационное училище (1946) </a:t>
-            </a:r>
-            <a:r>
-              <a:rPr lang="ru-RU" sz="900" dirty="0"/>
-              <a:t>(80 </a:t>
-            </a:r>
-            <a:r>
-              <a:rPr lang="ru-RU" sz="900" dirty="0" err="1"/>
-              <a:t>Air</a:t>
-            </a:r>
-            <a:r>
-              <a:rPr lang="ru-RU" sz="900" dirty="0"/>
-              <a:t> </a:t>
-            </a:r>
-            <a:r>
-              <a:rPr lang="ru-RU" sz="900" dirty="0" err="1"/>
-              <a:t>Navigation</a:t>
-            </a:r>
-            <a:r>
-              <a:rPr lang="ru-RU" sz="900" dirty="0"/>
-              <a:t> </a:t>
-            </a:r>
-            <a:r>
-              <a:rPr lang="ru-RU" sz="900" dirty="0" err="1"/>
-              <a:t>School</a:t>
-            </a:r>
-            <a:r>
-              <a:rPr lang="ru-RU" sz="900" dirty="0"/>
-              <a:t> — подразделение ВВС ЮАР . В настоящее время это школа воздушной навигации, морских операций и выживания на море.)  </a:t>
+              <a:t>80 Аэронавигационное училище (1946)</a:t>
             </a:r>
             <a:endParaRPr lang="ru-RU" sz="500" dirty="0"/>
           </a:p>
@@ -4568,7 +4294,11 @@
             <a:pPr algn="ctr"/>
             <a:r>
               <a:rPr lang="ru-RU" sz="800" dirty="0"/>
-              <a:t>В октябре 1939 года контр-адмирал Гай Галифакс , отставной офицер Королевского флота, проживающий в Южной Африке, был назначен директором Военно-морской службы Южной Африки, позже переименованной в Силы обороны в море (SDF) в январе 1940 года</a:t>
+              <a:t>В октябре 1939 года контр-адмирал Гай Галифакс , отставной офицер Королевского флота, проживающий в Южной Африке, был назначен директором Военно-морской службы Южной Африки, позже переименованной в Силы обороны в море (SDF) в январе 1940 года </a:t>
+            </a:r>
+            <a:r>
+              <a:rPr lang="en-US" sz="800" dirty="0"/>
+              <a:t>https://en.wikipedia.org/wiki/Guy_Hallifax</a:t>
             </a:r>
             <a:endParaRPr lang="ru-RU" sz="100" dirty="0"/>
           </a:p>
@@ -4617,11 +4347,7 @@
             <a:pPr algn="ctr"/>
             <a:r>
               <a:rPr lang="ru-RU" sz="1400" dirty="0"/>
-              <a:t>Переоборудование китобоев и траулеров </a:t>
-            </a:r>
-            <a:r>
-              <a:rPr lang="ru-RU" sz="700" dirty="0"/>
-              <a:t>(Надзор за крупной промышленной программой . преобразования гражданских китобоев и рыболовных траулеров в военные суда, несмотря на то, что они очень примитивны, более 80 таких судов впоследствии станут основой военно-морских сил Южной Африки.)</a:t>
+              <a:t>Переоборудование китобоев и траулеров (1939)</a:t>
             </a:r>
             <a:endParaRPr lang="ru-RU" sz="500" dirty="0"/>
           </a:p>
@@ -4670,7 +4396,7 @@
             <a:pPr algn="ctr"/>
             <a:r>
               <a:rPr lang="ru-RU" sz="1400" dirty="0"/>
-              <a:t>Промышленная программа флота</a:t>
+              <a:t>Промышленная программа флота (1939)</a:t>
             </a:r>
             <a:endParaRPr lang="ru-RU" sz="500" dirty="0"/>
           </a:p>
@@ -4719,11 +4445,7 @@
             <a:pPr algn="ctr"/>
             <a:r>
               <a:rPr lang="ru-RU" sz="1400" dirty="0"/>
-              <a:t>Объединить военно-морские ведомства </a:t>
-            </a:r>
-            <a:r>
-              <a:rPr lang="ru-RU" sz="700" dirty="0"/>
-              <a:t>(В 1942 году после успешного объединения SDF и RNVR (SA) возникла единая национальная военно-морская служба, в результате которой были созданы Военно-морские силы Южной Африки (SANF))</a:t>
+              <a:t>Объединить военно-морские ведомства (1942)</a:t>
             </a:r>
             <a:endParaRPr lang="ru-RU" sz="500" dirty="0"/>
           </a:p>
@@ -4772,11 +4494,15 @@
             <a:pPr algn="ctr"/>
             <a:r>
               <a:rPr lang="ru-RU" sz="1400" dirty="0"/>
-              <a:t>Военно-морская база Дурбан </a:t>
-            </a:r>
-            <a:r>
-              <a:rPr lang="ru-RU" sz="500" dirty="0"/>
-              <a:t>(Вступление Японии во Вторую мировую войну на стороне держав Оси и их способность угрожать восточному побережью Африки побудили к строительству новой военно-морской базы на острове Солсбери. В процессе этого строительства остров был соединен с материком дамбой, а уровень земли был поднят на три метра. Помимо причалов, в состав базы входили казармы, мастерские, госпиталь, а также учебные заведения. Также были установлены плавучий сухой док и кран . Однако строительство было завершено только после окончания войны. [5])</a:t>
+              <a:t>Расширение базы в </a:t>
+            </a:r>
+            <a:r>
+              <a:rPr lang="ru-RU" sz="1400" dirty="0" err="1"/>
+              <a:t>Саймонстауне</a:t>
+            </a:r>
+            <a:r>
+              <a:rPr lang="ru-RU" sz="1400" dirty="0"/>
+              <a:t> (ваниль)</a:t>
             </a:r>
           </a:p>
         </p:txBody>
@@ -4832,55 +4558,6 @@
       </p:sp>
       <p:sp>
         <p:nvSpPr>
-          <p:cNvPr id="33" name="Прямоугольник 32">
-            <a:extLst>
-              <a:ext uri="{FF2B5EF4-FFF2-40B4-BE49-F238E27FC236}">
-                <a16:creationId xmlns:a16="http://schemas.microsoft.com/office/drawing/2014/main" id="{40162262-496D-43E4-8F2B-B90E7B9A1929}"/>
-              </a:ext>
-            </a:extLst>
-          </p:cNvPr>
-          <p:cNvSpPr/>
-          <p:nvPr/>
-        </p:nvSpPr>
-        <p:spPr>
-          <a:xfrm>
-            <a:off x="6633" y="2083603"/>
-            <a:ext cx="2115918" cy="1080000"/>
-          </a:xfrm>
-          <a:prstGeom prst="rect">
-            <a:avLst/>
-          </a:prstGeom>
-          <a:ln w="28575"/>
-        </p:spPr>
-        <p:style>
-          <a:lnRef idx="2">
-            <a:schemeClr val="accent1"/>
-          </a:lnRef>
-          <a:fillRef idx="1">
-            <a:schemeClr val="lt1"/>
-          </a:fillRef>
-          <a:effectRef idx="0">
-            <a:schemeClr val="accent1"/>
-          </a:effectRef>
-          <a:fontRef idx="minor">
-            <a:schemeClr val="dk1"/>
-          </a:fontRef>
-        </p:style>
-        <p:txBody>
-          <a:bodyPr lIns="124733" tIns="62367" rIns="124733" bIns="62367" rtlCol="0" anchor="ctr"/>
-          <a:lstStyle/>
-          <a:p>
-            <a:pPr algn="ctr"/>
-            <a:r>
-              <a:rPr lang="ru-RU" sz="1400" dirty="0"/>
-              <a:t>Признать цветных мысов и индейцев годными к службе</a:t>
-            </a:r>
-            <a:endParaRPr lang="ru-RU" sz="500" dirty="0"/>
-          </a:p>
-        </p:txBody>
-      </p:sp>
-      <p:sp>
-        <p:nvSpPr>
           <p:cNvPr id="36" name="Прямоугольник 35">
             <a:extLst>
               <a:ext uri="{FF2B5EF4-FFF2-40B4-BE49-F238E27FC236}">
@@ -5007,7 +4684,7 @@
         </p:nvSpPr>
         <p:spPr>
           <a:xfrm>
-            <a:off x="2810158" y="5286071"/>
+            <a:off x="1579306" y="5285922"/>
             <a:ext cx="2115918" cy="1080000"/>
           </a:xfrm>
           <a:prstGeom prst="rect">
@@ -5036,52 +4713,9 @@
             <a:pPr algn="ctr"/>
             <a:r>
               <a:rPr lang="ru-RU" sz="1400" dirty="0"/>
-              <a:t>Создание региональных командований </a:t>
-            </a:r>
-            <a:r>
-              <a:rPr lang="ru-RU" sz="500" dirty="0"/>
-              <a:t>(1939 году армия дома в Южной Африке была разделена между рядом региональных командований . [15] К ним относятся Капское командование (со штаб-квартирой в замке Доброй Надежды , Кейптаун), Оранжевое командование Свободного государства , </a:t>
-            </a:r>
-            <a:r>
-              <a:rPr lang="ru-RU" sz="500" dirty="0" err="1"/>
-              <a:t>Натальское</a:t>
-            </a:r>
-            <a:r>
-              <a:rPr lang="ru-RU" sz="500" dirty="0"/>
-              <a:t> командование , </a:t>
-            </a:r>
-            <a:r>
-              <a:rPr lang="ru-RU" sz="500" dirty="0" err="1"/>
-              <a:t>Витватерсрандское</a:t>
-            </a:r>
-            <a:r>
-              <a:rPr lang="ru-RU" sz="500" dirty="0"/>
-              <a:t> командование (5-я и 9-я бригады плюс </a:t>
-            </a:r>
-            <a:r>
-              <a:rPr lang="ru-RU" sz="500" dirty="0" err="1"/>
-              <a:t>Трансваальская</a:t>
-            </a:r>
-            <a:r>
-              <a:rPr lang="ru-RU" sz="500" dirty="0"/>
-              <a:t> конная артиллерия ), Робертс-Хайтс и </a:t>
-            </a:r>
-            <a:r>
-              <a:rPr lang="ru-RU" sz="500" dirty="0" err="1"/>
-              <a:t>Трансваальское</a:t>
-            </a:r>
-            <a:r>
-              <a:rPr lang="ru-RU" sz="500" dirty="0"/>
-              <a:t> командование ( Штаб -квартира Робертс-Хайтс ) </a:t>
-            </a:r>
-            <a:r>
-              <a:rPr lang="ru-RU" sz="500" dirty="0" err="1"/>
-              <a:t>иКомандование</a:t>
-            </a:r>
-            <a:r>
-              <a:rPr lang="ru-RU" sz="500" dirty="0"/>
-              <a:t> Восточной провинции в Восточном Лондоне .)</a:t>
-            </a:r>
+              <a:t>Создание региональных командований (1939)</a:t>
+            </a:r>
+            <a:endParaRPr lang="ru-RU" sz="500" dirty="0"/>
           </a:p>
         </p:txBody>
       </p:sp>
@@ -5157,7 +4791,7 @@
         </p:nvSpPr>
         <p:spPr>
           <a:xfrm>
-            <a:off x="4013657" y="6707892"/>
+            <a:off x="5265603" y="5285922"/>
             <a:ext cx="2115918" cy="1080000"/>
           </a:xfrm>
           <a:prstGeom prst="rect">
@@ -5214,7 +4848,7 @@
         </p:nvSpPr>
         <p:spPr>
           <a:xfrm>
-            <a:off x="2810158" y="8140962"/>
+            <a:off x="3951434" y="8132067"/>
             <a:ext cx="2115918" cy="1080000"/>
           </a:xfrm>
           <a:prstGeom prst="rect">
@@ -5294,100 +4928,14 @@
               <a:rPr lang="ru-RU" sz="1400" dirty="0"/>
               <a:t>Развитие бронетехники (ваниль)</a:t>
             </a:r>
+            <a:r>
+              <a:rPr lang="ru-RU" sz="800" dirty="0"/>
+              <a:t> (1942)</a:t>
+            </a:r>
             <a:endParaRPr lang="ru-RU" sz="500" dirty="0"/>
           </a:p>
         </p:txBody>
       </p:sp>
-      <p:cxnSp>
-        <p:nvCxnSpPr>
-          <p:cNvPr id="44" name="Shape 248">
-            <a:extLst>
-              <a:ext uri="{FF2B5EF4-FFF2-40B4-BE49-F238E27FC236}">
-                <a16:creationId xmlns:a16="http://schemas.microsoft.com/office/drawing/2014/main" id="{C5406149-8843-4449-8B7D-86A8BACE4508}"/>
-              </a:ext>
-            </a:extLst>
-          </p:cNvPr>
-          <p:cNvCxnSpPr>
-            <a:cxnSpLocks/>
-            <a:stCxn id="38" idx="2"/>
-            <a:endCxn id="23" idx="0"/>
-          </p:cNvCxnSpPr>
-          <p:nvPr/>
-        </p:nvCxnSpPr>
-        <p:spPr>
-          <a:xfrm rot="5400000">
-            <a:off x="3081781" y="5921555"/>
-            <a:ext cx="341821" cy="1230852"/>
-          </a:xfrm>
-          <a:prstGeom prst="bentConnector3">
-            <a:avLst>
-              <a:gd name="adj1" fmla="val 50000"/>
-            </a:avLst>
-          </a:prstGeom>
-          <a:ln w="28575">
-            <a:tailEnd type="arrow"/>
-          </a:ln>
-        </p:spPr>
-        <p:style>
-          <a:lnRef idx="1">
-            <a:schemeClr val="accent1"/>
-          </a:lnRef>
-          <a:fillRef idx="0">
-            <a:schemeClr val="accent1"/>
-          </a:fillRef>
-          <a:effectRef idx="0">
-            <a:schemeClr val="accent1"/>
-          </a:effectRef>
-          <a:fontRef idx="minor">
-            <a:schemeClr val="tx1"/>
-          </a:fontRef>
-        </p:style>
-      </p:cxnSp>
-      <p:cxnSp>
-        <p:nvCxnSpPr>
-          <p:cNvPr id="46" name="Shape 248">
-            <a:extLst>
-              <a:ext uri="{FF2B5EF4-FFF2-40B4-BE49-F238E27FC236}">
-                <a16:creationId xmlns:a16="http://schemas.microsoft.com/office/drawing/2014/main" id="{280B1A26-E857-4911-8026-062204862403}"/>
-              </a:ext>
-            </a:extLst>
-          </p:cNvPr>
-          <p:cNvCxnSpPr>
-            <a:cxnSpLocks/>
-            <a:stCxn id="23" idx="2"/>
-            <a:endCxn id="24" idx="0"/>
-          </p:cNvCxnSpPr>
-          <p:nvPr/>
-        </p:nvCxnSpPr>
-        <p:spPr>
-          <a:xfrm rot="5400000">
-            <a:off x="1848434" y="7352131"/>
-            <a:ext cx="353070" cy="1224593"/>
-          </a:xfrm>
-          <a:prstGeom prst="bentConnector3">
-            <a:avLst>
-              <a:gd name="adj1" fmla="val 50000"/>
-            </a:avLst>
-          </a:prstGeom>
-          <a:ln w="28575">
-            <a:tailEnd type="arrow"/>
-          </a:ln>
-        </p:spPr>
-        <p:style>
-          <a:lnRef idx="1">
-            <a:schemeClr val="accent1"/>
-          </a:lnRef>
-          <a:fillRef idx="0">
-            <a:schemeClr val="accent1"/>
-          </a:fillRef>
-          <a:effectRef idx="0">
-            <a:schemeClr val="accent1"/>
-          </a:effectRef>
-          <a:fontRef idx="minor">
-            <a:schemeClr val="tx1"/>
-          </a:fontRef>
-        </p:style>
-      </p:cxnSp>
       <p:cxnSp>
         <p:nvCxnSpPr>
           <p:cNvPr id="49" name="Shape 248">
@@ -5406,12 +4954,12 @@
         </p:nvCxnSpPr>
         <p:spPr>
           <a:xfrm rot="5400000">
-            <a:off x="4293332" y="7362678"/>
-            <a:ext cx="353070" cy="1203499"/>
+            <a:off x="4783406" y="6591910"/>
+            <a:ext cx="1766145" cy="1314169"/>
           </a:xfrm>
           <a:prstGeom prst="bentConnector3">
             <a:avLst>
-              <a:gd name="adj1" fmla="val 50000"/>
+              <a:gd name="adj1" fmla="val 8473"/>
             </a:avLst>
           </a:prstGeom>
           <a:ln w="28575">
@@ -5447,7 +4995,7 @@
         </p:nvSpPr>
         <p:spPr>
           <a:xfrm>
-            <a:off x="5265603" y="8140962"/>
+            <a:off x="5265603" y="6707892"/>
             <a:ext cx="2115918" cy="1080000"/>
           </a:xfrm>
           <a:prstGeom prst="rect">
@@ -5499,9 +5047,9 @@
           <p:nvPr/>
         </p:nvCxnSpPr>
         <p:spPr>
-          <a:xfrm rot="16200000" flipH="1">
-            <a:off x="5521054" y="7338454"/>
-            <a:ext cx="353070" cy="1251946"/>
+          <a:xfrm rot="5400000">
+            <a:off x="6152577" y="6536907"/>
+            <a:ext cx="341970" cy="12700"/>
           </a:xfrm>
           <a:prstGeom prst="bentConnector3">
             <a:avLst>
@@ -5610,8 +5158,8 @@
         </p:nvCxnSpPr>
         <p:spPr>
           <a:xfrm>
-            <a:off x="6323562" y="9220962"/>
-            <a:ext cx="0" cy="353070"/>
+            <a:off x="6323562" y="7787892"/>
+            <a:ext cx="0" cy="1786140"/>
           </a:xfrm>
           <a:prstGeom prst="straightConnector1">
             <a:avLst/>
@@ -5817,10 +5365,6 @@
               <a:rPr lang="en-US" sz="1400" dirty="0"/>
               <a:t>Q</a:t>
             </a:r>
-            <a:r>
-              <a:rPr lang="ru-RU" sz="1400" dirty="0"/>
-              <a:t> (ваниль)</a:t>
-            </a:r>
             <a:endParaRPr lang="ru-RU" sz="500" dirty="0"/>
           </a:p>
         </p:txBody>
@@ -5911,7 +5455,7 @@
             <a:pPr algn="ctr"/>
             <a:r>
               <a:rPr lang="ru-RU" sz="1400" dirty="0"/>
-              <a:t>Подготовка в джунглях и пустыни (на выбор)</a:t>
+              <a:t>Подготовка в джунглях и пустыни</a:t>
             </a:r>
             <a:endParaRPr lang="ru-RU" sz="500" dirty="0"/>
           </a:p>
@@ -6407,17 +5951,8 @@
             <a:pPr algn="ctr"/>
             <a:r>
               <a:rPr lang="ru-RU" sz="1400" dirty="0"/>
-              <a:t>Расширение базы в </a:t>
-            </a:r>
-            <a:r>
-              <a:rPr lang="ru-RU" sz="1400" dirty="0" err="1"/>
-              <a:t>Саймонстауне</a:t>
-            </a:r>
-            <a:r>
-              <a:rPr lang="ru-RU" sz="1400" dirty="0"/>
-              <a:t> (ваниль)</a:t>
-            </a:r>
-            <a:endParaRPr lang="ru-RU" sz="500" dirty="0"/>
+              <a:t>Военно-морская база Дурбан (1946)</a:t>
+            </a:r>
           </a:p>
         </p:txBody>
       </p:sp>
@@ -6464,7 +5999,7 @@
             <a:pPr algn="ctr"/>
             <a:r>
               <a:rPr lang="ru-RU" sz="1400" dirty="0"/>
-              <a:t>Силы морской обороны (ваниль, но против конвоев</a:t>
+              <a:t>Силы морской обороны (ваниль, но против конвоев, 1940)</a:t>
             </a:r>
             <a:endParaRPr lang="ru-RU" sz="500" dirty="0"/>
           </a:p>
@@ -6746,80 +6281,117 @@
           </a:fontRef>
         </p:style>
       </p:cxnSp>
-      <p:sp>
-        <p:nvSpPr>
-          <p:cNvPr id="140" name="Прямоугольник 139">
+      <p:cxnSp>
+        <p:nvCxnSpPr>
+          <p:cNvPr id="71" name="Прямая со стрелкой 70">
             <a:extLst>
               <a:ext uri="{FF2B5EF4-FFF2-40B4-BE49-F238E27FC236}">
-                <a16:creationId xmlns:a16="http://schemas.microsoft.com/office/drawing/2014/main" id="{90A6A426-8459-491A-95EF-691BEA84E482}"/>
+                <a16:creationId xmlns:a16="http://schemas.microsoft.com/office/drawing/2014/main" id="{5D611DF3-BAD3-4686-8234-9390823E265F}"/>
               </a:ext>
             </a:extLst>
           </p:cNvPr>
-          <p:cNvSpPr/>
+          <p:cNvCxnSpPr>
+            <a:cxnSpLocks/>
+            <a:stCxn id="38" idx="2"/>
+            <a:endCxn id="23" idx="0"/>
+          </p:cNvCxnSpPr>
           <p:nvPr/>
-        </p:nvSpPr>
-        <p:spPr>
-          <a:xfrm>
-            <a:off x="350856" y="9574032"/>
-            <a:ext cx="2115918" cy="1080000"/>
-          </a:xfrm>
-          <a:prstGeom prst="rect">
+        </p:nvCxnSpPr>
+        <p:spPr>
+          <a:xfrm>
+            <a:off x="2637265" y="6365922"/>
+            <a:ext cx="0" cy="341970"/>
+          </a:xfrm>
+          <a:prstGeom prst="straightConnector1">
             <a:avLst/>
           </a:prstGeom>
-          <a:ln w="28575"/>
+          <a:ln w="28575">
+            <a:tailEnd type="arrow"/>
+          </a:ln>
         </p:spPr>
         <p:style>
-          <a:lnRef idx="2">
+          <a:lnRef idx="1">
             <a:schemeClr val="accent1"/>
           </a:lnRef>
-          <a:fillRef idx="1">
-            <a:schemeClr val="lt1"/>
+          <a:fillRef idx="0">
+            <a:schemeClr val="accent1"/>
           </a:fillRef>
           <a:effectRef idx="0">
             <a:schemeClr val="accent1"/>
           </a:effectRef>
           <a:fontRef idx="minor">
-            <a:schemeClr val="dk1"/>
+            <a:schemeClr val="tx1"/>
           </a:fontRef>
         </p:style>
-        <p:txBody>
-          <a:bodyPr lIns="124733" tIns="62367" rIns="124733" bIns="62367" rtlCol="0" anchor="ctr"/>
-          <a:lstStyle/>
-          <a:p>
-            <a:pPr algn="ctr"/>
-            <a:r>
-              <a:rPr lang="ru-RU" sz="1400" dirty="0"/>
-              <a:t>Развитие бронеавтомобилей для пустыни (1942)</a:t>
-            </a:r>
-            <a:endParaRPr lang="ru-RU" sz="500" dirty="0"/>
-          </a:p>
-        </p:txBody>
-      </p:sp>
+      </p:cxnSp>
       <p:cxnSp>
         <p:nvCxnSpPr>
-          <p:cNvPr id="141" name="Shape 248">
+          <p:cNvPr id="92" name="Shape 248">
             <a:extLst>
               <a:ext uri="{FF2B5EF4-FFF2-40B4-BE49-F238E27FC236}">
-                <a16:creationId xmlns:a16="http://schemas.microsoft.com/office/drawing/2014/main" id="{060CBC03-6C78-4A13-9A72-BF92B71C90AF}"/>
+                <a16:creationId xmlns:a16="http://schemas.microsoft.com/office/drawing/2014/main" id="{09A8D863-1F84-47A3-B5DC-A2A2F04B9107}"/>
               </a:ext>
             </a:extLst>
           </p:cNvPr>
           <p:cNvCxnSpPr>
             <a:cxnSpLocks/>
             <a:stCxn id="42" idx="2"/>
-            <a:endCxn id="140" idx="0"/>
+            <a:endCxn id="43" idx="0"/>
           </p:cNvCxnSpPr>
           <p:nvPr/>
         </p:nvCxnSpPr>
         <p:spPr>
           <a:xfrm rot="5400000">
-            <a:off x="2461931" y="8167846"/>
-            <a:ext cx="353070" cy="2459302"/>
+            <a:off x="4257773" y="8822411"/>
+            <a:ext cx="361965" cy="1141276"/>
           </a:xfrm>
           <a:prstGeom prst="bentConnector3">
             <a:avLst>
               <a:gd name="adj1" fmla="val 50000"/>
             </a:avLst>
+          </a:prstGeom>
+          <a:ln w="28575">
+            <a:tailEnd type="arrow"/>
+          </a:ln>
+        </p:spPr>
+        <p:style>
+          <a:lnRef idx="1">
+            <a:schemeClr val="accent1"/>
+          </a:lnRef>
+          <a:fillRef idx="0">
+            <a:schemeClr val="accent1"/>
+          </a:fillRef>
+          <a:effectRef idx="0">
+            <a:schemeClr val="accent1"/>
+          </a:effectRef>
+          <a:fontRef idx="minor">
+            <a:schemeClr val="tx1"/>
+          </a:fontRef>
+        </p:style>
+      </p:cxnSp>
+      <p:cxnSp>
+        <p:nvCxnSpPr>
+          <p:cNvPr id="97" name="Прямая со стрелкой 96">
+            <a:extLst>
+              <a:ext uri="{FF2B5EF4-FFF2-40B4-BE49-F238E27FC236}">
+                <a16:creationId xmlns:a16="http://schemas.microsoft.com/office/drawing/2014/main" id="{6AE319B6-0D5D-4CAD-8389-B4F846942362}"/>
+              </a:ext>
+            </a:extLst>
+          </p:cNvPr>
+          <p:cNvCxnSpPr>
+            <a:cxnSpLocks/>
+            <a:stCxn id="23" idx="2"/>
+            <a:endCxn id="24" idx="0"/>
+          </p:cNvCxnSpPr>
+          <p:nvPr/>
+        </p:nvCxnSpPr>
+        <p:spPr>
+          <a:xfrm>
+            <a:off x="2637265" y="7787892"/>
+            <a:ext cx="2890" cy="353070"/>
+          </a:xfrm>
+          <a:prstGeom prst="straightConnector1">
+            <a:avLst/>
           </a:prstGeom>
           <a:ln w="28575">
             <a:tailEnd type="arrow"/>

--- a/Наработки/диздоки/ЮАС/ЮАС.pptx
+++ b/Наработки/диздоки/ЮАС/ЮАС.pptx
@@ -209,7 +209,7 @@
             <a:fld id="{33E3D7F9-E251-484C-A6FF-FA958879DF69}" type="datetimeFigureOut">
               <a:rPr lang="ru-RU" smtClean="0"/>
               <a:pPr/>
-              <a:t>15.02.2023</a:t>
+              <a:t>20.02.2023</a:t>
             </a:fld>
             <a:endParaRPr lang="ru-RU"/>
           </a:p>
@@ -699,7 +699,7 @@
             <a:fld id="{85A5DE44-605B-4D3B-B2B7-94543DF81A36}" type="datetimeFigureOut">
               <a:rPr lang="ru-RU" smtClean="0"/>
               <a:pPr/>
-              <a:t>15.02.2023</a:t>
+              <a:t>20.02.2023</a:t>
             </a:fld>
             <a:endParaRPr lang="ru-RU"/>
           </a:p>
@@ -871,7 +871,7 @@
             <a:fld id="{85A5DE44-605B-4D3B-B2B7-94543DF81A36}" type="datetimeFigureOut">
               <a:rPr lang="ru-RU" smtClean="0"/>
               <a:pPr/>
-              <a:t>15.02.2023</a:t>
+              <a:t>20.02.2023</a:t>
             </a:fld>
             <a:endParaRPr lang="ru-RU"/>
           </a:p>
@@ -1053,7 +1053,7 @@
             <a:fld id="{85A5DE44-605B-4D3B-B2B7-94543DF81A36}" type="datetimeFigureOut">
               <a:rPr lang="ru-RU" smtClean="0"/>
               <a:pPr/>
-              <a:t>15.02.2023</a:t>
+              <a:t>20.02.2023</a:t>
             </a:fld>
             <a:endParaRPr lang="ru-RU"/>
           </a:p>
@@ -1225,7 +1225,7 @@
             <a:fld id="{85A5DE44-605B-4D3B-B2B7-94543DF81A36}" type="datetimeFigureOut">
               <a:rPr lang="ru-RU" smtClean="0"/>
               <a:pPr/>
-              <a:t>15.02.2023</a:t>
+              <a:t>20.02.2023</a:t>
             </a:fld>
             <a:endParaRPr lang="ru-RU"/>
           </a:p>
@@ -1473,7 +1473,7 @@
             <a:fld id="{85A5DE44-605B-4D3B-B2B7-94543DF81A36}" type="datetimeFigureOut">
               <a:rPr lang="ru-RU" smtClean="0"/>
               <a:pPr/>
-              <a:t>15.02.2023</a:t>
+              <a:t>20.02.2023</a:t>
             </a:fld>
             <a:endParaRPr lang="ru-RU"/>
           </a:p>
@@ -1707,7 +1707,7 @@
             <a:fld id="{85A5DE44-605B-4D3B-B2B7-94543DF81A36}" type="datetimeFigureOut">
               <a:rPr lang="ru-RU" smtClean="0"/>
               <a:pPr/>
-              <a:t>15.02.2023</a:t>
+              <a:t>20.02.2023</a:t>
             </a:fld>
             <a:endParaRPr lang="ru-RU"/>
           </a:p>
@@ -2076,7 +2076,7 @@
             <a:fld id="{85A5DE44-605B-4D3B-B2B7-94543DF81A36}" type="datetimeFigureOut">
               <a:rPr lang="ru-RU" smtClean="0"/>
               <a:pPr/>
-              <a:t>15.02.2023</a:t>
+              <a:t>20.02.2023</a:t>
             </a:fld>
             <a:endParaRPr lang="ru-RU"/>
           </a:p>
@@ -2196,7 +2196,7 @@
             <a:fld id="{85A5DE44-605B-4D3B-B2B7-94543DF81A36}" type="datetimeFigureOut">
               <a:rPr lang="ru-RU" smtClean="0"/>
               <a:pPr/>
-              <a:t>15.02.2023</a:t>
+              <a:t>20.02.2023</a:t>
             </a:fld>
             <a:endParaRPr lang="ru-RU"/>
           </a:p>
@@ -2293,7 +2293,7 @@
             <a:fld id="{85A5DE44-605B-4D3B-B2B7-94543DF81A36}" type="datetimeFigureOut">
               <a:rPr lang="ru-RU" smtClean="0"/>
               <a:pPr/>
-              <a:t>15.02.2023</a:t>
+              <a:t>20.02.2023</a:t>
             </a:fld>
             <a:endParaRPr lang="ru-RU"/>
           </a:p>
@@ -2572,7 +2572,7 @@
             <a:fld id="{85A5DE44-605B-4D3B-B2B7-94543DF81A36}" type="datetimeFigureOut">
               <a:rPr lang="ru-RU" smtClean="0"/>
               <a:pPr/>
-              <a:t>15.02.2023</a:t>
+              <a:t>20.02.2023</a:t>
             </a:fld>
             <a:endParaRPr lang="ru-RU"/>
           </a:p>
@@ -2831,7 +2831,7 @@
             <a:fld id="{85A5DE44-605B-4D3B-B2B7-94543DF81A36}" type="datetimeFigureOut">
               <a:rPr lang="ru-RU" smtClean="0"/>
               <a:pPr/>
-              <a:t>15.02.2023</a:t>
+              <a:t>20.02.2023</a:t>
             </a:fld>
             <a:endParaRPr lang="ru-RU"/>
           </a:p>
@@ -3046,7 +3046,7 @@
             <a:fld id="{85A5DE44-605B-4D3B-B2B7-94543DF81A36}" type="datetimeFigureOut">
               <a:rPr lang="ru-RU" smtClean="0"/>
               <a:pPr/>
-              <a:t>15.02.2023</a:t>
+              <a:t>20.02.2023</a:t>
             </a:fld>
             <a:endParaRPr lang="ru-RU"/>
           </a:p>
@@ -4733,7 +4733,7 @@
         </p:nvSpPr>
         <p:spPr>
           <a:xfrm>
-            <a:off x="16691456" y="2336019"/>
+            <a:off x="19795604" y="4585924"/>
             <a:ext cx="2115918" cy="1080000"/>
           </a:xfrm>
           <a:prstGeom prst="rect">
@@ -6412,6 +6412,251 @@
           </a:fontRef>
         </p:style>
       </p:cxnSp>
+      <p:sp>
+        <p:nvSpPr>
+          <p:cNvPr id="65" name="Прямоугольник 64">
+            <a:extLst>
+              <a:ext uri="{FF2B5EF4-FFF2-40B4-BE49-F238E27FC236}">
+                <a16:creationId xmlns:a16="http://schemas.microsoft.com/office/drawing/2014/main" id="{D5C4CE5D-E228-4302-A40B-45607257F566}"/>
+              </a:ext>
+            </a:extLst>
+          </p:cNvPr>
+          <p:cNvSpPr/>
+          <p:nvPr/>
+        </p:nvSpPr>
+        <p:spPr>
+          <a:xfrm>
+            <a:off x="22315309" y="4383257"/>
+            <a:ext cx="2115918" cy="1080000"/>
+          </a:xfrm>
+          <a:prstGeom prst="rect">
+            <a:avLst/>
+          </a:prstGeom>
+          <a:gradFill>
+            <a:gsLst>
+              <a:gs pos="0">
+                <a:srgbClr val="FF0000"/>
+              </a:gs>
+              <a:gs pos="100000">
+                <a:srgbClr val="FFC000"/>
+              </a:gs>
+            </a:gsLst>
+            <a:lin ang="5400000" scaled="1"/>
+          </a:gradFill>
+          <a:ln w="28575"/>
+        </p:spPr>
+        <p:style>
+          <a:lnRef idx="2">
+            <a:schemeClr val="accent1"/>
+          </a:lnRef>
+          <a:fillRef idx="1">
+            <a:schemeClr val="lt1"/>
+          </a:fillRef>
+          <a:effectRef idx="0">
+            <a:schemeClr val="accent1"/>
+          </a:effectRef>
+          <a:fontRef idx="minor">
+            <a:schemeClr val="dk1"/>
+          </a:fontRef>
+        </p:style>
+        <p:txBody>
+          <a:bodyPr lIns="124733" tIns="62367" rIns="124733" bIns="62367" rtlCol="0" anchor="ctr"/>
+          <a:lstStyle/>
+          <a:p>
+            <a:pPr algn="ctr"/>
+            <a:r>
+              <a:rPr lang="ru-RU" sz="1400" dirty="0"/>
+              <a:t>Совет неевропейских профсоюзов </a:t>
+            </a:r>
+            <a:r>
+              <a:rPr lang="ru-RU" sz="500" dirty="0"/>
+              <a:t>(Совет неевропейских профсоюзов (CNETU) был национальной федерацией профсоюзов , объединяющей профсоюзы, представляющие чернокожих рабочих в Южной Африке. Федерация была создана в ноябре 1941 года в результате слияния Координационного комитета неевропейских профсоюзов и недавно созданного Объединенного комитета африканских профсоюзов, связанного с Максом Гордоном .)</a:t>
+            </a:r>
+            <a:endParaRPr lang="ru-RU" sz="800" dirty="0"/>
+          </a:p>
+        </p:txBody>
+      </p:sp>
+      <p:sp>
+        <p:nvSpPr>
+          <p:cNvPr id="66" name="Прямоугольник 65">
+            <a:extLst>
+              <a:ext uri="{FF2B5EF4-FFF2-40B4-BE49-F238E27FC236}">
+                <a16:creationId xmlns:a16="http://schemas.microsoft.com/office/drawing/2014/main" id="{9814D52B-042A-4826-B9FB-5E23E9DC90C4}"/>
+              </a:ext>
+            </a:extLst>
+          </p:cNvPr>
+          <p:cNvSpPr/>
+          <p:nvPr/>
+        </p:nvSpPr>
+        <p:spPr>
+          <a:xfrm>
+            <a:off x="22565474" y="6430495"/>
+            <a:ext cx="2115918" cy="1080000"/>
+          </a:xfrm>
+          <a:prstGeom prst="rect">
+            <a:avLst/>
+          </a:prstGeom>
+          <a:solidFill>
+            <a:srgbClr val="FF0000"/>
+          </a:solidFill>
+          <a:ln w="28575"/>
+        </p:spPr>
+        <p:style>
+          <a:lnRef idx="2">
+            <a:schemeClr val="accent1"/>
+          </a:lnRef>
+          <a:fillRef idx="1">
+            <a:schemeClr val="lt1"/>
+          </a:fillRef>
+          <a:effectRef idx="0">
+            <a:schemeClr val="accent1"/>
+          </a:effectRef>
+          <a:fontRef idx="minor">
+            <a:schemeClr val="dk1"/>
+          </a:fontRef>
+        </p:style>
+        <p:txBody>
+          <a:bodyPr lIns="124733" tIns="62367" rIns="124733" bIns="62367" rtlCol="0" anchor="ctr"/>
+          <a:lstStyle/>
+          <a:p>
+            <a:pPr algn="ctr"/>
+            <a:r>
+              <a:rPr lang="ru-RU" sz="1400" dirty="0"/>
+              <a:t>Власть большинства </a:t>
+            </a:r>
+            <a:r>
+              <a:rPr lang="ru-RU" sz="800" dirty="0"/>
+              <a:t>(</a:t>
+            </a:r>
+            <a:r>
+              <a:rPr lang="ru-RU" sz="800" dirty="0" err="1"/>
+              <a:t>Котане</a:t>
+            </a:r>
+            <a:r>
+              <a:rPr lang="ru-RU" sz="800" dirty="0"/>
+              <a:t> был уважаемым участником борьбы за власть большинства в Южной Африке даже среди некоммунистических лидеров. Уолтер </a:t>
+            </a:r>
+            <a:r>
+              <a:rPr lang="ru-RU" sz="800" dirty="0" err="1"/>
+              <a:t>Сисулу</a:t>
+            </a:r>
+            <a:r>
+              <a:rPr lang="ru-RU" sz="800" dirty="0"/>
+              <a:t> назвал его «гигантом борьбы» из-за его логического и недогматического подхода.)</a:t>
+            </a:r>
+          </a:p>
+        </p:txBody>
+      </p:sp>
+      <p:sp>
+        <p:nvSpPr>
+          <p:cNvPr id="68" name="Прямоугольник 67">
+            <a:extLst>
+              <a:ext uri="{FF2B5EF4-FFF2-40B4-BE49-F238E27FC236}">
+                <a16:creationId xmlns:a16="http://schemas.microsoft.com/office/drawing/2014/main" id="{A67F4286-6233-429D-8ADF-4E6DFFA36893}"/>
+              </a:ext>
+            </a:extLst>
+          </p:cNvPr>
+          <p:cNvSpPr/>
+          <p:nvPr/>
+        </p:nvSpPr>
+        <p:spPr>
+          <a:xfrm>
+            <a:off x="12593759" y="4266443"/>
+            <a:ext cx="2115918" cy="1080000"/>
+          </a:xfrm>
+          <a:prstGeom prst="rect">
+            <a:avLst/>
+          </a:prstGeom>
+          <a:ln w="28575"/>
+        </p:spPr>
+        <p:style>
+          <a:lnRef idx="2">
+            <a:schemeClr val="accent1"/>
+          </a:lnRef>
+          <a:fillRef idx="1">
+            <a:schemeClr val="lt1"/>
+          </a:fillRef>
+          <a:effectRef idx="0">
+            <a:schemeClr val="accent1"/>
+          </a:effectRef>
+          <a:fontRef idx="minor">
+            <a:schemeClr val="dk1"/>
+          </a:fontRef>
+        </p:style>
+        <p:txBody>
+          <a:bodyPr lIns="124733" tIns="62367" rIns="124733" bIns="62367" rtlCol="0" anchor="ctr"/>
+          <a:lstStyle/>
+          <a:p>
+            <a:pPr algn="ctr"/>
+            <a:r>
+              <a:rPr lang="en-US" sz="1400" dirty="0"/>
+              <a:t>Albert Luthuli</a:t>
+            </a:r>
+            <a:r>
+              <a:rPr lang="ru-RU" sz="1400" dirty="0"/>
+              <a:t> – министр образования у чёрных</a:t>
+            </a:r>
+            <a:endParaRPr lang="ru-RU" sz="500" dirty="0"/>
+          </a:p>
+        </p:txBody>
+      </p:sp>
+      <p:sp>
+        <p:nvSpPr>
+          <p:cNvPr id="69" name="Прямоугольник 68">
+            <a:extLst>
+              <a:ext uri="{FF2B5EF4-FFF2-40B4-BE49-F238E27FC236}">
+                <a16:creationId xmlns:a16="http://schemas.microsoft.com/office/drawing/2014/main" id="{D1E21AE8-FED8-415A-84BE-CECD9BE7D909}"/>
+              </a:ext>
+            </a:extLst>
+          </p:cNvPr>
+          <p:cNvSpPr/>
+          <p:nvPr/>
+        </p:nvSpPr>
+        <p:spPr>
+          <a:xfrm>
+            <a:off x="24650944" y="4383257"/>
+            <a:ext cx="2115918" cy="1080000"/>
+          </a:xfrm>
+          <a:prstGeom prst="rect">
+            <a:avLst/>
+          </a:prstGeom>
+          <a:ln w="28575"/>
+        </p:spPr>
+        <p:style>
+          <a:lnRef idx="2">
+            <a:schemeClr val="accent1"/>
+          </a:lnRef>
+          <a:fillRef idx="1">
+            <a:schemeClr val="lt1"/>
+          </a:fillRef>
+          <a:effectRef idx="0">
+            <a:schemeClr val="accent1"/>
+          </a:effectRef>
+          <a:fontRef idx="minor">
+            <a:schemeClr val="dk1"/>
+          </a:fontRef>
+        </p:style>
+        <p:txBody>
+          <a:bodyPr lIns="124733" tIns="62367" rIns="124733" bIns="62367" rtlCol="0" anchor="ctr"/>
+          <a:lstStyle/>
+          <a:p>
+            <a:pPr algn="ctr"/>
+            <a:r>
+              <a:rPr lang="ru-RU" sz="1400" dirty="0"/>
+              <a:t>Хартия Свободы (</a:t>
+            </a:r>
+            <a:r>
+              <a:rPr lang="en-US" sz="1400" dirty="0"/>
+              <a:t>https://en.m.wikipedia.org/wiki/Freedom_Charter</a:t>
+            </a:r>
+            <a:r>
+              <a:rPr lang="ru-RU" sz="1400" dirty="0"/>
+              <a:t>)</a:t>
+            </a:r>
+            <a:endParaRPr lang="ru-RU" sz="800" dirty="0"/>
+          </a:p>
+        </p:txBody>
+      </p:sp>
     </p:spTree>
     <p:extLst>
       <p:ext uri="{BB962C8B-B14F-4D97-AF65-F5344CB8AC3E}">

--- a/Наработки/диздоки/ЮАС/ЮАС.pptx
+++ b/Наработки/диздоки/ЮАС/ЮАС.pptx
@@ -209,7 +209,7 @@
             <a:fld id="{33E3D7F9-E251-484C-A6FF-FA958879DF69}" type="datetimeFigureOut">
               <a:rPr lang="ru-RU" smtClean="0"/>
               <a:pPr/>
-              <a:t>20.02.2023</a:t>
+              <a:t>22.02.2023</a:t>
             </a:fld>
             <a:endParaRPr lang="ru-RU"/>
           </a:p>
@@ -699,7 +699,7 @@
             <a:fld id="{85A5DE44-605B-4D3B-B2B7-94543DF81A36}" type="datetimeFigureOut">
               <a:rPr lang="ru-RU" smtClean="0"/>
               <a:pPr/>
-              <a:t>20.02.2023</a:t>
+              <a:t>22.02.2023</a:t>
             </a:fld>
             <a:endParaRPr lang="ru-RU"/>
           </a:p>
@@ -871,7 +871,7 @@
             <a:fld id="{85A5DE44-605B-4D3B-B2B7-94543DF81A36}" type="datetimeFigureOut">
               <a:rPr lang="ru-RU" smtClean="0"/>
               <a:pPr/>
-              <a:t>20.02.2023</a:t>
+              <a:t>22.02.2023</a:t>
             </a:fld>
             <a:endParaRPr lang="ru-RU"/>
           </a:p>
@@ -1053,7 +1053,7 @@
             <a:fld id="{85A5DE44-605B-4D3B-B2B7-94543DF81A36}" type="datetimeFigureOut">
               <a:rPr lang="ru-RU" smtClean="0"/>
               <a:pPr/>
-              <a:t>20.02.2023</a:t>
+              <a:t>22.02.2023</a:t>
             </a:fld>
             <a:endParaRPr lang="ru-RU"/>
           </a:p>
@@ -1225,7 +1225,7 @@
             <a:fld id="{85A5DE44-605B-4D3B-B2B7-94543DF81A36}" type="datetimeFigureOut">
               <a:rPr lang="ru-RU" smtClean="0"/>
               <a:pPr/>
-              <a:t>20.02.2023</a:t>
+              <a:t>22.02.2023</a:t>
             </a:fld>
             <a:endParaRPr lang="ru-RU"/>
           </a:p>
@@ -1473,7 +1473,7 @@
             <a:fld id="{85A5DE44-605B-4D3B-B2B7-94543DF81A36}" type="datetimeFigureOut">
               <a:rPr lang="ru-RU" smtClean="0"/>
               <a:pPr/>
-              <a:t>20.02.2023</a:t>
+              <a:t>22.02.2023</a:t>
             </a:fld>
             <a:endParaRPr lang="ru-RU"/>
           </a:p>
@@ -1707,7 +1707,7 @@
             <a:fld id="{85A5DE44-605B-4D3B-B2B7-94543DF81A36}" type="datetimeFigureOut">
               <a:rPr lang="ru-RU" smtClean="0"/>
               <a:pPr/>
-              <a:t>20.02.2023</a:t>
+              <a:t>22.02.2023</a:t>
             </a:fld>
             <a:endParaRPr lang="ru-RU"/>
           </a:p>
@@ -2076,7 +2076,7 @@
             <a:fld id="{85A5DE44-605B-4D3B-B2B7-94543DF81A36}" type="datetimeFigureOut">
               <a:rPr lang="ru-RU" smtClean="0"/>
               <a:pPr/>
-              <a:t>20.02.2023</a:t>
+              <a:t>22.02.2023</a:t>
             </a:fld>
             <a:endParaRPr lang="ru-RU"/>
           </a:p>
@@ -2196,7 +2196,7 @@
             <a:fld id="{85A5DE44-605B-4D3B-B2B7-94543DF81A36}" type="datetimeFigureOut">
               <a:rPr lang="ru-RU" smtClean="0"/>
               <a:pPr/>
-              <a:t>20.02.2023</a:t>
+              <a:t>22.02.2023</a:t>
             </a:fld>
             <a:endParaRPr lang="ru-RU"/>
           </a:p>
@@ -2293,7 +2293,7 @@
             <a:fld id="{85A5DE44-605B-4D3B-B2B7-94543DF81A36}" type="datetimeFigureOut">
               <a:rPr lang="ru-RU" smtClean="0"/>
               <a:pPr/>
-              <a:t>20.02.2023</a:t>
+              <a:t>22.02.2023</a:t>
             </a:fld>
             <a:endParaRPr lang="ru-RU"/>
           </a:p>
@@ -2572,7 +2572,7 @@
             <a:fld id="{85A5DE44-605B-4D3B-B2B7-94543DF81A36}" type="datetimeFigureOut">
               <a:rPr lang="ru-RU" smtClean="0"/>
               <a:pPr/>
-              <a:t>20.02.2023</a:t>
+              <a:t>22.02.2023</a:t>
             </a:fld>
             <a:endParaRPr lang="ru-RU"/>
           </a:p>
@@ -2831,7 +2831,7 @@
             <a:fld id="{85A5DE44-605B-4D3B-B2B7-94543DF81A36}" type="datetimeFigureOut">
               <a:rPr lang="ru-RU" smtClean="0"/>
               <a:pPr/>
-              <a:t>20.02.2023</a:t>
+              <a:t>22.02.2023</a:t>
             </a:fld>
             <a:endParaRPr lang="ru-RU"/>
           </a:p>
@@ -3046,7 +3046,7 @@
             <a:fld id="{85A5DE44-605B-4D3B-B2B7-94543DF81A36}" type="datetimeFigureOut">
               <a:rPr lang="ru-RU" smtClean="0"/>
               <a:pPr/>
-              <a:t>20.02.2023</a:t>
+              <a:t>22.02.2023</a:t>
             </a:fld>
             <a:endParaRPr lang="ru-RU"/>
           </a:p>
@@ -3500,13 +3500,15 @@
           <p:cNvPr id="223" name="Прямая соединительная линия 222"/>
           <p:cNvCxnSpPr>
             <a:cxnSpLocks/>
+            <a:stCxn id="69" idx="3"/>
+            <a:endCxn id="83" idx="1"/>
           </p:cNvCxnSpPr>
           <p:nvPr/>
         </p:nvCxnSpPr>
         <p:spPr>
-          <a:xfrm flipV="1">
-            <a:off x="19120081" y="3770652"/>
-            <a:ext cx="4972298" cy="1"/>
+          <a:xfrm>
+            <a:off x="26766862" y="4923257"/>
+            <a:ext cx="3254204" cy="0"/>
           </a:xfrm>
           <a:prstGeom prst="line">
             <a:avLst/>
@@ -4733,7 +4735,7 @@
         </p:nvSpPr>
         <p:spPr>
           <a:xfrm>
-            <a:off x="19795604" y="4585924"/>
+            <a:off x="16494698" y="3843257"/>
             <a:ext cx="2115918" cy="1080000"/>
           </a:xfrm>
           <a:prstGeom prst="rect">
@@ -6426,7 +6428,7 @@
         </p:nvSpPr>
         <p:spPr>
           <a:xfrm>
-            <a:off x="22315309" y="4383257"/>
+            <a:off x="17323819" y="2455003"/>
             <a:ext cx="2115918" cy="1080000"/>
           </a:xfrm>
           <a:prstGeom prst="rect">
@@ -6490,7 +6492,7 @@
         </p:nvSpPr>
         <p:spPr>
           <a:xfrm>
-            <a:off x="22565474" y="6430495"/>
+            <a:off x="16344449" y="6837997"/>
             <a:ext cx="2115918" cy="1080000"/>
           </a:xfrm>
           <a:prstGeom prst="rect">
@@ -6561,7 +6563,7 @@
         </p:nvSpPr>
         <p:spPr>
           <a:xfrm>
-            <a:off x="12593759" y="4266443"/>
+            <a:off x="13072225" y="338529"/>
             <a:ext cx="2115918" cy="1080000"/>
           </a:xfrm>
           <a:prstGeom prst="rect">
@@ -6643,20 +6645,1743 @@
             <a:pPr algn="ctr"/>
             <a:r>
               <a:rPr lang="ru-RU" sz="1400" dirty="0"/>
-              <a:t>Хартия Свободы (</a:t>
-            </a:r>
-            <a:r>
-              <a:rPr lang="en-US" sz="1400" dirty="0"/>
-              <a:t>https://en.m.wikipedia.org/wiki/Freedom_Charter</a:t>
-            </a:r>
+              <a:t>Хартия Свободы </a:t>
+            </a:r>
+            <a:r>
+              <a:rPr lang="ru-RU" sz="600" dirty="0"/>
+              <a:t>(Хартия свободы была заявлением об основных принципах Альянса Южноафриканского конгресса , в который входили Африканский национальный конгресс (АНК) и его союзники: Южноафриканский индийский конгресс , Южноафриканский конгресс демократов и Конгресс цветных людей . Он характеризуется вступительным требованием: «Управлять должен народ!»)</a:t>
+            </a:r>
+            <a:endParaRPr lang="ru-RU" sz="800" dirty="0"/>
+          </a:p>
+        </p:txBody>
+      </p:sp>
+      <p:sp>
+        <p:nvSpPr>
+          <p:cNvPr id="72" name="Прямоугольник 71">
+            <a:extLst>
+              <a:ext uri="{FF2B5EF4-FFF2-40B4-BE49-F238E27FC236}">
+                <a16:creationId xmlns:a16="http://schemas.microsoft.com/office/drawing/2014/main" id="{14B8D6D2-BD66-475B-9C06-BBE1A67FBAA6}"/>
+              </a:ext>
+            </a:extLst>
+          </p:cNvPr>
+          <p:cNvSpPr/>
+          <p:nvPr/>
+        </p:nvSpPr>
+        <p:spPr>
+          <a:xfrm>
+            <a:off x="15436739" y="278008"/>
+            <a:ext cx="2115918" cy="1080000"/>
+          </a:xfrm>
+          <a:prstGeom prst="rect">
+            <a:avLst/>
+          </a:prstGeom>
+          <a:ln w="28575"/>
+        </p:spPr>
+        <p:style>
+          <a:lnRef idx="2">
+            <a:schemeClr val="accent1"/>
+          </a:lnRef>
+          <a:fillRef idx="1">
+            <a:schemeClr val="lt1"/>
+          </a:fillRef>
+          <a:effectRef idx="0">
+            <a:schemeClr val="accent1"/>
+          </a:effectRef>
+          <a:fontRef idx="minor">
+            <a:schemeClr val="dk1"/>
+          </a:fontRef>
+        </p:style>
+        <p:txBody>
+          <a:bodyPr lIns="124733" tIns="62367" rIns="124733" bIns="62367" rtlCol="0" anchor="ctr"/>
+          <a:lstStyle/>
+          <a:p>
+            <a:pPr algn="ctr"/>
+            <a:r>
+              <a:rPr lang="ru-RU" sz="1200" dirty="0"/>
+              <a:t>1940 г.</a:t>
+            </a:r>
+            <a:br>
+              <a:rPr lang="ru-RU" sz="700" dirty="0"/>
+            </a:br>
+            <a:r>
+              <a:rPr lang="ru-RU" sz="1200" dirty="0"/>
+              <a:t>22 июня у </a:t>
+            </a:r>
+            <a:r>
+              <a:rPr lang="ru-RU" sz="1200" dirty="0" err="1"/>
+              <a:t>Котане</a:t>
+            </a:r>
+            <a:r>
+              <a:rPr lang="ru-RU" sz="1200" dirty="0"/>
+              <a:t> и его жены Софи рождается первенец по имени Иосиф, в честь Иосифа Сталина.</a:t>
+            </a:r>
+            <a:endParaRPr lang="ru-RU" sz="100" dirty="0"/>
+          </a:p>
+        </p:txBody>
+      </p:sp>
+      <p:sp>
+        <p:nvSpPr>
+          <p:cNvPr id="75" name="Прямоугольник 74">
+            <a:extLst>
+              <a:ext uri="{FF2B5EF4-FFF2-40B4-BE49-F238E27FC236}">
+                <a16:creationId xmlns:a16="http://schemas.microsoft.com/office/drawing/2014/main" id="{FFC663BD-E4F3-4BD7-AB51-03B9E26D051C}"/>
+              </a:ext>
+            </a:extLst>
+          </p:cNvPr>
+          <p:cNvSpPr/>
+          <p:nvPr/>
+        </p:nvSpPr>
+        <p:spPr>
+          <a:xfrm>
+            <a:off x="27336005" y="5805689"/>
+            <a:ext cx="2115918" cy="1080000"/>
+          </a:xfrm>
+          <a:prstGeom prst="rect">
+            <a:avLst/>
+          </a:prstGeom>
+          <a:ln w="28575"/>
+        </p:spPr>
+        <p:style>
+          <a:lnRef idx="2">
+            <a:schemeClr val="accent1"/>
+          </a:lnRef>
+          <a:fillRef idx="1">
+            <a:schemeClr val="lt1"/>
+          </a:fillRef>
+          <a:effectRef idx="0">
+            <a:schemeClr val="accent1"/>
+          </a:effectRef>
+          <a:fontRef idx="minor">
+            <a:schemeClr val="dk1"/>
+          </a:fontRef>
+        </p:style>
+        <p:txBody>
+          <a:bodyPr lIns="124733" tIns="62367" rIns="124733" bIns="62367" rtlCol="0" anchor="ctr"/>
+          <a:lstStyle/>
+          <a:p>
+            <a:pPr algn="ctr"/>
             <a:r>
               <a:rPr lang="ru-RU" sz="1400" dirty="0"/>
-              <a:t>)</a:t>
+              <a:t>Землю безземельным! (Земля должна быть предоставлена ​​всем безземельным)</a:t>
+            </a:r>
+            <a:endParaRPr lang="ru-RU" sz="500" dirty="0"/>
+          </a:p>
+        </p:txBody>
+      </p:sp>
+      <p:sp>
+        <p:nvSpPr>
+          <p:cNvPr id="76" name="Прямоугольник 75">
+            <a:extLst>
+              <a:ext uri="{FF2B5EF4-FFF2-40B4-BE49-F238E27FC236}">
+                <a16:creationId xmlns:a16="http://schemas.microsoft.com/office/drawing/2014/main" id="{81B2F421-1079-4D0D-A355-84D8F52990B6}"/>
+              </a:ext>
+            </a:extLst>
+          </p:cNvPr>
+          <p:cNvSpPr/>
+          <p:nvPr/>
+        </p:nvSpPr>
+        <p:spPr>
+          <a:xfrm>
+            <a:off x="21965883" y="7253804"/>
+            <a:ext cx="2115918" cy="1080000"/>
+          </a:xfrm>
+          <a:prstGeom prst="rect">
+            <a:avLst/>
+          </a:prstGeom>
+          <a:ln w="28575"/>
+        </p:spPr>
+        <p:style>
+          <a:lnRef idx="2">
+            <a:schemeClr val="accent1"/>
+          </a:lnRef>
+          <a:fillRef idx="1">
+            <a:schemeClr val="lt1"/>
+          </a:fillRef>
+          <a:effectRef idx="0">
+            <a:schemeClr val="accent1"/>
+          </a:effectRef>
+          <a:fontRef idx="minor">
+            <a:schemeClr val="dk1"/>
+          </a:fontRef>
+        </p:style>
+        <p:txBody>
+          <a:bodyPr lIns="124733" tIns="62367" rIns="124733" bIns="62367" rtlCol="0" anchor="ctr"/>
+          <a:lstStyle/>
+          <a:p>
+            <a:pPr algn="ctr"/>
+            <a:r>
+              <a:rPr lang="ru-RU" sz="1400" dirty="0"/>
+              <a:t>Ослабить оковы рабочих! </a:t>
+            </a:r>
+            <a:r>
+              <a:rPr lang="ru-RU" sz="800" dirty="0"/>
+              <a:t>(Прожиточный минимум и сокращенный рабочий день оплачиваемый ежегодный отпуск и отпуск по болезни для всех работников, а также полностью оплачиваемый отпуск по беременности и родам для всех работающих матерей;)</a:t>
+            </a:r>
+            <a:endParaRPr lang="ru-RU" sz="500" dirty="0"/>
+          </a:p>
+        </p:txBody>
+      </p:sp>
+      <p:sp>
+        <p:nvSpPr>
+          <p:cNvPr id="79" name="Прямоугольник 78">
+            <a:extLst>
+              <a:ext uri="{FF2B5EF4-FFF2-40B4-BE49-F238E27FC236}">
+                <a16:creationId xmlns:a16="http://schemas.microsoft.com/office/drawing/2014/main" id="{4A880EDB-FD22-487D-A63C-C40C68E73A62}"/>
+              </a:ext>
+            </a:extLst>
+          </p:cNvPr>
+          <p:cNvSpPr/>
+          <p:nvPr/>
+        </p:nvSpPr>
+        <p:spPr>
+          <a:xfrm>
+            <a:off x="24650944" y="7247892"/>
+            <a:ext cx="2115918" cy="1080000"/>
+          </a:xfrm>
+          <a:prstGeom prst="rect">
+            <a:avLst/>
+          </a:prstGeom>
+          <a:ln w="28575"/>
+        </p:spPr>
+        <p:style>
+          <a:lnRef idx="2">
+            <a:schemeClr val="accent1"/>
+          </a:lnRef>
+          <a:fillRef idx="1">
+            <a:schemeClr val="lt1"/>
+          </a:fillRef>
+          <a:effectRef idx="0">
+            <a:schemeClr val="accent1"/>
+          </a:effectRef>
+          <a:fontRef idx="minor">
+            <a:schemeClr val="dk1"/>
+          </a:fontRef>
+        </p:style>
+        <p:txBody>
+          <a:bodyPr lIns="124733" tIns="62367" rIns="124733" bIns="62367" rtlCol="0" anchor="ctr"/>
+          <a:lstStyle/>
+          <a:p>
+            <a:pPr algn="ctr"/>
+            <a:r>
+              <a:rPr lang="ru-RU" sz="1400" dirty="0"/>
+              <a:t>Образование для всех! </a:t>
+            </a:r>
+            <a:r>
+              <a:rPr lang="ru-RU" sz="600" dirty="0"/>
+              <a:t>(«Бесплатное и обязательное образование, независимо от цвета кожи, расы или национальности», были синтезированы в окончательный документ лидерами АНК, включая </a:t>
+            </a:r>
+            <a:r>
+              <a:rPr lang="ru-RU" sz="600" dirty="0" err="1"/>
+              <a:t>З.К.Лайонел</a:t>
+            </a:r>
+            <a:r>
+              <a:rPr lang="ru-RU" sz="600" dirty="0"/>
+              <a:t> «Расти» </a:t>
+            </a:r>
+            <a:r>
+              <a:rPr lang="ru-RU" sz="600" dirty="0" err="1"/>
+              <a:t>Бернстайн</a:t>
+            </a:r>
+            <a:r>
+              <a:rPr lang="ru-RU" sz="600" dirty="0"/>
+              <a:t> , Этель </a:t>
+            </a:r>
+            <a:r>
+              <a:rPr lang="ru-RU" sz="600" dirty="0" err="1"/>
+              <a:t>Друс</a:t>
+            </a:r>
+            <a:r>
+              <a:rPr lang="ru-RU" sz="600" dirty="0"/>
+              <a:t>, [3] Рут </a:t>
+            </a:r>
+            <a:r>
+              <a:rPr lang="ru-RU" sz="600" dirty="0" err="1"/>
+              <a:t>Ферст</a:t>
+            </a:r>
+            <a:r>
+              <a:rPr lang="ru-RU" sz="600" dirty="0"/>
+              <a:t> и Алан </a:t>
+            </a:r>
+            <a:r>
+              <a:rPr lang="ru-RU" sz="600" dirty="0" err="1"/>
+              <a:t>Липман</a:t>
+            </a:r>
+            <a:r>
+              <a:rPr lang="ru-RU" sz="600" dirty="0"/>
+              <a:t> (чья жена, Беата </a:t>
+            </a:r>
+            <a:r>
+              <a:rPr lang="ru-RU" sz="600" dirty="0" err="1"/>
+              <a:t>Липман</a:t>
+            </a:r>
+            <a:r>
+              <a:rPr lang="ru-RU" sz="600" dirty="0"/>
+              <a:t>, написала оригинал Устава от руки).)</a:t>
+            </a:r>
+            <a:endParaRPr lang="ru-RU" sz="500" dirty="0"/>
+          </a:p>
+        </p:txBody>
+      </p:sp>
+      <p:sp>
+        <p:nvSpPr>
+          <p:cNvPr id="80" name="Прямоугольник 79">
+            <a:extLst>
+              <a:ext uri="{FF2B5EF4-FFF2-40B4-BE49-F238E27FC236}">
+                <a16:creationId xmlns:a16="http://schemas.microsoft.com/office/drawing/2014/main" id="{346940CC-96FF-464D-B618-1F3BB49380B1}"/>
+              </a:ext>
+            </a:extLst>
+          </p:cNvPr>
+          <p:cNvSpPr/>
+          <p:nvPr/>
+        </p:nvSpPr>
+        <p:spPr>
+          <a:xfrm>
+            <a:off x="24650944" y="2690652"/>
+            <a:ext cx="2115918" cy="1080000"/>
+          </a:xfrm>
+          <a:prstGeom prst="rect">
+            <a:avLst/>
+          </a:prstGeom>
+          <a:ln w="28575"/>
+        </p:spPr>
+        <p:style>
+          <a:lnRef idx="2">
+            <a:schemeClr val="accent1"/>
+          </a:lnRef>
+          <a:fillRef idx="1">
+            <a:schemeClr val="lt1"/>
+          </a:fillRef>
+          <a:effectRef idx="0">
+            <a:schemeClr val="accent1"/>
+          </a:effectRef>
+          <a:fontRef idx="minor">
+            <a:schemeClr val="dk1"/>
+          </a:fontRef>
+        </p:style>
+        <p:txBody>
+          <a:bodyPr lIns="124733" tIns="62367" rIns="124733" bIns="62367" rtlCol="0" anchor="ctr"/>
+          <a:lstStyle/>
+          <a:p>
+            <a:pPr algn="ctr"/>
+            <a:r>
+              <a:rPr lang="ru-RU" sz="600" dirty="0"/>
+              <a:t>Хартия была официально принята в воскресенье, 26 июня 1955 года, на собрании около 3000 человек, известном как Народный конгресс в </a:t>
+            </a:r>
+            <a:r>
+              <a:rPr lang="ru-RU" sz="600" dirty="0" err="1"/>
+              <a:t>Клиптауне</a:t>
+            </a:r>
+            <a:r>
+              <a:rPr lang="ru-RU" sz="600" dirty="0"/>
+              <a:t> , </a:t>
+            </a:r>
+            <a:r>
+              <a:rPr lang="ru-RU" sz="600" dirty="0" err="1"/>
+              <a:t>Соуэто</a:t>
+            </a:r>
+            <a:r>
+              <a:rPr lang="ru-RU" sz="600" dirty="0"/>
+              <a:t> . [4] [5] [6] Митинг был разогнан полицией на второй день, хотя к тому времени Устав был прочитан полностью. Толпа одобряла каждую секцию криками «Африка!» и " </a:t>
+            </a:r>
+            <a:r>
+              <a:rPr lang="ru-RU" sz="600" dirty="0" err="1"/>
+              <a:t>Майибуйе</a:t>
+            </a:r>
+            <a:r>
+              <a:rPr lang="ru-RU" sz="600" dirty="0"/>
+              <a:t> !" [7] [8] Нельсон </a:t>
+            </a:r>
+            <a:r>
+              <a:rPr lang="ru-RU" sz="600" dirty="0" err="1"/>
+              <a:t>Мандела</a:t>
+            </a:r>
+            <a:r>
+              <a:rPr lang="ru-RU" sz="600" dirty="0"/>
+              <a:t> сбежал от полиции, замаскировавшись под молочника , поскольку в то время его движения и взаимодействия были ограничены запретительными приказами. [9]</a:t>
+            </a:r>
+            <a:endParaRPr lang="ru-RU" sz="100" dirty="0"/>
+          </a:p>
+        </p:txBody>
+      </p:sp>
+      <p:sp>
+        <p:nvSpPr>
+          <p:cNvPr id="82" name="Прямоугольник 81">
+            <a:extLst>
+              <a:ext uri="{FF2B5EF4-FFF2-40B4-BE49-F238E27FC236}">
+                <a16:creationId xmlns:a16="http://schemas.microsoft.com/office/drawing/2014/main" id="{6FB916C4-3F16-4E21-831A-E94C97D7C1BD}"/>
+              </a:ext>
+            </a:extLst>
+          </p:cNvPr>
+          <p:cNvSpPr/>
+          <p:nvPr/>
+        </p:nvSpPr>
+        <p:spPr>
+          <a:xfrm>
+            <a:off x="21965883" y="5804427"/>
+            <a:ext cx="2115918" cy="1080000"/>
+          </a:xfrm>
+          <a:prstGeom prst="rect">
+            <a:avLst/>
+          </a:prstGeom>
+          <a:ln w="28575"/>
+        </p:spPr>
+        <p:style>
+          <a:lnRef idx="2">
+            <a:schemeClr val="accent1"/>
+          </a:lnRef>
+          <a:fillRef idx="1">
+            <a:schemeClr val="lt1"/>
+          </a:fillRef>
+          <a:effectRef idx="0">
+            <a:schemeClr val="accent1"/>
+          </a:effectRef>
+          <a:fontRef idx="minor">
+            <a:schemeClr val="dk1"/>
+          </a:fontRef>
+        </p:style>
+        <p:txBody>
+          <a:bodyPr lIns="124733" tIns="62367" rIns="124733" bIns="62367" rtlCol="0" anchor="ctr"/>
+          <a:lstStyle/>
+          <a:p>
+            <a:pPr algn="ctr"/>
+            <a:r>
+              <a:rPr lang="ru-RU" sz="1400" dirty="0"/>
+              <a:t>Национализация частных активов </a:t>
+            </a:r>
+            <a:r>
+              <a:rPr lang="ru-RU" sz="900" dirty="0"/>
+              <a:t>(Хартия также призывает к демократии и правам человека , земельной реформе , трудовым правам и национализации..)</a:t>
+            </a:r>
+            <a:endParaRPr lang="ru-RU" sz="500" dirty="0"/>
+          </a:p>
+        </p:txBody>
+      </p:sp>
+      <p:sp>
+        <p:nvSpPr>
+          <p:cNvPr id="83" name="Прямоугольник 82">
+            <a:extLst>
+              <a:ext uri="{FF2B5EF4-FFF2-40B4-BE49-F238E27FC236}">
+                <a16:creationId xmlns:a16="http://schemas.microsoft.com/office/drawing/2014/main" id="{425A5458-014A-4B90-AB2E-D3A5BB1F561B}"/>
+              </a:ext>
+            </a:extLst>
+          </p:cNvPr>
+          <p:cNvSpPr/>
+          <p:nvPr/>
+        </p:nvSpPr>
+        <p:spPr>
+          <a:xfrm>
+            <a:off x="30021066" y="4383257"/>
+            <a:ext cx="2115918" cy="1080000"/>
+          </a:xfrm>
+          <a:prstGeom prst="rect">
+            <a:avLst/>
+          </a:prstGeom>
+          <a:ln w="28575"/>
+        </p:spPr>
+        <p:style>
+          <a:lnRef idx="2">
+            <a:schemeClr val="accent1"/>
+          </a:lnRef>
+          <a:fillRef idx="1">
+            <a:schemeClr val="lt1"/>
+          </a:fillRef>
+          <a:effectRef idx="0">
+            <a:schemeClr val="accent1"/>
+          </a:effectRef>
+          <a:fontRef idx="minor">
+            <a:schemeClr val="dk1"/>
+          </a:fontRef>
+        </p:style>
+        <p:txBody>
+          <a:bodyPr lIns="124733" tIns="62367" rIns="124733" bIns="62367" rtlCol="0" anchor="ctr"/>
+          <a:lstStyle/>
+          <a:p>
+            <a:pPr algn="ctr"/>
+            <a:r>
+              <a:rPr lang="ru-RU" sz="1400" dirty="0"/>
+              <a:t>Панафриканский конгресс </a:t>
+            </a:r>
+            <a:r>
+              <a:rPr lang="ru-RU" sz="1400" dirty="0" err="1"/>
+              <a:t>Азании</a:t>
+            </a:r>
+            <a:r>
+              <a:rPr lang="ru-RU" sz="1400" dirty="0"/>
+              <a:t> </a:t>
+            </a:r>
+            <a:r>
+              <a:rPr lang="ru-RU" sz="400" dirty="0"/>
+              <a:t>(южноафриканское национально -освободительное панафриканское движение, которое в настоящее время является политической партией. Он был основан группой африканистов во главе с Робертом </a:t>
+            </a:r>
+            <a:r>
+              <a:rPr lang="ru-RU" sz="400" dirty="0" err="1"/>
+              <a:t>Собукве</a:t>
+            </a:r>
+            <a:r>
+              <a:rPr lang="ru-RU" sz="400" dirty="0"/>
+              <a:t> , которая отделилась от Африканского национального конгресса (АНК) в 1959 году, поскольку ПАК возражал против утверждения АНК, что «земля принадлежит всем, кто живет на ней, как белым, так и черным» и также отверг многорасовое мировоззрение, вместо этого выступая за Южную Африку, основанную на африканском национализме.)</a:t>
             </a:r>
             <a:endParaRPr lang="ru-RU" sz="800" dirty="0"/>
           </a:p>
         </p:txBody>
       </p:sp>
+      <p:sp>
+        <p:nvSpPr>
+          <p:cNvPr id="85" name="Прямоугольник 84">
+            <a:extLst>
+              <a:ext uri="{FF2B5EF4-FFF2-40B4-BE49-F238E27FC236}">
+                <a16:creationId xmlns:a16="http://schemas.microsoft.com/office/drawing/2014/main" id="{8A428133-2A5D-422A-A326-0FCC5FCAE2EF}"/>
+              </a:ext>
+            </a:extLst>
+          </p:cNvPr>
+          <p:cNvSpPr/>
+          <p:nvPr/>
+        </p:nvSpPr>
+        <p:spPr>
+          <a:xfrm>
+            <a:off x="24650944" y="1429320"/>
+            <a:ext cx="2115918" cy="1080000"/>
+          </a:xfrm>
+          <a:prstGeom prst="rect">
+            <a:avLst/>
+          </a:prstGeom>
+          <a:ln w="28575"/>
+        </p:spPr>
+        <p:style>
+          <a:lnRef idx="2">
+            <a:schemeClr val="accent1"/>
+          </a:lnRef>
+          <a:fillRef idx="1">
+            <a:schemeClr val="lt1"/>
+          </a:fillRef>
+          <a:effectRef idx="0">
+            <a:schemeClr val="accent1"/>
+          </a:effectRef>
+          <a:fontRef idx="minor">
+            <a:schemeClr val="dk1"/>
+          </a:fontRef>
+        </p:style>
+        <p:txBody>
+          <a:bodyPr lIns="124733" tIns="62367" rIns="124733" bIns="62367" rtlCol="0" anchor="ctr"/>
+          <a:lstStyle/>
+          <a:p>
+            <a:pPr algn="ctr"/>
+            <a:r>
+              <a:rPr lang="ru-RU" sz="400" dirty="0"/>
+              <a:t>Мы, народ Южной Африки, заявляем, чтобы знала вся наша страна и весь мир: Южная Африка принадлежит всем, кто в ней живет, черным и белым, и что ни одно правительство не может справедливо претендовать на власть, если оно не основано на воле все люди; что наш народ был лишен своего неотъемлемого права на землю, свободу и мир из-за формы правления, основанной на несправедливости и неравенстве; что наша страна никогда не будет процветающей и свободной, пока все наши люди не будут жить в братстве, пользуясь равными правами и возможностями; что только демократическое государство, основанное на волеизъявлении всех людей, может гарантировать всем их неотъемлемое право без различия цвета кожи, расы, пола или убеждений; И поэтому мы, народ Южной Африки, черные и белые вместе - равные, соотечественники и братья - принимаем эту Хартию свободы. И мы обязуемся вместе стремиться,</a:t>
+            </a:r>
+            <a:endParaRPr lang="ru-RU" sz="100" dirty="0"/>
+          </a:p>
+        </p:txBody>
+      </p:sp>
+      <p:sp>
+        <p:nvSpPr>
+          <p:cNvPr id="86" name="Прямоугольник 85">
+            <a:extLst>
+              <a:ext uri="{FF2B5EF4-FFF2-40B4-BE49-F238E27FC236}">
+                <a16:creationId xmlns:a16="http://schemas.microsoft.com/office/drawing/2014/main" id="{5AE4370A-92AF-4C68-9C81-314B1F2EDB58}"/>
+              </a:ext>
+            </a:extLst>
+          </p:cNvPr>
+          <p:cNvSpPr/>
+          <p:nvPr/>
+        </p:nvSpPr>
+        <p:spPr>
+          <a:xfrm>
+            <a:off x="24650944" y="5804427"/>
+            <a:ext cx="2115918" cy="1080000"/>
+          </a:xfrm>
+          <a:prstGeom prst="rect">
+            <a:avLst/>
+          </a:prstGeom>
+          <a:ln w="28575"/>
+        </p:spPr>
+        <p:style>
+          <a:lnRef idx="2">
+            <a:schemeClr val="accent1"/>
+          </a:lnRef>
+          <a:fillRef idx="1">
+            <a:schemeClr val="lt1"/>
+          </a:fillRef>
+          <a:effectRef idx="0">
+            <a:schemeClr val="accent1"/>
+          </a:effectRef>
+          <a:fontRef idx="minor">
+            <a:schemeClr val="dk1"/>
+          </a:fontRef>
+        </p:style>
+        <p:txBody>
+          <a:bodyPr lIns="124733" tIns="62367" rIns="124733" bIns="62367" rtlCol="0" anchor="ctr"/>
+          <a:lstStyle/>
+          <a:p>
+            <a:pPr algn="ctr"/>
+            <a:r>
+              <a:rPr lang="ru-RU" sz="1400" dirty="0"/>
+              <a:t>Дать всем равные права и голоса! </a:t>
+            </a:r>
+            <a:r>
+              <a:rPr lang="ru-RU" sz="900" dirty="0"/>
+              <a:t>(Каждый мужчина и женщина должны иметь право голосовать и баллотироваться в качестве кандидата во все органы, принимающие законы; Все люди имеют равное право)</a:t>
+            </a:r>
+            <a:endParaRPr lang="ru-RU" sz="500" dirty="0"/>
+          </a:p>
+        </p:txBody>
+      </p:sp>
+      <p:sp>
+        <p:nvSpPr>
+          <p:cNvPr id="88" name="Прямоугольник 87">
+            <a:extLst>
+              <a:ext uri="{FF2B5EF4-FFF2-40B4-BE49-F238E27FC236}">
+                <a16:creationId xmlns:a16="http://schemas.microsoft.com/office/drawing/2014/main" id="{6EC0AFE5-F5AA-4DA8-9343-35C78004867D}"/>
+              </a:ext>
+            </a:extLst>
+          </p:cNvPr>
+          <p:cNvSpPr/>
+          <p:nvPr/>
+        </p:nvSpPr>
+        <p:spPr>
+          <a:xfrm>
+            <a:off x="27336005" y="7247892"/>
+            <a:ext cx="2115918" cy="1080000"/>
+          </a:xfrm>
+          <a:prstGeom prst="rect">
+            <a:avLst/>
+          </a:prstGeom>
+          <a:ln w="28575"/>
+        </p:spPr>
+        <p:style>
+          <a:lnRef idx="2">
+            <a:schemeClr val="accent1"/>
+          </a:lnRef>
+          <a:fillRef idx="1">
+            <a:schemeClr val="lt1"/>
+          </a:fillRef>
+          <a:effectRef idx="0">
+            <a:schemeClr val="accent1"/>
+          </a:effectRef>
+          <a:fontRef idx="minor">
+            <a:schemeClr val="dk1"/>
+          </a:fontRef>
+        </p:style>
+        <p:txBody>
+          <a:bodyPr lIns="124733" tIns="62367" rIns="124733" bIns="62367" rtlCol="0" anchor="ctr"/>
+          <a:lstStyle/>
+          <a:p>
+            <a:pPr algn="ctr"/>
+            <a:r>
+              <a:rPr lang="ru-RU" sz="1400" dirty="0"/>
+              <a:t>Помочь аграриям </a:t>
+            </a:r>
+            <a:r>
+              <a:rPr lang="ru-RU" sz="1000" dirty="0"/>
+              <a:t>(Государство должно помочь крестьянам орудиями, семенами, тракторами и плотинами, чтобы спасти землю и помочь землепашцам;)</a:t>
+            </a:r>
+            <a:endParaRPr lang="ru-RU" sz="500" dirty="0"/>
+          </a:p>
+        </p:txBody>
+      </p:sp>
+      <p:sp>
+        <p:nvSpPr>
+          <p:cNvPr id="89" name="Прямоугольник 88">
+            <a:extLst>
+              <a:ext uri="{FF2B5EF4-FFF2-40B4-BE49-F238E27FC236}">
+                <a16:creationId xmlns:a16="http://schemas.microsoft.com/office/drawing/2014/main" id="{3E84CE71-6654-4A0F-9542-713D6728B0CC}"/>
+              </a:ext>
+            </a:extLst>
+          </p:cNvPr>
+          <p:cNvSpPr/>
+          <p:nvPr/>
+        </p:nvSpPr>
+        <p:spPr>
+          <a:xfrm>
+            <a:off x="25992215" y="8713977"/>
+            <a:ext cx="2115918" cy="1080000"/>
+          </a:xfrm>
+          <a:prstGeom prst="rect">
+            <a:avLst/>
+          </a:prstGeom>
+          <a:ln w="28575"/>
+        </p:spPr>
+        <p:style>
+          <a:lnRef idx="2">
+            <a:schemeClr val="accent1"/>
+          </a:lnRef>
+          <a:fillRef idx="1">
+            <a:schemeClr val="lt1"/>
+          </a:fillRef>
+          <a:effectRef idx="0">
+            <a:schemeClr val="accent1"/>
+          </a:effectRef>
+          <a:fontRef idx="minor">
+            <a:schemeClr val="dk1"/>
+          </a:fontRef>
+        </p:style>
+        <p:txBody>
+          <a:bodyPr lIns="124733" tIns="62367" rIns="124733" bIns="62367" rtlCol="0" anchor="ctr"/>
+          <a:lstStyle/>
+          <a:p>
+            <a:pPr algn="ctr"/>
+            <a:r>
+              <a:rPr lang="ru-RU" sz="1400" dirty="0"/>
+              <a:t>Государственный план массового образования </a:t>
+            </a:r>
+            <a:r>
+              <a:rPr lang="ru-RU" sz="500" dirty="0"/>
+              <a:t>(Высшее образование и техническое обучение должны быть открыты для всех посредством государственных пособий и стипендий, присуждаемых на основе </a:t>
+            </a:r>
+            <a:r>
+              <a:rPr lang="ru-RU" sz="500" dirty="0" err="1"/>
+              <a:t>заслуг;Неграмотность</a:t>
+            </a:r>
+            <a:r>
+              <a:rPr lang="ru-RU" sz="500" dirty="0"/>
+              <a:t> взрослых должна быть ликвидирована посредством государственного плана массового </a:t>
+            </a:r>
+            <a:r>
+              <a:rPr lang="ru-RU" sz="500" dirty="0" err="1"/>
+              <a:t>образования;Учителя</a:t>
+            </a:r>
+            <a:r>
+              <a:rPr lang="ru-RU" sz="500" dirty="0"/>
+              <a:t> имеют все права других </a:t>
+            </a:r>
+            <a:r>
+              <a:rPr lang="ru-RU" sz="500" dirty="0" err="1"/>
+              <a:t>граждан;Цветовая</a:t>
+            </a:r>
+            <a:r>
+              <a:rPr lang="ru-RU" sz="500" dirty="0"/>
+              <a:t> полоса в культурной жизни, в спорте и в образовании отменяется.)</a:t>
+            </a:r>
+          </a:p>
+        </p:txBody>
+      </p:sp>
+      <p:sp>
+        <p:nvSpPr>
+          <p:cNvPr id="91" name="Прямоугольник 90">
+            <a:extLst>
+              <a:ext uri="{FF2B5EF4-FFF2-40B4-BE49-F238E27FC236}">
+                <a16:creationId xmlns:a16="http://schemas.microsoft.com/office/drawing/2014/main" id="{1754E2EA-CB0D-42EE-80B9-FC4D998F5280}"/>
+              </a:ext>
+            </a:extLst>
+          </p:cNvPr>
+          <p:cNvSpPr/>
+          <p:nvPr/>
+        </p:nvSpPr>
+        <p:spPr>
+          <a:xfrm>
+            <a:off x="28680683" y="8713977"/>
+            <a:ext cx="2115918" cy="1080000"/>
+          </a:xfrm>
+          <a:prstGeom prst="rect">
+            <a:avLst/>
+          </a:prstGeom>
+          <a:ln w="28575"/>
+        </p:spPr>
+        <p:style>
+          <a:lnRef idx="2">
+            <a:schemeClr val="accent1"/>
+          </a:lnRef>
+          <a:fillRef idx="1">
+            <a:schemeClr val="lt1"/>
+          </a:fillRef>
+          <a:effectRef idx="0">
+            <a:schemeClr val="accent1"/>
+          </a:effectRef>
+          <a:fontRef idx="minor">
+            <a:schemeClr val="dk1"/>
+          </a:fontRef>
+        </p:style>
+        <p:txBody>
+          <a:bodyPr lIns="124733" tIns="62367" rIns="124733" bIns="62367" rtlCol="0" anchor="ctr"/>
+          <a:lstStyle/>
+          <a:p>
+            <a:pPr algn="ctr"/>
+            <a:r>
+              <a:rPr lang="ru-RU" sz="1400" dirty="0"/>
+              <a:t>Реконструкция трущоб </a:t>
+            </a:r>
+            <a:r>
+              <a:rPr lang="ru-RU" sz="400" dirty="0"/>
+              <a:t>(Трущобы должны быть снесены и построены новые пригороды, где везде есть транспорт, дороги, освещение, игровые площадки, ясли и социальные </a:t>
+            </a:r>
+            <a:r>
+              <a:rPr lang="ru-RU" sz="400" dirty="0" err="1"/>
+              <a:t>центры;Престарелые</a:t>
+            </a:r>
+            <a:r>
+              <a:rPr lang="ru-RU" sz="400" dirty="0"/>
+              <a:t>, сироты, инвалиды и больные находятся на попечении </a:t>
+            </a:r>
+            <a:r>
+              <a:rPr lang="ru-RU" sz="400" dirty="0" err="1"/>
+              <a:t>государства;Отдых</a:t>
+            </a:r>
+            <a:r>
+              <a:rPr lang="ru-RU" sz="400" dirty="0"/>
+              <a:t>, досуг и развлечения должны быть правом </a:t>
+            </a:r>
+            <a:r>
+              <a:rPr lang="ru-RU" sz="400" dirty="0" err="1"/>
+              <a:t>всех;Ограждения</a:t>
+            </a:r>
+            <a:r>
+              <a:rPr lang="ru-RU" sz="400" dirty="0"/>
+              <a:t> и гетто должны быть упразднены, а законы, разделяющие семьи, должны быть отменены.)</a:t>
+            </a:r>
+            <a:endParaRPr lang="ru-RU" sz="500" dirty="0"/>
+          </a:p>
+        </p:txBody>
+      </p:sp>
+      <p:sp>
+        <p:nvSpPr>
+          <p:cNvPr id="95" name="Прямоугольник 94">
+            <a:extLst>
+              <a:ext uri="{FF2B5EF4-FFF2-40B4-BE49-F238E27FC236}">
+                <a16:creationId xmlns:a16="http://schemas.microsoft.com/office/drawing/2014/main" id="{DEDA82B9-E307-4F93-85E5-547ADE88D28B}"/>
+              </a:ext>
+            </a:extLst>
+          </p:cNvPr>
+          <p:cNvSpPr/>
+          <p:nvPr/>
+        </p:nvSpPr>
+        <p:spPr>
+          <a:xfrm>
+            <a:off x="16494698" y="5264427"/>
+            <a:ext cx="2115918" cy="1080000"/>
+          </a:xfrm>
+          <a:prstGeom prst="rect">
+            <a:avLst/>
+          </a:prstGeom>
+          <a:solidFill>
+            <a:schemeClr val="accent1">
+              <a:lumMod val="60000"/>
+              <a:lumOff val="40000"/>
+            </a:schemeClr>
+          </a:solidFill>
+          <a:ln w="28575"/>
+        </p:spPr>
+        <p:style>
+          <a:lnRef idx="2">
+            <a:schemeClr val="accent1"/>
+          </a:lnRef>
+          <a:fillRef idx="1">
+            <a:schemeClr val="lt1"/>
+          </a:fillRef>
+          <a:effectRef idx="0">
+            <a:schemeClr val="accent1"/>
+          </a:effectRef>
+          <a:fontRef idx="minor">
+            <a:schemeClr val="dk1"/>
+          </a:fontRef>
+        </p:style>
+        <p:txBody>
+          <a:bodyPr lIns="124733" tIns="62367" rIns="124733" bIns="62367" rtlCol="0" anchor="ctr"/>
+          <a:lstStyle/>
+          <a:p>
+            <a:pPr algn="ctr"/>
+            <a:r>
+              <a:rPr lang="ru-RU" sz="1400" dirty="0"/>
+              <a:t>Будущее малых протекторатов </a:t>
+            </a:r>
+            <a:r>
+              <a:rPr lang="ru-RU" sz="500" dirty="0"/>
+              <a:t>(Народы протекторатов — </a:t>
+            </a:r>
+            <a:r>
+              <a:rPr lang="ru-RU" sz="500" dirty="0" err="1"/>
+              <a:t>Басутоленда</a:t>
+            </a:r>
+            <a:r>
+              <a:rPr lang="ru-RU" sz="500" dirty="0"/>
+              <a:t>, Бечуаналенда и Свазиленда — будут свободны в выборе своего будущего; Право всех народов Африки на независимость и самоуправление должно быть признано и должно быть основой тесного сотрудничества.)</a:t>
+            </a:r>
+          </a:p>
+        </p:txBody>
+      </p:sp>
+      <p:sp>
+        <p:nvSpPr>
+          <p:cNvPr id="98" name="Прямоугольник 97">
+            <a:extLst>
+              <a:ext uri="{FF2B5EF4-FFF2-40B4-BE49-F238E27FC236}">
+                <a16:creationId xmlns:a16="http://schemas.microsoft.com/office/drawing/2014/main" id="{6413196C-E8CA-4F1B-B0BF-4E36A8D9CA72}"/>
+              </a:ext>
+            </a:extLst>
+          </p:cNvPr>
+          <p:cNvSpPr/>
+          <p:nvPr/>
+        </p:nvSpPr>
+        <p:spPr>
+          <a:xfrm>
+            <a:off x="30021066" y="5804427"/>
+            <a:ext cx="2115918" cy="1080000"/>
+          </a:xfrm>
+          <a:prstGeom prst="rect">
+            <a:avLst/>
+          </a:prstGeom>
+          <a:ln w="28575"/>
+        </p:spPr>
+        <p:style>
+          <a:lnRef idx="2">
+            <a:schemeClr val="accent1"/>
+          </a:lnRef>
+          <a:fillRef idx="1">
+            <a:schemeClr val="lt1"/>
+          </a:fillRef>
+          <a:effectRef idx="0">
+            <a:schemeClr val="accent1"/>
+          </a:effectRef>
+          <a:fontRef idx="minor">
+            <a:schemeClr val="dk1"/>
+          </a:fontRef>
+        </p:style>
+        <p:txBody>
+          <a:bodyPr lIns="124733" tIns="62367" rIns="124733" bIns="62367" rtlCol="0" anchor="ctr"/>
+          <a:lstStyle/>
+          <a:p>
+            <a:pPr algn="ctr"/>
+            <a:r>
+              <a:rPr lang="ru-RU" sz="1400" dirty="0"/>
+              <a:t>Изгнать буров! </a:t>
+            </a:r>
+            <a:r>
+              <a:rPr lang="ru-RU" sz="700" dirty="0"/>
+              <a:t>(минус белое население ПКК в то время считал Южную Африку африканским государством по праву «неотъемлемым правом коренных африканских народов» и отказывался поддерживать равные права угнетенных и угнетателей, эксплуататоров и эксплуатируемых, обездоленных и безземельных африканцев «обиженных».)</a:t>
+            </a:r>
+            <a:endParaRPr lang="ru-RU" sz="500" dirty="0"/>
+          </a:p>
+        </p:txBody>
+      </p:sp>
+      <p:sp>
+        <p:nvSpPr>
+          <p:cNvPr id="100" name="Прямоугольник 99">
+            <a:extLst>
+              <a:ext uri="{FF2B5EF4-FFF2-40B4-BE49-F238E27FC236}">
+                <a16:creationId xmlns:a16="http://schemas.microsoft.com/office/drawing/2014/main" id="{2E431EFB-FFBD-4F28-8EDF-DAACB4BDE5DF}"/>
+              </a:ext>
+            </a:extLst>
+          </p:cNvPr>
+          <p:cNvSpPr/>
+          <p:nvPr/>
+        </p:nvSpPr>
+        <p:spPr>
+          <a:xfrm>
+            <a:off x="32706127" y="5804427"/>
+            <a:ext cx="2115918" cy="1080000"/>
+          </a:xfrm>
+          <a:prstGeom prst="rect">
+            <a:avLst/>
+          </a:prstGeom>
+          <a:ln w="28575"/>
+        </p:spPr>
+        <p:style>
+          <a:lnRef idx="2">
+            <a:schemeClr val="accent1"/>
+          </a:lnRef>
+          <a:fillRef idx="1">
+            <a:schemeClr val="lt1"/>
+          </a:fillRef>
+          <a:effectRef idx="0">
+            <a:schemeClr val="accent1"/>
+          </a:effectRef>
+          <a:fontRef idx="minor">
+            <a:schemeClr val="dk1"/>
+          </a:fontRef>
+        </p:style>
+        <p:txBody>
+          <a:bodyPr lIns="124733" tIns="62367" rIns="124733" bIns="62367" rtlCol="0" anchor="ctr"/>
+          <a:lstStyle/>
+          <a:p>
+            <a:pPr algn="ctr"/>
+            <a:r>
+              <a:rPr lang="ru-RU" sz="1400" dirty="0"/>
+              <a:t>Народно-освободительная армия </a:t>
+            </a:r>
+            <a:r>
+              <a:rPr lang="ru-RU" sz="1400" dirty="0" err="1"/>
+              <a:t>Азании</a:t>
+            </a:r>
+            <a:r>
+              <a:rPr lang="ru-RU" sz="1400" dirty="0"/>
+              <a:t> </a:t>
+            </a:r>
+            <a:r>
+              <a:rPr lang="ru-RU" sz="900" dirty="0"/>
+              <a:t>(была военным крылом Панафриканского конгресса , африканского националистического движения в Южной Африке . На языке коса слово «</a:t>
+            </a:r>
+            <a:r>
+              <a:rPr lang="ru-RU" sz="900" dirty="0" err="1"/>
+              <a:t>поко</a:t>
+            </a:r>
+            <a:r>
+              <a:rPr lang="ru-RU" sz="900" dirty="0"/>
+              <a:t>» означает «чистый». </a:t>
+            </a:r>
+            <a:endParaRPr lang="ru-RU" sz="500" dirty="0"/>
+          </a:p>
+        </p:txBody>
+      </p:sp>
+      <p:sp>
+        <p:nvSpPr>
+          <p:cNvPr id="101" name="Прямоугольник 100">
+            <a:extLst>
+              <a:ext uri="{FF2B5EF4-FFF2-40B4-BE49-F238E27FC236}">
+                <a16:creationId xmlns:a16="http://schemas.microsoft.com/office/drawing/2014/main" id="{4D5CA7C1-C7E7-4441-A96D-1225D8429F32}"/>
+              </a:ext>
+            </a:extLst>
+          </p:cNvPr>
+          <p:cNvSpPr/>
+          <p:nvPr/>
+        </p:nvSpPr>
+        <p:spPr>
+          <a:xfrm>
+            <a:off x="30022551" y="7247891"/>
+            <a:ext cx="2115918" cy="1080000"/>
+          </a:xfrm>
+          <a:prstGeom prst="rect">
+            <a:avLst/>
+          </a:prstGeom>
+          <a:ln w="28575"/>
+        </p:spPr>
+        <p:style>
+          <a:lnRef idx="2">
+            <a:schemeClr val="accent1"/>
+          </a:lnRef>
+          <a:fillRef idx="1">
+            <a:schemeClr val="lt1"/>
+          </a:fillRef>
+          <a:effectRef idx="0">
+            <a:schemeClr val="accent1"/>
+          </a:effectRef>
+          <a:fontRef idx="minor">
+            <a:schemeClr val="dk1"/>
+          </a:fontRef>
+        </p:style>
+        <p:txBody>
+          <a:bodyPr lIns="124733" tIns="62367" rIns="124733" bIns="62367" rtlCol="0" anchor="ctr"/>
+          <a:lstStyle/>
+          <a:p>
+            <a:pPr algn="ctr"/>
+            <a:r>
+              <a:rPr lang="ru-RU" sz="1400" dirty="0"/>
+              <a:t>Африканское правительство </a:t>
+            </a:r>
+            <a:r>
+              <a:rPr lang="ru-RU" sz="500" dirty="0"/>
+              <a:t>(ПКК следовал идее о том, что правительство Южной Африки должно быть сформировано африканским народом, обязанным своей верностью только Африке, как заявил </a:t>
+            </a:r>
+            <a:r>
+              <a:rPr lang="ru-RU" sz="500" dirty="0" err="1"/>
+              <a:t>Собукве</a:t>
+            </a:r>
+            <a:r>
+              <a:rPr lang="ru-RU" sz="500" dirty="0"/>
+              <a:t> в инаугурационной речи </a:t>
+            </a:r>
+            <a:r>
+              <a:rPr lang="ru-RU" sz="500" dirty="0" err="1"/>
+              <a:t>ПКК:«Политически</a:t>
+            </a:r>
+            <a:r>
+              <a:rPr lang="ru-RU" sz="500" dirty="0"/>
+              <a:t> мы стремимся к тому, чтобы африканцы управляли африканцами, для африканцев, чтобы каждый, кто обязан своей единственной лояльностью Африке и готов принять демократическое правление африканского большинства, считался африканцем»</a:t>
+            </a:r>
+          </a:p>
+        </p:txBody>
+      </p:sp>
+      <p:sp>
+        <p:nvSpPr>
+          <p:cNvPr id="103" name="Прямоугольник 102">
+            <a:extLst>
+              <a:ext uri="{FF2B5EF4-FFF2-40B4-BE49-F238E27FC236}">
+                <a16:creationId xmlns:a16="http://schemas.microsoft.com/office/drawing/2014/main" id="{E2D21734-6598-4552-B01A-56C9B8C87ED4}"/>
+              </a:ext>
+            </a:extLst>
+          </p:cNvPr>
+          <p:cNvSpPr/>
+          <p:nvPr/>
+        </p:nvSpPr>
+        <p:spPr>
+          <a:xfrm>
+            <a:off x="31978069" y="2690652"/>
+            <a:ext cx="2115918" cy="1080000"/>
+          </a:xfrm>
+          <a:prstGeom prst="rect">
+            <a:avLst/>
+          </a:prstGeom>
+          <a:ln w="28575"/>
+        </p:spPr>
+        <p:style>
+          <a:lnRef idx="2">
+            <a:schemeClr val="accent1"/>
+          </a:lnRef>
+          <a:fillRef idx="1">
+            <a:schemeClr val="lt1"/>
+          </a:fillRef>
+          <a:effectRef idx="0">
+            <a:schemeClr val="accent1"/>
+          </a:effectRef>
+          <a:fontRef idx="minor">
+            <a:schemeClr val="dk1"/>
+          </a:fontRef>
+        </p:style>
+        <p:txBody>
+          <a:bodyPr lIns="124733" tIns="62367" rIns="124733" bIns="62367" rtlCol="0" anchor="ctr"/>
+          <a:lstStyle/>
+          <a:p>
+            <a:pPr algn="ctr"/>
+            <a:r>
+              <a:rPr lang="ru-RU" sz="600" dirty="0"/>
+              <a:t>Первоначально ПКК выступал за форму «африканской социалистической демократии», основанную на африканской и черной идентичности, с целью создания Южной Африки (которую они переименовали в </a:t>
+            </a:r>
+            <a:r>
+              <a:rPr lang="ru-RU" sz="600" dirty="0" err="1"/>
+              <a:t>Азанию</a:t>
+            </a:r>
+            <a:r>
+              <a:rPr lang="ru-RU" sz="600" dirty="0"/>
+              <a:t>) для чернокожих южноафриканцев, исключая другие национальности или этнические группы.</a:t>
+            </a:r>
+            <a:endParaRPr lang="ru-RU" sz="100" dirty="0"/>
+          </a:p>
+        </p:txBody>
+      </p:sp>
+      <p:cxnSp>
+        <p:nvCxnSpPr>
+          <p:cNvPr id="104" name="Shape 248">
+            <a:extLst>
+              <a:ext uri="{FF2B5EF4-FFF2-40B4-BE49-F238E27FC236}">
+                <a16:creationId xmlns:a16="http://schemas.microsoft.com/office/drawing/2014/main" id="{50A46DFC-48CD-4996-962B-731F30654153}"/>
+              </a:ext>
+            </a:extLst>
+          </p:cNvPr>
+          <p:cNvCxnSpPr>
+            <a:cxnSpLocks/>
+            <a:stCxn id="69" idx="2"/>
+            <a:endCxn id="82" idx="0"/>
+          </p:cNvCxnSpPr>
+          <p:nvPr/>
+        </p:nvCxnSpPr>
+        <p:spPr>
+          <a:xfrm rot="5400000">
+            <a:off x="24195788" y="4291312"/>
+            <a:ext cx="341170" cy="2685061"/>
+          </a:xfrm>
+          <a:prstGeom prst="bentConnector3">
+            <a:avLst>
+              <a:gd name="adj1" fmla="val 50000"/>
+            </a:avLst>
+          </a:prstGeom>
+          <a:ln w="28575">
+            <a:tailEnd type="arrow"/>
+          </a:ln>
+        </p:spPr>
+        <p:style>
+          <a:lnRef idx="1">
+            <a:schemeClr val="accent1"/>
+          </a:lnRef>
+          <a:fillRef idx="0">
+            <a:schemeClr val="accent1"/>
+          </a:fillRef>
+          <a:effectRef idx="0">
+            <a:schemeClr val="accent1"/>
+          </a:effectRef>
+          <a:fontRef idx="minor">
+            <a:schemeClr val="tx1"/>
+          </a:fontRef>
+        </p:style>
+      </p:cxnSp>
+      <p:cxnSp>
+        <p:nvCxnSpPr>
+          <p:cNvPr id="105" name="Shape 248">
+            <a:extLst>
+              <a:ext uri="{FF2B5EF4-FFF2-40B4-BE49-F238E27FC236}">
+                <a16:creationId xmlns:a16="http://schemas.microsoft.com/office/drawing/2014/main" id="{BA78C400-6195-44EF-8E9A-5CF984F63B83}"/>
+              </a:ext>
+            </a:extLst>
+          </p:cNvPr>
+          <p:cNvCxnSpPr>
+            <a:cxnSpLocks/>
+            <a:stCxn id="82" idx="2"/>
+            <a:endCxn id="76" idx="0"/>
+          </p:cNvCxnSpPr>
+          <p:nvPr/>
+        </p:nvCxnSpPr>
+        <p:spPr>
+          <a:xfrm rot="5400000">
+            <a:off x="22839154" y="7069115"/>
+            <a:ext cx="369377" cy="12700"/>
+          </a:xfrm>
+          <a:prstGeom prst="bentConnector3">
+            <a:avLst>
+              <a:gd name="adj1" fmla="val 50000"/>
+            </a:avLst>
+          </a:prstGeom>
+          <a:ln w="28575">
+            <a:tailEnd type="arrow"/>
+          </a:ln>
+        </p:spPr>
+        <p:style>
+          <a:lnRef idx="1">
+            <a:schemeClr val="accent1"/>
+          </a:lnRef>
+          <a:fillRef idx="0">
+            <a:schemeClr val="accent1"/>
+          </a:fillRef>
+          <a:effectRef idx="0">
+            <a:schemeClr val="accent1"/>
+          </a:effectRef>
+          <a:fontRef idx="minor">
+            <a:schemeClr val="tx1"/>
+          </a:fontRef>
+        </p:style>
+      </p:cxnSp>
+      <p:cxnSp>
+        <p:nvCxnSpPr>
+          <p:cNvPr id="106" name="Shape 248">
+            <a:extLst>
+              <a:ext uri="{FF2B5EF4-FFF2-40B4-BE49-F238E27FC236}">
+                <a16:creationId xmlns:a16="http://schemas.microsoft.com/office/drawing/2014/main" id="{911A6549-0DBC-4A77-853E-03AD62A81859}"/>
+              </a:ext>
+            </a:extLst>
+          </p:cNvPr>
+          <p:cNvCxnSpPr>
+            <a:cxnSpLocks/>
+            <a:stCxn id="69" idx="2"/>
+            <a:endCxn id="86" idx="0"/>
+          </p:cNvCxnSpPr>
+          <p:nvPr/>
+        </p:nvCxnSpPr>
+        <p:spPr>
+          <a:xfrm rot="5400000">
+            <a:off x="25538318" y="5633842"/>
+            <a:ext cx="341170" cy="12700"/>
+          </a:xfrm>
+          <a:prstGeom prst="bentConnector3">
+            <a:avLst>
+              <a:gd name="adj1" fmla="val 50000"/>
+            </a:avLst>
+          </a:prstGeom>
+          <a:ln w="28575">
+            <a:tailEnd type="arrow"/>
+          </a:ln>
+        </p:spPr>
+        <p:style>
+          <a:lnRef idx="1">
+            <a:schemeClr val="accent1"/>
+          </a:lnRef>
+          <a:fillRef idx="0">
+            <a:schemeClr val="accent1"/>
+          </a:fillRef>
+          <a:effectRef idx="0">
+            <a:schemeClr val="accent1"/>
+          </a:effectRef>
+          <a:fontRef idx="minor">
+            <a:schemeClr val="tx1"/>
+          </a:fontRef>
+        </p:style>
+      </p:cxnSp>
+      <p:cxnSp>
+        <p:nvCxnSpPr>
+          <p:cNvPr id="108" name="Shape 248">
+            <a:extLst>
+              <a:ext uri="{FF2B5EF4-FFF2-40B4-BE49-F238E27FC236}">
+                <a16:creationId xmlns:a16="http://schemas.microsoft.com/office/drawing/2014/main" id="{3CB2C9CA-D143-487B-B5AB-88D2BF81137D}"/>
+              </a:ext>
+            </a:extLst>
+          </p:cNvPr>
+          <p:cNvCxnSpPr>
+            <a:cxnSpLocks/>
+            <a:stCxn id="86" idx="2"/>
+            <a:endCxn id="79" idx="0"/>
+          </p:cNvCxnSpPr>
+          <p:nvPr/>
+        </p:nvCxnSpPr>
+        <p:spPr>
+          <a:xfrm rot="5400000">
+            <a:off x="25527171" y="7066159"/>
+            <a:ext cx="363465" cy="12700"/>
+          </a:xfrm>
+          <a:prstGeom prst="bentConnector3">
+            <a:avLst>
+              <a:gd name="adj1" fmla="val 50000"/>
+            </a:avLst>
+          </a:prstGeom>
+          <a:ln w="28575">
+            <a:tailEnd type="arrow"/>
+          </a:ln>
+        </p:spPr>
+        <p:style>
+          <a:lnRef idx="1">
+            <a:schemeClr val="accent1"/>
+          </a:lnRef>
+          <a:fillRef idx="0">
+            <a:schemeClr val="accent1"/>
+          </a:fillRef>
+          <a:effectRef idx="0">
+            <a:schemeClr val="accent1"/>
+          </a:effectRef>
+          <a:fontRef idx="minor">
+            <a:schemeClr val="tx1"/>
+          </a:fontRef>
+        </p:style>
+      </p:cxnSp>
+      <p:cxnSp>
+        <p:nvCxnSpPr>
+          <p:cNvPr id="109" name="Shape 248">
+            <a:extLst>
+              <a:ext uri="{FF2B5EF4-FFF2-40B4-BE49-F238E27FC236}">
+                <a16:creationId xmlns:a16="http://schemas.microsoft.com/office/drawing/2014/main" id="{1AF38B1E-4A4B-4A62-B680-9E377AB2B953}"/>
+              </a:ext>
+            </a:extLst>
+          </p:cNvPr>
+          <p:cNvCxnSpPr>
+            <a:cxnSpLocks/>
+            <a:stCxn id="69" idx="2"/>
+            <a:endCxn id="75" idx="0"/>
+          </p:cNvCxnSpPr>
+          <p:nvPr/>
+        </p:nvCxnSpPr>
+        <p:spPr>
+          <a:xfrm rot="16200000" flipH="1">
+            <a:off x="26880217" y="4291942"/>
+            <a:ext cx="342432" cy="2685061"/>
+          </a:xfrm>
+          <a:prstGeom prst="bentConnector3">
+            <a:avLst>
+              <a:gd name="adj1" fmla="val 50000"/>
+            </a:avLst>
+          </a:prstGeom>
+          <a:ln w="28575">
+            <a:prstDash val="dash"/>
+            <a:tailEnd type="arrow"/>
+          </a:ln>
+        </p:spPr>
+        <p:style>
+          <a:lnRef idx="1">
+            <a:schemeClr val="accent1"/>
+          </a:lnRef>
+          <a:fillRef idx="0">
+            <a:schemeClr val="accent1"/>
+          </a:fillRef>
+          <a:effectRef idx="0">
+            <a:schemeClr val="accent1"/>
+          </a:effectRef>
+          <a:fontRef idx="minor">
+            <a:schemeClr val="tx1"/>
+          </a:fontRef>
+        </p:style>
+      </p:cxnSp>
+      <p:cxnSp>
+        <p:nvCxnSpPr>
+          <p:cNvPr id="114" name="Shape 248">
+            <a:extLst>
+              <a:ext uri="{FF2B5EF4-FFF2-40B4-BE49-F238E27FC236}">
+                <a16:creationId xmlns:a16="http://schemas.microsoft.com/office/drawing/2014/main" id="{7502E7D5-9C5C-420C-88C2-51B3DD2E61B0}"/>
+              </a:ext>
+            </a:extLst>
+          </p:cNvPr>
+          <p:cNvCxnSpPr>
+            <a:cxnSpLocks/>
+            <a:stCxn id="83" idx="2"/>
+            <a:endCxn id="91" idx="0"/>
+          </p:cNvCxnSpPr>
+          <p:nvPr/>
+        </p:nvCxnSpPr>
+        <p:spPr>
+          <a:xfrm rot="5400000">
+            <a:off x="28783474" y="6418426"/>
+            <a:ext cx="3250720" cy="1340383"/>
+          </a:xfrm>
+          <a:prstGeom prst="bentConnector3">
+            <a:avLst>
+              <a:gd name="adj1" fmla="val 5190"/>
+            </a:avLst>
+          </a:prstGeom>
+          <a:ln w="28575">
+            <a:prstDash val="dash"/>
+            <a:tailEnd type="arrow"/>
+          </a:ln>
+        </p:spPr>
+        <p:style>
+          <a:lnRef idx="1">
+            <a:schemeClr val="accent1"/>
+          </a:lnRef>
+          <a:fillRef idx="0">
+            <a:schemeClr val="accent1"/>
+          </a:fillRef>
+          <a:effectRef idx="0">
+            <a:schemeClr val="accent1"/>
+          </a:effectRef>
+          <a:fontRef idx="minor">
+            <a:schemeClr val="tx1"/>
+          </a:fontRef>
+        </p:style>
+      </p:cxnSp>
+      <p:cxnSp>
+        <p:nvCxnSpPr>
+          <p:cNvPr id="116" name="Shape 248">
+            <a:extLst>
+              <a:ext uri="{FF2B5EF4-FFF2-40B4-BE49-F238E27FC236}">
+                <a16:creationId xmlns:a16="http://schemas.microsoft.com/office/drawing/2014/main" id="{85A530F4-1E0B-48DD-AD7F-830E6EB01AB5}"/>
+              </a:ext>
+            </a:extLst>
+          </p:cNvPr>
+          <p:cNvCxnSpPr>
+            <a:cxnSpLocks/>
+            <a:stCxn id="101" idx="2"/>
+            <a:endCxn id="89" idx="0"/>
+          </p:cNvCxnSpPr>
+          <p:nvPr/>
+        </p:nvCxnSpPr>
+        <p:spPr>
+          <a:xfrm rot="5400000">
+            <a:off x="28872299" y="6505766"/>
+            <a:ext cx="386086" cy="4030336"/>
+          </a:xfrm>
+          <a:prstGeom prst="bentConnector3">
+            <a:avLst>
+              <a:gd name="adj1" fmla="val 50000"/>
+            </a:avLst>
+          </a:prstGeom>
+          <a:ln w="28575">
+            <a:prstDash val="dash"/>
+            <a:tailEnd type="arrow"/>
+          </a:ln>
+        </p:spPr>
+        <p:style>
+          <a:lnRef idx="1">
+            <a:schemeClr val="accent1"/>
+          </a:lnRef>
+          <a:fillRef idx="0">
+            <a:schemeClr val="accent1"/>
+          </a:fillRef>
+          <a:effectRef idx="0">
+            <a:schemeClr val="accent1"/>
+          </a:effectRef>
+          <a:fontRef idx="minor">
+            <a:schemeClr val="tx1"/>
+          </a:fontRef>
+        </p:style>
+      </p:cxnSp>
+      <p:cxnSp>
+        <p:nvCxnSpPr>
+          <p:cNvPr id="119" name="Shape 248">
+            <a:extLst>
+              <a:ext uri="{FF2B5EF4-FFF2-40B4-BE49-F238E27FC236}">
+                <a16:creationId xmlns:a16="http://schemas.microsoft.com/office/drawing/2014/main" id="{15B56209-2812-45D2-ADAD-DF88359CF2B3}"/>
+              </a:ext>
+            </a:extLst>
+          </p:cNvPr>
+          <p:cNvCxnSpPr>
+            <a:cxnSpLocks/>
+            <a:stCxn id="79" idx="2"/>
+            <a:endCxn id="89" idx="0"/>
+          </p:cNvCxnSpPr>
+          <p:nvPr/>
+        </p:nvCxnSpPr>
+        <p:spPr>
+          <a:xfrm rot="16200000" flipH="1">
+            <a:off x="26186496" y="7850298"/>
+            <a:ext cx="386085" cy="1341271"/>
+          </a:xfrm>
+          <a:prstGeom prst="bentConnector3">
+            <a:avLst>
+              <a:gd name="adj1" fmla="val 50000"/>
+            </a:avLst>
+          </a:prstGeom>
+          <a:ln w="28575">
+            <a:prstDash val="dash"/>
+            <a:tailEnd type="arrow"/>
+          </a:ln>
+        </p:spPr>
+        <p:style>
+          <a:lnRef idx="1">
+            <a:schemeClr val="accent1"/>
+          </a:lnRef>
+          <a:fillRef idx="0">
+            <a:schemeClr val="accent1"/>
+          </a:fillRef>
+          <a:effectRef idx="0">
+            <a:schemeClr val="accent1"/>
+          </a:effectRef>
+          <a:fontRef idx="minor">
+            <a:schemeClr val="tx1"/>
+          </a:fontRef>
+        </p:style>
+      </p:cxnSp>
+      <p:cxnSp>
+        <p:nvCxnSpPr>
+          <p:cNvPr id="123" name="Shape 248">
+            <a:extLst>
+              <a:ext uri="{FF2B5EF4-FFF2-40B4-BE49-F238E27FC236}">
+                <a16:creationId xmlns:a16="http://schemas.microsoft.com/office/drawing/2014/main" id="{95E032AE-0EBF-4995-8C39-DDC6681A1B7E}"/>
+              </a:ext>
+            </a:extLst>
+          </p:cNvPr>
+          <p:cNvCxnSpPr>
+            <a:cxnSpLocks/>
+            <a:stCxn id="69" idx="2"/>
+            <a:endCxn id="91" idx="0"/>
+          </p:cNvCxnSpPr>
+          <p:nvPr/>
+        </p:nvCxnSpPr>
+        <p:spPr>
+          <a:xfrm rot="16200000" flipH="1">
+            <a:off x="26098412" y="5073747"/>
+            <a:ext cx="3250720" cy="4029739"/>
+          </a:xfrm>
+          <a:prstGeom prst="bentConnector3">
+            <a:avLst>
+              <a:gd name="adj1" fmla="val 5517"/>
+            </a:avLst>
+          </a:prstGeom>
+          <a:ln w="28575">
+            <a:prstDash val="dash"/>
+            <a:tailEnd type="arrow"/>
+          </a:ln>
+        </p:spPr>
+        <p:style>
+          <a:lnRef idx="1">
+            <a:schemeClr val="accent1"/>
+          </a:lnRef>
+          <a:fillRef idx="0">
+            <a:schemeClr val="accent1"/>
+          </a:fillRef>
+          <a:effectRef idx="0">
+            <a:schemeClr val="accent1"/>
+          </a:effectRef>
+          <a:fontRef idx="minor">
+            <a:schemeClr val="tx1"/>
+          </a:fontRef>
+        </p:style>
+      </p:cxnSp>
+      <p:cxnSp>
+        <p:nvCxnSpPr>
+          <p:cNvPr id="128" name="Shape 248">
+            <a:extLst>
+              <a:ext uri="{FF2B5EF4-FFF2-40B4-BE49-F238E27FC236}">
+                <a16:creationId xmlns:a16="http://schemas.microsoft.com/office/drawing/2014/main" id="{B2BA28E1-2581-4FA8-BDBE-B599C6A906A2}"/>
+              </a:ext>
+            </a:extLst>
+          </p:cNvPr>
+          <p:cNvCxnSpPr>
+            <a:cxnSpLocks/>
+            <a:stCxn id="83" idx="2"/>
+            <a:endCxn id="75" idx="0"/>
+          </p:cNvCxnSpPr>
+          <p:nvPr/>
+        </p:nvCxnSpPr>
+        <p:spPr>
+          <a:xfrm rot="5400000">
+            <a:off x="29565279" y="4291943"/>
+            <a:ext cx="342432" cy="2685061"/>
+          </a:xfrm>
+          <a:prstGeom prst="bentConnector3">
+            <a:avLst>
+              <a:gd name="adj1" fmla="val 50000"/>
+            </a:avLst>
+          </a:prstGeom>
+          <a:ln w="28575">
+            <a:prstDash val="dash"/>
+            <a:tailEnd type="arrow"/>
+          </a:ln>
+        </p:spPr>
+        <p:style>
+          <a:lnRef idx="1">
+            <a:schemeClr val="accent1"/>
+          </a:lnRef>
+          <a:fillRef idx="0">
+            <a:schemeClr val="accent1"/>
+          </a:fillRef>
+          <a:effectRef idx="0">
+            <a:schemeClr val="accent1"/>
+          </a:effectRef>
+          <a:fontRef idx="minor">
+            <a:schemeClr val="tx1"/>
+          </a:fontRef>
+        </p:style>
+      </p:cxnSp>
+      <p:cxnSp>
+        <p:nvCxnSpPr>
+          <p:cNvPr id="131" name="Shape 248">
+            <a:extLst>
+              <a:ext uri="{FF2B5EF4-FFF2-40B4-BE49-F238E27FC236}">
+                <a16:creationId xmlns:a16="http://schemas.microsoft.com/office/drawing/2014/main" id="{E0AF8DD7-3889-4346-98A2-39A5A3B56D8A}"/>
+              </a:ext>
+            </a:extLst>
+          </p:cNvPr>
+          <p:cNvCxnSpPr>
+            <a:cxnSpLocks/>
+            <a:stCxn id="83" idx="2"/>
+            <a:endCxn id="100" idx="0"/>
+          </p:cNvCxnSpPr>
+          <p:nvPr/>
+        </p:nvCxnSpPr>
+        <p:spPr>
+          <a:xfrm rot="16200000" flipH="1">
+            <a:off x="32250970" y="4291311"/>
+            <a:ext cx="341170" cy="2685061"/>
+          </a:xfrm>
+          <a:prstGeom prst="bentConnector3">
+            <a:avLst>
+              <a:gd name="adj1" fmla="val 50000"/>
+            </a:avLst>
+          </a:prstGeom>
+          <a:ln w="28575">
+            <a:tailEnd type="arrow"/>
+          </a:ln>
+        </p:spPr>
+        <p:style>
+          <a:lnRef idx="1">
+            <a:schemeClr val="accent1"/>
+          </a:lnRef>
+          <a:fillRef idx="0">
+            <a:schemeClr val="accent1"/>
+          </a:fillRef>
+          <a:effectRef idx="0">
+            <a:schemeClr val="accent1"/>
+          </a:effectRef>
+          <a:fontRef idx="minor">
+            <a:schemeClr val="tx1"/>
+          </a:fontRef>
+        </p:style>
+      </p:cxnSp>
+      <p:cxnSp>
+        <p:nvCxnSpPr>
+          <p:cNvPr id="133" name="Shape 248">
+            <a:extLst>
+              <a:ext uri="{FF2B5EF4-FFF2-40B4-BE49-F238E27FC236}">
+                <a16:creationId xmlns:a16="http://schemas.microsoft.com/office/drawing/2014/main" id="{C56D727D-4959-4AF2-988E-526B674656E7}"/>
+              </a:ext>
+            </a:extLst>
+          </p:cNvPr>
+          <p:cNvCxnSpPr>
+            <a:cxnSpLocks/>
+            <a:stCxn id="83" idx="2"/>
+            <a:endCxn id="98" idx="0"/>
+          </p:cNvCxnSpPr>
+          <p:nvPr/>
+        </p:nvCxnSpPr>
+        <p:spPr>
+          <a:xfrm rot="5400000">
+            <a:off x="30908440" y="5633842"/>
+            <a:ext cx="341170" cy="12700"/>
+          </a:xfrm>
+          <a:prstGeom prst="bentConnector3">
+            <a:avLst>
+              <a:gd name="adj1" fmla="val 50000"/>
+            </a:avLst>
+          </a:prstGeom>
+          <a:ln w="28575">
+            <a:tailEnd type="arrow"/>
+          </a:ln>
+        </p:spPr>
+        <p:style>
+          <a:lnRef idx="1">
+            <a:schemeClr val="accent1"/>
+          </a:lnRef>
+          <a:fillRef idx="0">
+            <a:schemeClr val="accent1"/>
+          </a:fillRef>
+          <a:effectRef idx="0">
+            <a:schemeClr val="accent1"/>
+          </a:effectRef>
+          <a:fontRef idx="minor">
+            <a:schemeClr val="tx1"/>
+          </a:fontRef>
+        </p:style>
+      </p:cxnSp>
+      <p:cxnSp>
+        <p:nvCxnSpPr>
+          <p:cNvPr id="136" name="Shape 248">
+            <a:extLst>
+              <a:ext uri="{FF2B5EF4-FFF2-40B4-BE49-F238E27FC236}">
+                <a16:creationId xmlns:a16="http://schemas.microsoft.com/office/drawing/2014/main" id="{5EA808C1-F8AA-4234-A194-F6D9DE19C15A}"/>
+              </a:ext>
+            </a:extLst>
+          </p:cNvPr>
+          <p:cNvCxnSpPr>
+            <a:cxnSpLocks/>
+            <a:stCxn id="98" idx="2"/>
+            <a:endCxn id="101" idx="0"/>
+          </p:cNvCxnSpPr>
+          <p:nvPr/>
+        </p:nvCxnSpPr>
+        <p:spPr>
+          <a:xfrm rot="16200000" flipH="1">
+            <a:off x="30898035" y="7065416"/>
+            <a:ext cx="363464" cy="1485"/>
+          </a:xfrm>
+          <a:prstGeom prst="bentConnector3">
+            <a:avLst>
+              <a:gd name="adj1" fmla="val 50000"/>
+            </a:avLst>
+          </a:prstGeom>
+          <a:ln w="28575">
+            <a:tailEnd type="arrow"/>
+          </a:ln>
+        </p:spPr>
+        <p:style>
+          <a:lnRef idx="1">
+            <a:schemeClr val="accent1"/>
+          </a:lnRef>
+          <a:fillRef idx="0">
+            <a:schemeClr val="accent1"/>
+          </a:fillRef>
+          <a:effectRef idx="0">
+            <a:schemeClr val="accent1"/>
+          </a:effectRef>
+          <a:fontRef idx="minor">
+            <a:schemeClr val="tx1"/>
+          </a:fontRef>
+        </p:style>
+      </p:cxnSp>
+      <p:cxnSp>
+        <p:nvCxnSpPr>
+          <p:cNvPr id="139" name="Shape 248">
+            <a:extLst>
+              <a:ext uri="{FF2B5EF4-FFF2-40B4-BE49-F238E27FC236}">
+                <a16:creationId xmlns:a16="http://schemas.microsoft.com/office/drawing/2014/main" id="{64D88D61-5DAA-4B2B-BD1B-324742A8CC4A}"/>
+              </a:ext>
+            </a:extLst>
+          </p:cNvPr>
+          <p:cNvCxnSpPr>
+            <a:cxnSpLocks/>
+            <a:stCxn id="75" idx="2"/>
+            <a:endCxn id="88" idx="0"/>
+          </p:cNvCxnSpPr>
+          <p:nvPr/>
+        </p:nvCxnSpPr>
+        <p:spPr>
+          <a:xfrm rot="5400000">
+            <a:off x="28212863" y="7066790"/>
+            <a:ext cx="362203" cy="12700"/>
+          </a:xfrm>
+          <a:prstGeom prst="bentConnector3">
+            <a:avLst>
+              <a:gd name="adj1" fmla="val 50000"/>
+            </a:avLst>
+          </a:prstGeom>
+          <a:ln w="28575">
+            <a:tailEnd type="arrow"/>
+          </a:ln>
+        </p:spPr>
+        <p:style>
+          <a:lnRef idx="1">
+            <a:schemeClr val="accent1"/>
+          </a:lnRef>
+          <a:fillRef idx="0">
+            <a:schemeClr val="accent1"/>
+          </a:fillRef>
+          <a:effectRef idx="0">
+            <a:schemeClr val="accent1"/>
+          </a:effectRef>
+          <a:fontRef idx="minor">
+            <a:schemeClr val="tx1"/>
+          </a:fontRef>
+        </p:style>
+      </p:cxnSp>
     </p:spTree>
     <p:extLst>
       <p:ext uri="{BB962C8B-B14F-4D97-AF65-F5344CB8AC3E}">

--- a/Наработки/диздоки/ЮАС/ЮАС.pptx
+++ b/Наработки/диздоки/ЮАС/ЮАС.pptx
@@ -209,7 +209,7 @@
             <a:fld id="{33E3D7F9-E251-484C-A6FF-FA958879DF69}" type="datetimeFigureOut">
               <a:rPr lang="ru-RU" smtClean="0"/>
               <a:pPr/>
-              <a:t>22.02.2023</a:t>
+              <a:t>23.02.2023</a:t>
             </a:fld>
             <a:endParaRPr lang="ru-RU"/>
           </a:p>
@@ -699,7 +699,7 @@
             <a:fld id="{85A5DE44-605B-4D3B-B2B7-94543DF81A36}" type="datetimeFigureOut">
               <a:rPr lang="ru-RU" smtClean="0"/>
               <a:pPr/>
-              <a:t>22.02.2023</a:t>
+              <a:t>23.02.2023</a:t>
             </a:fld>
             <a:endParaRPr lang="ru-RU"/>
           </a:p>
@@ -871,7 +871,7 @@
             <a:fld id="{85A5DE44-605B-4D3B-B2B7-94543DF81A36}" type="datetimeFigureOut">
               <a:rPr lang="ru-RU" smtClean="0"/>
               <a:pPr/>
-              <a:t>22.02.2023</a:t>
+              <a:t>23.02.2023</a:t>
             </a:fld>
             <a:endParaRPr lang="ru-RU"/>
           </a:p>
@@ -1053,7 +1053,7 @@
             <a:fld id="{85A5DE44-605B-4D3B-B2B7-94543DF81A36}" type="datetimeFigureOut">
               <a:rPr lang="ru-RU" smtClean="0"/>
               <a:pPr/>
-              <a:t>22.02.2023</a:t>
+              <a:t>23.02.2023</a:t>
             </a:fld>
             <a:endParaRPr lang="ru-RU"/>
           </a:p>
@@ -1225,7 +1225,7 @@
             <a:fld id="{85A5DE44-605B-4D3B-B2B7-94543DF81A36}" type="datetimeFigureOut">
               <a:rPr lang="ru-RU" smtClean="0"/>
               <a:pPr/>
-              <a:t>22.02.2023</a:t>
+              <a:t>23.02.2023</a:t>
             </a:fld>
             <a:endParaRPr lang="ru-RU"/>
           </a:p>
@@ -1473,7 +1473,7 @@
             <a:fld id="{85A5DE44-605B-4D3B-B2B7-94543DF81A36}" type="datetimeFigureOut">
               <a:rPr lang="ru-RU" smtClean="0"/>
               <a:pPr/>
-              <a:t>22.02.2023</a:t>
+              <a:t>23.02.2023</a:t>
             </a:fld>
             <a:endParaRPr lang="ru-RU"/>
           </a:p>
@@ -1707,7 +1707,7 @@
             <a:fld id="{85A5DE44-605B-4D3B-B2B7-94543DF81A36}" type="datetimeFigureOut">
               <a:rPr lang="ru-RU" smtClean="0"/>
               <a:pPr/>
-              <a:t>22.02.2023</a:t>
+              <a:t>23.02.2023</a:t>
             </a:fld>
             <a:endParaRPr lang="ru-RU"/>
           </a:p>
@@ -2076,7 +2076,7 @@
             <a:fld id="{85A5DE44-605B-4D3B-B2B7-94543DF81A36}" type="datetimeFigureOut">
               <a:rPr lang="ru-RU" smtClean="0"/>
               <a:pPr/>
-              <a:t>22.02.2023</a:t>
+              <a:t>23.02.2023</a:t>
             </a:fld>
             <a:endParaRPr lang="ru-RU"/>
           </a:p>
@@ -2196,7 +2196,7 @@
             <a:fld id="{85A5DE44-605B-4D3B-B2B7-94543DF81A36}" type="datetimeFigureOut">
               <a:rPr lang="ru-RU" smtClean="0"/>
               <a:pPr/>
-              <a:t>22.02.2023</a:t>
+              <a:t>23.02.2023</a:t>
             </a:fld>
             <a:endParaRPr lang="ru-RU"/>
           </a:p>
@@ -2293,7 +2293,7 @@
             <a:fld id="{85A5DE44-605B-4D3B-B2B7-94543DF81A36}" type="datetimeFigureOut">
               <a:rPr lang="ru-RU" smtClean="0"/>
               <a:pPr/>
-              <a:t>22.02.2023</a:t>
+              <a:t>23.02.2023</a:t>
             </a:fld>
             <a:endParaRPr lang="ru-RU"/>
           </a:p>
@@ -2572,7 +2572,7 @@
             <a:fld id="{85A5DE44-605B-4D3B-B2B7-94543DF81A36}" type="datetimeFigureOut">
               <a:rPr lang="ru-RU" smtClean="0"/>
               <a:pPr/>
-              <a:t>22.02.2023</a:t>
+              <a:t>23.02.2023</a:t>
             </a:fld>
             <a:endParaRPr lang="ru-RU"/>
           </a:p>
@@ -2831,7 +2831,7 @@
             <a:fld id="{85A5DE44-605B-4D3B-B2B7-94543DF81A36}" type="datetimeFigureOut">
               <a:rPr lang="ru-RU" smtClean="0"/>
               <a:pPr/>
-              <a:t>22.02.2023</a:t>
+              <a:t>23.02.2023</a:t>
             </a:fld>
             <a:endParaRPr lang="ru-RU"/>
           </a:p>
@@ -3046,7 +3046,7 @@
             <a:fld id="{85A5DE44-605B-4D3B-B2B7-94543DF81A36}" type="datetimeFigureOut">
               <a:rPr lang="ru-RU" smtClean="0"/>
               <a:pPr/>
-              <a:t>22.02.2023</a:t>
+              <a:t>23.02.2023</a:t>
             </a:fld>
             <a:endParaRPr lang="ru-RU"/>
           </a:p>
@@ -3507,7 +3507,7 @@
         </p:nvCxnSpPr>
         <p:spPr>
           <a:xfrm>
-            <a:off x="26766862" y="4923257"/>
+            <a:off x="27997755" y="5825922"/>
             <a:ext cx="3254204" cy="0"/>
           </a:xfrm>
           <a:prstGeom prst="line">
@@ -3542,7 +3542,7 @@
         </p:nvSpPr>
         <p:spPr>
           <a:xfrm>
-            <a:off x="14228531" y="2336019"/>
+            <a:off x="12465053" y="2336019"/>
             <a:ext cx="2115918" cy="1080000"/>
           </a:xfrm>
           <a:prstGeom prst="rect">
@@ -4735,7 +4735,7 @@
         </p:nvSpPr>
         <p:spPr>
           <a:xfrm>
-            <a:off x="16494698" y="3843257"/>
+            <a:off x="19176646" y="8140962"/>
             <a:ext cx="2115918" cy="1080000"/>
           </a:xfrm>
           <a:prstGeom prst="rect">
@@ -4773,9 +4773,10 @@
               <a:t>Молодежная лига Африканского национального конгресса </a:t>
             </a:r>
             <a:r>
-              <a:rPr lang="ru-RU" sz="500" dirty="0"/>
+              <a:rPr lang="ru-RU" sz="400" dirty="0"/>
               <a:t>(Молодежная лига Африканского национального конгресса ( АНКИЛ ) является молодежным крылом Африканского национального конгресса (АНК). Как указано в ее уставе, Молодежная лига АНК возглавляется Национальным исполнительным комитетом (НИК) и Национальным рабочим комитетом (НРК).)</a:t>
             </a:r>
+            <a:endParaRPr lang="ru-RU" sz="500" dirty="0"/>
           </a:p>
         </p:txBody>
       </p:sp>
@@ -6428,71 +6429,7 @@
         </p:nvSpPr>
         <p:spPr>
           <a:xfrm>
-            <a:off x="17323819" y="2455003"/>
-            <a:ext cx="2115918" cy="1080000"/>
-          </a:xfrm>
-          <a:prstGeom prst="rect">
-            <a:avLst/>
-          </a:prstGeom>
-          <a:gradFill>
-            <a:gsLst>
-              <a:gs pos="0">
-                <a:srgbClr val="FF0000"/>
-              </a:gs>
-              <a:gs pos="100000">
-                <a:srgbClr val="FFC000"/>
-              </a:gs>
-            </a:gsLst>
-            <a:lin ang="5400000" scaled="1"/>
-          </a:gradFill>
-          <a:ln w="28575"/>
-        </p:spPr>
-        <p:style>
-          <a:lnRef idx="2">
-            <a:schemeClr val="accent1"/>
-          </a:lnRef>
-          <a:fillRef idx="1">
-            <a:schemeClr val="lt1"/>
-          </a:fillRef>
-          <a:effectRef idx="0">
-            <a:schemeClr val="accent1"/>
-          </a:effectRef>
-          <a:fontRef idx="minor">
-            <a:schemeClr val="dk1"/>
-          </a:fontRef>
-        </p:style>
-        <p:txBody>
-          <a:bodyPr lIns="124733" tIns="62367" rIns="124733" bIns="62367" rtlCol="0" anchor="ctr"/>
-          <a:lstStyle/>
-          <a:p>
-            <a:pPr algn="ctr"/>
-            <a:r>
-              <a:rPr lang="ru-RU" sz="1400" dirty="0"/>
-              <a:t>Совет неевропейских профсоюзов </a:t>
-            </a:r>
-            <a:r>
-              <a:rPr lang="ru-RU" sz="500" dirty="0"/>
-              <a:t>(Совет неевропейских профсоюзов (CNETU) был национальной федерацией профсоюзов , объединяющей профсоюзы, представляющие чернокожих рабочих в Южной Африке. Федерация была создана в ноябре 1941 года в результате слияния Координационного комитета неевропейских профсоюзов и недавно созданного Объединенного комитета африканских профсоюзов, связанного с Максом Гордоном .)</a:t>
-            </a:r>
-            <a:endParaRPr lang="ru-RU" sz="800" dirty="0"/>
-          </a:p>
-        </p:txBody>
-      </p:sp>
-      <p:sp>
-        <p:nvSpPr>
-          <p:cNvPr id="66" name="Прямоугольник 65">
-            <a:extLst>
-              <a:ext uri="{FF2B5EF4-FFF2-40B4-BE49-F238E27FC236}">
-                <a16:creationId xmlns:a16="http://schemas.microsoft.com/office/drawing/2014/main" id="{9814D52B-042A-4826-B9FB-5E23E9DC90C4}"/>
-              </a:ext>
-            </a:extLst>
-          </p:cNvPr>
-          <p:cNvSpPr/>
-          <p:nvPr/>
-        </p:nvSpPr>
-        <p:spPr>
-          <a:xfrm>
-            <a:off x="16344449" y="6837997"/>
+            <a:off x="35273573" y="5266628"/>
             <a:ext cx="2115918" cy="1080000"/>
           </a:xfrm>
           <a:prstGeom prst="rect">
@@ -6524,6 +6461,62 @@
             <a:pPr algn="ctr"/>
             <a:r>
               <a:rPr lang="ru-RU" sz="1400" dirty="0"/>
+              <a:t>Совет неевропейских профсоюзов </a:t>
+            </a:r>
+            <a:r>
+              <a:rPr lang="ru-RU" sz="500" dirty="0"/>
+              <a:t>(Совет неевропейских профсоюзов (CNETU) был национальной федерацией профсоюзов , объединяющей профсоюзы, представляющие чернокожих рабочих в Южной Африке. Федерация была создана в ноябре 1941 года в результате слияния Координационного комитета неевропейских профсоюзов и недавно созданного Объединенного комитета африканских профсоюзов, связанного с Максом Гордоном .)</a:t>
+            </a:r>
+            <a:endParaRPr lang="ru-RU" sz="800" dirty="0"/>
+          </a:p>
+        </p:txBody>
+      </p:sp>
+      <p:sp>
+        <p:nvSpPr>
+          <p:cNvPr id="66" name="Прямоугольник 65">
+            <a:extLst>
+              <a:ext uri="{FF2B5EF4-FFF2-40B4-BE49-F238E27FC236}">
+                <a16:creationId xmlns:a16="http://schemas.microsoft.com/office/drawing/2014/main" id="{9814D52B-042A-4826-B9FB-5E23E9DC90C4}"/>
+              </a:ext>
+            </a:extLst>
+          </p:cNvPr>
+          <p:cNvSpPr/>
+          <p:nvPr/>
+        </p:nvSpPr>
+        <p:spPr>
+          <a:xfrm>
+            <a:off x="40789322" y="5303134"/>
+            <a:ext cx="2115918" cy="1080000"/>
+          </a:xfrm>
+          <a:prstGeom prst="rect">
+            <a:avLst/>
+          </a:prstGeom>
+          <a:solidFill>
+            <a:srgbClr val="FF0000"/>
+          </a:solidFill>
+          <a:ln w="28575"/>
+        </p:spPr>
+        <p:style>
+          <a:lnRef idx="2">
+            <a:schemeClr val="accent1"/>
+          </a:lnRef>
+          <a:fillRef idx="1">
+            <a:schemeClr val="lt1"/>
+          </a:fillRef>
+          <a:effectRef idx="0">
+            <a:schemeClr val="accent1"/>
+          </a:effectRef>
+          <a:fontRef idx="minor">
+            <a:schemeClr val="dk1"/>
+          </a:fontRef>
+        </p:style>
+        <p:txBody>
+          <a:bodyPr lIns="124733" tIns="62367" rIns="124733" bIns="62367" rtlCol="0" anchor="ctr"/>
+          <a:lstStyle/>
+          <a:p>
+            <a:pPr algn="ctr"/>
+            <a:r>
+              <a:rPr lang="ru-RU" sz="1400" dirty="0"/>
               <a:t>Власть большинства </a:t>
             </a:r>
             <a:r>
@@ -6616,7 +6609,7 @@
         </p:nvSpPr>
         <p:spPr>
           <a:xfrm>
-            <a:off x="24650944" y="4383257"/>
+            <a:off x="25881837" y="5285922"/>
             <a:ext cx="2115918" cy="1080000"/>
           </a:xfrm>
           <a:prstGeom prst="rect">
@@ -6645,7 +6638,7 @@
             <a:pPr algn="ctr"/>
             <a:r>
               <a:rPr lang="ru-RU" sz="1400" dirty="0"/>
-              <a:t>Хартия Свободы </a:t>
+              <a:t>Принять Хартию Свободы </a:t>
             </a:r>
             <a:r>
               <a:rPr lang="ru-RU" sz="600" dirty="0"/>
@@ -6733,7 +6726,7 @@
         </p:nvSpPr>
         <p:spPr>
           <a:xfrm>
-            <a:off x="27336005" y="5805689"/>
+            <a:off x="28566898" y="6708354"/>
             <a:ext cx="2115918" cy="1080000"/>
           </a:xfrm>
           <a:prstGeom prst="rect">
@@ -6782,7 +6775,7 @@
         </p:nvSpPr>
         <p:spPr>
           <a:xfrm>
-            <a:off x="21965883" y="7253804"/>
+            <a:off x="23196776" y="8156469"/>
             <a:ext cx="2115918" cy="1080000"/>
           </a:xfrm>
           <a:prstGeom prst="rect">
@@ -6814,7 +6807,7 @@
               <a:t>Ослабить оковы рабочих! </a:t>
             </a:r>
             <a:r>
-              <a:rPr lang="ru-RU" sz="800" dirty="0"/>
+              <a:rPr lang="ru-RU" sz="700" dirty="0"/>
               <a:t>(Прожиточный минимум и сокращенный рабочий день оплачиваемый ежегодный отпуск и отпуск по болезни для всех работников, а также полностью оплачиваемый отпуск по беременности и родам для всех работающих матерей;)</a:t>
             </a:r>
             <a:endParaRPr lang="ru-RU" sz="500" dirty="0"/>
@@ -6835,7 +6828,7 @@
         </p:nvSpPr>
         <p:spPr>
           <a:xfrm>
-            <a:off x="24650944" y="7247892"/>
+            <a:off x="25881837" y="8160082"/>
             <a:ext cx="2115918" cy="1080000"/>
           </a:xfrm>
           <a:prstGeom prst="rect">
@@ -6936,7 +6929,7 @@
         </p:nvSpPr>
         <p:spPr>
           <a:xfrm>
-            <a:off x="24650944" y="2690652"/>
+            <a:off x="25881838" y="3132677"/>
             <a:ext cx="2115918" cy="1080000"/>
           </a:xfrm>
           <a:prstGeom prst="rect">
@@ -7017,7 +7010,7 @@
         </p:nvSpPr>
         <p:spPr>
           <a:xfrm>
-            <a:off x="21965883" y="5804427"/>
+            <a:off x="23196776" y="6707092"/>
             <a:ext cx="2115918" cy="1080000"/>
           </a:xfrm>
           <a:prstGeom prst="rect">
@@ -7070,7 +7063,7 @@
         </p:nvSpPr>
         <p:spPr>
           <a:xfrm>
-            <a:off x="30021066" y="4383257"/>
+            <a:off x="31251959" y="5285922"/>
             <a:ext cx="2115918" cy="1080000"/>
           </a:xfrm>
           <a:prstGeom prst="rect">
@@ -7099,11 +7092,11 @@
             <a:pPr algn="ctr"/>
             <a:r>
               <a:rPr lang="ru-RU" sz="1400" dirty="0"/>
-              <a:t>Панафриканский конгресс </a:t>
+              <a:t>Объявить о создании республики </a:t>
             </a:r>
             <a:r>
               <a:rPr lang="ru-RU" sz="1400" dirty="0" err="1"/>
-              <a:t>Азании</a:t>
+              <a:t>Азания</a:t>
             </a:r>
             <a:r>
               <a:rPr lang="ru-RU" sz="1400" dirty="0"/>
@@ -7139,7 +7132,7 @@
         </p:nvSpPr>
         <p:spPr>
           <a:xfrm>
-            <a:off x="24650944" y="1429320"/>
+            <a:off x="25881838" y="1871345"/>
             <a:ext cx="2115918" cy="1080000"/>
           </a:xfrm>
           <a:prstGeom prst="rect">
@@ -7188,7 +7181,7 @@
         </p:nvSpPr>
         <p:spPr>
           <a:xfrm>
-            <a:off x="24650944" y="5804427"/>
+            <a:off x="25881837" y="6707092"/>
             <a:ext cx="2115918" cy="1080000"/>
           </a:xfrm>
           <a:prstGeom prst="rect">
@@ -7241,7 +7234,7 @@
         </p:nvSpPr>
         <p:spPr>
           <a:xfrm>
-            <a:off x="27336005" y="7247892"/>
+            <a:off x="28566898" y="8150557"/>
             <a:ext cx="2115918" cy="1080000"/>
           </a:xfrm>
           <a:prstGeom prst="rect">
@@ -7294,7 +7287,7 @@
         </p:nvSpPr>
         <p:spPr>
           <a:xfrm>
-            <a:off x="25992215" y="8713977"/>
+            <a:off x="27223108" y="9616642"/>
             <a:ext cx="2115918" cy="1080000"/>
           </a:xfrm>
           <a:prstGeom prst="rect">
@@ -7370,7 +7363,7 @@
         </p:nvSpPr>
         <p:spPr>
           <a:xfrm>
-            <a:off x="28680683" y="8713977"/>
+            <a:off x="29911576" y="9616642"/>
             <a:ext cx="2115918" cy="1080000"/>
           </a:xfrm>
           <a:prstGeom prst="rect">
@@ -7447,7 +7440,7 @@
         </p:nvSpPr>
         <p:spPr>
           <a:xfrm>
-            <a:off x="16494698" y="5264427"/>
+            <a:off x="16490101" y="8156906"/>
             <a:ext cx="2115918" cy="1080000"/>
           </a:xfrm>
           <a:prstGeom prst="rect">
@@ -7513,7 +7506,7 @@
         </p:nvSpPr>
         <p:spPr>
           <a:xfrm>
-            <a:off x="30021066" y="5804427"/>
+            <a:off x="31251959" y="6707092"/>
             <a:ext cx="2115918" cy="1080000"/>
           </a:xfrm>
           <a:prstGeom prst="rect">
@@ -7542,7 +7535,7 @@
             <a:pPr algn="ctr"/>
             <a:r>
               <a:rPr lang="ru-RU" sz="1400" dirty="0"/>
-              <a:t>Изгнать буров! </a:t>
+              <a:t>Изгнать угнетателей! </a:t>
             </a:r>
             <a:r>
               <a:rPr lang="ru-RU" sz="700" dirty="0"/>
@@ -7566,7 +7559,7 @@
         </p:nvSpPr>
         <p:spPr>
           <a:xfrm>
-            <a:off x="32706127" y="5804427"/>
+            <a:off x="33937020" y="6707092"/>
             <a:ext cx="2115918" cy="1080000"/>
           </a:xfrm>
           <a:prstGeom prst="rect">
@@ -7606,15 +7599,15 @@
               <a:t> </a:t>
             </a:r>
             <a:r>
-              <a:rPr lang="ru-RU" sz="900" dirty="0"/>
+              <a:rPr lang="ru-RU" sz="800" dirty="0"/>
               <a:t>(была военным крылом Панафриканского конгресса , африканского националистического движения в Южной Африке . На языке коса слово «</a:t>
             </a:r>
             <a:r>
-              <a:rPr lang="ru-RU" sz="900" dirty="0" err="1"/>
+              <a:rPr lang="ru-RU" sz="800" dirty="0" err="1"/>
               <a:t>поко</a:t>
             </a:r>
             <a:r>
-              <a:rPr lang="ru-RU" sz="900" dirty="0"/>
+              <a:rPr lang="ru-RU" sz="800" dirty="0"/>
               <a:t>» означает «чистый». </a:t>
             </a:r>
             <a:endParaRPr lang="ru-RU" sz="500" dirty="0"/>
@@ -7635,7 +7628,7 @@
         </p:nvSpPr>
         <p:spPr>
           <a:xfrm>
-            <a:off x="30022551" y="7247891"/>
+            <a:off x="31253444" y="8150556"/>
             <a:ext cx="2115918" cy="1080000"/>
           </a:xfrm>
           <a:prstGeom prst="rect">
@@ -7703,7 +7696,7 @@
         </p:nvSpPr>
         <p:spPr>
           <a:xfrm>
-            <a:off x="31978069" y="2690652"/>
+            <a:off x="31258309" y="3075595"/>
             <a:ext cx="2115918" cy="1080000"/>
           </a:xfrm>
           <a:prstGeom prst="rect">
@@ -7764,7 +7757,7 @@
         </p:nvCxnSpPr>
         <p:spPr>
           <a:xfrm rot="5400000">
-            <a:off x="24195788" y="4291312"/>
+            <a:off x="25426681" y="5193977"/>
             <a:ext cx="341170" cy="2685061"/>
           </a:xfrm>
           <a:prstGeom prst="bentConnector3">
@@ -7809,7 +7802,7 @@
         </p:nvCxnSpPr>
         <p:spPr>
           <a:xfrm rot="5400000">
-            <a:off x="22839154" y="7069115"/>
+            <a:off x="24070047" y="7971780"/>
             <a:ext cx="369377" cy="12700"/>
           </a:xfrm>
           <a:prstGeom prst="bentConnector3">
@@ -7854,7 +7847,7 @@
         </p:nvCxnSpPr>
         <p:spPr>
           <a:xfrm rot="5400000">
-            <a:off x="25538318" y="5633842"/>
+            <a:off x="26769211" y="6536507"/>
             <a:ext cx="341170" cy="12700"/>
           </a:xfrm>
           <a:prstGeom prst="bentConnector3">
@@ -7899,8 +7892,8 @@
         </p:nvCxnSpPr>
         <p:spPr>
           <a:xfrm rot="5400000">
-            <a:off x="25527171" y="7066159"/>
-            <a:ext cx="363465" cy="12700"/>
+            <a:off x="26753301" y="7973587"/>
+            <a:ext cx="372990" cy="12700"/>
           </a:xfrm>
           <a:prstGeom prst="bentConnector3">
             <a:avLst>
@@ -7944,7 +7937,7 @@
         </p:nvCxnSpPr>
         <p:spPr>
           <a:xfrm rot="16200000" flipH="1">
-            <a:off x="26880217" y="4291942"/>
+            <a:off x="28111110" y="5194607"/>
             <a:ext cx="342432" cy="2685061"/>
           </a:xfrm>
           <a:prstGeom prst="bentConnector3">
@@ -7983,19 +7976,19 @@
           </p:cNvPr>
           <p:cNvCxnSpPr>
             <a:cxnSpLocks/>
-            <a:stCxn id="83" idx="2"/>
+            <a:stCxn id="101" idx="2"/>
             <a:endCxn id="91" idx="0"/>
           </p:cNvCxnSpPr>
           <p:nvPr/>
         </p:nvCxnSpPr>
         <p:spPr>
           <a:xfrm rot="5400000">
-            <a:off x="28783474" y="6418426"/>
-            <a:ext cx="3250720" cy="1340383"/>
+            <a:off x="31447426" y="8752665"/>
+            <a:ext cx="386086" cy="1341868"/>
           </a:xfrm>
           <a:prstGeom prst="bentConnector3">
             <a:avLst>
-              <a:gd name="adj1" fmla="val 5190"/>
+              <a:gd name="adj1" fmla="val 50000"/>
             </a:avLst>
           </a:prstGeom>
           <a:ln w="28575">
@@ -8036,7 +8029,7 @@
         </p:nvCxnSpPr>
         <p:spPr>
           <a:xfrm rot="5400000">
-            <a:off x="28872299" y="6505766"/>
+            <a:off x="30103192" y="7408431"/>
             <a:ext cx="386086" cy="4030336"/>
           </a:xfrm>
           <a:prstGeom prst="bentConnector3">
@@ -8082,8 +8075,8 @@
         </p:nvCxnSpPr>
         <p:spPr>
           <a:xfrm rot="16200000" flipH="1">
-            <a:off x="26186496" y="7850298"/>
-            <a:ext cx="386085" cy="1341271"/>
+            <a:off x="27422151" y="8757726"/>
+            <a:ext cx="376560" cy="1341271"/>
           </a:xfrm>
           <a:prstGeom prst="bentConnector3">
             <a:avLst>
@@ -8121,19 +8114,19 @@
           </p:cNvPr>
           <p:cNvCxnSpPr>
             <a:cxnSpLocks/>
-            <a:stCxn id="69" idx="2"/>
+            <a:stCxn id="79" idx="2"/>
             <a:endCxn id="91" idx="0"/>
           </p:cNvCxnSpPr>
           <p:nvPr/>
         </p:nvCxnSpPr>
         <p:spPr>
           <a:xfrm rot="16200000" flipH="1">
-            <a:off x="26098412" y="5073747"/>
-            <a:ext cx="3250720" cy="4029739"/>
+            <a:off x="28766385" y="7413492"/>
+            <a:ext cx="376560" cy="4029739"/>
           </a:xfrm>
           <a:prstGeom prst="bentConnector3">
             <a:avLst>
-              <a:gd name="adj1" fmla="val 5517"/>
+              <a:gd name="adj1" fmla="val 50000"/>
             </a:avLst>
           </a:prstGeom>
           <a:ln w="28575">
@@ -8174,7 +8167,7 @@
         </p:nvCxnSpPr>
         <p:spPr>
           <a:xfrm rot="5400000">
-            <a:off x="29565279" y="4291943"/>
+            <a:off x="30796172" y="5194608"/>
             <a:ext cx="342432" cy="2685061"/>
           </a:xfrm>
           <a:prstGeom prst="bentConnector3">
@@ -8220,7 +8213,7 @@
         </p:nvCxnSpPr>
         <p:spPr>
           <a:xfrm rot="16200000" flipH="1">
-            <a:off x="32250970" y="4291311"/>
+            <a:off x="33481863" y="5193976"/>
             <a:ext cx="341170" cy="2685061"/>
           </a:xfrm>
           <a:prstGeom prst="bentConnector3">
@@ -8265,7 +8258,7 @@
         </p:nvCxnSpPr>
         <p:spPr>
           <a:xfrm rot="5400000">
-            <a:off x="30908440" y="5633842"/>
+            <a:off x="32139333" y="6536507"/>
             <a:ext cx="341170" cy="12700"/>
           </a:xfrm>
           <a:prstGeom prst="bentConnector3">
@@ -8310,7 +8303,7 @@
         </p:nvCxnSpPr>
         <p:spPr>
           <a:xfrm rot="16200000" flipH="1">
-            <a:off x="30898035" y="7065416"/>
+            <a:off x="32128928" y="7968081"/>
             <a:ext cx="363464" cy="1485"/>
           </a:xfrm>
           <a:prstGeom prst="bentConnector3">
@@ -8355,7 +8348,7 @@
         </p:nvCxnSpPr>
         <p:spPr>
           <a:xfrm rot="5400000">
-            <a:off x="28212863" y="7066790"/>
+            <a:off x="29443756" y="7969455"/>
             <a:ext cx="362203" cy="12700"/>
           </a:xfrm>
           <a:prstGeom prst="bentConnector3">
@@ -8382,6 +8375,4596 @@
           </a:fontRef>
         </p:style>
       </p:cxnSp>
+      <p:sp>
+        <p:nvSpPr>
+          <p:cNvPr id="113" name="Прямоугольник 112">
+            <a:extLst>
+              <a:ext uri="{FF2B5EF4-FFF2-40B4-BE49-F238E27FC236}">
+                <a16:creationId xmlns:a16="http://schemas.microsoft.com/office/drawing/2014/main" id="{692FD614-B45F-44F2-97C1-5B1F574A4286}"/>
+              </a:ext>
+            </a:extLst>
+          </p:cNvPr>
+          <p:cNvSpPr/>
+          <p:nvPr/>
+        </p:nvSpPr>
+        <p:spPr>
+          <a:xfrm>
+            <a:off x="33940428" y="8150556"/>
+            <a:ext cx="2115918" cy="1080000"/>
+          </a:xfrm>
+          <a:prstGeom prst="rect">
+            <a:avLst/>
+          </a:prstGeom>
+          <a:ln w="28575"/>
+        </p:spPr>
+        <p:style>
+          <a:lnRef idx="2">
+            <a:schemeClr val="accent1"/>
+          </a:lnRef>
+          <a:fillRef idx="1">
+            <a:schemeClr val="lt1"/>
+          </a:fillRef>
+          <a:effectRef idx="0">
+            <a:schemeClr val="accent1"/>
+          </a:effectRef>
+          <a:fontRef idx="minor">
+            <a:schemeClr val="dk1"/>
+          </a:fontRef>
+        </p:style>
+        <p:txBody>
+          <a:bodyPr lIns="124733" tIns="62367" rIns="124733" bIns="62367" rtlCol="0" anchor="ctr"/>
+          <a:lstStyle/>
+          <a:p>
+            <a:pPr algn="ctr"/>
+            <a:r>
+              <a:rPr lang="ru-RU" sz="1400" dirty="0"/>
+              <a:t>Обитель для чёрных (</a:t>
+            </a:r>
+            <a:r>
+              <a:rPr lang="ru-RU" sz="1400" dirty="0" err="1"/>
+              <a:t>кирино</a:t>
+            </a:r>
+            <a:r>
+              <a:rPr lang="ru-RU" sz="1400" dirty="0"/>
+              <a:t>)</a:t>
+            </a:r>
+            <a:endParaRPr lang="ru-RU" sz="500" dirty="0"/>
+          </a:p>
+        </p:txBody>
+      </p:sp>
+      <p:cxnSp>
+        <p:nvCxnSpPr>
+          <p:cNvPr id="117" name="Shape 248">
+            <a:extLst>
+              <a:ext uri="{FF2B5EF4-FFF2-40B4-BE49-F238E27FC236}">
+                <a16:creationId xmlns:a16="http://schemas.microsoft.com/office/drawing/2014/main" id="{DF1CAE3A-A702-4A17-BD9A-7E154FAAA753}"/>
+              </a:ext>
+            </a:extLst>
+          </p:cNvPr>
+          <p:cNvCxnSpPr>
+            <a:cxnSpLocks/>
+            <a:stCxn id="100" idx="2"/>
+            <a:endCxn id="113" idx="0"/>
+          </p:cNvCxnSpPr>
+          <p:nvPr/>
+        </p:nvCxnSpPr>
+        <p:spPr>
+          <a:xfrm rot="16200000" flipH="1">
+            <a:off x="34814951" y="7967120"/>
+            <a:ext cx="363464" cy="3408"/>
+          </a:xfrm>
+          <a:prstGeom prst="bentConnector3">
+            <a:avLst>
+              <a:gd name="adj1" fmla="val 50000"/>
+            </a:avLst>
+          </a:prstGeom>
+          <a:ln w="28575">
+            <a:tailEnd type="arrow"/>
+          </a:ln>
+        </p:spPr>
+        <p:style>
+          <a:lnRef idx="1">
+            <a:schemeClr val="accent1"/>
+          </a:lnRef>
+          <a:fillRef idx="0">
+            <a:schemeClr val="accent1"/>
+          </a:fillRef>
+          <a:effectRef idx="0">
+            <a:schemeClr val="accent1"/>
+          </a:effectRef>
+          <a:fontRef idx="minor">
+            <a:schemeClr val="tx1"/>
+          </a:fontRef>
+        </p:style>
+      </p:cxnSp>
+      <p:sp>
+        <p:nvSpPr>
+          <p:cNvPr id="120" name="Прямоугольник 119">
+            <a:extLst>
+              <a:ext uri="{FF2B5EF4-FFF2-40B4-BE49-F238E27FC236}">
+                <a16:creationId xmlns:a16="http://schemas.microsoft.com/office/drawing/2014/main" id="{52994B44-4FEE-4BC2-940E-9121055E91A1}"/>
+              </a:ext>
+            </a:extLst>
+          </p:cNvPr>
+          <p:cNvSpPr/>
+          <p:nvPr/>
+        </p:nvSpPr>
+        <p:spPr>
+          <a:xfrm>
+            <a:off x="32600044" y="9616642"/>
+            <a:ext cx="2115918" cy="1080000"/>
+          </a:xfrm>
+          <a:prstGeom prst="rect">
+            <a:avLst/>
+          </a:prstGeom>
+          <a:ln w="28575"/>
+        </p:spPr>
+        <p:style>
+          <a:lnRef idx="2">
+            <a:schemeClr val="accent1"/>
+          </a:lnRef>
+          <a:fillRef idx="1">
+            <a:schemeClr val="lt1"/>
+          </a:fillRef>
+          <a:effectRef idx="0">
+            <a:schemeClr val="accent1"/>
+          </a:effectRef>
+          <a:fontRef idx="minor">
+            <a:schemeClr val="dk1"/>
+          </a:fontRef>
+        </p:style>
+        <p:txBody>
+          <a:bodyPr lIns="124733" tIns="62367" rIns="124733" bIns="62367" rtlCol="0" anchor="ctr"/>
+          <a:lstStyle/>
+          <a:p>
+            <a:pPr algn="ctr"/>
+            <a:r>
+              <a:rPr lang="ru-RU" sz="1400" dirty="0"/>
+              <a:t>Объединение континента </a:t>
+            </a:r>
+            <a:r>
+              <a:rPr lang="ru-RU" sz="1050" dirty="0"/>
+              <a:t>(Это </a:t>
+            </a:r>
+            <a:r>
+              <a:rPr lang="ru-RU" sz="1050" dirty="0" err="1"/>
+              <a:t>панафриканизм</a:t>
+            </a:r>
+            <a:r>
+              <a:rPr lang="ru-RU" sz="1050" dirty="0"/>
+              <a:t> с тремя принципами африканского национализма , социализма и континентального единства)</a:t>
+            </a:r>
+            <a:endParaRPr lang="ru-RU" sz="500" dirty="0"/>
+          </a:p>
+        </p:txBody>
+      </p:sp>
+      <p:cxnSp>
+        <p:nvCxnSpPr>
+          <p:cNvPr id="121" name="Shape 248">
+            <a:extLst>
+              <a:ext uri="{FF2B5EF4-FFF2-40B4-BE49-F238E27FC236}">
+                <a16:creationId xmlns:a16="http://schemas.microsoft.com/office/drawing/2014/main" id="{4D38D20E-AC58-411A-A865-3C081EF18269}"/>
+              </a:ext>
+            </a:extLst>
+          </p:cNvPr>
+          <p:cNvCxnSpPr>
+            <a:cxnSpLocks/>
+            <a:stCxn id="101" idx="2"/>
+            <a:endCxn id="120" idx="0"/>
+          </p:cNvCxnSpPr>
+          <p:nvPr/>
+        </p:nvCxnSpPr>
+        <p:spPr>
+          <a:xfrm rot="16200000" flipH="1">
+            <a:off x="32791660" y="8750299"/>
+            <a:ext cx="386086" cy="1346600"/>
+          </a:xfrm>
+          <a:prstGeom prst="bentConnector3">
+            <a:avLst>
+              <a:gd name="adj1" fmla="val 50000"/>
+            </a:avLst>
+          </a:prstGeom>
+          <a:ln w="28575">
+            <a:tailEnd type="arrow"/>
+          </a:ln>
+        </p:spPr>
+        <p:style>
+          <a:lnRef idx="1">
+            <a:schemeClr val="accent1"/>
+          </a:lnRef>
+          <a:fillRef idx="0">
+            <a:schemeClr val="accent1"/>
+          </a:fillRef>
+          <a:effectRef idx="0">
+            <a:schemeClr val="accent1"/>
+          </a:effectRef>
+          <a:fontRef idx="minor">
+            <a:schemeClr val="tx1"/>
+          </a:fontRef>
+        </p:style>
+      </p:cxnSp>
+      <p:cxnSp>
+        <p:nvCxnSpPr>
+          <p:cNvPr id="124" name="Shape 248">
+            <a:extLst>
+              <a:ext uri="{FF2B5EF4-FFF2-40B4-BE49-F238E27FC236}">
+                <a16:creationId xmlns:a16="http://schemas.microsoft.com/office/drawing/2014/main" id="{96EAAB4B-25A1-45E5-8029-1961F49C27F6}"/>
+              </a:ext>
+            </a:extLst>
+          </p:cNvPr>
+          <p:cNvCxnSpPr>
+            <a:cxnSpLocks/>
+            <a:stCxn id="113" idx="2"/>
+            <a:endCxn id="120" idx="0"/>
+          </p:cNvCxnSpPr>
+          <p:nvPr/>
+        </p:nvCxnSpPr>
+        <p:spPr>
+          <a:xfrm rot="5400000">
+            <a:off x="34135152" y="8753407"/>
+            <a:ext cx="386086" cy="1340384"/>
+          </a:xfrm>
+          <a:prstGeom prst="bentConnector3">
+            <a:avLst>
+              <a:gd name="adj1" fmla="val 50000"/>
+            </a:avLst>
+          </a:prstGeom>
+          <a:ln w="28575">
+            <a:tailEnd type="arrow"/>
+          </a:ln>
+        </p:spPr>
+        <p:style>
+          <a:lnRef idx="1">
+            <a:schemeClr val="accent1"/>
+          </a:lnRef>
+          <a:fillRef idx="0">
+            <a:schemeClr val="accent1"/>
+          </a:fillRef>
+          <a:effectRef idx="0">
+            <a:schemeClr val="accent1"/>
+          </a:effectRef>
+          <a:fontRef idx="minor">
+            <a:schemeClr val="tx1"/>
+          </a:fontRef>
+        </p:style>
+      </p:cxnSp>
+      <p:sp>
+        <p:nvSpPr>
+          <p:cNvPr id="125" name="Прямоугольник 124">
+            <a:extLst>
+              <a:ext uri="{FF2B5EF4-FFF2-40B4-BE49-F238E27FC236}">
+                <a16:creationId xmlns:a16="http://schemas.microsoft.com/office/drawing/2014/main" id="{BBF66D38-3B77-4A72-80FE-1124919B958E}"/>
+              </a:ext>
+            </a:extLst>
+          </p:cNvPr>
+          <p:cNvSpPr/>
+          <p:nvPr/>
+        </p:nvSpPr>
+        <p:spPr>
+          <a:xfrm>
+            <a:off x="24533752" y="9616642"/>
+            <a:ext cx="2115918" cy="1080000"/>
+          </a:xfrm>
+          <a:prstGeom prst="rect">
+            <a:avLst/>
+          </a:prstGeom>
+          <a:ln w="28575"/>
+        </p:spPr>
+        <p:style>
+          <a:lnRef idx="2">
+            <a:schemeClr val="accent1"/>
+          </a:lnRef>
+          <a:fillRef idx="1">
+            <a:schemeClr val="lt1"/>
+          </a:fillRef>
+          <a:effectRef idx="0">
+            <a:schemeClr val="accent1"/>
+          </a:effectRef>
+          <a:fontRef idx="minor">
+            <a:schemeClr val="dk1"/>
+          </a:fontRef>
+        </p:style>
+        <p:txBody>
+          <a:bodyPr lIns="124733" tIns="62367" rIns="124733" bIns="62367" rtlCol="0" anchor="ctr"/>
+          <a:lstStyle/>
+          <a:p>
+            <a:pPr algn="ctr"/>
+            <a:r>
+              <a:rPr lang="ru-RU" sz="1400" dirty="0"/>
+              <a:t>Помочь угнетённым народам Африки </a:t>
+            </a:r>
+            <a:r>
+              <a:rPr lang="ru-RU" sz="300" dirty="0"/>
+              <a:t>(Мы, народ Южной Африки, заявляем, чтобы знала вся наша страна и весь мир: Южная Африка принадлежит всем, кто в ней живет, черным и белым, и что ни одно правительство не может справедливо претендовать на власть, если оно не основано на воле все люди; что наш народ был лишен своего неотъемлемого права на землю, свободу и мир из-за формы правления, основанной на несправедливости и неравенстве; что наша страна никогда не будет процветающей и свободной, пока все наши люди не будут жить в братстве, пользуясь равными правами и возможностями; что только демократическое государство, основанное на волеизъявлении всех людей, может гарантировать всем их неотъемлемое право без различия цвета кожи, расы, пола или убеждений; И поэтому мы, народ Южной Африки, черные и белые вместе - равные, соотечественники и братья - принимаем эту Хартию свободы. И мы обязуемся вместе стремиться,)</a:t>
+            </a:r>
+            <a:endParaRPr lang="ru-RU" sz="500" dirty="0"/>
+          </a:p>
+        </p:txBody>
+      </p:sp>
+      <p:cxnSp>
+        <p:nvCxnSpPr>
+          <p:cNvPr id="126" name="Shape 248">
+            <a:extLst>
+              <a:ext uri="{FF2B5EF4-FFF2-40B4-BE49-F238E27FC236}">
+                <a16:creationId xmlns:a16="http://schemas.microsoft.com/office/drawing/2014/main" id="{002436B9-1324-4489-8D67-C6E3C1427869}"/>
+              </a:ext>
+            </a:extLst>
+          </p:cNvPr>
+          <p:cNvCxnSpPr>
+            <a:cxnSpLocks/>
+            <a:stCxn id="76" idx="2"/>
+            <a:endCxn id="125" idx="0"/>
+          </p:cNvCxnSpPr>
+          <p:nvPr/>
+        </p:nvCxnSpPr>
+        <p:spPr>
+          <a:xfrm rot="16200000" flipH="1">
+            <a:off x="24733137" y="8758067"/>
+            <a:ext cx="380173" cy="1336976"/>
+          </a:xfrm>
+          <a:prstGeom prst="bentConnector3">
+            <a:avLst>
+              <a:gd name="adj1" fmla="val 50000"/>
+            </a:avLst>
+          </a:prstGeom>
+          <a:ln w="28575">
+            <a:tailEnd type="arrow"/>
+          </a:ln>
+        </p:spPr>
+        <p:style>
+          <a:lnRef idx="1">
+            <a:schemeClr val="accent1"/>
+          </a:lnRef>
+          <a:fillRef idx="0">
+            <a:schemeClr val="accent1"/>
+          </a:fillRef>
+          <a:effectRef idx="0">
+            <a:schemeClr val="accent1"/>
+          </a:effectRef>
+          <a:fontRef idx="minor">
+            <a:schemeClr val="tx1"/>
+          </a:fontRef>
+        </p:style>
+      </p:cxnSp>
+      <p:cxnSp>
+        <p:nvCxnSpPr>
+          <p:cNvPr id="129" name="Shape 248">
+            <a:extLst>
+              <a:ext uri="{FF2B5EF4-FFF2-40B4-BE49-F238E27FC236}">
+                <a16:creationId xmlns:a16="http://schemas.microsoft.com/office/drawing/2014/main" id="{8B2AE635-F813-4D4B-93C0-BFAE7C59986C}"/>
+              </a:ext>
+            </a:extLst>
+          </p:cNvPr>
+          <p:cNvCxnSpPr>
+            <a:cxnSpLocks/>
+            <a:stCxn id="79" idx="2"/>
+            <a:endCxn id="125" idx="0"/>
+          </p:cNvCxnSpPr>
+          <p:nvPr/>
+        </p:nvCxnSpPr>
+        <p:spPr>
+          <a:xfrm rot="5400000">
+            <a:off x="26077474" y="8754320"/>
+            <a:ext cx="376560" cy="1348085"/>
+          </a:xfrm>
+          <a:prstGeom prst="bentConnector3">
+            <a:avLst>
+              <a:gd name="adj1" fmla="val 50000"/>
+            </a:avLst>
+          </a:prstGeom>
+          <a:ln w="28575">
+            <a:tailEnd type="arrow"/>
+          </a:ln>
+        </p:spPr>
+        <p:style>
+          <a:lnRef idx="1">
+            <a:schemeClr val="accent1"/>
+          </a:lnRef>
+          <a:fillRef idx="0">
+            <a:schemeClr val="accent1"/>
+          </a:fillRef>
+          <a:effectRef idx="0">
+            <a:schemeClr val="accent1"/>
+          </a:effectRef>
+          <a:fontRef idx="minor">
+            <a:schemeClr val="tx1"/>
+          </a:fontRef>
+        </p:style>
+      </p:cxnSp>
+      <p:sp>
+        <p:nvSpPr>
+          <p:cNvPr id="132" name="Прямоугольник 131">
+            <a:extLst>
+              <a:ext uri="{FF2B5EF4-FFF2-40B4-BE49-F238E27FC236}">
+                <a16:creationId xmlns:a16="http://schemas.microsoft.com/office/drawing/2014/main" id="{C13EAB58-199B-4B01-9E93-CCDA91E30626}"/>
+              </a:ext>
+            </a:extLst>
+          </p:cNvPr>
+          <p:cNvSpPr/>
+          <p:nvPr/>
+        </p:nvSpPr>
+        <p:spPr>
+          <a:xfrm>
+            <a:off x="16490101" y="5236738"/>
+            <a:ext cx="2115918" cy="1080000"/>
+          </a:xfrm>
+          <a:prstGeom prst="rect">
+            <a:avLst/>
+          </a:prstGeom>
+          <a:solidFill>
+            <a:schemeClr val="accent1">
+              <a:lumMod val="60000"/>
+              <a:lumOff val="40000"/>
+            </a:schemeClr>
+          </a:solidFill>
+          <a:ln w="28575"/>
+        </p:spPr>
+        <p:style>
+          <a:lnRef idx="2">
+            <a:schemeClr val="accent1"/>
+          </a:lnRef>
+          <a:fillRef idx="1">
+            <a:schemeClr val="lt1"/>
+          </a:fillRef>
+          <a:effectRef idx="0">
+            <a:schemeClr val="accent1"/>
+          </a:effectRef>
+          <a:fontRef idx="minor">
+            <a:schemeClr val="dk1"/>
+          </a:fontRef>
+        </p:style>
+        <p:txBody>
+          <a:bodyPr lIns="124733" tIns="62367" rIns="124733" bIns="62367" rtlCol="0" anchor="ctr"/>
+          <a:lstStyle/>
+          <a:p>
+            <a:pPr algn="ctr"/>
+            <a:r>
+              <a:rPr lang="ru-RU" sz="1400" dirty="0"/>
+              <a:t>Изгнать буров (текущее)</a:t>
+            </a:r>
+            <a:endParaRPr lang="ru-RU" sz="500" dirty="0"/>
+          </a:p>
+        </p:txBody>
+      </p:sp>
+      <p:sp>
+        <p:nvSpPr>
+          <p:cNvPr id="135" name="Прямоугольник 134">
+            <a:extLst>
+              <a:ext uri="{FF2B5EF4-FFF2-40B4-BE49-F238E27FC236}">
+                <a16:creationId xmlns:a16="http://schemas.microsoft.com/office/drawing/2014/main" id="{9C9F49EE-9417-4A04-A4B0-B121AE471BAB}"/>
+              </a:ext>
+            </a:extLst>
+          </p:cNvPr>
+          <p:cNvSpPr/>
+          <p:nvPr/>
+        </p:nvSpPr>
+        <p:spPr>
+          <a:xfrm>
+            <a:off x="15151826" y="9629342"/>
+            <a:ext cx="2115918" cy="1080000"/>
+          </a:xfrm>
+          <a:prstGeom prst="rect">
+            <a:avLst/>
+          </a:prstGeom>
+          <a:solidFill>
+            <a:schemeClr val="accent1">
+              <a:lumMod val="60000"/>
+              <a:lumOff val="40000"/>
+            </a:schemeClr>
+          </a:solidFill>
+          <a:ln w="28575"/>
+        </p:spPr>
+        <p:style>
+          <a:lnRef idx="2">
+            <a:schemeClr val="accent1"/>
+          </a:lnRef>
+          <a:fillRef idx="1">
+            <a:schemeClr val="lt1"/>
+          </a:fillRef>
+          <a:effectRef idx="0">
+            <a:schemeClr val="accent1"/>
+          </a:effectRef>
+          <a:fontRef idx="minor">
+            <a:schemeClr val="dk1"/>
+          </a:fontRef>
+        </p:style>
+        <p:txBody>
+          <a:bodyPr lIns="124733" tIns="62367" rIns="124733" bIns="62367" rtlCol="0" anchor="ctr"/>
+          <a:lstStyle/>
+          <a:p>
+            <a:pPr algn="ctr"/>
+            <a:r>
+              <a:rPr lang="ru-RU" sz="1400" dirty="0"/>
+              <a:t>Искать союз с западными демократами (текущее)</a:t>
+            </a:r>
+            <a:endParaRPr lang="ru-RU" sz="500" dirty="0"/>
+          </a:p>
+        </p:txBody>
+      </p:sp>
+      <p:sp>
+        <p:nvSpPr>
+          <p:cNvPr id="137" name="Прямоугольник 136">
+            <a:extLst>
+              <a:ext uri="{FF2B5EF4-FFF2-40B4-BE49-F238E27FC236}">
+                <a16:creationId xmlns:a16="http://schemas.microsoft.com/office/drawing/2014/main" id="{40BC72D3-CE41-4743-90C0-615333F29391}"/>
+              </a:ext>
+            </a:extLst>
+          </p:cNvPr>
+          <p:cNvSpPr/>
+          <p:nvPr/>
+        </p:nvSpPr>
+        <p:spPr>
+          <a:xfrm>
+            <a:off x="16490101" y="11065695"/>
+            <a:ext cx="2115918" cy="1080000"/>
+          </a:xfrm>
+          <a:prstGeom prst="rect">
+            <a:avLst/>
+          </a:prstGeom>
+          <a:solidFill>
+            <a:schemeClr val="accent1">
+              <a:lumMod val="60000"/>
+              <a:lumOff val="40000"/>
+            </a:schemeClr>
+          </a:solidFill>
+          <a:ln w="28575"/>
+        </p:spPr>
+        <p:style>
+          <a:lnRef idx="2">
+            <a:schemeClr val="accent1"/>
+          </a:lnRef>
+          <a:fillRef idx="1">
+            <a:schemeClr val="lt1"/>
+          </a:fillRef>
+          <a:effectRef idx="0">
+            <a:schemeClr val="accent1"/>
+          </a:effectRef>
+          <a:fontRef idx="minor">
+            <a:schemeClr val="dk1"/>
+          </a:fontRef>
+        </p:style>
+        <p:txBody>
+          <a:bodyPr lIns="124733" tIns="62367" rIns="124733" bIns="62367" rtlCol="0" anchor="ctr"/>
+          <a:lstStyle/>
+          <a:p>
+            <a:pPr algn="ctr"/>
+            <a:r>
+              <a:rPr lang="ru-RU" sz="1400" dirty="0"/>
+              <a:t>Сотрудничество с великими державами (текущее)</a:t>
+            </a:r>
+            <a:endParaRPr lang="ru-RU" sz="500" dirty="0"/>
+          </a:p>
+        </p:txBody>
+      </p:sp>
+      <p:sp>
+        <p:nvSpPr>
+          <p:cNvPr id="138" name="Прямоугольник 137">
+            <a:extLst>
+              <a:ext uri="{FF2B5EF4-FFF2-40B4-BE49-F238E27FC236}">
+                <a16:creationId xmlns:a16="http://schemas.microsoft.com/office/drawing/2014/main" id="{3F5C4FA9-61FD-4FD2-97D7-1672A9A1C989}"/>
+              </a:ext>
+            </a:extLst>
+          </p:cNvPr>
+          <p:cNvSpPr/>
+          <p:nvPr/>
+        </p:nvSpPr>
+        <p:spPr>
+          <a:xfrm>
+            <a:off x="13803034" y="11061320"/>
+            <a:ext cx="2115918" cy="1080000"/>
+          </a:xfrm>
+          <a:prstGeom prst="rect">
+            <a:avLst/>
+          </a:prstGeom>
+          <a:solidFill>
+            <a:schemeClr val="accent1">
+              <a:lumMod val="60000"/>
+              <a:lumOff val="40000"/>
+            </a:schemeClr>
+          </a:solidFill>
+          <a:ln w="28575"/>
+        </p:spPr>
+        <p:style>
+          <a:lnRef idx="2">
+            <a:schemeClr val="accent1"/>
+          </a:lnRef>
+          <a:fillRef idx="1">
+            <a:schemeClr val="lt1"/>
+          </a:fillRef>
+          <a:effectRef idx="0">
+            <a:schemeClr val="accent1"/>
+          </a:effectRef>
+          <a:fontRef idx="minor">
+            <a:schemeClr val="dk1"/>
+          </a:fontRef>
+        </p:style>
+        <p:txBody>
+          <a:bodyPr lIns="124733" tIns="62367" rIns="124733" bIns="62367" rtlCol="0" anchor="ctr"/>
+          <a:lstStyle/>
+          <a:p>
+            <a:pPr algn="ctr"/>
+            <a:r>
+              <a:rPr lang="ru-RU" sz="1400" dirty="0"/>
+              <a:t>Сокращение научного отставания (текущее)</a:t>
+            </a:r>
+            <a:endParaRPr lang="ru-RU" sz="500" dirty="0"/>
+          </a:p>
+        </p:txBody>
+      </p:sp>
+      <p:sp>
+        <p:nvSpPr>
+          <p:cNvPr id="140" name="Прямоугольник 139">
+            <a:extLst>
+              <a:ext uri="{FF2B5EF4-FFF2-40B4-BE49-F238E27FC236}">
+                <a16:creationId xmlns:a16="http://schemas.microsoft.com/office/drawing/2014/main" id="{58AFA13B-EEC9-4097-BE09-1C51485C8F1F}"/>
+              </a:ext>
+            </a:extLst>
+          </p:cNvPr>
+          <p:cNvSpPr/>
+          <p:nvPr/>
+        </p:nvSpPr>
+        <p:spPr>
+          <a:xfrm>
+            <a:off x="17841753" y="9629342"/>
+            <a:ext cx="2115918" cy="1080000"/>
+          </a:xfrm>
+          <a:prstGeom prst="rect">
+            <a:avLst/>
+          </a:prstGeom>
+          <a:solidFill>
+            <a:schemeClr val="accent1">
+              <a:lumMod val="60000"/>
+              <a:lumOff val="40000"/>
+            </a:schemeClr>
+          </a:solidFill>
+          <a:ln w="28575"/>
+        </p:spPr>
+        <p:style>
+          <a:lnRef idx="2">
+            <a:schemeClr val="accent1"/>
+          </a:lnRef>
+          <a:fillRef idx="1">
+            <a:schemeClr val="lt1"/>
+          </a:fillRef>
+          <a:effectRef idx="0">
+            <a:schemeClr val="accent1"/>
+          </a:effectRef>
+          <a:fontRef idx="minor">
+            <a:schemeClr val="dk1"/>
+          </a:fontRef>
+        </p:style>
+        <p:txBody>
+          <a:bodyPr lIns="124733" tIns="62367" rIns="124733" bIns="62367" rtlCol="0" anchor="ctr"/>
+          <a:lstStyle/>
+          <a:p>
+            <a:pPr algn="ctr"/>
+            <a:r>
+              <a:rPr lang="ru-RU" sz="1400" dirty="0"/>
+              <a:t>Демократический союз африканских народов Южной Африки (текущее, но переименовать)</a:t>
+            </a:r>
+            <a:endParaRPr lang="ru-RU" sz="500" dirty="0"/>
+          </a:p>
+        </p:txBody>
+      </p:sp>
+      <p:cxnSp>
+        <p:nvCxnSpPr>
+          <p:cNvPr id="141" name="Прямая соединительная линия 140">
+            <a:extLst>
+              <a:ext uri="{FF2B5EF4-FFF2-40B4-BE49-F238E27FC236}">
+                <a16:creationId xmlns:a16="http://schemas.microsoft.com/office/drawing/2014/main" id="{BB94E2D8-7880-44D7-97CA-4D17D4CAC014}"/>
+              </a:ext>
+            </a:extLst>
+          </p:cNvPr>
+          <p:cNvCxnSpPr>
+            <a:cxnSpLocks/>
+            <a:stCxn id="135" idx="3"/>
+            <a:endCxn id="140" idx="1"/>
+          </p:cNvCxnSpPr>
+          <p:nvPr/>
+        </p:nvCxnSpPr>
+        <p:spPr>
+          <a:xfrm>
+            <a:off x="17267744" y="10169342"/>
+            <a:ext cx="574009" cy="0"/>
+          </a:xfrm>
+          <a:prstGeom prst="line">
+            <a:avLst/>
+          </a:prstGeom>
+          <a:ln w="38100">
+            <a:solidFill>
+              <a:srgbClr val="FF0000"/>
+            </a:solidFill>
+          </a:ln>
+        </p:spPr>
+        <p:style>
+          <a:lnRef idx="1">
+            <a:schemeClr val="accent2"/>
+          </a:lnRef>
+          <a:fillRef idx="0">
+            <a:schemeClr val="accent2"/>
+          </a:fillRef>
+          <a:effectRef idx="0">
+            <a:schemeClr val="accent2"/>
+          </a:effectRef>
+          <a:fontRef idx="minor">
+            <a:schemeClr val="tx1"/>
+          </a:fontRef>
+        </p:style>
+      </p:cxnSp>
+      <p:sp>
+        <p:nvSpPr>
+          <p:cNvPr id="142" name="Прямоугольник 141">
+            <a:extLst>
+              <a:ext uri="{FF2B5EF4-FFF2-40B4-BE49-F238E27FC236}">
+                <a16:creationId xmlns:a16="http://schemas.microsoft.com/office/drawing/2014/main" id="{3F50D8DF-0634-43AD-80A2-E47126298642}"/>
+              </a:ext>
+            </a:extLst>
+          </p:cNvPr>
+          <p:cNvSpPr/>
+          <p:nvPr/>
+        </p:nvSpPr>
+        <p:spPr>
+          <a:xfrm>
+            <a:off x="17840323" y="12532542"/>
+            <a:ext cx="2115918" cy="1080000"/>
+          </a:xfrm>
+          <a:prstGeom prst="rect">
+            <a:avLst/>
+          </a:prstGeom>
+          <a:solidFill>
+            <a:schemeClr val="accent1">
+              <a:lumMod val="60000"/>
+              <a:lumOff val="40000"/>
+            </a:schemeClr>
+          </a:solidFill>
+          <a:ln w="28575"/>
+        </p:spPr>
+        <p:style>
+          <a:lnRef idx="2">
+            <a:schemeClr val="accent1"/>
+          </a:lnRef>
+          <a:fillRef idx="1">
+            <a:schemeClr val="lt1"/>
+          </a:fillRef>
+          <a:effectRef idx="0">
+            <a:schemeClr val="accent1"/>
+          </a:effectRef>
+          <a:fontRef idx="minor">
+            <a:schemeClr val="dk1"/>
+          </a:fontRef>
+        </p:style>
+        <p:txBody>
+          <a:bodyPr lIns="124733" tIns="62367" rIns="124733" bIns="62367" rtlCol="0" anchor="ctr"/>
+          <a:lstStyle/>
+          <a:p>
+            <a:pPr algn="ctr"/>
+            <a:r>
+              <a:rPr lang="ru-RU" sz="1400" dirty="0"/>
+              <a:t>Пригласить Намибию (текущее)</a:t>
+            </a:r>
+            <a:endParaRPr lang="ru-RU" sz="500" dirty="0"/>
+          </a:p>
+        </p:txBody>
+      </p:sp>
+      <p:sp>
+        <p:nvSpPr>
+          <p:cNvPr id="143" name="Прямоугольник 142">
+            <a:extLst>
+              <a:ext uri="{FF2B5EF4-FFF2-40B4-BE49-F238E27FC236}">
+                <a16:creationId xmlns:a16="http://schemas.microsoft.com/office/drawing/2014/main" id="{95B3EF4F-5151-431D-AA6A-D00E487D5830}"/>
+              </a:ext>
+            </a:extLst>
+          </p:cNvPr>
+          <p:cNvSpPr/>
+          <p:nvPr/>
+        </p:nvSpPr>
+        <p:spPr>
+          <a:xfrm>
+            <a:off x="19130407" y="13908495"/>
+            <a:ext cx="2115918" cy="1080000"/>
+          </a:xfrm>
+          <a:prstGeom prst="rect">
+            <a:avLst/>
+          </a:prstGeom>
+          <a:solidFill>
+            <a:schemeClr val="accent1">
+              <a:lumMod val="60000"/>
+              <a:lumOff val="40000"/>
+            </a:schemeClr>
+          </a:solidFill>
+          <a:ln w="28575"/>
+        </p:spPr>
+        <p:style>
+          <a:lnRef idx="2">
+            <a:schemeClr val="accent1"/>
+          </a:lnRef>
+          <a:fillRef idx="1">
+            <a:schemeClr val="lt1"/>
+          </a:fillRef>
+          <a:effectRef idx="0">
+            <a:schemeClr val="accent1"/>
+          </a:effectRef>
+          <a:fontRef idx="minor">
+            <a:schemeClr val="dk1"/>
+          </a:fontRef>
+        </p:style>
+        <p:txBody>
+          <a:bodyPr lIns="124733" tIns="62367" rIns="124733" bIns="62367" rtlCol="0" anchor="ctr"/>
+          <a:lstStyle/>
+          <a:p>
+            <a:pPr algn="ctr"/>
+            <a:r>
+              <a:rPr lang="ru-RU" sz="1400" dirty="0"/>
+              <a:t>Пригласить Конго (текущее)</a:t>
+            </a:r>
+            <a:endParaRPr lang="ru-RU" sz="500" dirty="0"/>
+          </a:p>
+        </p:txBody>
+      </p:sp>
+      <p:sp>
+        <p:nvSpPr>
+          <p:cNvPr id="144" name="Прямоугольник 143">
+            <a:extLst>
+              <a:ext uri="{FF2B5EF4-FFF2-40B4-BE49-F238E27FC236}">
+                <a16:creationId xmlns:a16="http://schemas.microsoft.com/office/drawing/2014/main" id="{60610E5E-754A-4D53-A261-E399488942B9}"/>
+              </a:ext>
+            </a:extLst>
+          </p:cNvPr>
+          <p:cNvSpPr/>
+          <p:nvPr/>
+        </p:nvSpPr>
+        <p:spPr>
+          <a:xfrm>
+            <a:off x="16483163" y="13908495"/>
+            <a:ext cx="2115918" cy="1080000"/>
+          </a:xfrm>
+          <a:prstGeom prst="rect">
+            <a:avLst/>
+          </a:prstGeom>
+          <a:solidFill>
+            <a:schemeClr val="accent1">
+              <a:lumMod val="60000"/>
+              <a:lumOff val="40000"/>
+            </a:schemeClr>
+          </a:solidFill>
+          <a:ln w="28575"/>
+        </p:spPr>
+        <p:style>
+          <a:lnRef idx="2">
+            <a:schemeClr val="accent1"/>
+          </a:lnRef>
+          <a:fillRef idx="1">
+            <a:schemeClr val="lt1"/>
+          </a:fillRef>
+          <a:effectRef idx="0">
+            <a:schemeClr val="accent1"/>
+          </a:effectRef>
+          <a:fontRef idx="minor">
+            <a:schemeClr val="dk1"/>
+          </a:fontRef>
+        </p:style>
+        <p:txBody>
+          <a:bodyPr lIns="124733" tIns="62367" rIns="124733" bIns="62367" rtlCol="0" anchor="ctr"/>
+          <a:lstStyle/>
+          <a:p>
+            <a:pPr algn="ctr"/>
+            <a:r>
+              <a:rPr lang="ru-RU" sz="1400" dirty="0"/>
+              <a:t>Освободить Конго (текущее)</a:t>
+            </a:r>
+            <a:endParaRPr lang="ru-RU" sz="500" dirty="0"/>
+          </a:p>
+        </p:txBody>
+      </p:sp>
+      <p:cxnSp>
+        <p:nvCxnSpPr>
+          <p:cNvPr id="145" name="Прямая соединительная линия 144">
+            <a:extLst>
+              <a:ext uri="{FF2B5EF4-FFF2-40B4-BE49-F238E27FC236}">
+                <a16:creationId xmlns:a16="http://schemas.microsoft.com/office/drawing/2014/main" id="{FA260062-FB46-4D5D-9DE2-7B0B8BD8DFD0}"/>
+              </a:ext>
+            </a:extLst>
+          </p:cNvPr>
+          <p:cNvCxnSpPr>
+            <a:cxnSpLocks/>
+            <a:stCxn id="144" idx="3"/>
+            <a:endCxn id="143" idx="1"/>
+          </p:cNvCxnSpPr>
+          <p:nvPr/>
+        </p:nvCxnSpPr>
+        <p:spPr>
+          <a:xfrm>
+            <a:off x="18599081" y="14448495"/>
+            <a:ext cx="531326" cy="0"/>
+          </a:xfrm>
+          <a:prstGeom prst="line">
+            <a:avLst/>
+          </a:prstGeom>
+          <a:ln w="38100">
+            <a:solidFill>
+              <a:srgbClr val="FF0000"/>
+            </a:solidFill>
+          </a:ln>
+        </p:spPr>
+        <p:style>
+          <a:lnRef idx="1">
+            <a:schemeClr val="accent2"/>
+          </a:lnRef>
+          <a:fillRef idx="0">
+            <a:schemeClr val="accent2"/>
+          </a:fillRef>
+          <a:effectRef idx="0">
+            <a:schemeClr val="accent2"/>
+          </a:effectRef>
+          <a:fontRef idx="minor">
+            <a:schemeClr val="tx1"/>
+          </a:fontRef>
+        </p:style>
+      </p:cxnSp>
+      <p:cxnSp>
+        <p:nvCxnSpPr>
+          <p:cNvPr id="146" name="Shape 248">
+            <a:extLst>
+              <a:ext uri="{FF2B5EF4-FFF2-40B4-BE49-F238E27FC236}">
+                <a16:creationId xmlns:a16="http://schemas.microsoft.com/office/drawing/2014/main" id="{FC2C2AD8-9C0B-40B1-9111-0A2E007A3288}"/>
+              </a:ext>
+            </a:extLst>
+          </p:cNvPr>
+          <p:cNvCxnSpPr>
+            <a:cxnSpLocks/>
+            <a:stCxn id="132" idx="2"/>
+            <a:endCxn id="243" idx="0"/>
+          </p:cNvCxnSpPr>
+          <p:nvPr/>
+        </p:nvCxnSpPr>
+        <p:spPr>
+          <a:xfrm rot="5400000">
+            <a:off x="16679373" y="5838403"/>
+            <a:ext cx="390353" cy="1347022"/>
+          </a:xfrm>
+          <a:prstGeom prst="bentConnector3">
+            <a:avLst>
+              <a:gd name="adj1" fmla="val 50000"/>
+            </a:avLst>
+          </a:prstGeom>
+          <a:ln w="28575">
+            <a:tailEnd type="arrow"/>
+          </a:ln>
+        </p:spPr>
+        <p:style>
+          <a:lnRef idx="1">
+            <a:schemeClr val="accent1"/>
+          </a:lnRef>
+          <a:fillRef idx="0">
+            <a:schemeClr val="accent1"/>
+          </a:fillRef>
+          <a:effectRef idx="0">
+            <a:schemeClr val="accent1"/>
+          </a:effectRef>
+          <a:fontRef idx="minor">
+            <a:schemeClr val="tx1"/>
+          </a:fontRef>
+        </p:style>
+      </p:cxnSp>
+      <p:cxnSp>
+        <p:nvCxnSpPr>
+          <p:cNvPr id="147" name="Shape 248">
+            <a:extLst>
+              <a:ext uri="{FF2B5EF4-FFF2-40B4-BE49-F238E27FC236}">
+                <a16:creationId xmlns:a16="http://schemas.microsoft.com/office/drawing/2014/main" id="{80E2086F-3E60-4652-AE9A-32DB04678296}"/>
+              </a:ext>
+            </a:extLst>
+          </p:cNvPr>
+          <p:cNvCxnSpPr>
+            <a:cxnSpLocks/>
+            <a:stCxn id="132" idx="2"/>
+            <a:endCxn id="245" idx="0"/>
+          </p:cNvCxnSpPr>
+          <p:nvPr/>
+        </p:nvCxnSpPr>
+        <p:spPr>
+          <a:xfrm rot="16200000" flipH="1">
+            <a:off x="18024640" y="5840157"/>
+            <a:ext cx="390353" cy="1343513"/>
+          </a:xfrm>
+          <a:prstGeom prst="bentConnector3">
+            <a:avLst>
+              <a:gd name="adj1" fmla="val 50000"/>
+            </a:avLst>
+          </a:prstGeom>
+          <a:ln w="28575">
+            <a:tailEnd type="arrow"/>
+          </a:ln>
+        </p:spPr>
+        <p:style>
+          <a:lnRef idx="1">
+            <a:schemeClr val="accent1"/>
+          </a:lnRef>
+          <a:fillRef idx="0">
+            <a:schemeClr val="accent1"/>
+          </a:fillRef>
+          <a:effectRef idx="0">
+            <a:schemeClr val="accent1"/>
+          </a:effectRef>
+          <a:fontRef idx="minor">
+            <a:schemeClr val="tx1"/>
+          </a:fontRef>
+        </p:style>
+      </p:cxnSp>
+      <p:cxnSp>
+        <p:nvCxnSpPr>
+          <p:cNvPr id="148" name="Shape 248">
+            <a:extLst>
+              <a:ext uri="{FF2B5EF4-FFF2-40B4-BE49-F238E27FC236}">
+                <a16:creationId xmlns:a16="http://schemas.microsoft.com/office/drawing/2014/main" id="{E0B741F2-E935-498D-AC4E-642D3630538B}"/>
+              </a:ext>
+            </a:extLst>
+          </p:cNvPr>
+          <p:cNvCxnSpPr>
+            <a:cxnSpLocks/>
+            <a:stCxn id="135" idx="2"/>
+            <a:endCxn id="137" idx="0"/>
+          </p:cNvCxnSpPr>
+          <p:nvPr/>
+        </p:nvCxnSpPr>
+        <p:spPr>
+          <a:xfrm rot="16200000" flipH="1">
+            <a:off x="16700746" y="10218380"/>
+            <a:ext cx="356353" cy="1338275"/>
+          </a:xfrm>
+          <a:prstGeom prst="bentConnector3">
+            <a:avLst>
+              <a:gd name="adj1" fmla="val 50000"/>
+            </a:avLst>
+          </a:prstGeom>
+          <a:ln w="28575">
+            <a:tailEnd type="arrow"/>
+          </a:ln>
+        </p:spPr>
+        <p:style>
+          <a:lnRef idx="1">
+            <a:schemeClr val="accent1"/>
+          </a:lnRef>
+          <a:fillRef idx="0">
+            <a:schemeClr val="accent1"/>
+          </a:fillRef>
+          <a:effectRef idx="0">
+            <a:schemeClr val="accent1"/>
+          </a:effectRef>
+          <a:fontRef idx="minor">
+            <a:schemeClr val="tx1"/>
+          </a:fontRef>
+        </p:style>
+      </p:cxnSp>
+      <p:cxnSp>
+        <p:nvCxnSpPr>
+          <p:cNvPr id="149" name="Shape 248">
+            <a:extLst>
+              <a:ext uri="{FF2B5EF4-FFF2-40B4-BE49-F238E27FC236}">
+                <a16:creationId xmlns:a16="http://schemas.microsoft.com/office/drawing/2014/main" id="{47638B92-B99E-4CB4-99E2-4C7AC3B60060}"/>
+              </a:ext>
+            </a:extLst>
+          </p:cNvPr>
+          <p:cNvCxnSpPr>
+            <a:cxnSpLocks/>
+            <a:stCxn id="135" idx="2"/>
+            <a:endCxn id="138" idx="0"/>
+          </p:cNvCxnSpPr>
+          <p:nvPr/>
+        </p:nvCxnSpPr>
+        <p:spPr>
+          <a:xfrm rot="5400000">
+            <a:off x="15359400" y="10210935"/>
+            <a:ext cx="351978" cy="1348792"/>
+          </a:xfrm>
+          <a:prstGeom prst="bentConnector3">
+            <a:avLst>
+              <a:gd name="adj1" fmla="val 50000"/>
+            </a:avLst>
+          </a:prstGeom>
+          <a:ln w="28575">
+            <a:tailEnd type="arrow"/>
+          </a:ln>
+        </p:spPr>
+        <p:style>
+          <a:lnRef idx="1">
+            <a:schemeClr val="accent1"/>
+          </a:lnRef>
+          <a:fillRef idx="0">
+            <a:schemeClr val="accent1"/>
+          </a:fillRef>
+          <a:effectRef idx="0">
+            <a:schemeClr val="accent1"/>
+          </a:effectRef>
+          <a:fontRef idx="minor">
+            <a:schemeClr val="tx1"/>
+          </a:fontRef>
+        </p:style>
+      </p:cxnSp>
+      <p:cxnSp>
+        <p:nvCxnSpPr>
+          <p:cNvPr id="152" name="Shape 248">
+            <a:extLst>
+              <a:ext uri="{FF2B5EF4-FFF2-40B4-BE49-F238E27FC236}">
+                <a16:creationId xmlns:a16="http://schemas.microsoft.com/office/drawing/2014/main" id="{7C8EDC8E-CDE1-4CA2-91B4-52D4658E58DA}"/>
+              </a:ext>
+            </a:extLst>
+          </p:cNvPr>
+          <p:cNvCxnSpPr>
+            <a:cxnSpLocks/>
+            <a:stCxn id="140" idx="2"/>
+            <a:endCxn id="142" idx="0"/>
+          </p:cNvCxnSpPr>
+          <p:nvPr/>
+        </p:nvCxnSpPr>
+        <p:spPr>
+          <a:xfrm rot="5400000">
+            <a:off x="17987397" y="11620227"/>
+            <a:ext cx="1823200" cy="1430"/>
+          </a:xfrm>
+          <a:prstGeom prst="bentConnector3">
+            <a:avLst>
+              <a:gd name="adj1" fmla="val 50000"/>
+            </a:avLst>
+          </a:prstGeom>
+          <a:ln w="28575">
+            <a:tailEnd type="arrow"/>
+          </a:ln>
+        </p:spPr>
+        <p:style>
+          <a:lnRef idx="1">
+            <a:schemeClr val="accent1"/>
+          </a:lnRef>
+          <a:fillRef idx="0">
+            <a:schemeClr val="accent1"/>
+          </a:fillRef>
+          <a:effectRef idx="0">
+            <a:schemeClr val="accent1"/>
+          </a:effectRef>
+          <a:fontRef idx="minor">
+            <a:schemeClr val="tx1"/>
+          </a:fontRef>
+        </p:style>
+      </p:cxnSp>
+      <p:cxnSp>
+        <p:nvCxnSpPr>
+          <p:cNvPr id="155" name="Shape 248">
+            <a:extLst>
+              <a:ext uri="{FF2B5EF4-FFF2-40B4-BE49-F238E27FC236}">
+                <a16:creationId xmlns:a16="http://schemas.microsoft.com/office/drawing/2014/main" id="{1279B33C-FD72-4315-86F0-C7DB150F3DD1}"/>
+              </a:ext>
+            </a:extLst>
+          </p:cNvPr>
+          <p:cNvCxnSpPr>
+            <a:cxnSpLocks/>
+            <a:stCxn id="142" idx="2"/>
+            <a:endCxn id="144" idx="0"/>
+          </p:cNvCxnSpPr>
+          <p:nvPr/>
+        </p:nvCxnSpPr>
+        <p:spPr>
+          <a:xfrm rot="5400000">
+            <a:off x="18071726" y="13081938"/>
+            <a:ext cx="295953" cy="1357160"/>
+          </a:xfrm>
+          <a:prstGeom prst="bentConnector3">
+            <a:avLst>
+              <a:gd name="adj1" fmla="val 50000"/>
+            </a:avLst>
+          </a:prstGeom>
+          <a:ln w="28575">
+            <a:tailEnd type="arrow"/>
+          </a:ln>
+        </p:spPr>
+        <p:style>
+          <a:lnRef idx="1">
+            <a:schemeClr val="accent1"/>
+          </a:lnRef>
+          <a:fillRef idx="0">
+            <a:schemeClr val="accent1"/>
+          </a:fillRef>
+          <a:effectRef idx="0">
+            <a:schemeClr val="accent1"/>
+          </a:effectRef>
+          <a:fontRef idx="minor">
+            <a:schemeClr val="tx1"/>
+          </a:fontRef>
+        </p:style>
+      </p:cxnSp>
+      <p:cxnSp>
+        <p:nvCxnSpPr>
+          <p:cNvPr id="158" name="Shape 248">
+            <a:extLst>
+              <a:ext uri="{FF2B5EF4-FFF2-40B4-BE49-F238E27FC236}">
+                <a16:creationId xmlns:a16="http://schemas.microsoft.com/office/drawing/2014/main" id="{6CED0B40-61B7-466B-8F67-3EF77B3584A5}"/>
+              </a:ext>
+            </a:extLst>
+          </p:cNvPr>
+          <p:cNvCxnSpPr>
+            <a:cxnSpLocks/>
+            <a:stCxn id="142" idx="2"/>
+            <a:endCxn id="143" idx="0"/>
+          </p:cNvCxnSpPr>
+          <p:nvPr/>
+        </p:nvCxnSpPr>
+        <p:spPr>
+          <a:xfrm rot="16200000" flipH="1">
+            <a:off x="19395348" y="13115476"/>
+            <a:ext cx="295953" cy="1290084"/>
+          </a:xfrm>
+          <a:prstGeom prst="bentConnector3">
+            <a:avLst>
+              <a:gd name="adj1" fmla="val 50000"/>
+            </a:avLst>
+          </a:prstGeom>
+          <a:ln w="28575">
+            <a:tailEnd type="arrow"/>
+          </a:ln>
+        </p:spPr>
+        <p:style>
+          <a:lnRef idx="1">
+            <a:schemeClr val="accent1"/>
+          </a:lnRef>
+          <a:fillRef idx="0">
+            <a:schemeClr val="accent1"/>
+          </a:fillRef>
+          <a:effectRef idx="0">
+            <a:schemeClr val="accent1"/>
+          </a:effectRef>
+          <a:fontRef idx="minor">
+            <a:schemeClr val="tx1"/>
+          </a:fontRef>
+        </p:style>
+      </p:cxnSp>
+      <p:sp>
+        <p:nvSpPr>
+          <p:cNvPr id="161" name="Прямоугольник 160">
+            <a:extLst>
+              <a:ext uri="{FF2B5EF4-FFF2-40B4-BE49-F238E27FC236}">
+                <a16:creationId xmlns:a16="http://schemas.microsoft.com/office/drawing/2014/main" id="{5198995C-E84D-44CF-8362-6FC5D4B1143B}"/>
+              </a:ext>
+            </a:extLst>
+          </p:cNvPr>
+          <p:cNvSpPr/>
+          <p:nvPr/>
+        </p:nvSpPr>
+        <p:spPr>
+          <a:xfrm>
+            <a:off x="21854560" y="13908495"/>
+            <a:ext cx="2115918" cy="1080000"/>
+          </a:xfrm>
+          <a:prstGeom prst="rect">
+            <a:avLst/>
+          </a:prstGeom>
+          <a:solidFill>
+            <a:schemeClr val="accent1">
+              <a:lumMod val="60000"/>
+              <a:lumOff val="40000"/>
+            </a:schemeClr>
+          </a:solidFill>
+          <a:ln w="28575"/>
+        </p:spPr>
+        <p:style>
+          <a:lnRef idx="2">
+            <a:schemeClr val="accent1"/>
+          </a:lnRef>
+          <a:fillRef idx="1">
+            <a:schemeClr val="lt1"/>
+          </a:fillRef>
+          <a:effectRef idx="0">
+            <a:schemeClr val="accent1"/>
+          </a:effectRef>
+          <a:fontRef idx="minor">
+            <a:schemeClr val="dk1"/>
+          </a:fontRef>
+        </p:style>
+        <p:txBody>
+          <a:bodyPr lIns="124733" tIns="62367" rIns="124733" bIns="62367" rtlCol="0" anchor="ctr"/>
+          <a:lstStyle/>
+          <a:p>
+            <a:pPr algn="ctr"/>
+            <a:r>
+              <a:rPr lang="ru-RU" sz="1400" dirty="0"/>
+              <a:t>Освободить Анголу (текущее)</a:t>
+            </a:r>
+            <a:endParaRPr lang="ru-RU" sz="500" dirty="0"/>
+          </a:p>
+        </p:txBody>
+      </p:sp>
+      <p:sp>
+        <p:nvSpPr>
+          <p:cNvPr id="162" name="Прямоугольник 161">
+            <a:extLst>
+              <a:ext uri="{FF2B5EF4-FFF2-40B4-BE49-F238E27FC236}">
+                <a16:creationId xmlns:a16="http://schemas.microsoft.com/office/drawing/2014/main" id="{4020F592-5054-4E4A-B023-6359EC72C162}"/>
+              </a:ext>
+            </a:extLst>
+          </p:cNvPr>
+          <p:cNvSpPr/>
+          <p:nvPr/>
+        </p:nvSpPr>
+        <p:spPr>
+          <a:xfrm>
+            <a:off x="21854560" y="11063210"/>
+            <a:ext cx="2115918" cy="1080000"/>
+          </a:xfrm>
+          <a:prstGeom prst="rect">
+            <a:avLst/>
+          </a:prstGeom>
+          <a:solidFill>
+            <a:schemeClr val="accent1">
+              <a:lumMod val="60000"/>
+              <a:lumOff val="40000"/>
+            </a:schemeClr>
+          </a:solidFill>
+          <a:ln w="28575"/>
+        </p:spPr>
+        <p:style>
+          <a:lnRef idx="2">
+            <a:schemeClr val="accent1"/>
+          </a:lnRef>
+          <a:fillRef idx="1">
+            <a:schemeClr val="lt1"/>
+          </a:fillRef>
+          <a:effectRef idx="0">
+            <a:schemeClr val="accent1"/>
+          </a:effectRef>
+          <a:fontRef idx="minor">
+            <a:schemeClr val="dk1"/>
+          </a:fontRef>
+        </p:style>
+        <p:txBody>
+          <a:bodyPr lIns="124733" tIns="62367" rIns="124733" bIns="62367" rtlCol="0" anchor="ctr"/>
+          <a:lstStyle/>
+          <a:p>
+            <a:pPr algn="ctr"/>
+            <a:r>
+              <a:rPr lang="ru-RU" sz="1400" dirty="0"/>
+              <a:t>Пригласить Эфиопию (текущее)</a:t>
+            </a:r>
+            <a:endParaRPr lang="ru-RU" sz="500" dirty="0"/>
+          </a:p>
+        </p:txBody>
+      </p:sp>
+      <p:sp>
+        <p:nvSpPr>
+          <p:cNvPr id="163" name="Прямоугольник 162">
+            <a:extLst>
+              <a:ext uri="{FF2B5EF4-FFF2-40B4-BE49-F238E27FC236}">
+                <a16:creationId xmlns:a16="http://schemas.microsoft.com/office/drawing/2014/main" id="{8E7A537A-8EE2-4454-A485-36EAF5844820}"/>
+              </a:ext>
+            </a:extLst>
+          </p:cNvPr>
+          <p:cNvSpPr/>
+          <p:nvPr/>
+        </p:nvSpPr>
+        <p:spPr>
+          <a:xfrm>
+            <a:off x="20528820" y="12497079"/>
+            <a:ext cx="2115918" cy="1080000"/>
+          </a:xfrm>
+          <a:prstGeom prst="rect">
+            <a:avLst/>
+          </a:prstGeom>
+          <a:solidFill>
+            <a:schemeClr val="accent1">
+              <a:lumMod val="60000"/>
+              <a:lumOff val="40000"/>
+            </a:schemeClr>
+          </a:solidFill>
+          <a:ln w="28575"/>
+        </p:spPr>
+        <p:style>
+          <a:lnRef idx="2">
+            <a:schemeClr val="accent1"/>
+          </a:lnRef>
+          <a:fillRef idx="1">
+            <a:schemeClr val="lt1"/>
+          </a:fillRef>
+          <a:effectRef idx="0">
+            <a:schemeClr val="accent1"/>
+          </a:effectRef>
+          <a:fontRef idx="minor">
+            <a:schemeClr val="dk1"/>
+          </a:fontRef>
+        </p:style>
+        <p:txBody>
+          <a:bodyPr lIns="124733" tIns="62367" rIns="124733" bIns="62367" rtlCol="0" anchor="ctr"/>
+          <a:lstStyle/>
+          <a:p>
+            <a:pPr algn="ctr"/>
+            <a:r>
+              <a:rPr lang="ru-RU" sz="1400" dirty="0"/>
+              <a:t>Пригласить Мозамбик (текущее)</a:t>
+            </a:r>
+            <a:endParaRPr lang="ru-RU" sz="500" dirty="0"/>
+          </a:p>
+        </p:txBody>
+      </p:sp>
+      <p:sp>
+        <p:nvSpPr>
+          <p:cNvPr id="164" name="Прямоугольник 163">
+            <a:extLst>
+              <a:ext uri="{FF2B5EF4-FFF2-40B4-BE49-F238E27FC236}">
+                <a16:creationId xmlns:a16="http://schemas.microsoft.com/office/drawing/2014/main" id="{4FF87BA2-DD53-4A8E-BC1F-D19E1127E3CD}"/>
+              </a:ext>
+            </a:extLst>
+          </p:cNvPr>
+          <p:cNvSpPr/>
+          <p:nvPr/>
+        </p:nvSpPr>
+        <p:spPr>
+          <a:xfrm>
+            <a:off x="19180336" y="11063211"/>
+            <a:ext cx="2115918" cy="1080000"/>
+          </a:xfrm>
+          <a:prstGeom prst="rect">
+            <a:avLst/>
+          </a:prstGeom>
+          <a:solidFill>
+            <a:schemeClr val="accent1">
+              <a:lumMod val="60000"/>
+              <a:lumOff val="40000"/>
+            </a:schemeClr>
+          </a:solidFill>
+          <a:ln w="28575"/>
+        </p:spPr>
+        <p:style>
+          <a:lnRef idx="2">
+            <a:schemeClr val="accent1"/>
+          </a:lnRef>
+          <a:fillRef idx="1">
+            <a:schemeClr val="lt1"/>
+          </a:fillRef>
+          <a:effectRef idx="0">
+            <a:schemeClr val="accent1"/>
+          </a:effectRef>
+          <a:fontRef idx="minor">
+            <a:schemeClr val="dk1"/>
+          </a:fontRef>
+        </p:style>
+        <p:txBody>
+          <a:bodyPr lIns="124733" tIns="62367" rIns="124733" bIns="62367" rtlCol="0" anchor="ctr"/>
+          <a:lstStyle/>
+          <a:p>
+            <a:pPr algn="ctr"/>
+            <a:r>
+              <a:rPr lang="ru-RU" sz="1400" dirty="0"/>
+              <a:t>Пригласить Либерию (текущее)</a:t>
+            </a:r>
+            <a:endParaRPr lang="ru-RU" sz="500" dirty="0"/>
+          </a:p>
+        </p:txBody>
+      </p:sp>
+      <p:cxnSp>
+        <p:nvCxnSpPr>
+          <p:cNvPr id="165" name="Shape 248">
+            <a:extLst>
+              <a:ext uri="{FF2B5EF4-FFF2-40B4-BE49-F238E27FC236}">
+                <a16:creationId xmlns:a16="http://schemas.microsoft.com/office/drawing/2014/main" id="{C584C0F4-71B5-4D37-8305-6677CA9CA6F0}"/>
+              </a:ext>
+            </a:extLst>
+          </p:cNvPr>
+          <p:cNvCxnSpPr>
+            <a:cxnSpLocks/>
+            <a:stCxn id="140" idx="2"/>
+            <a:endCxn id="162" idx="0"/>
+          </p:cNvCxnSpPr>
+          <p:nvPr/>
+        </p:nvCxnSpPr>
+        <p:spPr>
+          <a:xfrm rot="16200000" flipH="1">
+            <a:off x="20729181" y="8879872"/>
+            <a:ext cx="353868" cy="4012807"/>
+          </a:xfrm>
+          <a:prstGeom prst="bentConnector3">
+            <a:avLst>
+              <a:gd name="adj1" fmla="val 50000"/>
+            </a:avLst>
+          </a:prstGeom>
+          <a:ln w="28575">
+            <a:tailEnd type="arrow"/>
+          </a:ln>
+        </p:spPr>
+        <p:style>
+          <a:lnRef idx="1">
+            <a:schemeClr val="accent1"/>
+          </a:lnRef>
+          <a:fillRef idx="0">
+            <a:schemeClr val="accent1"/>
+          </a:fillRef>
+          <a:effectRef idx="0">
+            <a:schemeClr val="accent1"/>
+          </a:effectRef>
+          <a:fontRef idx="minor">
+            <a:schemeClr val="tx1"/>
+          </a:fontRef>
+        </p:style>
+      </p:cxnSp>
+      <p:cxnSp>
+        <p:nvCxnSpPr>
+          <p:cNvPr id="168" name="Shape 248">
+            <a:extLst>
+              <a:ext uri="{FF2B5EF4-FFF2-40B4-BE49-F238E27FC236}">
+                <a16:creationId xmlns:a16="http://schemas.microsoft.com/office/drawing/2014/main" id="{3E5C971E-8B32-48F3-BCFC-6EDF7FDD62B8}"/>
+              </a:ext>
+            </a:extLst>
+          </p:cNvPr>
+          <p:cNvCxnSpPr>
+            <a:cxnSpLocks/>
+            <a:stCxn id="140" idx="2"/>
+            <a:endCxn id="164" idx="0"/>
+          </p:cNvCxnSpPr>
+          <p:nvPr/>
+        </p:nvCxnSpPr>
+        <p:spPr>
+          <a:xfrm rot="16200000" flipH="1">
+            <a:off x="19392069" y="10216984"/>
+            <a:ext cx="353869" cy="1338583"/>
+          </a:xfrm>
+          <a:prstGeom prst="bentConnector3">
+            <a:avLst>
+              <a:gd name="adj1" fmla="val 50000"/>
+            </a:avLst>
+          </a:prstGeom>
+          <a:ln w="28575">
+            <a:tailEnd type="arrow"/>
+          </a:ln>
+        </p:spPr>
+        <p:style>
+          <a:lnRef idx="1">
+            <a:schemeClr val="accent1"/>
+          </a:lnRef>
+          <a:fillRef idx="0">
+            <a:schemeClr val="accent1"/>
+          </a:fillRef>
+          <a:effectRef idx="0">
+            <a:schemeClr val="accent1"/>
+          </a:effectRef>
+          <a:fontRef idx="minor">
+            <a:schemeClr val="tx1"/>
+          </a:fontRef>
+        </p:style>
+      </p:cxnSp>
+      <p:cxnSp>
+        <p:nvCxnSpPr>
+          <p:cNvPr id="171" name="Shape 248">
+            <a:extLst>
+              <a:ext uri="{FF2B5EF4-FFF2-40B4-BE49-F238E27FC236}">
+                <a16:creationId xmlns:a16="http://schemas.microsoft.com/office/drawing/2014/main" id="{388CEDB2-BCE5-47F4-A263-5613F83B749C}"/>
+              </a:ext>
+            </a:extLst>
+          </p:cNvPr>
+          <p:cNvCxnSpPr>
+            <a:cxnSpLocks/>
+            <a:stCxn id="142" idx="2"/>
+            <a:endCxn id="161" idx="0"/>
+          </p:cNvCxnSpPr>
+          <p:nvPr/>
+        </p:nvCxnSpPr>
+        <p:spPr>
+          <a:xfrm rot="16200000" flipH="1">
+            <a:off x="20757424" y="11753399"/>
+            <a:ext cx="295953" cy="4014237"/>
+          </a:xfrm>
+          <a:prstGeom prst="bentConnector3">
+            <a:avLst>
+              <a:gd name="adj1" fmla="val 50000"/>
+            </a:avLst>
+          </a:prstGeom>
+          <a:ln w="28575">
+            <a:tailEnd type="arrow"/>
+          </a:ln>
+        </p:spPr>
+        <p:style>
+          <a:lnRef idx="1">
+            <a:schemeClr val="accent1"/>
+          </a:lnRef>
+          <a:fillRef idx="0">
+            <a:schemeClr val="accent1"/>
+          </a:fillRef>
+          <a:effectRef idx="0">
+            <a:schemeClr val="accent1"/>
+          </a:effectRef>
+          <a:fontRef idx="minor">
+            <a:schemeClr val="tx1"/>
+          </a:fontRef>
+        </p:style>
+      </p:cxnSp>
+      <p:cxnSp>
+        <p:nvCxnSpPr>
+          <p:cNvPr id="175" name="Shape 248">
+            <a:extLst>
+              <a:ext uri="{FF2B5EF4-FFF2-40B4-BE49-F238E27FC236}">
+                <a16:creationId xmlns:a16="http://schemas.microsoft.com/office/drawing/2014/main" id="{15ABCEDF-284E-44F8-83ED-B2CE718081A7}"/>
+              </a:ext>
+            </a:extLst>
+          </p:cNvPr>
+          <p:cNvCxnSpPr>
+            <a:cxnSpLocks/>
+            <a:stCxn id="140" idx="2"/>
+            <a:endCxn id="163" idx="0"/>
+          </p:cNvCxnSpPr>
+          <p:nvPr/>
+        </p:nvCxnSpPr>
+        <p:spPr>
+          <a:xfrm rot="16200000" flipH="1">
+            <a:off x="19349377" y="10259676"/>
+            <a:ext cx="1787737" cy="2687067"/>
+          </a:xfrm>
+          <a:prstGeom prst="bentConnector3">
+            <a:avLst>
+              <a:gd name="adj1" fmla="val 10293"/>
+            </a:avLst>
+          </a:prstGeom>
+          <a:ln w="28575">
+            <a:tailEnd type="arrow"/>
+          </a:ln>
+        </p:spPr>
+        <p:style>
+          <a:lnRef idx="1">
+            <a:schemeClr val="accent1"/>
+          </a:lnRef>
+          <a:fillRef idx="0">
+            <a:schemeClr val="accent1"/>
+          </a:fillRef>
+          <a:effectRef idx="0">
+            <a:schemeClr val="accent1"/>
+          </a:effectRef>
+          <a:fontRef idx="minor">
+            <a:schemeClr val="tx1"/>
+          </a:fontRef>
+        </p:style>
+      </p:cxnSp>
+      <p:sp>
+        <p:nvSpPr>
+          <p:cNvPr id="179" name="Прямоугольник 178">
+            <a:extLst>
+              <a:ext uri="{FF2B5EF4-FFF2-40B4-BE49-F238E27FC236}">
+                <a16:creationId xmlns:a16="http://schemas.microsoft.com/office/drawing/2014/main" id="{4D450CD8-6BA8-4CE6-A7AF-1D646DC797A7}"/>
+              </a:ext>
+            </a:extLst>
+          </p:cNvPr>
+          <p:cNvSpPr/>
+          <p:nvPr/>
+        </p:nvSpPr>
+        <p:spPr>
+          <a:xfrm>
+            <a:off x="37971733" y="5285920"/>
+            <a:ext cx="2115918" cy="1080000"/>
+          </a:xfrm>
+          <a:prstGeom prst="rect">
+            <a:avLst/>
+          </a:prstGeom>
+          <a:solidFill>
+            <a:srgbClr val="FF0000"/>
+          </a:solidFill>
+          <a:ln w="28575"/>
+        </p:spPr>
+        <p:style>
+          <a:lnRef idx="2">
+            <a:schemeClr val="accent1"/>
+          </a:lnRef>
+          <a:fillRef idx="1">
+            <a:schemeClr val="lt1"/>
+          </a:fillRef>
+          <a:effectRef idx="0">
+            <a:schemeClr val="accent1"/>
+          </a:effectRef>
+          <a:fontRef idx="minor">
+            <a:schemeClr val="dk1"/>
+          </a:fontRef>
+        </p:style>
+        <p:txBody>
+          <a:bodyPr lIns="124733" tIns="62367" rIns="124733" bIns="62367" rtlCol="0" anchor="ctr"/>
+          <a:lstStyle/>
+          <a:p>
+            <a:pPr algn="ctr"/>
+            <a:r>
+              <a:rPr lang="ru-RU" sz="1400" dirty="0"/>
+              <a:t>Создать чёрную Республику </a:t>
+            </a:r>
+            <a:r>
+              <a:rPr lang="ru-RU" sz="400" dirty="0"/>
+              <a:t>(Текущее, </a:t>
+            </a:r>
+            <a:r>
+              <a:rPr lang="ru-RU" sz="400" dirty="0" err="1"/>
+              <a:t>переименоватьКПСА</a:t>
+            </a:r>
+            <a:r>
+              <a:rPr lang="ru-RU" sz="400" dirty="0"/>
+              <a:t>, которым манипулировали аппаратчики Коминтерна, была вынуждена в 1928 году принять лозунг Черной республики во время пресловутого Третьего периода, который должен был ознаменовать начало мировой революции. В последовавших ссорах ведущие члены были изгнаны и осуждены на самых постыдных условиях. Иногда это было, по-видимому, исключение ради исключения (потому что это был единственный способ держать партию в тонусе!).)</a:t>
+            </a:r>
+            <a:endParaRPr lang="ru-RU" sz="800" dirty="0"/>
+          </a:p>
+        </p:txBody>
+      </p:sp>
+      <p:sp>
+        <p:nvSpPr>
+          <p:cNvPr id="180" name="Прямоугольник 179">
+            <a:extLst>
+              <a:ext uri="{FF2B5EF4-FFF2-40B4-BE49-F238E27FC236}">
+                <a16:creationId xmlns:a16="http://schemas.microsoft.com/office/drawing/2014/main" id="{40BC13A1-50C0-4F8A-A26E-B9A261B680F0}"/>
+              </a:ext>
+            </a:extLst>
+          </p:cNvPr>
+          <p:cNvSpPr/>
+          <p:nvPr/>
+        </p:nvSpPr>
+        <p:spPr>
+          <a:xfrm>
+            <a:off x="36623565" y="6707091"/>
+            <a:ext cx="2115918" cy="1080000"/>
+          </a:xfrm>
+          <a:prstGeom prst="rect">
+            <a:avLst/>
+          </a:prstGeom>
+          <a:solidFill>
+            <a:srgbClr val="FF0000"/>
+          </a:solidFill>
+          <a:ln w="28575"/>
+        </p:spPr>
+        <p:style>
+          <a:lnRef idx="2">
+            <a:schemeClr val="accent1"/>
+          </a:lnRef>
+          <a:fillRef idx="1">
+            <a:schemeClr val="lt1"/>
+          </a:fillRef>
+          <a:effectRef idx="0">
+            <a:schemeClr val="accent1"/>
+          </a:effectRef>
+          <a:fontRef idx="minor">
+            <a:schemeClr val="dk1"/>
+          </a:fontRef>
+        </p:style>
+        <p:txBody>
+          <a:bodyPr lIns="124733" tIns="62367" rIns="124733" bIns="62367" rtlCol="0" anchor="ctr"/>
+          <a:lstStyle/>
+          <a:p>
+            <a:pPr algn="ctr"/>
+            <a:r>
+              <a:rPr lang="ru-RU" sz="1400" dirty="0"/>
+              <a:t>Политика родной земли </a:t>
+            </a:r>
+            <a:r>
+              <a:rPr lang="ru-RU" sz="1050" dirty="0"/>
+              <a:t>(Текущее)</a:t>
+            </a:r>
+            <a:endParaRPr lang="ru-RU" sz="800" dirty="0"/>
+          </a:p>
+        </p:txBody>
+      </p:sp>
+      <p:cxnSp>
+        <p:nvCxnSpPr>
+          <p:cNvPr id="181" name="Прямая соединительная линия 180">
+            <a:extLst>
+              <a:ext uri="{FF2B5EF4-FFF2-40B4-BE49-F238E27FC236}">
+                <a16:creationId xmlns:a16="http://schemas.microsoft.com/office/drawing/2014/main" id="{C0AA5F36-639B-4043-9411-7F1C19FF42D1}"/>
+              </a:ext>
+            </a:extLst>
+          </p:cNvPr>
+          <p:cNvCxnSpPr>
+            <a:cxnSpLocks/>
+          </p:cNvCxnSpPr>
+          <p:nvPr/>
+        </p:nvCxnSpPr>
+        <p:spPr>
+          <a:xfrm>
+            <a:off x="38593077" y="4500396"/>
+            <a:ext cx="3254204" cy="0"/>
+          </a:xfrm>
+          <a:prstGeom prst="line">
+            <a:avLst/>
+          </a:prstGeom>
+          <a:ln w="38100">
+            <a:solidFill>
+              <a:srgbClr val="FF0000"/>
+            </a:solidFill>
+          </a:ln>
+        </p:spPr>
+        <p:style>
+          <a:lnRef idx="1">
+            <a:schemeClr val="accent2"/>
+          </a:lnRef>
+          <a:fillRef idx="0">
+            <a:schemeClr val="accent2"/>
+          </a:fillRef>
+          <a:effectRef idx="0">
+            <a:schemeClr val="accent2"/>
+          </a:effectRef>
+          <a:fontRef idx="minor">
+            <a:schemeClr val="tx1"/>
+          </a:fontRef>
+        </p:style>
+      </p:cxnSp>
+      <p:sp>
+        <p:nvSpPr>
+          <p:cNvPr id="182" name="Прямоугольник 181">
+            <a:extLst>
+              <a:ext uri="{FF2B5EF4-FFF2-40B4-BE49-F238E27FC236}">
+                <a16:creationId xmlns:a16="http://schemas.microsoft.com/office/drawing/2014/main" id="{95166D09-967B-48B4-A7E5-518E9CABBC8E}"/>
+              </a:ext>
+            </a:extLst>
+          </p:cNvPr>
+          <p:cNvSpPr/>
+          <p:nvPr/>
+        </p:nvSpPr>
+        <p:spPr>
+          <a:xfrm>
+            <a:off x="39307141" y="6707091"/>
+            <a:ext cx="2115918" cy="1080000"/>
+          </a:xfrm>
+          <a:prstGeom prst="rect">
+            <a:avLst/>
+          </a:prstGeom>
+          <a:solidFill>
+            <a:srgbClr val="FF0000"/>
+          </a:solidFill>
+          <a:ln w="28575"/>
+        </p:spPr>
+        <p:style>
+          <a:lnRef idx="2">
+            <a:schemeClr val="accent1"/>
+          </a:lnRef>
+          <a:fillRef idx="1">
+            <a:schemeClr val="lt1"/>
+          </a:fillRef>
+          <a:effectRef idx="0">
+            <a:schemeClr val="accent1"/>
+          </a:effectRef>
+          <a:fontRef idx="minor">
+            <a:schemeClr val="dk1"/>
+          </a:fontRef>
+        </p:style>
+        <p:txBody>
+          <a:bodyPr lIns="124733" tIns="62367" rIns="124733" bIns="62367" rtlCol="0" anchor="ctr"/>
+          <a:lstStyle/>
+          <a:p>
+            <a:pPr algn="ctr"/>
+            <a:r>
+              <a:rPr lang="ru-RU" sz="1400" dirty="0"/>
+              <a:t>Межрасовый союз </a:t>
+            </a:r>
+            <a:r>
+              <a:rPr lang="ru-RU" sz="1050" dirty="0"/>
+              <a:t>(Текущее)</a:t>
+            </a:r>
+            <a:endParaRPr lang="ru-RU" sz="800" dirty="0"/>
+          </a:p>
+        </p:txBody>
+      </p:sp>
+      <p:sp>
+        <p:nvSpPr>
+          <p:cNvPr id="183" name="Прямоугольник 182">
+            <a:extLst>
+              <a:ext uri="{FF2B5EF4-FFF2-40B4-BE49-F238E27FC236}">
+                <a16:creationId xmlns:a16="http://schemas.microsoft.com/office/drawing/2014/main" id="{D04E1CE4-188F-4F4B-8A68-8D0B3634515C}"/>
+              </a:ext>
+            </a:extLst>
+          </p:cNvPr>
+          <p:cNvSpPr/>
+          <p:nvPr/>
+        </p:nvSpPr>
+        <p:spPr>
+          <a:xfrm>
+            <a:off x="41988821" y="6719792"/>
+            <a:ext cx="2115918" cy="1080000"/>
+          </a:xfrm>
+          <a:prstGeom prst="rect">
+            <a:avLst/>
+          </a:prstGeom>
+          <a:solidFill>
+            <a:srgbClr val="FF0000"/>
+          </a:solidFill>
+          <a:ln w="28575"/>
+        </p:spPr>
+        <p:style>
+          <a:lnRef idx="2">
+            <a:schemeClr val="accent1"/>
+          </a:lnRef>
+          <a:fillRef idx="1">
+            <a:schemeClr val="lt1"/>
+          </a:fillRef>
+          <a:effectRef idx="0">
+            <a:schemeClr val="accent1"/>
+          </a:effectRef>
+          <a:fontRef idx="minor">
+            <a:schemeClr val="dk1"/>
+          </a:fontRef>
+        </p:style>
+        <p:txBody>
+          <a:bodyPr lIns="124733" tIns="62367" rIns="124733" bIns="62367" rtlCol="0" anchor="ctr"/>
+          <a:lstStyle/>
+          <a:p>
+            <a:pPr algn="ctr"/>
+            <a:r>
+              <a:rPr lang="ru-RU" sz="1400" dirty="0"/>
+              <a:t>Национализировать ресурсы южной Африки </a:t>
+            </a:r>
+            <a:r>
+              <a:rPr lang="ru-RU" sz="1050" dirty="0"/>
+              <a:t>(Текущее)</a:t>
+            </a:r>
+            <a:endParaRPr lang="ru-RU" sz="800" dirty="0"/>
+          </a:p>
+        </p:txBody>
+      </p:sp>
+      <p:sp>
+        <p:nvSpPr>
+          <p:cNvPr id="184" name="Прямоугольник 183">
+            <a:extLst>
+              <a:ext uri="{FF2B5EF4-FFF2-40B4-BE49-F238E27FC236}">
+                <a16:creationId xmlns:a16="http://schemas.microsoft.com/office/drawing/2014/main" id="{7D95E591-1D9F-40DF-BB43-A1025426DC3B}"/>
+              </a:ext>
+            </a:extLst>
+          </p:cNvPr>
+          <p:cNvSpPr/>
+          <p:nvPr/>
+        </p:nvSpPr>
+        <p:spPr>
+          <a:xfrm>
+            <a:off x="36627412" y="8150556"/>
+            <a:ext cx="2115918" cy="1080000"/>
+          </a:xfrm>
+          <a:prstGeom prst="rect">
+            <a:avLst/>
+          </a:prstGeom>
+          <a:solidFill>
+            <a:srgbClr val="FF0000"/>
+          </a:solidFill>
+          <a:ln w="28575"/>
+        </p:spPr>
+        <p:style>
+          <a:lnRef idx="2">
+            <a:schemeClr val="accent1"/>
+          </a:lnRef>
+          <a:fillRef idx="1">
+            <a:schemeClr val="lt1"/>
+          </a:fillRef>
+          <a:effectRef idx="0">
+            <a:schemeClr val="accent1"/>
+          </a:effectRef>
+          <a:fontRef idx="minor">
+            <a:schemeClr val="dk1"/>
+          </a:fontRef>
+        </p:style>
+        <p:txBody>
+          <a:bodyPr lIns="124733" tIns="62367" rIns="124733" bIns="62367" rtlCol="0" anchor="ctr"/>
+          <a:lstStyle/>
+          <a:p>
+            <a:pPr algn="ctr"/>
+            <a:r>
+              <a:rPr lang="ru-RU" sz="1400" dirty="0"/>
+              <a:t>Вступить в Коминтерн </a:t>
+            </a:r>
+            <a:r>
+              <a:rPr lang="ru-RU" sz="1050" dirty="0"/>
+              <a:t>(Текущее)</a:t>
+            </a:r>
+            <a:endParaRPr lang="ru-RU" sz="800" dirty="0"/>
+          </a:p>
+        </p:txBody>
+      </p:sp>
+      <p:sp>
+        <p:nvSpPr>
+          <p:cNvPr id="185" name="Прямоугольник 184">
+            <a:extLst>
+              <a:ext uri="{FF2B5EF4-FFF2-40B4-BE49-F238E27FC236}">
+                <a16:creationId xmlns:a16="http://schemas.microsoft.com/office/drawing/2014/main" id="{058EE3DC-17CD-4AA3-93E0-8E5381277B21}"/>
+              </a:ext>
+            </a:extLst>
+          </p:cNvPr>
+          <p:cNvSpPr/>
+          <p:nvPr/>
+        </p:nvSpPr>
+        <p:spPr>
+          <a:xfrm>
+            <a:off x="39307141" y="8156906"/>
+            <a:ext cx="2115918" cy="1080000"/>
+          </a:xfrm>
+          <a:prstGeom prst="rect">
+            <a:avLst/>
+          </a:prstGeom>
+          <a:solidFill>
+            <a:srgbClr val="FF0000"/>
+          </a:solidFill>
+          <a:ln w="28575"/>
+        </p:spPr>
+        <p:style>
+          <a:lnRef idx="2">
+            <a:schemeClr val="accent1"/>
+          </a:lnRef>
+          <a:fillRef idx="1">
+            <a:schemeClr val="lt1"/>
+          </a:fillRef>
+          <a:effectRef idx="0">
+            <a:schemeClr val="accent1"/>
+          </a:effectRef>
+          <a:fontRef idx="minor">
+            <a:schemeClr val="dk1"/>
+          </a:fontRef>
+        </p:style>
+        <p:txBody>
+          <a:bodyPr lIns="124733" tIns="62367" rIns="124733" bIns="62367" rtlCol="0" anchor="ctr"/>
+          <a:lstStyle/>
+          <a:p>
+            <a:pPr algn="ctr"/>
+            <a:r>
+              <a:rPr lang="ru-RU" sz="1400" dirty="0"/>
+              <a:t>Комитет освобождения Африки </a:t>
+            </a:r>
+            <a:r>
+              <a:rPr lang="ru-RU" sz="1050" dirty="0"/>
+              <a:t>(Текущее)</a:t>
+            </a:r>
+            <a:endParaRPr lang="ru-RU" sz="800" dirty="0"/>
+          </a:p>
+        </p:txBody>
+      </p:sp>
+      <p:cxnSp>
+        <p:nvCxnSpPr>
+          <p:cNvPr id="186" name="Прямая соединительная линия 185">
+            <a:extLst>
+              <a:ext uri="{FF2B5EF4-FFF2-40B4-BE49-F238E27FC236}">
+                <a16:creationId xmlns:a16="http://schemas.microsoft.com/office/drawing/2014/main" id="{44A51570-E354-4BC7-89EE-75BE5AC24237}"/>
+              </a:ext>
+            </a:extLst>
+          </p:cNvPr>
+          <p:cNvCxnSpPr>
+            <a:cxnSpLocks/>
+            <a:stCxn id="180" idx="3"/>
+            <a:endCxn id="182" idx="1"/>
+          </p:cNvCxnSpPr>
+          <p:nvPr/>
+        </p:nvCxnSpPr>
+        <p:spPr>
+          <a:xfrm>
+            <a:off x="38739483" y="7247091"/>
+            <a:ext cx="567658" cy="0"/>
+          </a:xfrm>
+          <a:prstGeom prst="line">
+            <a:avLst/>
+          </a:prstGeom>
+          <a:ln w="38100">
+            <a:solidFill>
+              <a:srgbClr val="FF0000"/>
+            </a:solidFill>
+          </a:ln>
+        </p:spPr>
+        <p:style>
+          <a:lnRef idx="1">
+            <a:schemeClr val="accent2"/>
+          </a:lnRef>
+          <a:fillRef idx="0">
+            <a:schemeClr val="accent2"/>
+          </a:fillRef>
+          <a:effectRef idx="0">
+            <a:schemeClr val="accent2"/>
+          </a:effectRef>
+          <a:fontRef idx="minor">
+            <a:schemeClr val="tx1"/>
+          </a:fontRef>
+        </p:style>
+      </p:cxnSp>
+      <p:sp>
+        <p:nvSpPr>
+          <p:cNvPr id="189" name="Прямоугольник 188">
+            <a:extLst>
+              <a:ext uri="{FF2B5EF4-FFF2-40B4-BE49-F238E27FC236}">
+                <a16:creationId xmlns:a16="http://schemas.microsoft.com/office/drawing/2014/main" id="{A51D4A15-1158-4C28-8484-2097D4960981}"/>
+              </a:ext>
+            </a:extLst>
+          </p:cNvPr>
+          <p:cNvSpPr/>
+          <p:nvPr/>
+        </p:nvSpPr>
+        <p:spPr>
+          <a:xfrm>
+            <a:off x="35287028" y="9616641"/>
+            <a:ext cx="2115918" cy="1080000"/>
+          </a:xfrm>
+          <a:prstGeom prst="rect">
+            <a:avLst/>
+          </a:prstGeom>
+          <a:solidFill>
+            <a:srgbClr val="FF0000"/>
+          </a:solidFill>
+          <a:ln w="28575"/>
+        </p:spPr>
+        <p:style>
+          <a:lnRef idx="2">
+            <a:schemeClr val="accent1"/>
+          </a:lnRef>
+          <a:fillRef idx="1">
+            <a:schemeClr val="lt1"/>
+          </a:fillRef>
+          <a:effectRef idx="0">
+            <a:schemeClr val="accent1"/>
+          </a:effectRef>
+          <a:fontRef idx="minor">
+            <a:schemeClr val="dk1"/>
+          </a:fontRef>
+        </p:style>
+        <p:txBody>
+          <a:bodyPr lIns="124733" tIns="62367" rIns="124733" bIns="62367" rtlCol="0" anchor="ctr"/>
+          <a:lstStyle/>
+          <a:p>
+            <a:pPr algn="ctr"/>
+            <a:r>
+              <a:rPr lang="ru-RU" sz="1400" dirty="0"/>
+              <a:t>Пригласить советников из Кремля </a:t>
+            </a:r>
+            <a:r>
+              <a:rPr lang="ru-RU" sz="1050" dirty="0"/>
+              <a:t>(Текущее)</a:t>
+            </a:r>
+            <a:endParaRPr lang="ru-RU" sz="800" dirty="0"/>
+          </a:p>
+        </p:txBody>
+      </p:sp>
+      <p:cxnSp>
+        <p:nvCxnSpPr>
+          <p:cNvPr id="190" name="Shape 248">
+            <a:extLst>
+              <a:ext uri="{FF2B5EF4-FFF2-40B4-BE49-F238E27FC236}">
+                <a16:creationId xmlns:a16="http://schemas.microsoft.com/office/drawing/2014/main" id="{51852AA5-4BC9-45D7-B135-81009A9566A8}"/>
+              </a:ext>
+            </a:extLst>
+          </p:cNvPr>
+          <p:cNvCxnSpPr>
+            <a:cxnSpLocks/>
+            <a:stCxn id="184" idx="2"/>
+            <a:endCxn id="189" idx="0"/>
+          </p:cNvCxnSpPr>
+          <p:nvPr/>
+        </p:nvCxnSpPr>
+        <p:spPr>
+          <a:xfrm rot="5400000">
+            <a:off x="36822137" y="8753406"/>
+            <a:ext cx="386085" cy="1340384"/>
+          </a:xfrm>
+          <a:prstGeom prst="bentConnector3">
+            <a:avLst>
+              <a:gd name="adj1" fmla="val 50000"/>
+            </a:avLst>
+          </a:prstGeom>
+          <a:ln w="28575">
+            <a:tailEnd type="arrow"/>
+          </a:ln>
+        </p:spPr>
+        <p:style>
+          <a:lnRef idx="1">
+            <a:schemeClr val="accent1"/>
+          </a:lnRef>
+          <a:fillRef idx="0">
+            <a:schemeClr val="accent1"/>
+          </a:fillRef>
+          <a:effectRef idx="0">
+            <a:schemeClr val="accent1"/>
+          </a:effectRef>
+          <a:fontRef idx="minor">
+            <a:schemeClr val="tx1"/>
+          </a:fontRef>
+        </p:style>
+      </p:cxnSp>
+      <p:cxnSp>
+        <p:nvCxnSpPr>
+          <p:cNvPr id="193" name="Shape 248">
+            <a:extLst>
+              <a:ext uri="{FF2B5EF4-FFF2-40B4-BE49-F238E27FC236}">
+                <a16:creationId xmlns:a16="http://schemas.microsoft.com/office/drawing/2014/main" id="{D7D93370-20F5-4517-932B-5E66AC2C63FE}"/>
+              </a:ext>
+            </a:extLst>
+          </p:cNvPr>
+          <p:cNvCxnSpPr>
+            <a:cxnSpLocks/>
+            <a:stCxn id="179" idx="2"/>
+            <a:endCxn id="180" idx="0"/>
+          </p:cNvCxnSpPr>
+          <p:nvPr/>
+        </p:nvCxnSpPr>
+        <p:spPr>
+          <a:xfrm rot="5400000">
+            <a:off x="38185023" y="5862421"/>
+            <a:ext cx="341171" cy="1348168"/>
+          </a:xfrm>
+          <a:prstGeom prst="bentConnector3">
+            <a:avLst>
+              <a:gd name="adj1" fmla="val 50000"/>
+            </a:avLst>
+          </a:prstGeom>
+          <a:ln w="28575">
+            <a:tailEnd type="arrow"/>
+          </a:ln>
+        </p:spPr>
+        <p:style>
+          <a:lnRef idx="1">
+            <a:schemeClr val="accent1"/>
+          </a:lnRef>
+          <a:fillRef idx="0">
+            <a:schemeClr val="accent1"/>
+          </a:fillRef>
+          <a:effectRef idx="0">
+            <a:schemeClr val="accent1"/>
+          </a:effectRef>
+          <a:fontRef idx="minor">
+            <a:schemeClr val="tx1"/>
+          </a:fontRef>
+        </p:style>
+      </p:cxnSp>
+      <p:cxnSp>
+        <p:nvCxnSpPr>
+          <p:cNvPr id="196" name="Shape 248">
+            <a:extLst>
+              <a:ext uri="{FF2B5EF4-FFF2-40B4-BE49-F238E27FC236}">
+                <a16:creationId xmlns:a16="http://schemas.microsoft.com/office/drawing/2014/main" id="{5BB9178E-3847-431F-B9DF-970D3B652FA9}"/>
+              </a:ext>
+            </a:extLst>
+          </p:cNvPr>
+          <p:cNvCxnSpPr>
+            <a:cxnSpLocks/>
+            <a:stCxn id="179" idx="2"/>
+            <a:endCxn id="182" idx="0"/>
+          </p:cNvCxnSpPr>
+          <p:nvPr/>
+        </p:nvCxnSpPr>
+        <p:spPr>
+          <a:xfrm rot="16200000" flipH="1">
+            <a:off x="39526811" y="5868801"/>
+            <a:ext cx="341171" cy="1335408"/>
+          </a:xfrm>
+          <a:prstGeom prst="bentConnector3">
+            <a:avLst>
+              <a:gd name="adj1" fmla="val 50000"/>
+            </a:avLst>
+          </a:prstGeom>
+          <a:ln w="28575">
+            <a:tailEnd type="arrow"/>
+          </a:ln>
+        </p:spPr>
+        <p:style>
+          <a:lnRef idx="1">
+            <a:schemeClr val="accent1"/>
+          </a:lnRef>
+          <a:fillRef idx="0">
+            <a:schemeClr val="accent1"/>
+          </a:fillRef>
+          <a:effectRef idx="0">
+            <a:schemeClr val="accent1"/>
+          </a:effectRef>
+          <a:fontRef idx="minor">
+            <a:schemeClr val="tx1"/>
+          </a:fontRef>
+        </p:style>
+      </p:cxnSp>
+      <p:cxnSp>
+        <p:nvCxnSpPr>
+          <p:cNvPr id="199" name="Shape 248">
+            <a:extLst>
+              <a:ext uri="{FF2B5EF4-FFF2-40B4-BE49-F238E27FC236}">
+                <a16:creationId xmlns:a16="http://schemas.microsoft.com/office/drawing/2014/main" id="{1A9FD21D-78EE-4BA4-B9E1-E5D6A6E41E1D}"/>
+              </a:ext>
+            </a:extLst>
+          </p:cNvPr>
+          <p:cNvCxnSpPr>
+            <a:cxnSpLocks/>
+            <a:stCxn id="179" idx="2"/>
+            <a:endCxn id="183" idx="0"/>
+          </p:cNvCxnSpPr>
+          <p:nvPr/>
+        </p:nvCxnSpPr>
+        <p:spPr>
+          <a:xfrm rot="16200000" flipH="1">
+            <a:off x="40861300" y="4534312"/>
+            <a:ext cx="353872" cy="4017088"/>
+          </a:xfrm>
+          <a:prstGeom prst="bentConnector3">
+            <a:avLst>
+              <a:gd name="adj1" fmla="val 50000"/>
+            </a:avLst>
+          </a:prstGeom>
+          <a:ln w="28575">
+            <a:tailEnd type="arrow"/>
+          </a:ln>
+        </p:spPr>
+        <p:style>
+          <a:lnRef idx="1">
+            <a:schemeClr val="accent1"/>
+          </a:lnRef>
+          <a:fillRef idx="0">
+            <a:schemeClr val="accent1"/>
+          </a:fillRef>
+          <a:effectRef idx="0">
+            <a:schemeClr val="accent1"/>
+          </a:effectRef>
+          <a:fontRef idx="minor">
+            <a:schemeClr val="tx1"/>
+          </a:fontRef>
+        </p:style>
+      </p:cxnSp>
+      <p:cxnSp>
+        <p:nvCxnSpPr>
+          <p:cNvPr id="202" name="Shape 248">
+            <a:extLst>
+              <a:ext uri="{FF2B5EF4-FFF2-40B4-BE49-F238E27FC236}">
+                <a16:creationId xmlns:a16="http://schemas.microsoft.com/office/drawing/2014/main" id="{EE84D303-F6DA-4C56-92C0-57364B77ACF8}"/>
+              </a:ext>
+            </a:extLst>
+          </p:cNvPr>
+          <p:cNvCxnSpPr>
+            <a:cxnSpLocks/>
+            <a:stCxn id="180" idx="2"/>
+            <a:endCxn id="184" idx="0"/>
+          </p:cNvCxnSpPr>
+          <p:nvPr/>
+        </p:nvCxnSpPr>
+        <p:spPr>
+          <a:xfrm rot="16200000" flipH="1">
+            <a:off x="37501715" y="7966899"/>
+            <a:ext cx="363465" cy="3847"/>
+          </a:xfrm>
+          <a:prstGeom prst="bentConnector3">
+            <a:avLst>
+              <a:gd name="adj1" fmla="val 50000"/>
+            </a:avLst>
+          </a:prstGeom>
+          <a:ln w="28575">
+            <a:tailEnd type="arrow"/>
+          </a:ln>
+        </p:spPr>
+        <p:style>
+          <a:lnRef idx="1">
+            <a:schemeClr val="accent1"/>
+          </a:lnRef>
+          <a:fillRef idx="0">
+            <a:schemeClr val="accent1"/>
+          </a:fillRef>
+          <a:effectRef idx="0">
+            <a:schemeClr val="accent1"/>
+          </a:effectRef>
+          <a:fontRef idx="minor">
+            <a:schemeClr val="tx1"/>
+          </a:fontRef>
+        </p:style>
+      </p:cxnSp>
+      <p:cxnSp>
+        <p:nvCxnSpPr>
+          <p:cNvPr id="205" name="Shape 248">
+            <a:extLst>
+              <a:ext uri="{FF2B5EF4-FFF2-40B4-BE49-F238E27FC236}">
+                <a16:creationId xmlns:a16="http://schemas.microsoft.com/office/drawing/2014/main" id="{DA836722-2D64-4CE2-9C1C-B09749062132}"/>
+              </a:ext>
+            </a:extLst>
+          </p:cNvPr>
+          <p:cNvCxnSpPr>
+            <a:cxnSpLocks/>
+            <a:stCxn id="182" idx="2"/>
+            <a:endCxn id="185" idx="0"/>
+          </p:cNvCxnSpPr>
+          <p:nvPr/>
+        </p:nvCxnSpPr>
+        <p:spPr>
+          <a:xfrm rot="5400000">
+            <a:off x="40180193" y="7971998"/>
+            <a:ext cx="369815" cy="12700"/>
+          </a:xfrm>
+          <a:prstGeom prst="bentConnector3">
+            <a:avLst>
+              <a:gd name="adj1" fmla="val 50000"/>
+            </a:avLst>
+          </a:prstGeom>
+          <a:ln w="28575">
+            <a:tailEnd type="arrow"/>
+          </a:ln>
+        </p:spPr>
+        <p:style>
+          <a:lnRef idx="1">
+            <a:schemeClr val="accent1"/>
+          </a:lnRef>
+          <a:fillRef idx="0">
+            <a:schemeClr val="accent1"/>
+          </a:fillRef>
+          <a:effectRef idx="0">
+            <a:schemeClr val="accent1"/>
+          </a:effectRef>
+          <a:fontRef idx="minor">
+            <a:schemeClr val="tx1"/>
+          </a:fontRef>
+        </p:style>
+      </p:cxnSp>
+      <p:cxnSp>
+        <p:nvCxnSpPr>
+          <p:cNvPr id="208" name="Прямая соединительная линия 207">
+            <a:extLst>
+              <a:ext uri="{FF2B5EF4-FFF2-40B4-BE49-F238E27FC236}">
+                <a16:creationId xmlns:a16="http://schemas.microsoft.com/office/drawing/2014/main" id="{D5947B72-7F18-4E3D-9015-6DE7BA610776}"/>
+              </a:ext>
+            </a:extLst>
+          </p:cNvPr>
+          <p:cNvCxnSpPr>
+            <a:cxnSpLocks/>
+            <a:stCxn id="184" idx="3"/>
+            <a:endCxn id="185" idx="1"/>
+          </p:cNvCxnSpPr>
+          <p:nvPr/>
+        </p:nvCxnSpPr>
+        <p:spPr>
+          <a:xfrm>
+            <a:off x="38743330" y="8690556"/>
+            <a:ext cx="563811" cy="6350"/>
+          </a:xfrm>
+          <a:prstGeom prst="line">
+            <a:avLst/>
+          </a:prstGeom>
+          <a:ln w="38100">
+            <a:solidFill>
+              <a:srgbClr val="FF0000"/>
+            </a:solidFill>
+          </a:ln>
+        </p:spPr>
+        <p:style>
+          <a:lnRef idx="1">
+            <a:schemeClr val="accent2"/>
+          </a:lnRef>
+          <a:fillRef idx="0">
+            <a:schemeClr val="accent2"/>
+          </a:fillRef>
+          <a:effectRef idx="0">
+            <a:schemeClr val="accent2"/>
+          </a:effectRef>
+          <a:fontRef idx="minor">
+            <a:schemeClr val="tx1"/>
+          </a:fontRef>
+        </p:style>
+      </p:cxnSp>
+      <p:sp>
+        <p:nvSpPr>
+          <p:cNvPr id="211" name="Прямоугольник 210">
+            <a:extLst>
+              <a:ext uri="{FF2B5EF4-FFF2-40B4-BE49-F238E27FC236}">
+                <a16:creationId xmlns:a16="http://schemas.microsoft.com/office/drawing/2014/main" id="{D75815DF-1295-45F6-A24F-F3F3F8B4BBFB}"/>
+              </a:ext>
+            </a:extLst>
+          </p:cNvPr>
+          <p:cNvSpPr/>
+          <p:nvPr/>
+        </p:nvSpPr>
+        <p:spPr>
+          <a:xfrm>
+            <a:off x="35287028" y="10992594"/>
+            <a:ext cx="2115918" cy="1080000"/>
+          </a:xfrm>
+          <a:prstGeom prst="rect">
+            <a:avLst/>
+          </a:prstGeom>
+          <a:solidFill>
+            <a:srgbClr val="FF0000"/>
+          </a:solidFill>
+          <a:ln w="28575"/>
+        </p:spPr>
+        <p:style>
+          <a:lnRef idx="2">
+            <a:schemeClr val="accent1"/>
+          </a:lnRef>
+          <a:fillRef idx="1">
+            <a:schemeClr val="lt1"/>
+          </a:fillRef>
+          <a:effectRef idx="0">
+            <a:schemeClr val="accent1"/>
+          </a:effectRef>
+          <a:fontRef idx="minor">
+            <a:schemeClr val="dk1"/>
+          </a:fontRef>
+        </p:style>
+        <p:txBody>
+          <a:bodyPr lIns="124733" tIns="62367" rIns="124733" bIns="62367" rtlCol="0" anchor="ctr"/>
+          <a:lstStyle/>
+          <a:p>
+            <a:pPr algn="ctr"/>
+            <a:r>
+              <a:rPr lang="ru-RU" sz="1400" dirty="0"/>
+              <a:t>Программа обмена студентами </a:t>
+            </a:r>
+            <a:r>
+              <a:rPr lang="ru-RU" sz="1050" dirty="0"/>
+              <a:t>(Текущее)</a:t>
+            </a:r>
+            <a:endParaRPr lang="ru-RU" sz="800" dirty="0"/>
+          </a:p>
+        </p:txBody>
+      </p:sp>
+      <p:sp>
+        <p:nvSpPr>
+          <p:cNvPr id="212" name="Прямоугольник 211">
+            <a:extLst>
+              <a:ext uri="{FF2B5EF4-FFF2-40B4-BE49-F238E27FC236}">
+                <a16:creationId xmlns:a16="http://schemas.microsoft.com/office/drawing/2014/main" id="{0151B7FA-9194-430D-BD39-8CC623C30AAC}"/>
+              </a:ext>
+            </a:extLst>
+          </p:cNvPr>
+          <p:cNvSpPr/>
+          <p:nvPr/>
+        </p:nvSpPr>
+        <p:spPr>
+          <a:xfrm>
+            <a:off x="37971733" y="9622992"/>
+            <a:ext cx="2115918" cy="1080000"/>
+          </a:xfrm>
+          <a:prstGeom prst="rect">
+            <a:avLst/>
+          </a:prstGeom>
+          <a:solidFill>
+            <a:srgbClr val="FF0000"/>
+          </a:solidFill>
+          <a:ln w="28575"/>
+        </p:spPr>
+        <p:style>
+          <a:lnRef idx="2">
+            <a:schemeClr val="accent1"/>
+          </a:lnRef>
+          <a:fillRef idx="1">
+            <a:schemeClr val="lt1"/>
+          </a:fillRef>
+          <a:effectRef idx="0">
+            <a:schemeClr val="accent1"/>
+          </a:effectRef>
+          <a:fontRef idx="minor">
+            <a:schemeClr val="dk1"/>
+          </a:fontRef>
+        </p:style>
+        <p:txBody>
+          <a:bodyPr lIns="124733" tIns="62367" rIns="124733" bIns="62367" rtlCol="0" anchor="ctr"/>
+          <a:lstStyle/>
+          <a:p>
+            <a:pPr algn="ctr"/>
+            <a:r>
+              <a:rPr lang="ru-RU" sz="1400" dirty="0"/>
+              <a:t>Принести коммунизм в Намибию </a:t>
+            </a:r>
+            <a:r>
+              <a:rPr lang="ru-RU" sz="1050" dirty="0"/>
+              <a:t>(Текущее)</a:t>
+            </a:r>
+            <a:endParaRPr lang="ru-RU" sz="800" dirty="0"/>
+          </a:p>
+        </p:txBody>
+      </p:sp>
+      <p:sp>
+        <p:nvSpPr>
+          <p:cNvPr id="213" name="Прямоугольник 212">
+            <a:extLst>
+              <a:ext uri="{FF2B5EF4-FFF2-40B4-BE49-F238E27FC236}">
+                <a16:creationId xmlns:a16="http://schemas.microsoft.com/office/drawing/2014/main" id="{7729F444-4FEA-432F-8013-2BEBC57E2B6D}"/>
+              </a:ext>
+            </a:extLst>
+          </p:cNvPr>
+          <p:cNvSpPr/>
+          <p:nvPr/>
+        </p:nvSpPr>
+        <p:spPr>
+          <a:xfrm>
+            <a:off x="37971733" y="10992594"/>
+            <a:ext cx="2115918" cy="1080000"/>
+          </a:xfrm>
+          <a:prstGeom prst="rect">
+            <a:avLst/>
+          </a:prstGeom>
+          <a:solidFill>
+            <a:srgbClr val="FF0000"/>
+          </a:solidFill>
+          <a:ln w="28575"/>
+        </p:spPr>
+        <p:style>
+          <a:lnRef idx="2">
+            <a:schemeClr val="accent1"/>
+          </a:lnRef>
+          <a:fillRef idx="1">
+            <a:schemeClr val="lt1"/>
+          </a:fillRef>
+          <a:effectRef idx="0">
+            <a:schemeClr val="accent1"/>
+          </a:effectRef>
+          <a:fontRef idx="minor">
+            <a:schemeClr val="dk1"/>
+          </a:fontRef>
+        </p:style>
+        <p:txBody>
+          <a:bodyPr lIns="124733" tIns="62367" rIns="124733" bIns="62367" rtlCol="0" anchor="ctr"/>
+          <a:lstStyle/>
+          <a:p>
+            <a:pPr algn="ctr"/>
+            <a:r>
+              <a:rPr lang="ru-RU" sz="1400" dirty="0"/>
+              <a:t>Освободить Анголу и Мозамбик </a:t>
+            </a:r>
+            <a:r>
+              <a:rPr lang="ru-RU" sz="1050" dirty="0"/>
+              <a:t>(Текущее)</a:t>
+            </a:r>
+            <a:endParaRPr lang="ru-RU" sz="800" dirty="0"/>
+          </a:p>
+        </p:txBody>
+      </p:sp>
+      <p:sp>
+        <p:nvSpPr>
+          <p:cNvPr id="214" name="Прямоугольник 213">
+            <a:extLst>
+              <a:ext uri="{FF2B5EF4-FFF2-40B4-BE49-F238E27FC236}">
+                <a16:creationId xmlns:a16="http://schemas.microsoft.com/office/drawing/2014/main" id="{16AAD304-6FEE-4D2E-9993-5A8DC45D6651}"/>
+              </a:ext>
+            </a:extLst>
+          </p:cNvPr>
+          <p:cNvSpPr/>
+          <p:nvPr/>
+        </p:nvSpPr>
+        <p:spPr>
+          <a:xfrm>
+            <a:off x="37965353" y="12420180"/>
+            <a:ext cx="2115918" cy="1080000"/>
+          </a:xfrm>
+          <a:prstGeom prst="rect">
+            <a:avLst/>
+          </a:prstGeom>
+          <a:solidFill>
+            <a:srgbClr val="FF0000"/>
+          </a:solidFill>
+          <a:ln w="28575"/>
+        </p:spPr>
+        <p:style>
+          <a:lnRef idx="2">
+            <a:schemeClr val="accent1"/>
+          </a:lnRef>
+          <a:fillRef idx="1">
+            <a:schemeClr val="lt1"/>
+          </a:fillRef>
+          <a:effectRef idx="0">
+            <a:schemeClr val="accent1"/>
+          </a:effectRef>
+          <a:fontRef idx="minor">
+            <a:schemeClr val="dk1"/>
+          </a:fontRef>
+        </p:style>
+        <p:txBody>
+          <a:bodyPr lIns="124733" tIns="62367" rIns="124733" bIns="62367" rtlCol="0" anchor="ctr"/>
+          <a:lstStyle/>
+          <a:p>
+            <a:pPr algn="ctr"/>
+            <a:r>
+              <a:rPr lang="ru-RU" sz="1400" dirty="0"/>
+              <a:t>Деколонизация Конго </a:t>
+            </a:r>
+            <a:r>
+              <a:rPr lang="ru-RU" sz="1050" dirty="0"/>
+              <a:t>(Текущее)</a:t>
+            </a:r>
+            <a:endParaRPr lang="ru-RU" sz="800" dirty="0"/>
+          </a:p>
+        </p:txBody>
+      </p:sp>
+      <p:sp>
+        <p:nvSpPr>
+          <p:cNvPr id="215" name="Прямоугольник 214">
+            <a:extLst>
+              <a:ext uri="{FF2B5EF4-FFF2-40B4-BE49-F238E27FC236}">
+                <a16:creationId xmlns:a16="http://schemas.microsoft.com/office/drawing/2014/main" id="{74B39C5A-7232-4332-92CA-D9A8138D38DA}"/>
+              </a:ext>
+            </a:extLst>
+          </p:cNvPr>
+          <p:cNvSpPr/>
+          <p:nvPr/>
+        </p:nvSpPr>
+        <p:spPr>
+          <a:xfrm>
+            <a:off x="35291129" y="12420180"/>
+            <a:ext cx="2115918" cy="1080000"/>
+          </a:xfrm>
+          <a:prstGeom prst="rect">
+            <a:avLst/>
+          </a:prstGeom>
+          <a:solidFill>
+            <a:srgbClr val="FF0000"/>
+          </a:solidFill>
+          <a:ln w="28575"/>
+        </p:spPr>
+        <p:style>
+          <a:lnRef idx="2">
+            <a:schemeClr val="accent1"/>
+          </a:lnRef>
+          <a:fillRef idx="1">
+            <a:schemeClr val="lt1"/>
+          </a:fillRef>
+          <a:effectRef idx="0">
+            <a:schemeClr val="accent1"/>
+          </a:effectRef>
+          <a:fontRef idx="minor">
+            <a:schemeClr val="dk1"/>
+          </a:fontRef>
+        </p:style>
+        <p:txBody>
+          <a:bodyPr lIns="124733" tIns="62367" rIns="124733" bIns="62367" rtlCol="0" anchor="ctr"/>
+          <a:lstStyle/>
+          <a:p>
+            <a:pPr algn="ctr"/>
+            <a:r>
+              <a:rPr lang="ru-RU" sz="1400" dirty="0"/>
+              <a:t>Освободить Британские колонии </a:t>
+            </a:r>
+            <a:r>
+              <a:rPr lang="ru-RU" sz="1050" dirty="0"/>
+              <a:t>(Текущее)</a:t>
+            </a:r>
+            <a:endParaRPr lang="ru-RU" sz="800" dirty="0"/>
+          </a:p>
+        </p:txBody>
+      </p:sp>
+      <p:sp>
+        <p:nvSpPr>
+          <p:cNvPr id="216" name="Прямоугольник 215">
+            <a:extLst>
+              <a:ext uri="{FF2B5EF4-FFF2-40B4-BE49-F238E27FC236}">
+                <a16:creationId xmlns:a16="http://schemas.microsoft.com/office/drawing/2014/main" id="{AE26874C-3E14-4254-9FF9-22A53182396D}"/>
+              </a:ext>
+            </a:extLst>
+          </p:cNvPr>
+          <p:cNvSpPr/>
+          <p:nvPr/>
+        </p:nvSpPr>
+        <p:spPr>
+          <a:xfrm>
+            <a:off x="40639577" y="12420180"/>
+            <a:ext cx="2115918" cy="1080000"/>
+          </a:xfrm>
+          <a:prstGeom prst="rect">
+            <a:avLst/>
+          </a:prstGeom>
+          <a:solidFill>
+            <a:srgbClr val="FF0000"/>
+          </a:solidFill>
+          <a:ln w="28575"/>
+        </p:spPr>
+        <p:style>
+          <a:lnRef idx="2">
+            <a:schemeClr val="accent1"/>
+          </a:lnRef>
+          <a:fillRef idx="1">
+            <a:schemeClr val="lt1"/>
+          </a:fillRef>
+          <a:effectRef idx="0">
+            <a:schemeClr val="accent1"/>
+          </a:effectRef>
+          <a:fontRef idx="minor">
+            <a:schemeClr val="dk1"/>
+          </a:fontRef>
+        </p:style>
+        <p:txBody>
+          <a:bodyPr lIns="124733" tIns="62367" rIns="124733" bIns="62367" rtlCol="0" anchor="ctr"/>
+          <a:lstStyle/>
+          <a:p>
+            <a:pPr algn="ctr"/>
+            <a:r>
+              <a:rPr lang="ru-RU" sz="1400" dirty="0"/>
+              <a:t>Освободить Французские колонии </a:t>
+            </a:r>
+            <a:r>
+              <a:rPr lang="ru-RU" sz="1050" dirty="0"/>
+              <a:t>(Текущее)</a:t>
+            </a:r>
+            <a:endParaRPr lang="ru-RU" sz="800" dirty="0"/>
+          </a:p>
+        </p:txBody>
+      </p:sp>
+      <p:cxnSp>
+        <p:nvCxnSpPr>
+          <p:cNvPr id="217" name="Shape 248">
+            <a:extLst>
+              <a:ext uri="{FF2B5EF4-FFF2-40B4-BE49-F238E27FC236}">
+                <a16:creationId xmlns:a16="http://schemas.microsoft.com/office/drawing/2014/main" id="{FC454BD7-96BE-4558-85A5-0C6F748CF25B}"/>
+              </a:ext>
+            </a:extLst>
+          </p:cNvPr>
+          <p:cNvCxnSpPr>
+            <a:cxnSpLocks/>
+            <a:stCxn id="189" idx="2"/>
+            <a:endCxn id="211" idx="0"/>
+          </p:cNvCxnSpPr>
+          <p:nvPr/>
+        </p:nvCxnSpPr>
+        <p:spPr>
+          <a:xfrm rot="5400000">
+            <a:off x="36197011" y="10844617"/>
+            <a:ext cx="295953" cy="12700"/>
+          </a:xfrm>
+          <a:prstGeom prst="bentConnector3">
+            <a:avLst>
+              <a:gd name="adj1" fmla="val 50000"/>
+            </a:avLst>
+          </a:prstGeom>
+          <a:ln w="28575">
+            <a:tailEnd type="arrow"/>
+          </a:ln>
+        </p:spPr>
+        <p:style>
+          <a:lnRef idx="1">
+            <a:schemeClr val="accent1"/>
+          </a:lnRef>
+          <a:fillRef idx="0">
+            <a:schemeClr val="accent1"/>
+          </a:fillRef>
+          <a:effectRef idx="0">
+            <a:schemeClr val="accent1"/>
+          </a:effectRef>
+          <a:fontRef idx="minor">
+            <a:schemeClr val="tx1"/>
+          </a:fontRef>
+        </p:style>
+      </p:cxnSp>
+      <p:cxnSp>
+        <p:nvCxnSpPr>
+          <p:cNvPr id="220" name="Shape 248">
+            <a:extLst>
+              <a:ext uri="{FF2B5EF4-FFF2-40B4-BE49-F238E27FC236}">
+                <a16:creationId xmlns:a16="http://schemas.microsoft.com/office/drawing/2014/main" id="{DD409085-674C-4C6C-90B0-2DD8083AD116}"/>
+              </a:ext>
+            </a:extLst>
+          </p:cNvPr>
+          <p:cNvCxnSpPr>
+            <a:cxnSpLocks/>
+            <a:stCxn id="212" idx="2"/>
+            <a:endCxn id="213" idx="0"/>
+          </p:cNvCxnSpPr>
+          <p:nvPr/>
+        </p:nvCxnSpPr>
+        <p:spPr>
+          <a:xfrm rot="5400000">
+            <a:off x="38884891" y="10847793"/>
+            <a:ext cx="289602" cy="12700"/>
+          </a:xfrm>
+          <a:prstGeom prst="bentConnector3">
+            <a:avLst>
+              <a:gd name="adj1" fmla="val 50000"/>
+            </a:avLst>
+          </a:prstGeom>
+          <a:ln w="28575">
+            <a:tailEnd type="arrow"/>
+          </a:ln>
+        </p:spPr>
+        <p:style>
+          <a:lnRef idx="1">
+            <a:schemeClr val="accent1"/>
+          </a:lnRef>
+          <a:fillRef idx="0">
+            <a:schemeClr val="accent1"/>
+          </a:fillRef>
+          <a:effectRef idx="0">
+            <a:schemeClr val="accent1"/>
+          </a:effectRef>
+          <a:fontRef idx="minor">
+            <a:schemeClr val="tx1"/>
+          </a:fontRef>
+        </p:style>
+      </p:cxnSp>
+      <p:cxnSp>
+        <p:nvCxnSpPr>
+          <p:cNvPr id="224" name="Shape 248">
+            <a:extLst>
+              <a:ext uri="{FF2B5EF4-FFF2-40B4-BE49-F238E27FC236}">
+                <a16:creationId xmlns:a16="http://schemas.microsoft.com/office/drawing/2014/main" id="{458482DB-E941-4E82-968C-B151033B4F35}"/>
+              </a:ext>
+            </a:extLst>
+          </p:cNvPr>
+          <p:cNvCxnSpPr>
+            <a:cxnSpLocks/>
+            <a:stCxn id="213" idx="2"/>
+            <a:endCxn id="215" idx="0"/>
+          </p:cNvCxnSpPr>
+          <p:nvPr/>
+        </p:nvCxnSpPr>
+        <p:spPr>
+          <a:xfrm rot="5400000">
+            <a:off x="37515597" y="10906085"/>
+            <a:ext cx="347586" cy="2680604"/>
+          </a:xfrm>
+          <a:prstGeom prst="bentConnector3">
+            <a:avLst>
+              <a:gd name="adj1" fmla="val 50000"/>
+            </a:avLst>
+          </a:prstGeom>
+          <a:ln w="28575">
+            <a:tailEnd type="arrow"/>
+          </a:ln>
+        </p:spPr>
+        <p:style>
+          <a:lnRef idx="1">
+            <a:schemeClr val="accent1"/>
+          </a:lnRef>
+          <a:fillRef idx="0">
+            <a:schemeClr val="accent1"/>
+          </a:fillRef>
+          <a:effectRef idx="0">
+            <a:schemeClr val="accent1"/>
+          </a:effectRef>
+          <a:fontRef idx="minor">
+            <a:schemeClr val="tx1"/>
+          </a:fontRef>
+        </p:style>
+      </p:cxnSp>
+      <p:cxnSp>
+        <p:nvCxnSpPr>
+          <p:cNvPr id="226" name="Shape 248">
+            <a:extLst>
+              <a:ext uri="{FF2B5EF4-FFF2-40B4-BE49-F238E27FC236}">
+                <a16:creationId xmlns:a16="http://schemas.microsoft.com/office/drawing/2014/main" id="{23A71983-224E-4825-9194-BE84CB86FFEA}"/>
+              </a:ext>
+            </a:extLst>
+          </p:cNvPr>
+          <p:cNvCxnSpPr>
+            <a:cxnSpLocks/>
+            <a:stCxn id="213" idx="2"/>
+            <a:endCxn id="216" idx="0"/>
+          </p:cNvCxnSpPr>
+          <p:nvPr/>
+        </p:nvCxnSpPr>
+        <p:spPr>
+          <a:xfrm rot="16200000" flipH="1">
+            <a:off x="40189821" y="10912465"/>
+            <a:ext cx="347586" cy="2667844"/>
+          </a:xfrm>
+          <a:prstGeom prst="bentConnector3">
+            <a:avLst>
+              <a:gd name="adj1" fmla="val 50000"/>
+            </a:avLst>
+          </a:prstGeom>
+          <a:ln w="28575">
+            <a:tailEnd type="arrow"/>
+          </a:ln>
+        </p:spPr>
+        <p:style>
+          <a:lnRef idx="1">
+            <a:schemeClr val="accent1"/>
+          </a:lnRef>
+          <a:fillRef idx="0">
+            <a:schemeClr val="accent1"/>
+          </a:fillRef>
+          <a:effectRef idx="0">
+            <a:schemeClr val="accent1"/>
+          </a:effectRef>
+          <a:fontRef idx="minor">
+            <a:schemeClr val="tx1"/>
+          </a:fontRef>
+        </p:style>
+      </p:cxnSp>
+      <p:cxnSp>
+        <p:nvCxnSpPr>
+          <p:cNvPr id="229" name="Shape 248">
+            <a:extLst>
+              <a:ext uri="{FF2B5EF4-FFF2-40B4-BE49-F238E27FC236}">
+                <a16:creationId xmlns:a16="http://schemas.microsoft.com/office/drawing/2014/main" id="{3AE9B19C-B228-4A22-8CCB-A75C420B187D}"/>
+              </a:ext>
+            </a:extLst>
+          </p:cNvPr>
+          <p:cNvCxnSpPr>
+            <a:cxnSpLocks/>
+            <a:stCxn id="213" idx="2"/>
+            <a:endCxn id="214" idx="0"/>
+          </p:cNvCxnSpPr>
+          <p:nvPr/>
+        </p:nvCxnSpPr>
+        <p:spPr>
+          <a:xfrm rot="5400000">
+            <a:off x="38852709" y="12243197"/>
+            <a:ext cx="347586" cy="6380"/>
+          </a:xfrm>
+          <a:prstGeom prst="bentConnector3">
+            <a:avLst>
+              <a:gd name="adj1" fmla="val 50000"/>
+            </a:avLst>
+          </a:prstGeom>
+          <a:ln w="28575">
+            <a:tailEnd type="arrow"/>
+          </a:ln>
+        </p:spPr>
+        <p:style>
+          <a:lnRef idx="1">
+            <a:schemeClr val="accent1"/>
+          </a:lnRef>
+          <a:fillRef idx="0">
+            <a:schemeClr val="accent1"/>
+          </a:fillRef>
+          <a:effectRef idx="0">
+            <a:schemeClr val="accent1"/>
+          </a:effectRef>
+          <a:fontRef idx="minor">
+            <a:schemeClr val="tx1"/>
+          </a:fontRef>
+        </p:style>
+      </p:cxnSp>
+      <p:cxnSp>
+        <p:nvCxnSpPr>
+          <p:cNvPr id="232" name="Shape 248">
+            <a:extLst>
+              <a:ext uri="{FF2B5EF4-FFF2-40B4-BE49-F238E27FC236}">
+                <a16:creationId xmlns:a16="http://schemas.microsoft.com/office/drawing/2014/main" id="{D180F20F-B0C3-4502-896C-8CAFDD0F5956}"/>
+              </a:ext>
+            </a:extLst>
+          </p:cNvPr>
+          <p:cNvCxnSpPr>
+            <a:cxnSpLocks/>
+            <a:stCxn id="183" idx="2"/>
+            <a:endCxn id="235" idx="0"/>
+          </p:cNvCxnSpPr>
+          <p:nvPr/>
+        </p:nvCxnSpPr>
+        <p:spPr>
+          <a:xfrm rot="16200000" flipH="1">
+            <a:off x="42865037" y="7981535"/>
+            <a:ext cx="365250" cy="1764"/>
+          </a:xfrm>
+          <a:prstGeom prst="bentConnector3">
+            <a:avLst>
+              <a:gd name="adj1" fmla="val 50000"/>
+            </a:avLst>
+          </a:prstGeom>
+          <a:ln w="28575">
+            <a:tailEnd type="arrow"/>
+          </a:ln>
+        </p:spPr>
+        <p:style>
+          <a:lnRef idx="1">
+            <a:schemeClr val="accent1"/>
+          </a:lnRef>
+          <a:fillRef idx="0">
+            <a:schemeClr val="accent1"/>
+          </a:fillRef>
+          <a:effectRef idx="0">
+            <a:schemeClr val="accent1"/>
+          </a:effectRef>
+          <a:fontRef idx="minor">
+            <a:schemeClr val="tx1"/>
+          </a:fontRef>
+        </p:style>
+      </p:cxnSp>
+      <p:sp>
+        <p:nvSpPr>
+          <p:cNvPr id="235" name="Прямоугольник 234">
+            <a:extLst>
+              <a:ext uri="{FF2B5EF4-FFF2-40B4-BE49-F238E27FC236}">
+                <a16:creationId xmlns:a16="http://schemas.microsoft.com/office/drawing/2014/main" id="{169ADD3C-7D9B-40F6-B582-CA9FCE0885C3}"/>
+              </a:ext>
+            </a:extLst>
+          </p:cNvPr>
+          <p:cNvSpPr/>
+          <p:nvPr/>
+        </p:nvSpPr>
+        <p:spPr>
+          <a:xfrm>
+            <a:off x="41990585" y="8165042"/>
+            <a:ext cx="2115918" cy="1080000"/>
+          </a:xfrm>
+          <a:prstGeom prst="rect">
+            <a:avLst/>
+          </a:prstGeom>
+          <a:solidFill>
+            <a:srgbClr val="FF0000"/>
+          </a:solidFill>
+          <a:ln w="28575"/>
+        </p:spPr>
+        <p:style>
+          <a:lnRef idx="2">
+            <a:schemeClr val="accent1"/>
+          </a:lnRef>
+          <a:fillRef idx="1">
+            <a:schemeClr val="lt1"/>
+          </a:fillRef>
+          <a:effectRef idx="0">
+            <a:schemeClr val="accent1"/>
+          </a:effectRef>
+          <a:fontRef idx="minor">
+            <a:schemeClr val="dk1"/>
+          </a:fontRef>
+        </p:style>
+        <p:txBody>
+          <a:bodyPr lIns="124733" tIns="62367" rIns="124733" bIns="62367" rtlCol="0" anchor="ctr"/>
+          <a:lstStyle/>
+          <a:p>
+            <a:pPr algn="ctr"/>
+            <a:r>
+              <a:rPr lang="ru-RU" sz="1400" dirty="0"/>
+              <a:t>Провести коллективизацию среди фермеров </a:t>
+            </a:r>
+            <a:r>
+              <a:rPr lang="ru-RU" sz="1050" dirty="0"/>
+              <a:t>(Текущее)</a:t>
+            </a:r>
+            <a:endParaRPr lang="ru-RU" sz="800" dirty="0"/>
+          </a:p>
+        </p:txBody>
+      </p:sp>
+      <p:cxnSp>
+        <p:nvCxnSpPr>
+          <p:cNvPr id="237" name="Shape 248">
+            <a:extLst>
+              <a:ext uri="{FF2B5EF4-FFF2-40B4-BE49-F238E27FC236}">
+                <a16:creationId xmlns:a16="http://schemas.microsoft.com/office/drawing/2014/main" id="{B3D13C37-9FB0-4412-BC63-C2A65F220279}"/>
+              </a:ext>
+            </a:extLst>
+          </p:cNvPr>
+          <p:cNvCxnSpPr>
+            <a:cxnSpLocks/>
+            <a:stCxn id="185" idx="2"/>
+            <a:endCxn id="212" idx="0"/>
+          </p:cNvCxnSpPr>
+          <p:nvPr/>
+        </p:nvCxnSpPr>
+        <p:spPr>
+          <a:xfrm rot="5400000">
+            <a:off x="39504353" y="8762245"/>
+            <a:ext cx="386086" cy="1335408"/>
+          </a:xfrm>
+          <a:prstGeom prst="bentConnector3">
+            <a:avLst>
+              <a:gd name="adj1" fmla="val 50000"/>
+            </a:avLst>
+          </a:prstGeom>
+          <a:ln w="28575">
+            <a:prstDash val="dash"/>
+            <a:tailEnd type="arrow"/>
+          </a:ln>
+        </p:spPr>
+        <p:style>
+          <a:lnRef idx="1">
+            <a:schemeClr val="accent1"/>
+          </a:lnRef>
+          <a:fillRef idx="0">
+            <a:schemeClr val="accent1"/>
+          </a:fillRef>
+          <a:effectRef idx="0">
+            <a:schemeClr val="accent1"/>
+          </a:effectRef>
+          <a:fontRef idx="minor">
+            <a:schemeClr val="tx1"/>
+          </a:fontRef>
+        </p:style>
+      </p:cxnSp>
+      <p:cxnSp>
+        <p:nvCxnSpPr>
+          <p:cNvPr id="240" name="Shape 248">
+            <a:extLst>
+              <a:ext uri="{FF2B5EF4-FFF2-40B4-BE49-F238E27FC236}">
+                <a16:creationId xmlns:a16="http://schemas.microsoft.com/office/drawing/2014/main" id="{EC3C1C20-31C0-458B-B819-AA2D51E58845}"/>
+              </a:ext>
+            </a:extLst>
+          </p:cNvPr>
+          <p:cNvCxnSpPr>
+            <a:cxnSpLocks/>
+            <a:stCxn id="184" idx="2"/>
+            <a:endCxn id="212" idx="0"/>
+          </p:cNvCxnSpPr>
+          <p:nvPr/>
+        </p:nvCxnSpPr>
+        <p:spPr>
+          <a:xfrm rot="16200000" flipH="1">
+            <a:off x="38161313" y="8754613"/>
+            <a:ext cx="392436" cy="1344321"/>
+          </a:xfrm>
+          <a:prstGeom prst="bentConnector3">
+            <a:avLst>
+              <a:gd name="adj1" fmla="val 50000"/>
+            </a:avLst>
+          </a:prstGeom>
+          <a:ln w="28575">
+            <a:prstDash val="dash"/>
+            <a:tailEnd type="arrow"/>
+          </a:ln>
+        </p:spPr>
+        <p:style>
+          <a:lnRef idx="1">
+            <a:schemeClr val="accent1"/>
+          </a:lnRef>
+          <a:fillRef idx="0">
+            <a:schemeClr val="accent1"/>
+          </a:fillRef>
+          <a:effectRef idx="0">
+            <a:schemeClr val="accent1"/>
+          </a:effectRef>
+          <a:fontRef idx="minor">
+            <a:schemeClr val="tx1"/>
+          </a:fontRef>
+        </p:style>
+      </p:cxnSp>
+      <p:sp>
+        <p:nvSpPr>
+          <p:cNvPr id="243" name="Прямоугольник 242">
+            <a:extLst>
+              <a:ext uri="{FF2B5EF4-FFF2-40B4-BE49-F238E27FC236}">
+                <a16:creationId xmlns:a16="http://schemas.microsoft.com/office/drawing/2014/main" id="{EC9BD36C-D972-42C4-93E6-6DAE9234F692}"/>
+              </a:ext>
+            </a:extLst>
+          </p:cNvPr>
+          <p:cNvSpPr/>
+          <p:nvPr/>
+        </p:nvSpPr>
+        <p:spPr>
+          <a:xfrm>
+            <a:off x="15143079" y="6707091"/>
+            <a:ext cx="2115918" cy="1080000"/>
+          </a:xfrm>
+          <a:prstGeom prst="rect">
+            <a:avLst/>
+          </a:prstGeom>
+          <a:solidFill>
+            <a:schemeClr val="accent1">
+              <a:lumMod val="60000"/>
+              <a:lumOff val="40000"/>
+            </a:schemeClr>
+          </a:solidFill>
+          <a:ln w="28575"/>
+        </p:spPr>
+        <p:style>
+          <a:lnRef idx="2">
+            <a:schemeClr val="accent1"/>
+          </a:lnRef>
+          <a:fillRef idx="1">
+            <a:schemeClr val="lt1"/>
+          </a:fillRef>
+          <a:effectRef idx="0">
+            <a:schemeClr val="accent1"/>
+          </a:effectRef>
+          <a:fontRef idx="minor">
+            <a:schemeClr val="dk1"/>
+          </a:fontRef>
+        </p:style>
+        <p:txBody>
+          <a:bodyPr lIns="124733" tIns="62367" rIns="124733" bIns="62367" rtlCol="0" anchor="ctr"/>
+          <a:lstStyle/>
+          <a:p>
+            <a:pPr algn="ctr"/>
+            <a:r>
+              <a:rPr lang="ru-RU" sz="1400" dirty="0"/>
+              <a:t>Путь мирной пропаганды </a:t>
+            </a:r>
+            <a:r>
+              <a:rPr lang="ru-RU" sz="600" dirty="0"/>
+              <a:t>(Он планировал агитировать за изменения посредством «мирной пропаганды», избрания в законодательные органы сторонников Конгресса, посредством протестов и запросов и, наконец, посредством «пассивных действий или продолжающегося </a:t>
+            </a:r>
+            <a:r>
+              <a:rPr lang="ru-RU" sz="600" dirty="0" err="1"/>
+              <a:t>движения».Община</a:t>
+            </a:r>
+            <a:r>
+              <a:rPr lang="ru-RU" sz="600" dirty="0"/>
+              <a:t> южноафриканских индейцев .)</a:t>
+            </a:r>
+            <a:endParaRPr lang="ru-RU" sz="500" dirty="0"/>
+          </a:p>
+        </p:txBody>
+      </p:sp>
+      <p:sp>
+        <p:nvSpPr>
+          <p:cNvPr id="244" name="Прямоугольник 243">
+            <a:extLst>
+              <a:ext uri="{FF2B5EF4-FFF2-40B4-BE49-F238E27FC236}">
+                <a16:creationId xmlns:a16="http://schemas.microsoft.com/office/drawing/2014/main" id="{948FBE2C-B2A6-473E-BB60-11F26ADF54F1}"/>
+              </a:ext>
+            </a:extLst>
+          </p:cNvPr>
+          <p:cNvSpPr/>
+          <p:nvPr/>
+        </p:nvSpPr>
+        <p:spPr>
+          <a:xfrm>
+            <a:off x="12464576" y="6707091"/>
+            <a:ext cx="2115918" cy="1080000"/>
+          </a:xfrm>
+          <a:prstGeom prst="rect">
+            <a:avLst/>
+          </a:prstGeom>
+          <a:solidFill>
+            <a:schemeClr val="accent1">
+              <a:lumMod val="60000"/>
+              <a:lumOff val="40000"/>
+            </a:schemeClr>
+          </a:solidFill>
+          <a:ln w="28575"/>
+        </p:spPr>
+        <p:style>
+          <a:lnRef idx="2">
+            <a:schemeClr val="accent1"/>
+          </a:lnRef>
+          <a:fillRef idx="1">
+            <a:schemeClr val="lt1"/>
+          </a:fillRef>
+          <a:effectRef idx="0">
+            <a:schemeClr val="accent1"/>
+          </a:effectRef>
+          <a:fontRef idx="minor">
+            <a:schemeClr val="dk1"/>
+          </a:fontRef>
+        </p:style>
+        <p:txBody>
+          <a:bodyPr lIns="124733" tIns="62367" rIns="124733" bIns="62367" rtlCol="0" anchor="ctr"/>
+          <a:lstStyle/>
+          <a:p>
+            <a:pPr algn="ctr"/>
+            <a:r>
+              <a:rPr lang="ru-RU" sz="1400" dirty="0"/>
+              <a:t>Разрешить женщинам вступать в конгресс</a:t>
+            </a:r>
+            <a:r>
+              <a:rPr lang="ru-RU" sz="600" dirty="0"/>
+              <a:t>(Другой пример децентрализации: официально членство было открыто только для чернокожих мужчин (женщинам разрешалось вступать только с 1943 г.), но на местном уровне практика, похоже, была иной.)</a:t>
+            </a:r>
+            <a:endParaRPr lang="ru-RU" sz="500" dirty="0"/>
+          </a:p>
+        </p:txBody>
+      </p:sp>
+      <p:sp>
+        <p:nvSpPr>
+          <p:cNvPr id="245" name="Прямоугольник 244">
+            <a:extLst>
+              <a:ext uri="{FF2B5EF4-FFF2-40B4-BE49-F238E27FC236}">
+                <a16:creationId xmlns:a16="http://schemas.microsoft.com/office/drawing/2014/main" id="{2E0544E4-9592-4382-8DDF-EB6FEA328AC2}"/>
+              </a:ext>
+            </a:extLst>
+          </p:cNvPr>
+          <p:cNvSpPr/>
+          <p:nvPr/>
+        </p:nvSpPr>
+        <p:spPr>
+          <a:xfrm>
+            <a:off x="17833614" y="6707091"/>
+            <a:ext cx="2115918" cy="1080000"/>
+          </a:xfrm>
+          <a:prstGeom prst="rect">
+            <a:avLst/>
+          </a:prstGeom>
+          <a:solidFill>
+            <a:schemeClr val="accent1">
+              <a:lumMod val="60000"/>
+              <a:lumOff val="40000"/>
+            </a:schemeClr>
+          </a:solidFill>
+          <a:ln w="28575"/>
+        </p:spPr>
+        <p:style>
+          <a:lnRef idx="2">
+            <a:schemeClr val="accent1"/>
+          </a:lnRef>
+          <a:fillRef idx="1">
+            <a:schemeClr val="lt1"/>
+          </a:fillRef>
+          <a:effectRef idx="0">
+            <a:schemeClr val="accent1"/>
+          </a:effectRef>
+          <a:fontRef idx="minor">
+            <a:schemeClr val="dk1"/>
+          </a:fontRef>
+        </p:style>
+        <p:txBody>
+          <a:bodyPr lIns="124733" tIns="62367" rIns="124733" bIns="62367" rtlCol="0" anchor="ctr"/>
+          <a:lstStyle/>
+          <a:p>
+            <a:pPr algn="ctr"/>
+            <a:r>
+              <a:rPr lang="ru-RU" sz="1400" dirty="0"/>
+              <a:t>Умеренная радикализация партии </a:t>
+            </a:r>
+            <a:r>
+              <a:rPr lang="ru-RU" sz="800" dirty="0"/>
+              <a:t>(Однако на фоне всплеска профсоюзной активности в 1940-х годах АНК пережил возрождение и умеренную радикализацию при генерал-президенте Альфреде </a:t>
+            </a:r>
+            <a:r>
+              <a:rPr lang="ru-RU" sz="800" dirty="0" err="1"/>
+              <a:t>Битини</a:t>
+            </a:r>
+            <a:r>
+              <a:rPr lang="ru-RU" sz="800" dirty="0"/>
+              <a:t> </a:t>
+            </a:r>
+            <a:r>
+              <a:rPr lang="ru-RU" sz="800" dirty="0" err="1"/>
+              <a:t>Ксуме</a:t>
+            </a:r>
+            <a:r>
+              <a:rPr lang="ru-RU" sz="800" dirty="0"/>
+              <a:t>)</a:t>
+            </a:r>
+            <a:endParaRPr lang="ru-RU" sz="500" dirty="0"/>
+          </a:p>
+        </p:txBody>
+      </p:sp>
+      <p:sp>
+        <p:nvSpPr>
+          <p:cNvPr id="247" name="Прямоугольник 246">
+            <a:extLst>
+              <a:ext uri="{FF2B5EF4-FFF2-40B4-BE49-F238E27FC236}">
+                <a16:creationId xmlns:a16="http://schemas.microsoft.com/office/drawing/2014/main" id="{B8E1ED6E-2489-4B4F-B2DE-827983897179}"/>
+              </a:ext>
+            </a:extLst>
+          </p:cNvPr>
+          <p:cNvSpPr/>
+          <p:nvPr/>
+        </p:nvSpPr>
+        <p:spPr>
+          <a:xfrm>
+            <a:off x="20509792" y="6707091"/>
+            <a:ext cx="2115918" cy="1080000"/>
+          </a:xfrm>
+          <a:prstGeom prst="rect">
+            <a:avLst/>
+          </a:prstGeom>
+          <a:solidFill>
+            <a:schemeClr val="accent1">
+              <a:lumMod val="60000"/>
+              <a:lumOff val="40000"/>
+            </a:schemeClr>
+          </a:solidFill>
+          <a:ln w="28575"/>
+        </p:spPr>
+        <p:style>
+          <a:lnRef idx="2">
+            <a:schemeClr val="accent1"/>
+          </a:lnRef>
+          <a:fillRef idx="1">
+            <a:schemeClr val="lt1"/>
+          </a:fillRef>
+          <a:effectRef idx="0">
+            <a:schemeClr val="accent1"/>
+          </a:effectRef>
+          <a:fontRef idx="minor">
+            <a:schemeClr val="dk1"/>
+          </a:fontRef>
+        </p:style>
+        <p:txBody>
+          <a:bodyPr lIns="124733" tIns="62367" rIns="124733" bIns="62367" rtlCol="0" anchor="ctr"/>
+          <a:lstStyle/>
+          <a:p>
+            <a:pPr algn="ctr"/>
+            <a:r>
+              <a:rPr lang="ru-RU" sz="1400" dirty="0"/>
+              <a:t>Репрессировать коммунистов </a:t>
+            </a:r>
+            <a:r>
+              <a:rPr lang="ru-RU" sz="600" dirty="0"/>
+              <a:t>(Он был избран президентом Африканского национального конгресса с 1924 по 1927 год, он был противником коммунизма и, следовательно, выступал против Дж. Т. </a:t>
+            </a:r>
+            <a:r>
+              <a:rPr lang="ru-RU" sz="600" dirty="0" err="1"/>
+              <a:t>Гумеде</a:t>
+            </a:r>
+            <a:r>
+              <a:rPr lang="ru-RU" sz="600" dirty="0"/>
+              <a:t> .)</a:t>
+            </a:r>
+            <a:endParaRPr lang="ru-RU" sz="500" dirty="0"/>
+          </a:p>
+        </p:txBody>
+      </p:sp>
+      <p:sp>
+        <p:nvSpPr>
+          <p:cNvPr id="250" name="Прямоугольник 249">
+            <a:extLst>
+              <a:ext uri="{FF2B5EF4-FFF2-40B4-BE49-F238E27FC236}">
+                <a16:creationId xmlns:a16="http://schemas.microsoft.com/office/drawing/2014/main" id="{F708BF84-9B91-4866-9A16-4D9F425DADEC}"/>
+              </a:ext>
+            </a:extLst>
+          </p:cNvPr>
+          <p:cNvSpPr/>
+          <p:nvPr/>
+        </p:nvSpPr>
+        <p:spPr>
+          <a:xfrm>
+            <a:off x="17833614" y="4155595"/>
+            <a:ext cx="2115918" cy="550618"/>
+          </a:xfrm>
+          <a:prstGeom prst="rect">
+            <a:avLst/>
+          </a:prstGeom>
+          <a:solidFill>
+            <a:schemeClr val="accent1">
+              <a:lumMod val="60000"/>
+              <a:lumOff val="40000"/>
+            </a:schemeClr>
+          </a:solidFill>
+          <a:ln w="28575"/>
+        </p:spPr>
+        <p:style>
+          <a:lnRef idx="2">
+            <a:schemeClr val="accent1"/>
+          </a:lnRef>
+          <a:fillRef idx="1">
+            <a:schemeClr val="lt1"/>
+          </a:fillRef>
+          <a:effectRef idx="0">
+            <a:schemeClr val="accent1"/>
+          </a:effectRef>
+          <a:fontRef idx="minor">
+            <a:schemeClr val="dk1"/>
+          </a:fontRef>
+        </p:style>
+        <p:txBody>
+          <a:bodyPr lIns="124733" tIns="62367" rIns="124733" bIns="62367" rtlCol="0" anchor="ctr"/>
+          <a:lstStyle/>
+          <a:p>
+            <a:pPr algn="ctr"/>
+            <a:r>
+              <a:rPr lang="en-US" sz="1600" dirty="0"/>
+              <a:t>Alfred </a:t>
+            </a:r>
+            <a:r>
+              <a:rPr lang="en-US" sz="1600" dirty="0" err="1"/>
+              <a:t>Bitini</a:t>
+            </a:r>
+            <a:r>
+              <a:rPr lang="en-US" sz="1600" dirty="0"/>
+              <a:t> </a:t>
+            </a:r>
+            <a:r>
+              <a:rPr lang="en-US" sz="1600" dirty="0" err="1"/>
+              <a:t>Xuma</a:t>
+            </a:r>
+            <a:endParaRPr lang="ru-RU" sz="100" dirty="0"/>
+          </a:p>
+        </p:txBody>
+      </p:sp>
+      <p:sp>
+        <p:nvSpPr>
+          <p:cNvPr id="251" name="Прямоугольник 250">
+            <a:extLst>
+              <a:ext uri="{FF2B5EF4-FFF2-40B4-BE49-F238E27FC236}">
+                <a16:creationId xmlns:a16="http://schemas.microsoft.com/office/drawing/2014/main" id="{6867FE36-1FE1-475F-B884-FABF92EB00BC}"/>
+              </a:ext>
+            </a:extLst>
+          </p:cNvPr>
+          <p:cNvSpPr/>
+          <p:nvPr/>
+        </p:nvSpPr>
+        <p:spPr>
+          <a:xfrm>
+            <a:off x="15150266" y="4155855"/>
+            <a:ext cx="2115918" cy="540883"/>
+          </a:xfrm>
+          <a:prstGeom prst="rect">
+            <a:avLst/>
+          </a:prstGeom>
+          <a:solidFill>
+            <a:schemeClr val="accent1">
+              <a:lumMod val="60000"/>
+              <a:lumOff val="40000"/>
+            </a:schemeClr>
+          </a:solidFill>
+          <a:ln w="28575"/>
+        </p:spPr>
+        <p:style>
+          <a:lnRef idx="2">
+            <a:schemeClr val="accent1"/>
+          </a:lnRef>
+          <a:fillRef idx="1">
+            <a:schemeClr val="lt1"/>
+          </a:fillRef>
+          <a:effectRef idx="0">
+            <a:schemeClr val="accent1"/>
+          </a:effectRef>
+          <a:fontRef idx="minor">
+            <a:schemeClr val="dk1"/>
+          </a:fontRef>
+        </p:style>
+        <p:txBody>
+          <a:bodyPr lIns="124733" tIns="62367" rIns="124733" bIns="62367" rtlCol="0" anchor="ctr"/>
+          <a:lstStyle/>
+          <a:p>
+            <a:pPr algn="ctr"/>
+            <a:r>
+              <a:rPr lang="en-US" sz="1600" dirty="0"/>
+              <a:t>Zacharias Richard </a:t>
+            </a:r>
+            <a:r>
+              <a:rPr lang="en-US" sz="1600" dirty="0" err="1"/>
+              <a:t>Mahabane</a:t>
+            </a:r>
+            <a:endParaRPr lang="ru-RU" sz="100" dirty="0"/>
+          </a:p>
+        </p:txBody>
+      </p:sp>
+      <p:sp>
+        <p:nvSpPr>
+          <p:cNvPr id="252" name="Прямоугольник 251">
+            <a:extLst>
+              <a:ext uri="{FF2B5EF4-FFF2-40B4-BE49-F238E27FC236}">
+                <a16:creationId xmlns:a16="http://schemas.microsoft.com/office/drawing/2014/main" id="{5C03381E-AD84-48D0-9DF4-9972112B9350}"/>
+              </a:ext>
+            </a:extLst>
+          </p:cNvPr>
+          <p:cNvSpPr/>
+          <p:nvPr/>
+        </p:nvSpPr>
+        <p:spPr>
+          <a:xfrm>
+            <a:off x="13806525" y="8139939"/>
+            <a:ext cx="2115918" cy="1080000"/>
+          </a:xfrm>
+          <a:prstGeom prst="rect">
+            <a:avLst/>
+          </a:prstGeom>
+          <a:solidFill>
+            <a:schemeClr val="accent1">
+              <a:lumMod val="60000"/>
+              <a:lumOff val="40000"/>
+            </a:schemeClr>
+          </a:solidFill>
+          <a:ln w="28575"/>
+        </p:spPr>
+        <p:style>
+          <a:lnRef idx="2">
+            <a:schemeClr val="accent1"/>
+          </a:lnRef>
+          <a:fillRef idx="1">
+            <a:schemeClr val="lt1"/>
+          </a:fillRef>
+          <a:effectRef idx="0">
+            <a:schemeClr val="accent1"/>
+          </a:effectRef>
+          <a:fontRef idx="minor">
+            <a:schemeClr val="dk1"/>
+          </a:fontRef>
+        </p:style>
+        <p:txBody>
+          <a:bodyPr lIns="124733" tIns="62367" rIns="124733" bIns="62367" rtlCol="0" anchor="ctr"/>
+          <a:lstStyle/>
+          <a:p>
+            <a:pPr algn="ctr"/>
+            <a:r>
+              <a:rPr lang="ru-RU" sz="1400" dirty="0"/>
+              <a:t>Межконфессиональная африканская федерация министров </a:t>
+            </a:r>
+            <a:r>
+              <a:rPr lang="ru-RU" sz="700" dirty="0"/>
+              <a:t>(В 1940-х годах он сосредоточился на религиозных организациях, в том числе на Межконфессиональной африканской федерации министров, основанной в 1945 году)</a:t>
+            </a:r>
+            <a:endParaRPr lang="ru-RU" sz="500" dirty="0"/>
+          </a:p>
+        </p:txBody>
+      </p:sp>
+      <p:sp>
+        <p:nvSpPr>
+          <p:cNvPr id="253" name="Прямоугольник 252">
+            <a:extLst>
+              <a:ext uri="{FF2B5EF4-FFF2-40B4-BE49-F238E27FC236}">
+                <a16:creationId xmlns:a16="http://schemas.microsoft.com/office/drawing/2014/main" id="{850A0E66-09E6-4644-8D6F-21BF01BD6C95}"/>
+              </a:ext>
+            </a:extLst>
+          </p:cNvPr>
+          <p:cNvSpPr/>
+          <p:nvPr/>
+        </p:nvSpPr>
+        <p:spPr>
+          <a:xfrm>
+            <a:off x="40672782" y="9631431"/>
+            <a:ext cx="2115918" cy="1080000"/>
+          </a:xfrm>
+          <a:prstGeom prst="rect">
+            <a:avLst/>
+          </a:prstGeom>
+          <a:solidFill>
+            <a:srgbClr val="FF0000"/>
+          </a:solidFill>
+          <a:ln w="28575"/>
+        </p:spPr>
+        <p:style>
+          <a:lnRef idx="2">
+            <a:schemeClr val="accent1"/>
+          </a:lnRef>
+          <a:fillRef idx="1">
+            <a:schemeClr val="lt1"/>
+          </a:fillRef>
+          <a:effectRef idx="0">
+            <a:schemeClr val="accent1"/>
+          </a:effectRef>
+          <a:fontRef idx="minor">
+            <a:schemeClr val="dk1"/>
+          </a:fontRef>
+        </p:style>
+        <p:txBody>
+          <a:bodyPr lIns="124733" tIns="62367" rIns="124733" bIns="62367" rtlCol="0" anchor="ctr"/>
+          <a:lstStyle/>
+          <a:p>
+            <a:pPr algn="ctr"/>
+            <a:r>
+              <a:rPr lang="ru-RU" sz="1400" dirty="0"/>
+              <a:t>Лига национального освобождения </a:t>
+            </a:r>
+            <a:r>
+              <a:rPr lang="ru-RU" sz="500" dirty="0"/>
+              <a:t>(Группа основала Движение за неевропейское единство (NEUM), в котором Табата будет играть центральную роль в течение многих лет, в то время как Гулам Гул представлял группу в аналогичной, но возглавляемой Коммунистической партией Южной Африки Лиге национального освобождения .)</a:t>
+            </a:r>
+            <a:endParaRPr lang="ru-RU" sz="800" dirty="0"/>
+          </a:p>
+        </p:txBody>
+      </p:sp>
+      <p:cxnSp>
+        <p:nvCxnSpPr>
+          <p:cNvPr id="254" name="Прямая соединительная линия 253">
+            <a:extLst>
+              <a:ext uri="{FF2B5EF4-FFF2-40B4-BE49-F238E27FC236}">
+                <a16:creationId xmlns:a16="http://schemas.microsoft.com/office/drawing/2014/main" id="{05512C7F-F1A2-4A1D-9E7E-FDFD88048733}"/>
+              </a:ext>
+            </a:extLst>
+          </p:cNvPr>
+          <p:cNvCxnSpPr>
+            <a:cxnSpLocks/>
+            <a:stCxn id="243" idx="3"/>
+            <a:endCxn id="245" idx="1"/>
+          </p:cNvCxnSpPr>
+          <p:nvPr/>
+        </p:nvCxnSpPr>
+        <p:spPr>
+          <a:xfrm>
+            <a:off x="17258997" y="7247091"/>
+            <a:ext cx="574617" cy="0"/>
+          </a:xfrm>
+          <a:prstGeom prst="line">
+            <a:avLst/>
+          </a:prstGeom>
+          <a:ln w="38100">
+            <a:solidFill>
+              <a:srgbClr val="FF0000"/>
+            </a:solidFill>
+          </a:ln>
+        </p:spPr>
+        <p:style>
+          <a:lnRef idx="1">
+            <a:schemeClr val="accent2"/>
+          </a:lnRef>
+          <a:fillRef idx="0">
+            <a:schemeClr val="accent2"/>
+          </a:fillRef>
+          <a:effectRef idx="0">
+            <a:schemeClr val="accent2"/>
+          </a:effectRef>
+          <a:fontRef idx="minor">
+            <a:schemeClr val="tx1"/>
+          </a:fontRef>
+        </p:style>
+      </p:cxnSp>
+      <p:cxnSp>
+        <p:nvCxnSpPr>
+          <p:cNvPr id="265" name="Shape 248">
+            <a:extLst>
+              <a:ext uri="{FF2B5EF4-FFF2-40B4-BE49-F238E27FC236}">
+                <a16:creationId xmlns:a16="http://schemas.microsoft.com/office/drawing/2014/main" id="{965E4F13-6620-46F1-9F72-BCA7B26C6B87}"/>
+              </a:ext>
+            </a:extLst>
+          </p:cNvPr>
+          <p:cNvCxnSpPr>
+            <a:cxnSpLocks/>
+            <a:stCxn id="132" idx="2"/>
+            <a:endCxn id="247" idx="0"/>
+          </p:cNvCxnSpPr>
+          <p:nvPr/>
+        </p:nvCxnSpPr>
+        <p:spPr>
+          <a:xfrm rot="16200000" flipH="1">
+            <a:off x="19362729" y="4502068"/>
+            <a:ext cx="390353" cy="4019691"/>
+          </a:xfrm>
+          <a:prstGeom prst="bentConnector3">
+            <a:avLst>
+              <a:gd name="adj1" fmla="val 50000"/>
+            </a:avLst>
+          </a:prstGeom>
+          <a:ln w="28575">
+            <a:tailEnd type="arrow"/>
+          </a:ln>
+        </p:spPr>
+        <p:style>
+          <a:lnRef idx="1">
+            <a:schemeClr val="accent1"/>
+          </a:lnRef>
+          <a:fillRef idx="0">
+            <a:schemeClr val="accent1"/>
+          </a:fillRef>
+          <a:effectRef idx="0">
+            <a:schemeClr val="accent1"/>
+          </a:effectRef>
+          <a:fontRef idx="minor">
+            <a:schemeClr val="tx1"/>
+          </a:fontRef>
+        </p:style>
+      </p:cxnSp>
+      <p:cxnSp>
+        <p:nvCxnSpPr>
+          <p:cNvPr id="268" name="Shape 248">
+            <a:extLst>
+              <a:ext uri="{FF2B5EF4-FFF2-40B4-BE49-F238E27FC236}">
+                <a16:creationId xmlns:a16="http://schemas.microsoft.com/office/drawing/2014/main" id="{43A2D1CA-9033-40EF-87B0-93997D4F9F71}"/>
+              </a:ext>
+            </a:extLst>
+          </p:cNvPr>
+          <p:cNvCxnSpPr>
+            <a:cxnSpLocks/>
+            <a:stCxn id="132" idx="2"/>
+            <a:endCxn id="244" idx="0"/>
+          </p:cNvCxnSpPr>
+          <p:nvPr/>
+        </p:nvCxnSpPr>
+        <p:spPr>
+          <a:xfrm rot="5400000">
+            <a:off x="15340122" y="4499152"/>
+            <a:ext cx="390353" cy="4025525"/>
+          </a:xfrm>
+          <a:prstGeom prst="bentConnector3">
+            <a:avLst>
+              <a:gd name="adj1" fmla="val 50000"/>
+            </a:avLst>
+          </a:prstGeom>
+          <a:ln w="28575">
+            <a:tailEnd type="arrow"/>
+          </a:ln>
+        </p:spPr>
+        <p:style>
+          <a:lnRef idx="1">
+            <a:schemeClr val="accent1"/>
+          </a:lnRef>
+          <a:fillRef idx="0">
+            <a:schemeClr val="accent1"/>
+          </a:fillRef>
+          <a:effectRef idx="0">
+            <a:schemeClr val="accent1"/>
+          </a:effectRef>
+          <a:fontRef idx="minor">
+            <a:schemeClr val="tx1"/>
+          </a:fontRef>
+        </p:style>
+      </p:cxnSp>
+      <p:cxnSp>
+        <p:nvCxnSpPr>
+          <p:cNvPr id="271" name="Shape 248">
+            <a:extLst>
+              <a:ext uri="{FF2B5EF4-FFF2-40B4-BE49-F238E27FC236}">
+                <a16:creationId xmlns:a16="http://schemas.microsoft.com/office/drawing/2014/main" id="{31EA9CC3-4B9C-471F-B841-04E10150BF96}"/>
+              </a:ext>
+            </a:extLst>
+          </p:cNvPr>
+          <p:cNvCxnSpPr>
+            <a:cxnSpLocks/>
+            <a:stCxn id="243" idx="2"/>
+            <a:endCxn id="252" idx="0"/>
+          </p:cNvCxnSpPr>
+          <p:nvPr/>
+        </p:nvCxnSpPr>
+        <p:spPr>
+          <a:xfrm rot="5400000">
+            <a:off x="15356337" y="7295238"/>
+            <a:ext cx="352848" cy="1336554"/>
+          </a:xfrm>
+          <a:prstGeom prst="bentConnector3">
+            <a:avLst>
+              <a:gd name="adj1" fmla="val 50000"/>
+            </a:avLst>
+          </a:prstGeom>
+          <a:ln w="28575">
+            <a:tailEnd type="arrow"/>
+          </a:ln>
+        </p:spPr>
+        <p:style>
+          <a:lnRef idx="1">
+            <a:schemeClr val="accent1"/>
+          </a:lnRef>
+          <a:fillRef idx="0">
+            <a:schemeClr val="accent1"/>
+          </a:fillRef>
+          <a:effectRef idx="0">
+            <a:schemeClr val="accent1"/>
+          </a:effectRef>
+          <a:fontRef idx="minor">
+            <a:schemeClr val="tx1"/>
+          </a:fontRef>
+        </p:style>
+      </p:cxnSp>
+      <p:cxnSp>
+        <p:nvCxnSpPr>
+          <p:cNvPr id="274" name="Shape 248">
+            <a:extLst>
+              <a:ext uri="{FF2B5EF4-FFF2-40B4-BE49-F238E27FC236}">
+                <a16:creationId xmlns:a16="http://schemas.microsoft.com/office/drawing/2014/main" id="{A394FB90-22D2-4484-A214-232F2AEB4696}"/>
+              </a:ext>
+            </a:extLst>
+          </p:cNvPr>
+          <p:cNvCxnSpPr>
+            <a:cxnSpLocks/>
+            <a:stCxn id="245" idx="2"/>
+            <a:endCxn id="39" idx="0"/>
+          </p:cNvCxnSpPr>
+          <p:nvPr/>
+        </p:nvCxnSpPr>
+        <p:spPr>
+          <a:xfrm rot="16200000" flipH="1">
+            <a:off x="19386154" y="7292510"/>
+            <a:ext cx="353871" cy="1343032"/>
+          </a:xfrm>
+          <a:prstGeom prst="bentConnector3">
+            <a:avLst>
+              <a:gd name="adj1" fmla="val 50000"/>
+            </a:avLst>
+          </a:prstGeom>
+          <a:ln w="28575">
+            <a:tailEnd type="arrow"/>
+          </a:ln>
+        </p:spPr>
+        <p:style>
+          <a:lnRef idx="1">
+            <a:schemeClr val="accent1"/>
+          </a:lnRef>
+          <a:fillRef idx="0">
+            <a:schemeClr val="accent1"/>
+          </a:fillRef>
+          <a:effectRef idx="0">
+            <a:schemeClr val="accent1"/>
+          </a:effectRef>
+          <a:fontRef idx="minor">
+            <a:schemeClr val="tx1"/>
+          </a:fontRef>
+        </p:style>
+      </p:cxnSp>
+      <p:cxnSp>
+        <p:nvCxnSpPr>
+          <p:cNvPr id="278" name="Shape 248">
+            <a:extLst>
+              <a:ext uri="{FF2B5EF4-FFF2-40B4-BE49-F238E27FC236}">
+                <a16:creationId xmlns:a16="http://schemas.microsoft.com/office/drawing/2014/main" id="{703E60BD-ADB7-4A72-90BF-7EF67693663E}"/>
+              </a:ext>
+            </a:extLst>
+          </p:cNvPr>
+          <p:cNvCxnSpPr>
+            <a:cxnSpLocks/>
+            <a:stCxn id="243" idx="2"/>
+            <a:endCxn id="95" idx="0"/>
+          </p:cNvCxnSpPr>
+          <p:nvPr/>
+        </p:nvCxnSpPr>
+        <p:spPr>
+          <a:xfrm rot="16200000" flipH="1">
+            <a:off x="16689642" y="7298487"/>
+            <a:ext cx="369815" cy="1347022"/>
+          </a:xfrm>
+          <a:prstGeom prst="bentConnector3">
+            <a:avLst>
+              <a:gd name="adj1" fmla="val 50000"/>
+            </a:avLst>
+          </a:prstGeom>
+          <a:ln w="28575">
+            <a:prstDash val="dash"/>
+            <a:tailEnd type="arrow"/>
+          </a:ln>
+        </p:spPr>
+        <p:style>
+          <a:lnRef idx="1">
+            <a:schemeClr val="accent1"/>
+          </a:lnRef>
+          <a:fillRef idx="0">
+            <a:schemeClr val="accent1"/>
+          </a:fillRef>
+          <a:effectRef idx="0">
+            <a:schemeClr val="accent1"/>
+          </a:effectRef>
+          <a:fontRef idx="minor">
+            <a:schemeClr val="tx1"/>
+          </a:fontRef>
+        </p:style>
+      </p:cxnSp>
+      <p:cxnSp>
+        <p:nvCxnSpPr>
+          <p:cNvPr id="281" name="Shape 248">
+            <a:extLst>
+              <a:ext uri="{FF2B5EF4-FFF2-40B4-BE49-F238E27FC236}">
+                <a16:creationId xmlns:a16="http://schemas.microsoft.com/office/drawing/2014/main" id="{2BE0D2B9-EF73-4EA6-8C3F-892E696BB91F}"/>
+              </a:ext>
+            </a:extLst>
+          </p:cNvPr>
+          <p:cNvCxnSpPr>
+            <a:cxnSpLocks/>
+            <a:stCxn id="245" idx="2"/>
+            <a:endCxn id="95" idx="0"/>
+          </p:cNvCxnSpPr>
+          <p:nvPr/>
+        </p:nvCxnSpPr>
+        <p:spPr>
+          <a:xfrm rot="5400000">
+            <a:off x="18034910" y="7300242"/>
+            <a:ext cx="369815" cy="1343513"/>
+          </a:xfrm>
+          <a:prstGeom prst="bentConnector3">
+            <a:avLst>
+              <a:gd name="adj1" fmla="val 50000"/>
+            </a:avLst>
+          </a:prstGeom>
+          <a:ln w="28575">
+            <a:prstDash val="dash"/>
+            <a:tailEnd type="arrow"/>
+          </a:ln>
+        </p:spPr>
+        <p:style>
+          <a:lnRef idx="1">
+            <a:schemeClr val="accent1"/>
+          </a:lnRef>
+          <a:fillRef idx="0">
+            <a:schemeClr val="accent1"/>
+          </a:fillRef>
+          <a:effectRef idx="0">
+            <a:schemeClr val="accent1"/>
+          </a:effectRef>
+          <a:fontRef idx="minor">
+            <a:schemeClr val="tx1"/>
+          </a:fontRef>
+        </p:style>
+      </p:cxnSp>
+      <p:cxnSp>
+        <p:nvCxnSpPr>
+          <p:cNvPr id="284" name="Shape 248">
+            <a:extLst>
+              <a:ext uri="{FF2B5EF4-FFF2-40B4-BE49-F238E27FC236}">
+                <a16:creationId xmlns:a16="http://schemas.microsoft.com/office/drawing/2014/main" id="{C4320DC5-3F17-4C64-A1A3-5D0740777DD5}"/>
+              </a:ext>
+            </a:extLst>
+          </p:cNvPr>
+          <p:cNvCxnSpPr>
+            <a:cxnSpLocks/>
+            <a:stCxn id="95" idx="2"/>
+            <a:endCxn id="140" idx="0"/>
+          </p:cNvCxnSpPr>
+          <p:nvPr/>
+        </p:nvCxnSpPr>
+        <p:spPr>
+          <a:xfrm rot="16200000" flipH="1">
+            <a:off x="18027668" y="8757298"/>
+            <a:ext cx="392436" cy="1351652"/>
+          </a:xfrm>
+          <a:prstGeom prst="bentConnector3">
+            <a:avLst>
+              <a:gd name="adj1" fmla="val 50000"/>
+            </a:avLst>
+          </a:prstGeom>
+          <a:ln w="28575">
+            <a:tailEnd type="arrow"/>
+          </a:ln>
+        </p:spPr>
+        <p:style>
+          <a:lnRef idx="1">
+            <a:schemeClr val="accent1"/>
+          </a:lnRef>
+          <a:fillRef idx="0">
+            <a:schemeClr val="accent1"/>
+          </a:fillRef>
+          <a:effectRef idx="0">
+            <a:schemeClr val="accent1"/>
+          </a:effectRef>
+          <a:fontRef idx="minor">
+            <a:schemeClr val="tx1"/>
+          </a:fontRef>
+        </p:style>
+      </p:cxnSp>
+      <p:cxnSp>
+        <p:nvCxnSpPr>
+          <p:cNvPr id="287" name="Shape 248">
+            <a:extLst>
+              <a:ext uri="{FF2B5EF4-FFF2-40B4-BE49-F238E27FC236}">
+                <a16:creationId xmlns:a16="http://schemas.microsoft.com/office/drawing/2014/main" id="{B5D0389A-2DCC-4BBF-9A57-8FF52A479BBB}"/>
+              </a:ext>
+            </a:extLst>
+          </p:cNvPr>
+          <p:cNvCxnSpPr>
+            <a:cxnSpLocks/>
+            <a:stCxn id="95" idx="2"/>
+            <a:endCxn id="135" idx="0"/>
+          </p:cNvCxnSpPr>
+          <p:nvPr/>
+        </p:nvCxnSpPr>
+        <p:spPr>
+          <a:xfrm rot="5400000">
+            <a:off x="16682705" y="8763987"/>
+            <a:ext cx="392436" cy="1338275"/>
+          </a:xfrm>
+          <a:prstGeom prst="bentConnector3">
+            <a:avLst>
+              <a:gd name="adj1" fmla="val 50000"/>
+            </a:avLst>
+          </a:prstGeom>
+          <a:ln w="28575">
+            <a:tailEnd type="arrow"/>
+          </a:ln>
+        </p:spPr>
+        <p:style>
+          <a:lnRef idx="1">
+            <a:schemeClr val="accent1"/>
+          </a:lnRef>
+          <a:fillRef idx="0">
+            <a:schemeClr val="accent1"/>
+          </a:fillRef>
+          <a:effectRef idx="0">
+            <a:schemeClr val="accent1"/>
+          </a:effectRef>
+          <a:fontRef idx="minor">
+            <a:schemeClr val="tx1"/>
+          </a:fontRef>
+        </p:style>
+      </p:cxnSp>
+      <p:sp>
+        <p:nvSpPr>
+          <p:cNvPr id="308" name="Прямоугольник 307">
+            <a:extLst>
+              <a:ext uri="{FF2B5EF4-FFF2-40B4-BE49-F238E27FC236}">
+                <a16:creationId xmlns:a16="http://schemas.microsoft.com/office/drawing/2014/main" id="{2556BFD4-D2F0-4404-AAEE-9366CE5E0E2B}"/>
+              </a:ext>
+            </a:extLst>
+          </p:cNvPr>
+          <p:cNvSpPr/>
+          <p:nvPr/>
+        </p:nvSpPr>
+        <p:spPr>
+          <a:xfrm>
+            <a:off x="15150266" y="12548424"/>
+            <a:ext cx="2115918" cy="1080000"/>
+          </a:xfrm>
+          <a:prstGeom prst="rect">
+            <a:avLst/>
+          </a:prstGeom>
+          <a:solidFill>
+            <a:schemeClr val="accent1">
+              <a:lumMod val="60000"/>
+              <a:lumOff val="40000"/>
+            </a:schemeClr>
+          </a:solidFill>
+          <a:ln w="28575"/>
+        </p:spPr>
+        <p:style>
+          <a:lnRef idx="2">
+            <a:schemeClr val="accent1"/>
+          </a:lnRef>
+          <a:fillRef idx="1">
+            <a:schemeClr val="lt1"/>
+          </a:fillRef>
+          <a:effectRef idx="0">
+            <a:schemeClr val="accent1"/>
+          </a:effectRef>
+          <a:fontRef idx="minor">
+            <a:schemeClr val="dk1"/>
+          </a:fontRef>
+        </p:style>
+        <p:txBody>
+          <a:bodyPr lIns="124733" tIns="62367" rIns="124733" bIns="62367" rtlCol="0" anchor="ctr"/>
+          <a:lstStyle/>
+          <a:p>
+            <a:pPr algn="ctr"/>
+            <a:r>
+              <a:rPr lang="ru-RU" sz="1400" dirty="0"/>
+              <a:t>Инвестиции от союзников (новое)</a:t>
+            </a:r>
+            <a:endParaRPr lang="ru-RU" sz="500" dirty="0"/>
+          </a:p>
+        </p:txBody>
+      </p:sp>
+      <p:cxnSp>
+        <p:nvCxnSpPr>
+          <p:cNvPr id="309" name="Shape 248">
+            <a:extLst>
+              <a:ext uri="{FF2B5EF4-FFF2-40B4-BE49-F238E27FC236}">
+                <a16:creationId xmlns:a16="http://schemas.microsoft.com/office/drawing/2014/main" id="{5F86BDF8-1375-4E38-BF60-B4D7F56FC739}"/>
+              </a:ext>
+            </a:extLst>
+          </p:cNvPr>
+          <p:cNvCxnSpPr>
+            <a:cxnSpLocks/>
+            <a:stCxn id="135" idx="2"/>
+            <a:endCxn id="308" idx="0"/>
+          </p:cNvCxnSpPr>
+          <p:nvPr/>
+        </p:nvCxnSpPr>
+        <p:spPr>
+          <a:xfrm rot="5400000">
+            <a:off x="15289464" y="11628103"/>
+            <a:ext cx="1839082" cy="1560"/>
+          </a:xfrm>
+          <a:prstGeom prst="bentConnector3">
+            <a:avLst>
+              <a:gd name="adj1" fmla="val 50000"/>
+            </a:avLst>
+          </a:prstGeom>
+          <a:ln w="28575">
+            <a:tailEnd type="arrow"/>
+          </a:ln>
+        </p:spPr>
+        <p:style>
+          <a:lnRef idx="1">
+            <a:schemeClr val="accent1"/>
+          </a:lnRef>
+          <a:fillRef idx="0">
+            <a:schemeClr val="accent1"/>
+          </a:fillRef>
+          <a:effectRef idx="0">
+            <a:schemeClr val="accent1"/>
+          </a:effectRef>
+          <a:fontRef idx="minor">
+            <a:schemeClr val="tx1"/>
+          </a:fontRef>
+        </p:style>
+      </p:cxnSp>
+      <p:sp>
+        <p:nvSpPr>
+          <p:cNvPr id="314" name="Прямоугольник 313">
+            <a:extLst>
+              <a:ext uri="{FF2B5EF4-FFF2-40B4-BE49-F238E27FC236}">
+                <a16:creationId xmlns:a16="http://schemas.microsoft.com/office/drawing/2014/main" id="{215ABD23-9D4E-461A-9AF0-4DBCA32E7358}"/>
+              </a:ext>
+            </a:extLst>
+          </p:cNvPr>
+          <p:cNvSpPr/>
+          <p:nvPr/>
+        </p:nvSpPr>
+        <p:spPr>
+          <a:xfrm>
+            <a:off x="23196776" y="12497078"/>
+            <a:ext cx="2115918" cy="1080000"/>
+          </a:xfrm>
+          <a:prstGeom prst="rect">
+            <a:avLst/>
+          </a:prstGeom>
+          <a:solidFill>
+            <a:schemeClr val="accent1">
+              <a:lumMod val="60000"/>
+              <a:lumOff val="40000"/>
+            </a:schemeClr>
+          </a:solidFill>
+          <a:ln w="28575"/>
+        </p:spPr>
+        <p:style>
+          <a:lnRef idx="2">
+            <a:schemeClr val="accent1"/>
+          </a:lnRef>
+          <a:fillRef idx="1">
+            <a:schemeClr val="lt1"/>
+          </a:fillRef>
+          <a:effectRef idx="0">
+            <a:schemeClr val="accent1"/>
+          </a:effectRef>
+          <a:fontRef idx="minor">
+            <a:schemeClr val="dk1"/>
+          </a:fontRef>
+        </p:style>
+        <p:txBody>
+          <a:bodyPr lIns="124733" tIns="62367" rIns="124733" bIns="62367" rtlCol="0" anchor="ctr"/>
+          <a:lstStyle/>
+          <a:p>
+            <a:pPr algn="ctr"/>
+            <a:r>
+              <a:rPr lang="ru-RU" sz="1400" dirty="0"/>
+              <a:t>Пригласить Родезию (новое)</a:t>
+            </a:r>
+            <a:endParaRPr lang="ru-RU" sz="500" dirty="0"/>
+          </a:p>
+        </p:txBody>
+      </p:sp>
+      <p:cxnSp>
+        <p:nvCxnSpPr>
+          <p:cNvPr id="315" name="Shape 248">
+            <a:extLst>
+              <a:ext uri="{FF2B5EF4-FFF2-40B4-BE49-F238E27FC236}">
+                <a16:creationId xmlns:a16="http://schemas.microsoft.com/office/drawing/2014/main" id="{3DE9E056-50E7-4870-B99F-6A62987742D8}"/>
+              </a:ext>
+            </a:extLst>
+          </p:cNvPr>
+          <p:cNvCxnSpPr>
+            <a:cxnSpLocks/>
+            <a:stCxn id="140" idx="2"/>
+            <a:endCxn id="314" idx="0"/>
+          </p:cNvCxnSpPr>
+          <p:nvPr/>
+        </p:nvCxnSpPr>
+        <p:spPr>
+          <a:xfrm rot="16200000" flipH="1">
+            <a:off x="20683355" y="8925698"/>
+            <a:ext cx="1787736" cy="5355023"/>
+          </a:xfrm>
+          <a:prstGeom prst="bentConnector3">
+            <a:avLst>
+              <a:gd name="adj1" fmla="val 9619"/>
+            </a:avLst>
+          </a:prstGeom>
+          <a:ln w="28575">
+            <a:tailEnd type="arrow"/>
+          </a:ln>
+        </p:spPr>
+        <p:style>
+          <a:lnRef idx="1">
+            <a:schemeClr val="accent1"/>
+          </a:lnRef>
+          <a:fillRef idx="0">
+            <a:schemeClr val="accent1"/>
+          </a:fillRef>
+          <a:effectRef idx="0">
+            <a:schemeClr val="accent1"/>
+          </a:effectRef>
+          <a:fontRef idx="minor">
+            <a:schemeClr val="tx1"/>
+          </a:fontRef>
+        </p:style>
+      </p:cxnSp>
+      <p:sp>
+        <p:nvSpPr>
+          <p:cNvPr id="319" name="Прямоугольник 318">
+            <a:extLst>
+              <a:ext uri="{FF2B5EF4-FFF2-40B4-BE49-F238E27FC236}">
+                <a16:creationId xmlns:a16="http://schemas.microsoft.com/office/drawing/2014/main" id="{6735B9BD-008B-4094-B7AA-5B87EFC9DE63}"/>
+              </a:ext>
+            </a:extLst>
+          </p:cNvPr>
+          <p:cNvSpPr/>
+          <p:nvPr/>
+        </p:nvSpPr>
+        <p:spPr>
+          <a:xfrm>
+            <a:off x="33678611" y="1074515"/>
+            <a:ext cx="2115918" cy="1080000"/>
+          </a:xfrm>
+          <a:prstGeom prst="rect">
+            <a:avLst/>
+          </a:prstGeom>
+          <a:ln w="28575"/>
+        </p:spPr>
+        <p:style>
+          <a:lnRef idx="2">
+            <a:schemeClr val="accent1"/>
+          </a:lnRef>
+          <a:fillRef idx="1">
+            <a:schemeClr val="lt1"/>
+          </a:fillRef>
+          <a:effectRef idx="0">
+            <a:schemeClr val="accent1"/>
+          </a:effectRef>
+          <a:fontRef idx="minor">
+            <a:schemeClr val="dk1"/>
+          </a:fontRef>
+        </p:style>
+        <p:txBody>
+          <a:bodyPr lIns="124733" tIns="62367" rIns="124733" bIns="62367" rtlCol="0" anchor="ctr"/>
+          <a:lstStyle/>
+          <a:p>
+            <a:pPr algn="ctr"/>
+            <a:r>
+              <a:rPr lang="ru-RU" sz="1400" dirty="0"/>
+              <a:t>Мастерские чернокожих </a:t>
+            </a:r>
+            <a:r>
+              <a:rPr lang="ru-RU" sz="300" dirty="0"/>
+              <a:t>(Хотя количество чернокожих рабочих росло и в 1930-е годы существовала значительная организация, их положение в производстве заметно изменилось только во время Второй мировой войны, когда они заменили белых, которые добровольно пошли на службу в армию. Увеличилось количество небольших мастерских, чтобы заменить ранее импортированные товары, ускорилось строительство дорог для потенциальных оборонных целей, а производство золота было увеличено для оплаты британской военной машины. Действительно, часть монет была отправлена ​​​​прямо в США за счет Великобритании. Сельское хозяйство также расширилось, чтобы прокормить войска в Африке, на экспорт в Западную Африку и на местный рынок. Все это были области увеличения занятости чернокожих.)</a:t>
+            </a:r>
+            <a:endParaRPr lang="ru-RU" sz="500" dirty="0"/>
+          </a:p>
+        </p:txBody>
+      </p:sp>
+      <p:sp>
+        <p:nvSpPr>
+          <p:cNvPr id="320" name="Прямоугольник 319">
+            <a:extLst>
+              <a:ext uri="{FF2B5EF4-FFF2-40B4-BE49-F238E27FC236}">
+                <a16:creationId xmlns:a16="http://schemas.microsoft.com/office/drawing/2014/main" id="{C77885C1-D5CA-4930-ADE1-7C46C64D16E5}"/>
+              </a:ext>
+            </a:extLst>
+          </p:cNvPr>
+          <p:cNvSpPr/>
+          <p:nvPr/>
+        </p:nvSpPr>
+        <p:spPr>
+          <a:xfrm>
+            <a:off x="36623565" y="2289967"/>
+            <a:ext cx="2115918" cy="1080000"/>
+          </a:xfrm>
+          <a:prstGeom prst="rect">
+            <a:avLst/>
+          </a:prstGeom>
+          <a:ln w="28575"/>
+        </p:spPr>
+        <p:style>
+          <a:lnRef idx="2">
+            <a:schemeClr val="accent1"/>
+          </a:lnRef>
+          <a:fillRef idx="1">
+            <a:schemeClr val="lt1"/>
+          </a:fillRef>
+          <a:effectRef idx="0">
+            <a:schemeClr val="accent1"/>
+          </a:effectRef>
+          <a:fontRef idx="minor">
+            <a:schemeClr val="dk1"/>
+          </a:fontRef>
+        </p:style>
+        <p:txBody>
+          <a:bodyPr lIns="124733" tIns="62367" rIns="124733" bIns="62367" rtlCol="0" anchor="ctr"/>
+          <a:lstStyle/>
+          <a:p>
+            <a:pPr algn="ctr"/>
+            <a:r>
+              <a:rPr lang="ru-RU" sz="1400" dirty="0"/>
+              <a:t>Новые дороги для оборонительных целей </a:t>
+            </a:r>
+            <a:r>
+              <a:rPr lang="ru-RU" sz="300" dirty="0"/>
+              <a:t>(Хотя количество чернокожих рабочих росло и в 1930-е годы существовала значительная организация, их положение в производстве заметно изменилось только во время Второй мировой войны, когда они заменили белых, которые добровольно пошли на службу в армию. Увеличилось количество небольших мастерских, чтобы заменить ранее импортированные товары, ускорилось строительство дорог для потенциальных оборонных целей, а производство золота было увеличено для оплаты британской военной машины. Действительно, часть монет была отправлена ​​​​прямо в США за счет Великобритании. Сельское хозяйство также расширилось, чтобы прокормить войска в Африке, на экспорт в Западную Африку и на местный рынок. Все это были области увеличения занятости чернокожих.)</a:t>
+            </a:r>
+            <a:endParaRPr lang="ru-RU" sz="500" dirty="0"/>
+          </a:p>
+        </p:txBody>
+      </p:sp>
+      <p:sp>
+        <p:nvSpPr>
+          <p:cNvPr id="321" name="Прямоугольник 320">
+            <a:extLst>
+              <a:ext uri="{FF2B5EF4-FFF2-40B4-BE49-F238E27FC236}">
+                <a16:creationId xmlns:a16="http://schemas.microsoft.com/office/drawing/2014/main" id="{961053D9-AAA7-4CAF-848A-3DA66DABCD04}"/>
+              </a:ext>
+            </a:extLst>
+          </p:cNvPr>
+          <p:cNvSpPr/>
+          <p:nvPr/>
+        </p:nvSpPr>
+        <p:spPr>
+          <a:xfrm>
+            <a:off x="33678611" y="2336019"/>
+            <a:ext cx="2115918" cy="1080000"/>
+          </a:xfrm>
+          <a:prstGeom prst="rect">
+            <a:avLst/>
+          </a:prstGeom>
+          <a:ln w="28575"/>
+        </p:spPr>
+        <p:style>
+          <a:lnRef idx="2">
+            <a:schemeClr val="accent1"/>
+          </a:lnRef>
+          <a:fillRef idx="1">
+            <a:schemeClr val="lt1"/>
+          </a:fillRef>
+          <a:effectRef idx="0">
+            <a:schemeClr val="accent1"/>
+          </a:effectRef>
+          <a:fontRef idx="minor">
+            <a:schemeClr val="dk1"/>
+          </a:fontRef>
+        </p:style>
+        <p:txBody>
+          <a:bodyPr lIns="124733" tIns="62367" rIns="124733" bIns="62367" rtlCol="0" anchor="ctr"/>
+          <a:lstStyle/>
+          <a:p>
+            <a:pPr algn="ctr"/>
+            <a:r>
+              <a:rPr lang="ru-RU" sz="1400" dirty="0"/>
+              <a:t>Расширение сельского хозяйства </a:t>
+            </a:r>
+            <a:r>
+              <a:rPr lang="ru-RU" sz="300" dirty="0"/>
+              <a:t>(Хотя количество чернокожих рабочих росло и в 1930-е годы существовала значительная организация, их положение в производстве заметно изменилось только во время Второй мировой войны, когда они заменили белых, которые добровольно пошли на службу в армию. Увеличилось количество небольших мастерских, чтобы заменить ранее импортированные товары, ускорилось строительство дорог для потенциальных оборонных целей, а производство золота было увеличено для оплаты британской военной машины. Действительно, часть монет была отправлена ​​​​прямо в США за счет Великобритании. Сельское хозяйство также расширилось, чтобы прокормить войска в Африке, на экспорт в Западную Африку и на местный рынок. Все это были области увеличения занятости чернокожих.)</a:t>
+            </a:r>
+            <a:endParaRPr lang="ru-RU" sz="500" dirty="0"/>
+          </a:p>
+        </p:txBody>
+      </p:sp>
+      <p:sp>
+        <p:nvSpPr>
+          <p:cNvPr id="322" name="Прямоугольник 321">
+            <a:extLst>
+              <a:ext uri="{FF2B5EF4-FFF2-40B4-BE49-F238E27FC236}">
+                <a16:creationId xmlns:a16="http://schemas.microsoft.com/office/drawing/2014/main" id="{8A876C97-99BD-45AC-8D01-F343AE503AE2}"/>
+              </a:ext>
+            </a:extLst>
+          </p:cNvPr>
+          <p:cNvSpPr/>
+          <p:nvPr/>
+        </p:nvSpPr>
+        <p:spPr>
+          <a:xfrm>
+            <a:off x="36631431" y="952959"/>
+            <a:ext cx="2115918" cy="1080000"/>
+          </a:xfrm>
+          <a:prstGeom prst="rect">
+            <a:avLst/>
+          </a:prstGeom>
+          <a:ln w="28575"/>
+        </p:spPr>
+        <p:style>
+          <a:lnRef idx="2">
+            <a:schemeClr val="accent1"/>
+          </a:lnRef>
+          <a:fillRef idx="1">
+            <a:schemeClr val="lt1"/>
+          </a:fillRef>
+          <a:effectRef idx="0">
+            <a:schemeClr val="accent1"/>
+          </a:effectRef>
+          <a:fontRef idx="minor">
+            <a:schemeClr val="dk1"/>
+          </a:fontRef>
+        </p:style>
+        <p:txBody>
+          <a:bodyPr lIns="124733" tIns="62367" rIns="124733" bIns="62367" rtlCol="0" anchor="ctr"/>
+          <a:lstStyle/>
+          <a:p>
+            <a:pPr algn="ctr"/>
+            <a:r>
+              <a:rPr lang="ru-RU" sz="1400" dirty="0"/>
+              <a:t>Увеличить золотодобычу </a:t>
+            </a:r>
+            <a:r>
+              <a:rPr lang="ru-RU" sz="300" dirty="0"/>
+              <a:t>(Хотя количество чернокожих рабочих росло и в 1930-е годы существовала значительная организация, их положение в производстве заметно изменилось только во время Второй мировой войны, когда они заменили белых, которые добровольно пошли на службу в армию. Увеличилось количество небольших мастерских, чтобы заменить ранее импортированные товары, ускорилось строительство дорог для потенциальных оборонных целей, а производство золота было увеличено для оплаты британской военной машины. Действительно, часть монет была отправлена ​​​​прямо в США за счет Великобритании. Сельское хозяйство также расширилось, чтобы прокормить войска в Африке, на экспорт в Западную Африку и на местный рынок. Все это были области увеличения занятости чернокожих.)</a:t>
+            </a:r>
+            <a:endParaRPr lang="ru-RU" sz="500" dirty="0"/>
+          </a:p>
+        </p:txBody>
+      </p:sp>
+      <p:sp>
+        <p:nvSpPr>
+          <p:cNvPr id="323" name="Прямоугольник 322">
+            <a:extLst>
+              <a:ext uri="{FF2B5EF4-FFF2-40B4-BE49-F238E27FC236}">
+                <a16:creationId xmlns:a16="http://schemas.microsoft.com/office/drawing/2014/main" id="{665A1BD9-0771-4BD6-B348-D40983890E9C}"/>
+              </a:ext>
+            </a:extLst>
+          </p:cNvPr>
+          <p:cNvSpPr/>
+          <p:nvPr/>
+        </p:nvSpPr>
+        <p:spPr>
+          <a:xfrm>
+            <a:off x="44872268" y="5282118"/>
+            <a:ext cx="2115918" cy="1080000"/>
+          </a:xfrm>
+          <a:prstGeom prst="rect">
+            <a:avLst/>
+          </a:prstGeom>
+          <a:solidFill>
+            <a:srgbClr val="FFC000"/>
+          </a:solidFill>
+          <a:ln w="28575"/>
+        </p:spPr>
+        <p:style>
+          <a:lnRef idx="2">
+            <a:schemeClr val="accent1"/>
+          </a:lnRef>
+          <a:fillRef idx="1">
+            <a:schemeClr val="lt1"/>
+          </a:fillRef>
+          <a:effectRef idx="0">
+            <a:schemeClr val="accent1"/>
+          </a:effectRef>
+          <a:fontRef idx="minor">
+            <a:schemeClr val="dk1"/>
+          </a:fontRef>
+        </p:style>
+        <p:txBody>
+          <a:bodyPr lIns="124733" tIns="62367" rIns="124733" bIns="62367" rtlCol="0" anchor="ctr"/>
+          <a:lstStyle/>
+          <a:p>
+            <a:pPr algn="ctr"/>
+            <a:r>
+              <a:rPr lang="ru-RU" sz="1400" dirty="0"/>
+              <a:t>Объединение цветных, белых и чёрных профсоюзов </a:t>
+            </a:r>
+            <a:r>
+              <a:rPr lang="ru-RU" sz="300" dirty="0"/>
+              <a:t>(В частности, нужно было отменить цветную полосу, а черных и белых рабочих объединить в одно профсоюзное движение. До тех пор, пока это не будет достигнуто, рабочие, исключенные из профсоюзов, должны быть организованы в отдельные профсоюзы. Но они </a:t>
+            </a:r>
+            <a:r>
+              <a:rPr lang="ru-RU" sz="300" dirty="0" err="1"/>
+              <a:t>подчеркнули:«Ни</a:t>
+            </a:r>
+            <a:r>
+              <a:rPr lang="ru-RU" sz="300" dirty="0"/>
+              <a:t> при каких обстоятельствах… мы не рассматриваем такие чисто туземные профсоюзы как оппозиционные профсоюзы или как самостоятельную цель. Это всего лишь шаг к объединению всех профсоюзов, черных и белых, в одну центральную организацию профсоюзов всех рабочих Южной Африки».)</a:t>
+            </a:r>
+            <a:endParaRPr lang="ru-RU" sz="800" dirty="0"/>
+          </a:p>
+        </p:txBody>
+      </p:sp>
     </p:spTree>
     <p:extLst>
       <p:ext uri="{BB962C8B-B14F-4D97-AF65-F5344CB8AC3E}">

--- a/Наработки/диздоки/ЮАС/ЮАС.pptx
+++ b/Наработки/диздоки/ЮАС/ЮАС.pptx
@@ -209,7 +209,7 @@
             <a:fld id="{33E3D7F9-E251-484C-A6FF-FA958879DF69}" type="datetimeFigureOut">
               <a:rPr lang="ru-RU" smtClean="0"/>
               <a:pPr/>
-              <a:t>23.02.2023</a:t>
+              <a:t>27.02.2023</a:t>
             </a:fld>
             <a:endParaRPr lang="ru-RU"/>
           </a:p>
@@ -699,7 +699,7 @@
             <a:fld id="{85A5DE44-605B-4D3B-B2B7-94543DF81A36}" type="datetimeFigureOut">
               <a:rPr lang="ru-RU" smtClean="0"/>
               <a:pPr/>
-              <a:t>23.02.2023</a:t>
+              <a:t>27.02.2023</a:t>
             </a:fld>
             <a:endParaRPr lang="ru-RU"/>
           </a:p>
@@ -871,7 +871,7 @@
             <a:fld id="{85A5DE44-605B-4D3B-B2B7-94543DF81A36}" type="datetimeFigureOut">
               <a:rPr lang="ru-RU" smtClean="0"/>
               <a:pPr/>
-              <a:t>23.02.2023</a:t>
+              <a:t>27.02.2023</a:t>
             </a:fld>
             <a:endParaRPr lang="ru-RU"/>
           </a:p>
@@ -1053,7 +1053,7 @@
             <a:fld id="{85A5DE44-605B-4D3B-B2B7-94543DF81A36}" type="datetimeFigureOut">
               <a:rPr lang="ru-RU" smtClean="0"/>
               <a:pPr/>
-              <a:t>23.02.2023</a:t>
+              <a:t>27.02.2023</a:t>
             </a:fld>
             <a:endParaRPr lang="ru-RU"/>
           </a:p>
@@ -1225,7 +1225,7 @@
             <a:fld id="{85A5DE44-605B-4D3B-B2B7-94543DF81A36}" type="datetimeFigureOut">
               <a:rPr lang="ru-RU" smtClean="0"/>
               <a:pPr/>
-              <a:t>23.02.2023</a:t>
+              <a:t>27.02.2023</a:t>
             </a:fld>
             <a:endParaRPr lang="ru-RU"/>
           </a:p>
@@ -1473,7 +1473,7 @@
             <a:fld id="{85A5DE44-605B-4D3B-B2B7-94543DF81A36}" type="datetimeFigureOut">
               <a:rPr lang="ru-RU" smtClean="0"/>
               <a:pPr/>
-              <a:t>23.02.2023</a:t>
+              <a:t>27.02.2023</a:t>
             </a:fld>
             <a:endParaRPr lang="ru-RU"/>
           </a:p>
@@ -1707,7 +1707,7 @@
             <a:fld id="{85A5DE44-605B-4D3B-B2B7-94543DF81A36}" type="datetimeFigureOut">
               <a:rPr lang="ru-RU" smtClean="0"/>
               <a:pPr/>
-              <a:t>23.02.2023</a:t>
+              <a:t>27.02.2023</a:t>
             </a:fld>
             <a:endParaRPr lang="ru-RU"/>
           </a:p>
@@ -2076,7 +2076,7 @@
             <a:fld id="{85A5DE44-605B-4D3B-B2B7-94543DF81A36}" type="datetimeFigureOut">
               <a:rPr lang="ru-RU" smtClean="0"/>
               <a:pPr/>
-              <a:t>23.02.2023</a:t>
+              <a:t>27.02.2023</a:t>
             </a:fld>
             <a:endParaRPr lang="ru-RU"/>
           </a:p>
@@ -2196,7 +2196,7 @@
             <a:fld id="{85A5DE44-605B-4D3B-B2B7-94543DF81A36}" type="datetimeFigureOut">
               <a:rPr lang="ru-RU" smtClean="0"/>
               <a:pPr/>
-              <a:t>23.02.2023</a:t>
+              <a:t>27.02.2023</a:t>
             </a:fld>
             <a:endParaRPr lang="ru-RU"/>
           </a:p>
@@ -2293,7 +2293,7 @@
             <a:fld id="{85A5DE44-605B-4D3B-B2B7-94543DF81A36}" type="datetimeFigureOut">
               <a:rPr lang="ru-RU" smtClean="0"/>
               <a:pPr/>
-              <a:t>23.02.2023</a:t>
+              <a:t>27.02.2023</a:t>
             </a:fld>
             <a:endParaRPr lang="ru-RU"/>
           </a:p>
@@ -2572,7 +2572,7 @@
             <a:fld id="{85A5DE44-605B-4D3B-B2B7-94543DF81A36}" type="datetimeFigureOut">
               <a:rPr lang="ru-RU" smtClean="0"/>
               <a:pPr/>
-              <a:t>23.02.2023</a:t>
+              <a:t>27.02.2023</a:t>
             </a:fld>
             <a:endParaRPr lang="ru-RU"/>
           </a:p>
@@ -2831,7 +2831,7 @@
             <a:fld id="{85A5DE44-605B-4D3B-B2B7-94543DF81A36}" type="datetimeFigureOut">
               <a:rPr lang="ru-RU" smtClean="0"/>
               <a:pPr/>
-              <a:t>23.02.2023</a:t>
+              <a:t>27.02.2023</a:t>
             </a:fld>
             <a:endParaRPr lang="ru-RU"/>
           </a:p>
@@ -3046,7 +3046,7 @@
             <a:fld id="{85A5DE44-605B-4D3B-B2B7-94543DF81A36}" type="datetimeFigureOut">
               <a:rPr lang="ru-RU" smtClean="0"/>
               <a:pPr/>
-              <a:t>23.02.2023</a:t>
+              <a:t>27.02.2023</a:t>
             </a:fld>
             <a:endParaRPr lang="ru-RU"/>
           </a:p>
@@ -3460,7 +3460,7 @@
         </p:nvSpPr>
         <p:spPr>
           <a:xfrm>
-            <a:off x="8929681" y="6707892"/>
+            <a:off x="8776791" y="25282698"/>
             <a:ext cx="2115918" cy="1080000"/>
           </a:xfrm>
           <a:prstGeom prst="rect">
@@ -3507,7 +3507,7 @@
         </p:nvCxnSpPr>
         <p:spPr>
           <a:xfrm>
-            <a:off x="27997755" y="5825922"/>
+            <a:off x="16087459" y="5633041"/>
             <a:ext cx="3254204" cy="0"/>
           </a:xfrm>
           <a:prstGeom prst="line">
@@ -3542,7 +3542,7 @@
         </p:nvSpPr>
         <p:spPr>
           <a:xfrm>
-            <a:off x="12465053" y="2336019"/>
+            <a:off x="8261244" y="1961634"/>
             <a:ext cx="2115918" cy="1080000"/>
           </a:xfrm>
           <a:prstGeom prst="rect">
@@ -3588,7 +3588,7 @@
         </p:nvCxnSpPr>
         <p:spPr>
           <a:xfrm rot="16200000" flipH="1">
-            <a:off x="6738229" y="13087716"/>
+            <a:off x="6585339" y="31662522"/>
             <a:ext cx="353071" cy="1182405"/>
           </a:xfrm>
           <a:prstGeom prst="bentConnector3">
@@ -3630,7 +3630,7 @@
         </p:nvSpPr>
         <p:spPr>
           <a:xfrm>
-            <a:off x="8929681" y="5285922"/>
+            <a:off x="8776791" y="23860728"/>
             <a:ext cx="2115918" cy="1080000"/>
           </a:xfrm>
           <a:prstGeom prst="rect">
@@ -3679,7 +3679,7 @@
         </p:nvSpPr>
         <p:spPr>
           <a:xfrm>
-            <a:off x="10176493" y="8140962"/>
+            <a:off x="10023603" y="26715768"/>
             <a:ext cx="2115918" cy="1080000"/>
           </a:xfrm>
           <a:prstGeom prst="rect">
@@ -3728,7 +3728,7 @@
         </p:nvSpPr>
         <p:spPr>
           <a:xfrm>
-            <a:off x="0" y="1074515"/>
+            <a:off x="1192556" y="21582163"/>
             <a:ext cx="2115918" cy="1080000"/>
           </a:xfrm>
           <a:prstGeom prst="rect">
@@ -3777,7 +3777,7 @@
         </p:nvSpPr>
         <p:spPr>
           <a:xfrm>
-            <a:off x="0" y="-5485"/>
+            <a:off x="554280" y="20062459"/>
             <a:ext cx="2115918" cy="1080000"/>
           </a:xfrm>
           <a:prstGeom prst="rect">
@@ -3826,7 +3826,7 @@
         </p:nvSpPr>
         <p:spPr>
           <a:xfrm>
-            <a:off x="6448008" y="13855455"/>
+            <a:off x="6295118" y="32430261"/>
             <a:ext cx="2115918" cy="1080000"/>
           </a:xfrm>
           <a:prstGeom prst="rect">
@@ -3875,7 +3875,7 @@
         </p:nvSpPr>
         <p:spPr>
           <a:xfrm>
-            <a:off x="8929681" y="13855455"/>
+            <a:off x="8776791" y="32430261"/>
             <a:ext cx="2115918" cy="1080000"/>
           </a:xfrm>
           <a:prstGeom prst="rect">
@@ -3924,7 +3924,7 @@
         </p:nvSpPr>
         <p:spPr>
           <a:xfrm>
-            <a:off x="7721047" y="12420180"/>
+            <a:off x="7568157" y="30994986"/>
             <a:ext cx="2115918" cy="1080000"/>
           </a:xfrm>
           <a:prstGeom prst="rect">
@@ -3973,7 +3973,7 @@
         </p:nvSpPr>
         <p:spPr>
           <a:xfrm>
-            <a:off x="7721047" y="10998208"/>
+            <a:off x="7568157" y="29573014"/>
             <a:ext cx="2115918" cy="1080000"/>
           </a:xfrm>
           <a:prstGeom prst="rect">
@@ -4022,7 +4022,7 @@
         </p:nvSpPr>
         <p:spPr>
           <a:xfrm>
-            <a:off x="5265845" y="10998208"/>
+            <a:off x="5112955" y="29573014"/>
             <a:ext cx="2115918" cy="1080000"/>
           </a:xfrm>
           <a:prstGeom prst="rect">
@@ -4071,7 +4071,7 @@
         </p:nvSpPr>
         <p:spPr>
           <a:xfrm>
-            <a:off x="5265603" y="12422384"/>
+            <a:off x="5112713" y="30997190"/>
             <a:ext cx="2115918" cy="1080000"/>
           </a:xfrm>
           <a:prstGeom prst="rect">
@@ -4120,7 +4120,7 @@
         </p:nvSpPr>
         <p:spPr>
           <a:xfrm>
-            <a:off x="1579306" y="6707892"/>
+            <a:off x="1426416" y="25282698"/>
             <a:ext cx="2115918" cy="1080000"/>
           </a:xfrm>
           <a:prstGeom prst="rect">
@@ -4169,7 +4169,7 @@
         </p:nvSpPr>
         <p:spPr>
           <a:xfrm>
-            <a:off x="1582196" y="8140962"/>
+            <a:off x="1429306" y="26715768"/>
             <a:ext cx="2115918" cy="1080000"/>
           </a:xfrm>
           <a:prstGeom prst="rect">
@@ -4218,7 +4218,7 @@
         </p:nvSpPr>
         <p:spPr>
           <a:xfrm>
-            <a:off x="4013657" y="13855455"/>
+            <a:off x="3860767" y="32430261"/>
             <a:ext cx="2115918" cy="1080000"/>
           </a:xfrm>
           <a:prstGeom prst="rect">
@@ -4267,7 +4267,7 @@
         </p:nvSpPr>
         <p:spPr>
           <a:xfrm>
-            <a:off x="8929681" y="2075381"/>
+            <a:off x="10122237" y="22583029"/>
             <a:ext cx="2115918" cy="1080000"/>
           </a:xfrm>
           <a:prstGeom prst="rect">
@@ -4320,7 +4320,7 @@
         </p:nvSpPr>
         <p:spPr>
           <a:xfrm>
-            <a:off x="354713" y="12424025"/>
+            <a:off x="201823" y="30998831"/>
             <a:ext cx="2115918" cy="1080000"/>
           </a:xfrm>
           <a:prstGeom prst="rect">
@@ -4369,7 +4369,7 @@
         </p:nvSpPr>
         <p:spPr>
           <a:xfrm>
-            <a:off x="1579306" y="10992595"/>
+            <a:off x="1426416" y="29567401"/>
             <a:ext cx="2115918" cy="1080000"/>
           </a:xfrm>
           <a:prstGeom prst="rect">
@@ -4418,7 +4418,7 @@
         </p:nvSpPr>
         <p:spPr>
           <a:xfrm>
-            <a:off x="1579306" y="13855455"/>
+            <a:off x="1426416" y="32430261"/>
             <a:ext cx="2115918" cy="1080000"/>
           </a:xfrm>
           <a:prstGeom prst="rect">
@@ -4467,7 +4467,7 @@
         </p:nvSpPr>
         <p:spPr>
           <a:xfrm>
-            <a:off x="2810158" y="12425664"/>
+            <a:off x="2657268" y="31000470"/>
             <a:ext cx="2115918" cy="1080000"/>
           </a:xfrm>
           <a:prstGeom prst="rect">
@@ -4523,7 +4523,7 @@
         </p:nvSpPr>
         <p:spPr>
           <a:xfrm>
-            <a:off x="9268536" y="318998"/>
+            <a:off x="10461092" y="20826646"/>
             <a:ext cx="2115918" cy="1080000"/>
           </a:xfrm>
           <a:prstGeom prst="rect">
@@ -4572,7 +4572,7 @@
         </p:nvSpPr>
         <p:spPr>
           <a:xfrm>
-            <a:off x="7721048" y="8140962"/>
+            <a:off x="7568158" y="26715768"/>
             <a:ext cx="2115918" cy="1080000"/>
           </a:xfrm>
           <a:prstGeom prst="rect">
@@ -4621,7 +4621,7 @@
         </p:nvSpPr>
         <p:spPr>
           <a:xfrm>
-            <a:off x="5299277" y="499528"/>
+            <a:off x="6491833" y="21007176"/>
             <a:ext cx="2115918" cy="1080000"/>
           </a:xfrm>
           <a:prstGeom prst="rect">
@@ -4686,7 +4686,7 @@
         </p:nvSpPr>
         <p:spPr>
           <a:xfrm>
-            <a:off x="1579306" y="5285922"/>
+            <a:off x="1426416" y="23860728"/>
             <a:ext cx="2115918" cy="1080000"/>
           </a:xfrm>
           <a:prstGeom prst="rect">
@@ -4735,7 +4735,7 @@
         </p:nvSpPr>
         <p:spPr>
           <a:xfrm>
-            <a:off x="19176646" y="8140962"/>
+            <a:off x="7266350" y="7948081"/>
             <a:ext cx="2115918" cy="1080000"/>
           </a:xfrm>
           <a:prstGeom prst="rect">
@@ -4794,7 +4794,7 @@
         </p:nvSpPr>
         <p:spPr>
           <a:xfrm>
-            <a:off x="5265603" y="5285922"/>
+            <a:off x="5112713" y="23860728"/>
             <a:ext cx="2115918" cy="1080000"/>
           </a:xfrm>
           <a:prstGeom prst="rect">
@@ -4851,7 +4851,7 @@
         </p:nvSpPr>
         <p:spPr>
           <a:xfrm>
-            <a:off x="3951434" y="8132067"/>
+            <a:off x="3798544" y="26706873"/>
             <a:ext cx="2115918" cy="1080000"/>
           </a:xfrm>
           <a:prstGeom prst="rect">
@@ -4900,7 +4900,7 @@
         </p:nvSpPr>
         <p:spPr>
           <a:xfrm>
-            <a:off x="2810158" y="9574032"/>
+            <a:off x="2657268" y="28148838"/>
             <a:ext cx="2115918" cy="1080000"/>
           </a:xfrm>
           <a:prstGeom prst="rect">
@@ -4957,7 +4957,7 @@
         </p:nvCxnSpPr>
         <p:spPr>
           <a:xfrm rot="5400000">
-            <a:off x="4783406" y="6591910"/>
+            <a:off x="4630516" y="25166716"/>
             <a:ext cx="1766145" cy="1314169"/>
           </a:xfrm>
           <a:prstGeom prst="bentConnector3">
@@ -4998,7 +4998,7 @@
         </p:nvSpPr>
         <p:spPr>
           <a:xfrm>
-            <a:off x="5265603" y="6707892"/>
+            <a:off x="5112713" y="25282698"/>
             <a:ext cx="2115918" cy="1080000"/>
           </a:xfrm>
           <a:prstGeom prst="rect">
@@ -5051,7 +5051,7 @@
         </p:nvCxnSpPr>
         <p:spPr>
           <a:xfrm rot="5400000">
-            <a:off x="6152577" y="6536907"/>
+            <a:off x="5999687" y="25111713"/>
             <a:ext cx="341970" cy="12700"/>
           </a:xfrm>
           <a:prstGeom prst="bentConnector3">
@@ -5092,7 +5092,7 @@
         </p:nvSpPr>
         <p:spPr>
           <a:xfrm>
-            <a:off x="5265603" y="9574032"/>
+            <a:off x="5112713" y="28148838"/>
             <a:ext cx="2115918" cy="1080000"/>
           </a:xfrm>
           <a:prstGeom prst="rect">
@@ -5161,7 +5161,7 @@
         </p:nvCxnSpPr>
         <p:spPr>
           <a:xfrm>
-            <a:off x="6323562" y="7787892"/>
+            <a:off x="6170672" y="26362698"/>
             <a:ext cx="0" cy="1786140"/>
           </a:xfrm>
           <a:prstGeom prst="straightConnector1">
@@ -5204,7 +5204,7 @@
         </p:nvCxnSpPr>
         <p:spPr>
           <a:xfrm>
-            <a:off x="9987640" y="6365922"/>
+            <a:off x="9834750" y="24940728"/>
             <a:ext cx="0" cy="341970"/>
           </a:xfrm>
           <a:prstGeom prst="straightConnector1">
@@ -5247,7 +5247,7 @@
         </p:nvCxnSpPr>
         <p:spPr>
           <a:xfrm rot="5400000">
-            <a:off x="9206789" y="7360111"/>
+            <a:off x="9053899" y="25934917"/>
             <a:ext cx="353070" cy="1208633"/>
           </a:xfrm>
           <a:prstGeom prst="bentConnector3">
@@ -5292,7 +5292,7 @@
         </p:nvCxnSpPr>
         <p:spPr>
           <a:xfrm rot="16200000" flipH="1">
-            <a:off x="10434511" y="7341021"/>
+            <a:off x="10281621" y="25915827"/>
             <a:ext cx="353070" cy="1246812"/>
           </a:xfrm>
           <a:prstGeom prst="bentConnector3">
@@ -5333,7 +5333,7 @@
         </p:nvSpPr>
         <p:spPr>
           <a:xfrm>
-            <a:off x="7721047" y="9562933"/>
+            <a:off x="7568157" y="28137739"/>
             <a:ext cx="2115918" cy="1080000"/>
           </a:xfrm>
           <a:prstGeom prst="rect">
@@ -5390,7 +5390,7 @@
         </p:nvCxnSpPr>
         <p:spPr>
           <a:xfrm flipH="1">
-            <a:off x="8779006" y="9220962"/>
+            <a:off x="8626116" y="27795768"/>
             <a:ext cx="1" cy="341971"/>
           </a:xfrm>
           <a:prstGeom prst="straightConnector1">
@@ -5429,7 +5429,7 @@
         </p:nvSpPr>
         <p:spPr>
           <a:xfrm>
-            <a:off x="10174791" y="9574032"/>
+            <a:off x="10021901" y="28148838"/>
             <a:ext cx="2115918" cy="1080000"/>
           </a:xfrm>
           <a:prstGeom prst="rect">
@@ -5482,7 +5482,7 @@
         </p:nvCxnSpPr>
         <p:spPr>
           <a:xfrm>
-            <a:off x="8779006" y="12078208"/>
+            <a:off x="8626116" y="30653014"/>
             <a:ext cx="0" cy="341972"/>
           </a:xfrm>
           <a:prstGeom prst="straightConnector1">
@@ -5525,7 +5525,7 @@
         </p:nvCxnSpPr>
         <p:spPr>
           <a:xfrm flipH="1">
-            <a:off x="6323562" y="12078208"/>
+            <a:off x="6170672" y="30653014"/>
             <a:ext cx="242" cy="344176"/>
           </a:xfrm>
           <a:prstGeom prst="straightConnector1">
@@ -5568,7 +5568,7 @@
         </p:nvCxnSpPr>
         <p:spPr>
           <a:xfrm rot="5400000">
-            <a:off x="1849254" y="11636014"/>
+            <a:off x="1696364" y="30210820"/>
             <a:ext cx="351430" cy="1224593"/>
           </a:xfrm>
           <a:prstGeom prst="bentConnector3">
@@ -5613,7 +5613,7 @@
         </p:nvCxnSpPr>
         <p:spPr>
           <a:xfrm rot="16200000" flipH="1">
-            <a:off x="3076157" y="11633703"/>
+            <a:off x="2923267" y="30208509"/>
             <a:ext cx="353069" cy="1230852"/>
           </a:xfrm>
           <a:prstGeom prst="bentConnector3">
@@ -5658,7 +5658,7 @@
         </p:nvCxnSpPr>
         <p:spPr>
           <a:xfrm rot="16200000" flipH="1">
-            <a:off x="1849253" y="13067443"/>
+            <a:off x="1696363" y="31642249"/>
             <a:ext cx="351430" cy="1224593"/>
           </a:xfrm>
           <a:prstGeom prst="bentConnector3">
@@ -5703,7 +5703,7 @@
         </p:nvCxnSpPr>
         <p:spPr>
           <a:xfrm rot="5400000">
-            <a:off x="3077796" y="13065133"/>
+            <a:off x="2924906" y="31639939"/>
             <a:ext cx="349791" cy="1230852"/>
           </a:xfrm>
           <a:prstGeom prst="bentConnector3">
@@ -5748,7 +5748,7 @@
         </p:nvCxnSpPr>
         <p:spPr>
           <a:xfrm rot="16200000" flipH="1">
-            <a:off x="4294971" y="13078809"/>
+            <a:off x="4142081" y="31653615"/>
             <a:ext cx="349791" cy="1203499"/>
           </a:xfrm>
           <a:prstGeom prst="bentConnector3">
@@ -5793,7 +5793,7 @@
         </p:nvCxnSpPr>
         <p:spPr>
           <a:xfrm rot="5400000">
-            <a:off x="5521054" y="13052946"/>
+            <a:off x="5368164" y="31627752"/>
             <a:ext cx="353071" cy="1251946"/>
           </a:xfrm>
           <a:prstGeom prst="bentConnector3">
@@ -5838,7 +5838,7 @@
         </p:nvCxnSpPr>
         <p:spPr>
           <a:xfrm rot="16200000" flipH="1">
-            <a:off x="9205686" y="13073500"/>
+            <a:off x="9052796" y="31648306"/>
             <a:ext cx="355275" cy="1208634"/>
           </a:xfrm>
           <a:prstGeom prst="bentConnector3">
@@ -5883,7 +5883,7 @@
         </p:nvCxnSpPr>
         <p:spPr>
           <a:xfrm rot="5400000">
-            <a:off x="7964850" y="13041298"/>
+            <a:off x="7811960" y="31616104"/>
             <a:ext cx="355275" cy="1273039"/>
           </a:xfrm>
           <a:prstGeom prst="bentConnector3">
@@ -5925,7 +5925,7 @@
         </p:nvSpPr>
         <p:spPr>
           <a:xfrm>
-            <a:off x="2810158" y="15285246"/>
+            <a:off x="2657268" y="33860052"/>
             <a:ext cx="2115918" cy="1080000"/>
           </a:xfrm>
           <a:prstGeom prst="rect">
@@ -5973,7 +5973,7 @@
         </p:nvSpPr>
         <p:spPr>
           <a:xfrm>
-            <a:off x="350856" y="15285246"/>
+            <a:off x="197966" y="33860052"/>
             <a:ext cx="2115918" cy="1080000"/>
           </a:xfrm>
           <a:prstGeom prst="rect">
@@ -6026,7 +6026,7 @@
         </p:nvCxnSpPr>
         <p:spPr>
           <a:xfrm flipH="1">
-            <a:off x="1408815" y="13504025"/>
+            <a:off x="1255925" y="32078831"/>
             <a:ext cx="3857" cy="1781221"/>
           </a:xfrm>
           <a:prstGeom prst="straightConnector1">
@@ -6069,7 +6069,7 @@
         </p:nvCxnSpPr>
         <p:spPr>
           <a:xfrm>
-            <a:off x="3868117" y="13505664"/>
+            <a:off x="3715227" y="32080470"/>
             <a:ext cx="0" cy="1779582"/>
           </a:xfrm>
           <a:prstGeom prst="straightConnector1">
@@ -6108,7 +6108,7 @@
         </p:nvSpPr>
         <p:spPr>
           <a:xfrm>
-            <a:off x="7721047" y="15289467"/>
+            <a:off x="7568157" y="33864273"/>
             <a:ext cx="2115918" cy="1080000"/>
           </a:xfrm>
           <a:prstGeom prst="rect">
@@ -6169,7 +6169,7 @@
         </p:nvCxnSpPr>
         <p:spPr>
           <a:xfrm flipH="1">
-            <a:off x="11232750" y="9220962"/>
+            <a:off x="11079860" y="27795768"/>
             <a:ext cx="1702" cy="353070"/>
           </a:xfrm>
           <a:prstGeom prst="straightConnector1">
@@ -6212,7 +6212,7 @@
         </p:nvCxnSpPr>
         <p:spPr>
           <a:xfrm rot="16200000" flipH="1">
-            <a:off x="7965480" y="14475941"/>
+            <a:off x="7812590" y="33050747"/>
             <a:ext cx="354012" cy="1273039"/>
           </a:xfrm>
           <a:prstGeom prst="bentConnector3">
@@ -6257,7 +6257,7 @@
         </p:nvCxnSpPr>
         <p:spPr>
           <a:xfrm rot="5400000">
-            <a:off x="9206317" y="14508144"/>
+            <a:off x="9053427" y="33082950"/>
             <a:ext cx="354012" cy="1208634"/>
           </a:xfrm>
           <a:prstGeom prst="bentConnector3">
@@ -6302,7 +6302,7 @@
         </p:nvCxnSpPr>
         <p:spPr>
           <a:xfrm>
-            <a:off x="2637265" y="6365922"/>
+            <a:off x="2484375" y="24940728"/>
             <a:ext cx="0" cy="341970"/>
           </a:xfrm>
           <a:prstGeom prst="straightConnector1">
@@ -6345,7 +6345,7 @@
         </p:nvCxnSpPr>
         <p:spPr>
           <a:xfrm rot="5400000">
-            <a:off x="4257773" y="8822411"/>
+            <a:off x="4104883" y="27397217"/>
             <a:ext cx="361965" cy="1141276"/>
           </a:xfrm>
           <a:prstGeom prst="bentConnector3">
@@ -6390,7 +6390,7 @@
         </p:nvCxnSpPr>
         <p:spPr>
           <a:xfrm>
-            <a:off x="2637265" y="7787892"/>
+            <a:off x="2484375" y="26362698"/>
             <a:ext cx="2890" cy="353070"/>
           </a:xfrm>
           <a:prstGeom prst="straightConnector1">
@@ -6429,7 +6429,7 @@
         </p:nvSpPr>
         <p:spPr>
           <a:xfrm>
-            <a:off x="35273573" y="5266628"/>
+            <a:off x="23363277" y="5073747"/>
             <a:ext cx="2115918" cy="1080000"/>
           </a:xfrm>
           <a:prstGeom prst="rect">
@@ -6485,7 +6485,7 @@
         </p:nvSpPr>
         <p:spPr>
           <a:xfrm>
-            <a:off x="40789322" y="5303134"/>
+            <a:off x="28879026" y="5110253"/>
             <a:ext cx="2115918" cy="1080000"/>
           </a:xfrm>
           <a:prstGeom prst="rect">
@@ -6556,7 +6556,7 @@
         </p:nvSpPr>
         <p:spPr>
           <a:xfrm>
-            <a:off x="13072225" y="338529"/>
+            <a:off x="14264781" y="20846177"/>
             <a:ext cx="2115918" cy="1080000"/>
           </a:xfrm>
           <a:prstGeom prst="rect">
@@ -6609,7 +6609,7 @@
         </p:nvSpPr>
         <p:spPr>
           <a:xfrm>
-            <a:off x="25881837" y="5285922"/>
+            <a:off x="13971541" y="5093041"/>
             <a:ext cx="2115918" cy="1080000"/>
           </a:xfrm>
           <a:prstGeom prst="rect">
@@ -6662,7 +6662,7 @@
         </p:nvSpPr>
         <p:spPr>
           <a:xfrm>
-            <a:off x="15436739" y="278008"/>
+            <a:off x="16629295" y="20785656"/>
             <a:ext cx="2115918" cy="1080000"/>
           </a:xfrm>
           <a:prstGeom prst="rect">
@@ -6726,7 +6726,7 @@
         </p:nvSpPr>
         <p:spPr>
           <a:xfrm>
-            <a:off x="28566898" y="6708354"/>
+            <a:off x="16656602" y="6515473"/>
             <a:ext cx="2115918" cy="1080000"/>
           </a:xfrm>
           <a:prstGeom prst="rect">
@@ -6775,7 +6775,7 @@
         </p:nvSpPr>
         <p:spPr>
           <a:xfrm>
-            <a:off x="23196776" y="8156469"/>
+            <a:off x="11286480" y="7963588"/>
             <a:ext cx="2115918" cy="1080000"/>
           </a:xfrm>
           <a:prstGeom prst="rect">
@@ -6828,7 +6828,7 @@
         </p:nvSpPr>
         <p:spPr>
           <a:xfrm>
-            <a:off x="25881837" y="8160082"/>
+            <a:off x="13971541" y="7967201"/>
             <a:ext cx="2115918" cy="1080000"/>
           </a:xfrm>
           <a:prstGeom prst="rect">
@@ -6929,7 +6929,7 @@
         </p:nvSpPr>
         <p:spPr>
           <a:xfrm>
-            <a:off x="25881838" y="3132677"/>
+            <a:off x="13971542" y="2939796"/>
             <a:ext cx="2115918" cy="1080000"/>
           </a:xfrm>
           <a:prstGeom prst="rect">
@@ -7010,7 +7010,7 @@
         </p:nvSpPr>
         <p:spPr>
           <a:xfrm>
-            <a:off x="23196776" y="6707092"/>
+            <a:off x="11286480" y="6514211"/>
             <a:ext cx="2115918" cy="1080000"/>
           </a:xfrm>
           <a:prstGeom prst="rect">
@@ -7063,7 +7063,7 @@
         </p:nvSpPr>
         <p:spPr>
           <a:xfrm>
-            <a:off x="31251959" y="5285922"/>
+            <a:off x="19341663" y="5093041"/>
             <a:ext cx="2115918" cy="1080000"/>
           </a:xfrm>
           <a:prstGeom prst="rect">
@@ -7132,7 +7132,7 @@
         </p:nvSpPr>
         <p:spPr>
           <a:xfrm>
-            <a:off x="25881838" y="1871345"/>
+            <a:off x="13971542" y="1678464"/>
             <a:ext cx="2115918" cy="1080000"/>
           </a:xfrm>
           <a:prstGeom prst="rect">
@@ -7181,7 +7181,7 @@
         </p:nvSpPr>
         <p:spPr>
           <a:xfrm>
-            <a:off x="25881837" y="6707092"/>
+            <a:off x="13971541" y="6514211"/>
             <a:ext cx="2115918" cy="1080000"/>
           </a:xfrm>
           <a:prstGeom prst="rect">
@@ -7234,7 +7234,7 @@
         </p:nvSpPr>
         <p:spPr>
           <a:xfrm>
-            <a:off x="28566898" y="8150557"/>
+            <a:off x="16656602" y="7957676"/>
             <a:ext cx="2115918" cy="1080000"/>
           </a:xfrm>
           <a:prstGeom prst="rect">
@@ -7287,7 +7287,7 @@
         </p:nvSpPr>
         <p:spPr>
           <a:xfrm>
-            <a:off x="27223108" y="9616642"/>
+            <a:off x="15312812" y="9423761"/>
             <a:ext cx="2115918" cy="1080000"/>
           </a:xfrm>
           <a:prstGeom prst="rect">
@@ -7363,7 +7363,7 @@
         </p:nvSpPr>
         <p:spPr>
           <a:xfrm>
-            <a:off x="29911576" y="9616642"/>
+            <a:off x="18001280" y="9423761"/>
             <a:ext cx="2115918" cy="1080000"/>
           </a:xfrm>
           <a:prstGeom prst="rect">
@@ -7440,7 +7440,7 @@
         </p:nvSpPr>
         <p:spPr>
           <a:xfrm>
-            <a:off x="16490101" y="8156906"/>
+            <a:off x="4579805" y="7964025"/>
             <a:ext cx="2115918" cy="1080000"/>
           </a:xfrm>
           <a:prstGeom prst="rect">
@@ -7506,7 +7506,7 @@
         </p:nvSpPr>
         <p:spPr>
           <a:xfrm>
-            <a:off x="31251959" y="6707092"/>
+            <a:off x="19341663" y="6514211"/>
             <a:ext cx="2115918" cy="1080000"/>
           </a:xfrm>
           <a:prstGeom prst="rect">
@@ -7559,7 +7559,7 @@
         </p:nvSpPr>
         <p:spPr>
           <a:xfrm>
-            <a:off x="33937020" y="6707092"/>
+            <a:off x="22026724" y="6514211"/>
             <a:ext cx="2115918" cy="1080000"/>
           </a:xfrm>
           <a:prstGeom prst="rect">
@@ -7628,7 +7628,7 @@
         </p:nvSpPr>
         <p:spPr>
           <a:xfrm>
-            <a:off x="31253444" y="8150556"/>
+            <a:off x="19343148" y="7957675"/>
             <a:ext cx="2115918" cy="1080000"/>
           </a:xfrm>
           <a:prstGeom prst="rect">
@@ -7696,7 +7696,7 @@
         </p:nvSpPr>
         <p:spPr>
           <a:xfrm>
-            <a:off x="31258309" y="3075595"/>
+            <a:off x="19348013" y="2882714"/>
             <a:ext cx="2115918" cy="1080000"/>
           </a:xfrm>
           <a:prstGeom prst="rect">
@@ -7757,7 +7757,7 @@
         </p:nvCxnSpPr>
         <p:spPr>
           <a:xfrm rot="5400000">
-            <a:off x="25426681" y="5193977"/>
+            <a:off x="13516385" y="5001096"/>
             <a:ext cx="341170" cy="2685061"/>
           </a:xfrm>
           <a:prstGeom prst="bentConnector3">
@@ -7802,7 +7802,7 @@
         </p:nvCxnSpPr>
         <p:spPr>
           <a:xfrm rot="5400000">
-            <a:off x="24070047" y="7971780"/>
+            <a:off x="12159751" y="7778899"/>
             <a:ext cx="369377" cy="12700"/>
           </a:xfrm>
           <a:prstGeom prst="bentConnector3">
@@ -7847,7 +7847,7 @@
         </p:nvCxnSpPr>
         <p:spPr>
           <a:xfrm rot="5400000">
-            <a:off x="26769211" y="6536507"/>
+            <a:off x="14858915" y="6343626"/>
             <a:ext cx="341170" cy="12700"/>
           </a:xfrm>
           <a:prstGeom prst="bentConnector3">
@@ -7892,7 +7892,7 @@
         </p:nvCxnSpPr>
         <p:spPr>
           <a:xfrm rot="5400000">
-            <a:off x="26753301" y="7973587"/>
+            <a:off x="14843005" y="7780706"/>
             <a:ext cx="372990" cy="12700"/>
           </a:xfrm>
           <a:prstGeom prst="bentConnector3">
@@ -7937,7 +7937,7 @@
         </p:nvCxnSpPr>
         <p:spPr>
           <a:xfrm rot="16200000" flipH="1">
-            <a:off x="28111110" y="5194607"/>
+            <a:off x="16200814" y="5001726"/>
             <a:ext cx="342432" cy="2685061"/>
           </a:xfrm>
           <a:prstGeom prst="bentConnector3">
@@ -7983,7 +7983,7 @@
         </p:nvCxnSpPr>
         <p:spPr>
           <a:xfrm rot="5400000">
-            <a:off x="31447426" y="8752665"/>
+            <a:off x="19537130" y="8559784"/>
             <a:ext cx="386086" cy="1341868"/>
           </a:xfrm>
           <a:prstGeom prst="bentConnector3">
@@ -8029,7 +8029,7 @@
         </p:nvCxnSpPr>
         <p:spPr>
           <a:xfrm rot="5400000">
-            <a:off x="30103192" y="7408431"/>
+            <a:off x="18192896" y="7215550"/>
             <a:ext cx="386086" cy="4030336"/>
           </a:xfrm>
           <a:prstGeom prst="bentConnector3">
@@ -8075,7 +8075,7 @@
         </p:nvCxnSpPr>
         <p:spPr>
           <a:xfrm rot="16200000" flipH="1">
-            <a:off x="27422151" y="8757726"/>
+            <a:off x="15511855" y="8564845"/>
             <a:ext cx="376560" cy="1341271"/>
           </a:xfrm>
           <a:prstGeom prst="bentConnector3">
@@ -8121,7 +8121,7 @@
         </p:nvCxnSpPr>
         <p:spPr>
           <a:xfrm rot="16200000" flipH="1">
-            <a:off x="28766385" y="7413492"/>
+            <a:off x="16856089" y="7220611"/>
             <a:ext cx="376560" cy="4029739"/>
           </a:xfrm>
           <a:prstGeom prst="bentConnector3">
@@ -8167,7 +8167,7 @@
         </p:nvCxnSpPr>
         <p:spPr>
           <a:xfrm rot="5400000">
-            <a:off x="30796172" y="5194608"/>
+            <a:off x="18885876" y="5001727"/>
             <a:ext cx="342432" cy="2685061"/>
           </a:xfrm>
           <a:prstGeom prst="bentConnector3">
@@ -8213,7 +8213,7 @@
         </p:nvCxnSpPr>
         <p:spPr>
           <a:xfrm rot="16200000" flipH="1">
-            <a:off x="33481863" y="5193976"/>
+            <a:off x="21571567" y="5001095"/>
             <a:ext cx="341170" cy="2685061"/>
           </a:xfrm>
           <a:prstGeom prst="bentConnector3">
@@ -8258,7 +8258,7 @@
         </p:nvCxnSpPr>
         <p:spPr>
           <a:xfrm rot="5400000">
-            <a:off x="32139333" y="6536507"/>
+            <a:off x="20229037" y="6343626"/>
             <a:ext cx="341170" cy="12700"/>
           </a:xfrm>
           <a:prstGeom prst="bentConnector3">
@@ -8303,7 +8303,7 @@
         </p:nvCxnSpPr>
         <p:spPr>
           <a:xfrm rot="16200000" flipH="1">
-            <a:off x="32128928" y="7968081"/>
+            <a:off x="20218632" y="7775200"/>
             <a:ext cx="363464" cy="1485"/>
           </a:xfrm>
           <a:prstGeom prst="bentConnector3">
@@ -8348,7 +8348,7 @@
         </p:nvCxnSpPr>
         <p:spPr>
           <a:xfrm rot="5400000">
-            <a:off x="29443756" y="7969455"/>
+            <a:off x="17533460" y="7776574"/>
             <a:ext cx="362203" cy="12700"/>
           </a:xfrm>
           <a:prstGeom prst="bentConnector3">
@@ -8389,7 +8389,7 @@
         </p:nvSpPr>
         <p:spPr>
           <a:xfrm>
-            <a:off x="33940428" y="8150556"/>
+            <a:off x="22030132" y="7957675"/>
             <a:ext cx="2115918" cy="1080000"/>
           </a:xfrm>
           <a:prstGeom prst="rect">
@@ -8450,7 +8450,7 @@
         </p:nvCxnSpPr>
         <p:spPr>
           <a:xfrm rot="16200000" flipH="1">
-            <a:off x="34814951" y="7967120"/>
+            <a:off x="22904655" y="7774239"/>
             <a:ext cx="363464" cy="3408"/>
           </a:xfrm>
           <a:prstGeom prst="bentConnector3">
@@ -8491,7 +8491,7 @@
         </p:nvSpPr>
         <p:spPr>
           <a:xfrm>
-            <a:off x="32600044" y="9616642"/>
+            <a:off x="20689748" y="9423761"/>
             <a:ext cx="2115918" cy="1080000"/>
           </a:xfrm>
           <a:prstGeom prst="rect">
@@ -8556,7 +8556,7 @@
         </p:nvCxnSpPr>
         <p:spPr>
           <a:xfrm rot="16200000" flipH="1">
-            <a:off x="32791660" y="8750299"/>
+            <a:off x="20881364" y="8557418"/>
             <a:ext cx="386086" cy="1346600"/>
           </a:xfrm>
           <a:prstGeom prst="bentConnector3">
@@ -8601,7 +8601,7 @@
         </p:nvCxnSpPr>
         <p:spPr>
           <a:xfrm rot="5400000">
-            <a:off x="34135152" y="8753407"/>
+            <a:off x="22224856" y="8560526"/>
             <a:ext cx="386086" cy="1340384"/>
           </a:xfrm>
           <a:prstGeom prst="bentConnector3">
@@ -8642,7 +8642,7 @@
         </p:nvSpPr>
         <p:spPr>
           <a:xfrm>
-            <a:off x="24533752" y="9616642"/>
+            <a:off x="12623456" y="9423761"/>
             <a:ext cx="2115918" cy="1080000"/>
           </a:xfrm>
           <a:prstGeom prst="rect">
@@ -8699,7 +8699,7 @@
         </p:nvCxnSpPr>
         <p:spPr>
           <a:xfrm rot="16200000" flipH="1">
-            <a:off x="24733137" y="8758067"/>
+            <a:off x="12822841" y="8565186"/>
             <a:ext cx="380173" cy="1336976"/>
           </a:xfrm>
           <a:prstGeom prst="bentConnector3">
@@ -8744,7 +8744,7 @@
         </p:nvCxnSpPr>
         <p:spPr>
           <a:xfrm rot="5400000">
-            <a:off x="26077474" y="8754320"/>
+            <a:off x="14167178" y="8561439"/>
             <a:ext cx="376560" cy="1348085"/>
           </a:xfrm>
           <a:prstGeom prst="bentConnector3">
@@ -8785,7 +8785,7 @@
         </p:nvSpPr>
         <p:spPr>
           <a:xfrm>
-            <a:off x="16490101" y="5236738"/>
+            <a:off x="4579805" y="5043857"/>
             <a:ext cx="2115918" cy="1080000"/>
           </a:xfrm>
           <a:prstGeom prst="rect">
@@ -8840,7 +8840,7 @@
         </p:nvSpPr>
         <p:spPr>
           <a:xfrm>
-            <a:off x="15151826" y="9629342"/>
+            <a:off x="3241530" y="9436461"/>
             <a:ext cx="2115918" cy="1080000"/>
           </a:xfrm>
           <a:prstGeom prst="rect">
@@ -8895,7 +8895,7 @@
         </p:nvSpPr>
         <p:spPr>
           <a:xfrm>
-            <a:off x="16490101" y="11065695"/>
+            <a:off x="4579805" y="10872814"/>
             <a:ext cx="2115918" cy="1080000"/>
           </a:xfrm>
           <a:prstGeom prst="rect">
@@ -8950,7 +8950,7 @@
         </p:nvSpPr>
         <p:spPr>
           <a:xfrm>
-            <a:off x="13803034" y="11061320"/>
+            <a:off x="1892738" y="10868439"/>
             <a:ext cx="2115918" cy="1080000"/>
           </a:xfrm>
           <a:prstGeom prst="rect">
@@ -9005,7 +9005,7 @@
         </p:nvSpPr>
         <p:spPr>
           <a:xfrm>
-            <a:off x="17841753" y="9629342"/>
+            <a:off x="5931457" y="9436461"/>
             <a:ext cx="2115918" cy="1080000"/>
           </a:xfrm>
           <a:prstGeom prst="rect">
@@ -9064,7 +9064,7 @@
         </p:nvCxnSpPr>
         <p:spPr>
           <a:xfrm>
-            <a:off x="17267744" y="10169342"/>
+            <a:off x="5357448" y="9976461"/>
             <a:ext cx="574009" cy="0"/>
           </a:xfrm>
           <a:prstGeom prst="line">
@@ -9105,7 +9105,7 @@
         </p:nvSpPr>
         <p:spPr>
           <a:xfrm>
-            <a:off x="17840323" y="12532542"/>
+            <a:off x="5930027" y="12339661"/>
             <a:ext cx="2115918" cy="1080000"/>
           </a:xfrm>
           <a:prstGeom prst="rect">
@@ -9160,7 +9160,7 @@
         </p:nvSpPr>
         <p:spPr>
           <a:xfrm>
-            <a:off x="19130407" y="13908495"/>
+            <a:off x="7220111" y="13715614"/>
             <a:ext cx="2115918" cy="1080000"/>
           </a:xfrm>
           <a:prstGeom prst="rect">
@@ -9215,7 +9215,7 @@
         </p:nvSpPr>
         <p:spPr>
           <a:xfrm>
-            <a:off x="16483163" y="13908495"/>
+            <a:off x="4572867" y="13715614"/>
             <a:ext cx="2115918" cy="1080000"/>
           </a:xfrm>
           <a:prstGeom prst="rect">
@@ -9274,7 +9274,7 @@
         </p:nvCxnSpPr>
         <p:spPr>
           <a:xfrm>
-            <a:off x="18599081" y="14448495"/>
+            <a:off x="6688785" y="14255614"/>
             <a:ext cx="531326" cy="0"/>
           </a:xfrm>
           <a:prstGeom prst="line">
@@ -9319,7 +9319,7 @@
         </p:nvCxnSpPr>
         <p:spPr>
           <a:xfrm rot="5400000">
-            <a:off x="16679373" y="5838403"/>
+            <a:off x="4769077" y="5645522"/>
             <a:ext cx="390353" cy="1347022"/>
           </a:xfrm>
           <a:prstGeom prst="bentConnector3">
@@ -9364,7 +9364,7 @@
         </p:nvCxnSpPr>
         <p:spPr>
           <a:xfrm rot="16200000" flipH="1">
-            <a:off x="18024640" y="5840157"/>
+            <a:off x="6114344" y="5647276"/>
             <a:ext cx="390353" cy="1343513"/>
           </a:xfrm>
           <a:prstGeom prst="bentConnector3">
@@ -9409,7 +9409,7 @@
         </p:nvCxnSpPr>
         <p:spPr>
           <a:xfrm rot="16200000" flipH="1">
-            <a:off x="16700746" y="10218380"/>
+            <a:off x="4790450" y="10025499"/>
             <a:ext cx="356353" cy="1338275"/>
           </a:xfrm>
           <a:prstGeom prst="bentConnector3">
@@ -9454,7 +9454,7 @@
         </p:nvCxnSpPr>
         <p:spPr>
           <a:xfrm rot="5400000">
-            <a:off x="15359400" y="10210935"/>
+            <a:off x="3449104" y="10018054"/>
             <a:ext cx="351978" cy="1348792"/>
           </a:xfrm>
           <a:prstGeom prst="bentConnector3">
@@ -9499,7 +9499,7 @@
         </p:nvCxnSpPr>
         <p:spPr>
           <a:xfrm rot="5400000">
-            <a:off x="17987397" y="11620227"/>
+            <a:off x="6077101" y="11427346"/>
             <a:ext cx="1823200" cy="1430"/>
           </a:xfrm>
           <a:prstGeom prst="bentConnector3">
@@ -9544,7 +9544,7 @@
         </p:nvCxnSpPr>
         <p:spPr>
           <a:xfrm rot="5400000">
-            <a:off x="18071726" y="13081938"/>
+            <a:off x="6161430" y="12889057"/>
             <a:ext cx="295953" cy="1357160"/>
           </a:xfrm>
           <a:prstGeom prst="bentConnector3">
@@ -9589,7 +9589,7 @@
         </p:nvCxnSpPr>
         <p:spPr>
           <a:xfrm rot="16200000" flipH="1">
-            <a:off x="19395348" y="13115476"/>
+            <a:off x="7485052" y="12922595"/>
             <a:ext cx="295953" cy="1290084"/>
           </a:xfrm>
           <a:prstGeom prst="bentConnector3">
@@ -9630,7 +9630,7 @@
         </p:nvSpPr>
         <p:spPr>
           <a:xfrm>
-            <a:off x="21854560" y="13908495"/>
+            <a:off x="9944264" y="13715614"/>
             <a:ext cx="2115918" cy="1080000"/>
           </a:xfrm>
           <a:prstGeom prst="rect">
@@ -9685,7 +9685,7 @@
         </p:nvSpPr>
         <p:spPr>
           <a:xfrm>
-            <a:off x="21854560" y="11063210"/>
+            <a:off x="9944264" y="10870329"/>
             <a:ext cx="2115918" cy="1080000"/>
           </a:xfrm>
           <a:prstGeom prst="rect">
@@ -9740,7 +9740,7 @@
         </p:nvSpPr>
         <p:spPr>
           <a:xfrm>
-            <a:off x="20528820" y="12497079"/>
+            <a:off x="8618524" y="12304198"/>
             <a:ext cx="2115918" cy="1080000"/>
           </a:xfrm>
           <a:prstGeom prst="rect">
@@ -9795,7 +9795,7 @@
         </p:nvSpPr>
         <p:spPr>
           <a:xfrm>
-            <a:off x="19180336" y="11063211"/>
+            <a:off x="7270040" y="10870330"/>
             <a:ext cx="2115918" cy="1080000"/>
           </a:xfrm>
           <a:prstGeom prst="rect">
@@ -9854,7 +9854,7 @@
         </p:nvCxnSpPr>
         <p:spPr>
           <a:xfrm rot="16200000" flipH="1">
-            <a:off x="20729181" y="8879872"/>
+            <a:off x="8818885" y="8686991"/>
             <a:ext cx="353868" cy="4012807"/>
           </a:xfrm>
           <a:prstGeom prst="bentConnector3">
@@ -9899,7 +9899,7 @@
         </p:nvCxnSpPr>
         <p:spPr>
           <a:xfrm rot="16200000" flipH="1">
-            <a:off x="19392069" y="10216984"/>
+            <a:off x="7481773" y="10024103"/>
             <a:ext cx="353869" cy="1338583"/>
           </a:xfrm>
           <a:prstGeom prst="bentConnector3">
@@ -9944,7 +9944,7 @@
         </p:nvCxnSpPr>
         <p:spPr>
           <a:xfrm rot="16200000" flipH="1">
-            <a:off x="20757424" y="11753399"/>
+            <a:off x="8847128" y="11560518"/>
             <a:ext cx="295953" cy="4014237"/>
           </a:xfrm>
           <a:prstGeom prst="bentConnector3">
@@ -9989,7 +9989,7 @@
         </p:nvCxnSpPr>
         <p:spPr>
           <a:xfrm rot="16200000" flipH="1">
-            <a:off x="19349377" y="10259676"/>
+            <a:off x="7439081" y="10066795"/>
             <a:ext cx="1787737" cy="2687067"/>
           </a:xfrm>
           <a:prstGeom prst="bentConnector3">
@@ -10030,7 +10030,7 @@
         </p:nvSpPr>
         <p:spPr>
           <a:xfrm>
-            <a:off x="37971733" y="5285920"/>
+            <a:off x="26061437" y="5093039"/>
             <a:ext cx="2115918" cy="1080000"/>
           </a:xfrm>
           <a:prstGeom prst="rect">
@@ -10094,7 +10094,7 @@
         </p:nvSpPr>
         <p:spPr>
           <a:xfrm>
-            <a:off x="36623565" y="6707091"/>
+            <a:off x="24713269" y="6514210"/>
             <a:ext cx="2115918" cy="1080000"/>
           </a:xfrm>
           <a:prstGeom prst="rect">
@@ -10147,13 +10147,15 @@
           </p:cNvPr>
           <p:cNvCxnSpPr>
             <a:cxnSpLocks/>
+            <a:stCxn id="197" idx="3"/>
+            <a:endCxn id="200" idx="1"/>
           </p:cNvCxnSpPr>
           <p:nvPr/>
         </p:nvCxnSpPr>
         <p:spPr>
           <a:xfrm>
-            <a:off x="38593077" y="4500396"/>
-            <a:ext cx="3254204" cy="0"/>
+            <a:off x="41465222" y="7054209"/>
+            <a:ext cx="570355" cy="0"/>
           </a:xfrm>
           <a:prstGeom prst="line">
             <a:avLst/>
@@ -10193,7 +10195,7 @@
         </p:nvSpPr>
         <p:spPr>
           <a:xfrm>
-            <a:off x="39307141" y="6707091"/>
+            <a:off x="27396845" y="6514210"/>
             <a:ext cx="2115918" cy="1080000"/>
           </a:xfrm>
           <a:prstGeom prst="rect">
@@ -10249,7 +10251,7 @@
         </p:nvSpPr>
         <p:spPr>
           <a:xfrm>
-            <a:off x="41988821" y="6719792"/>
+            <a:off x="30078525" y="6526911"/>
             <a:ext cx="2115918" cy="1080000"/>
           </a:xfrm>
           <a:prstGeom prst="rect">
@@ -10305,7 +10307,7 @@
         </p:nvSpPr>
         <p:spPr>
           <a:xfrm>
-            <a:off x="36627412" y="8150556"/>
+            <a:off x="24717116" y="7957675"/>
             <a:ext cx="2115918" cy="1080000"/>
           </a:xfrm>
           <a:prstGeom prst="rect">
@@ -10361,7 +10363,7 @@
         </p:nvSpPr>
         <p:spPr>
           <a:xfrm>
-            <a:off x="39307141" y="8156906"/>
+            <a:off x="27396845" y="7964025"/>
             <a:ext cx="2115918" cy="1080000"/>
           </a:xfrm>
           <a:prstGeom prst="rect">
@@ -10421,7 +10423,7 @@
         </p:nvCxnSpPr>
         <p:spPr>
           <a:xfrm>
-            <a:off x="38739483" y="7247091"/>
+            <a:off x="26829187" y="7054210"/>
             <a:ext cx="567658" cy="0"/>
           </a:xfrm>
           <a:prstGeom prst="line">
@@ -10462,7 +10464,7 @@
         </p:nvSpPr>
         <p:spPr>
           <a:xfrm>
-            <a:off x="35287028" y="9616641"/>
+            <a:off x="23376732" y="9423760"/>
             <a:ext cx="2115918" cy="1080000"/>
           </a:xfrm>
           <a:prstGeom prst="rect">
@@ -10522,7 +10524,7 @@
         </p:nvCxnSpPr>
         <p:spPr>
           <a:xfrm rot="5400000">
-            <a:off x="36822137" y="8753406"/>
+            <a:off x="24911841" y="8560525"/>
             <a:ext cx="386085" cy="1340384"/>
           </a:xfrm>
           <a:prstGeom prst="bentConnector3">
@@ -10567,7 +10569,7 @@
         </p:nvCxnSpPr>
         <p:spPr>
           <a:xfrm rot="5400000">
-            <a:off x="38185023" y="5862421"/>
+            <a:off x="26274727" y="5669540"/>
             <a:ext cx="341171" cy="1348168"/>
           </a:xfrm>
           <a:prstGeom prst="bentConnector3">
@@ -10612,7 +10614,7 @@
         </p:nvCxnSpPr>
         <p:spPr>
           <a:xfrm rot="16200000" flipH="1">
-            <a:off x="39526811" y="5868801"/>
+            <a:off x="27616515" y="5675920"/>
             <a:ext cx="341171" cy="1335408"/>
           </a:xfrm>
           <a:prstGeom prst="bentConnector3">
@@ -10657,7 +10659,7 @@
         </p:nvCxnSpPr>
         <p:spPr>
           <a:xfrm rot="16200000" flipH="1">
-            <a:off x="40861300" y="4534312"/>
+            <a:off x="28951004" y="4341431"/>
             <a:ext cx="353872" cy="4017088"/>
           </a:xfrm>
           <a:prstGeom prst="bentConnector3">
@@ -10702,7 +10704,7 @@
         </p:nvCxnSpPr>
         <p:spPr>
           <a:xfrm rot="16200000" flipH="1">
-            <a:off x="37501715" y="7966899"/>
+            <a:off x="25591419" y="7774018"/>
             <a:ext cx="363465" cy="3847"/>
           </a:xfrm>
           <a:prstGeom prst="bentConnector3">
@@ -10747,7 +10749,7 @@
         </p:nvCxnSpPr>
         <p:spPr>
           <a:xfrm rot="5400000">
-            <a:off x="40180193" y="7971998"/>
+            <a:off x="28269897" y="7779117"/>
             <a:ext cx="369815" cy="12700"/>
           </a:xfrm>
           <a:prstGeom prst="bentConnector3">
@@ -10792,7 +10794,7 @@
         </p:nvCxnSpPr>
         <p:spPr>
           <a:xfrm>
-            <a:off x="38743330" y="8690556"/>
+            <a:off x="26833034" y="8497675"/>
             <a:ext cx="563811" cy="6350"/>
           </a:xfrm>
           <a:prstGeom prst="line">
@@ -10833,7 +10835,7 @@
         </p:nvSpPr>
         <p:spPr>
           <a:xfrm>
-            <a:off x="35287028" y="10992594"/>
+            <a:off x="23376732" y="10799713"/>
             <a:ext cx="2115918" cy="1080000"/>
           </a:xfrm>
           <a:prstGeom prst="rect">
@@ -10889,7 +10891,7 @@
         </p:nvSpPr>
         <p:spPr>
           <a:xfrm>
-            <a:off x="37971733" y="9622992"/>
+            <a:off x="26061437" y="9430111"/>
             <a:ext cx="2115918" cy="1080000"/>
           </a:xfrm>
           <a:prstGeom prst="rect">
@@ -10945,7 +10947,7 @@
         </p:nvSpPr>
         <p:spPr>
           <a:xfrm>
-            <a:off x="37971733" y="10992594"/>
+            <a:off x="26061437" y="10799713"/>
             <a:ext cx="2115918" cy="1080000"/>
           </a:xfrm>
           <a:prstGeom prst="rect">
@@ -11001,7 +11003,7 @@
         </p:nvSpPr>
         <p:spPr>
           <a:xfrm>
-            <a:off x="37965353" y="12420180"/>
+            <a:off x="26055057" y="12227299"/>
             <a:ext cx="2115918" cy="1080000"/>
           </a:xfrm>
           <a:prstGeom prst="rect">
@@ -11057,7 +11059,7 @@
         </p:nvSpPr>
         <p:spPr>
           <a:xfrm>
-            <a:off x="35291129" y="12420180"/>
+            <a:off x="23380833" y="12227299"/>
             <a:ext cx="2115918" cy="1080000"/>
           </a:xfrm>
           <a:prstGeom prst="rect">
@@ -11113,7 +11115,7 @@
         </p:nvSpPr>
         <p:spPr>
           <a:xfrm>
-            <a:off x="40639577" y="12420180"/>
+            <a:off x="28729281" y="12227299"/>
             <a:ext cx="2115918" cy="1080000"/>
           </a:xfrm>
           <a:prstGeom prst="rect">
@@ -11173,7 +11175,7 @@
         </p:nvCxnSpPr>
         <p:spPr>
           <a:xfrm rot="5400000">
-            <a:off x="36197011" y="10844617"/>
+            <a:off x="24286715" y="10651736"/>
             <a:ext cx="295953" cy="12700"/>
           </a:xfrm>
           <a:prstGeom prst="bentConnector3">
@@ -11218,7 +11220,7 @@
         </p:nvCxnSpPr>
         <p:spPr>
           <a:xfrm rot="5400000">
-            <a:off x="38884891" y="10847793"/>
+            <a:off x="26974595" y="10654912"/>
             <a:ext cx="289602" cy="12700"/>
           </a:xfrm>
           <a:prstGeom prst="bentConnector3">
@@ -11263,7 +11265,7 @@
         </p:nvCxnSpPr>
         <p:spPr>
           <a:xfrm rot="5400000">
-            <a:off x="37515597" y="10906085"/>
+            <a:off x="25605301" y="10713204"/>
             <a:ext cx="347586" cy="2680604"/>
           </a:xfrm>
           <a:prstGeom prst="bentConnector3">
@@ -11308,7 +11310,7 @@
         </p:nvCxnSpPr>
         <p:spPr>
           <a:xfrm rot="16200000" flipH="1">
-            <a:off x="40189821" y="10912465"/>
+            <a:off x="28279525" y="10719584"/>
             <a:ext cx="347586" cy="2667844"/>
           </a:xfrm>
           <a:prstGeom prst="bentConnector3">
@@ -11353,7 +11355,7 @@
         </p:nvCxnSpPr>
         <p:spPr>
           <a:xfrm rot="5400000">
-            <a:off x="38852709" y="12243197"/>
+            <a:off x="26942413" y="12050316"/>
             <a:ext cx="347586" cy="6380"/>
           </a:xfrm>
           <a:prstGeom prst="bentConnector3">
@@ -11398,7 +11400,7 @@
         </p:nvCxnSpPr>
         <p:spPr>
           <a:xfrm rot="16200000" flipH="1">
-            <a:off x="42865037" y="7981535"/>
+            <a:off x="30954741" y="7788654"/>
             <a:ext cx="365250" cy="1764"/>
           </a:xfrm>
           <a:prstGeom prst="bentConnector3">
@@ -11439,7 +11441,7 @@
         </p:nvSpPr>
         <p:spPr>
           <a:xfrm>
-            <a:off x="41990585" y="8165042"/>
+            <a:off x="30080289" y="7972161"/>
             <a:ext cx="2115918" cy="1080000"/>
           </a:xfrm>
           <a:prstGeom prst="rect">
@@ -11499,7 +11501,7 @@
         </p:nvCxnSpPr>
         <p:spPr>
           <a:xfrm rot="5400000">
-            <a:off x="39504353" y="8762245"/>
+            <a:off x="27594057" y="8569364"/>
             <a:ext cx="386086" cy="1335408"/>
           </a:xfrm>
           <a:prstGeom prst="bentConnector3">
@@ -11545,7 +11547,7 @@
         </p:nvCxnSpPr>
         <p:spPr>
           <a:xfrm rot="16200000" flipH="1">
-            <a:off x="38161313" y="8754613"/>
+            <a:off x="26251017" y="8561732"/>
             <a:ext cx="392436" cy="1344321"/>
           </a:xfrm>
           <a:prstGeom prst="bentConnector3">
@@ -11587,7 +11589,7 @@
         </p:nvSpPr>
         <p:spPr>
           <a:xfrm>
-            <a:off x="15143079" y="6707091"/>
+            <a:off x="3232783" y="6514210"/>
             <a:ext cx="2115918" cy="1080000"/>
           </a:xfrm>
           <a:prstGeom prst="rect">
@@ -11654,7 +11656,7 @@
         </p:nvSpPr>
         <p:spPr>
           <a:xfrm>
-            <a:off x="12464576" y="6707091"/>
+            <a:off x="554280" y="6514210"/>
             <a:ext cx="2115918" cy="1080000"/>
           </a:xfrm>
           <a:prstGeom prst="rect">
@@ -11713,7 +11715,7 @@
         </p:nvSpPr>
         <p:spPr>
           <a:xfrm>
-            <a:off x="17833614" y="6707091"/>
+            <a:off x="5923318" y="6514210"/>
             <a:ext cx="2115918" cy="1080000"/>
           </a:xfrm>
           <a:prstGeom prst="rect">
@@ -11788,7 +11790,7 @@
         </p:nvSpPr>
         <p:spPr>
           <a:xfrm>
-            <a:off x="20509792" y="6707091"/>
+            <a:off x="8599496" y="6514210"/>
             <a:ext cx="2115918" cy="1080000"/>
           </a:xfrm>
           <a:prstGeom prst="rect">
@@ -11855,7 +11857,7 @@
         </p:nvSpPr>
         <p:spPr>
           <a:xfrm>
-            <a:off x="17833614" y="4155595"/>
+            <a:off x="5923318" y="3962714"/>
             <a:ext cx="2115918" cy="550618"/>
           </a:xfrm>
           <a:prstGeom prst="rect">
@@ -11922,7 +11924,7 @@
         </p:nvSpPr>
         <p:spPr>
           <a:xfrm>
-            <a:off x="15150266" y="4155855"/>
+            <a:off x="3239970" y="3962974"/>
             <a:ext cx="2115918" cy="540883"/>
           </a:xfrm>
           <a:prstGeom prst="rect">
@@ -11981,7 +11983,7 @@
         </p:nvSpPr>
         <p:spPr>
           <a:xfrm>
-            <a:off x="13806525" y="8139939"/>
+            <a:off x="1896229" y="7947058"/>
             <a:ext cx="2115918" cy="1080000"/>
           </a:xfrm>
           <a:prstGeom prst="rect">
@@ -12040,7 +12042,7 @@
         </p:nvSpPr>
         <p:spPr>
           <a:xfrm>
-            <a:off x="40672782" y="9631431"/>
+            <a:off x="28762486" y="9438550"/>
             <a:ext cx="2115918" cy="1080000"/>
           </a:xfrm>
           <a:prstGeom prst="rect">
@@ -12100,7 +12102,7 @@
         </p:nvCxnSpPr>
         <p:spPr>
           <a:xfrm>
-            <a:off x="17258997" y="7247091"/>
+            <a:off x="5348701" y="7054210"/>
             <a:ext cx="574617" cy="0"/>
           </a:xfrm>
           <a:prstGeom prst="line">
@@ -12145,7 +12147,7 @@
         </p:nvCxnSpPr>
         <p:spPr>
           <a:xfrm rot="16200000" flipH="1">
-            <a:off x="19362729" y="4502068"/>
+            <a:off x="7452433" y="4309187"/>
             <a:ext cx="390353" cy="4019691"/>
           </a:xfrm>
           <a:prstGeom prst="bentConnector3">
@@ -12190,7 +12192,7 @@
         </p:nvCxnSpPr>
         <p:spPr>
           <a:xfrm rot="5400000">
-            <a:off x="15340122" y="4499152"/>
+            <a:off x="3429826" y="4306271"/>
             <a:ext cx="390353" cy="4025525"/>
           </a:xfrm>
           <a:prstGeom prst="bentConnector3">
@@ -12235,7 +12237,7 @@
         </p:nvCxnSpPr>
         <p:spPr>
           <a:xfrm rot="5400000">
-            <a:off x="15356337" y="7295238"/>
+            <a:off x="3446041" y="7102357"/>
             <a:ext cx="352848" cy="1336554"/>
           </a:xfrm>
           <a:prstGeom prst="bentConnector3">
@@ -12280,7 +12282,7 @@
         </p:nvCxnSpPr>
         <p:spPr>
           <a:xfrm rot="16200000" flipH="1">
-            <a:off x="19386154" y="7292510"/>
+            <a:off x="7475858" y="7099629"/>
             <a:ext cx="353871" cy="1343032"/>
           </a:xfrm>
           <a:prstGeom prst="bentConnector3">
@@ -12325,7 +12327,7 @@
         </p:nvCxnSpPr>
         <p:spPr>
           <a:xfrm rot="16200000" flipH="1">
-            <a:off x="16689642" y="7298487"/>
+            <a:off x="4779346" y="7105606"/>
             <a:ext cx="369815" cy="1347022"/>
           </a:xfrm>
           <a:prstGeom prst="bentConnector3">
@@ -12371,7 +12373,7 @@
         </p:nvCxnSpPr>
         <p:spPr>
           <a:xfrm rot="5400000">
-            <a:off x="18034910" y="7300242"/>
+            <a:off x="6124614" y="7107361"/>
             <a:ext cx="369815" cy="1343513"/>
           </a:xfrm>
           <a:prstGeom prst="bentConnector3">
@@ -12417,7 +12419,7 @@
         </p:nvCxnSpPr>
         <p:spPr>
           <a:xfrm rot="16200000" flipH="1">
-            <a:off x="18027668" y="8757298"/>
+            <a:off x="6117372" y="8564417"/>
             <a:ext cx="392436" cy="1351652"/>
           </a:xfrm>
           <a:prstGeom prst="bentConnector3">
@@ -12462,7 +12464,7 @@
         </p:nvCxnSpPr>
         <p:spPr>
           <a:xfrm rot="5400000">
-            <a:off x="16682705" y="8763987"/>
+            <a:off x="4772409" y="8571106"/>
             <a:ext cx="392436" cy="1338275"/>
           </a:xfrm>
           <a:prstGeom prst="bentConnector3">
@@ -12503,7 +12505,7 @@
         </p:nvSpPr>
         <p:spPr>
           <a:xfrm>
-            <a:off x="15150266" y="12548424"/>
+            <a:off x="3239970" y="12355543"/>
             <a:ext cx="2115918" cy="1080000"/>
           </a:xfrm>
           <a:prstGeom prst="rect">
@@ -12562,7 +12564,7 @@
         </p:nvCxnSpPr>
         <p:spPr>
           <a:xfrm rot="5400000">
-            <a:off x="15289464" y="11628103"/>
+            <a:off x="3379168" y="11435222"/>
             <a:ext cx="1839082" cy="1560"/>
           </a:xfrm>
           <a:prstGeom prst="bentConnector3">
@@ -12603,7 +12605,7 @@
         </p:nvSpPr>
         <p:spPr>
           <a:xfrm>
-            <a:off x="23196776" y="12497078"/>
+            <a:off x="11286480" y="12304197"/>
             <a:ext cx="2115918" cy="1080000"/>
           </a:xfrm>
           <a:prstGeom prst="rect">
@@ -12662,7 +12664,7 @@
         </p:nvCxnSpPr>
         <p:spPr>
           <a:xfrm rot="16200000" flipH="1">
-            <a:off x="20683355" y="8925698"/>
+            <a:off x="8773059" y="8732817"/>
             <a:ext cx="1787736" cy="5355023"/>
           </a:xfrm>
           <a:prstGeom prst="bentConnector3">
@@ -12703,7 +12705,7 @@
         </p:nvSpPr>
         <p:spPr>
           <a:xfrm>
-            <a:off x="33678611" y="1074515"/>
+            <a:off x="21768315" y="881634"/>
             <a:ext cx="2115918" cy="1080000"/>
           </a:xfrm>
           <a:prstGeom prst="rect">
@@ -12756,7 +12758,7 @@
         </p:nvSpPr>
         <p:spPr>
           <a:xfrm>
-            <a:off x="36623565" y="2289967"/>
+            <a:off x="24713269" y="2097086"/>
             <a:ext cx="2115918" cy="1080000"/>
           </a:xfrm>
           <a:prstGeom prst="rect">
@@ -12809,7 +12811,7 @@
         </p:nvSpPr>
         <p:spPr>
           <a:xfrm>
-            <a:off x="33678611" y="2336019"/>
+            <a:off x="21768315" y="2143138"/>
             <a:ext cx="2115918" cy="1080000"/>
           </a:xfrm>
           <a:prstGeom prst="rect">
@@ -12862,7 +12864,7 @@
         </p:nvSpPr>
         <p:spPr>
           <a:xfrm>
-            <a:off x="36631431" y="952959"/>
+            <a:off x="24721135" y="760078"/>
             <a:ext cx="2115918" cy="1080000"/>
           </a:xfrm>
           <a:prstGeom prst="rect">
@@ -12915,7 +12917,7 @@
         </p:nvSpPr>
         <p:spPr>
           <a:xfrm>
-            <a:off x="44872268" y="5282118"/>
+            <a:off x="35416495" y="7981685"/>
             <a:ext cx="2115918" cy="1080000"/>
           </a:xfrm>
           <a:prstGeom prst="rect">
@@ -12965,6 +12967,2422 @@
           </a:p>
         </p:txBody>
       </p:sp>
+      <p:sp>
+        <p:nvSpPr>
+          <p:cNvPr id="191" name="Прямоугольник 190">
+            <a:extLst>
+              <a:ext uri="{FF2B5EF4-FFF2-40B4-BE49-F238E27FC236}">
+                <a16:creationId xmlns:a16="http://schemas.microsoft.com/office/drawing/2014/main" id="{752C84E7-7069-46CF-8D98-C9A1A02720BA}"/>
+              </a:ext>
+            </a:extLst>
+          </p:cNvPr>
+          <p:cNvSpPr/>
+          <p:nvPr/>
+        </p:nvSpPr>
+        <p:spPr>
+          <a:xfrm>
+            <a:off x="39349304" y="5093039"/>
+            <a:ext cx="2115918" cy="1080000"/>
+          </a:xfrm>
+          <a:prstGeom prst="rect">
+            <a:avLst/>
+          </a:prstGeom>
+          <a:solidFill>
+            <a:srgbClr val="FFC000"/>
+          </a:solidFill>
+          <a:ln w="28575"/>
+        </p:spPr>
+        <p:style>
+          <a:lnRef idx="2">
+            <a:schemeClr val="accent1"/>
+          </a:lnRef>
+          <a:fillRef idx="1">
+            <a:schemeClr val="lt1"/>
+          </a:fillRef>
+          <a:effectRef idx="0">
+            <a:schemeClr val="accent1"/>
+          </a:effectRef>
+          <a:fontRef idx="minor">
+            <a:schemeClr val="dk1"/>
+          </a:fontRef>
+        </p:style>
+        <p:txBody>
+          <a:bodyPr lIns="124733" tIns="62367" rIns="124733" bIns="62367" rtlCol="0" anchor="ctr"/>
+          <a:lstStyle/>
+          <a:p>
+            <a:pPr algn="ctr"/>
+            <a:r>
+              <a:rPr lang="ru-RU" sz="1400" dirty="0"/>
+              <a:t>Объединиться против апартеида (текущее, но изменить название)</a:t>
+            </a:r>
+            <a:endParaRPr lang="ru-RU" sz="500" dirty="0"/>
+          </a:p>
+        </p:txBody>
+      </p:sp>
+      <p:sp>
+        <p:nvSpPr>
+          <p:cNvPr id="194" name="Прямоугольник 193">
+            <a:extLst>
+              <a:ext uri="{FF2B5EF4-FFF2-40B4-BE49-F238E27FC236}">
+                <a16:creationId xmlns:a16="http://schemas.microsoft.com/office/drawing/2014/main" id="{215EA1EA-7CCD-4839-A9B1-0356F6327E10}"/>
+              </a:ext>
+            </a:extLst>
+          </p:cNvPr>
+          <p:cNvSpPr/>
+          <p:nvPr/>
+        </p:nvSpPr>
+        <p:spPr>
+          <a:xfrm>
+            <a:off x="40699603" y="10806063"/>
+            <a:ext cx="2115918" cy="1080000"/>
+          </a:xfrm>
+          <a:prstGeom prst="rect">
+            <a:avLst/>
+          </a:prstGeom>
+          <a:solidFill>
+            <a:srgbClr val="FFC000"/>
+          </a:solidFill>
+          <a:ln w="28575"/>
+        </p:spPr>
+        <p:style>
+          <a:lnRef idx="2">
+            <a:schemeClr val="accent1"/>
+          </a:lnRef>
+          <a:fillRef idx="1">
+            <a:schemeClr val="lt1"/>
+          </a:fillRef>
+          <a:effectRef idx="0">
+            <a:schemeClr val="accent1"/>
+          </a:effectRef>
+          <a:fontRef idx="minor">
+            <a:schemeClr val="dk1"/>
+          </a:fontRef>
+        </p:style>
+        <p:txBody>
+          <a:bodyPr lIns="124733" tIns="62367" rIns="124733" bIns="62367" rtlCol="0" anchor="ctr"/>
+          <a:lstStyle/>
+          <a:p>
+            <a:pPr algn="ctr"/>
+            <a:r>
+              <a:rPr lang="ru-RU" sz="1400" dirty="0"/>
+              <a:t>Военный социализм в африканских условиях (текущее, изменено название 3 воен. Зав, 10% поддержки войны)</a:t>
+            </a:r>
+            <a:endParaRPr lang="ru-RU" sz="500" dirty="0"/>
+          </a:p>
+        </p:txBody>
+      </p:sp>
+      <p:sp>
+        <p:nvSpPr>
+          <p:cNvPr id="197" name="Прямоугольник 196">
+            <a:extLst>
+              <a:ext uri="{FF2B5EF4-FFF2-40B4-BE49-F238E27FC236}">
+                <a16:creationId xmlns:a16="http://schemas.microsoft.com/office/drawing/2014/main" id="{15DD7879-ED81-4846-A052-BDF25170F776}"/>
+              </a:ext>
+            </a:extLst>
+          </p:cNvPr>
+          <p:cNvSpPr/>
+          <p:nvPr/>
+        </p:nvSpPr>
+        <p:spPr>
+          <a:xfrm>
+            <a:off x="39349304" y="6514209"/>
+            <a:ext cx="2115918" cy="1080000"/>
+          </a:xfrm>
+          <a:prstGeom prst="rect">
+            <a:avLst/>
+          </a:prstGeom>
+          <a:solidFill>
+            <a:srgbClr val="FFC000"/>
+          </a:solidFill>
+          <a:ln w="28575"/>
+        </p:spPr>
+        <p:style>
+          <a:lnRef idx="2">
+            <a:schemeClr val="accent1"/>
+          </a:lnRef>
+          <a:fillRef idx="1">
+            <a:schemeClr val="lt1"/>
+          </a:fillRef>
+          <a:effectRef idx="0">
+            <a:schemeClr val="accent1"/>
+          </a:effectRef>
+          <a:fontRef idx="minor">
+            <a:schemeClr val="dk1"/>
+          </a:fontRef>
+        </p:style>
+        <p:txBody>
+          <a:bodyPr lIns="124733" tIns="62367" rIns="124733" bIns="62367" rtlCol="0" anchor="ctr"/>
+          <a:lstStyle/>
+          <a:p>
+            <a:pPr algn="ctr"/>
+            <a:r>
+              <a:rPr lang="ru-RU" sz="1400" dirty="0"/>
+              <a:t>Войти в 4 интернационал (текущее, но изменено название)</a:t>
+            </a:r>
+            <a:endParaRPr lang="ru-RU" sz="500" dirty="0"/>
+          </a:p>
+        </p:txBody>
+      </p:sp>
+      <p:sp>
+        <p:nvSpPr>
+          <p:cNvPr id="198" name="Прямоугольник 197">
+            <a:extLst>
+              <a:ext uri="{FF2B5EF4-FFF2-40B4-BE49-F238E27FC236}">
+                <a16:creationId xmlns:a16="http://schemas.microsoft.com/office/drawing/2014/main" id="{40F3892C-19A4-4EE2-8CF4-3802CB87F842}"/>
+              </a:ext>
+            </a:extLst>
+          </p:cNvPr>
+          <p:cNvSpPr/>
+          <p:nvPr/>
+        </p:nvSpPr>
+        <p:spPr>
+          <a:xfrm>
+            <a:off x="40699603" y="7972161"/>
+            <a:ext cx="2115918" cy="1080000"/>
+          </a:xfrm>
+          <a:prstGeom prst="rect">
+            <a:avLst/>
+          </a:prstGeom>
+          <a:solidFill>
+            <a:srgbClr val="FFC000"/>
+          </a:solidFill>
+          <a:ln w="28575"/>
+        </p:spPr>
+        <p:style>
+          <a:lnRef idx="2">
+            <a:schemeClr val="accent1"/>
+          </a:lnRef>
+          <a:fillRef idx="1">
+            <a:schemeClr val="lt1"/>
+          </a:fillRef>
+          <a:effectRef idx="0">
+            <a:schemeClr val="accent1"/>
+          </a:effectRef>
+          <a:fontRef idx="minor">
+            <a:schemeClr val="dk1"/>
+          </a:fontRef>
+        </p:style>
+        <p:txBody>
+          <a:bodyPr lIns="124733" tIns="62367" rIns="124733" bIns="62367" rtlCol="0" anchor="ctr"/>
+          <a:lstStyle/>
+          <a:p>
+            <a:pPr algn="ctr"/>
+            <a:r>
+              <a:rPr lang="ru-RU" sz="1400" dirty="0"/>
+              <a:t>Единство угнетённых (текущее +5% </a:t>
+            </a:r>
+            <a:r>
+              <a:rPr lang="ru-RU" sz="1400" dirty="0" err="1"/>
+              <a:t>воен</a:t>
+            </a:r>
+            <a:r>
+              <a:rPr lang="ru-RU" sz="1400" dirty="0"/>
+              <a:t> нас)</a:t>
+            </a:r>
+            <a:endParaRPr lang="ru-RU" sz="500" dirty="0"/>
+          </a:p>
+        </p:txBody>
+      </p:sp>
+      <p:sp>
+        <p:nvSpPr>
+          <p:cNvPr id="200" name="Прямоугольник 199">
+            <a:extLst>
+              <a:ext uri="{FF2B5EF4-FFF2-40B4-BE49-F238E27FC236}">
+                <a16:creationId xmlns:a16="http://schemas.microsoft.com/office/drawing/2014/main" id="{FFAA3B33-5852-432D-A3C7-D46B69099BB1}"/>
+              </a:ext>
+            </a:extLst>
+          </p:cNvPr>
+          <p:cNvSpPr/>
+          <p:nvPr/>
+        </p:nvSpPr>
+        <p:spPr>
+          <a:xfrm>
+            <a:off x="42035577" y="6514209"/>
+            <a:ext cx="2115918" cy="1080000"/>
+          </a:xfrm>
+          <a:prstGeom prst="rect">
+            <a:avLst/>
+          </a:prstGeom>
+          <a:solidFill>
+            <a:srgbClr val="FFC000"/>
+          </a:solidFill>
+          <a:ln w="28575"/>
+        </p:spPr>
+        <p:style>
+          <a:lnRef idx="2">
+            <a:schemeClr val="accent1"/>
+          </a:lnRef>
+          <a:fillRef idx="1">
+            <a:schemeClr val="lt1"/>
+          </a:fillRef>
+          <a:effectRef idx="0">
+            <a:schemeClr val="accent1"/>
+          </a:effectRef>
+          <a:fontRef idx="minor">
+            <a:schemeClr val="dk1"/>
+          </a:fontRef>
+        </p:style>
+        <p:txBody>
+          <a:bodyPr lIns="124733" tIns="62367" rIns="124733" bIns="62367" rtlCol="0" anchor="ctr"/>
+          <a:lstStyle/>
+          <a:p>
+            <a:pPr algn="ctr"/>
+            <a:r>
+              <a:rPr lang="ru-RU" sz="1400" dirty="0"/>
+              <a:t>Расширить движение неевропейского единства (текущее но изменено название)</a:t>
+            </a:r>
+            <a:endParaRPr lang="ru-RU" sz="500" dirty="0"/>
+          </a:p>
+        </p:txBody>
+      </p:sp>
+      <p:sp>
+        <p:nvSpPr>
+          <p:cNvPr id="201" name="Прямоугольник 200">
+            <a:extLst>
+              <a:ext uri="{FF2B5EF4-FFF2-40B4-BE49-F238E27FC236}">
+                <a16:creationId xmlns:a16="http://schemas.microsoft.com/office/drawing/2014/main" id="{5FD3282B-6227-4385-846F-EA7DAB179048}"/>
+              </a:ext>
+            </a:extLst>
+          </p:cNvPr>
+          <p:cNvSpPr/>
+          <p:nvPr/>
+        </p:nvSpPr>
+        <p:spPr>
+          <a:xfrm>
+            <a:off x="39355654" y="12229425"/>
+            <a:ext cx="2115918" cy="1080000"/>
+          </a:xfrm>
+          <a:prstGeom prst="rect">
+            <a:avLst/>
+          </a:prstGeom>
+          <a:solidFill>
+            <a:srgbClr val="FFC000"/>
+          </a:solidFill>
+          <a:ln w="28575"/>
+        </p:spPr>
+        <p:style>
+          <a:lnRef idx="2">
+            <a:schemeClr val="accent1"/>
+          </a:lnRef>
+          <a:fillRef idx="1">
+            <a:schemeClr val="lt1"/>
+          </a:fillRef>
+          <a:effectRef idx="0">
+            <a:schemeClr val="accent1"/>
+          </a:effectRef>
+          <a:fontRef idx="minor">
+            <a:schemeClr val="dk1"/>
+          </a:fontRef>
+        </p:style>
+        <p:txBody>
+          <a:bodyPr lIns="124733" tIns="62367" rIns="124733" bIns="62367" rtlCol="0" anchor="ctr"/>
+          <a:lstStyle/>
+          <a:p>
+            <a:pPr algn="ctr"/>
+            <a:r>
+              <a:rPr lang="ru-RU" sz="1400" dirty="0"/>
+              <a:t>Помочь в еврейском вопросе (евреи принадлежали к цветным)</a:t>
+            </a:r>
+            <a:endParaRPr lang="ru-RU" sz="500" dirty="0"/>
+          </a:p>
+        </p:txBody>
+      </p:sp>
+      <p:sp>
+        <p:nvSpPr>
+          <p:cNvPr id="203" name="Прямоугольник 202">
+            <a:extLst>
+              <a:ext uri="{FF2B5EF4-FFF2-40B4-BE49-F238E27FC236}">
+                <a16:creationId xmlns:a16="http://schemas.microsoft.com/office/drawing/2014/main" id="{057FDB6C-639A-4A2B-B43B-A1EAEDD0FA56}"/>
+              </a:ext>
+            </a:extLst>
+          </p:cNvPr>
+          <p:cNvSpPr/>
+          <p:nvPr/>
+        </p:nvSpPr>
+        <p:spPr>
+          <a:xfrm>
+            <a:off x="42029493" y="12227299"/>
+            <a:ext cx="2115918" cy="1080000"/>
+          </a:xfrm>
+          <a:prstGeom prst="rect">
+            <a:avLst/>
+          </a:prstGeom>
+          <a:solidFill>
+            <a:srgbClr val="FFC000"/>
+          </a:solidFill>
+          <a:ln w="28575"/>
+        </p:spPr>
+        <p:style>
+          <a:lnRef idx="2">
+            <a:schemeClr val="accent1"/>
+          </a:lnRef>
+          <a:fillRef idx="1">
+            <a:schemeClr val="lt1"/>
+          </a:fillRef>
+          <a:effectRef idx="0">
+            <a:schemeClr val="accent1"/>
+          </a:effectRef>
+          <a:fontRef idx="minor">
+            <a:schemeClr val="dk1"/>
+          </a:fontRef>
+        </p:style>
+        <p:txBody>
+          <a:bodyPr lIns="124733" tIns="62367" rIns="124733" bIns="62367" rtlCol="0" anchor="ctr"/>
+          <a:lstStyle/>
+          <a:p>
+            <a:pPr algn="ctr"/>
+            <a:r>
+              <a:rPr lang="ru-RU" sz="1400" dirty="0"/>
+              <a:t>Спасти угнетённых арабов (текущее </a:t>
+            </a:r>
+            <a:r>
+              <a:rPr lang="ru-RU" sz="1400" dirty="0" err="1"/>
+              <a:t>нац</a:t>
+            </a:r>
+            <a:r>
+              <a:rPr lang="ru-RU" sz="1400" dirty="0"/>
+              <a:t> 72 регионов </a:t>
+            </a:r>
+            <a:r>
+              <a:rPr lang="ru-RU" sz="1400" dirty="0" err="1"/>
+              <a:t>мус</a:t>
+            </a:r>
+            <a:r>
+              <a:rPr lang="ru-RU" sz="1400" dirty="0"/>
+              <a:t> </a:t>
+            </a:r>
+            <a:r>
+              <a:rPr lang="ru-RU" sz="1400" dirty="0" err="1"/>
+              <a:t>африки</a:t>
+            </a:r>
+            <a:r>
+              <a:rPr lang="ru-RU" sz="1400" dirty="0"/>
+              <a:t>)</a:t>
+            </a:r>
+            <a:endParaRPr lang="ru-RU" sz="500" dirty="0"/>
+          </a:p>
+        </p:txBody>
+      </p:sp>
+      <p:sp>
+        <p:nvSpPr>
+          <p:cNvPr id="204" name="Прямоугольник 203">
+            <a:extLst>
+              <a:ext uri="{FF2B5EF4-FFF2-40B4-BE49-F238E27FC236}">
+                <a16:creationId xmlns:a16="http://schemas.microsoft.com/office/drawing/2014/main" id="{6C94C3ED-2619-47F4-A7C9-E9B23AF450C0}"/>
+              </a:ext>
+            </a:extLst>
+          </p:cNvPr>
+          <p:cNvSpPr/>
+          <p:nvPr/>
+        </p:nvSpPr>
+        <p:spPr>
+          <a:xfrm>
+            <a:off x="38038186" y="10809348"/>
+            <a:ext cx="2115918" cy="1080000"/>
+          </a:xfrm>
+          <a:prstGeom prst="rect">
+            <a:avLst/>
+          </a:prstGeom>
+          <a:solidFill>
+            <a:srgbClr val="FFC000"/>
+          </a:solidFill>
+          <a:ln w="28575"/>
+        </p:spPr>
+        <p:style>
+          <a:lnRef idx="2">
+            <a:schemeClr val="accent1"/>
+          </a:lnRef>
+          <a:fillRef idx="1">
+            <a:schemeClr val="lt1"/>
+          </a:fillRef>
+          <a:effectRef idx="0">
+            <a:schemeClr val="accent1"/>
+          </a:effectRef>
+          <a:fontRef idx="minor">
+            <a:schemeClr val="dk1"/>
+          </a:fontRef>
+        </p:style>
+        <p:txBody>
+          <a:bodyPr lIns="124733" tIns="62367" rIns="124733" bIns="62367" rtlCol="0" anchor="ctr"/>
+          <a:lstStyle/>
+          <a:p>
+            <a:pPr algn="ctr"/>
+            <a:r>
+              <a:rPr lang="ru-RU" sz="1400" dirty="0"/>
+              <a:t>Спасти индусов от империалистического гнёта (текущее, название изменено)</a:t>
+            </a:r>
+            <a:endParaRPr lang="ru-RU" sz="500" dirty="0"/>
+          </a:p>
+        </p:txBody>
+      </p:sp>
+      <p:sp>
+        <p:nvSpPr>
+          <p:cNvPr id="209" name="Прямоугольник 208">
+            <a:extLst>
+              <a:ext uri="{FF2B5EF4-FFF2-40B4-BE49-F238E27FC236}">
+                <a16:creationId xmlns:a16="http://schemas.microsoft.com/office/drawing/2014/main" id="{DA264832-EDDB-45DE-857E-EF2A1A0CCA95}"/>
+              </a:ext>
+            </a:extLst>
+          </p:cNvPr>
+          <p:cNvSpPr/>
+          <p:nvPr/>
+        </p:nvSpPr>
+        <p:spPr>
+          <a:xfrm>
+            <a:off x="43372832" y="7968307"/>
+            <a:ext cx="2115918" cy="1080000"/>
+          </a:xfrm>
+          <a:prstGeom prst="rect">
+            <a:avLst/>
+          </a:prstGeom>
+          <a:solidFill>
+            <a:srgbClr val="FFC000"/>
+          </a:solidFill>
+          <a:ln w="28575"/>
+        </p:spPr>
+        <p:style>
+          <a:lnRef idx="2">
+            <a:schemeClr val="accent1"/>
+          </a:lnRef>
+          <a:fillRef idx="1">
+            <a:schemeClr val="lt1"/>
+          </a:fillRef>
+          <a:effectRef idx="0">
+            <a:schemeClr val="accent1"/>
+          </a:effectRef>
+          <a:fontRef idx="minor">
+            <a:schemeClr val="dk1"/>
+          </a:fontRef>
+        </p:style>
+        <p:txBody>
+          <a:bodyPr lIns="124733" tIns="62367" rIns="124733" bIns="62367" rtlCol="0" anchor="ctr"/>
+          <a:lstStyle/>
+          <a:p>
+            <a:pPr algn="ctr"/>
+            <a:r>
+              <a:rPr lang="ru-RU" sz="1400" dirty="0"/>
+              <a:t>Пригласить Турцию (текущее)</a:t>
+            </a:r>
+            <a:endParaRPr lang="ru-RU" sz="500" dirty="0"/>
+          </a:p>
+        </p:txBody>
+      </p:sp>
+      <p:sp>
+        <p:nvSpPr>
+          <p:cNvPr id="210" name="Прямоугольник 209">
+            <a:extLst>
+              <a:ext uri="{FF2B5EF4-FFF2-40B4-BE49-F238E27FC236}">
+                <a16:creationId xmlns:a16="http://schemas.microsoft.com/office/drawing/2014/main" id="{49A76E6D-9FAF-4DA1-B715-4486D87253B7}"/>
+              </a:ext>
+            </a:extLst>
+          </p:cNvPr>
+          <p:cNvSpPr/>
+          <p:nvPr/>
+        </p:nvSpPr>
+        <p:spPr>
+          <a:xfrm>
+            <a:off x="46046061" y="7976015"/>
+            <a:ext cx="2115918" cy="1080000"/>
+          </a:xfrm>
+          <a:prstGeom prst="rect">
+            <a:avLst/>
+          </a:prstGeom>
+          <a:solidFill>
+            <a:srgbClr val="FFC000"/>
+          </a:solidFill>
+          <a:ln w="28575"/>
+        </p:spPr>
+        <p:style>
+          <a:lnRef idx="2">
+            <a:schemeClr val="accent1"/>
+          </a:lnRef>
+          <a:fillRef idx="1">
+            <a:schemeClr val="lt1"/>
+          </a:fillRef>
+          <a:effectRef idx="0">
+            <a:schemeClr val="accent1"/>
+          </a:effectRef>
+          <a:fontRef idx="minor">
+            <a:schemeClr val="dk1"/>
+          </a:fontRef>
+        </p:style>
+        <p:txBody>
+          <a:bodyPr lIns="124733" tIns="62367" rIns="124733" bIns="62367" rtlCol="0" anchor="ctr"/>
+          <a:lstStyle/>
+          <a:p>
+            <a:pPr algn="ctr"/>
+            <a:r>
+              <a:rPr lang="ru-RU" sz="1400" dirty="0"/>
+              <a:t>Пригласить Иран (текущее)</a:t>
+            </a:r>
+            <a:endParaRPr lang="ru-RU" sz="500" dirty="0"/>
+          </a:p>
+        </p:txBody>
+      </p:sp>
+      <p:sp>
+        <p:nvSpPr>
+          <p:cNvPr id="218" name="Прямоугольник 217">
+            <a:extLst>
+              <a:ext uri="{FF2B5EF4-FFF2-40B4-BE49-F238E27FC236}">
+                <a16:creationId xmlns:a16="http://schemas.microsoft.com/office/drawing/2014/main" id="{84BD2C83-7F0B-495E-A795-68E099A4282C}"/>
+              </a:ext>
+            </a:extLst>
+          </p:cNvPr>
+          <p:cNvSpPr/>
+          <p:nvPr/>
+        </p:nvSpPr>
+        <p:spPr>
+          <a:xfrm>
+            <a:off x="47451077" y="9423760"/>
+            <a:ext cx="2115918" cy="1080000"/>
+          </a:xfrm>
+          <a:prstGeom prst="rect">
+            <a:avLst/>
+          </a:prstGeom>
+          <a:solidFill>
+            <a:srgbClr val="FFC000"/>
+          </a:solidFill>
+          <a:ln w="28575"/>
+        </p:spPr>
+        <p:style>
+          <a:lnRef idx="2">
+            <a:schemeClr val="accent1"/>
+          </a:lnRef>
+          <a:fillRef idx="1">
+            <a:schemeClr val="lt1"/>
+          </a:fillRef>
+          <a:effectRef idx="0">
+            <a:schemeClr val="accent1"/>
+          </a:effectRef>
+          <a:fontRef idx="minor">
+            <a:schemeClr val="dk1"/>
+          </a:fontRef>
+        </p:style>
+        <p:txBody>
+          <a:bodyPr lIns="124733" tIns="62367" rIns="124733" bIns="62367" rtlCol="0" anchor="ctr"/>
+          <a:lstStyle/>
+          <a:p>
+            <a:pPr algn="ctr"/>
+            <a:r>
+              <a:rPr lang="ru-RU" sz="1400" dirty="0"/>
+              <a:t>Пригласить Палестину  (текущее)</a:t>
+            </a:r>
+            <a:endParaRPr lang="ru-RU" sz="500" dirty="0"/>
+          </a:p>
+        </p:txBody>
+      </p:sp>
+      <p:sp>
+        <p:nvSpPr>
+          <p:cNvPr id="219" name="Прямоугольник 218">
+            <a:extLst>
+              <a:ext uri="{FF2B5EF4-FFF2-40B4-BE49-F238E27FC236}">
+                <a16:creationId xmlns:a16="http://schemas.microsoft.com/office/drawing/2014/main" id="{068D5A92-12C5-4674-BB60-C9AF6DC376DD}"/>
+              </a:ext>
+            </a:extLst>
+          </p:cNvPr>
+          <p:cNvSpPr/>
+          <p:nvPr/>
+        </p:nvSpPr>
+        <p:spPr>
+          <a:xfrm>
+            <a:off x="44717961" y="9430111"/>
+            <a:ext cx="2115918" cy="1080000"/>
+          </a:xfrm>
+          <a:prstGeom prst="rect">
+            <a:avLst/>
+          </a:prstGeom>
+          <a:solidFill>
+            <a:srgbClr val="FFC000"/>
+          </a:solidFill>
+          <a:ln w="28575"/>
+        </p:spPr>
+        <p:style>
+          <a:lnRef idx="2">
+            <a:schemeClr val="accent1"/>
+          </a:lnRef>
+          <a:fillRef idx="1">
+            <a:schemeClr val="lt1"/>
+          </a:fillRef>
+          <a:effectRef idx="0">
+            <a:schemeClr val="accent1"/>
+          </a:effectRef>
+          <a:fontRef idx="minor">
+            <a:schemeClr val="dk1"/>
+          </a:fontRef>
+        </p:style>
+        <p:txBody>
+          <a:bodyPr lIns="124733" tIns="62367" rIns="124733" bIns="62367" rtlCol="0" anchor="ctr"/>
+          <a:lstStyle/>
+          <a:p>
+            <a:pPr algn="ctr"/>
+            <a:r>
+              <a:rPr lang="ru-RU" sz="1400" dirty="0"/>
+              <a:t>Пригласить Южную Родезию  (текущее)</a:t>
+            </a:r>
+            <a:endParaRPr lang="ru-RU" sz="500" dirty="0"/>
+          </a:p>
+        </p:txBody>
+      </p:sp>
+      <p:cxnSp>
+        <p:nvCxnSpPr>
+          <p:cNvPr id="225" name="Shape 248">
+            <a:extLst>
+              <a:ext uri="{FF2B5EF4-FFF2-40B4-BE49-F238E27FC236}">
+                <a16:creationId xmlns:a16="http://schemas.microsoft.com/office/drawing/2014/main" id="{EC83F1B2-5677-47B7-89B7-9339717E53CE}"/>
+              </a:ext>
+            </a:extLst>
+          </p:cNvPr>
+          <p:cNvCxnSpPr>
+            <a:cxnSpLocks/>
+            <a:stCxn id="191" idx="2"/>
+            <a:endCxn id="197" idx="0"/>
+          </p:cNvCxnSpPr>
+          <p:nvPr/>
+        </p:nvCxnSpPr>
+        <p:spPr>
+          <a:xfrm rot="5400000">
+            <a:off x="40236678" y="6343624"/>
+            <a:ext cx="341170" cy="12700"/>
+          </a:xfrm>
+          <a:prstGeom prst="bentConnector3">
+            <a:avLst>
+              <a:gd name="adj1" fmla="val 50000"/>
+            </a:avLst>
+          </a:prstGeom>
+          <a:ln w="28575">
+            <a:tailEnd type="arrow"/>
+          </a:ln>
+        </p:spPr>
+        <p:style>
+          <a:lnRef idx="1">
+            <a:schemeClr val="accent1"/>
+          </a:lnRef>
+          <a:fillRef idx="0">
+            <a:schemeClr val="accent1"/>
+          </a:fillRef>
+          <a:effectRef idx="0">
+            <a:schemeClr val="accent1"/>
+          </a:effectRef>
+          <a:fontRef idx="minor">
+            <a:schemeClr val="tx1"/>
+          </a:fontRef>
+        </p:style>
+      </p:cxnSp>
+      <p:cxnSp>
+        <p:nvCxnSpPr>
+          <p:cNvPr id="227" name="Shape 248">
+            <a:extLst>
+              <a:ext uri="{FF2B5EF4-FFF2-40B4-BE49-F238E27FC236}">
+                <a16:creationId xmlns:a16="http://schemas.microsoft.com/office/drawing/2014/main" id="{F9072406-5AA8-42DE-92B5-0D4BA917E76A}"/>
+              </a:ext>
+            </a:extLst>
+          </p:cNvPr>
+          <p:cNvCxnSpPr>
+            <a:cxnSpLocks/>
+            <a:stCxn id="191" idx="2"/>
+            <a:endCxn id="200" idx="0"/>
+          </p:cNvCxnSpPr>
+          <p:nvPr/>
+        </p:nvCxnSpPr>
+        <p:spPr>
+          <a:xfrm rot="16200000" flipH="1">
+            <a:off x="41579814" y="5000487"/>
+            <a:ext cx="341170" cy="2686273"/>
+          </a:xfrm>
+          <a:prstGeom prst="bentConnector3">
+            <a:avLst>
+              <a:gd name="adj1" fmla="val 50000"/>
+            </a:avLst>
+          </a:prstGeom>
+          <a:ln w="28575">
+            <a:tailEnd type="arrow"/>
+          </a:ln>
+        </p:spPr>
+        <p:style>
+          <a:lnRef idx="1">
+            <a:schemeClr val="accent1"/>
+          </a:lnRef>
+          <a:fillRef idx="0">
+            <a:schemeClr val="accent1"/>
+          </a:fillRef>
+          <a:effectRef idx="0">
+            <a:schemeClr val="accent1"/>
+          </a:effectRef>
+          <a:fontRef idx="minor">
+            <a:schemeClr val="tx1"/>
+          </a:fontRef>
+        </p:style>
+      </p:cxnSp>
+      <p:cxnSp>
+        <p:nvCxnSpPr>
+          <p:cNvPr id="228" name="Shape 248">
+            <a:extLst>
+              <a:ext uri="{FF2B5EF4-FFF2-40B4-BE49-F238E27FC236}">
+                <a16:creationId xmlns:a16="http://schemas.microsoft.com/office/drawing/2014/main" id="{5D6B41B9-2CC5-41C0-B3A7-715B18E79872}"/>
+              </a:ext>
+            </a:extLst>
+          </p:cNvPr>
+          <p:cNvCxnSpPr>
+            <a:cxnSpLocks/>
+            <a:stCxn id="200" idx="2"/>
+            <a:endCxn id="209" idx="0"/>
+          </p:cNvCxnSpPr>
+          <p:nvPr/>
+        </p:nvCxnSpPr>
+        <p:spPr>
+          <a:xfrm rot="16200000" flipH="1">
+            <a:off x="43575114" y="7112630"/>
+            <a:ext cx="374098" cy="1337255"/>
+          </a:xfrm>
+          <a:prstGeom prst="bentConnector3">
+            <a:avLst>
+              <a:gd name="adj1" fmla="val 50000"/>
+            </a:avLst>
+          </a:prstGeom>
+          <a:ln w="28575">
+            <a:tailEnd type="arrow"/>
+          </a:ln>
+        </p:spPr>
+        <p:style>
+          <a:lnRef idx="1">
+            <a:schemeClr val="accent1"/>
+          </a:lnRef>
+          <a:fillRef idx="0">
+            <a:schemeClr val="accent1"/>
+          </a:fillRef>
+          <a:effectRef idx="0">
+            <a:schemeClr val="accent1"/>
+          </a:effectRef>
+          <a:fontRef idx="minor">
+            <a:schemeClr val="tx1"/>
+          </a:fontRef>
+        </p:style>
+      </p:cxnSp>
+      <p:cxnSp>
+        <p:nvCxnSpPr>
+          <p:cNvPr id="230" name="Shape 248">
+            <a:extLst>
+              <a:ext uri="{FF2B5EF4-FFF2-40B4-BE49-F238E27FC236}">
+                <a16:creationId xmlns:a16="http://schemas.microsoft.com/office/drawing/2014/main" id="{CC6BA3EE-0BDC-45C6-9079-829BACD1AD2B}"/>
+              </a:ext>
+            </a:extLst>
+          </p:cNvPr>
+          <p:cNvCxnSpPr>
+            <a:cxnSpLocks/>
+            <a:stCxn id="200" idx="2"/>
+            <a:endCxn id="210" idx="0"/>
+          </p:cNvCxnSpPr>
+          <p:nvPr/>
+        </p:nvCxnSpPr>
+        <p:spPr>
+          <a:xfrm rot="16200000" flipH="1">
+            <a:off x="44907875" y="5779870"/>
+            <a:ext cx="381806" cy="4010484"/>
+          </a:xfrm>
+          <a:prstGeom prst="bentConnector3">
+            <a:avLst>
+              <a:gd name="adj1" fmla="val 50000"/>
+            </a:avLst>
+          </a:prstGeom>
+          <a:ln w="28575">
+            <a:tailEnd type="arrow"/>
+          </a:ln>
+        </p:spPr>
+        <p:style>
+          <a:lnRef idx="1">
+            <a:schemeClr val="accent1"/>
+          </a:lnRef>
+          <a:fillRef idx="0">
+            <a:schemeClr val="accent1"/>
+          </a:fillRef>
+          <a:effectRef idx="0">
+            <a:schemeClr val="accent1"/>
+          </a:effectRef>
+          <a:fontRef idx="minor">
+            <a:schemeClr val="tx1"/>
+          </a:fontRef>
+        </p:style>
+      </p:cxnSp>
+      <p:cxnSp>
+        <p:nvCxnSpPr>
+          <p:cNvPr id="231" name="Shape 248">
+            <a:extLst>
+              <a:ext uri="{FF2B5EF4-FFF2-40B4-BE49-F238E27FC236}">
+                <a16:creationId xmlns:a16="http://schemas.microsoft.com/office/drawing/2014/main" id="{256A8B7B-1717-4B4C-9F5D-E711DC225A0F}"/>
+              </a:ext>
+            </a:extLst>
+          </p:cNvPr>
+          <p:cNvCxnSpPr>
+            <a:cxnSpLocks/>
+            <a:stCxn id="200" idx="2"/>
+            <a:endCxn id="218" idx="0"/>
+          </p:cNvCxnSpPr>
+          <p:nvPr/>
+        </p:nvCxnSpPr>
+        <p:spPr>
+          <a:xfrm rot="16200000" flipH="1">
+            <a:off x="44886511" y="5801234"/>
+            <a:ext cx="1829551" cy="5415500"/>
+          </a:xfrm>
+          <a:prstGeom prst="bentConnector3">
+            <a:avLst>
+              <a:gd name="adj1" fmla="val 10542"/>
+            </a:avLst>
+          </a:prstGeom>
+          <a:ln w="28575">
+            <a:tailEnd type="arrow"/>
+          </a:ln>
+        </p:spPr>
+        <p:style>
+          <a:lnRef idx="1">
+            <a:schemeClr val="accent1"/>
+          </a:lnRef>
+          <a:fillRef idx="0">
+            <a:schemeClr val="accent1"/>
+          </a:fillRef>
+          <a:effectRef idx="0">
+            <a:schemeClr val="accent1"/>
+          </a:effectRef>
+          <a:fontRef idx="minor">
+            <a:schemeClr val="tx1"/>
+          </a:fontRef>
+        </p:style>
+      </p:cxnSp>
+      <p:cxnSp>
+        <p:nvCxnSpPr>
+          <p:cNvPr id="233" name="Shape 248">
+            <a:extLst>
+              <a:ext uri="{FF2B5EF4-FFF2-40B4-BE49-F238E27FC236}">
+                <a16:creationId xmlns:a16="http://schemas.microsoft.com/office/drawing/2014/main" id="{11232296-C52D-45C3-BBF1-C59D3E29E989}"/>
+              </a:ext>
+            </a:extLst>
+          </p:cNvPr>
+          <p:cNvCxnSpPr>
+            <a:cxnSpLocks/>
+            <a:stCxn id="200" idx="2"/>
+            <a:endCxn id="219" idx="0"/>
+          </p:cNvCxnSpPr>
+          <p:nvPr/>
+        </p:nvCxnSpPr>
+        <p:spPr>
+          <a:xfrm rot="16200000" flipH="1">
+            <a:off x="43516777" y="7170968"/>
+            <a:ext cx="1835902" cy="2682384"/>
+          </a:xfrm>
+          <a:prstGeom prst="bentConnector3">
+            <a:avLst>
+              <a:gd name="adj1" fmla="val 10679"/>
+            </a:avLst>
+          </a:prstGeom>
+          <a:ln w="28575">
+            <a:tailEnd type="arrow"/>
+          </a:ln>
+        </p:spPr>
+        <p:style>
+          <a:lnRef idx="1">
+            <a:schemeClr val="accent1"/>
+          </a:lnRef>
+          <a:fillRef idx="0">
+            <a:schemeClr val="accent1"/>
+          </a:fillRef>
+          <a:effectRef idx="0">
+            <a:schemeClr val="accent1"/>
+          </a:effectRef>
+          <a:fontRef idx="minor">
+            <a:schemeClr val="tx1"/>
+          </a:fontRef>
+        </p:style>
+      </p:cxnSp>
+      <p:cxnSp>
+        <p:nvCxnSpPr>
+          <p:cNvPr id="236" name="Shape 248">
+            <a:extLst>
+              <a:ext uri="{FF2B5EF4-FFF2-40B4-BE49-F238E27FC236}">
+                <a16:creationId xmlns:a16="http://schemas.microsoft.com/office/drawing/2014/main" id="{0E3C4F9F-42F6-472D-8A8B-E36CC3BEAA58}"/>
+              </a:ext>
+            </a:extLst>
+          </p:cNvPr>
+          <p:cNvCxnSpPr>
+            <a:cxnSpLocks/>
+            <a:stCxn id="200" idx="2"/>
+            <a:endCxn id="198" idx="0"/>
+          </p:cNvCxnSpPr>
+          <p:nvPr/>
+        </p:nvCxnSpPr>
+        <p:spPr>
+          <a:xfrm rot="5400000">
+            <a:off x="42236573" y="7115198"/>
+            <a:ext cx="377952" cy="1335974"/>
+          </a:xfrm>
+          <a:prstGeom prst="bentConnector3">
+            <a:avLst>
+              <a:gd name="adj1" fmla="val 50000"/>
+            </a:avLst>
+          </a:prstGeom>
+          <a:ln w="28575">
+            <a:prstDash val="dash"/>
+            <a:tailEnd type="arrow"/>
+          </a:ln>
+        </p:spPr>
+        <p:style>
+          <a:lnRef idx="1">
+            <a:schemeClr val="accent1"/>
+          </a:lnRef>
+          <a:fillRef idx="0">
+            <a:schemeClr val="accent1"/>
+          </a:fillRef>
+          <a:effectRef idx="0">
+            <a:schemeClr val="accent1"/>
+          </a:effectRef>
+          <a:fontRef idx="minor">
+            <a:schemeClr val="tx1"/>
+          </a:fontRef>
+        </p:style>
+      </p:cxnSp>
+      <p:cxnSp>
+        <p:nvCxnSpPr>
+          <p:cNvPr id="238" name="Shape 248">
+            <a:extLst>
+              <a:ext uri="{FF2B5EF4-FFF2-40B4-BE49-F238E27FC236}">
+                <a16:creationId xmlns:a16="http://schemas.microsoft.com/office/drawing/2014/main" id="{DC5596EF-0BFD-4C5F-BE4B-81CC4EB3D125}"/>
+              </a:ext>
+            </a:extLst>
+          </p:cNvPr>
+          <p:cNvCxnSpPr>
+            <a:cxnSpLocks/>
+            <a:stCxn id="197" idx="2"/>
+            <a:endCxn id="198" idx="0"/>
+          </p:cNvCxnSpPr>
+          <p:nvPr/>
+        </p:nvCxnSpPr>
+        <p:spPr>
+          <a:xfrm rot="16200000" flipH="1">
+            <a:off x="40893436" y="7108035"/>
+            <a:ext cx="377952" cy="1350299"/>
+          </a:xfrm>
+          <a:prstGeom prst="bentConnector3">
+            <a:avLst>
+              <a:gd name="adj1" fmla="val 50000"/>
+            </a:avLst>
+          </a:prstGeom>
+          <a:ln w="28575">
+            <a:prstDash val="dash"/>
+            <a:tailEnd type="arrow"/>
+          </a:ln>
+        </p:spPr>
+        <p:style>
+          <a:lnRef idx="1">
+            <a:schemeClr val="accent1"/>
+          </a:lnRef>
+          <a:fillRef idx="0">
+            <a:schemeClr val="accent1"/>
+          </a:fillRef>
+          <a:effectRef idx="0">
+            <a:schemeClr val="accent1"/>
+          </a:effectRef>
+          <a:fontRef idx="minor">
+            <a:schemeClr val="tx1"/>
+          </a:fontRef>
+        </p:style>
+      </p:cxnSp>
+      <p:sp>
+        <p:nvSpPr>
+          <p:cNvPr id="255" name="Прямоугольник 254">
+            <a:extLst>
+              <a:ext uri="{FF2B5EF4-FFF2-40B4-BE49-F238E27FC236}">
+                <a16:creationId xmlns:a16="http://schemas.microsoft.com/office/drawing/2014/main" id="{46A324E1-A9F3-4F99-9754-C8F10879F564}"/>
+              </a:ext>
+            </a:extLst>
+          </p:cNvPr>
+          <p:cNvSpPr/>
+          <p:nvPr/>
+        </p:nvSpPr>
+        <p:spPr>
+          <a:xfrm>
+            <a:off x="32748392" y="7972161"/>
+            <a:ext cx="2115918" cy="1080000"/>
+          </a:xfrm>
+          <a:prstGeom prst="rect">
+            <a:avLst/>
+          </a:prstGeom>
+          <a:solidFill>
+            <a:srgbClr val="FFC000"/>
+          </a:solidFill>
+          <a:ln w="28575"/>
+        </p:spPr>
+        <p:style>
+          <a:lnRef idx="2">
+            <a:schemeClr val="accent1"/>
+          </a:lnRef>
+          <a:fillRef idx="1">
+            <a:schemeClr val="lt1"/>
+          </a:fillRef>
+          <a:effectRef idx="0">
+            <a:schemeClr val="accent1"/>
+          </a:effectRef>
+          <a:fontRef idx="minor">
+            <a:schemeClr val="dk1"/>
+          </a:fontRef>
+        </p:style>
+        <p:txBody>
+          <a:bodyPr lIns="124733" tIns="62367" rIns="124733" bIns="62367" rtlCol="0" anchor="ctr"/>
+          <a:lstStyle/>
+          <a:p>
+            <a:pPr algn="ctr"/>
+            <a:r>
+              <a:rPr lang="ru-RU" sz="1400" dirty="0"/>
+              <a:t>Снижение налогов на землю </a:t>
+            </a:r>
+            <a:r>
+              <a:rPr lang="ru-RU" sz="400" dirty="0"/>
+              <a:t>(подготовленный М. Н. Авербахом (вождем чем самостоятельный тезис. Оригинал статьи, написанной Авербахом, и документы, отправленные позднее в Международный секретариат, не найдены. Однако статья, появившаяся в феврале 1936 г. в « Рабочем голосе»., орган CLSA, по земельному вопросу тупой. Он утверждал, что «простой призыв к земле не составляет аграрной проблемы». Африканцы, изгнанные с земли, страдали в основном от налогов. Их главная потребность заключалась не в земле, а в освобождении от налогов. Авербах, кажется, неправильно понял позицию большинства. Если бы африканцы получили больше земли, писал он, крестьяне по-прежнему страдали бы от этих пагубных налогов, призванных загнать их в шахты, промышленность и фермы.)</a:t>
+            </a:r>
+            <a:endParaRPr lang="ru-RU" sz="500" dirty="0"/>
+          </a:p>
+        </p:txBody>
+      </p:sp>
+      <p:sp>
+        <p:nvSpPr>
+          <p:cNvPr id="257" name="Прямоугольник 256">
+            <a:extLst>
+              <a:ext uri="{FF2B5EF4-FFF2-40B4-BE49-F238E27FC236}">
+                <a16:creationId xmlns:a16="http://schemas.microsoft.com/office/drawing/2014/main" id="{E19DB08F-F422-42E4-8EC8-DCF6DF6ADE72}"/>
+              </a:ext>
+            </a:extLst>
+          </p:cNvPr>
+          <p:cNvSpPr/>
+          <p:nvPr/>
+        </p:nvSpPr>
+        <p:spPr>
+          <a:xfrm>
+            <a:off x="28762486" y="10806063"/>
+            <a:ext cx="2115918" cy="1080000"/>
+          </a:xfrm>
+          <a:prstGeom prst="rect">
+            <a:avLst/>
+          </a:prstGeom>
+          <a:solidFill>
+            <a:srgbClr val="FF0000"/>
+          </a:solidFill>
+          <a:ln w="28575"/>
+        </p:spPr>
+        <p:style>
+          <a:lnRef idx="2">
+            <a:schemeClr val="accent1"/>
+          </a:lnRef>
+          <a:fillRef idx="1">
+            <a:schemeClr val="lt1"/>
+          </a:fillRef>
+          <a:effectRef idx="0">
+            <a:schemeClr val="accent1"/>
+          </a:effectRef>
+          <a:fontRef idx="minor">
+            <a:schemeClr val="dk1"/>
+          </a:fontRef>
+        </p:style>
+        <p:txBody>
+          <a:bodyPr lIns="124733" tIns="62367" rIns="124733" bIns="62367" rtlCol="0" anchor="ctr"/>
+          <a:lstStyle/>
+          <a:p>
+            <a:pPr algn="ctr"/>
+            <a:r>
+              <a:rPr lang="ru-RU" sz="1400" dirty="0"/>
+              <a:t>Принести независимость туземным республикам </a:t>
+            </a:r>
+            <a:r>
+              <a:rPr lang="ru-RU" sz="600" dirty="0"/>
+              <a:t>(Однако в письме от 14 мая 1935 г. в Международный секретариат они заявили, что их тезис критикует сталинский лозунг «Независимые туземные республики как шаг к Рабоче-крестьянской республике»)</a:t>
+            </a:r>
+            <a:endParaRPr lang="ru-RU" sz="800" dirty="0"/>
+          </a:p>
+        </p:txBody>
+      </p:sp>
+      <p:sp>
+        <p:nvSpPr>
+          <p:cNvPr id="258" name="Прямоугольник 257">
+            <a:extLst>
+              <a:ext uri="{FF2B5EF4-FFF2-40B4-BE49-F238E27FC236}">
+                <a16:creationId xmlns:a16="http://schemas.microsoft.com/office/drawing/2014/main" id="{DBB21772-5DC6-49CD-8347-70472CFCB171}"/>
+              </a:ext>
+            </a:extLst>
+          </p:cNvPr>
+          <p:cNvSpPr/>
+          <p:nvPr/>
+        </p:nvSpPr>
+        <p:spPr>
+          <a:xfrm>
+            <a:off x="35418259" y="6520559"/>
+            <a:ext cx="2115918" cy="1080000"/>
+          </a:xfrm>
+          <a:prstGeom prst="rect">
+            <a:avLst/>
+          </a:prstGeom>
+          <a:solidFill>
+            <a:srgbClr val="FFC000"/>
+          </a:solidFill>
+          <a:ln w="28575"/>
+        </p:spPr>
+        <p:style>
+          <a:lnRef idx="2">
+            <a:schemeClr val="accent1"/>
+          </a:lnRef>
+          <a:fillRef idx="1">
+            <a:schemeClr val="lt1"/>
+          </a:fillRef>
+          <a:effectRef idx="0">
+            <a:schemeClr val="accent1"/>
+          </a:effectRef>
+          <a:fontRef idx="minor">
+            <a:schemeClr val="dk1"/>
+          </a:fontRef>
+        </p:style>
+        <p:txBody>
+          <a:bodyPr lIns="124733" tIns="62367" rIns="124733" bIns="62367" rtlCol="0" anchor="ctr"/>
+          <a:lstStyle/>
+          <a:p>
+            <a:pPr algn="ctr"/>
+            <a:r>
+              <a:rPr lang="ru-RU" sz="1400" dirty="0"/>
+              <a:t>Социальная революция </a:t>
+            </a:r>
+            <a:r>
+              <a:rPr lang="ru-RU" sz="500" dirty="0"/>
+              <a:t>(Затем письмо продолжилось. Они подтвердили, что революционная партия должна повернуться прежде всего к черным рабочим. Их национальное самосознание надо было развивать, но не за счет разжигания и развития шовинизма. И национальный, и аграрный вопросы могли найти свое решение только через социальную революцию. На всякий случай они добавили, что центральным лозунгом было «ниспровержение британского империализма и колониального капитализма» и создание Советской Южно-Африканской Республики с правом всех рас на самоопределение и гарантиями прав меньшинств.)</a:t>
+            </a:r>
+            <a:endParaRPr lang="ru-RU" sz="100" dirty="0"/>
+          </a:p>
+        </p:txBody>
+      </p:sp>
+      <p:sp>
+        <p:nvSpPr>
+          <p:cNvPr id="259" name="Прямоугольник 258">
+            <a:extLst>
+              <a:ext uri="{FF2B5EF4-FFF2-40B4-BE49-F238E27FC236}">
+                <a16:creationId xmlns:a16="http://schemas.microsoft.com/office/drawing/2014/main" id="{08EE18AE-8727-4E84-B350-FF84B357DC6D}"/>
+              </a:ext>
+            </a:extLst>
+          </p:cNvPr>
+          <p:cNvSpPr/>
+          <p:nvPr/>
+        </p:nvSpPr>
+        <p:spPr>
+          <a:xfrm>
+            <a:off x="36730623" y="9427061"/>
+            <a:ext cx="2115918" cy="1080000"/>
+          </a:xfrm>
+          <a:prstGeom prst="rect">
+            <a:avLst/>
+          </a:prstGeom>
+          <a:solidFill>
+            <a:srgbClr val="FFC000"/>
+          </a:solidFill>
+          <a:ln w="28575"/>
+        </p:spPr>
+        <p:style>
+          <a:lnRef idx="2">
+            <a:schemeClr val="accent1"/>
+          </a:lnRef>
+          <a:fillRef idx="1">
+            <a:schemeClr val="lt1"/>
+          </a:fillRef>
+          <a:effectRef idx="0">
+            <a:schemeClr val="accent1"/>
+          </a:effectRef>
+          <a:fontRef idx="minor">
+            <a:schemeClr val="dk1"/>
+          </a:fontRef>
+        </p:style>
+        <p:txBody>
+          <a:bodyPr lIns="124733" tIns="62367" rIns="124733" bIns="62367" rtlCol="0" anchor="ctr"/>
+          <a:lstStyle/>
+          <a:p>
+            <a:pPr algn="ctr"/>
+            <a:r>
+              <a:rPr lang="ru-RU" sz="1400" dirty="0"/>
+              <a:t>«от каждого по его способностям; каждому по его потребности» </a:t>
+            </a:r>
+            <a:r>
+              <a:rPr lang="ru-RU" sz="500" dirty="0"/>
+              <a:t>(Однако NEUM ничего не сделал, кроме призывов к объединению, у него не было планов действий, и о социализме больше не было разговоров. Забыты были заключительные слова того письма 1938 года, в котором говорилось, что девизом общества, которое они хотели, было «от каждого по его способностям; каждому по его потребности».)</a:t>
+            </a:r>
+          </a:p>
+        </p:txBody>
+      </p:sp>
+      <p:sp>
+        <p:nvSpPr>
+          <p:cNvPr id="260" name="Прямоугольник 259">
+            <a:extLst>
+              <a:ext uri="{FF2B5EF4-FFF2-40B4-BE49-F238E27FC236}">
+                <a16:creationId xmlns:a16="http://schemas.microsoft.com/office/drawing/2014/main" id="{621FE09E-C13D-4C26-BDAE-5E66C7E42E9D}"/>
+              </a:ext>
+            </a:extLst>
+          </p:cNvPr>
+          <p:cNvSpPr/>
+          <p:nvPr/>
+        </p:nvSpPr>
+        <p:spPr>
+          <a:xfrm>
+            <a:off x="34105793" y="9442811"/>
+            <a:ext cx="2115918" cy="1080000"/>
+          </a:xfrm>
+          <a:prstGeom prst="rect">
+            <a:avLst/>
+          </a:prstGeom>
+          <a:solidFill>
+            <a:srgbClr val="FFC000"/>
+          </a:solidFill>
+          <a:ln w="28575"/>
+        </p:spPr>
+        <p:style>
+          <a:lnRef idx="2">
+            <a:schemeClr val="accent1"/>
+          </a:lnRef>
+          <a:fillRef idx="1">
+            <a:schemeClr val="lt1"/>
+          </a:fillRef>
+          <a:effectRef idx="0">
+            <a:schemeClr val="accent1"/>
+          </a:effectRef>
+          <a:fontRef idx="minor">
+            <a:schemeClr val="dk1"/>
+          </a:fontRef>
+        </p:style>
+        <p:txBody>
+          <a:bodyPr lIns="124733" tIns="62367" rIns="124733" bIns="62367" rtlCol="0" anchor="ctr"/>
+          <a:lstStyle/>
+          <a:p>
+            <a:pPr algn="ctr"/>
+            <a:r>
+              <a:rPr lang="ru-RU" sz="1400" dirty="0"/>
+              <a:t>Единство крестьян и рабочих </a:t>
+            </a:r>
+            <a:r>
+              <a:rPr lang="ru-RU" sz="600" dirty="0"/>
+              <a:t>(Путем популяризации среди рабочих нужд крестьянства и наоборот, большевики добились успеха в своей революции. Так может и наша революция иметь успех. Объединяя и защищая совместными усилиями общие цели и интересы рабочих и крестьян, черных и белых, революционное движение может привести к свержению капитализма и созданию Советской Южной Африки.)</a:t>
+            </a:r>
+            <a:endParaRPr lang="ru-RU" sz="500" dirty="0"/>
+          </a:p>
+        </p:txBody>
+      </p:sp>
+      <p:sp>
+        <p:nvSpPr>
+          <p:cNvPr id="261" name="Прямоугольник 260">
+            <a:extLst>
+              <a:ext uri="{FF2B5EF4-FFF2-40B4-BE49-F238E27FC236}">
+                <a16:creationId xmlns:a16="http://schemas.microsoft.com/office/drawing/2014/main" id="{956584E7-3DC8-451E-8A93-10468CFF313C}"/>
+              </a:ext>
+            </a:extLst>
+          </p:cNvPr>
+          <p:cNvSpPr/>
+          <p:nvPr/>
+        </p:nvSpPr>
+        <p:spPr>
+          <a:xfrm>
+            <a:off x="38038186" y="7969938"/>
+            <a:ext cx="2115918" cy="1080000"/>
+          </a:xfrm>
+          <a:prstGeom prst="rect">
+            <a:avLst/>
+          </a:prstGeom>
+          <a:solidFill>
+            <a:srgbClr val="FFC000"/>
+          </a:solidFill>
+          <a:ln w="28575"/>
+        </p:spPr>
+        <p:style>
+          <a:lnRef idx="2">
+            <a:schemeClr val="accent1"/>
+          </a:lnRef>
+          <a:fillRef idx="1">
+            <a:schemeClr val="lt1"/>
+          </a:fillRef>
+          <a:effectRef idx="0">
+            <a:schemeClr val="accent1"/>
+          </a:effectRef>
+          <a:fontRef idx="minor">
+            <a:schemeClr val="dk1"/>
+          </a:fontRef>
+        </p:style>
+        <p:txBody>
+          <a:bodyPr lIns="124733" tIns="62367" rIns="124733" bIns="62367" rtlCol="0" anchor="ctr"/>
+          <a:lstStyle/>
+          <a:p>
+            <a:pPr algn="ctr"/>
+            <a:r>
+              <a:rPr lang="ru-RU" sz="1400" dirty="0"/>
+              <a:t>Создание единой образовательной лиги </a:t>
+            </a:r>
+            <a:r>
+              <a:rPr lang="ru-RU" sz="700" dirty="0"/>
+              <a:t>(В движение вошли Африканская ассоциация учителей Кейптауна (CATA),Лига цветных учителей Южной Африки (TLSA), Ассоциация избирателей Капской Африки (CAVA) и Организованные органы </a:t>
+            </a:r>
+            <a:r>
+              <a:rPr lang="ru-RU" sz="700" dirty="0" err="1"/>
+              <a:t>Транскея</a:t>
+            </a:r>
+            <a:r>
+              <a:rPr lang="ru-RU" sz="700" dirty="0"/>
+              <a:t>.)</a:t>
+            </a:r>
+            <a:endParaRPr lang="ru-RU" sz="800" dirty="0"/>
+          </a:p>
+        </p:txBody>
+      </p:sp>
+      <p:sp>
+        <p:nvSpPr>
+          <p:cNvPr id="262" name="Прямоугольник 261">
+            <a:extLst>
+              <a:ext uri="{FF2B5EF4-FFF2-40B4-BE49-F238E27FC236}">
+                <a16:creationId xmlns:a16="http://schemas.microsoft.com/office/drawing/2014/main" id="{52EFBB1F-7910-4514-87B0-5B6B22F9A1E2}"/>
+              </a:ext>
+            </a:extLst>
+          </p:cNvPr>
+          <p:cNvSpPr/>
+          <p:nvPr/>
+        </p:nvSpPr>
+        <p:spPr>
+          <a:xfrm>
+            <a:off x="32748392" y="6514208"/>
+            <a:ext cx="2115918" cy="1080000"/>
+          </a:xfrm>
+          <a:prstGeom prst="rect">
+            <a:avLst/>
+          </a:prstGeom>
+          <a:solidFill>
+            <a:srgbClr val="FFC000"/>
+          </a:solidFill>
+          <a:ln w="28575"/>
+        </p:spPr>
+        <p:style>
+          <a:lnRef idx="2">
+            <a:schemeClr val="accent1"/>
+          </a:lnRef>
+          <a:fillRef idx="1">
+            <a:schemeClr val="lt1"/>
+          </a:fillRef>
+          <a:effectRef idx="0">
+            <a:schemeClr val="accent1"/>
+          </a:effectRef>
+          <a:fontRef idx="minor">
+            <a:schemeClr val="dk1"/>
+          </a:fontRef>
+        </p:style>
+        <p:txBody>
+          <a:bodyPr lIns="124733" tIns="62367" rIns="124733" bIns="62367" rtlCol="0" anchor="ctr"/>
+          <a:lstStyle/>
+          <a:p>
+            <a:pPr algn="ctr"/>
+            <a:r>
+              <a:rPr lang="ru-RU" sz="1400" dirty="0"/>
+              <a:t>Изъять имущество миссионерских церквей </a:t>
+            </a:r>
+            <a:r>
+              <a:rPr lang="ru-RU" sz="500" dirty="0"/>
+              <a:t>(Также, в отличие от членов АНК, они не платили дань уважения какой-либо религиозной группе или церкви. Действительно, книга «Роль миссионера в завоевании», широко распространенная в кругах NEUM, была, как следует из ее названия, критикой роли миссионеров в Южной Африке как прародителей завоеваний и ментальных оков.)</a:t>
+            </a:r>
+            <a:endParaRPr lang="ru-RU" sz="100" dirty="0"/>
+          </a:p>
+        </p:txBody>
+      </p:sp>
+      <p:sp>
+        <p:nvSpPr>
+          <p:cNvPr id="263" name="Прямоугольник 262">
+            <a:extLst>
+              <a:ext uri="{FF2B5EF4-FFF2-40B4-BE49-F238E27FC236}">
+                <a16:creationId xmlns:a16="http://schemas.microsoft.com/office/drawing/2014/main" id="{0AE0E348-7DA9-40B5-B7FB-B39FB858D660}"/>
+              </a:ext>
+            </a:extLst>
+          </p:cNvPr>
+          <p:cNvSpPr/>
+          <p:nvPr/>
+        </p:nvSpPr>
+        <p:spPr>
+          <a:xfrm>
+            <a:off x="42029493" y="9396964"/>
+            <a:ext cx="2115918" cy="1080000"/>
+          </a:xfrm>
+          <a:prstGeom prst="rect">
+            <a:avLst/>
+          </a:prstGeom>
+          <a:solidFill>
+            <a:srgbClr val="FFC000"/>
+          </a:solidFill>
+          <a:ln w="28575"/>
+        </p:spPr>
+        <p:style>
+          <a:lnRef idx="2">
+            <a:schemeClr val="accent1"/>
+          </a:lnRef>
+          <a:fillRef idx="1">
+            <a:schemeClr val="lt1"/>
+          </a:fillRef>
+          <a:effectRef idx="0">
+            <a:schemeClr val="accent1"/>
+          </a:effectRef>
+          <a:fontRef idx="minor">
+            <a:schemeClr val="dk1"/>
+          </a:fontRef>
+        </p:style>
+        <p:txBody>
+          <a:bodyPr lIns="124733" tIns="62367" rIns="124733" bIns="62367" rtlCol="0" anchor="ctr"/>
+          <a:lstStyle/>
+          <a:p>
+            <a:pPr algn="ctr"/>
+            <a:r>
+              <a:rPr lang="ru-RU" sz="1400" dirty="0"/>
+              <a:t>Политическая революция в СССР </a:t>
+            </a:r>
+            <a:r>
+              <a:rPr lang="ru-RU" sz="900" dirty="0"/>
+              <a:t>(Многие говорили о необходимости «политической» революции в СССР, которая устранит сталинизм и обеспечит руководство грядущей мировой революцией.)</a:t>
+            </a:r>
+            <a:endParaRPr lang="ru-RU" sz="500" dirty="0"/>
+          </a:p>
+        </p:txBody>
+      </p:sp>
+      <p:sp>
+        <p:nvSpPr>
+          <p:cNvPr id="266" name="Прямоугольник 265">
+            <a:extLst>
+              <a:ext uri="{FF2B5EF4-FFF2-40B4-BE49-F238E27FC236}">
+                <a16:creationId xmlns:a16="http://schemas.microsoft.com/office/drawing/2014/main" id="{2A2DA3A3-7506-43C9-8221-C1A4D02D818C}"/>
+              </a:ext>
+            </a:extLst>
+          </p:cNvPr>
+          <p:cNvSpPr/>
+          <p:nvPr/>
+        </p:nvSpPr>
+        <p:spPr>
+          <a:xfrm>
+            <a:off x="39349303" y="9396964"/>
+            <a:ext cx="2115918" cy="1080000"/>
+          </a:xfrm>
+          <a:prstGeom prst="rect">
+            <a:avLst/>
+          </a:prstGeom>
+          <a:solidFill>
+            <a:srgbClr val="FFC000"/>
+          </a:solidFill>
+          <a:ln w="28575"/>
+        </p:spPr>
+        <p:style>
+          <a:lnRef idx="2">
+            <a:schemeClr val="accent1"/>
+          </a:lnRef>
+          <a:fillRef idx="1">
+            <a:schemeClr val="lt1"/>
+          </a:fillRef>
+          <a:effectRef idx="0">
+            <a:schemeClr val="accent1"/>
+          </a:effectRef>
+          <a:fontRef idx="minor">
+            <a:schemeClr val="dk1"/>
+          </a:fontRef>
+        </p:style>
+        <p:txBody>
+          <a:bodyPr lIns="124733" tIns="62367" rIns="124733" bIns="62367" rtlCol="0" anchor="ctr"/>
+          <a:lstStyle/>
+          <a:p>
+            <a:pPr algn="ctr"/>
+            <a:r>
+              <a:rPr lang="ru-RU" sz="1400" dirty="0"/>
+              <a:t>Принять антиимпериалистические лозунги </a:t>
+            </a:r>
+            <a:r>
+              <a:rPr lang="ru-RU" sz="400" dirty="0"/>
+              <a:t>(Все колониальные националисты использовали антиимпериалистические лозунги, и это, по-видимому, поставило их в антикапиталистический лагерь. В свете ранних прокламаций Ленина и Коминтерна такая ориентация привела многие подобные группы к просоветской позиции и поставила их, опять-таки по-видимому, </a:t>
+            </a:r>
+            <a:r>
+              <a:rPr lang="ru-RU" sz="400" dirty="0" err="1"/>
+              <a:t>втвердо</a:t>
+            </a:r>
+            <a:r>
+              <a:rPr lang="ru-RU" sz="400" dirty="0"/>
+              <a:t> на стороне СССР и против империалистических держав.)</a:t>
+            </a:r>
+            <a:endParaRPr lang="ru-RU" sz="500" dirty="0"/>
+          </a:p>
+        </p:txBody>
+      </p:sp>
+      <p:sp>
+        <p:nvSpPr>
+          <p:cNvPr id="267" name="Прямоугольник 266">
+            <a:extLst>
+              <a:ext uri="{FF2B5EF4-FFF2-40B4-BE49-F238E27FC236}">
+                <a16:creationId xmlns:a16="http://schemas.microsoft.com/office/drawing/2014/main" id="{6A09D8C1-FE84-48D6-A838-F1E4C6F73CDC}"/>
+              </a:ext>
+            </a:extLst>
+          </p:cNvPr>
+          <p:cNvSpPr/>
+          <p:nvPr/>
+        </p:nvSpPr>
+        <p:spPr>
+          <a:xfrm>
+            <a:off x="48817636" y="7955781"/>
+            <a:ext cx="2115918" cy="1080000"/>
+          </a:xfrm>
+          <a:prstGeom prst="rect">
+            <a:avLst/>
+          </a:prstGeom>
+          <a:solidFill>
+            <a:srgbClr val="FFC000"/>
+          </a:solidFill>
+          <a:ln w="28575"/>
+        </p:spPr>
+        <p:style>
+          <a:lnRef idx="2">
+            <a:schemeClr val="accent1"/>
+          </a:lnRef>
+          <a:fillRef idx="1">
+            <a:schemeClr val="lt1"/>
+          </a:fillRef>
+          <a:effectRef idx="0">
+            <a:schemeClr val="accent1"/>
+          </a:effectRef>
+          <a:fontRef idx="minor">
+            <a:schemeClr val="dk1"/>
+          </a:fontRef>
+        </p:style>
+        <p:txBody>
+          <a:bodyPr lIns="124733" tIns="62367" rIns="124733" bIns="62367" rtlCol="0" anchor="ctr"/>
+          <a:lstStyle/>
+          <a:p>
+            <a:pPr algn="ctr"/>
+            <a:r>
+              <a:rPr lang="ru-RU" sz="1400" dirty="0"/>
+              <a:t>Пригласить Индию  (новый)</a:t>
+            </a:r>
+            <a:endParaRPr lang="ru-RU" sz="500" dirty="0"/>
+          </a:p>
+        </p:txBody>
+      </p:sp>
+      <p:cxnSp>
+        <p:nvCxnSpPr>
+          <p:cNvPr id="269" name="Shape 248">
+            <a:extLst>
+              <a:ext uri="{FF2B5EF4-FFF2-40B4-BE49-F238E27FC236}">
+                <a16:creationId xmlns:a16="http://schemas.microsoft.com/office/drawing/2014/main" id="{FBEAA8DC-5277-431B-B72A-96CB92AB08F2}"/>
+              </a:ext>
+            </a:extLst>
+          </p:cNvPr>
+          <p:cNvCxnSpPr>
+            <a:cxnSpLocks/>
+            <a:stCxn id="200" idx="2"/>
+            <a:endCxn id="267" idx="0"/>
+          </p:cNvCxnSpPr>
+          <p:nvPr/>
+        </p:nvCxnSpPr>
+        <p:spPr>
+          <a:xfrm rot="16200000" flipH="1">
+            <a:off x="46303779" y="4383965"/>
+            <a:ext cx="361572" cy="6782059"/>
+          </a:xfrm>
+          <a:prstGeom prst="bentConnector3">
+            <a:avLst>
+              <a:gd name="adj1" fmla="val 50000"/>
+            </a:avLst>
+          </a:prstGeom>
+          <a:ln w="28575">
+            <a:tailEnd type="arrow"/>
+          </a:ln>
+        </p:spPr>
+        <p:style>
+          <a:lnRef idx="1">
+            <a:schemeClr val="accent1"/>
+          </a:lnRef>
+          <a:fillRef idx="0">
+            <a:schemeClr val="accent1"/>
+          </a:fillRef>
+          <a:effectRef idx="0">
+            <a:schemeClr val="accent1"/>
+          </a:effectRef>
+          <a:fontRef idx="minor">
+            <a:schemeClr val="tx1"/>
+          </a:fontRef>
+        </p:style>
+      </p:cxnSp>
+      <p:cxnSp>
+        <p:nvCxnSpPr>
+          <p:cNvPr id="272" name="Shape 248">
+            <a:extLst>
+              <a:ext uri="{FF2B5EF4-FFF2-40B4-BE49-F238E27FC236}">
+                <a16:creationId xmlns:a16="http://schemas.microsoft.com/office/drawing/2014/main" id="{D5D4437B-1223-4FCE-9062-B8243AC66A55}"/>
+              </a:ext>
+            </a:extLst>
+          </p:cNvPr>
+          <p:cNvCxnSpPr>
+            <a:cxnSpLocks/>
+            <a:stCxn id="191" idx="2"/>
+            <a:endCxn id="262" idx="0"/>
+          </p:cNvCxnSpPr>
+          <p:nvPr/>
+        </p:nvCxnSpPr>
+        <p:spPr>
+          <a:xfrm rot="5400000">
+            <a:off x="36936223" y="3043167"/>
+            <a:ext cx="341169" cy="6600912"/>
+          </a:xfrm>
+          <a:prstGeom prst="bentConnector3">
+            <a:avLst>
+              <a:gd name="adj1" fmla="val 50000"/>
+            </a:avLst>
+          </a:prstGeom>
+          <a:ln w="28575">
+            <a:tailEnd type="arrow"/>
+          </a:ln>
+        </p:spPr>
+        <p:style>
+          <a:lnRef idx="1">
+            <a:schemeClr val="accent1"/>
+          </a:lnRef>
+          <a:fillRef idx="0">
+            <a:schemeClr val="accent1"/>
+          </a:fillRef>
+          <a:effectRef idx="0">
+            <a:schemeClr val="accent1"/>
+          </a:effectRef>
+          <a:fontRef idx="minor">
+            <a:schemeClr val="tx1"/>
+          </a:fontRef>
+        </p:style>
+      </p:cxnSp>
+      <p:cxnSp>
+        <p:nvCxnSpPr>
+          <p:cNvPr id="275" name="Shape 248">
+            <a:extLst>
+              <a:ext uri="{FF2B5EF4-FFF2-40B4-BE49-F238E27FC236}">
+                <a16:creationId xmlns:a16="http://schemas.microsoft.com/office/drawing/2014/main" id="{D95A6C3B-CFE7-40B6-9CE6-1A9B074D319A}"/>
+              </a:ext>
+            </a:extLst>
+          </p:cNvPr>
+          <p:cNvCxnSpPr>
+            <a:cxnSpLocks/>
+            <a:stCxn id="191" idx="2"/>
+            <a:endCxn id="258" idx="0"/>
+          </p:cNvCxnSpPr>
+          <p:nvPr/>
+        </p:nvCxnSpPr>
+        <p:spPr>
+          <a:xfrm rot="5400000">
+            <a:off x="38267981" y="4381277"/>
+            <a:ext cx="347520" cy="3931045"/>
+          </a:xfrm>
+          <a:prstGeom prst="bentConnector3">
+            <a:avLst>
+              <a:gd name="adj1" fmla="val 50000"/>
+            </a:avLst>
+          </a:prstGeom>
+          <a:ln w="28575">
+            <a:tailEnd type="arrow"/>
+          </a:ln>
+        </p:spPr>
+        <p:style>
+          <a:lnRef idx="1">
+            <a:schemeClr val="accent1"/>
+          </a:lnRef>
+          <a:fillRef idx="0">
+            <a:schemeClr val="accent1"/>
+          </a:fillRef>
+          <a:effectRef idx="0">
+            <a:schemeClr val="accent1"/>
+          </a:effectRef>
+          <a:fontRef idx="minor">
+            <a:schemeClr val="tx1"/>
+          </a:fontRef>
+        </p:style>
+      </p:cxnSp>
+      <p:cxnSp>
+        <p:nvCxnSpPr>
+          <p:cNvPr id="277" name="Shape 248">
+            <a:extLst>
+              <a:ext uri="{FF2B5EF4-FFF2-40B4-BE49-F238E27FC236}">
+                <a16:creationId xmlns:a16="http://schemas.microsoft.com/office/drawing/2014/main" id="{1084AFBE-7DDB-4565-899D-F5786F8B9959}"/>
+              </a:ext>
+            </a:extLst>
+          </p:cNvPr>
+          <p:cNvCxnSpPr>
+            <a:cxnSpLocks/>
+            <a:stCxn id="258" idx="2"/>
+            <a:endCxn id="255" idx="0"/>
+          </p:cNvCxnSpPr>
+          <p:nvPr/>
+        </p:nvCxnSpPr>
+        <p:spPr>
+          <a:xfrm rot="5400000">
+            <a:off x="34955484" y="6451427"/>
+            <a:ext cx="371602" cy="2669867"/>
+          </a:xfrm>
+          <a:prstGeom prst="bentConnector3">
+            <a:avLst>
+              <a:gd name="adj1" fmla="val 50000"/>
+            </a:avLst>
+          </a:prstGeom>
+          <a:ln w="28575">
+            <a:tailEnd type="arrow"/>
+          </a:ln>
+        </p:spPr>
+        <p:style>
+          <a:lnRef idx="1">
+            <a:schemeClr val="accent1"/>
+          </a:lnRef>
+          <a:fillRef idx="0">
+            <a:schemeClr val="accent1"/>
+          </a:fillRef>
+          <a:effectRef idx="0">
+            <a:schemeClr val="accent1"/>
+          </a:effectRef>
+          <a:fontRef idx="minor">
+            <a:schemeClr val="tx1"/>
+          </a:fontRef>
+        </p:style>
+      </p:cxnSp>
+      <p:cxnSp>
+        <p:nvCxnSpPr>
+          <p:cNvPr id="280" name="Shape 248">
+            <a:extLst>
+              <a:ext uri="{FF2B5EF4-FFF2-40B4-BE49-F238E27FC236}">
+                <a16:creationId xmlns:a16="http://schemas.microsoft.com/office/drawing/2014/main" id="{25708BBE-8555-4AEA-85E9-6204F5F68A3E}"/>
+              </a:ext>
+            </a:extLst>
+          </p:cNvPr>
+          <p:cNvCxnSpPr>
+            <a:cxnSpLocks/>
+            <a:stCxn id="258" idx="2"/>
+            <a:endCxn id="261" idx="0"/>
+          </p:cNvCxnSpPr>
+          <p:nvPr/>
+        </p:nvCxnSpPr>
+        <p:spPr>
+          <a:xfrm rot="16200000" flipH="1">
+            <a:off x="37601492" y="6475284"/>
+            <a:ext cx="369379" cy="2619927"/>
+          </a:xfrm>
+          <a:prstGeom prst="bentConnector3">
+            <a:avLst>
+              <a:gd name="adj1" fmla="val 50000"/>
+            </a:avLst>
+          </a:prstGeom>
+          <a:ln w="28575">
+            <a:tailEnd type="arrow"/>
+          </a:ln>
+        </p:spPr>
+        <p:style>
+          <a:lnRef idx="1">
+            <a:schemeClr val="accent1"/>
+          </a:lnRef>
+          <a:fillRef idx="0">
+            <a:schemeClr val="accent1"/>
+          </a:fillRef>
+          <a:effectRef idx="0">
+            <a:schemeClr val="accent1"/>
+          </a:effectRef>
+          <a:fontRef idx="minor">
+            <a:schemeClr val="tx1"/>
+          </a:fontRef>
+        </p:style>
+      </p:cxnSp>
+      <p:cxnSp>
+        <p:nvCxnSpPr>
+          <p:cNvPr id="283" name="Shape 248">
+            <a:extLst>
+              <a:ext uri="{FF2B5EF4-FFF2-40B4-BE49-F238E27FC236}">
+                <a16:creationId xmlns:a16="http://schemas.microsoft.com/office/drawing/2014/main" id="{0E0F779A-C2E1-4552-804D-2183B64A70F0}"/>
+              </a:ext>
+            </a:extLst>
+          </p:cNvPr>
+          <p:cNvCxnSpPr>
+            <a:cxnSpLocks/>
+            <a:stCxn id="258" idx="2"/>
+            <a:endCxn id="323" idx="0"/>
+          </p:cNvCxnSpPr>
+          <p:nvPr/>
+        </p:nvCxnSpPr>
+        <p:spPr>
+          <a:xfrm rot="5400000">
+            <a:off x="36284773" y="7790240"/>
+            <a:ext cx="381126" cy="1764"/>
+          </a:xfrm>
+          <a:prstGeom prst="bentConnector3">
+            <a:avLst>
+              <a:gd name="adj1" fmla="val 50000"/>
+            </a:avLst>
+          </a:prstGeom>
+          <a:ln w="28575">
+            <a:tailEnd type="arrow"/>
+          </a:ln>
+        </p:spPr>
+        <p:style>
+          <a:lnRef idx="1">
+            <a:schemeClr val="accent1"/>
+          </a:lnRef>
+          <a:fillRef idx="0">
+            <a:schemeClr val="accent1"/>
+          </a:fillRef>
+          <a:effectRef idx="0">
+            <a:schemeClr val="accent1"/>
+          </a:effectRef>
+          <a:fontRef idx="minor">
+            <a:schemeClr val="tx1"/>
+          </a:fontRef>
+        </p:style>
+      </p:cxnSp>
+      <p:cxnSp>
+        <p:nvCxnSpPr>
+          <p:cNvPr id="286" name="Shape 248">
+            <a:extLst>
+              <a:ext uri="{FF2B5EF4-FFF2-40B4-BE49-F238E27FC236}">
+                <a16:creationId xmlns:a16="http://schemas.microsoft.com/office/drawing/2014/main" id="{EB6E88A6-88A3-42F9-BD1A-6684BEB9B8D6}"/>
+              </a:ext>
+            </a:extLst>
+          </p:cNvPr>
+          <p:cNvCxnSpPr>
+            <a:cxnSpLocks/>
+            <a:stCxn id="255" idx="2"/>
+            <a:endCxn id="260" idx="0"/>
+          </p:cNvCxnSpPr>
+          <p:nvPr/>
+        </p:nvCxnSpPr>
+        <p:spPr>
+          <a:xfrm rot="16200000" flipH="1">
+            <a:off x="34289726" y="8568785"/>
+            <a:ext cx="390650" cy="1357401"/>
+          </a:xfrm>
+          <a:prstGeom prst="bentConnector3">
+            <a:avLst>
+              <a:gd name="adj1" fmla="val 50000"/>
+            </a:avLst>
+          </a:prstGeom>
+          <a:ln w="28575">
+            <a:tailEnd type="arrow"/>
+          </a:ln>
+        </p:spPr>
+        <p:style>
+          <a:lnRef idx="1">
+            <a:schemeClr val="accent1"/>
+          </a:lnRef>
+          <a:fillRef idx="0">
+            <a:schemeClr val="accent1"/>
+          </a:fillRef>
+          <a:effectRef idx="0">
+            <a:schemeClr val="accent1"/>
+          </a:effectRef>
+          <a:fontRef idx="minor">
+            <a:schemeClr val="tx1"/>
+          </a:fontRef>
+        </p:style>
+      </p:cxnSp>
+      <p:cxnSp>
+        <p:nvCxnSpPr>
+          <p:cNvPr id="289" name="Shape 248">
+            <a:extLst>
+              <a:ext uri="{FF2B5EF4-FFF2-40B4-BE49-F238E27FC236}">
+                <a16:creationId xmlns:a16="http://schemas.microsoft.com/office/drawing/2014/main" id="{B02C59D2-F9E9-489C-9E27-CE850599413C}"/>
+              </a:ext>
+            </a:extLst>
+          </p:cNvPr>
+          <p:cNvCxnSpPr>
+            <a:cxnSpLocks/>
+            <a:stCxn id="323" idx="2"/>
+            <a:endCxn id="260" idx="0"/>
+          </p:cNvCxnSpPr>
+          <p:nvPr/>
+        </p:nvCxnSpPr>
+        <p:spPr>
+          <a:xfrm rot="5400000">
+            <a:off x="35628540" y="8596897"/>
+            <a:ext cx="381126" cy="1310702"/>
+          </a:xfrm>
+          <a:prstGeom prst="bentConnector3">
+            <a:avLst>
+              <a:gd name="adj1" fmla="val 50000"/>
+            </a:avLst>
+          </a:prstGeom>
+          <a:ln w="28575">
+            <a:tailEnd type="arrow"/>
+          </a:ln>
+        </p:spPr>
+        <p:style>
+          <a:lnRef idx="1">
+            <a:schemeClr val="accent1"/>
+          </a:lnRef>
+          <a:fillRef idx="0">
+            <a:schemeClr val="accent1"/>
+          </a:fillRef>
+          <a:effectRef idx="0">
+            <a:schemeClr val="accent1"/>
+          </a:effectRef>
+          <a:fontRef idx="minor">
+            <a:schemeClr val="tx1"/>
+          </a:fontRef>
+        </p:style>
+      </p:cxnSp>
+      <p:cxnSp>
+        <p:nvCxnSpPr>
+          <p:cNvPr id="292" name="Shape 248">
+            <a:extLst>
+              <a:ext uri="{FF2B5EF4-FFF2-40B4-BE49-F238E27FC236}">
+                <a16:creationId xmlns:a16="http://schemas.microsoft.com/office/drawing/2014/main" id="{8B496B63-0C0F-4927-8651-F1B95AF109E8}"/>
+              </a:ext>
+            </a:extLst>
+          </p:cNvPr>
+          <p:cNvCxnSpPr>
+            <a:cxnSpLocks/>
+            <a:stCxn id="261" idx="2"/>
+            <a:endCxn id="259" idx="0"/>
+          </p:cNvCxnSpPr>
+          <p:nvPr/>
+        </p:nvCxnSpPr>
+        <p:spPr>
+          <a:xfrm rot="5400000">
+            <a:off x="38253803" y="8584718"/>
+            <a:ext cx="377123" cy="1307563"/>
+          </a:xfrm>
+          <a:prstGeom prst="bentConnector3">
+            <a:avLst>
+              <a:gd name="adj1" fmla="val 50000"/>
+            </a:avLst>
+          </a:prstGeom>
+          <a:ln w="28575">
+            <a:tailEnd type="arrow"/>
+          </a:ln>
+        </p:spPr>
+        <p:style>
+          <a:lnRef idx="1">
+            <a:schemeClr val="accent1"/>
+          </a:lnRef>
+          <a:fillRef idx="0">
+            <a:schemeClr val="accent1"/>
+          </a:fillRef>
+          <a:effectRef idx="0">
+            <a:schemeClr val="accent1"/>
+          </a:effectRef>
+          <a:fontRef idx="minor">
+            <a:schemeClr val="tx1"/>
+          </a:fontRef>
+        </p:style>
+      </p:cxnSp>
+      <p:cxnSp>
+        <p:nvCxnSpPr>
+          <p:cNvPr id="296" name="Shape 248">
+            <a:extLst>
+              <a:ext uri="{FF2B5EF4-FFF2-40B4-BE49-F238E27FC236}">
+                <a16:creationId xmlns:a16="http://schemas.microsoft.com/office/drawing/2014/main" id="{E6DE7C41-4D34-4CBF-97CF-6AF882811621}"/>
+              </a:ext>
+            </a:extLst>
+          </p:cNvPr>
+          <p:cNvCxnSpPr>
+            <a:cxnSpLocks/>
+            <a:stCxn id="198" idx="2"/>
+            <a:endCxn id="266" idx="0"/>
+          </p:cNvCxnSpPr>
+          <p:nvPr/>
+        </p:nvCxnSpPr>
+        <p:spPr>
+          <a:xfrm rot="5400000">
+            <a:off x="40910011" y="8549412"/>
+            <a:ext cx="344803" cy="1350300"/>
+          </a:xfrm>
+          <a:prstGeom prst="bentConnector3">
+            <a:avLst>
+              <a:gd name="adj1" fmla="val 50000"/>
+            </a:avLst>
+          </a:prstGeom>
+          <a:ln w="28575">
+            <a:tailEnd type="arrow"/>
+          </a:ln>
+        </p:spPr>
+        <p:style>
+          <a:lnRef idx="1">
+            <a:schemeClr val="accent1"/>
+          </a:lnRef>
+          <a:fillRef idx="0">
+            <a:schemeClr val="accent1"/>
+          </a:fillRef>
+          <a:effectRef idx="0">
+            <a:schemeClr val="accent1"/>
+          </a:effectRef>
+          <a:fontRef idx="minor">
+            <a:schemeClr val="tx1"/>
+          </a:fontRef>
+        </p:style>
+      </p:cxnSp>
+      <p:cxnSp>
+        <p:nvCxnSpPr>
+          <p:cNvPr id="299" name="Shape 248">
+            <a:extLst>
+              <a:ext uri="{FF2B5EF4-FFF2-40B4-BE49-F238E27FC236}">
+                <a16:creationId xmlns:a16="http://schemas.microsoft.com/office/drawing/2014/main" id="{5847288F-E13F-43FA-AA58-BCF5A8AF3328}"/>
+              </a:ext>
+            </a:extLst>
+          </p:cNvPr>
+          <p:cNvCxnSpPr>
+            <a:cxnSpLocks/>
+            <a:stCxn id="198" idx="2"/>
+            <a:endCxn id="263" idx="0"/>
+          </p:cNvCxnSpPr>
+          <p:nvPr/>
+        </p:nvCxnSpPr>
+        <p:spPr>
+          <a:xfrm rot="16200000" flipH="1">
+            <a:off x="42250106" y="8559617"/>
+            <a:ext cx="344803" cy="1329890"/>
+          </a:xfrm>
+          <a:prstGeom prst="bentConnector3">
+            <a:avLst>
+              <a:gd name="adj1" fmla="val 50000"/>
+            </a:avLst>
+          </a:prstGeom>
+          <a:ln w="28575">
+            <a:tailEnd type="arrow"/>
+          </a:ln>
+        </p:spPr>
+        <p:style>
+          <a:lnRef idx="1">
+            <a:schemeClr val="accent1"/>
+          </a:lnRef>
+          <a:fillRef idx="0">
+            <a:schemeClr val="accent1"/>
+          </a:fillRef>
+          <a:effectRef idx="0">
+            <a:schemeClr val="accent1"/>
+          </a:effectRef>
+          <a:fontRef idx="minor">
+            <a:schemeClr val="tx1"/>
+          </a:fontRef>
+        </p:style>
+      </p:cxnSp>
+      <p:cxnSp>
+        <p:nvCxnSpPr>
+          <p:cNvPr id="303" name="Shape 248">
+            <a:extLst>
+              <a:ext uri="{FF2B5EF4-FFF2-40B4-BE49-F238E27FC236}">
+                <a16:creationId xmlns:a16="http://schemas.microsoft.com/office/drawing/2014/main" id="{C80F61D8-ADF1-4B65-8A1E-844EE7901F2F}"/>
+              </a:ext>
+            </a:extLst>
+          </p:cNvPr>
+          <p:cNvCxnSpPr>
+            <a:cxnSpLocks/>
+            <a:stCxn id="266" idx="2"/>
+            <a:endCxn id="194" idx="0"/>
+          </p:cNvCxnSpPr>
+          <p:nvPr/>
+        </p:nvCxnSpPr>
+        <p:spPr>
+          <a:xfrm rot="16200000" flipH="1">
+            <a:off x="40917863" y="9966363"/>
+            <a:ext cx="329099" cy="1350300"/>
+          </a:xfrm>
+          <a:prstGeom prst="bentConnector3">
+            <a:avLst>
+              <a:gd name="adj1" fmla="val 50000"/>
+            </a:avLst>
+          </a:prstGeom>
+          <a:ln w="28575">
+            <a:prstDash val="dash"/>
+            <a:tailEnd type="arrow"/>
+          </a:ln>
+        </p:spPr>
+        <p:style>
+          <a:lnRef idx="1">
+            <a:schemeClr val="accent1"/>
+          </a:lnRef>
+          <a:fillRef idx="0">
+            <a:schemeClr val="accent1"/>
+          </a:fillRef>
+          <a:effectRef idx="0">
+            <a:schemeClr val="accent1"/>
+          </a:effectRef>
+          <a:fontRef idx="minor">
+            <a:schemeClr val="tx1"/>
+          </a:fontRef>
+        </p:style>
+      </p:cxnSp>
+      <p:cxnSp>
+        <p:nvCxnSpPr>
+          <p:cNvPr id="306" name="Shape 248">
+            <a:extLst>
+              <a:ext uri="{FF2B5EF4-FFF2-40B4-BE49-F238E27FC236}">
+                <a16:creationId xmlns:a16="http://schemas.microsoft.com/office/drawing/2014/main" id="{43615F59-8DE9-4A52-A00D-280ED942E214}"/>
+              </a:ext>
+            </a:extLst>
+          </p:cNvPr>
+          <p:cNvCxnSpPr>
+            <a:cxnSpLocks/>
+            <a:stCxn id="263" idx="2"/>
+            <a:endCxn id="194" idx="0"/>
+          </p:cNvCxnSpPr>
+          <p:nvPr/>
+        </p:nvCxnSpPr>
+        <p:spPr>
+          <a:xfrm rot="5400000">
+            <a:off x="42257958" y="9976568"/>
+            <a:ext cx="329099" cy="1329890"/>
+          </a:xfrm>
+          <a:prstGeom prst="bentConnector3">
+            <a:avLst>
+              <a:gd name="adj1" fmla="val 50000"/>
+            </a:avLst>
+          </a:prstGeom>
+          <a:ln w="28575">
+            <a:prstDash val="dash"/>
+            <a:tailEnd type="arrow"/>
+          </a:ln>
+        </p:spPr>
+        <p:style>
+          <a:lnRef idx="1">
+            <a:schemeClr val="accent1"/>
+          </a:lnRef>
+          <a:fillRef idx="0">
+            <a:schemeClr val="accent1"/>
+          </a:fillRef>
+          <a:effectRef idx="0">
+            <a:schemeClr val="accent1"/>
+          </a:effectRef>
+          <a:fontRef idx="minor">
+            <a:schemeClr val="tx1"/>
+          </a:fontRef>
+        </p:style>
+      </p:cxnSp>
+      <p:cxnSp>
+        <p:nvCxnSpPr>
+          <p:cNvPr id="310" name="Shape 248">
+            <a:extLst>
+              <a:ext uri="{FF2B5EF4-FFF2-40B4-BE49-F238E27FC236}">
+                <a16:creationId xmlns:a16="http://schemas.microsoft.com/office/drawing/2014/main" id="{3E568EFD-AB22-4B1D-ABAE-A49289BD4CD7}"/>
+              </a:ext>
+            </a:extLst>
+          </p:cNvPr>
+          <p:cNvCxnSpPr>
+            <a:cxnSpLocks/>
+            <a:stCxn id="266" idx="2"/>
+            <a:endCxn id="204" idx="0"/>
+          </p:cNvCxnSpPr>
+          <p:nvPr/>
+        </p:nvCxnSpPr>
+        <p:spPr>
+          <a:xfrm rot="5400000">
+            <a:off x="39585512" y="9987598"/>
+            <a:ext cx="332384" cy="1311117"/>
+          </a:xfrm>
+          <a:prstGeom prst="bentConnector3">
+            <a:avLst>
+              <a:gd name="adj1" fmla="val 50000"/>
+            </a:avLst>
+          </a:prstGeom>
+          <a:ln w="28575">
+            <a:tailEnd type="arrow"/>
+          </a:ln>
+        </p:spPr>
+        <p:style>
+          <a:lnRef idx="1">
+            <a:schemeClr val="accent1"/>
+          </a:lnRef>
+          <a:fillRef idx="0">
+            <a:schemeClr val="accent1"/>
+          </a:fillRef>
+          <a:effectRef idx="0">
+            <a:schemeClr val="accent1"/>
+          </a:effectRef>
+          <a:fontRef idx="minor">
+            <a:schemeClr val="tx1"/>
+          </a:fontRef>
+        </p:style>
+      </p:cxnSp>
+      <p:cxnSp>
+        <p:nvCxnSpPr>
+          <p:cNvPr id="312" name="Shape 248">
+            <a:extLst>
+              <a:ext uri="{FF2B5EF4-FFF2-40B4-BE49-F238E27FC236}">
+                <a16:creationId xmlns:a16="http://schemas.microsoft.com/office/drawing/2014/main" id="{EF759961-7159-4379-AA26-833B860B0ED0}"/>
+              </a:ext>
+            </a:extLst>
+          </p:cNvPr>
+          <p:cNvCxnSpPr>
+            <a:cxnSpLocks/>
+            <a:stCxn id="266" idx="2"/>
+            <a:endCxn id="201" idx="0"/>
+          </p:cNvCxnSpPr>
+          <p:nvPr/>
+        </p:nvCxnSpPr>
+        <p:spPr>
+          <a:xfrm rot="16200000" flipH="1">
+            <a:off x="39534207" y="11350018"/>
+            <a:ext cx="1752461" cy="6351"/>
+          </a:xfrm>
+          <a:prstGeom prst="bentConnector3">
+            <a:avLst>
+              <a:gd name="adj1" fmla="val 50000"/>
+            </a:avLst>
+          </a:prstGeom>
+          <a:ln w="28575">
+            <a:tailEnd type="arrow"/>
+          </a:ln>
+        </p:spPr>
+        <p:style>
+          <a:lnRef idx="1">
+            <a:schemeClr val="accent1"/>
+          </a:lnRef>
+          <a:fillRef idx="0">
+            <a:schemeClr val="accent1"/>
+          </a:fillRef>
+          <a:effectRef idx="0">
+            <a:schemeClr val="accent1"/>
+          </a:effectRef>
+          <a:fontRef idx="minor">
+            <a:schemeClr val="tx1"/>
+          </a:fontRef>
+        </p:style>
+      </p:cxnSp>
+      <p:cxnSp>
+        <p:nvCxnSpPr>
+          <p:cNvPr id="317" name="Shape 248">
+            <a:extLst>
+              <a:ext uri="{FF2B5EF4-FFF2-40B4-BE49-F238E27FC236}">
+                <a16:creationId xmlns:a16="http://schemas.microsoft.com/office/drawing/2014/main" id="{7F1D5B0D-BF85-4F7E-8FDE-7B0B73F1D859}"/>
+              </a:ext>
+            </a:extLst>
+          </p:cNvPr>
+          <p:cNvCxnSpPr>
+            <a:cxnSpLocks/>
+            <a:stCxn id="266" idx="2"/>
+            <a:endCxn id="203" idx="0"/>
+          </p:cNvCxnSpPr>
+          <p:nvPr/>
+        </p:nvCxnSpPr>
+        <p:spPr>
+          <a:xfrm rot="16200000" flipH="1">
+            <a:off x="40872190" y="10012036"/>
+            <a:ext cx="1750335" cy="2680190"/>
+          </a:xfrm>
+          <a:prstGeom prst="bentConnector3">
+            <a:avLst>
+              <a:gd name="adj1" fmla="val 9444"/>
+            </a:avLst>
+          </a:prstGeom>
+          <a:ln w="28575">
+            <a:tailEnd type="arrow"/>
+          </a:ln>
+        </p:spPr>
+        <p:style>
+          <a:lnRef idx="1">
+            <a:schemeClr val="accent1"/>
+          </a:lnRef>
+          <a:fillRef idx="0">
+            <a:schemeClr val="accent1"/>
+          </a:fillRef>
+          <a:effectRef idx="0">
+            <a:schemeClr val="accent1"/>
+          </a:effectRef>
+          <a:fontRef idx="minor">
+            <a:schemeClr val="tx1"/>
+          </a:fontRef>
+        </p:style>
+      </p:cxnSp>
+      <p:sp>
+        <p:nvSpPr>
+          <p:cNvPr id="324" name="Прямоугольник 323">
+            <a:extLst>
+              <a:ext uri="{FF2B5EF4-FFF2-40B4-BE49-F238E27FC236}">
+                <a16:creationId xmlns:a16="http://schemas.microsoft.com/office/drawing/2014/main" id="{090D5B30-D28E-45E5-80C9-AC7113668184}"/>
+              </a:ext>
+            </a:extLst>
+          </p:cNvPr>
+          <p:cNvSpPr/>
+          <p:nvPr/>
+        </p:nvSpPr>
+        <p:spPr>
+          <a:xfrm>
+            <a:off x="43372832" y="10798642"/>
+            <a:ext cx="2115918" cy="1080000"/>
+          </a:xfrm>
+          <a:prstGeom prst="rect">
+            <a:avLst/>
+          </a:prstGeom>
+          <a:solidFill>
+            <a:srgbClr val="FFC000"/>
+          </a:solidFill>
+          <a:ln w="28575"/>
+        </p:spPr>
+        <p:style>
+          <a:lnRef idx="2">
+            <a:schemeClr val="accent1"/>
+          </a:lnRef>
+          <a:fillRef idx="1">
+            <a:schemeClr val="lt1"/>
+          </a:fillRef>
+          <a:effectRef idx="0">
+            <a:schemeClr val="accent1"/>
+          </a:effectRef>
+          <a:fontRef idx="minor">
+            <a:schemeClr val="dk1"/>
+          </a:fontRef>
+        </p:style>
+        <p:txBody>
+          <a:bodyPr lIns="124733" tIns="62367" rIns="124733" bIns="62367" rtlCol="0" anchor="ctr"/>
+          <a:lstStyle/>
+          <a:p>
+            <a:pPr algn="ctr"/>
+            <a:r>
+              <a:rPr lang="ru-RU" sz="1400" dirty="0"/>
+              <a:t>Объявить войну колонизаторам (войну евро державам у кого есть терки в </a:t>
+            </a:r>
+            <a:r>
+              <a:rPr lang="ru-RU" sz="1400" dirty="0" err="1"/>
+              <a:t>африке</a:t>
+            </a:r>
+            <a:r>
+              <a:rPr lang="ru-RU" sz="1400" dirty="0"/>
+              <a:t>)</a:t>
+            </a:r>
+            <a:endParaRPr lang="ru-RU" sz="500" dirty="0"/>
+          </a:p>
+        </p:txBody>
+      </p:sp>
+      <p:cxnSp>
+        <p:nvCxnSpPr>
+          <p:cNvPr id="325" name="Shape 248">
+            <a:extLst>
+              <a:ext uri="{FF2B5EF4-FFF2-40B4-BE49-F238E27FC236}">
+                <a16:creationId xmlns:a16="http://schemas.microsoft.com/office/drawing/2014/main" id="{7C694EB8-431B-486D-BF60-285B9805A151}"/>
+              </a:ext>
+            </a:extLst>
+          </p:cNvPr>
+          <p:cNvCxnSpPr>
+            <a:cxnSpLocks/>
+            <a:stCxn id="266" idx="2"/>
+            <a:endCxn id="324" idx="0"/>
+          </p:cNvCxnSpPr>
+          <p:nvPr/>
+        </p:nvCxnSpPr>
+        <p:spPr>
+          <a:xfrm rot="16200000" flipH="1">
+            <a:off x="42258187" y="8626038"/>
+            <a:ext cx="321678" cy="4023529"/>
+          </a:xfrm>
+          <a:prstGeom prst="bentConnector3">
+            <a:avLst>
+              <a:gd name="adj1" fmla="val 50000"/>
+            </a:avLst>
+          </a:prstGeom>
+          <a:ln w="28575">
+            <a:tailEnd type="arrow"/>
+          </a:ln>
+        </p:spPr>
+        <p:style>
+          <a:lnRef idx="1">
+            <a:schemeClr val="accent1"/>
+          </a:lnRef>
+          <a:fillRef idx="0">
+            <a:schemeClr val="accent1"/>
+          </a:fillRef>
+          <a:effectRef idx="0">
+            <a:schemeClr val="accent1"/>
+          </a:effectRef>
+          <a:fontRef idx="minor">
+            <a:schemeClr val="tx1"/>
+          </a:fontRef>
+        </p:style>
+      </p:cxnSp>
     </p:spTree>
     <p:extLst>
       <p:ext uri="{BB962C8B-B14F-4D97-AF65-F5344CB8AC3E}">

--- a/Наработки/диздоки/ЮАС/ЮАС.pptx
+++ b/Наработки/диздоки/ЮАС/ЮАС.pptx
@@ -209,7 +209,7 @@
             <a:fld id="{33E3D7F9-E251-484C-A6FF-FA958879DF69}" type="datetimeFigureOut">
               <a:rPr lang="ru-RU" smtClean="0"/>
               <a:pPr/>
-              <a:t>27.02.2023</a:t>
+              <a:t>04.04.2023</a:t>
             </a:fld>
             <a:endParaRPr lang="ru-RU"/>
           </a:p>
@@ -699,7 +699,7 @@
             <a:fld id="{85A5DE44-605B-4D3B-B2B7-94543DF81A36}" type="datetimeFigureOut">
               <a:rPr lang="ru-RU" smtClean="0"/>
               <a:pPr/>
-              <a:t>27.02.2023</a:t>
+              <a:t>04.04.2023</a:t>
             </a:fld>
             <a:endParaRPr lang="ru-RU"/>
           </a:p>
@@ -871,7 +871,7 @@
             <a:fld id="{85A5DE44-605B-4D3B-B2B7-94543DF81A36}" type="datetimeFigureOut">
               <a:rPr lang="ru-RU" smtClean="0"/>
               <a:pPr/>
-              <a:t>27.02.2023</a:t>
+              <a:t>04.04.2023</a:t>
             </a:fld>
             <a:endParaRPr lang="ru-RU"/>
           </a:p>
@@ -1053,7 +1053,7 @@
             <a:fld id="{85A5DE44-605B-4D3B-B2B7-94543DF81A36}" type="datetimeFigureOut">
               <a:rPr lang="ru-RU" smtClean="0"/>
               <a:pPr/>
-              <a:t>27.02.2023</a:t>
+              <a:t>04.04.2023</a:t>
             </a:fld>
             <a:endParaRPr lang="ru-RU"/>
           </a:p>
@@ -1225,7 +1225,7 @@
             <a:fld id="{85A5DE44-605B-4D3B-B2B7-94543DF81A36}" type="datetimeFigureOut">
               <a:rPr lang="ru-RU" smtClean="0"/>
               <a:pPr/>
-              <a:t>27.02.2023</a:t>
+              <a:t>04.04.2023</a:t>
             </a:fld>
             <a:endParaRPr lang="ru-RU"/>
           </a:p>
@@ -1473,7 +1473,7 @@
             <a:fld id="{85A5DE44-605B-4D3B-B2B7-94543DF81A36}" type="datetimeFigureOut">
               <a:rPr lang="ru-RU" smtClean="0"/>
               <a:pPr/>
-              <a:t>27.02.2023</a:t>
+              <a:t>04.04.2023</a:t>
             </a:fld>
             <a:endParaRPr lang="ru-RU"/>
           </a:p>
@@ -1707,7 +1707,7 @@
             <a:fld id="{85A5DE44-605B-4D3B-B2B7-94543DF81A36}" type="datetimeFigureOut">
               <a:rPr lang="ru-RU" smtClean="0"/>
               <a:pPr/>
-              <a:t>27.02.2023</a:t>
+              <a:t>04.04.2023</a:t>
             </a:fld>
             <a:endParaRPr lang="ru-RU"/>
           </a:p>
@@ -2076,7 +2076,7 @@
             <a:fld id="{85A5DE44-605B-4D3B-B2B7-94543DF81A36}" type="datetimeFigureOut">
               <a:rPr lang="ru-RU" smtClean="0"/>
               <a:pPr/>
-              <a:t>27.02.2023</a:t>
+              <a:t>04.04.2023</a:t>
             </a:fld>
             <a:endParaRPr lang="ru-RU"/>
           </a:p>
@@ -2196,7 +2196,7 @@
             <a:fld id="{85A5DE44-605B-4D3B-B2B7-94543DF81A36}" type="datetimeFigureOut">
               <a:rPr lang="ru-RU" smtClean="0"/>
               <a:pPr/>
-              <a:t>27.02.2023</a:t>
+              <a:t>04.04.2023</a:t>
             </a:fld>
             <a:endParaRPr lang="ru-RU"/>
           </a:p>
@@ -2293,7 +2293,7 @@
             <a:fld id="{85A5DE44-605B-4D3B-B2B7-94543DF81A36}" type="datetimeFigureOut">
               <a:rPr lang="ru-RU" smtClean="0"/>
               <a:pPr/>
-              <a:t>27.02.2023</a:t>
+              <a:t>04.04.2023</a:t>
             </a:fld>
             <a:endParaRPr lang="ru-RU"/>
           </a:p>
@@ -2572,7 +2572,7 @@
             <a:fld id="{85A5DE44-605B-4D3B-B2B7-94543DF81A36}" type="datetimeFigureOut">
               <a:rPr lang="ru-RU" smtClean="0"/>
               <a:pPr/>
-              <a:t>27.02.2023</a:t>
+              <a:t>04.04.2023</a:t>
             </a:fld>
             <a:endParaRPr lang="ru-RU"/>
           </a:p>
@@ -2831,7 +2831,7 @@
             <a:fld id="{85A5DE44-605B-4D3B-B2B7-94543DF81A36}" type="datetimeFigureOut">
               <a:rPr lang="ru-RU" smtClean="0"/>
               <a:pPr/>
-              <a:t>27.02.2023</a:t>
+              <a:t>04.04.2023</a:t>
             </a:fld>
             <a:endParaRPr lang="ru-RU"/>
           </a:p>
@@ -3046,7 +3046,7 @@
             <a:fld id="{85A5DE44-605B-4D3B-B2B7-94543DF81A36}" type="datetimeFigureOut">
               <a:rPr lang="ru-RU" smtClean="0"/>
               <a:pPr/>
-              <a:t>27.02.2023</a:t>
+              <a:t>04.04.2023</a:t>
             </a:fld>
             <a:endParaRPr lang="ru-RU"/>
           </a:p>
@@ -3571,7 +3571,7 @@
             <a:pPr algn="ctr"/>
             <a:r>
               <a:rPr lang="ru-RU" sz="3200" dirty="0"/>
-              <a:t>160 фокусов</a:t>
+              <a:t>86 фокусов</a:t>
             </a:r>
           </a:p>
         </p:txBody>
@@ -6429,7 +6429,7 @@
         </p:nvSpPr>
         <p:spPr>
           <a:xfrm>
-            <a:off x="23363277" y="5073747"/>
+            <a:off x="27396758" y="7951981"/>
             <a:ext cx="2115918" cy="1080000"/>
           </a:xfrm>
           <a:prstGeom prst="rect">
@@ -6485,7 +6485,7 @@
         </p:nvSpPr>
         <p:spPr>
           <a:xfrm>
-            <a:off x="28879026" y="5110253"/>
+            <a:off x="24711610" y="7951981"/>
             <a:ext cx="2115918" cy="1080000"/>
           </a:xfrm>
           <a:prstGeom prst="rect">
@@ -6638,11 +6638,7 @@
             <a:pPr algn="ctr"/>
             <a:r>
               <a:rPr lang="ru-RU" sz="1400" dirty="0"/>
-              <a:t>Принять Хартию Свободы </a:t>
-            </a:r>
-            <a:r>
-              <a:rPr lang="ru-RU" sz="600" dirty="0"/>
-              <a:t>(Хартия свободы была заявлением об основных принципах Альянса Южноафриканского конгресса , в который входили Африканский национальный конгресс (АНК) и его союзники: Южноафриканский индийский конгресс , Южноафриканский конгресс демократов и Конгресс цветных людей . Он характеризуется вступительным требованием: «Управлять должен народ!»)</a:t>
+              <a:t>Принять Хартию Свободы</a:t>
             </a:r>
             <a:endParaRPr lang="ru-RU" sz="800" dirty="0"/>
           </a:p>
@@ -7211,10 +7207,6 @@
             <a:r>
               <a:rPr lang="ru-RU" sz="1400" dirty="0"/>
               <a:t>Дать всем равные права и голоса! </a:t>
-            </a:r>
-            <a:r>
-              <a:rPr lang="ru-RU" sz="900" dirty="0"/>
-              <a:t>(Каждый мужчина и женщина должны иметь право голосовать и баллотироваться в качестве кандидата во все органы, принимающие законы; Все люди имеют равное право)</a:t>
             </a:r>
             <a:endParaRPr lang="ru-RU" sz="500" dirty="0"/>
           </a:p>
@@ -10030,7 +10022,7 @@
         </p:nvSpPr>
         <p:spPr>
           <a:xfrm>
-            <a:off x="26061437" y="5093039"/>
+            <a:off x="27396758" y="5099389"/>
             <a:ext cx="2115918" cy="1080000"/>
           </a:xfrm>
           <a:prstGeom prst="rect">
@@ -10154,7 +10146,7 @@
         </p:nvCxnSpPr>
         <p:spPr>
           <a:xfrm>
-            <a:off x="41465222" y="7054209"/>
+            <a:off x="37342124" y="7124607"/>
             <a:ext cx="570355" cy="0"/>
           </a:xfrm>
           <a:prstGeom prst="line">
@@ -10251,7 +10243,7 @@
         </p:nvSpPr>
         <p:spPr>
           <a:xfrm>
-            <a:off x="30078525" y="6526911"/>
+            <a:off x="30081906" y="6518619"/>
             <a:ext cx="2115918" cy="1080000"/>
           </a:xfrm>
           <a:prstGeom prst="rect">
@@ -10307,7 +10299,7 @@
         </p:nvSpPr>
         <p:spPr>
           <a:xfrm>
-            <a:off x="24717116" y="7957675"/>
+            <a:off x="23381708" y="9430111"/>
             <a:ext cx="2115918" cy="1080000"/>
           </a:xfrm>
           <a:prstGeom prst="rect">
@@ -10340,62 +10332,6 @@
             <a:r>
               <a:rPr lang="ru-RU" sz="1400" dirty="0"/>
               <a:t>Вступить в Коминтерн </a:t>
-            </a:r>
-            <a:r>
-              <a:rPr lang="ru-RU" sz="1050" dirty="0"/>
-              <a:t>(Текущее)</a:t>
-            </a:r>
-            <a:endParaRPr lang="ru-RU" sz="800" dirty="0"/>
-          </a:p>
-        </p:txBody>
-      </p:sp>
-      <p:sp>
-        <p:nvSpPr>
-          <p:cNvPr id="185" name="Прямоугольник 184">
-            <a:extLst>
-              <a:ext uri="{FF2B5EF4-FFF2-40B4-BE49-F238E27FC236}">
-                <a16:creationId xmlns:a16="http://schemas.microsoft.com/office/drawing/2014/main" id="{058EE3DC-17CD-4AA3-93E0-8E5381277B21}"/>
-              </a:ext>
-            </a:extLst>
-          </p:cNvPr>
-          <p:cNvSpPr/>
-          <p:nvPr/>
-        </p:nvSpPr>
-        <p:spPr>
-          <a:xfrm>
-            <a:off x="27396845" y="7964025"/>
-            <a:ext cx="2115918" cy="1080000"/>
-          </a:xfrm>
-          <a:prstGeom prst="rect">
-            <a:avLst/>
-          </a:prstGeom>
-          <a:solidFill>
-            <a:srgbClr val="FF0000"/>
-          </a:solidFill>
-          <a:ln w="28575"/>
-        </p:spPr>
-        <p:style>
-          <a:lnRef idx="2">
-            <a:schemeClr val="accent1"/>
-          </a:lnRef>
-          <a:fillRef idx="1">
-            <a:schemeClr val="lt1"/>
-          </a:fillRef>
-          <a:effectRef idx="0">
-            <a:schemeClr val="accent1"/>
-          </a:effectRef>
-          <a:fontRef idx="minor">
-            <a:schemeClr val="dk1"/>
-          </a:fontRef>
-        </p:style>
-        <p:txBody>
-          <a:bodyPr lIns="124733" tIns="62367" rIns="124733" bIns="62367" rtlCol="0" anchor="ctr"/>
-          <a:lstStyle/>
-          <a:p>
-            <a:pPr algn="ctr"/>
-            <a:r>
-              <a:rPr lang="ru-RU" sz="1400" dirty="0"/>
-              <a:t>Комитет освобождения Африки </a:t>
             </a:r>
             <a:r>
               <a:rPr lang="ru-RU" sz="1050" dirty="0"/>
@@ -10464,7 +10400,7 @@
         </p:nvSpPr>
         <p:spPr>
           <a:xfrm>
-            <a:off x="23376732" y="9423760"/>
+            <a:off x="22026724" y="10813193"/>
             <a:ext cx="2115918" cy="1080000"/>
           </a:xfrm>
           <a:prstGeom prst="rect">
@@ -10524,8 +10460,8 @@
         </p:nvCxnSpPr>
         <p:spPr>
           <a:xfrm rot="5400000">
-            <a:off x="24911841" y="8560525"/>
-            <a:ext cx="386085" cy="1340384"/>
+            <a:off x="23610634" y="9984160"/>
+            <a:ext cx="303082" cy="1354984"/>
           </a:xfrm>
           <a:prstGeom prst="bentConnector3">
             <a:avLst>
@@ -10569,8 +10505,8 @@
         </p:nvCxnSpPr>
         <p:spPr>
           <a:xfrm rot="5400000">
-            <a:off x="26274727" y="5669540"/>
-            <a:ext cx="341171" cy="1348168"/>
+            <a:off x="26945563" y="5005055"/>
+            <a:ext cx="334821" cy="2683489"/>
           </a:xfrm>
           <a:prstGeom prst="bentConnector3">
             <a:avLst>
@@ -10614,8 +10550,8 @@
         </p:nvCxnSpPr>
         <p:spPr>
           <a:xfrm rot="16200000" flipH="1">
-            <a:off x="27616515" y="5675920"/>
-            <a:ext cx="341171" cy="1335408"/>
+            <a:off x="28287350" y="6346755"/>
+            <a:ext cx="334821" cy="87"/>
           </a:xfrm>
           <a:prstGeom prst="bentConnector3">
             <a:avLst>
@@ -10659,8 +10595,8 @@
         </p:nvCxnSpPr>
         <p:spPr>
           <a:xfrm rot="16200000" flipH="1">
-            <a:off x="28951004" y="4341431"/>
-            <a:ext cx="353872" cy="4017088"/>
+            <a:off x="29627676" y="5006430"/>
+            <a:ext cx="339230" cy="2685148"/>
           </a:xfrm>
           <a:prstGeom prst="bentConnector3">
             <a:avLst>
@@ -10698,14 +10634,14 @@
           <p:cNvCxnSpPr>
             <a:cxnSpLocks/>
             <a:stCxn id="180" idx="2"/>
-            <a:endCxn id="184" idx="0"/>
+            <a:endCxn id="66" idx="0"/>
           </p:cNvCxnSpPr>
           <p:nvPr/>
         </p:nvCxnSpPr>
         <p:spPr>
-          <a:xfrm rot="16200000" flipH="1">
-            <a:off x="25591419" y="7774018"/>
-            <a:ext cx="363465" cy="3847"/>
+          <a:xfrm rot="5400000">
+            <a:off x="25591514" y="7772266"/>
+            <a:ext cx="357771" cy="1659"/>
           </a:xfrm>
           <a:prstGeom prst="bentConnector3">
             <a:avLst>
@@ -10733,51 +10669,6 @@
       </p:cxnSp>
       <p:cxnSp>
         <p:nvCxnSpPr>
-          <p:cNvPr id="205" name="Shape 248">
-            <a:extLst>
-              <a:ext uri="{FF2B5EF4-FFF2-40B4-BE49-F238E27FC236}">
-                <a16:creationId xmlns:a16="http://schemas.microsoft.com/office/drawing/2014/main" id="{DA836722-2D64-4CE2-9C1C-B09749062132}"/>
-              </a:ext>
-            </a:extLst>
-          </p:cNvPr>
-          <p:cNvCxnSpPr>
-            <a:cxnSpLocks/>
-            <a:stCxn id="182" idx="2"/>
-            <a:endCxn id="185" idx="0"/>
-          </p:cNvCxnSpPr>
-          <p:nvPr/>
-        </p:nvCxnSpPr>
-        <p:spPr>
-          <a:xfrm rot="5400000">
-            <a:off x="28269897" y="7779117"/>
-            <a:ext cx="369815" cy="12700"/>
-          </a:xfrm>
-          <a:prstGeom prst="bentConnector3">
-            <a:avLst>
-              <a:gd name="adj1" fmla="val 50000"/>
-            </a:avLst>
-          </a:prstGeom>
-          <a:ln w="28575">
-            <a:tailEnd type="arrow"/>
-          </a:ln>
-        </p:spPr>
-        <p:style>
-          <a:lnRef idx="1">
-            <a:schemeClr val="accent1"/>
-          </a:lnRef>
-          <a:fillRef idx="0">
-            <a:schemeClr val="accent1"/>
-          </a:fillRef>
-          <a:effectRef idx="0">
-            <a:schemeClr val="accent1"/>
-          </a:effectRef>
-          <a:fontRef idx="minor">
-            <a:schemeClr val="tx1"/>
-          </a:fontRef>
-        </p:style>
-      </p:cxnSp>
-      <p:cxnSp>
-        <p:nvCxnSpPr>
           <p:cNvPr id="208" name="Прямая соединительная линия 207">
             <a:extLst>
               <a:ext uri="{FF2B5EF4-FFF2-40B4-BE49-F238E27FC236}">
@@ -10788,14 +10679,14 @@
           <p:cNvCxnSpPr>
             <a:cxnSpLocks/>
             <a:stCxn id="184" idx="3"/>
-            <a:endCxn id="185" idx="1"/>
+            <a:endCxn id="253" idx="1"/>
           </p:cNvCxnSpPr>
           <p:nvPr/>
         </p:nvCxnSpPr>
         <p:spPr>
           <a:xfrm>
-            <a:off x="26833034" y="8497675"/>
-            <a:ext cx="563811" cy="6350"/>
+            <a:off x="25497626" y="9970111"/>
+            <a:ext cx="563811" cy="1618"/>
           </a:xfrm>
           <a:prstGeom prst="line">
             <a:avLst/>
@@ -10835,7 +10726,7 @@
         </p:nvSpPr>
         <p:spPr>
           <a:xfrm>
-            <a:off x="23376732" y="10799713"/>
+            <a:off x="22036249" y="12304197"/>
             <a:ext cx="2115918" cy="1080000"/>
           </a:xfrm>
           <a:prstGeom prst="rect">
@@ -10891,7 +10782,7 @@
         </p:nvSpPr>
         <p:spPr>
           <a:xfrm>
-            <a:off x="26061437" y="9430111"/>
+            <a:off x="24721135" y="12319741"/>
             <a:ext cx="2115918" cy="1080000"/>
           </a:xfrm>
           <a:prstGeom prst="rect">
@@ -10947,7 +10838,7 @@
         </p:nvSpPr>
         <p:spPr>
           <a:xfrm>
-            <a:off x="26061437" y="10799713"/>
+            <a:off x="26061856" y="13684922"/>
             <a:ext cx="2115918" cy="1080000"/>
           </a:xfrm>
           <a:prstGeom prst="rect">
@@ -11003,7 +10894,7 @@
         </p:nvSpPr>
         <p:spPr>
           <a:xfrm>
-            <a:off x="26055057" y="12227299"/>
+            <a:off x="26055057" y="15112508"/>
             <a:ext cx="2115918" cy="1080000"/>
           </a:xfrm>
           <a:prstGeom prst="rect">
@@ -11059,7 +10950,7 @@
         </p:nvSpPr>
         <p:spPr>
           <a:xfrm>
-            <a:off x="23380833" y="12227299"/>
+            <a:off x="23376249" y="13684922"/>
             <a:ext cx="2115918" cy="1080000"/>
           </a:xfrm>
           <a:prstGeom prst="rect">
@@ -11091,11 +10982,11 @@
             <a:pPr algn="ctr"/>
             <a:r>
               <a:rPr lang="ru-RU" sz="1400" dirty="0"/>
-              <a:t>Освободить Британские колонии </a:t>
+              <a:t>Объединить Южноафриканскую республику </a:t>
             </a:r>
             <a:r>
               <a:rPr lang="ru-RU" sz="1050" dirty="0"/>
-              <a:t>(Текущее)</a:t>
+              <a:t>(новое, сожрать внутренние королевства)</a:t>
             </a:r>
             <a:endParaRPr lang="ru-RU" sz="800" dirty="0"/>
           </a:p>
@@ -11115,7 +11006,7 @@
         </p:nvSpPr>
         <p:spPr>
           <a:xfrm>
-            <a:off x="28729281" y="12227299"/>
+            <a:off x="28735124" y="13684922"/>
             <a:ext cx="2115918" cy="1080000"/>
           </a:xfrm>
           <a:prstGeom prst="rect">
@@ -11147,11 +11038,19 @@
             <a:pPr algn="ctr"/>
             <a:r>
               <a:rPr lang="ru-RU" sz="1400" dirty="0"/>
-              <a:t>Освободить Французские колонии </a:t>
+              <a:t>Потребовать Мадагаскар </a:t>
             </a:r>
             <a:r>
               <a:rPr lang="ru-RU" sz="1050" dirty="0"/>
-              <a:t>(Текущее)</a:t>
+              <a:t>(Новое, сожрать </a:t>
+            </a:r>
+            <a:r>
+              <a:rPr lang="ru-RU" sz="1050" dirty="0" err="1"/>
+              <a:t>мадагаскар</a:t>
+            </a:r>
+            <a:r>
+              <a:rPr lang="ru-RU" sz="1050" dirty="0"/>
+              <a:t>)</a:t>
             </a:r>
             <a:endParaRPr lang="ru-RU" sz="800" dirty="0"/>
           </a:p>
@@ -11174,9 +11073,9 @@
           <p:nvPr/>
         </p:nvCxnSpPr>
         <p:spPr>
-          <a:xfrm rot="5400000">
-            <a:off x="24286715" y="10651736"/>
-            <a:ext cx="295953" cy="12700"/>
+          <a:xfrm rot="16200000" flipH="1">
+            <a:off x="22883943" y="12093932"/>
+            <a:ext cx="411004" cy="9525"/>
           </a:xfrm>
           <a:prstGeom prst="bentConnector3">
             <a:avLst>
@@ -11204,118 +11103,28 @@
       </p:cxnSp>
       <p:cxnSp>
         <p:nvCxnSpPr>
-          <p:cNvPr id="220" name="Shape 248">
-            <a:extLst>
-              <a:ext uri="{FF2B5EF4-FFF2-40B4-BE49-F238E27FC236}">
-                <a16:creationId xmlns:a16="http://schemas.microsoft.com/office/drawing/2014/main" id="{DD409085-674C-4C6C-90B0-2DD8083AD116}"/>
+          <p:cNvPr id="224" name="Shape 248">
+            <a:extLst>
+              <a:ext uri="{FF2B5EF4-FFF2-40B4-BE49-F238E27FC236}">
+                <a16:creationId xmlns:a16="http://schemas.microsoft.com/office/drawing/2014/main" id="{458482DB-E941-4E82-968C-B151033B4F35}"/>
               </a:ext>
             </a:extLst>
           </p:cNvPr>
           <p:cNvCxnSpPr>
             <a:cxnSpLocks/>
-            <a:stCxn id="212" idx="2"/>
-            <a:endCxn id="213" idx="0"/>
+            <a:stCxn id="257" idx="2"/>
+            <a:endCxn id="215" idx="0"/>
           </p:cNvCxnSpPr>
           <p:nvPr/>
         </p:nvCxnSpPr>
         <p:spPr>
           <a:xfrm rot="5400000">
-            <a:off x="26974595" y="10654912"/>
-            <a:ext cx="289602" cy="12700"/>
+            <a:off x="24880937" y="11446463"/>
+            <a:ext cx="1791730" cy="2685188"/>
           </a:xfrm>
           <a:prstGeom prst="bentConnector3">
             <a:avLst>
-              <a:gd name="adj1" fmla="val 50000"/>
-            </a:avLst>
-          </a:prstGeom>
-          <a:ln w="28575">
-            <a:tailEnd type="arrow"/>
-          </a:ln>
-        </p:spPr>
-        <p:style>
-          <a:lnRef idx="1">
-            <a:schemeClr val="accent1"/>
-          </a:lnRef>
-          <a:fillRef idx="0">
-            <a:schemeClr val="accent1"/>
-          </a:fillRef>
-          <a:effectRef idx="0">
-            <a:schemeClr val="accent1"/>
-          </a:effectRef>
-          <a:fontRef idx="minor">
-            <a:schemeClr val="tx1"/>
-          </a:fontRef>
-        </p:style>
-      </p:cxnSp>
-      <p:cxnSp>
-        <p:nvCxnSpPr>
-          <p:cNvPr id="224" name="Shape 248">
-            <a:extLst>
-              <a:ext uri="{FF2B5EF4-FFF2-40B4-BE49-F238E27FC236}">
-                <a16:creationId xmlns:a16="http://schemas.microsoft.com/office/drawing/2014/main" id="{458482DB-E941-4E82-968C-B151033B4F35}"/>
-              </a:ext>
-            </a:extLst>
-          </p:cNvPr>
-          <p:cNvCxnSpPr>
-            <a:cxnSpLocks/>
-            <a:stCxn id="213" idx="2"/>
-            <a:endCxn id="215" idx="0"/>
-          </p:cNvCxnSpPr>
-          <p:nvPr/>
-        </p:nvCxnSpPr>
-        <p:spPr>
-          <a:xfrm rot="5400000">
-            <a:off x="25605301" y="10713204"/>
-            <a:ext cx="347586" cy="2680604"/>
-          </a:xfrm>
-          <a:prstGeom prst="bentConnector3">
-            <a:avLst>
-              <a:gd name="adj1" fmla="val 50000"/>
-            </a:avLst>
-          </a:prstGeom>
-          <a:ln w="28575">
-            <a:tailEnd type="arrow"/>
-          </a:ln>
-        </p:spPr>
-        <p:style>
-          <a:lnRef idx="1">
-            <a:schemeClr val="accent1"/>
-          </a:lnRef>
-          <a:fillRef idx="0">
-            <a:schemeClr val="accent1"/>
-          </a:fillRef>
-          <a:effectRef idx="0">
-            <a:schemeClr val="accent1"/>
-          </a:effectRef>
-          <a:fontRef idx="minor">
-            <a:schemeClr val="tx1"/>
-          </a:fontRef>
-        </p:style>
-      </p:cxnSp>
-      <p:cxnSp>
-        <p:nvCxnSpPr>
-          <p:cNvPr id="226" name="Shape 248">
-            <a:extLst>
-              <a:ext uri="{FF2B5EF4-FFF2-40B4-BE49-F238E27FC236}">
-                <a16:creationId xmlns:a16="http://schemas.microsoft.com/office/drawing/2014/main" id="{23A71983-224E-4825-9194-BE84CB86FFEA}"/>
-              </a:ext>
-            </a:extLst>
-          </p:cNvPr>
-          <p:cNvCxnSpPr>
-            <a:cxnSpLocks/>
-            <a:stCxn id="213" idx="2"/>
-            <a:endCxn id="216" idx="0"/>
-          </p:cNvCxnSpPr>
-          <p:nvPr/>
-        </p:nvCxnSpPr>
-        <p:spPr>
-          <a:xfrm rot="16200000" flipH="1">
-            <a:off x="28279525" y="10719584"/>
-            <a:ext cx="347586" cy="2667844"/>
-          </a:xfrm>
-          <a:prstGeom prst="bentConnector3">
-            <a:avLst>
-              <a:gd name="adj1" fmla="val 50000"/>
+              <a:gd name="adj1" fmla="val 12256"/>
             </a:avLst>
           </a:prstGeom>
           <a:ln w="28575">
@@ -11355,8 +11164,8 @@
         </p:nvCxnSpPr>
         <p:spPr>
           <a:xfrm rot="5400000">
-            <a:off x="26942413" y="12050316"/>
-            <a:ext cx="347586" cy="6380"/>
+            <a:off x="26942623" y="14935316"/>
+            <a:ext cx="347586" cy="6799"/>
           </a:xfrm>
           <a:prstGeom prst="bentConnector3">
             <a:avLst>
@@ -11382,26 +11191,82 @@
           </a:fontRef>
         </p:style>
       </p:cxnSp>
+      <p:sp>
+        <p:nvSpPr>
+          <p:cNvPr id="235" name="Прямоугольник 234">
+            <a:extLst>
+              <a:ext uri="{FF2B5EF4-FFF2-40B4-BE49-F238E27FC236}">
+                <a16:creationId xmlns:a16="http://schemas.microsoft.com/office/drawing/2014/main" id="{169ADD3C-7D9B-40F6-B582-CA9FCE0885C3}"/>
+              </a:ext>
+            </a:extLst>
+          </p:cNvPr>
+          <p:cNvSpPr/>
+          <p:nvPr/>
+        </p:nvSpPr>
+        <p:spPr>
+          <a:xfrm>
+            <a:off x="30081906" y="7962475"/>
+            <a:ext cx="2115918" cy="1080000"/>
+          </a:xfrm>
+          <a:prstGeom prst="rect">
+            <a:avLst/>
+          </a:prstGeom>
+          <a:solidFill>
+            <a:srgbClr val="FF0000"/>
+          </a:solidFill>
+          <a:ln w="28575"/>
+        </p:spPr>
+        <p:style>
+          <a:lnRef idx="2">
+            <a:schemeClr val="accent1"/>
+          </a:lnRef>
+          <a:fillRef idx="1">
+            <a:schemeClr val="lt1"/>
+          </a:fillRef>
+          <a:effectRef idx="0">
+            <a:schemeClr val="accent1"/>
+          </a:effectRef>
+          <a:fontRef idx="minor">
+            <a:schemeClr val="dk1"/>
+          </a:fontRef>
+        </p:style>
+        <p:txBody>
+          <a:bodyPr lIns="124733" tIns="62367" rIns="124733" bIns="62367" rtlCol="0" anchor="ctr"/>
+          <a:lstStyle/>
+          <a:p>
+            <a:pPr algn="ctr"/>
+            <a:r>
+              <a:rPr lang="ru-RU" sz="1400" dirty="0"/>
+              <a:t>Провести коллективизацию среди фермеров </a:t>
+            </a:r>
+            <a:r>
+              <a:rPr lang="ru-RU" sz="1050" dirty="0"/>
+              <a:t>(Текущее)</a:t>
+            </a:r>
+            <a:endParaRPr lang="ru-RU" sz="800" dirty="0"/>
+          </a:p>
+        </p:txBody>
+      </p:sp>
       <p:cxnSp>
         <p:nvCxnSpPr>
-          <p:cNvPr id="232" name="Shape 248">
-            <a:extLst>
-              <a:ext uri="{FF2B5EF4-FFF2-40B4-BE49-F238E27FC236}">
-                <a16:creationId xmlns:a16="http://schemas.microsoft.com/office/drawing/2014/main" id="{D180F20F-B0C3-4502-896C-8CAFDD0F5956}"/>
+          <p:cNvPr id="237" name="Shape 248">
+            <a:extLst>
+              <a:ext uri="{FF2B5EF4-FFF2-40B4-BE49-F238E27FC236}">
+                <a16:creationId xmlns:a16="http://schemas.microsoft.com/office/drawing/2014/main" id="{B3D13C37-9FB0-4412-BC63-C2A65F220279}"/>
               </a:ext>
             </a:extLst>
           </p:cNvPr>
           <p:cNvCxnSpPr>
             <a:cxnSpLocks/>
-            <a:stCxn id="183" idx="2"/>
-            <a:endCxn id="235" idx="0"/>
+            <a:stCxn id="253" idx="2"/>
+            <a:endCxn id="257" idx="0"/>
           </p:cNvCxnSpPr>
           <p:nvPr/>
         </p:nvCxnSpPr>
         <p:spPr>
-          <a:xfrm rot="16200000" flipH="1">
-            <a:off x="30954741" y="7788654"/>
-            <a:ext cx="365250" cy="1764"/>
+          <a:xfrm rot="5400000">
+            <a:off x="26968665" y="10662460"/>
+            <a:ext cx="301463" cy="12700"/>
           </a:xfrm>
           <a:prstGeom prst="bentConnector3">
             <a:avLst>
@@ -11409,107 +11274,6 @@
             </a:avLst>
           </a:prstGeom>
           <a:ln w="28575">
-            <a:tailEnd type="arrow"/>
-          </a:ln>
-        </p:spPr>
-        <p:style>
-          <a:lnRef idx="1">
-            <a:schemeClr val="accent1"/>
-          </a:lnRef>
-          <a:fillRef idx="0">
-            <a:schemeClr val="accent1"/>
-          </a:fillRef>
-          <a:effectRef idx="0">
-            <a:schemeClr val="accent1"/>
-          </a:effectRef>
-          <a:fontRef idx="minor">
-            <a:schemeClr val="tx1"/>
-          </a:fontRef>
-        </p:style>
-      </p:cxnSp>
-      <p:sp>
-        <p:nvSpPr>
-          <p:cNvPr id="235" name="Прямоугольник 234">
-            <a:extLst>
-              <a:ext uri="{FF2B5EF4-FFF2-40B4-BE49-F238E27FC236}">
-                <a16:creationId xmlns:a16="http://schemas.microsoft.com/office/drawing/2014/main" id="{169ADD3C-7D9B-40F6-B582-CA9FCE0885C3}"/>
-              </a:ext>
-            </a:extLst>
-          </p:cNvPr>
-          <p:cNvSpPr/>
-          <p:nvPr/>
-        </p:nvSpPr>
-        <p:spPr>
-          <a:xfrm>
-            <a:off x="30080289" y="7972161"/>
-            <a:ext cx="2115918" cy="1080000"/>
-          </a:xfrm>
-          <a:prstGeom prst="rect">
-            <a:avLst/>
-          </a:prstGeom>
-          <a:solidFill>
-            <a:srgbClr val="FF0000"/>
-          </a:solidFill>
-          <a:ln w="28575"/>
-        </p:spPr>
-        <p:style>
-          <a:lnRef idx="2">
-            <a:schemeClr val="accent1"/>
-          </a:lnRef>
-          <a:fillRef idx="1">
-            <a:schemeClr val="lt1"/>
-          </a:fillRef>
-          <a:effectRef idx="0">
-            <a:schemeClr val="accent1"/>
-          </a:effectRef>
-          <a:fontRef idx="minor">
-            <a:schemeClr val="dk1"/>
-          </a:fontRef>
-        </p:style>
-        <p:txBody>
-          <a:bodyPr lIns="124733" tIns="62367" rIns="124733" bIns="62367" rtlCol="0" anchor="ctr"/>
-          <a:lstStyle/>
-          <a:p>
-            <a:pPr algn="ctr"/>
-            <a:r>
-              <a:rPr lang="ru-RU" sz="1400" dirty="0"/>
-              <a:t>Провести коллективизацию среди фермеров </a:t>
-            </a:r>
-            <a:r>
-              <a:rPr lang="ru-RU" sz="1050" dirty="0"/>
-              <a:t>(Текущее)</a:t>
-            </a:r>
-            <a:endParaRPr lang="ru-RU" sz="800" dirty="0"/>
-          </a:p>
-        </p:txBody>
-      </p:sp>
-      <p:cxnSp>
-        <p:nvCxnSpPr>
-          <p:cNvPr id="237" name="Shape 248">
-            <a:extLst>
-              <a:ext uri="{FF2B5EF4-FFF2-40B4-BE49-F238E27FC236}">
-                <a16:creationId xmlns:a16="http://schemas.microsoft.com/office/drawing/2014/main" id="{B3D13C37-9FB0-4412-BC63-C2A65F220279}"/>
-              </a:ext>
-            </a:extLst>
-          </p:cNvPr>
-          <p:cNvCxnSpPr>
-            <a:cxnSpLocks/>
-            <a:stCxn id="185" idx="2"/>
-            <a:endCxn id="212" idx="0"/>
-          </p:cNvCxnSpPr>
-          <p:nvPr/>
-        </p:nvCxnSpPr>
-        <p:spPr>
-          <a:xfrm rot="5400000">
-            <a:off x="27594057" y="8569364"/>
-            <a:ext cx="386086" cy="1335408"/>
-          </a:xfrm>
-          <a:prstGeom prst="bentConnector3">
-            <a:avLst>
-              <a:gd name="adj1" fmla="val 50000"/>
-            </a:avLst>
-          </a:prstGeom>
-          <a:ln w="28575">
             <a:prstDash val="dash"/>
             <a:tailEnd type="arrow"/>
           </a:ln>
@@ -11541,14 +11305,14 @@
           <p:cNvCxnSpPr>
             <a:cxnSpLocks/>
             <a:stCxn id="184" idx="2"/>
-            <a:endCxn id="212" idx="0"/>
+            <a:endCxn id="257" idx="0"/>
           </p:cNvCxnSpPr>
           <p:nvPr/>
         </p:nvCxnSpPr>
         <p:spPr>
           <a:xfrm rot="16200000" flipH="1">
-            <a:off x="26251017" y="8561732"/>
-            <a:ext cx="392436" cy="1344321"/>
+            <a:off x="25627991" y="9321786"/>
+            <a:ext cx="303081" cy="2679729"/>
           </a:xfrm>
           <a:prstGeom prst="bentConnector3">
             <a:avLst>
@@ -12042,7 +11806,7 @@
         </p:nvSpPr>
         <p:spPr>
           <a:xfrm>
-            <a:off x="28762486" y="9438550"/>
+            <a:off x="26061437" y="9431729"/>
             <a:ext cx="2115918" cy="1080000"/>
           </a:xfrm>
           <a:prstGeom prst="rect">
@@ -12074,11 +11838,7 @@
             <a:pPr algn="ctr"/>
             <a:r>
               <a:rPr lang="ru-RU" sz="1400" dirty="0"/>
-              <a:t>Лига национального освобождения </a:t>
-            </a:r>
-            <a:r>
-              <a:rPr lang="ru-RU" sz="500" dirty="0"/>
-              <a:t>(Группа основала Движение за неевропейское единство (NEUM), в котором Табата будет играть центральную роль в течение многих лет, в то время как Гулам Гул представлял группу в аналогичной, но возглавляемой Коммунистической партией Южной Африки Лиге национального освобождения .)</a:t>
+              <a:t>Лига национального освобождения</a:t>
             </a:r>
             <a:endParaRPr lang="ru-RU" sz="800" dirty="0"/>
           </a:p>
@@ -12917,7 +12677,7 @@
         </p:nvSpPr>
         <p:spPr>
           <a:xfrm>
-            <a:off x="35416495" y="7981685"/>
+            <a:off x="33934068" y="13725138"/>
             <a:ext cx="2115918" cy="1080000"/>
           </a:xfrm>
           <a:prstGeom prst="rect">
@@ -12981,7 +12741,7 @@
         </p:nvSpPr>
         <p:spPr>
           <a:xfrm>
-            <a:off x="39349304" y="5093039"/>
+            <a:off x="36500821" y="5139374"/>
             <a:ext cx="2115918" cy="1080000"/>
           </a:xfrm>
           <a:prstGeom prst="rect">
@@ -13013,7 +12773,7 @@
             <a:pPr algn="ctr"/>
             <a:r>
               <a:rPr lang="ru-RU" sz="1400" dirty="0"/>
-              <a:t>Объединиться против апартеида (текущее, но изменить название)</a:t>
+              <a:t>Объединиться против апартеида</a:t>
             </a:r>
             <a:endParaRPr lang="ru-RU" sz="500" dirty="0"/>
           </a:p>
@@ -13033,7 +12793,7 @@
         </p:nvSpPr>
         <p:spPr>
           <a:xfrm>
-            <a:off x="40699603" y="10806063"/>
+            <a:off x="36576505" y="10876461"/>
             <a:ext cx="2115918" cy="1080000"/>
           </a:xfrm>
           <a:prstGeom prst="rect">
@@ -13085,7 +12845,7 @@
         </p:nvSpPr>
         <p:spPr>
           <a:xfrm>
-            <a:off x="39349304" y="6514209"/>
+            <a:off x="35226206" y="6584607"/>
             <a:ext cx="2115918" cy="1080000"/>
           </a:xfrm>
           <a:prstGeom prst="rect">
@@ -13117,7 +12877,7 @@
             <a:pPr algn="ctr"/>
             <a:r>
               <a:rPr lang="ru-RU" sz="1400" dirty="0"/>
-              <a:t>Войти в 4 интернационал (текущее, но изменено название)</a:t>
+              <a:t>Поддержать мировую революцию (вступление в 4 интернационал, но изменено название)</a:t>
             </a:r>
             <a:endParaRPr lang="ru-RU" sz="500" dirty="0"/>
           </a:p>
@@ -13137,7 +12897,7 @@
         </p:nvSpPr>
         <p:spPr>
           <a:xfrm>
-            <a:off x="40699603" y="7972161"/>
+            <a:off x="36576505" y="8042559"/>
             <a:ext cx="2115918" cy="1080000"/>
           </a:xfrm>
           <a:prstGeom prst="rect">
@@ -13169,15 +12929,7 @@
             <a:pPr algn="ctr"/>
             <a:r>
               <a:rPr lang="ru-RU" sz="1400" dirty="0"/>
-              <a:t>Единство угнетённых (текущее +5% </a:t>
-            </a:r>
-            <a:r>
-              <a:rPr lang="ru-RU" sz="1400" dirty="0" err="1"/>
-              <a:t>воен</a:t>
-            </a:r>
-            <a:r>
-              <a:rPr lang="ru-RU" sz="1400" dirty="0"/>
-              <a:t> нас)</a:t>
+              <a:t>Единство угнетённых</a:t>
             </a:r>
             <a:endParaRPr lang="ru-RU" sz="500" dirty="0"/>
           </a:p>
@@ -13197,7 +12949,7 @@
         </p:nvSpPr>
         <p:spPr>
           <a:xfrm>
-            <a:off x="42035577" y="6514209"/>
+            <a:off x="37912479" y="6584607"/>
             <a:ext cx="2115918" cy="1080000"/>
           </a:xfrm>
           <a:prstGeom prst="rect">
@@ -13229,7 +12981,7 @@
             <a:pPr algn="ctr"/>
             <a:r>
               <a:rPr lang="ru-RU" sz="1400" dirty="0"/>
-              <a:t>Расширить движение неевропейского единства (текущее но изменено название)</a:t>
+              <a:t>Расширить движение неевропейского единства</a:t>
             </a:r>
             <a:endParaRPr lang="ru-RU" sz="500" dirty="0"/>
           </a:p>
@@ -13249,7 +13001,7 @@
         </p:nvSpPr>
         <p:spPr>
           <a:xfrm>
-            <a:off x="39355654" y="12229425"/>
+            <a:off x="35232556" y="12299823"/>
             <a:ext cx="2115918" cy="1080000"/>
           </a:xfrm>
           <a:prstGeom prst="rect">
@@ -13301,7 +13053,7 @@
         </p:nvSpPr>
         <p:spPr>
           <a:xfrm>
-            <a:off x="42029493" y="12227299"/>
+            <a:off x="37906395" y="12297697"/>
             <a:ext cx="2115918" cy="1080000"/>
           </a:xfrm>
           <a:prstGeom prst="rect">
@@ -13377,7 +13129,7 @@
         </p:nvSpPr>
         <p:spPr>
           <a:xfrm>
-            <a:off x="38038186" y="10809348"/>
+            <a:off x="33915088" y="10879746"/>
             <a:ext cx="2115918" cy="1080000"/>
           </a:xfrm>
           <a:prstGeom prst="rect">
@@ -13429,7 +13181,7 @@
         </p:nvSpPr>
         <p:spPr>
           <a:xfrm>
-            <a:off x="43372832" y="7968307"/>
+            <a:off x="39249734" y="8038705"/>
             <a:ext cx="2115918" cy="1080000"/>
           </a:xfrm>
           <a:prstGeom prst="rect">
@@ -13469,10 +13221,10 @@
       </p:sp>
       <p:sp>
         <p:nvSpPr>
-          <p:cNvPr id="210" name="Прямоугольник 209">
-            <a:extLst>
-              <a:ext uri="{FF2B5EF4-FFF2-40B4-BE49-F238E27FC236}">
-                <a16:creationId xmlns:a16="http://schemas.microsoft.com/office/drawing/2014/main" id="{49A76E6D-9FAF-4DA1-B715-4486D87253B7}"/>
+          <p:cNvPr id="218" name="Прямоугольник 217">
+            <a:extLst>
+              <a:ext uri="{FF2B5EF4-FFF2-40B4-BE49-F238E27FC236}">
+                <a16:creationId xmlns:a16="http://schemas.microsoft.com/office/drawing/2014/main" id="{84BD2C83-7F0B-495E-A795-68E099A4282C}"/>
               </a:ext>
             </a:extLst>
           </p:cNvPr>
@@ -13481,7 +13233,7 @@
         </p:nvSpPr>
         <p:spPr>
           <a:xfrm>
-            <a:off x="46046061" y="7976015"/>
+            <a:off x="41930837" y="8041865"/>
             <a:ext cx="2115918" cy="1080000"/>
           </a:xfrm>
           <a:prstGeom prst="rect">
@@ -13513,7 +13265,7 @@
             <a:pPr algn="ctr"/>
             <a:r>
               <a:rPr lang="ru-RU" sz="1400" dirty="0"/>
-              <a:t>Пригласить Иран (текущее)</a:t>
+              <a:t>Пригласить Палестину  (текущее)</a:t>
             </a:r>
             <a:endParaRPr lang="ru-RU" sz="500" dirty="0"/>
           </a:p>
@@ -13521,10 +13273,10 @@
       </p:sp>
       <p:sp>
         <p:nvSpPr>
-          <p:cNvPr id="218" name="Прямоугольник 217">
-            <a:extLst>
-              <a:ext uri="{FF2B5EF4-FFF2-40B4-BE49-F238E27FC236}">
-                <a16:creationId xmlns:a16="http://schemas.microsoft.com/office/drawing/2014/main" id="{84BD2C83-7F0B-495E-A795-68E099A4282C}"/>
+          <p:cNvPr id="219" name="Прямоугольник 218">
+            <a:extLst>
+              <a:ext uri="{FF2B5EF4-FFF2-40B4-BE49-F238E27FC236}">
+                <a16:creationId xmlns:a16="http://schemas.microsoft.com/office/drawing/2014/main" id="{068D5A92-12C5-4674-BB60-C9AF6DC376DD}"/>
               </a:ext>
             </a:extLst>
           </p:cNvPr>
@@ -13533,59 +13285,7 @@
         </p:nvSpPr>
         <p:spPr>
           <a:xfrm>
-            <a:off x="47451077" y="9423760"/>
-            <a:ext cx="2115918" cy="1080000"/>
-          </a:xfrm>
-          <a:prstGeom prst="rect">
-            <a:avLst/>
-          </a:prstGeom>
-          <a:solidFill>
-            <a:srgbClr val="FFC000"/>
-          </a:solidFill>
-          <a:ln w="28575"/>
-        </p:spPr>
-        <p:style>
-          <a:lnRef idx="2">
-            <a:schemeClr val="accent1"/>
-          </a:lnRef>
-          <a:fillRef idx="1">
-            <a:schemeClr val="lt1"/>
-          </a:fillRef>
-          <a:effectRef idx="0">
-            <a:schemeClr val="accent1"/>
-          </a:effectRef>
-          <a:fontRef idx="minor">
-            <a:schemeClr val="dk1"/>
-          </a:fontRef>
-        </p:style>
-        <p:txBody>
-          <a:bodyPr lIns="124733" tIns="62367" rIns="124733" bIns="62367" rtlCol="0" anchor="ctr"/>
-          <a:lstStyle/>
-          <a:p>
-            <a:pPr algn="ctr"/>
-            <a:r>
-              <a:rPr lang="ru-RU" sz="1400" dirty="0"/>
-              <a:t>Пригласить Палестину  (текущее)</a:t>
-            </a:r>
-            <a:endParaRPr lang="ru-RU" sz="500" dirty="0"/>
-          </a:p>
-        </p:txBody>
-      </p:sp>
-      <p:sp>
-        <p:nvSpPr>
-          <p:cNvPr id="219" name="Прямоугольник 218">
-            <a:extLst>
-              <a:ext uri="{FF2B5EF4-FFF2-40B4-BE49-F238E27FC236}">
-                <a16:creationId xmlns:a16="http://schemas.microsoft.com/office/drawing/2014/main" id="{068D5A92-12C5-4674-BB60-C9AF6DC376DD}"/>
-              </a:ext>
-            </a:extLst>
-          </p:cNvPr>
-          <p:cNvSpPr/>
-          <p:nvPr/>
-        </p:nvSpPr>
-        <p:spPr>
-          <a:xfrm>
-            <a:off x="44717961" y="9430111"/>
+            <a:off x="40594863" y="9500509"/>
             <a:ext cx="2115918" cy="1080000"/>
           </a:xfrm>
           <a:prstGeom prst="rect">
@@ -13641,8 +13341,8 @@
         </p:nvCxnSpPr>
         <p:spPr>
           <a:xfrm rot="5400000">
-            <a:off x="40236678" y="6343624"/>
-            <a:ext cx="341170" cy="12700"/>
+            <a:off x="36738857" y="5764683"/>
+            <a:ext cx="365233" cy="1274615"/>
           </a:xfrm>
           <a:prstGeom prst="bentConnector3">
             <a:avLst>
@@ -13686,8 +13386,8 @@
         </p:nvCxnSpPr>
         <p:spPr>
           <a:xfrm rot="16200000" flipH="1">
-            <a:off x="41579814" y="5000487"/>
-            <a:ext cx="341170" cy="2686273"/>
+            <a:off x="38081993" y="5696161"/>
+            <a:ext cx="365233" cy="1411658"/>
           </a:xfrm>
           <a:prstGeom prst="bentConnector3">
             <a:avLst>
@@ -13731,53 +13431,8 @@
         </p:nvCxnSpPr>
         <p:spPr>
           <a:xfrm rot="16200000" flipH="1">
-            <a:off x="43575114" y="7112630"/>
+            <a:off x="39452016" y="7183028"/>
             <a:ext cx="374098" cy="1337255"/>
-          </a:xfrm>
-          <a:prstGeom prst="bentConnector3">
-            <a:avLst>
-              <a:gd name="adj1" fmla="val 50000"/>
-            </a:avLst>
-          </a:prstGeom>
-          <a:ln w="28575">
-            <a:tailEnd type="arrow"/>
-          </a:ln>
-        </p:spPr>
-        <p:style>
-          <a:lnRef idx="1">
-            <a:schemeClr val="accent1"/>
-          </a:lnRef>
-          <a:fillRef idx="0">
-            <a:schemeClr val="accent1"/>
-          </a:fillRef>
-          <a:effectRef idx="0">
-            <a:schemeClr val="accent1"/>
-          </a:effectRef>
-          <a:fontRef idx="minor">
-            <a:schemeClr val="tx1"/>
-          </a:fontRef>
-        </p:style>
-      </p:cxnSp>
-      <p:cxnSp>
-        <p:nvCxnSpPr>
-          <p:cNvPr id="230" name="Shape 248">
-            <a:extLst>
-              <a:ext uri="{FF2B5EF4-FFF2-40B4-BE49-F238E27FC236}">
-                <a16:creationId xmlns:a16="http://schemas.microsoft.com/office/drawing/2014/main" id="{CC6BA3EE-0BDC-45C6-9079-829BACD1AD2B}"/>
-              </a:ext>
-            </a:extLst>
-          </p:cNvPr>
-          <p:cNvCxnSpPr>
-            <a:cxnSpLocks/>
-            <a:stCxn id="200" idx="2"/>
-            <a:endCxn id="210" idx="0"/>
-          </p:cNvCxnSpPr>
-          <p:nvPr/>
-        </p:nvCxnSpPr>
-        <p:spPr>
-          <a:xfrm rot="16200000" flipH="1">
-            <a:off x="44907875" y="5779870"/>
-            <a:ext cx="381806" cy="4010484"/>
           </a:xfrm>
           <a:prstGeom prst="bentConnector3">
             <a:avLst>
@@ -13821,12 +13476,12 @@
         </p:nvCxnSpPr>
         <p:spPr>
           <a:xfrm rot="16200000" flipH="1">
-            <a:off x="44886511" y="5801234"/>
-            <a:ext cx="1829551" cy="5415500"/>
+            <a:off x="40790988" y="5844057"/>
+            <a:ext cx="377258" cy="4018358"/>
           </a:xfrm>
           <a:prstGeom prst="bentConnector3">
             <a:avLst>
-              <a:gd name="adj1" fmla="val 10542"/>
+              <a:gd name="adj1" fmla="val 50000"/>
             </a:avLst>
           </a:prstGeom>
           <a:ln w="28575">
@@ -13866,7 +13521,7 @@
         </p:nvCxnSpPr>
         <p:spPr>
           <a:xfrm rot="16200000" flipH="1">
-            <a:off x="43516777" y="7170968"/>
+            <a:off x="39393679" y="7241366"/>
             <a:ext cx="1835902" cy="2682384"/>
           </a:xfrm>
           <a:prstGeom prst="bentConnector3">
@@ -13911,7 +13566,7 @@
         </p:nvCxnSpPr>
         <p:spPr>
           <a:xfrm rot="5400000">
-            <a:off x="42236573" y="7115198"/>
+            <a:off x="38113475" y="7185596"/>
             <a:ext cx="377952" cy="1335974"/>
           </a:xfrm>
           <a:prstGeom prst="bentConnector3">
@@ -13957,7 +13612,7 @@
         </p:nvCxnSpPr>
         <p:spPr>
           <a:xfrm rot="16200000" flipH="1">
-            <a:off x="40893436" y="7108035"/>
+            <a:off x="36770338" y="7178433"/>
             <a:ext cx="377952" cy="1350299"/>
           </a:xfrm>
           <a:prstGeom prst="bentConnector3">
@@ -13999,7 +13654,7 @@
         </p:nvSpPr>
         <p:spPr>
           <a:xfrm>
-            <a:off x="32748392" y="7972161"/>
+            <a:off x="31265965" y="13715614"/>
             <a:ext cx="2115918" cy="1080000"/>
           </a:xfrm>
           <a:prstGeom prst="rect">
@@ -14055,7 +13710,7 @@
         </p:nvSpPr>
         <p:spPr>
           <a:xfrm>
-            <a:off x="28762486" y="10806063"/>
+            <a:off x="26061437" y="10813192"/>
             <a:ext cx="2115918" cy="1080000"/>
           </a:xfrm>
           <a:prstGeom prst="rect">
@@ -14111,7 +13766,7 @@
         </p:nvSpPr>
         <p:spPr>
           <a:xfrm>
-            <a:off x="35418259" y="6520559"/>
+            <a:off x="32650088" y="12339661"/>
             <a:ext cx="2115918" cy="1080000"/>
           </a:xfrm>
           <a:prstGeom prst="rect">
@@ -14167,7 +13822,7 @@
         </p:nvSpPr>
         <p:spPr>
           <a:xfrm>
-            <a:off x="36730623" y="9427061"/>
+            <a:off x="35248196" y="15170514"/>
             <a:ext cx="2115918" cy="1080000"/>
           </a:xfrm>
           <a:prstGeom prst="rect">
@@ -14222,7 +13877,7 @@
         </p:nvSpPr>
         <p:spPr>
           <a:xfrm>
-            <a:off x="34105793" y="9442811"/>
+            <a:off x="32623366" y="15186264"/>
             <a:ext cx="2115918" cy="1080000"/>
           </a:xfrm>
           <a:prstGeom prst="rect">
@@ -14278,7 +13933,7 @@
         </p:nvSpPr>
         <p:spPr>
           <a:xfrm>
-            <a:off x="38038186" y="7969938"/>
+            <a:off x="36555759" y="13713391"/>
             <a:ext cx="2115918" cy="1080000"/>
           </a:xfrm>
           <a:prstGeom prst="rect">
@@ -14342,7 +13997,7 @@
         </p:nvSpPr>
         <p:spPr>
           <a:xfrm>
-            <a:off x="32748392" y="6514208"/>
+            <a:off x="33971180" y="8074522"/>
             <a:ext cx="2115918" cy="1080000"/>
           </a:xfrm>
           <a:prstGeom prst="rect">
@@ -14398,7 +14053,7 @@
         </p:nvSpPr>
         <p:spPr>
           <a:xfrm>
-            <a:off x="42029493" y="9396964"/>
+            <a:off x="37906395" y="9467362"/>
             <a:ext cx="2115918" cy="1080000"/>
           </a:xfrm>
           <a:prstGeom prst="rect">
@@ -14454,7 +14109,7 @@
         </p:nvSpPr>
         <p:spPr>
           <a:xfrm>
-            <a:off x="39349303" y="9396964"/>
+            <a:off x="35226205" y="9467362"/>
             <a:ext cx="2115918" cy="1080000"/>
           </a:xfrm>
           <a:prstGeom prst="rect">
@@ -14518,7 +14173,7 @@
         </p:nvSpPr>
         <p:spPr>
           <a:xfrm>
-            <a:off x="48817636" y="7955781"/>
+            <a:off x="43283331" y="9430111"/>
             <a:ext cx="2115918" cy="1080000"/>
           </a:xfrm>
           <a:prstGeom prst="rect">
@@ -14574,12 +14229,12 @@
         </p:nvCxnSpPr>
         <p:spPr>
           <a:xfrm rot="16200000" flipH="1">
-            <a:off x="46303779" y="4383965"/>
-            <a:ext cx="361572" cy="6782059"/>
+            <a:off x="40773112" y="5861933"/>
+            <a:ext cx="1765504" cy="5370852"/>
           </a:xfrm>
           <a:prstGeom prst="bentConnector3">
             <a:avLst>
-              <a:gd name="adj1" fmla="val 50000"/>
+              <a:gd name="adj1" fmla="val 11156"/>
             </a:avLst>
           </a:prstGeom>
           <a:ln w="28575">
@@ -14619,12 +14274,12 @@
         </p:nvCxnSpPr>
         <p:spPr>
           <a:xfrm rot="5400000">
-            <a:off x="36936223" y="3043167"/>
-            <a:ext cx="341169" cy="6600912"/>
+            <a:off x="35366386" y="5882128"/>
+            <a:ext cx="1855148" cy="2529641"/>
           </a:xfrm>
           <a:prstGeom prst="bentConnector3">
             <a:avLst>
-              <a:gd name="adj1" fmla="val 50000"/>
+              <a:gd name="adj1" fmla="val 9475"/>
             </a:avLst>
           </a:prstGeom>
           <a:ln w="28575">
@@ -14664,12 +14319,12 @@
         </p:nvCxnSpPr>
         <p:spPr>
           <a:xfrm rot="5400000">
-            <a:off x="38267981" y="4381277"/>
-            <a:ext cx="347520" cy="3931045"/>
+            <a:off x="32573271" y="7354151"/>
+            <a:ext cx="6120287" cy="3850733"/>
           </a:xfrm>
           <a:prstGeom prst="bentConnector3">
             <a:avLst>
-              <a:gd name="adj1" fmla="val 50000"/>
+              <a:gd name="adj1" fmla="val 2855"/>
             </a:avLst>
           </a:prstGeom>
           <a:ln w="28575">
@@ -14709,8 +14364,8 @@
         </p:nvCxnSpPr>
         <p:spPr>
           <a:xfrm rot="5400000">
-            <a:off x="34955484" y="6451427"/>
-            <a:ext cx="371602" cy="2669867"/>
+            <a:off x="32868010" y="12875576"/>
+            <a:ext cx="295953" cy="1384123"/>
           </a:xfrm>
           <a:prstGeom prst="bentConnector3">
             <a:avLst>
@@ -14754,8 +14409,8 @@
         </p:nvCxnSpPr>
         <p:spPr>
           <a:xfrm rot="16200000" flipH="1">
-            <a:off x="37601492" y="6475284"/>
-            <a:ext cx="369379" cy="2619927"/>
+            <a:off x="35514017" y="11613690"/>
+            <a:ext cx="293730" cy="3905671"/>
           </a:xfrm>
           <a:prstGeom prst="bentConnector3">
             <a:avLst>
@@ -14798,9 +14453,9 @@
           <p:nvPr/>
         </p:nvCxnSpPr>
         <p:spPr>
-          <a:xfrm rot="5400000">
-            <a:off x="36284773" y="7790240"/>
-            <a:ext cx="381126" cy="1764"/>
+          <a:xfrm rot="16200000" flipH="1">
+            <a:off x="34197299" y="12930409"/>
+            <a:ext cx="305477" cy="1283980"/>
           </a:xfrm>
           <a:prstGeom prst="bentConnector3">
             <a:avLst>
@@ -14844,7 +14499,7 @@
         </p:nvCxnSpPr>
         <p:spPr>
           <a:xfrm rot="16200000" flipH="1">
-            <a:off x="34289726" y="8568785"/>
+            <a:off x="32807299" y="14312238"/>
             <a:ext cx="390650" cy="1357401"/>
           </a:xfrm>
           <a:prstGeom prst="bentConnector3">
@@ -14889,7 +14544,7 @@
         </p:nvCxnSpPr>
         <p:spPr>
           <a:xfrm rot="5400000">
-            <a:off x="35628540" y="8596897"/>
+            <a:off x="34146113" y="14340350"/>
             <a:ext cx="381126" cy="1310702"/>
           </a:xfrm>
           <a:prstGeom prst="bentConnector3">
@@ -14934,7 +14589,7 @@
         </p:nvCxnSpPr>
         <p:spPr>
           <a:xfrm rot="5400000">
-            <a:off x="38253803" y="8584718"/>
+            <a:off x="36771376" y="14328171"/>
             <a:ext cx="377123" cy="1307563"/>
           </a:xfrm>
           <a:prstGeom prst="bentConnector3">
@@ -14979,7 +14634,7 @@
         </p:nvCxnSpPr>
         <p:spPr>
           <a:xfrm rot="5400000">
-            <a:off x="40910011" y="8549412"/>
+            <a:off x="36786913" y="8619810"/>
             <a:ext cx="344803" cy="1350300"/>
           </a:xfrm>
           <a:prstGeom prst="bentConnector3">
@@ -15024,7 +14679,7 @@
         </p:nvCxnSpPr>
         <p:spPr>
           <a:xfrm rot="16200000" flipH="1">
-            <a:off x="42250106" y="8559617"/>
+            <a:off x="38127008" y="8630015"/>
             <a:ext cx="344803" cy="1329890"/>
           </a:xfrm>
           <a:prstGeom prst="bentConnector3">
@@ -15069,7 +14724,7 @@
         </p:nvCxnSpPr>
         <p:spPr>
           <a:xfrm rot="16200000" flipH="1">
-            <a:off x="40917863" y="9966363"/>
+            <a:off x="36794765" y="10036761"/>
             <a:ext cx="329099" cy="1350300"/>
           </a:xfrm>
           <a:prstGeom prst="bentConnector3">
@@ -15115,7 +14770,7 @@
         </p:nvCxnSpPr>
         <p:spPr>
           <a:xfrm rot="5400000">
-            <a:off x="42257958" y="9976568"/>
+            <a:off x="38134860" y="10046966"/>
             <a:ext cx="329099" cy="1329890"/>
           </a:xfrm>
           <a:prstGeom prst="bentConnector3">
@@ -15161,7 +14816,7 @@
         </p:nvCxnSpPr>
         <p:spPr>
           <a:xfrm rot="5400000">
-            <a:off x="39585512" y="9987598"/>
+            <a:off x="35462414" y="10057996"/>
             <a:ext cx="332384" cy="1311117"/>
           </a:xfrm>
           <a:prstGeom prst="bentConnector3">
@@ -15206,7 +14861,7 @@
         </p:nvCxnSpPr>
         <p:spPr>
           <a:xfrm rot="16200000" flipH="1">
-            <a:off x="39534207" y="11350018"/>
+            <a:off x="35411109" y="11420416"/>
             <a:ext cx="1752461" cy="6351"/>
           </a:xfrm>
           <a:prstGeom prst="bentConnector3">
@@ -15251,7 +14906,7 @@
         </p:nvCxnSpPr>
         <p:spPr>
           <a:xfrm rot="16200000" flipH="1">
-            <a:off x="40872190" y="10012036"/>
+            <a:off x="36749092" y="10082434"/>
             <a:ext cx="1750335" cy="2680190"/>
           </a:xfrm>
           <a:prstGeom prst="bentConnector3">
@@ -15292,7 +14947,7 @@
         </p:nvSpPr>
         <p:spPr>
           <a:xfrm>
-            <a:off x="43372832" y="10798642"/>
+            <a:off x="39249734" y="10869040"/>
             <a:ext cx="2115918" cy="1080000"/>
           </a:xfrm>
           <a:prstGeom prst="rect">
@@ -15356,7 +15011,7 @@
         </p:nvCxnSpPr>
         <p:spPr>
           <a:xfrm rot="16200000" flipH="1">
-            <a:off x="42258187" y="8626038"/>
+            <a:off x="38135089" y="8696436"/>
             <a:ext cx="321678" cy="4023529"/>
           </a:xfrm>
           <a:prstGeom prst="bentConnector3">
@@ -15383,6 +15038,2413 @@
           </a:fontRef>
         </p:style>
       </p:cxnSp>
+      <p:sp>
+        <p:nvSpPr>
+          <p:cNvPr id="242" name="Прямоугольник 241">
+            <a:extLst>
+              <a:ext uri="{FF2B5EF4-FFF2-40B4-BE49-F238E27FC236}">
+                <a16:creationId xmlns:a16="http://schemas.microsoft.com/office/drawing/2014/main" id="{6201302F-2B79-485A-8CA8-C76C5AFF5369}"/>
+              </a:ext>
+            </a:extLst>
+          </p:cNvPr>
+          <p:cNvSpPr/>
+          <p:nvPr/>
+        </p:nvSpPr>
+        <p:spPr>
+          <a:xfrm>
+            <a:off x="24721135" y="16540094"/>
+            <a:ext cx="2115918" cy="1080000"/>
+          </a:xfrm>
+          <a:prstGeom prst="rect">
+            <a:avLst/>
+          </a:prstGeom>
+          <a:solidFill>
+            <a:srgbClr val="FF0000"/>
+          </a:solidFill>
+          <a:ln w="28575"/>
+        </p:spPr>
+        <p:style>
+          <a:lnRef idx="2">
+            <a:schemeClr val="accent1"/>
+          </a:lnRef>
+          <a:fillRef idx="1">
+            <a:schemeClr val="lt1"/>
+          </a:fillRef>
+          <a:effectRef idx="0">
+            <a:schemeClr val="accent1"/>
+          </a:effectRef>
+          <a:fontRef idx="minor">
+            <a:schemeClr val="dk1"/>
+          </a:fontRef>
+        </p:style>
+        <p:txBody>
+          <a:bodyPr lIns="124733" tIns="62367" rIns="124733" bIns="62367" rtlCol="0" anchor="ctr"/>
+          <a:lstStyle/>
+          <a:p>
+            <a:pPr algn="ctr"/>
+            <a:r>
+              <a:rPr lang="ru-RU" sz="1400" dirty="0"/>
+              <a:t>Освободить Испанские колонии</a:t>
+            </a:r>
+            <a:endParaRPr lang="ru-RU" sz="800" dirty="0"/>
+          </a:p>
+        </p:txBody>
+      </p:sp>
+      <p:sp>
+        <p:nvSpPr>
+          <p:cNvPr id="246" name="Прямоугольник 245">
+            <a:extLst>
+              <a:ext uri="{FF2B5EF4-FFF2-40B4-BE49-F238E27FC236}">
+                <a16:creationId xmlns:a16="http://schemas.microsoft.com/office/drawing/2014/main" id="{143F99BB-7B85-4860-8066-4F19AE080121}"/>
+              </a:ext>
+            </a:extLst>
+          </p:cNvPr>
+          <p:cNvSpPr/>
+          <p:nvPr/>
+        </p:nvSpPr>
+        <p:spPr>
+          <a:xfrm>
+            <a:off x="27396845" y="16540094"/>
+            <a:ext cx="2115918" cy="1080000"/>
+          </a:xfrm>
+          <a:prstGeom prst="rect">
+            <a:avLst/>
+          </a:prstGeom>
+          <a:solidFill>
+            <a:srgbClr val="FF0000"/>
+          </a:solidFill>
+          <a:ln w="28575"/>
+        </p:spPr>
+        <p:style>
+          <a:lnRef idx="2">
+            <a:schemeClr val="accent1"/>
+          </a:lnRef>
+          <a:fillRef idx="1">
+            <a:schemeClr val="lt1"/>
+          </a:fillRef>
+          <a:effectRef idx="0">
+            <a:schemeClr val="accent1"/>
+          </a:effectRef>
+          <a:fontRef idx="minor">
+            <a:schemeClr val="dk1"/>
+          </a:fontRef>
+        </p:style>
+        <p:txBody>
+          <a:bodyPr lIns="124733" tIns="62367" rIns="124733" bIns="62367" rtlCol="0" anchor="ctr"/>
+          <a:lstStyle/>
+          <a:p>
+            <a:pPr algn="ctr"/>
+            <a:r>
+              <a:rPr lang="ru-RU" sz="1400" dirty="0"/>
+              <a:t>Освободить Итальянские колонии</a:t>
+            </a:r>
+            <a:endParaRPr lang="ru-RU" sz="800" dirty="0"/>
+          </a:p>
+        </p:txBody>
+      </p:sp>
+      <p:sp>
+        <p:nvSpPr>
+          <p:cNvPr id="249" name="Прямоугольник 248">
+            <a:extLst>
+              <a:ext uri="{FF2B5EF4-FFF2-40B4-BE49-F238E27FC236}">
+                <a16:creationId xmlns:a16="http://schemas.microsoft.com/office/drawing/2014/main" id="{CBF8D7E5-5FA7-45F0-905E-03584CFA09A9}"/>
+              </a:ext>
+            </a:extLst>
+          </p:cNvPr>
+          <p:cNvSpPr/>
+          <p:nvPr/>
+        </p:nvSpPr>
+        <p:spPr>
+          <a:xfrm>
+            <a:off x="28735124" y="9430111"/>
+            <a:ext cx="2115918" cy="1080000"/>
+          </a:xfrm>
+          <a:prstGeom prst="rect">
+            <a:avLst/>
+          </a:prstGeom>
+          <a:solidFill>
+            <a:srgbClr val="FF0000"/>
+          </a:solidFill>
+          <a:ln w="28575"/>
+        </p:spPr>
+        <p:style>
+          <a:lnRef idx="2">
+            <a:schemeClr val="accent1"/>
+          </a:lnRef>
+          <a:fillRef idx="1">
+            <a:schemeClr val="lt1"/>
+          </a:fillRef>
+          <a:effectRef idx="0">
+            <a:schemeClr val="accent1"/>
+          </a:effectRef>
+          <a:fontRef idx="minor">
+            <a:schemeClr val="dk1"/>
+          </a:fontRef>
+        </p:style>
+        <p:txBody>
+          <a:bodyPr lIns="124733" tIns="62367" rIns="124733" bIns="62367" rtlCol="0" anchor="ctr"/>
+          <a:lstStyle/>
+          <a:p>
+            <a:pPr algn="ctr"/>
+            <a:r>
+              <a:rPr lang="ru-RU" sz="1400" dirty="0"/>
+              <a:t>Пустить </a:t>
+            </a:r>
+            <a:r>
+              <a:rPr lang="ru-RU" sz="1400" dirty="0" err="1"/>
+              <a:t>Умсебензи</a:t>
+            </a:r>
+            <a:r>
+              <a:rPr lang="ru-RU" sz="1400" dirty="0"/>
+              <a:t> в массы </a:t>
+            </a:r>
+            <a:r>
+              <a:rPr lang="ru-RU" sz="1050" dirty="0"/>
+              <a:t>(новое, газета компартии)</a:t>
+            </a:r>
+            <a:endParaRPr lang="ru-RU" sz="800" dirty="0"/>
+          </a:p>
+        </p:txBody>
+      </p:sp>
+      <p:sp>
+        <p:nvSpPr>
+          <p:cNvPr id="256" name="Прямоугольник 255">
+            <a:extLst>
+              <a:ext uri="{FF2B5EF4-FFF2-40B4-BE49-F238E27FC236}">
+                <a16:creationId xmlns:a16="http://schemas.microsoft.com/office/drawing/2014/main" id="{DCF614AC-43D5-42AB-9B39-98F93934600F}"/>
+              </a:ext>
+            </a:extLst>
+          </p:cNvPr>
+          <p:cNvSpPr/>
+          <p:nvPr/>
+        </p:nvSpPr>
+        <p:spPr>
+          <a:xfrm>
+            <a:off x="29506413" y="2797352"/>
+            <a:ext cx="2115918" cy="1080000"/>
+          </a:xfrm>
+          <a:prstGeom prst="rect">
+            <a:avLst/>
+          </a:prstGeom>
+          <a:ln w="28575"/>
+        </p:spPr>
+        <p:style>
+          <a:lnRef idx="2">
+            <a:schemeClr val="accent1"/>
+          </a:lnRef>
+          <a:fillRef idx="1">
+            <a:schemeClr val="lt1"/>
+          </a:fillRef>
+          <a:effectRef idx="0">
+            <a:schemeClr val="accent1"/>
+          </a:effectRef>
+          <a:fontRef idx="minor">
+            <a:schemeClr val="dk1"/>
+          </a:fontRef>
+        </p:style>
+        <p:txBody>
+          <a:bodyPr lIns="124733" tIns="62367" rIns="124733" bIns="62367" rtlCol="0" anchor="ctr"/>
+          <a:lstStyle/>
+          <a:p>
+            <a:pPr algn="ctr"/>
+            <a:r>
+              <a:rPr lang="ru-RU" sz="1400" dirty="0" err="1"/>
+              <a:t>Фолкеркская</a:t>
+            </a:r>
+            <a:r>
+              <a:rPr lang="ru-RU" sz="1400" dirty="0"/>
+              <a:t> забастовка 1937 года </a:t>
+            </a:r>
+            <a:r>
+              <a:rPr lang="ru-RU" sz="100" dirty="0"/>
+              <a:t>(Забастовка на </a:t>
+            </a:r>
+            <a:r>
+              <a:rPr lang="ru-RU" sz="100" dirty="0" err="1"/>
+              <a:t>Falkirk</a:t>
+            </a:r>
+            <a:r>
+              <a:rPr lang="ru-RU" sz="100" dirty="0"/>
+              <a:t> </a:t>
+            </a:r>
+            <a:r>
+              <a:rPr lang="ru-RU" sz="100" dirty="0" err="1"/>
+              <a:t>Iron</a:t>
+            </a:r>
+            <a:r>
+              <a:rPr lang="ru-RU" sz="100" dirty="0"/>
+              <a:t> </a:t>
+            </a:r>
+            <a:r>
+              <a:rPr lang="ru-RU" sz="100" dirty="0" err="1"/>
+              <a:t>Works</a:t>
+            </a:r>
+            <a:r>
+              <a:rPr lang="ru-RU" sz="100" dirty="0"/>
+              <a:t> в 1937 г., когда индийские рабочие и активисты CPSA, среди которых Х.А. Найду и </a:t>
+            </a:r>
+            <a:r>
+              <a:rPr lang="ru-RU" sz="100" dirty="0" err="1"/>
+              <a:t>Поннен</a:t>
+            </a:r>
+            <a:r>
+              <a:rPr lang="ru-RU" sz="100" dirty="0"/>
+              <a:t>, были вовлечены в конфликт с руководством в течение более трех месяцев, демонстрирует некоторую преемственность тенденций в организации профсоюзов, о которых говорилось выше. Первоначально все рабочие фабрики, белые, индийцы и африканцы, бастовали из-за заработной платы. Однако белые рабочие пришли к отдельному соглашению с руководством, и большинство чернокожих неквалифицированных рабочих по понятным причинам чувствовали себя обиженными, поскольку они были отстранены от работы и не получали повышения заработной платы. По словам Джорджа </a:t>
+            </a:r>
+            <a:r>
+              <a:rPr lang="ru-RU" sz="100" dirty="0" err="1"/>
+              <a:t>Поннена</a:t>
+            </a:r>
+            <a:r>
+              <a:rPr lang="ru-RU" sz="100" dirty="0"/>
+              <a:t>, в этот момент к нему пришла группа рабочих с фабрики и попросила помощи в создании собственного профсоюза, поскольку они чувствовали, что их интересы не представляет АЕС. Руководство отказалось это признать. Рабочие подтвердили, что создали отдельный профсоюз только из-за продолжающейся дискриминации в оплате труда и </a:t>
+            </a:r>
+            <a:r>
+              <a:rPr lang="ru-RU" sz="100" dirty="0" err="1"/>
+              <a:t>виктимизации</a:t>
+            </a:r>
+            <a:r>
+              <a:rPr lang="ru-RU" sz="100" dirty="0"/>
+              <a:t> по целому ряду вопросов, включая доступ к туалетам. Рабочие объявили забастовку, но довольно быстро вернулись к работе, когда руководство согласилось встретиться с ними, чтобы обсудить их требования. Однако мало что было достигнуто, и компания решила принять «жесткий» подход, чтобы быстро решить проблему. Вскоре после 11 мая Найду был уволен, а 26 других рабочих, включая председателя профсоюза премьер-министра Гарри, были переведены на короткий срок. В ответ рабочие решили работать на власть. Руководство попросило их всех покинуть завод и на следующий день ввело локаут и закрыло рабочее место. Когда рабочие не появились на следующий день, В этот момент, по словам Джорджа </a:t>
+            </a:r>
+            <a:r>
+              <a:rPr lang="ru-RU" sz="100" dirty="0" err="1"/>
+              <a:t>Поннена</a:t>
+            </a:r>
+            <a:r>
+              <a:rPr lang="ru-RU" sz="100" dirty="0"/>
+              <a:t>, организаторы забастовки обратились за поддержкой к Индийскому конгрессу </a:t>
+            </a:r>
+            <a:r>
+              <a:rPr lang="ru-RU" sz="100" dirty="0" err="1"/>
+              <a:t>Натала</a:t>
+            </a:r>
+            <a:r>
+              <a:rPr lang="ru-RU" sz="100" dirty="0"/>
+              <a:t>. «Мы сказали: смотрите, вы должны представлять индийских рабочих… мы смогли убедить их, что их долг — поддерживать рабочих». Как уже было сказано, и из хороших материальных соображений, были прецеденты вовлечения общины в забастовки, затрагивающие индийских рабочих, тем более что это был один из способов мобилизовать финансовую поддержку, необходимую для ее </a:t>
+            </a:r>
+            <a:r>
+              <a:rPr lang="ru-RU" sz="100" dirty="0" err="1"/>
+              <a:t>продолжения.Учитывая</a:t>
+            </a:r>
+            <a:r>
+              <a:rPr lang="ru-RU" sz="100" dirty="0"/>
+              <a:t> неспособность белых рабочих и официального профсоюзного движения поддержать забастовку, обращение к общественным ресурсам казалось наиболее очевидным краткосрочным решением. Однако прямое вовлечение NIC означало сделать еще один шаг вперед и имело определенные важные политические последствия. Во-первых, забастовку теперь стали называть «индейской». NIC не хотел сидеть в стороне и просто организовывать финансовую поддержку, и AI </a:t>
+            </a:r>
+            <a:r>
+              <a:rPr lang="ru-RU" sz="100" dirty="0" err="1"/>
+              <a:t>Kajee</a:t>
+            </a:r>
+            <a:r>
+              <a:rPr lang="ru-RU" sz="100" dirty="0"/>
+              <a:t>, «умеренный» лидер NIC, активно участвовал в переговорах. Если NIC собирался помочь финансово и помочь организовать сообщество в целом, он был полон решимости получить политическую славу. Первым действием </a:t>
+            </a:r>
+            <a:r>
+              <a:rPr lang="ru-RU" sz="100" dirty="0" err="1"/>
+              <a:t>Каджи</a:t>
+            </a:r>
+            <a:r>
+              <a:rPr lang="ru-RU" sz="100" dirty="0"/>
+              <a:t> было попросить генерального агента Индии в Южной Африке принять участие. Риторика NIC говорила о защите «чести индейцев» и требовала улучшения положения семей рабочих, вовлеченных в спор. Индийская пресса стала называть забастовку «индейским спором», что еще больше маргинализировало сто участвовавших в ней африканских </a:t>
+            </a:r>
+            <a:r>
+              <a:rPr lang="ru-RU" sz="100" dirty="0" err="1"/>
+              <a:t>рабочих.NIC</a:t>
+            </a:r>
+            <a:r>
+              <a:rPr lang="ru-RU" sz="100" dirty="0"/>
+              <a:t> теперь усугубил это разделение, придав спору исключительно индийский характер и заставив генерального агента действовать конкретно от имени индийских рабочих. 28 мая секретарь генерального агента провел переговоры с руководством от имени индийских рабочих, участвовавших в споре. Вскоре после этого Конгресс южноафриканских индейцев также провел совещание с руководством и безуспешно пытался убедить рабочих вернуться к работе. Когда Промышленный совет постановил, что фабрика в </a:t>
+            </a:r>
+            <a:r>
+              <a:rPr lang="ru-RU" sz="100" dirty="0" err="1"/>
+              <a:t>Фолкерке</a:t>
+            </a:r>
+            <a:r>
+              <a:rPr lang="ru-RU" sz="100" dirty="0"/>
+              <a:t> действовала в рамках своих прав, уволив своих сотрудников, </a:t>
+            </a:r>
+            <a:r>
+              <a:rPr lang="ru-RU" sz="100" dirty="0" err="1"/>
+              <a:t>Каджи</a:t>
+            </a:r>
+            <a:r>
+              <a:rPr lang="ru-RU" sz="100" dirty="0"/>
+              <a:t> и секретарь генерального агента сообщили рабочим эту новость. По данным Промышленного совета, </a:t>
+            </a:r>
+            <a:r>
+              <a:rPr lang="ru-RU" sz="100" dirty="0" err="1"/>
+              <a:t>Каджи</a:t>
+            </a:r>
+            <a:r>
+              <a:rPr lang="ru-RU" sz="100" dirty="0"/>
+              <a:t> присутствовал на собрании в качестве «официального делегата Конгресса», чтобы «поддержать» индийских рабочих, в то время как AC </a:t>
+            </a:r>
+            <a:r>
+              <a:rPr lang="ru-RU" sz="100" dirty="0" err="1"/>
+              <a:t>Wanless</a:t>
+            </a:r>
+            <a:r>
+              <a:rPr lang="ru-RU" sz="100" dirty="0"/>
+              <a:t> представлял профсоюз. Но именно </a:t>
+            </a:r>
+            <a:r>
+              <a:rPr lang="ru-RU" sz="100" dirty="0" err="1"/>
+              <a:t>Каджи</a:t>
+            </a:r>
+            <a:r>
+              <a:rPr lang="ru-RU" sz="100" dirty="0"/>
+              <a:t> в конечном итоге сделал осуждающее заявление о Промышленном совете и его позиции в споре. Он также напал на AEU за то, что он не организовал всех рабочих на заводе. Он предложил принять NISUW в качестве дочернего профсоюза, но без африканских членов, опасаясь расстроить свое собственное белое членство. Это было сочтено слишком запоздалым, и предложение было </a:t>
+            </a:r>
+            <a:r>
+              <a:rPr lang="ru-RU" sz="100" dirty="0" err="1"/>
+              <a:t>отклонено.Таким</a:t>
+            </a:r>
+            <a:r>
+              <a:rPr lang="ru-RU" sz="100" dirty="0"/>
+              <a:t> образом, NIC стал активно участвовать в споре, оказывая забастовщикам материальную и моральную помощь. Они также организовали массовый митинг, на котором присутствовало около 1200 человек и который получил широкое освещение в прессе. NIC должен был продолжать выполнять свою роль представителей индийских рабочих как части индийской общины; это подчеркивало индийский характер спора: «нападение на этих людей происходит потому, что они индейцы, потому что они лишены политической власти». Таким образом, забастовка стала частью широкой политической программы NIC. </a:t>
+            </a:r>
+            <a:r>
+              <a:rPr lang="ru-RU" sz="100" dirty="0" err="1"/>
+              <a:t>Каджи</a:t>
+            </a:r>
+            <a:r>
+              <a:rPr lang="ru-RU" sz="100" dirty="0"/>
+              <a:t> заявил, что «мы прежде всего индийцы». Но члены индийской компартии также участвовали в переговорах как члены забастовочного комитета и как члены Конгресса. Юсуф </a:t>
+            </a:r>
+            <a:r>
+              <a:rPr lang="ru-RU" sz="100" dirty="0" err="1"/>
+              <a:t>Даду</a:t>
+            </a:r>
+            <a:r>
+              <a:rPr lang="ru-RU" sz="100" dirty="0"/>
+              <a:t>, который должен был стать видным индийским членом CPSA в 1940-х годах, входил в состав делегации, в которую входили С. Нана, Мула и Ахмед </a:t>
+            </a:r>
+            <a:r>
+              <a:rPr lang="ru-RU" sz="100" dirty="0" err="1"/>
+              <a:t>Катрада</a:t>
+            </a:r>
+            <a:r>
+              <a:rPr lang="ru-RU" sz="100" dirty="0"/>
+              <a:t>, которые встретились с министром труда в еще одной неудавшейся попытке разрешить спор. . Члены CPSA, участвовавшие в забастовке, недостаточно отличались от NIC и фактически использовали тактику народного фронта, а не тактику единого фронта. Они были включены в состав националистической </a:t>
+            </a:r>
+            <a:r>
+              <a:rPr lang="ru-RU" sz="100" dirty="0" err="1"/>
+              <a:t>организации.Спор</a:t>
+            </a:r>
+            <a:r>
+              <a:rPr lang="ru-RU" sz="100" dirty="0"/>
+              <a:t> на литейном заводе в </a:t>
+            </a:r>
+            <a:r>
+              <a:rPr lang="ru-RU" sz="100" dirty="0" err="1"/>
+              <a:t>Фолкерке</a:t>
+            </a:r>
+            <a:r>
+              <a:rPr lang="ru-RU" sz="100" dirty="0"/>
+              <a:t> характеризовался несколькими способами. Белые рабочие и официальное профсоюзное движение того времени </a:t>
+            </a:r>
+            <a:r>
+              <a:rPr lang="ru-RU" sz="100" dirty="0" err="1"/>
+              <a:t>патемалистически</a:t>
+            </a:r>
+            <a:r>
+              <a:rPr lang="ru-RU" sz="100" dirty="0"/>
+              <a:t> считали, что рабочие на самом деле не понимают, что они делают, не знакомы с надлежащей профсоюзной процедурой и в любом случае являются несчастными обманщиками «красных» со скрытыми мотивами. Похоже, что рабочие обращались к членам партии за помощью в создании профсоюза, но </a:t>
+            </a:r>
+            <a:r>
+              <a:rPr lang="ru-RU" sz="100" dirty="0" err="1"/>
+              <a:t>Поннен</a:t>
+            </a:r>
+            <a:r>
+              <a:rPr lang="ru-RU" sz="100" dirty="0"/>
+              <a:t> и Найду уже имели репутацию профсоюзных активистов еще до того, как вступили в CPSA. «После нашей работы по организации рабочих на швейной фабрике до того, как мы вступили в партию, мы стали хорошо известны как организаторы, и люди часто приходили к нам за советом, если на их рабочем месте возник спор». Скорее всего, к ним обратились из-за их профсоюзного опыта, а не членства в партии. Это подтверждается тем фактом, что лица, участвовавшие в забастовке, довольно лицемерно относились к своим связям с компартией, как показывают тогдашние статьи в </a:t>
+            </a:r>
+            <a:r>
+              <a:rPr lang="ru-RU" sz="100" dirty="0" err="1"/>
+              <a:t>Indian</a:t>
+            </a:r>
+            <a:r>
+              <a:rPr lang="ru-RU" sz="100" dirty="0"/>
+              <a:t> </a:t>
+            </a:r>
+            <a:r>
+              <a:rPr lang="ru-RU" sz="100" dirty="0" err="1"/>
+              <a:t>Opinion</a:t>
+            </a:r>
+            <a:r>
+              <a:rPr lang="ru-RU" sz="100" dirty="0"/>
+              <a:t>. Приняв довольно авторитарный тон, 25 июня газета сообщила, что «спор между Менеджмент и их индийские сотрудники(</a:t>
+            </a:r>
+            <a:r>
+              <a:rPr lang="ru-RU" sz="100" dirty="0" err="1"/>
+              <a:t>sic</a:t>
+            </a:r>
+            <a:r>
+              <a:rPr lang="ru-RU" sz="100" dirty="0"/>
+              <a:t>) остается неурегулированным ... ». Он повторил утверждения о том, что руководство считало, что рабочие находились под влиянием коммунистов, и предупредил индийских рабочих, чтобы они не следовали примеру белых рабочих, которые использовали забастовочное оружие, потому что у них не было той же политической силы. и не имел поддержки белых </a:t>
+            </a:r>
+            <a:r>
+              <a:rPr lang="ru-RU" sz="100" dirty="0" err="1"/>
+              <a:t>рабочих.Газета</a:t>
+            </a:r>
+            <a:r>
+              <a:rPr lang="ru-RU" sz="100" dirty="0"/>
+              <a:t> также процитировала письмо в </a:t>
+            </a:r>
+            <a:r>
+              <a:rPr lang="ru-RU" sz="100" dirty="0" err="1"/>
+              <a:t>Natal</a:t>
+            </a:r>
+            <a:r>
+              <a:rPr lang="ru-RU" sz="100" dirty="0"/>
+              <a:t> </a:t>
+            </a:r>
+            <a:r>
+              <a:rPr lang="ru-RU" sz="100" dirty="0" err="1"/>
+              <a:t>Advertiser</a:t>
+            </a:r>
+            <a:r>
+              <a:rPr lang="ru-RU" sz="100" dirty="0"/>
+              <a:t> от премьер-министра Хани, к настоящему времени члена партии. Он начинался так: «Мы, рабочие </a:t>
+            </a:r>
+            <a:r>
+              <a:rPr lang="ru-RU" sz="100" dirty="0" err="1"/>
+              <a:t>Falkirk</a:t>
+            </a:r>
+            <a:r>
+              <a:rPr lang="ru-RU" sz="100" dirty="0"/>
+              <a:t> </a:t>
+            </a:r>
+            <a:r>
+              <a:rPr lang="ru-RU" sz="100" dirty="0" err="1"/>
+              <a:t>Iron</a:t>
+            </a:r>
+            <a:r>
+              <a:rPr lang="ru-RU" sz="100" dirty="0"/>
+              <a:t> </a:t>
+            </a:r>
+            <a:r>
+              <a:rPr lang="ru-RU" sz="100" dirty="0" err="1"/>
+              <a:t>Company</a:t>
+            </a:r>
+            <a:r>
+              <a:rPr lang="ru-RU" sz="100" dirty="0"/>
+              <a:t>, не знаем, что такое коммунизм. Мы совершенно </a:t>
+            </a:r>
+            <a:r>
+              <a:rPr lang="ru-RU" sz="100" dirty="0" err="1"/>
+              <a:t>неорганизованны</a:t>
+            </a:r>
+            <a:r>
+              <a:rPr lang="ru-RU" sz="100" dirty="0"/>
+              <a:t>. Нас не приняли в члены Объединенного инженерного союза». Изложив конкретные претензии неевропейских рабочих, Гарри заявил, что «если в результате этого спора мы будем приняты в члены Объединенного инженерного союза, мы будем полностью удовлетворены, и наш союз выполнит свою задачу и будет немедленно распущен». расформированы ... (это) было несправедливо по отношению к нам, (что), подняв пугало коммунизма ... (они) пытаются оттолкнуть общественное сочувствие от нашего дела ».Попытка Хани </a:t>
+            </a:r>
+            <a:r>
+              <a:rPr lang="ru-RU" sz="100" dirty="0" err="1"/>
+              <a:t>дистанцировать</a:t>
+            </a:r>
+            <a:r>
+              <a:rPr lang="ru-RU" sz="100" dirty="0"/>
+              <a:t> забастовщиков от Коммунистической партии, возможно, неудивительна, учитывая атмосферу того времени. Но в какой-то степени этому поверили, потому что все требования рабочих, выдвинутые через забастовочный комитет, касались условий трудового спора, т. е. о дискриминации в оплате труда, </a:t>
+            </a:r>
+            <a:r>
+              <a:rPr lang="ru-RU" sz="100" dirty="0" err="1"/>
+              <a:t>виктимизации</a:t>
+            </a:r>
+            <a:r>
+              <a:rPr lang="ru-RU" sz="100" dirty="0"/>
+              <a:t> и праве объединяться в профсоюзы. Я не нашел никаких доказательств того, что члены КПСА, которые также были в забастовочном комитете, когда-либо пытались расширить забастовку, приняв более широкую политическую повестку дня. В соответствии с более ранней деятельностью индийских профсоюзов, индийские члены CPSA следовали традиции реформистской воинственности индийских рабочих, которая опиралась на ресурсы и организационный опыт индийской общины, а не открывала период радикального </a:t>
+            </a:r>
+            <a:r>
+              <a:rPr lang="ru-RU" sz="100" dirty="0" err="1"/>
+              <a:t>антикапитализма.Вторым</a:t>
+            </a:r>
+            <a:r>
+              <a:rPr lang="ru-RU" sz="100" dirty="0"/>
+              <a:t> важным моментом, который следует учитывать, является роль сетевого адаптера. Внимательное прочтение событий позволяет предположить, что представители NIC действительно озвучивали требования рабочих. </a:t>
+            </a:r>
+            <a:r>
+              <a:rPr lang="ru-RU" sz="100" dirty="0" err="1"/>
+              <a:t>Каджи</a:t>
+            </a:r>
+            <a:r>
+              <a:rPr lang="ru-RU" sz="100" dirty="0"/>
+              <a:t>, в частности, приложил все усилия, чтобы опровергнуть выводы Промышленного совета, согласно которым руководство не проводило локаут и что рабочие, участвовавшие в споре, запугивали других забастовщиков. Однако его нападки на AEU за то, что он не организовал всех рабочих на фабрике, были довольно ироничными, поскольку </a:t>
+            </a:r>
+            <a:r>
+              <a:rPr lang="ru-RU" sz="100" dirty="0" err="1"/>
+              <a:t>Каджи</a:t>
+            </a:r>
+            <a:r>
+              <a:rPr lang="ru-RU" sz="100" dirty="0"/>
+              <a:t>, известный бизнесмен, резко выступал против объединения своих рабочих в профсоюзы. Вдобавок к этому, по словам </a:t>
+            </a:r>
+            <a:r>
+              <a:rPr lang="ru-RU" sz="100" dirty="0" err="1"/>
+              <a:t>Поннена</a:t>
+            </a:r>
+            <a:r>
+              <a:rPr lang="ru-RU" sz="100" dirty="0"/>
+              <a:t>, и он, и Найду входили в забастовочный комитет вместе с членами NIC и работали вместе. Опять же, как и в случае с более ранними индийскими рабочими организациями, в эту борьбу были вовлечены различные слои общества, потому что дифференциальная дискриминация сделала «</a:t>
+            </a:r>
+            <a:r>
+              <a:rPr lang="ru-RU" sz="100" dirty="0" err="1"/>
+              <a:t>индейство</a:t>
+            </a:r>
+            <a:r>
+              <a:rPr lang="ru-RU" sz="100" dirty="0"/>
+              <a:t>» важной категорией идентификации. Члены компартии организовались вокруг того, чтобы вырвать уступки от капитала, а не противостоять ему прямо, и, позволив африканским рабочим быть </a:t>
+            </a:r>
+            <a:r>
+              <a:rPr lang="ru-RU" sz="100" dirty="0" err="1"/>
+              <a:t>маргинализованными</a:t>
+            </a:r>
+            <a:r>
+              <a:rPr lang="ru-RU" sz="100" dirty="0"/>
+              <a:t> в споре, помогли подчеркнуть «индейский характер» забастовки. В процессе они нарушили формирование нерасовой классовой идентичности. Члены индийской компартии действовали так же, как раньше действовали радикальные индийские </a:t>
+            </a:r>
+            <a:r>
+              <a:rPr lang="ru-RU" sz="100" dirty="0" err="1"/>
+              <a:t>рабочие.Кроме</a:t>
+            </a:r>
+            <a:r>
+              <a:rPr lang="ru-RU" sz="100" dirty="0"/>
+              <a:t> того, забастовка произошла в то время, когда Коминтерн на своем VII конгрессе в 1935 г. вновь обратился к политике народного фронта. призывал все коммунистические партии к союзу с буржуазными организациями; и, как мы видели, антифашизм как предпосылка борьбы за демократические права обеспечил более широкую политическую повестку дня. Эти события предполагают, что не было четкого разделения между «радикальной» профсоюзной политикой и буржуазными союзами 1940-х годов. Индийские члены КПСА объединялись с буржуазными индийскими организациями в различных контекстах, в том числе в профсоюзах, вплоть до 1940-х годов, как мы увидим. Эта тактика также нашла отражение в отношениях между АНК и профсоюзами в 1950-х годах.</a:t>
+            </a:r>
+            <a:endParaRPr lang="ru-RU" sz="500" dirty="0"/>
+          </a:p>
+        </p:txBody>
+      </p:sp>
+      <p:sp>
+        <p:nvSpPr>
+          <p:cNvPr id="270" name="Прямоугольник 269">
+            <a:extLst>
+              <a:ext uri="{FF2B5EF4-FFF2-40B4-BE49-F238E27FC236}">
+                <a16:creationId xmlns:a16="http://schemas.microsoft.com/office/drawing/2014/main" id="{555106CE-DEF1-48D2-8A1A-B669E0709E11}"/>
+              </a:ext>
+            </a:extLst>
+          </p:cNvPr>
+          <p:cNvSpPr/>
+          <p:nvPr/>
+        </p:nvSpPr>
+        <p:spPr>
+          <a:xfrm>
+            <a:off x="32176845" y="2797352"/>
+            <a:ext cx="2115918" cy="1080000"/>
+          </a:xfrm>
+          <a:prstGeom prst="rect">
+            <a:avLst/>
+          </a:prstGeom>
+          <a:ln w="28575"/>
+        </p:spPr>
+        <p:style>
+          <a:lnRef idx="2">
+            <a:schemeClr val="accent1"/>
+          </a:lnRef>
+          <a:fillRef idx="1">
+            <a:schemeClr val="lt1"/>
+          </a:fillRef>
+          <a:effectRef idx="0">
+            <a:schemeClr val="accent1"/>
+          </a:effectRef>
+          <a:fontRef idx="minor">
+            <a:schemeClr val="dk1"/>
+          </a:fontRef>
+        </p:style>
+        <p:txBody>
+          <a:bodyPr lIns="124733" tIns="62367" rIns="124733" bIns="62367" rtlCol="0" anchor="ctr"/>
+          <a:lstStyle/>
+          <a:p>
+            <a:pPr algn="ctr"/>
+            <a:r>
+              <a:rPr lang="ru-RU" sz="1400" dirty="0"/>
+              <a:t>Забастовка Данлопа 1942 года </a:t>
+            </a:r>
+            <a:r>
+              <a:rPr lang="ru-RU" sz="100" dirty="0"/>
+              <a:t>(В начале 1940-х годов в Трансваале и Натале еще были широко распространены забастовочные действия. В Дурбане было несколько забастовок, когда совместные действия африканских и индийских рабочих обеспечили рабочим некоторые льготы. Чтобы воспрепятствовать этой тенденции, и правительство, и промышленность искали способы обуздать власть радикальных профсоюзов в этот период. В декабре 1942 года правительство приняло Военную меру 145, которая объявила вне закона забастовки африканских рабочих, которым грозил штраф в размере 500 фунтов стерлингов или три года тюремного заключения в случае проведения забастовки. Работодатели, со своей стороны, стремились координировать свои действия между отраслями промышленности и сформировали Ассоциацию работодателей </a:t>
+            </a:r>
+            <a:r>
+              <a:rPr lang="ru-RU" sz="100" dirty="0" err="1"/>
+              <a:t>Натала</a:t>
+            </a:r>
+            <a:r>
+              <a:rPr lang="ru-RU" sz="100" dirty="0"/>
+              <a:t>, которая стремилась координировать работодателей и руководство в отношении профсоюзов. Они также пытались более эффективно подавлять забастовки и более эффективно направлять поток африканской рабочей силы. Одним из способов, с помощью которого они пытались подорвать радикальную профсоюзную деятельность, было создание профсоюзов компаний в качестве альтернативы воинствующим нерасовым профсоюзам, которые начинали возникать в этот </a:t>
+            </a:r>
+            <a:r>
+              <a:rPr lang="ru-RU" sz="100" dirty="0" err="1"/>
+              <a:t>период.Попытка</a:t>
+            </a:r>
+            <a:r>
+              <a:rPr lang="ru-RU" sz="100" dirty="0"/>
+              <a:t> руководства сделать это на резиновом заводе Данлоп послужила фоном для забастовки, вспыхнувшей там в декабре 1942 г. С 1938 </a:t>
+            </a:r>
+            <a:r>
+              <a:rPr lang="ru-RU" sz="100" dirty="0" err="1"/>
+              <a:t>г.Промышленный</a:t>
+            </a:r>
+            <a:r>
+              <a:rPr lang="ru-RU" sz="100" dirty="0"/>
+              <a:t> союз работников каучука </a:t>
+            </a:r>
+            <a:r>
+              <a:rPr lang="ru-RU" sz="100" dirty="0" err="1"/>
+              <a:t>Натала</a:t>
+            </a:r>
+            <a:r>
+              <a:rPr lang="ru-RU" sz="100" dirty="0"/>
+              <a:t> (NRWIU) представлял 450 рабочих из Европы, Азии и коренных народов на заводе и добился улучшения их условий и заработной платы. К 1942 году в них насчитывалось 625 членов, большинство из которых были индийцами и африканцами. Однако в начале года руководство фабрики начало проводить политику замены индийской рабочей силы африканской, поскольку она была дешевле. С марта по декабрь 1942 года число индийских рабочих на фабрике сократилось с 282 до 149, несмотря на то, что промышленный арбитраж уже постановил, что 30 процентов работников </a:t>
+            </a:r>
+            <a:r>
+              <a:rPr lang="ru-RU" sz="100" dirty="0" err="1"/>
+              <a:t>Dunlop</a:t>
+            </a:r>
+            <a:r>
+              <a:rPr lang="ru-RU" sz="100" dirty="0"/>
+              <a:t> должны быть индийцами, а еще 40 процентов — африканцами. . Данлоп пытался возразить, что компания повторно нанимает белых рабочих, которые ушли в армию, потому что пообещала, что примет их обратно в подходящее время. Но расследование, проведенное Индийским конгрессом в Натале, показало, что белые рабочие, которых нанимали на фабрику, на самом деле были </a:t>
+            </a:r>
+            <a:r>
+              <a:rPr lang="ru-RU" sz="100" dirty="0" err="1"/>
+              <a:t>новобранцами.В</a:t>
+            </a:r>
+            <a:r>
+              <a:rPr lang="ru-RU" sz="100" dirty="0"/>
+              <a:t> то же время Данлоп создал профсоюз компании и с помощью различных средств, в том числе завуалированных угроз, что компания будет удерживать только «лояльных сотрудников», сумел получить значительное количество белых рабочих, а также несколько африканцев. , присоединиться. До этого момента они были членами NRWIU. Кроме того, в декабре также были уволены тринадцать «воинствующих индийских рабочих», все из которых долгое время работали в компании. Когда руководство отклонило просьбу NRWIU о восстановлении мужчин на работе, профсоюз объявил забастовку. Ни белые рабочие, ни африканцы, не входящие в профсоюзы, не поддержали забастовку. Бастующие быстро предстали перед судом, но к индийцам и африканцам снова относились по-разному, поскольку они имели разный правовой статус. Забастовочный комитет, избранный в </a:t>
+            </a:r>
+            <a:r>
+              <a:rPr lang="ru-RU" sz="100" dirty="0" err="1"/>
+              <a:t>Dunlop</a:t>
+            </a:r>
+            <a:r>
+              <a:rPr lang="ru-RU" sz="100" dirty="0"/>
+              <a:t>, читается как «Кто есть кто» среди индийских членов CPSA. с Джорджем </a:t>
+            </a:r>
+            <a:r>
+              <a:rPr lang="ru-RU" sz="100" dirty="0" err="1"/>
+              <a:t>Понненом</a:t>
+            </a:r>
+            <a:r>
+              <a:rPr lang="ru-RU" sz="100" dirty="0"/>
+              <a:t>, Х.А. Найду, доктором медицины Найду и Р.Д. Найду среди его членов. Полин Подбери, единственная женщина в линии пикета, член комитета и CPSA, которая вскоре должна была выйти замуж за Х.А. Найду, была арестована и обвинена в подстрекательстве к насилию. Р. Д. Найду был христианином из Южной Индии, который, как и </a:t>
+            </a:r>
+            <a:r>
+              <a:rPr lang="ru-RU" sz="100" dirty="0" err="1"/>
+              <a:t>Поннен</a:t>
+            </a:r>
+            <a:r>
+              <a:rPr lang="ru-RU" sz="100" dirty="0"/>
+              <a:t>, прервал свое образование и провел подростковый год, продавая хлеб по домам. Он стал политизированным, прочитав «Историю британских профсоюзов» Сидни и Беатрис </a:t>
+            </a:r>
+            <a:r>
+              <a:rPr lang="ru-RU" sz="100" dirty="0" err="1"/>
+              <a:t>Уэбб</a:t>
+            </a:r>
+            <a:r>
+              <a:rPr lang="ru-RU" sz="100" dirty="0"/>
+              <a:t>, и с начала 1930-х годов стал активным членом южноафриканских профсоюзов. Р. Д. Найду присоединился к партии через Группу либеральных исследований. которая вскоре должна была выйти замуж за Х.А. Найду, была арестована и обвинена в подстрекательстве к насилию. Р. Д. Найду был христианином из Южной Индии, который, как и </a:t>
+            </a:r>
+            <a:r>
+              <a:rPr lang="ru-RU" sz="100" dirty="0" err="1"/>
+              <a:t>Поннен</a:t>
+            </a:r>
+            <a:r>
+              <a:rPr lang="ru-RU" sz="100" dirty="0"/>
+              <a:t>, прервал свое образование и провел подростковый год, продавая хлеб по домам. Он стал политизированным, прочитав «Историю британских профсоюзов» Сидни и Беатрис </a:t>
+            </a:r>
+            <a:r>
+              <a:rPr lang="ru-RU" sz="100" dirty="0" err="1"/>
+              <a:t>Уэбб</a:t>
+            </a:r>
+            <a:r>
+              <a:rPr lang="ru-RU" sz="100" dirty="0"/>
+              <a:t>, и с начала 1930-х годов стал активным членом южноафриканских профсоюзов. Р. Д. Найду присоединился к партии через Группу либеральных исследований. которая вскоре должна была выйти замуж за Х.А. Найду, была арестована и обвинена в подстрекательстве к насилию. Р. Д. Найду был христианином из Южной Индии, который, как и </a:t>
+            </a:r>
+            <a:r>
+              <a:rPr lang="ru-RU" sz="100" dirty="0" err="1"/>
+              <a:t>Поннен</a:t>
+            </a:r>
+            <a:r>
+              <a:rPr lang="ru-RU" sz="100" dirty="0"/>
+              <a:t>, прервал свое образование и провел подростковый год, продавая хлеб по домам. Он стал политизированным, прочитав «Историю британских профсоюзов» Сидни и Беатрис </a:t>
+            </a:r>
+            <a:r>
+              <a:rPr lang="ru-RU" sz="100" dirty="0" err="1"/>
+              <a:t>Уэбб</a:t>
+            </a:r>
+            <a:r>
+              <a:rPr lang="ru-RU" sz="100" dirty="0"/>
+              <a:t>, и с начала 1930-х годов стал активным членом южноафриканских профсоюзов. Р. Д. Найду присоединился к партии через Группу либеральных исследований. Он стал политизированным, прочитав «Историю британских профсоюзов» Сидни и Беатрис </a:t>
+            </a:r>
+            <a:r>
+              <a:rPr lang="ru-RU" sz="100" dirty="0" err="1"/>
+              <a:t>Уэбб</a:t>
+            </a:r>
+            <a:r>
+              <a:rPr lang="ru-RU" sz="100" dirty="0"/>
+              <a:t>, и с начала 1930-х годов стал активным членом южноафриканских профсоюзов. Р. Д. Найду присоединился к партии через Группу либеральных исследований. Он стал политизированным, прочитав «Историю британских профсоюзов» Сидни и Беатрис </a:t>
+            </a:r>
+            <a:r>
+              <a:rPr lang="ru-RU" sz="100" dirty="0" err="1"/>
+              <a:t>Уэбб</a:t>
+            </a:r>
+            <a:r>
+              <a:rPr lang="ru-RU" sz="100" dirty="0"/>
+              <a:t>, и с начала 1930-х годов стал активным членом южноафриканских профсоюзов. Р. Д. Найду присоединился к партии через Группу либеральных исследований. . Вместе с членами NIC забастовочный комитет </a:t>
+            </a:r>
+            <a:r>
+              <a:rPr lang="ru-RU" sz="100" dirty="0" err="1"/>
+              <a:t>Dunlop</a:t>
+            </a:r>
+            <a:r>
+              <a:rPr lang="ru-RU" sz="100" dirty="0"/>
+              <a:t> участвовал в сборе денег и еды, а также в формулировании политических требований забастовки. Однако после вторжения Германии в Советский Союз ни CPSA, ни NIC не хотели сорвать военные действия, и это смягчило их отношение к забастовке </a:t>
+            </a:r>
+            <a:r>
+              <a:rPr lang="ru-RU" sz="100" dirty="0" err="1"/>
+              <a:t>Dunlop</a:t>
+            </a:r>
+            <a:r>
+              <a:rPr lang="ru-RU" sz="100" dirty="0"/>
+              <a:t>. </a:t>
+            </a:r>
+            <a:r>
+              <a:rPr lang="ru-RU" sz="100" dirty="0" err="1"/>
+              <a:t>Каджи</a:t>
+            </a:r>
+            <a:r>
+              <a:rPr lang="ru-RU" sz="100" dirty="0"/>
+              <a:t> заметил: «Хотел бы я, чтобы не было войны, и этот могучий осьминог </a:t>
+            </a:r>
+            <a:r>
+              <a:rPr lang="ru-RU" sz="100" dirty="0" err="1"/>
+              <a:t>Данлопса</a:t>
+            </a:r>
+            <a:r>
+              <a:rPr lang="ru-RU" sz="100" dirty="0"/>
+              <a:t> мог бы почувствовать на себе оружие бойкота его товаров как здесь, так и в Индии».17 января 1943 года у мэрии Дурбана был созван массовый митинг, на котором присутствовало более 4000 человек, чтобы выразить поддержку забастовщикам и выразить протест против создания профсоюзов компаний. Собрание проходило под председательством </a:t>
+            </a:r>
+            <a:r>
+              <a:rPr lang="ru-RU" sz="100" dirty="0" err="1"/>
+              <a:t>Алека</a:t>
+            </a:r>
+            <a:r>
+              <a:rPr lang="ru-RU" sz="100" dirty="0"/>
+              <a:t> </a:t>
+            </a:r>
+            <a:r>
+              <a:rPr lang="ru-RU" sz="100" dirty="0" err="1"/>
+              <a:t>Уэнлесса</a:t>
+            </a:r>
+            <a:r>
+              <a:rPr lang="ru-RU" sz="100" dirty="0"/>
+              <a:t>, который знаменательно заявил, что попытка навязать компании профсоюзное движение была «проявлением фашизма и прямой угрозой военным усилиям». Продолжая в том же духе, Р. Д. Найду заявил, что это «противоречит целям Организации Объединенных Наций, (которые) боролись за свободу ассоциации». NIC также отправил сообщение о поддержке и выразил опасения по поводу срыва военных действий, но еще раз открыто «</a:t>
+            </a:r>
+            <a:r>
+              <a:rPr lang="ru-RU" sz="100" dirty="0" err="1"/>
+              <a:t>индианизировал</a:t>
+            </a:r>
+            <a:r>
+              <a:rPr lang="ru-RU" sz="100" dirty="0"/>
+              <a:t>» спор. Он заявил, что поддерживает забастовщиков, но хотел бы выступить посредником от имени рабочих до начала забастовки. Члены NIC обратились к Верховному комиссару Индии с просьбой обсудить этот вопрос с министром труда, поскольку теперь этот вопрос «вышел за рамки профсоюзной деятельности и приобрел индийский национальный </a:t>
+            </a:r>
+            <a:r>
+              <a:rPr lang="ru-RU" sz="100" dirty="0" err="1"/>
+              <a:t>аспект».В</a:t>
+            </a:r>
+            <a:r>
+              <a:rPr lang="ru-RU" sz="100" dirty="0"/>
+              <a:t> январе 1943 года забастовка была проиграна. Забастовавшие индийские и африканские рабочие были уволены руководством </a:t>
+            </a:r>
+            <a:r>
+              <a:rPr lang="ru-RU" sz="100" dirty="0" err="1"/>
+              <a:t>Dunlop</a:t>
+            </a:r>
+            <a:r>
+              <a:rPr lang="ru-RU" sz="100" dirty="0"/>
+              <a:t>. Африканских забастовщиков обвинили в насилии по отношению к «паршивым» рабочим. В основном африканские рабочие заменили забастовщиков, более 580 из которых были специально доставлены на грузовиках из </a:t>
+            </a:r>
+            <a:r>
+              <a:rPr lang="ru-RU" sz="100" dirty="0" err="1"/>
+              <a:t>Пондоленда</a:t>
+            </a:r>
+            <a:r>
+              <a:rPr lang="ru-RU" sz="100" dirty="0"/>
+              <a:t> и обучены </a:t>
+            </a:r>
+            <a:r>
+              <a:rPr lang="ru-RU" sz="100" dirty="0" err="1"/>
+              <a:t>белыми.рабочая</a:t>
+            </a:r>
+            <a:r>
+              <a:rPr lang="ru-RU" sz="100" dirty="0"/>
+              <a:t> сила. Это «избирательное использование резервной армии труда» помогло вызвать значительное недоверие и неприязнь среди индийцев и африканцев, но это не было чем-то новым, просто старые обиды и конкуренция, которые усилились и выдвинулись на первый план. Эта враждебность усилилась в этот период, поскольку, хотя растущая индустриализация и рост сектора услуг давали больше возможностей для трудоустройства, африканцы чувствовали, что индийцы блокируют их шансы. Индейцы долгое время после забастовки не работали в </a:t>
+            </a:r>
+            <a:r>
+              <a:rPr lang="ru-RU" sz="100" dirty="0" err="1"/>
+              <a:t>Dunlop</a:t>
+            </a:r>
+            <a:r>
+              <a:rPr lang="ru-RU" sz="100" dirty="0"/>
+              <a:t>. После еще одной судьбоносной забастовки в истории труда Индии, забастовки индийских рабочих прачечной в Дурбане в 1945 году, индийская рабочая сила снова была заменена африканской, и индийцы больше никогда не </a:t>
+            </a:r>
+            <a:r>
+              <a:rPr lang="ru-RU" sz="100" dirty="0" err="1"/>
+              <a:t>работали.В</a:t>
+            </a:r>
+            <a:r>
+              <a:rPr lang="ru-RU" sz="100" dirty="0"/>
+              <a:t> 1930-е годы призрак фашизма диктовал политические стратегии и политику левых организаций по всему миру. Международная оппозиция фашизму и стремление к демократическим правам в сочетании с развивающейся программой CPSA в контексте политики Южной Африки. Конкретные случаи организации профсоюзов, рассмотренные в этой главе, показывают, что индийские рабочие стали частью этой программы и что профсоюзные реформы рассматривались как часть более широкой борьбы за права, гражданство и антифашизм. Этой организационной работе способствовало вступление в партию ряда активных индийских профсоюзных деятелей, которые продолжили традицию борьбы индийских рабочих, борьбы, которая всегда опиралась на поддержку общества как в Южной Африке, так и за рубежом. Идея самопомощи, которая способствовала формированию представлений о сообществе, была особенно влиятельной в сфере образования, где многие индийцы были политизированы в рамках либеральной традиции, поощрявшей идеи равенства и гражданства. Союзы с NIC во время этих забастовок происходили в контексте изменения политики Коминтерна и его антифашистской платформы, но им способствовали более широкие понятия «сообщества» и сближение интересов лидеров NIC и CPSA. Однако участие NIC усилило восприятие забастовок как специфически «индейских» и маргинализированных африканских рабочих в профсоюзных спорах. Дифференциальное обращение, которое государство предоставляло африканским рабочим, также поощряло классовый опыт через вектор национальности, способствуя ощущению того, что они являются именно «индейцами», африканцами или белыми рабочими». </a:t>
+            </a:r>
+            <a:r>
+              <a:rPr lang="ru-RU" sz="100" dirty="0" err="1"/>
+              <a:t>Однако,Члены</a:t>
+            </a:r>
+            <a:r>
+              <a:rPr lang="ru-RU" sz="100" dirty="0"/>
+              <a:t> CPSA и индийские националистические организации были сложными, динамичными и проницаемыми. В следующей главе я более подробно рассмотрю участие CPSA в индийских организациях широкого фронта, в отношении Ганди и движения за независимость Индии, а также в отношении классовых вопросов. Я выделю некоторые различия, которые возникли между индийцами в Коммунистической партии и индийских националистических организациях, с оспариваемым видением </a:t>
+            </a:r>
+            <a:r>
+              <a:rPr lang="ru-RU" sz="100" dirty="0" err="1"/>
+              <a:t>индейства</a:t>
+            </a:r>
+            <a:r>
+              <a:rPr lang="ru-RU" sz="100" dirty="0"/>
+              <a:t>, сообщества и политических действий. Я также буду обсуждать преемственность в политической программе КП, которая противоречит идее отчетливого разрыва между радикальной политикой 1930-х и 40-х годов и предполагаемым примирением с националистическими организациями в 1950-х годах.</a:t>
+            </a:r>
+            <a:endParaRPr lang="ru-RU" sz="500" dirty="0"/>
+          </a:p>
+        </p:txBody>
+      </p:sp>
+      <p:sp>
+        <p:nvSpPr>
+          <p:cNvPr id="273" name="Прямоугольник 272">
+            <a:extLst>
+              <a:ext uri="{FF2B5EF4-FFF2-40B4-BE49-F238E27FC236}">
+                <a16:creationId xmlns:a16="http://schemas.microsoft.com/office/drawing/2014/main" id="{790C883A-8E36-488E-9D37-AB7A70439BE5}"/>
+              </a:ext>
+            </a:extLst>
+          </p:cNvPr>
+          <p:cNvSpPr/>
+          <p:nvPr/>
+        </p:nvSpPr>
+        <p:spPr>
+          <a:xfrm>
+            <a:off x="31372677" y="9442811"/>
+            <a:ext cx="2115918" cy="1080000"/>
+          </a:xfrm>
+          <a:prstGeom prst="rect">
+            <a:avLst/>
+          </a:prstGeom>
+          <a:solidFill>
+            <a:srgbClr val="FF0000"/>
+          </a:solidFill>
+          <a:ln w="28575"/>
+        </p:spPr>
+        <p:style>
+          <a:lnRef idx="2">
+            <a:schemeClr val="accent1"/>
+          </a:lnRef>
+          <a:fillRef idx="1">
+            <a:schemeClr val="lt1"/>
+          </a:fillRef>
+          <a:effectRef idx="0">
+            <a:schemeClr val="accent1"/>
+          </a:effectRef>
+          <a:fontRef idx="minor">
+            <a:schemeClr val="dk1"/>
+          </a:fontRef>
+        </p:style>
+        <p:txBody>
+          <a:bodyPr lIns="124733" tIns="62367" rIns="124733" bIns="62367" rtlCol="0" anchor="ctr"/>
+          <a:lstStyle/>
+          <a:p>
+            <a:pPr algn="ctr"/>
+            <a:r>
+              <a:rPr lang="ru-RU" sz="1400" dirty="0"/>
+              <a:t>Мобилизовать все силы на борьбу с фашизмом! </a:t>
+            </a:r>
+            <a:r>
+              <a:rPr lang="ru-RU" sz="1050" dirty="0"/>
+              <a:t>(Всеобщая мобилизация)</a:t>
+            </a:r>
+            <a:endParaRPr lang="ru-RU" sz="800" dirty="0"/>
+          </a:p>
+        </p:txBody>
+      </p:sp>
+      <p:cxnSp>
+        <p:nvCxnSpPr>
+          <p:cNvPr id="276" name="Shape 248">
+            <a:extLst>
+              <a:ext uri="{FF2B5EF4-FFF2-40B4-BE49-F238E27FC236}">
+                <a16:creationId xmlns:a16="http://schemas.microsoft.com/office/drawing/2014/main" id="{4AA09D23-CE38-421D-BBD5-32E3F4CE98E5}"/>
+              </a:ext>
+            </a:extLst>
+          </p:cNvPr>
+          <p:cNvCxnSpPr>
+            <a:cxnSpLocks/>
+            <a:stCxn id="183" idx="2"/>
+            <a:endCxn id="235" idx="0"/>
+          </p:cNvCxnSpPr>
+          <p:nvPr/>
+        </p:nvCxnSpPr>
+        <p:spPr>
+          <a:xfrm rot="5400000">
+            <a:off x="30957937" y="7780547"/>
+            <a:ext cx="363856" cy="12700"/>
+          </a:xfrm>
+          <a:prstGeom prst="bentConnector3">
+            <a:avLst>
+              <a:gd name="adj1" fmla="val 50000"/>
+            </a:avLst>
+          </a:prstGeom>
+          <a:ln w="28575">
+            <a:tailEnd type="arrow"/>
+          </a:ln>
+        </p:spPr>
+        <p:style>
+          <a:lnRef idx="1">
+            <a:schemeClr val="accent1"/>
+          </a:lnRef>
+          <a:fillRef idx="0">
+            <a:schemeClr val="accent1"/>
+          </a:fillRef>
+          <a:effectRef idx="0">
+            <a:schemeClr val="accent1"/>
+          </a:effectRef>
+          <a:fontRef idx="minor">
+            <a:schemeClr val="tx1"/>
+          </a:fontRef>
+        </p:style>
+      </p:cxnSp>
+      <p:cxnSp>
+        <p:nvCxnSpPr>
+          <p:cNvPr id="279" name="Shape 248">
+            <a:extLst>
+              <a:ext uri="{FF2B5EF4-FFF2-40B4-BE49-F238E27FC236}">
+                <a16:creationId xmlns:a16="http://schemas.microsoft.com/office/drawing/2014/main" id="{3FA42726-9174-4F29-BF65-55ADC46C885A}"/>
+              </a:ext>
+            </a:extLst>
+          </p:cNvPr>
+          <p:cNvCxnSpPr>
+            <a:cxnSpLocks/>
+            <a:stCxn id="183" idx="2"/>
+            <a:endCxn id="65" idx="0"/>
+          </p:cNvCxnSpPr>
+          <p:nvPr/>
+        </p:nvCxnSpPr>
+        <p:spPr>
+          <a:xfrm rot="5400000">
+            <a:off x="29620610" y="6432726"/>
+            <a:ext cx="353362" cy="2685148"/>
+          </a:xfrm>
+          <a:prstGeom prst="bentConnector3">
+            <a:avLst>
+              <a:gd name="adj1" fmla="val 50000"/>
+            </a:avLst>
+          </a:prstGeom>
+          <a:ln w="28575">
+            <a:tailEnd type="arrow"/>
+          </a:ln>
+        </p:spPr>
+        <p:style>
+          <a:lnRef idx="1">
+            <a:schemeClr val="accent1"/>
+          </a:lnRef>
+          <a:fillRef idx="0">
+            <a:schemeClr val="accent1"/>
+          </a:fillRef>
+          <a:effectRef idx="0">
+            <a:schemeClr val="accent1"/>
+          </a:effectRef>
+          <a:fontRef idx="minor">
+            <a:schemeClr val="tx1"/>
+          </a:fontRef>
+        </p:style>
+      </p:cxnSp>
+      <p:cxnSp>
+        <p:nvCxnSpPr>
+          <p:cNvPr id="282" name="Shape 248">
+            <a:extLst>
+              <a:ext uri="{FF2B5EF4-FFF2-40B4-BE49-F238E27FC236}">
+                <a16:creationId xmlns:a16="http://schemas.microsoft.com/office/drawing/2014/main" id="{32093D4D-B7AB-4952-AC16-553CF78E1350}"/>
+              </a:ext>
+            </a:extLst>
+          </p:cNvPr>
+          <p:cNvCxnSpPr>
+            <a:cxnSpLocks/>
+            <a:stCxn id="66" idx="2"/>
+            <a:endCxn id="184" idx="0"/>
+          </p:cNvCxnSpPr>
+          <p:nvPr/>
+        </p:nvCxnSpPr>
+        <p:spPr>
+          <a:xfrm rot="5400000">
+            <a:off x="24905553" y="8566095"/>
+            <a:ext cx="398130" cy="1329902"/>
+          </a:xfrm>
+          <a:prstGeom prst="bentConnector3">
+            <a:avLst>
+              <a:gd name="adj1" fmla="val 50000"/>
+            </a:avLst>
+          </a:prstGeom>
+          <a:ln w="28575">
+            <a:tailEnd type="arrow"/>
+          </a:ln>
+        </p:spPr>
+        <p:style>
+          <a:lnRef idx="1">
+            <a:schemeClr val="accent1"/>
+          </a:lnRef>
+          <a:fillRef idx="0">
+            <a:schemeClr val="accent1"/>
+          </a:fillRef>
+          <a:effectRef idx="0">
+            <a:schemeClr val="accent1"/>
+          </a:effectRef>
+          <a:fontRef idx="minor">
+            <a:schemeClr val="tx1"/>
+          </a:fontRef>
+        </p:style>
+      </p:cxnSp>
+      <p:cxnSp>
+        <p:nvCxnSpPr>
+          <p:cNvPr id="285" name="Shape 248">
+            <a:extLst>
+              <a:ext uri="{FF2B5EF4-FFF2-40B4-BE49-F238E27FC236}">
+                <a16:creationId xmlns:a16="http://schemas.microsoft.com/office/drawing/2014/main" id="{4D3DE100-6F63-4974-9A7E-28065A179310}"/>
+              </a:ext>
+            </a:extLst>
+          </p:cNvPr>
+          <p:cNvCxnSpPr>
+            <a:cxnSpLocks/>
+            <a:stCxn id="66" idx="2"/>
+            <a:endCxn id="253" idx="0"/>
+          </p:cNvCxnSpPr>
+          <p:nvPr/>
+        </p:nvCxnSpPr>
+        <p:spPr>
+          <a:xfrm rot="16200000" flipH="1">
+            <a:off x="26244608" y="8556941"/>
+            <a:ext cx="399748" cy="1349827"/>
+          </a:xfrm>
+          <a:prstGeom prst="bentConnector3">
+            <a:avLst>
+              <a:gd name="adj1" fmla="val 50000"/>
+            </a:avLst>
+          </a:prstGeom>
+          <a:ln w="28575">
+            <a:tailEnd type="arrow"/>
+          </a:ln>
+        </p:spPr>
+        <p:style>
+          <a:lnRef idx="1">
+            <a:schemeClr val="accent1"/>
+          </a:lnRef>
+          <a:fillRef idx="0">
+            <a:schemeClr val="accent1"/>
+          </a:fillRef>
+          <a:effectRef idx="0">
+            <a:schemeClr val="accent1"/>
+          </a:effectRef>
+          <a:fontRef idx="minor">
+            <a:schemeClr val="tx1"/>
+          </a:fontRef>
+        </p:style>
+      </p:cxnSp>
+      <p:cxnSp>
+        <p:nvCxnSpPr>
+          <p:cNvPr id="288" name="Shape 248">
+            <a:extLst>
+              <a:ext uri="{FF2B5EF4-FFF2-40B4-BE49-F238E27FC236}">
+                <a16:creationId xmlns:a16="http://schemas.microsoft.com/office/drawing/2014/main" id="{E5891B7E-CB5F-4EBA-B244-E22ED8E1A91A}"/>
+              </a:ext>
+            </a:extLst>
+          </p:cNvPr>
+          <p:cNvCxnSpPr>
+            <a:cxnSpLocks/>
+            <a:stCxn id="66" idx="2"/>
+            <a:endCxn id="249" idx="0"/>
+          </p:cNvCxnSpPr>
+          <p:nvPr/>
+        </p:nvCxnSpPr>
+        <p:spPr>
+          <a:xfrm rot="16200000" flipH="1">
+            <a:off x="27582261" y="7219289"/>
+            <a:ext cx="398130" cy="4023514"/>
+          </a:xfrm>
+          <a:prstGeom prst="bentConnector3">
+            <a:avLst>
+              <a:gd name="adj1" fmla="val 50000"/>
+            </a:avLst>
+          </a:prstGeom>
+          <a:ln w="28575">
+            <a:tailEnd type="arrow"/>
+          </a:ln>
+        </p:spPr>
+        <p:style>
+          <a:lnRef idx="1">
+            <a:schemeClr val="accent1"/>
+          </a:lnRef>
+          <a:fillRef idx="0">
+            <a:schemeClr val="accent1"/>
+          </a:fillRef>
+          <a:effectRef idx="0">
+            <a:schemeClr val="accent1"/>
+          </a:effectRef>
+          <a:fontRef idx="minor">
+            <a:schemeClr val="tx1"/>
+          </a:fontRef>
+        </p:style>
+      </p:cxnSp>
+      <p:sp>
+        <p:nvSpPr>
+          <p:cNvPr id="290" name="Прямоугольник 289">
+            <a:extLst>
+              <a:ext uri="{FF2B5EF4-FFF2-40B4-BE49-F238E27FC236}">
+                <a16:creationId xmlns:a16="http://schemas.microsoft.com/office/drawing/2014/main" id="{278D16BB-FDBF-449B-A690-A858ABF81FDD}"/>
+              </a:ext>
+            </a:extLst>
+          </p:cNvPr>
+          <p:cNvSpPr/>
+          <p:nvPr/>
+        </p:nvSpPr>
+        <p:spPr>
+          <a:xfrm>
+            <a:off x="27396845" y="12319741"/>
+            <a:ext cx="2115918" cy="1080000"/>
+          </a:xfrm>
+          <a:prstGeom prst="rect">
+            <a:avLst/>
+          </a:prstGeom>
+          <a:solidFill>
+            <a:srgbClr val="FF0000"/>
+          </a:solidFill>
+          <a:ln w="28575"/>
+        </p:spPr>
+        <p:style>
+          <a:lnRef idx="2">
+            <a:schemeClr val="accent1"/>
+          </a:lnRef>
+          <a:fillRef idx="1">
+            <a:schemeClr val="lt1"/>
+          </a:fillRef>
+          <a:effectRef idx="0">
+            <a:schemeClr val="accent1"/>
+          </a:effectRef>
+          <a:fontRef idx="minor">
+            <a:schemeClr val="dk1"/>
+          </a:fontRef>
+        </p:style>
+        <p:txBody>
+          <a:bodyPr lIns="124733" tIns="62367" rIns="124733" bIns="62367" rtlCol="0" anchor="ctr"/>
+          <a:lstStyle/>
+          <a:p>
+            <a:pPr algn="ctr"/>
+            <a:r>
+              <a:rPr lang="ru-RU" sz="1400" dirty="0"/>
+              <a:t>Принести коммунизм в Родезию </a:t>
+            </a:r>
+            <a:r>
+              <a:rPr lang="ru-RU" sz="1050" dirty="0"/>
+              <a:t>(новое)</a:t>
+            </a:r>
+            <a:endParaRPr lang="ru-RU" sz="800" dirty="0"/>
+          </a:p>
+        </p:txBody>
+      </p:sp>
+      <p:cxnSp>
+        <p:nvCxnSpPr>
+          <p:cNvPr id="297" name="Shape 248">
+            <a:extLst>
+              <a:ext uri="{FF2B5EF4-FFF2-40B4-BE49-F238E27FC236}">
+                <a16:creationId xmlns:a16="http://schemas.microsoft.com/office/drawing/2014/main" id="{2E5CEB81-8F51-4CC7-BFD3-6870AF84267A}"/>
+              </a:ext>
+            </a:extLst>
+          </p:cNvPr>
+          <p:cNvCxnSpPr>
+            <a:cxnSpLocks/>
+            <a:stCxn id="290" idx="2"/>
+            <a:endCxn id="213" idx="0"/>
+          </p:cNvCxnSpPr>
+          <p:nvPr/>
+        </p:nvCxnSpPr>
+        <p:spPr>
+          <a:xfrm rot="5400000">
+            <a:off x="27644720" y="12874837"/>
+            <a:ext cx="285181" cy="1334989"/>
+          </a:xfrm>
+          <a:prstGeom prst="bentConnector3">
+            <a:avLst>
+              <a:gd name="adj1" fmla="val 50000"/>
+            </a:avLst>
+          </a:prstGeom>
+          <a:ln w="28575">
+            <a:tailEnd type="arrow"/>
+          </a:ln>
+        </p:spPr>
+        <p:style>
+          <a:lnRef idx="1">
+            <a:schemeClr val="accent1"/>
+          </a:lnRef>
+          <a:fillRef idx="0">
+            <a:schemeClr val="accent1"/>
+          </a:fillRef>
+          <a:effectRef idx="0">
+            <a:schemeClr val="accent1"/>
+          </a:effectRef>
+          <a:fontRef idx="minor">
+            <a:schemeClr val="tx1"/>
+          </a:fontRef>
+        </p:style>
+      </p:cxnSp>
+      <p:cxnSp>
+        <p:nvCxnSpPr>
+          <p:cNvPr id="300" name="Shape 248">
+            <a:extLst>
+              <a:ext uri="{FF2B5EF4-FFF2-40B4-BE49-F238E27FC236}">
+                <a16:creationId xmlns:a16="http://schemas.microsoft.com/office/drawing/2014/main" id="{84E866F4-D79B-450D-9F47-A00044FA3472}"/>
+              </a:ext>
+            </a:extLst>
+          </p:cNvPr>
+          <p:cNvCxnSpPr>
+            <a:cxnSpLocks/>
+            <a:stCxn id="212" idx="2"/>
+            <a:endCxn id="213" idx="0"/>
+          </p:cNvCxnSpPr>
+          <p:nvPr/>
+        </p:nvCxnSpPr>
+        <p:spPr>
+          <a:xfrm rot="16200000" flipH="1">
+            <a:off x="26306864" y="12871970"/>
+            <a:ext cx="285181" cy="1340721"/>
+          </a:xfrm>
+          <a:prstGeom prst="bentConnector3">
+            <a:avLst>
+              <a:gd name="adj1" fmla="val 50000"/>
+            </a:avLst>
+          </a:prstGeom>
+          <a:ln w="28575">
+            <a:tailEnd type="arrow"/>
+          </a:ln>
+        </p:spPr>
+        <p:style>
+          <a:lnRef idx="1">
+            <a:schemeClr val="accent1"/>
+          </a:lnRef>
+          <a:fillRef idx="0">
+            <a:schemeClr val="accent1"/>
+          </a:fillRef>
+          <a:effectRef idx="0">
+            <a:schemeClr val="accent1"/>
+          </a:effectRef>
+          <a:fontRef idx="minor">
+            <a:schemeClr val="tx1"/>
+          </a:fontRef>
+        </p:style>
+      </p:cxnSp>
+      <p:cxnSp>
+        <p:nvCxnSpPr>
+          <p:cNvPr id="302" name="Shape 248">
+            <a:extLst>
+              <a:ext uri="{FF2B5EF4-FFF2-40B4-BE49-F238E27FC236}">
+                <a16:creationId xmlns:a16="http://schemas.microsoft.com/office/drawing/2014/main" id="{6806A5C0-9C92-4221-9909-972B914DA1ED}"/>
+              </a:ext>
+            </a:extLst>
+          </p:cNvPr>
+          <p:cNvCxnSpPr>
+            <a:cxnSpLocks/>
+            <a:stCxn id="257" idx="2"/>
+            <a:endCxn id="212" idx="0"/>
+          </p:cNvCxnSpPr>
+          <p:nvPr/>
+        </p:nvCxnSpPr>
+        <p:spPr>
+          <a:xfrm rot="5400000">
+            <a:off x="26235971" y="11436315"/>
+            <a:ext cx="426549" cy="1340302"/>
+          </a:xfrm>
+          <a:prstGeom prst="bentConnector3">
+            <a:avLst>
+              <a:gd name="adj1" fmla="val 50000"/>
+            </a:avLst>
+          </a:prstGeom>
+          <a:ln w="28575">
+            <a:tailEnd type="arrow"/>
+          </a:ln>
+        </p:spPr>
+        <p:style>
+          <a:lnRef idx="1">
+            <a:schemeClr val="accent1"/>
+          </a:lnRef>
+          <a:fillRef idx="0">
+            <a:schemeClr val="accent1"/>
+          </a:fillRef>
+          <a:effectRef idx="0">
+            <a:schemeClr val="accent1"/>
+          </a:effectRef>
+          <a:fontRef idx="minor">
+            <a:schemeClr val="tx1"/>
+          </a:fontRef>
+        </p:style>
+      </p:cxnSp>
+      <p:cxnSp>
+        <p:nvCxnSpPr>
+          <p:cNvPr id="305" name="Shape 248">
+            <a:extLst>
+              <a:ext uri="{FF2B5EF4-FFF2-40B4-BE49-F238E27FC236}">
+                <a16:creationId xmlns:a16="http://schemas.microsoft.com/office/drawing/2014/main" id="{166046F6-53A2-4A8F-9E82-FECD6D61EDCA}"/>
+              </a:ext>
+            </a:extLst>
+          </p:cNvPr>
+          <p:cNvCxnSpPr>
+            <a:cxnSpLocks/>
+            <a:stCxn id="257" idx="2"/>
+            <a:endCxn id="290" idx="0"/>
+          </p:cNvCxnSpPr>
+          <p:nvPr/>
+        </p:nvCxnSpPr>
+        <p:spPr>
+          <a:xfrm rot="16200000" flipH="1">
+            <a:off x="27573826" y="11438762"/>
+            <a:ext cx="426549" cy="1335408"/>
+          </a:xfrm>
+          <a:prstGeom prst="bentConnector3">
+            <a:avLst>
+              <a:gd name="adj1" fmla="val 50000"/>
+            </a:avLst>
+          </a:prstGeom>
+          <a:ln w="28575">
+            <a:tailEnd type="arrow"/>
+          </a:ln>
+        </p:spPr>
+        <p:style>
+          <a:lnRef idx="1">
+            <a:schemeClr val="accent1"/>
+          </a:lnRef>
+          <a:fillRef idx="0">
+            <a:schemeClr val="accent1"/>
+          </a:fillRef>
+          <a:effectRef idx="0">
+            <a:schemeClr val="accent1"/>
+          </a:effectRef>
+          <a:fontRef idx="minor">
+            <a:schemeClr val="tx1"/>
+          </a:fontRef>
+        </p:style>
+      </p:cxnSp>
+      <p:sp>
+        <p:nvSpPr>
+          <p:cNvPr id="311" name="Прямоугольник 310">
+            <a:extLst>
+              <a:ext uri="{FF2B5EF4-FFF2-40B4-BE49-F238E27FC236}">
+                <a16:creationId xmlns:a16="http://schemas.microsoft.com/office/drawing/2014/main" id="{868A50E7-D497-4453-8F17-23811042DB8B}"/>
+              </a:ext>
+            </a:extLst>
+          </p:cNvPr>
+          <p:cNvSpPr/>
+          <p:nvPr/>
+        </p:nvSpPr>
+        <p:spPr>
+          <a:xfrm>
+            <a:off x="23376249" y="15112508"/>
+            <a:ext cx="2115918" cy="1080000"/>
+          </a:xfrm>
+          <a:prstGeom prst="rect">
+            <a:avLst/>
+          </a:prstGeom>
+          <a:solidFill>
+            <a:srgbClr val="FF0000"/>
+          </a:solidFill>
+          <a:ln w="28575"/>
+        </p:spPr>
+        <p:style>
+          <a:lnRef idx="2">
+            <a:schemeClr val="accent1"/>
+          </a:lnRef>
+          <a:fillRef idx="1">
+            <a:schemeClr val="lt1"/>
+          </a:fillRef>
+          <a:effectRef idx="0">
+            <a:schemeClr val="accent1"/>
+          </a:effectRef>
+          <a:fontRef idx="minor">
+            <a:schemeClr val="dk1"/>
+          </a:fontRef>
+        </p:style>
+        <p:txBody>
+          <a:bodyPr lIns="124733" tIns="62367" rIns="124733" bIns="62367" rtlCol="0" anchor="ctr"/>
+          <a:lstStyle/>
+          <a:p>
+            <a:pPr algn="ctr"/>
+            <a:r>
+              <a:rPr lang="ru-RU" sz="1400" dirty="0"/>
+              <a:t>Освободить Британские колонии </a:t>
+            </a:r>
+            <a:r>
+              <a:rPr lang="ru-RU" sz="1050" dirty="0"/>
+              <a:t>(Текущее)</a:t>
+            </a:r>
+            <a:endParaRPr lang="ru-RU" sz="800" dirty="0"/>
+          </a:p>
+        </p:txBody>
+      </p:sp>
+      <p:cxnSp>
+        <p:nvCxnSpPr>
+          <p:cNvPr id="313" name="Shape 248">
+            <a:extLst>
+              <a:ext uri="{FF2B5EF4-FFF2-40B4-BE49-F238E27FC236}">
+                <a16:creationId xmlns:a16="http://schemas.microsoft.com/office/drawing/2014/main" id="{BEB45FBF-7486-4531-8351-79A56BEB7C89}"/>
+              </a:ext>
+            </a:extLst>
+          </p:cNvPr>
+          <p:cNvCxnSpPr>
+            <a:cxnSpLocks/>
+            <a:stCxn id="257" idx="2"/>
+            <a:endCxn id="216" idx="0"/>
+          </p:cNvCxnSpPr>
+          <p:nvPr/>
+        </p:nvCxnSpPr>
+        <p:spPr>
+          <a:xfrm rot="16200000" flipH="1">
+            <a:off x="27560374" y="11452213"/>
+            <a:ext cx="1791730" cy="2673687"/>
+          </a:xfrm>
+          <a:prstGeom prst="bentConnector3">
+            <a:avLst>
+              <a:gd name="adj1" fmla="val 11724"/>
+            </a:avLst>
+          </a:prstGeom>
+          <a:ln w="28575">
+            <a:tailEnd type="arrow"/>
+          </a:ln>
+        </p:spPr>
+        <p:style>
+          <a:lnRef idx="1">
+            <a:schemeClr val="accent1"/>
+          </a:lnRef>
+          <a:fillRef idx="0">
+            <a:schemeClr val="accent1"/>
+          </a:fillRef>
+          <a:effectRef idx="0">
+            <a:schemeClr val="accent1"/>
+          </a:effectRef>
+          <a:fontRef idx="minor">
+            <a:schemeClr val="tx1"/>
+          </a:fontRef>
+        </p:style>
+      </p:cxnSp>
+      <p:sp>
+        <p:nvSpPr>
+          <p:cNvPr id="316" name="Прямоугольник 315">
+            <a:extLst>
+              <a:ext uri="{FF2B5EF4-FFF2-40B4-BE49-F238E27FC236}">
+                <a16:creationId xmlns:a16="http://schemas.microsoft.com/office/drawing/2014/main" id="{C8C7E08F-B7C9-4CD3-8C8F-5B457D7950AB}"/>
+              </a:ext>
+            </a:extLst>
+          </p:cNvPr>
+          <p:cNvSpPr/>
+          <p:nvPr/>
+        </p:nvSpPr>
+        <p:spPr>
+          <a:xfrm>
+            <a:off x="28733864" y="15112508"/>
+            <a:ext cx="2115918" cy="1080000"/>
+          </a:xfrm>
+          <a:prstGeom prst="rect">
+            <a:avLst/>
+          </a:prstGeom>
+          <a:solidFill>
+            <a:srgbClr val="FF0000"/>
+          </a:solidFill>
+          <a:ln w="28575"/>
+        </p:spPr>
+        <p:style>
+          <a:lnRef idx="2">
+            <a:schemeClr val="accent1"/>
+          </a:lnRef>
+          <a:fillRef idx="1">
+            <a:schemeClr val="lt1"/>
+          </a:fillRef>
+          <a:effectRef idx="0">
+            <a:schemeClr val="accent1"/>
+          </a:effectRef>
+          <a:fontRef idx="minor">
+            <a:schemeClr val="dk1"/>
+          </a:fontRef>
+        </p:style>
+        <p:txBody>
+          <a:bodyPr lIns="124733" tIns="62367" rIns="124733" bIns="62367" rtlCol="0" anchor="ctr"/>
+          <a:lstStyle/>
+          <a:p>
+            <a:pPr algn="ctr"/>
+            <a:r>
+              <a:rPr lang="ru-RU" sz="1400" dirty="0"/>
+              <a:t>Освободить Французские колонии </a:t>
+            </a:r>
+            <a:r>
+              <a:rPr lang="ru-RU" sz="1050" dirty="0"/>
+              <a:t>(Текущее)</a:t>
+            </a:r>
+            <a:endParaRPr lang="ru-RU" sz="800" dirty="0"/>
+          </a:p>
+        </p:txBody>
+      </p:sp>
+      <p:cxnSp>
+        <p:nvCxnSpPr>
+          <p:cNvPr id="318" name="Shape 248">
+            <a:extLst>
+              <a:ext uri="{FF2B5EF4-FFF2-40B4-BE49-F238E27FC236}">
+                <a16:creationId xmlns:a16="http://schemas.microsoft.com/office/drawing/2014/main" id="{C6747080-ACF1-466D-BAE8-F4F3F47DC1F4}"/>
+              </a:ext>
+            </a:extLst>
+          </p:cNvPr>
+          <p:cNvCxnSpPr>
+            <a:cxnSpLocks/>
+            <a:stCxn id="215" idx="2"/>
+            <a:endCxn id="311" idx="0"/>
+          </p:cNvCxnSpPr>
+          <p:nvPr/>
+        </p:nvCxnSpPr>
+        <p:spPr>
+          <a:xfrm rot="5400000">
+            <a:off x="24260415" y="14938715"/>
+            <a:ext cx="347586" cy="12700"/>
+          </a:xfrm>
+          <a:prstGeom prst="bentConnector3">
+            <a:avLst>
+              <a:gd name="adj1" fmla="val 50000"/>
+            </a:avLst>
+          </a:prstGeom>
+          <a:ln w="28575">
+            <a:tailEnd type="arrow"/>
+          </a:ln>
+        </p:spPr>
+        <p:style>
+          <a:lnRef idx="1">
+            <a:schemeClr val="accent1"/>
+          </a:lnRef>
+          <a:fillRef idx="0">
+            <a:schemeClr val="accent1"/>
+          </a:fillRef>
+          <a:effectRef idx="0">
+            <a:schemeClr val="accent1"/>
+          </a:effectRef>
+          <a:fontRef idx="minor">
+            <a:schemeClr val="tx1"/>
+          </a:fontRef>
+        </p:style>
+      </p:cxnSp>
+      <p:cxnSp>
+        <p:nvCxnSpPr>
+          <p:cNvPr id="326" name="Shape 248">
+            <a:extLst>
+              <a:ext uri="{FF2B5EF4-FFF2-40B4-BE49-F238E27FC236}">
+                <a16:creationId xmlns:a16="http://schemas.microsoft.com/office/drawing/2014/main" id="{58161C5D-DEC3-4839-BC8D-724EEFE6C33B}"/>
+              </a:ext>
+            </a:extLst>
+          </p:cNvPr>
+          <p:cNvCxnSpPr>
+            <a:cxnSpLocks/>
+            <a:stCxn id="216" idx="2"/>
+            <a:endCxn id="316" idx="0"/>
+          </p:cNvCxnSpPr>
+          <p:nvPr/>
+        </p:nvCxnSpPr>
+        <p:spPr>
+          <a:xfrm rot="5400000">
+            <a:off x="29618660" y="14938085"/>
+            <a:ext cx="347586" cy="1260"/>
+          </a:xfrm>
+          <a:prstGeom prst="bentConnector3">
+            <a:avLst>
+              <a:gd name="adj1" fmla="val 50000"/>
+            </a:avLst>
+          </a:prstGeom>
+          <a:ln w="28575">
+            <a:tailEnd type="arrow"/>
+          </a:ln>
+        </p:spPr>
+        <p:style>
+          <a:lnRef idx="1">
+            <a:schemeClr val="accent1"/>
+          </a:lnRef>
+          <a:fillRef idx="0">
+            <a:schemeClr val="accent1"/>
+          </a:fillRef>
+          <a:effectRef idx="0">
+            <a:schemeClr val="accent1"/>
+          </a:effectRef>
+          <a:fontRef idx="minor">
+            <a:schemeClr val="tx1"/>
+          </a:fontRef>
+        </p:style>
+      </p:cxnSp>
+      <p:cxnSp>
+        <p:nvCxnSpPr>
+          <p:cNvPr id="329" name="Shape 248">
+            <a:extLst>
+              <a:ext uri="{FF2B5EF4-FFF2-40B4-BE49-F238E27FC236}">
+                <a16:creationId xmlns:a16="http://schemas.microsoft.com/office/drawing/2014/main" id="{BED6FD35-7ED6-489B-ACD7-6FC6A87D7BDF}"/>
+              </a:ext>
+            </a:extLst>
+          </p:cNvPr>
+          <p:cNvCxnSpPr>
+            <a:cxnSpLocks/>
+            <a:stCxn id="311" idx="2"/>
+            <a:endCxn id="242" idx="0"/>
+          </p:cNvCxnSpPr>
+          <p:nvPr/>
+        </p:nvCxnSpPr>
+        <p:spPr>
+          <a:xfrm rot="16200000" flipH="1">
+            <a:off x="24932858" y="15693858"/>
+            <a:ext cx="347586" cy="1344886"/>
+          </a:xfrm>
+          <a:prstGeom prst="bentConnector3">
+            <a:avLst>
+              <a:gd name="adj1" fmla="val 50000"/>
+            </a:avLst>
+          </a:prstGeom>
+          <a:ln w="28575">
+            <a:prstDash val="dash"/>
+            <a:tailEnd type="arrow"/>
+          </a:ln>
+        </p:spPr>
+        <p:style>
+          <a:lnRef idx="1">
+            <a:schemeClr val="accent1"/>
+          </a:lnRef>
+          <a:fillRef idx="0">
+            <a:schemeClr val="accent1"/>
+          </a:fillRef>
+          <a:effectRef idx="0">
+            <a:schemeClr val="accent1"/>
+          </a:effectRef>
+          <a:fontRef idx="minor">
+            <a:schemeClr val="tx1"/>
+          </a:fontRef>
+        </p:style>
+      </p:cxnSp>
+      <p:cxnSp>
+        <p:nvCxnSpPr>
+          <p:cNvPr id="332" name="Shape 248">
+            <a:extLst>
+              <a:ext uri="{FF2B5EF4-FFF2-40B4-BE49-F238E27FC236}">
+                <a16:creationId xmlns:a16="http://schemas.microsoft.com/office/drawing/2014/main" id="{A63CAA29-B0BF-400A-84BE-FBC537E38D9C}"/>
+              </a:ext>
+            </a:extLst>
+          </p:cNvPr>
+          <p:cNvCxnSpPr>
+            <a:cxnSpLocks/>
+            <a:stCxn id="311" idx="2"/>
+            <a:endCxn id="246" idx="0"/>
+          </p:cNvCxnSpPr>
+          <p:nvPr/>
+        </p:nvCxnSpPr>
+        <p:spPr>
+          <a:xfrm rot="16200000" flipH="1">
+            <a:off x="26270713" y="14356003"/>
+            <a:ext cx="347586" cy="4020596"/>
+          </a:xfrm>
+          <a:prstGeom prst="bentConnector3">
+            <a:avLst>
+              <a:gd name="adj1" fmla="val 50000"/>
+            </a:avLst>
+          </a:prstGeom>
+          <a:ln w="28575">
+            <a:prstDash val="dash"/>
+            <a:tailEnd type="arrow"/>
+          </a:ln>
+        </p:spPr>
+        <p:style>
+          <a:lnRef idx="1">
+            <a:schemeClr val="accent1"/>
+          </a:lnRef>
+          <a:fillRef idx="0">
+            <a:schemeClr val="accent1"/>
+          </a:fillRef>
+          <a:effectRef idx="0">
+            <a:schemeClr val="accent1"/>
+          </a:effectRef>
+          <a:fontRef idx="minor">
+            <a:schemeClr val="tx1"/>
+          </a:fontRef>
+        </p:style>
+      </p:cxnSp>
+      <p:cxnSp>
+        <p:nvCxnSpPr>
+          <p:cNvPr id="335" name="Shape 248">
+            <a:extLst>
+              <a:ext uri="{FF2B5EF4-FFF2-40B4-BE49-F238E27FC236}">
+                <a16:creationId xmlns:a16="http://schemas.microsoft.com/office/drawing/2014/main" id="{5EC344A3-0BF5-4484-9C11-CE03EA7FB834}"/>
+              </a:ext>
+            </a:extLst>
+          </p:cNvPr>
+          <p:cNvCxnSpPr>
+            <a:cxnSpLocks/>
+            <a:stCxn id="214" idx="2"/>
+            <a:endCxn id="242" idx="0"/>
+          </p:cNvCxnSpPr>
+          <p:nvPr/>
+        </p:nvCxnSpPr>
+        <p:spPr>
+          <a:xfrm rot="5400000">
+            <a:off x="26272262" y="15699340"/>
+            <a:ext cx="347586" cy="1333922"/>
+          </a:xfrm>
+          <a:prstGeom prst="bentConnector3">
+            <a:avLst>
+              <a:gd name="adj1" fmla="val 50000"/>
+            </a:avLst>
+          </a:prstGeom>
+          <a:ln w="28575">
+            <a:prstDash val="dash"/>
+            <a:tailEnd type="arrow"/>
+          </a:ln>
+        </p:spPr>
+        <p:style>
+          <a:lnRef idx="1">
+            <a:schemeClr val="accent1"/>
+          </a:lnRef>
+          <a:fillRef idx="0">
+            <a:schemeClr val="accent1"/>
+          </a:fillRef>
+          <a:effectRef idx="0">
+            <a:schemeClr val="accent1"/>
+          </a:effectRef>
+          <a:fontRef idx="minor">
+            <a:schemeClr val="tx1"/>
+          </a:fontRef>
+        </p:style>
+      </p:cxnSp>
+      <p:cxnSp>
+        <p:nvCxnSpPr>
+          <p:cNvPr id="338" name="Shape 248">
+            <a:extLst>
+              <a:ext uri="{FF2B5EF4-FFF2-40B4-BE49-F238E27FC236}">
+                <a16:creationId xmlns:a16="http://schemas.microsoft.com/office/drawing/2014/main" id="{A7F12841-AB34-4CC1-9965-824DF87AC7B9}"/>
+              </a:ext>
+            </a:extLst>
+          </p:cNvPr>
+          <p:cNvCxnSpPr>
+            <a:cxnSpLocks/>
+            <a:stCxn id="214" idx="2"/>
+            <a:endCxn id="246" idx="0"/>
+          </p:cNvCxnSpPr>
+          <p:nvPr/>
+        </p:nvCxnSpPr>
+        <p:spPr>
+          <a:xfrm rot="16200000" flipH="1">
+            <a:off x="27610117" y="15695407"/>
+            <a:ext cx="347586" cy="1341788"/>
+          </a:xfrm>
+          <a:prstGeom prst="bentConnector3">
+            <a:avLst>
+              <a:gd name="adj1" fmla="val 50000"/>
+            </a:avLst>
+          </a:prstGeom>
+          <a:ln w="28575">
+            <a:prstDash val="dash"/>
+            <a:tailEnd type="arrow"/>
+          </a:ln>
+        </p:spPr>
+        <p:style>
+          <a:lnRef idx="1">
+            <a:schemeClr val="accent1"/>
+          </a:lnRef>
+          <a:fillRef idx="0">
+            <a:schemeClr val="accent1"/>
+          </a:fillRef>
+          <a:effectRef idx="0">
+            <a:schemeClr val="accent1"/>
+          </a:effectRef>
+          <a:fontRef idx="minor">
+            <a:schemeClr val="tx1"/>
+          </a:fontRef>
+        </p:style>
+      </p:cxnSp>
+      <p:cxnSp>
+        <p:nvCxnSpPr>
+          <p:cNvPr id="341" name="Shape 248">
+            <a:extLst>
+              <a:ext uri="{FF2B5EF4-FFF2-40B4-BE49-F238E27FC236}">
+                <a16:creationId xmlns:a16="http://schemas.microsoft.com/office/drawing/2014/main" id="{6336FDC1-AA70-43B0-9203-70B8EF94EAD4}"/>
+              </a:ext>
+            </a:extLst>
+          </p:cNvPr>
+          <p:cNvCxnSpPr>
+            <a:cxnSpLocks/>
+            <a:stCxn id="316" idx="2"/>
+            <a:endCxn id="242" idx="0"/>
+          </p:cNvCxnSpPr>
+          <p:nvPr/>
+        </p:nvCxnSpPr>
+        <p:spPr>
+          <a:xfrm rot="5400000">
+            <a:off x="27611666" y="14359937"/>
+            <a:ext cx="347586" cy="4012729"/>
+          </a:xfrm>
+          <a:prstGeom prst="bentConnector3">
+            <a:avLst>
+              <a:gd name="adj1" fmla="val 50000"/>
+            </a:avLst>
+          </a:prstGeom>
+          <a:ln w="28575">
+            <a:prstDash val="dash"/>
+            <a:tailEnd type="arrow"/>
+          </a:ln>
+        </p:spPr>
+        <p:style>
+          <a:lnRef idx="1">
+            <a:schemeClr val="accent1"/>
+          </a:lnRef>
+          <a:fillRef idx="0">
+            <a:schemeClr val="accent1"/>
+          </a:fillRef>
+          <a:effectRef idx="0">
+            <a:schemeClr val="accent1"/>
+          </a:effectRef>
+          <a:fontRef idx="minor">
+            <a:schemeClr val="tx1"/>
+          </a:fontRef>
+        </p:style>
+      </p:cxnSp>
+      <p:cxnSp>
+        <p:nvCxnSpPr>
+          <p:cNvPr id="344" name="Shape 248">
+            <a:extLst>
+              <a:ext uri="{FF2B5EF4-FFF2-40B4-BE49-F238E27FC236}">
+                <a16:creationId xmlns:a16="http://schemas.microsoft.com/office/drawing/2014/main" id="{1C5B0918-B29C-4027-908B-CB9D03FDFEA9}"/>
+              </a:ext>
+            </a:extLst>
+          </p:cNvPr>
+          <p:cNvCxnSpPr>
+            <a:cxnSpLocks/>
+            <a:stCxn id="316" idx="2"/>
+            <a:endCxn id="246" idx="0"/>
+          </p:cNvCxnSpPr>
+          <p:nvPr/>
+        </p:nvCxnSpPr>
+        <p:spPr>
+          <a:xfrm rot="5400000">
+            <a:off x="28949521" y="15697792"/>
+            <a:ext cx="347586" cy="1337019"/>
+          </a:xfrm>
+          <a:prstGeom prst="bentConnector3">
+            <a:avLst>
+              <a:gd name="adj1" fmla="val 50000"/>
+            </a:avLst>
+          </a:prstGeom>
+          <a:ln w="28575">
+            <a:prstDash val="dash"/>
+            <a:tailEnd type="arrow"/>
+          </a:ln>
+        </p:spPr>
+        <p:style>
+          <a:lnRef idx="1">
+            <a:schemeClr val="accent1"/>
+          </a:lnRef>
+          <a:fillRef idx="0">
+            <a:schemeClr val="accent1"/>
+          </a:fillRef>
+          <a:effectRef idx="0">
+            <a:schemeClr val="accent1"/>
+          </a:effectRef>
+          <a:fontRef idx="minor">
+            <a:schemeClr val="tx1"/>
+          </a:fontRef>
+        </p:style>
+      </p:cxnSp>
+      <p:cxnSp>
+        <p:nvCxnSpPr>
+          <p:cNvPr id="347" name="Shape 248">
+            <a:extLst>
+              <a:ext uri="{FF2B5EF4-FFF2-40B4-BE49-F238E27FC236}">
+                <a16:creationId xmlns:a16="http://schemas.microsoft.com/office/drawing/2014/main" id="{6A050BE5-6D0C-4AD4-868D-EC7425253258}"/>
+              </a:ext>
+            </a:extLst>
+          </p:cNvPr>
+          <p:cNvCxnSpPr>
+            <a:cxnSpLocks/>
+            <a:stCxn id="66" idx="2"/>
+            <a:endCxn id="273" idx="0"/>
+          </p:cNvCxnSpPr>
+          <p:nvPr/>
+        </p:nvCxnSpPr>
+        <p:spPr>
+          <a:xfrm rot="16200000" flipH="1">
+            <a:off x="28894687" y="5906862"/>
+            <a:ext cx="410830" cy="6661067"/>
+          </a:xfrm>
+          <a:prstGeom prst="bentConnector3">
+            <a:avLst>
+              <a:gd name="adj1" fmla="val 50000"/>
+            </a:avLst>
+          </a:prstGeom>
+          <a:ln w="28575">
+            <a:tailEnd type="arrow"/>
+          </a:ln>
+        </p:spPr>
+        <p:style>
+          <a:lnRef idx="1">
+            <a:schemeClr val="accent1"/>
+          </a:lnRef>
+          <a:fillRef idx="0">
+            <a:schemeClr val="accent1"/>
+          </a:fillRef>
+          <a:effectRef idx="0">
+            <a:schemeClr val="accent1"/>
+          </a:effectRef>
+          <a:fontRef idx="minor">
+            <a:schemeClr val="tx1"/>
+          </a:fontRef>
+        </p:style>
+      </p:cxnSp>
+      <p:sp>
+        <p:nvSpPr>
+          <p:cNvPr id="350" name="Прямоугольник 349">
+            <a:extLst>
+              <a:ext uri="{FF2B5EF4-FFF2-40B4-BE49-F238E27FC236}">
+                <a16:creationId xmlns:a16="http://schemas.microsoft.com/office/drawing/2014/main" id="{765E26F8-259A-4760-98B9-CFA5E8DB365C}"/>
+              </a:ext>
+            </a:extLst>
+          </p:cNvPr>
+          <p:cNvSpPr/>
+          <p:nvPr/>
+        </p:nvSpPr>
+        <p:spPr>
+          <a:xfrm>
+            <a:off x="28733864" y="10802042"/>
+            <a:ext cx="2115918" cy="1080000"/>
+          </a:xfrm>
+          <a:prstGeom prst="rect">
+            <a:avLst/>
+          </a:prstGeom>
+          <a:solidFill>
+            <a:srgbClr val="FF0000"/>
+          </a:solidFill>
+          <a:ln w="28575"/>
+        </p:spPr>
+        <p:style>
+          <a:lnRef idx="2">
+            <a:schemeClr val="accent1"/>
+          </a:lnRef>
+          <a:fillRef idx="1">
+            <a:schemeClr val="lt1"/>
+          </a:fillRef>
+          <a:effectRef idx="0">
+            <a:schemeClr val="accent1"/>
+          </a:effectRef>
+          <a:fontRef idx="minor">
+            <a:schemeClr val="dk1"/>
+          </a:fontRef>
+        </p:style>
+        <p:txBody>
+          <a:bodyPr lIns="124733" tIns="62367" rIns="124733" bIns="62367" rtlCol="0" anchor="ctr"/>
+          <a:lstStyle/>
+          <a:p>
+            <a:pPr algn="ctr"/>
+            <a:r>
+              <a:rPr lang="ru-RU" sz="1400" dirty="0"/>
+              <a:t>Пригласить Республику Намибия </a:t>
+            </a:r>
+            <a:r>
+              <a:rPr lang="ru-RU" sz="1050" dirty="0"/>
+              <a:t>(новое)</a:t>
+            </a:r>
+            <a:endParaRPr lang="ru-RU" sz="800" dirty="0"/>
+          </a:p>
+        </p:txBody>
+      </p:sp>
+      <p:cxnSp>
+        <p:nvCxnSpPr>
+          <p:cNvPr id="351" name="Shape 248">
+            <a:extLst>
+              <a:ext uri="{FF2B5EF4-FFF2-40B4-BE49-F238E27FC236}">
+                <a16:creationId xmlns:a16="http://schemas.microsoft.com/office/drawing/2014/main" id="{148F55FF-8BDD-4E8A-BE73-081B70FFD284}"/>
+              </a:ext>
+            </a:extLst>
+          </p:cNvPr>
+          <p:cNvCxnSpPr>
+            <a:cxnSpLocks/>
+            <a:stCxn id="253" idx="2"/>
+            <a:endCxn id="350" idx="0"/>
+          </p:cNvCxnSpPr>
+          <p:nvPr/>
+        </p:nvCxnSpPr>
+        <p:spPr>
+          <a:xfrm rot="16200000" flipH="1">
+            <a:off x="28310453" y="9320671"/>
+            <a:ext cx="290313" cy="2672427"/>
+          </a:xfrm>
+          <a:prstGeom prst="bentConnector3">
+            <a:avLst>
+              <a:gd name="adj1" fmla="val 50000"/>
+            </a:avLst>
+          </a:prstGeom>
+          <a:ln w="28575">
+            <a:tailEnd type="arrow"/>
+          </a:ln>
+        </p:spPr>
+        <p:style>
+          <a:lnRef idx="1">
+            <a:schemeClr val="accent1"/>
+          </a:lnRef>
+          <a:fillRef idx="0">
+            <a:schemeClr val="accent1"/>
+          </a:fillRef>
+          <a:effectRef idx="0">
+            <a:schemeClr val="accent1"/>
+          </a:effectRef>
+          <a:fontRef idx="minor">
+            <a:schemeClr val="tx1"/>
+          </a:fontRef>
+        </p:style>
+      </p:cxnSp>
+      <p:sp>
+        <p:nvSpPr>
+          <p:cNvPr id="354" name="Прямоугольник 353">
+            <a:extLst>
+              <a:ext uri="{FF2B5EF4-FFF2-40B4-BE49-F238E27FC236}">
+                <a16:creationId xmlns:a16="http://schemas.microsoft.com/office/drawing/2014/main" id="{BDEC123E-8F59-477F-B827-9EB5E35E3B23}"/>
+              </a:ext>
+            </a:extLst>
+          </p:cNvPr>
+          <p:cNvSpPr/>
+          <p:nvPr/>
+        </p:nvSpPr>
+        <p:spPr>
+          <a:xfrm>
+            <a:off x="31372677" y="10795767"/>
+            <a:ext cx="2115918" cy="1080000"/>
+          </a:xfrm>
+          <a:prstGeom prst="rect">
+            <a:avLst/>
+          </a:prstGeom>
+          <a:solidFill>
+            <a:srgbClr val="FF0000"/>
+          </a:solidFill>
+          <a:ln w="28575"/>
+        </p:spPr>
+        <p:style>
+          <a:lnRef idx="2">
+            <a:schemeClr val="accent1"/>
+          </a:lnRef>
+          <a:fillRef idx="1">
+            <a:schemeClr val="lt1"/>
+          </a:fillRef>
+          <a:effectRef idx="0">
+            <a:schemeClr val="accent1"/>
+          </a:effectRef>
+          <a:fontRef idx="minor">
+            <a:schemeClr val="dk1"/>
+          </a:fontRef>
+        </p:style>
+        <p:txBody>
+          <a:bodyPr lIns="124733" tIns="62367" rIns="124733" bIns="62367" rtlCol="0" anchor="ctr"/>
+          <a:lstStyle/>
+          <a:p>
+            <a:pPr algn="ctr"/>
+            <a:r>
+              <a:rPr lang="ru-RU" sz="1400" dirty="0"/>
+              <a:t>Пригласить Родезийскую республику </a:t>
+            </a:r>
+            <a:r>
+              <a:rPr lang="ru-RU" sz="1050" dirty="0"/>
+              <a:t>(новое)</a:t>
+            </a:r>
+            <a:endParaRPr lang="ru-RU" sz="800" dirty="0"/>
+          </a:p>
+        </p:txBody>
+      </p:sp>
+      <p:cxnSp>
+        <p:nvCxnSpPr>
+          <p:cNvPr id="355" name="Shape 248">
+            <a:extLst>
+              <a:ext uri="{FF2B5EF4-FFF2-40B4-BE49-F238E27FC236}">
+                <a16:creationId xmlns:a16="http://schemas.microsoft.com/office/drawing/2014/main" id="{0D0F5707-F5F0-4A89-9C8D-7B643700012E}"/>
+              </a:ext>
+            </a:extLst>
+          </p:cNvPr>
+          <p:cNvCxnSpPr>
+            <a:cxnSpLocks/>
+            <a:stCxn id="253" idx="2"/>
+            <a:endCxn id="354" idx="0"/>
+          </p:cNvCxnSpPr>
+          <p:nvPr/>
+        </p:nvCxnSpPr>
+        <p:spPr>
+          <a:xfrm rot="16200000" flipH="1">
+            <a:off x="29632997" y="7998128"/>
+            <a:ext cx="284038" cy="5311240"/>
+          </a:xfrm>
+          <a:prstGeom prst="bentConnector3">
+            <a:avLst>
+              <a:gd name="adj1" fmla="val 50000"/>
+            </a:avLst>
+          </a:prstGeom>
+          <a:ln w="28575">
+            <a:tailEnd type="arrow"/>
+          </a:ln>
+        </p:spPr>
+        <p:style>
+          <a:lnRef idx="1">
+            <a:schemeClr val="accent1"/>
+          </a:lnRef>
+          <a:fillRef idx="0">
+            <a:schemeClr val="accent1"/>
+          </a:fillRef>
+          <a:effectRef idx="0">
+            <a:schemeClr val="accent1"/>
+          </a:effectRef>
+          <a:fontRef idx="minor">
+            <a:schemeClr val="tx1"/>
+          </a:fontRef>
+        </p:style>
+      </p:cxnSp>
+      <p:sp>
+        <p:nvSpPr>
+          <p:cNvPr id="358" name="Прямоугольник 357">
+            <a:extLst>
+              <a:ext uri="{FF2B5EF4-FFF2-40B4-BE49-F238E27FC236}">
+                <a16:creationId xmlns:a16="http://schemas.microsoft.com/office/drawing/2014/main" id="{303508BD-E009-4A74-9100-C9F0887DF0CB}"/>
+              </a:ext>
+            </a:extLst>
+          </p:cNvPr>
+          <p:cNvSpPr/>
+          <p:nvPr/>
+        </p:nvSpPr>
+        <p:spPr>
+          <a:xfrm>
+            <a:off x="30077036" y="12319741"/>
+            <a:ext cx="2115918" cy="1080000"/>
+          </a:xfrm>
+          <a:prstGeom prst="rect">
+            <a:avLst/>
+          </a:prstGeom>
+          <a:solidFill>
+            <a:srgbClr val="FF0000"/>
+          </a:solidFill>
+          <a:ln w="28575"/>
+        </p:spPr>
+        <p:style>
+          <a:lnRef idx="2">
+            <a:schemeClr val="accent1"/>
+          </a:lnRef>
+          <a:fillRef idx="1">
+            <a:schemeClr val="lt1"/>
+          </a:fillRef>
+          <a:effectRef idx="0">
+            <a:schemeClr val="accent1"/>
+          </a:effectRef>
+          <a:fontRef idx="minor">
+            <a:schemeClr val="dk1"/>
+          </a:fontRef>
+        </p:style>
+        <p:txBody>
+          <a:bodyPr lIns="124733" tIns="62367" rIns="124733" bIns="62367" rtlCol="0" anchor="ctr"/>
+          <a:lstStyle/>
+          <a:p>
+            <a:pPr algn="ctr"/>
+            <a:r>
+              <a:rPr lang="ru-RU" sz="1400" dirty="0"/>
+              <a:t>Объединиться с союзными республиками </a:t>
+            </a:r>
+            <a:r>
+              <a:rPr lang="ru-RU" sz="1050" dirty="0"/>
+              <a:t>(новое)</a:t>
+            </a:r>
+            <a:endParaRPr lang="ru-RU" sz="800" dirty="0"/>
+          </a:p>
+        </p:txBody>
+      </p:sp>
+      <p:cxnSp>
+        <p:nvCxnSpPr>
+          <p:cNvPr id="359" name="Shape 248">
+            <a:extLst>
+              <a:ext uri="{FF2B5EF4-FFF2-40B4-BE49-F238E27FC236}">
+                <a16:creationId xmlns:a16="http://schemas.microsoft.com/office/drawing/2014/main" id="{FF497636-6F8A-4D52-A5D8-7BDAE47FFF42}"/>
+              </a:ext>
+            </a:extLst>
+          </p:cNvPr>
+          <p:cNvCxnSpPr>
+            <a:cxnSpLocks/>
+            <a:stCxn id="350" idx="2"/>
+            <a:endCxn id="358" idx="0"/>
+          </p:cNvCxnSpPr>
+          <p:nvPr/>
+        </p:nvCxnSpPr>
+        <p:spPr>
+          <a:xfrm rot="16200000" flipH="1">
+            <a:off x="30244560" y="11429305"/>
+            <a:ext cx="437699" cy="1343172"/>
+          </a:xfrm>
+          <a:prstGeom prst="bentConnector3">
+            <a:avLst>
+              <a:gd name="adj1" fmla="val 50000"/>
+            </a:avLst>
+          </a:prstGeom>
+          <a:ln w="28575">
+            <a:prstDash val="dash"/>
+            <a:tailEnd type="arrow"/>
+          </a:ln>
+        </p:spPr>
+        <p:style>
+          <a:lnRef idx="1">
+            <a:schemeClr val="accent1"/>
+          </a:lnRef>
+          <a:fillRef idx="0">
+            <a:schemeClr val="accent1"/>
+          </a:fillRef>
+          <a:effectRef idx="0">
+            <a:schemeClr val="accent1"/>
+          </a:effectRef>
+          <a:fontRef idx="minor">
+            <a:schemeClr val="tx1"/>
+          </a:fontRef>
+        </p:style>
+      </p:cxnSp>
+      <p:cxnSp>
+        <p:nvCxnSpPr>
+          <p:cNvPr id="363" name="Shape 248">
+            <a:extLst>
+              <a:ext uri="{FF2B5EF4-FFF2-40B4-BE49-F238E27FC236}">
+                <a16:creationId xmlns:a16="http://schemas.microsoft.com/office/drawing/2014/main" id="{7BA2ACFB-4C24-4A72-A2EB-4B1262117E3C}"/>
+              </a:ext>
+            </a:extLst>
+          </p:cNvPr>
+          <p:cNvCxnSpPr>
+            <a:cxnSpLocks/>
+            <a:stCxn id="354" idx="2"/>
+            <a:endCxn id="358" idx="0"/>
+          </p:cNvCxnSpPr>
+          <p:nvPr/>
+        </p:nvCxnSpPr>
+        <p:spPr>
+          <a:xfrm rot="5400000">
+            <a:off x="31560829" y="11449934"/>
+            <a:ext cx="443974" cy="1295641"/>
+          </a:xfrm>
+          <a:prstGeom prst="bentConnector3">
+            <a:avLst>
+              <a:gd name="adj1" fmla="val 50000"/>
+            </a:avLst>
+          </a:prstGeom>
+          <a:ln w="28575">
+            <a:prstDash val="dash"/>
+            <a:tailEnd type="arrow"/>
+          </a:ln>
+        </p:spPr>
+        <p:style>
+          <a:lnRef idx="1">
+            <a:schemeClr val="accent1"/>
+          </a:lnRef>
+          <a:fillRef idx="0">
+            <a:schemeClr val="accent1"/>
+          </a:fillRef>
+          <a:effectRef idx="0">
+            <a:schemeClr val="accent1"/>
+          </a:effectRef>
+          <a:fontRef idx="minor">
+            <a:schemeClr val="tx1"/>
+          </a:fontRef>
+        </p:style>
+      </p:cxnSp>
+      <p:cxnSp>
+        <p:nvCxnSpPr>
+          <p:cNvPr id="381" name="Прямая соединительная линия 380">
+            <a:extLst>
+              <a:ext uri="{FF2B5EF4-FFF2-40B4-BE49-F238E27FC236}">
+                <a16:creationId xmlns:a16="http://schemas.microsoft.com/office/drawing/2014/main" id="{CD8E8FE1-3FE9-4617-A9E7-1413F44D5694}"/>
+              </a:ext>
+            </a:extLst>
+          </p:cNvPr>
+          <p:cNvCxnSpPr>
+            <a:cxnSpLocks/>
+            <a:stCxn id="179" idx="3"/>
+            <a:endCxn id="191" idx="1"/>
+          </p:cNvCxnSpPr>
+          <p:nvPr/>
+        </p:nvCxnSpPr>
+        <p:spPr>
+          <a:xfrm>
+            <a:off x="29512676" y="5639389"/>
+            <a:ext cx="6988145" cy="39985"/>
+          </a:xfrm>
+          <a:prstGeom prst="line">
+            <a:avLst/>
+          </a:prstGeom>
+          <a:ln w="38100">
+            <a:solidFill>
+              <a:srgbClr val="FF0000"/>
+            </a:solidFill>
+          </a:ln>
+        </p:spPr>
+        <p:style>
+          <a:lnRef idx="1">
+            <a:schemeClr val="accent2"/>
+          </a:lnRef>
+          <a:fillRef idx="0">
+            <a:schemeClr val="accent2"/>
+          </a:fillRef>
+          <a:effectRef idx="0">
+            <a:schemeClr val="accent2"/>
+          </a:effectRef>
+          <a:fontRef idx="minor">
+            <a:schemeClr val="tx1"/>
+          </a:fontRef>
+        </p:style>
+      </p:cxnSp>
+      <p:sp>
+        <p:nvSpPr>
+          <p:cNvPr id="401" name="Прямоугольник 400">
+            <a:extLst>
+              <a:ext uri="{FF2B5EF4-FFF2-40B4-BE49-F238E27FC236}">
+                <a16:creationId xmlns:a16="http://schemas.microsoft.com/office/drawing/2014/main" id="{1A5ACA76-F98C-4AAE-8C89-68E8846C4F3E}"/>
+              </a:ext>
+            </a:extLst>
+          </p:cNvPr>
+          <p:cNvSpPr/>
+          <p:nvPr/>
+        </p:nvSpPr>
+        <p:spPr>
+          <a:xfrm>
+            <a:off x="5626984" y="18804179"/>
+            <a:ext cx="2115918" cy="1080000"/>
+          </a:xfrm>
+          <a:prstGeom prst="rect">
+            <a:avLst/>
+          </a:prstGeom>
+          <a:ln w="28575"/>
+        </p:spPr>
+        <p:style>
+          <a:lnRef idx="2">
+            <a:schemeClr val="accent1"/>
+          </a:lnRef>
+          <a:fillRef idx="1">
+            <a:schemeClr val="lt1"/>
+          </a:fillRef>
+          <a:effectRef idx="0">
+            <a:schemeClr val="accent1"/>
+          </a:effectRef>
+          <a:fontRef idx="minor">
+            <a:schemeClr val="dk1"/>
+          </a:fontRef>
+        </p:style>
+        <p:txBody>
+          <a:bodyPr lIns="124733" tIns="62367" rIns="124733" bIns="62367" rtlCol="0" anchor="ctr"/>
+          <a:lstStyle/>
+          <a:p>
+            <a:pPr algn="ctr"/>
+            <a:r>
+              <a:rPr lang="ru-RU" sz="3200"/>
+              <a:t>24 фокуса</a:t>
+            </a:r>
+            <a:endParaRPr lang="ru-RU" sz="3200" dirty="0"/>
+          </a:p>
+        </p:txBody>
+      </p:sp>
     </p:spTree>
     <p:extLst>
       <p:ext uri="{BB962C8B-B14F-4D97-AF65-F5344CB8AC3E}">

--- a/Наработки/диздоки/ЮАС/ЮАС.pptx
+++ b/Наработки/диздоки/ЮАС/ЮАС.pptx
@@ -6802,10 +6802,6 @@
               <a:rPr lang="ru-RU" sz="1400" dirty="0"/>
               <a:t>Ослабить оковы рабочих! </a:t>
             </a:r>
-            <a:r>
-              <a:rPr lang="ru-RU" sz="700" dirty="0"/>
-              <a:t>(Прожиточный минимум и сокращенный рабочий день оплачиваемый ежегодный отпуск и отпуск по болезни для всех работников, а также полностью оплачиваемый отпуск по беременности и родам для всех работающих матерей;)</a:t>
-            </a:r>
             <a:endParaRPr lang="ru-RU" sz="500" dirty="0"/>
           </a:p>
         </p:txBody>
@@ -6855,140 +6851,7 @@
               <a:rPr lang="ru-RU" sz="1400" dirty="0"/>
               <a:t>Образование для всех! </a:t>
             </a:r>
-            <a:r>
-              <a:rPr lang="ru-RU" sz="600" dirty="0"/>
-              <a:t>(«Бесплатное и обязательное образование, независимо от цвета кожи, расы или национальности», были синтезированы в окончательный документ лидерами АНК, включая </a:t>
-            </a:r>
-            <a:r>
-              <a:rPr lang="ru-RU" sz="600" dirty="0" err="1"/>
-              <a:t>З.К.Лайонел</a:t>
-            </a:r>
-            <a:r>
-              <a:rPr lang="ru-RU" sz="600" dirty="0"/>
-              <a:t> «Расти» </a:t>
-            </a:r>
-            <a:r>
-              <a:rPr lang="ru-RU" sz="600" dirty="0" err="1"/>
-              <a:t>Бернстайн</a:t>
-            </a:r>
-            <a:r>
-              <a:rPr lang="ru-RU" sz="600" dirty="0"/>
-              <a:t> , Этель </a:t>
-            </a:r>
-            <a:r>
-              <a:rPr lang="ru-RU" sz="600" dirty="0" err="1"/>
-              <a:t>Друс</a:t>
-            </a:r>
-            <a:r>
-              <a:rPr lang="ru-RU" sz="600" dirty="0"/>
-              <a:t>, [3] Рут </a:t>
-            </a:r>
-            <a:r>
-              <a:rPr lang="ru-RU" sz="600" dirty="0" err="1"/>
-              <a:t>Ферст</a:t>
-            </a:r>
-            <a:r>
-              <a:rPr lang="ru-RU" sz="600" dirty="0"/>
-              <a:t> и Алан </a:t>
-            </a:r>
-            <a:r>
-              <a:rPr lang="ru-RU" sz="600" dirty="0" err="1"/>
-              <a:t>Липман</a:t>
-            </a:r>
-            <a:r>
-              <a:rPr lang="ru-RU" sz="600" dirty="0"/>
-              <a:t> (чья жена, Беата </a:t>
-            </a:r>
-            <a:r>
-              <a:rPr lang="ru-RU" sz="600" dirty="0" err="1"/>
-              <a:t>Липман</a:t>
-            </a:r>
-            <a:r>
-              <a:rPr lang="ru-RU" sz="600" dirty="0"/>
-              <a:t>, написала оригинал Устава от руки).)</a:t>
-            </a:r>
             <a:endParaRPr lang="ru-RU" sz="500" dirty="0"/>
-          </a:p>
-        </p:txBody>
-      </p:sp>
-      <p:sp>
-        <p:nvSpPr>
-          <p:cNvPr id="80" name="Прямоугольник 79">
-            <a:extLst>
-              <a:ext uri="{FF2B5EF4-FFF2-40B4-BE49-F238E27FC236}">
-                <a16:creationId xmlns:a16="http://schemas.microsoft.com/office/drawing/2014/main" id="{346940CC-96FF-464D-B618-1F3BB49380B1}"/>
-              </a:ext>
-            </a:extLst>
-          </p:cNvPr>
-          <p:cNvSpPr/>
-          <p:nvPr/>
-        </p:nvSpPr>
-        <p:spPr>
-          <a:xfrm>
-            <a:off x="13971542" y="2939796"/>
-            <a:ext cx="2115918" cy="1080000"/>
-          </a:xfrm>
-          <a:prstGeom prst="rect">
-            <a:avLst/>
-          </a:prstGeom>
-          <a:ln w="28575"/>
-        </p:spPr>
-        <p:style>
-          <a:lnRef idx="2">
-            <a:schemeClr val="accent1"/>
-          </a:lnRef>
-          <a:fillRef idx="1">
-            <a:schemeClr val="lt1"/>
-          </a:fillRef>
-          <a:effectRef idx="0">
-            <a:schemeClr val="accent1"/>
-          </a:effectRef>
-          <a:fontRef idx="minor">
-            <a:schemeClr val="dk1"/>
-          </a:fontRef>
-        </p:style>
-        <p:txBody>
-          <a:bodyPr lIns="124733" tIns="62367" rIns="124733" bIns="62367" rtlCol="0" anchor="ctr"/>
-          <a:lstStyle/>
-          <a:p>
-            <a:pPr algn="ctr"/>
-            <a:r>
-              <a:rPr lang="ru-RU" sz="600" dirty="0"/>
-              <a:t>Хартия была официально принята в воскресенье, 26 июня 1955 года, на собрании около 3000 человек, известном как Народный конгресс в </a:t>
-            </a:r>
-            <a:r>
-              <a:rPr lang="ru-RU" sz="600" dirty="0" err="1"/>
-              <a:t>Клиптауне</a:t>
-            </a:r>
-            <a:r>
-              <a:rPr lang="ru-RU" sz="600" dirty="0"/>
-              <a:t> , </a:t>
-            </a:r>
-            <a:r>
-              <a:rPr lang="ru-RU" sz="600" dirty="0" err="1"/>
-              <a:t>Соуэто</a:t>
-            </a:r>
-            <a:r>
-              <a:rPr lang="ru-RU" sz="600" dirty="0"/>
-              <a:t> . [4] [5] [6] Митинг был разогнан полицией на второй день, хотя к тому времени Устав был прочитан полностью. Толпа одобряла каждую секцию криками «Африка!» и " </a:t>
-            </a:r>
-            <a:r>
-              <a:rPr lang="ru-RU" sz="600" dirty="0" err="1"/>
-              <a:t>Майибуйе</a:t>
-            </a:r>
-            <a:r>
-              <a:rPr lang="ru-RU" sz="600" dirty="0"/>
-              <a:t> !" [7] [8] Нельсон </a:t>
-            </a:r>
-            <a:r>
-              <a:rPr lang="ru-RU" sz="600" dirty="0" err="1"/>
-              <a:t>Мандела</a:t>
-            </a:r>
-            <a:r>
-              <a:rPr lang="ru-RU" sz="600" dirty="0"/>
-              <a:t> сбежал от полиции, замаскировавшись под молочника , поскольку в то время его движения и взаимодействия были ограничены запретительными приказами. [9]</a:t>
-            </a:r>
-            <a:endParaRPr lang="ru-RU" sz="100" dirty="0"/>
           </a:p>
         </p:txBody>
       </p:sp>
@@ -7035,11 +6898,7 @@
             <a:pPr algn="ctr"/>
             <a:r>
               <a:rPr lang="ru-RU" sz="1400" dirty="0"/>
-              <a:t>Национализация частных активов </a:t>
-            </a:r>
-            <a:r>
-              <a:rPr lang="ru-RU" sz="900" dirty="0"/>
-              <a:t>(Хартия также призывает к демократии и правам человека , земельной реформе , трудовым правам и национализации..)</a:t>
+              <a:t>Национализация частных активов</a:t>
             </a:r>
             <a:endParaRPr lang="ru-RU" sz="500" dirty="0"/>
           </a:p>
@@ -7111,55 +6970,6 @@
               <a:t> , которая отделилась от Африканского национального конгресса (АНК) в 1959 году, поскольку ПАК возражал против утверждения АНК, что «земля принадлежит всем, кто живет на ней, как белым, так и черным» и также отверг многорасовое мировоззрение, вместо этого выступая за Южную Африку, основанную на африканском национализме.)</a:t>
             </a:r>
             <a:endParaRPr lang="ru-RU" sz="800" dirty="0"/>
-          </a:p>
-        </p:txBody>
-      </p:sp>
-      <p:sp>
-        <p:nvSpPr>
-          <p:cNvPr id="85" name="Прямоугольник 84">
-            <a:extLst>
-              <a:ext uri="{FF2B5EF4-FFF2-40B4-BE49-F238E27FC236}">
-                <a16:creationId xmlns:a16="http://schemas.microsoft.com/office/drawing/2014/main" id="{8A428133-2A5D-422A-A326-0FCC5FCAE2EF}"/>
-              </a:ext>
-            </a:extLst>
-          </p:cNvPr>
-          <p:cNvSpPr/>
-          <p:nvPr/>
-        </p:nvSpPr>
-        <p:spPr>
-          <a:xfrm>
-            <a:off x="13971542" y="1678464"/>
-            <a:ext cx="2115918" cy="1080000"/>
-          </a:xfrm>
-          <a:prstGeom prst="rect">
-            <a:avLst/>
-          </a:prstGeom>
-          <a:ln w="28575"/>
-        </p:spPr>
-        <p:style>
-          <a:lnRef idx="2">
-            <a:schemeClr val="accent1"/>
-          </a:lnRef>
-          <a:fillRef idx="1">
-            <a:schemeClr val="lt1"/>
-          </a:fillRef>
-          <a:effectRef idx="0">
-            <a:schemeClr val="accent1"/>
-          </a:effectRef>
-          <a:fontRef idx="minor">
-            <a:schemeClr val="dk1"/>
-          </a:fontRef>
-        </p:style>
-        <p:txBody>
-          <a:bodyPr lIns="124733" tIns="62367" rIns="124733" bIns="62367" rtlCol="0" anchor="ctr"/>
-          <a:lstStyle/>
-          <a:p>
-            <a:pPr algn="ctr"/>
-            <a:r>
-              <a:rPr lang="ru-RU" sz="400" dirty="0"/>
-              <a:t>Мы, народ Южной Африки, заявляем, чтобы знала вся наша страна и весь мир: Южная Африка принадлежит всем, кто в ней живет, черным и белым, и что ни одно правительство не может справедливо претендовать на власть, если оно не основано на воле все люди; что наш народ был лишен своего неотъемлемого права на землю, свободу и мир из-за формы правления, основанной на несправедливости и неравенстве; что наша страна никогда не будет процветающей и свободной, пока все наши люди не будут жить в братстве, пользуясь равными правами и возможностями; что только демократическое государство, основанное на волеизъявлении всех людей, может гарантировать всем их неотъемлемое право без различия цвета кожи, расы, пола или убеждений; И поэтому мы, народ Южной Африки, черные и белые вместе - равные, соотечественники и братья - принимаем эту Хартию свободы. И мы обязуемся вместе стремиться,</a:t>
-            </a:r>
-            <a:endParaRPr lang="ru-RU" sz="100" dirty="0"/>
           </a:p>
         </p:txBody>
       </p:sp>
@@ -8663,11 +8473,7 @@
             <a:pPr algn="ctr"/>
             <a:r>
               <a:rPr lang="ru-RU" sz="1400" dirty="0"/>
-              <a:t>Помочь угнетённым народам Африки </a:t>
-            </a:r>
-            <a:r>
-              <a:rPr lang="ru-RU" sz="300" dirty="0"/>
-              <a:t>(Мы, народ Южной Африки, заявляем, чтобы знала вся наша страна и весь мир: Южная Африка принадлежит всем, кто в ней живет, черным и белым, и что ни одно правительство не может справедливо претендовать на власть, если оно не основано на воле все люди; что наш народ был лишен своего неотъемлемого права на землю, свободу и мир из-за формы правления, основанной на несправедливости и неравенстве; что наша страна никогда не будет процветающей и свободной, пока все наши люди не будут жить в братстве, пользуясь равными правами и возможностями; что только демократическое государство, основанное на волеизъявлении всех людей, может гарантировать всем их неотъемлемое право без различия цвета кожи, расы, пола или убеждений; И поэтому мы, народ Южной Африки, черные и белые вместе - равные, соотечественники и братья - принимаем эту Хартию свободы. И мы обязуемся вместе стремиться,)</a:t>
+              <a:t>Помочь угнетённым народам Африки</a:t>
             </a:r>
             <a:endParaRPr lang="ru-RU" sz="500" dirty="0"/>
           </a:p>

--- a/Наработки/диздоки/ЮАС/ЮАС.pptx
+++ b/Наработки/диздоки/ЮАС/ЮАС.pptx
@@ -209,7 +209,7 @@
             <a:fld id="{33E3D7F9-E251-484C-A6FF-FA958879DF69}" type="datetimeFigureOut">
               <a:rPr lang="ru-RU" smtClean="0"/>
               <a:pPr/>
-              <a:t>04.04.2023</a:t>
+              <a:t>06.04.2023</a:t>
             </a:fld>
             <a:endParaRPr lang="ru-RU"/>
           </a:p>
@@ -699,7 +699,7 @@
             <a:fld id="{85A5DE44-605B-4D3B-B2B7-94543DF81A36}" type="datetimeFigureOut">
               <a:rPr lang="ru-RU" smtClean="0"/>
               <a:pPr/>
-              <a:t>04.04.2023</a:t>
+              <a:t>06.04.2023</a:t>
             </a:fld>
             <a:endParaRPr lang="ru-RU"/>
           </a:p>
@@ -871,7 +871,7 @@
             <a:fld id="{85A5DE44-605B-4D3B-B2B7-94543DF81A36}" type="datetimeFigureOut">
               <a:rPr lang="ru-RU" smtClean="0"/>
               <a:pPr/>
-              <a:t>04.04.2023</a:t>
+              <a:t>06.04.2023</a:t>
             </a:fld>
             <a:endParaRPr lang="ru-RU"/>
           </a:p>
@@ -1053,7 +1053,7 @@
             <a:fld id="{85A5DE44-605B-4D3B-B2B7-94543DF81A36}" type="datetimeFigureOut">
               <a:rPr lang="ru-RU" smtClean="0"/>
               <a:pPr/>
-              <a:t>04.04.2023</a:t>
+              <a:t>06.04.2023</a:t>
             </a:fld>
             <a:endParaRPr lang="ru-RU"/>
           </a:p>
@@ -1225,7 +1225,7 @@
             <a:fld id="{85A5DE44-605B-4D3B-B2B7-94543DF81A36}" type="datetimeFigureOut">
               <a:rPr lang="ru-RU" smtClean="0"/>
               <a:pPr/>
-              <a:t>04.04.2023</a:t>
+              <a:t>06.04.2023</a:t>
             </a:fld>
             <a:endParaRPr lang="ru-RU"/>
           </a:p>
@@ -1473,7 +1473,7 @@
             <a:fld id="{85A5DE44-605B-4D3B-B2B7-94543DF81A36}" type="datetimeFigureOut">
               <a:rPr lang="ru-RU" smtClean="0"/>
               <a:pPr/>
-              <a:t>04.04.2023</a:t>
+              <a:t>06.04.2023</a:t>
             </a:fld>
             <a:endParaRPr lang="ru-RU"/>
           </a:p>
@@ -1707,7 +1707,7 @@
             <a:fld id="{85A5DE44-605B-4D3B-B2B7-94543DF81A36}" type="datetimeFigureOut">
               <a:rPr lang="ru-RU" smtClean="0"/>
               <a:pPr/>
-              <a:t>04.04.2023</a:t>
+              <a:t>06.04.2023</a:t>
             </a:fld>
             <a:endParaRPr lang="ru-RU"/>
           </a:p>
@@ -2076,7 +2076,7 @@
             <a:fld id="{85A5DE44-605B-4D3B-B2B7-94543DF81A36}" type="datetimeFigureOut">
               <a:rPr lang="ru-RU" smtClean="0"/>
               <a:pPr/>
-              <a:t>04.04.2023</a:t>
+              <a:t>06.04.2023</a:t>
             </a:fld>
             <a:endParaRPr lang="ru-RU"/>
           </a:p>
@@ -2196,7 +2196,7 @@
             <a:fld id="{85A5DE44-605B-4D3B-B2B7-94543DF81A36}" type="datetimeFigureOut">
               <a:rPr lang="ru-RU" smtClean="0"/>
               <a:pPr/>
-              <a:t>04.04.2023</a:t>
+              <a:t>06.04.2023</a:t>
             </a:fld>
             <a:endParaRPr lang="ru-RU"/>
           </a:p>
@@ -2293,7 +2293,7 @@
             <a:fld id="{85A5DE44-605B-4D3B-B2B7-94543DF81A36}" type="datetimeFigureOut">
               <a:rPr lang="ru-RU" smtClean="0"/>
               <a:pPr/>
-              <a:t>04.04.2023</a:t>
+              <a:t>06.04.2023</a:t>
             </a:fld>
             <a:endParaRPr lang="ru-RU"/>
           </a:p>
@@ -2572,7 +2572,7 @@
             <a:fld id="{85A5DE44-605B-4D3B-B2B7-94543DF81A36}" type="datetimeFigureOut">
               <a:rPr lang="ru-RU" smtClean="0"/>
               <a:pPr/>
-              <a:t>04.04.2023</a:t>
+              <a:t>06.04.2023</a:t>
             </a:fld>
             <a:endParaRPr lang="ru-RU"/>
           </a:p>
@@ -2831,7 +2831,7 @@
             <a:fld id="{85A5DE44-605B-4D3B-B2B7-94543DF81A36}" type="datetimeFigureOut">
               <a:rPr lang="ru-RU" smtClean="0"/>
               <a:pPr/>
-              <a:t>04.04.2023</a:t>
+              <a:t>06.04.2023</a:t>
             </a:fld>
             <a:endParaRPr lang="ru-RU"/>
           </a:p>
@@ -3046,7 +3046,7 @@
             <a:fld id="{85A5DE44-605B-4D3B-B2B7-94543DF81A36}" type="datetimeFigureOut">
               <a:rPr lang="ru-RU" smtClean="0"/>
               <a:pPr/>
-              <a:t>04.04.2023</a:t>
+              <a:t>06.04.2023</a:t>
             </a:fld>
             <a:endParaRPr lang="ru-RU"/>
           </a:p>
@@ -3507,7 +3507,7 @@
         </p:nvCxnSpPr>
         <p:spPr>
           <a:xfrm>
-            <a:off x="16087459" y="5633041"/>
+            <a:off x="20264115" y="5633041"/>
             <a:ext cx="3254204" cy="0"/>
           </a:xfrm>
           <a:prstGeom prst="line">
@@ -3542,7 +3542,7 @@
         </p:nvSpPr>
         <p:spPr>
           <a:xfrm>
-            <a:off x="8261244" y="1961634"/>
+            <a:off x="11471942" y="1961634"/>
             <a:ext cx="2115918" cy="1080000"/>
           </a:xfrm>
           <a:prstGeom prst="rect">
@@ -3571,7 +3571,7 @@
             <a:pPr algn="ctr"/>
             <a:r>
               <a:rPr lang="ru-RU" sz="3200" dirty="0"/>
-              <a:t>86 фокусов</a:t>
+              <a:t>95 фокусов</a:t>
             </a:r>
           </a:p>
         </p:txBody>
@@ -3716,104 +3716,6 @@
       </p:sp>
       <p:sp>
         <p:nvSpPr>
-          <p:cNvPr id="750" name="Прямоугольник 749">
-            <a:extLst>
-              <a:ext uri="{FF2B5EF4-FFF2-40B4-BE49-F238E27FC236}">
-                <a16:creationId xmlns:a16="http://schemas.microsoft.com/office/drawing/2014/main" id="{C60663F4-93E7-48C2-A729-0CF3A6AE70E8}"/>
-              </a:ext>
-            </a:extLst>
-          </p:cNvPr>
-          <p:cNvSpPr/>
-          <p:nvPr/>
-        </p:nvSpPr>
-        <p:spPr>
-          <a:xfrm>
-            <a:off x="1192556" y="21582163"/>
-            <a:ext cx="2115918" cy="1080000"/>
-          </a:xfrm>
-          <a:prstGeom prst="rect">
-            <a:avLst/>
-          </a:prstGeom>
-          <a:ln w="28575"/>
-        </p:spPr>
-        <p:style>
-          <a:lnRef idx="2">
-            <a:schemeClr val="accent1"/>
-          </a:lnRef>
-          <a:fillRef idx="1">
-            <a:schemeClr val="lt1"/>
-          </a:fillRef>
-          <a:effectRef idx="0">
-            <a:schemeClr val="accent1"/>
-          </a:effectRef>
-          <a:fontRef idx="minor">
-            <a:schemeClr val="dk1"/>
-          </a:fontRef>
-        </p:style>
-        <p:txBody>
-          <a:bodyPr lIns="124733" tIns="62367" rIns="124733" bIns="62367" rtlCol="0" anchor="ctr"/>
-          <a:lstStyle/>
-          <a:p>
-            <a:pPr algn="ctr"/>
-            <a:r>
-              <a:rPr lang="ru-RU" sz="1400" dirty="0"/>
-              <a:t>Отменить закон об обороне Южной Африки</a:t>
-            </a:r>
-            <a:endParaRPr lang="ru-RU" sz="800" dirty="0"/>
-          </a:p>
-        </p:txBody>
-      </p:sp>
-      <p:sp>
-        <p:nvSpPr>
-          <p:cNvPr id="755" name="Прямоугольник 754">
-            <a:extLst>
-              <a:ext uri="{FF2B5EF4-FFF2-40B4-BE49-F238E27FC236}">
-                <a16:creationId xmlns:a16="http://schemas.microsoft.com/office/drawing/2014/main" id="{407FADE5-2BD4-42E7-964D-CBB0D4267168}"/>
-              </a:ext>
-            </a:extLst>
-          </p:cNvPr>
-          <p:cNvSpPr/>
-          <p:nvPr/>
-        </p:nvSpPr>
-        <p:spPr>
-          <a:xfrm>
-            <a:off x="554280" y="20062459"/>
-            <a:ext cx="2115918" cy="1080000"/>
-          </a:xfrm>
-          <a:prstGeom prst="rect">
-            <a:avLst/>
-          </a:prstGeom>
-          <a:ln w="28575"/>
-        </p:spPr>
-        <p:style>
-          <a:lnRef idx="2">
-            <a:schemeClr val="accent1"/>
-          </a:lnRef>
-          <a:fillRef idx="1">
-            <a:schemeClr val="lt1"/>
-          </a:fillRef>
-          <a:effectRef idx="0">
-            <a:schemeClr val="accent1"/>
-          </a:effectRef>
-          <a:fontRef idx="minor">
-            <a:schemeClr val="dk1"/>
-          </a:fontRef>
-        </p:style>
-        <p:txBody>
-          <a:bodyPr lIns="124733" tIns="62367" rIns="124733" bIns="62367" rtlCol="0" anchor="ctr"/>
-          <a:lstStyle/>
-          <a:p>
-            <a:pPr algn="ctr"/>
-            <a:r>
-              <a:rPr lang="ru-RU" sz="1400" dirty="0"/>
-              <a:t>Подготовка наступательной стратегии</a:t>
-            </a:r>
-            <a:endParaRPr lang="ru-RU" sz="500" dirty="0"/>
-          </a:p>
-        </p:txBody>
-      </p:sp>
-      <p:sp>
-        <p:nvSpPr>
           <p:cNvPr id="17" name="Прямоугольник 16">
             <a:extLst>
               <a:ext uri="{FF2B5EF4-FFF2-40B4-BE49-F238E27FC236}">
@@ -4735,7 +4637,7 @@
         </p:nvSpPr>
         <p:spPr>
           <a:xfrm>
-            <a:off x="7266350" y="7948081"/>
+            <a:off x="11867549" y="7948081"/>
             <a:ext cx="2115918" cy="1080000"/>
           </a:xfrm>
           <a:prstGeom prst="rect">
@@ -4770,11 +4672,7 @@
             <a:pPr algn="ctr"/>
             <a:r>
               <a:rPr lang="ru-RU" sz="1400" dirty="0"/>
-              <a:t>Молодежная лига Африканского национального конгресса </a:t>
-            </a:r>
-            <a:r>
-              <a:rPr lang="ru-RU" sz="400" dirty="0"/>
-              <a:t>(Молодежная лига Африканского национального конгресса ( АНКИЛ ) является молодежным крылом Африканского национального конгресса (АНК). Как указано в ее уставе, Молодежная лига АНК возглавляется Национальным исполнительным комитетом (НИК) и Национальным рабочим комитетом (НРК).)</a:t>
+              <a:t>Молодежная лига Африканского национального конгресса</a:t>
             </a:r>
             <a:endParaRPr lang="ru-RU" sz="500" dirty="0"/>
           </a:p>
@@ -6429,7 +6327,7 @@
         </p:nvSpPr>
         <p:spPr>
           <a:xfrm>
-            <a:off x="27396758" y="7951981"/>
+            <a:off x="31377474" y="7951981"/>
             <a:ext cx="2115918" cy="1080000"/>
           </a:xfrm>
           <a:prstGeom prst="rect">
@@ -6485,7 +6383,7 @@
         </p:nvSpPr>
         <p:spPr>
           <a:xfrm>
-            <a:off x="24711610" y="7951981"/>
+            <a:off x="28692326" y="7951981"/>
             <a:ext cx="2115918" cy="1080000"/>
           </a:xfrm>
           <a:prstGeom prst="rect">
@@ -6544,10 +6442,10 @@
       </p:sp>
       <p:sp>
         <p:nvSpPr>
-          <p:cNvPr id="68" name="Прямоугольник 67">
-            <a:extLst>
-              <a:ext uri="{FF2B5EF4-FFF2-40B4-BE49-F238E27FC236}">
-                <a16:creationId xmlns:a16="http://schemas.microsoft.com/office/drawing/2014/main" id="{A67F4286-6233-429D-8ADF-4E6DFFA36893}"/>
+          <p:cNvPr id="69" name="Прямоугольник 68">
+            <a:extLst>
+              <a:ext uri="{FF2B5EF4-FFF2-40B4-BE49-F238E27FC236}">
+                <a16:creationId xmlns:a16="http://schemas.microsoft.com/office/drawing/2014/main" id="{D1E21AE8-FED8-415A-84BE-CECD9BE7D909}"/>
               </a:ext>
             </a:extLst>
           </p:cNvPr>
@@ -6556,7 +6454,7 @@
         </p:nvSpPr>
         <p:spPr>
           <a:xfrm>
-            <a:off x="14264781" y="20846177"/>
+            <a:off x="18148197" y="5093041"/>
             <a:ext cx="2115918" cy="1080000"/>
           </a:xfrm>
           <a:prstGeom prst="rect">
@@ -6584,59 +6482,6 @@
           <a:p>
             <a:pPr algn="ctr"/>
             <a:r>
-              <a:rPr lang="en-US" sz="1400" dirty="0"/>
-              <a:t>Albert Luthuli</a:t>
-            </a:r>
-            <a:r>
-              <a:rPr lang="ru-RU" sz="1400" dirty="0"/>
-              <a:t> – министр образования у чёрных</a:t>
-            </a:r>
-            <a:endParaRPr lang="ru-RU" sz="500" dirty="0"/>
-          </a:p>
-        </p:txBody>
-      </p:sp>
-      <p:sp>
-        <p:nvSpPr>
-          <p:cNvPr id="69" name="Прямоугольник 68">
-            <a:extLst>
-              <a:ext uri="{FF2B5EF4-FFF2-40B4-BE49-F238E27FC236}">
-                <a16:creationId xmlns:a16="http://schemas.microsoft.com/office/drawing/2014/main" id="{D1E21AE8-FED8-415A-84BE-CECD9BE7D909}"/>
-              </a:ext>
-            </a:extLst>
-          </p:cNvPr>
-          <p:cNvSpPr/>
-          <p:nvPr/>
-        </p:nvSpPr>
-        <p:spPr>
-          <a:xfrm>
-            <a:off x="13971541" y="5093041"/>
-            <a:ext cx="2115918" cy="1080000"/>
-          </a:xfrm>
-          <a:prstGeom prst="rect">
-            <a:avLst/>
-          </a:prstGeom>
-          <a:ln w="28575"/>
-        </p:spPr>
-        <p:style>
-          <a:lnRef idx="2">
-            <a:schemeClr val="accent1"/>
-          </a:lnRef>
-          <a:fillRef idx="1">
-            <a:schemeClr val="lt1"/>
-          </a:fillRef>
-          <a:effectRef idx="0">
-            <a:schemeClr val="accent1"/>
-          </a:effectRef>
-          <a:fontRef idx="minor">
-            <a:schemeClr val="dk1"/>
-          </a:fontRef>
-        </p:style>
-        <p:txBody>
-          <a:bodyPr lIns="124733" tIns="62367" rIns="124733" bIns="62367" rtlCol="0" anchor="ctr"/>
-          <a:lstStyle/>
-          <a:p>
-            <a:pPr algn="ctr"/>
-            <a:r>
               <a:rPr lang="ru-RU" sz="1400" dirty="0"/>
               <a:t>Принять Хартию Свободы</a:t>
             </a:r>
@@ -6658,7 +6503,7 @@
         </p:nvSpPr>
         <p:spPr>
           <a:xfrm>
-            <a:off x="16629295" y="20785656"/>
+            <a:off x="29409540" y="2654208"/>
             <a:ext cx="2115918" cy="1080000"/>
           </a:xfrm>
           <a:prstGeom prst="rect">
@@ -6722,7 +6567,7 @@
         </p:nvSpPr>
         <p:spPr>
           <a:xfrm>
-            <a:off x="16656602" y="6515473"/>
+            <a:off x="20833258" y="6515473"/>
             <a:ext cx="2115918" cy="1080000"/>
           </a:xfrm>
           <a:prstGeom prst="rect">
@@ -6751,7 +6596,7 @@
             <a:pPr algn="ctr"/>
             <a:r>
               <a:rPr lang="ru-RU" sz="1400" dirty="0"/>
-              <a:t>Землю безземельным! (Земля должна быть предоставлена ​​всем безземельным)</a:t>
+              <a:t>Землю безземельным! </a:t>
             </a:r>
             <a:endParaRPr lang="ru-RU" sz="500" dirty="0"/>
           </a:p>
@@ -6771,7 +6616,7 @@
         </p:nvSpPr>
         <p:spPr>
           <a:xfrm>
-            <a:off x="11286480" y="7963588"/>
+            <a:off x="15463136" y="7963588"/>
             <a:ext cx="2115918" cy="1080000"/>
           </a:xfrm>
           <a:prstGeom prst="rect">
@@ -6800,7 +6645,7 @@
             <a:pPr algn="ctr"/>
             <a:r>
               <a:rPr lang="ru-RU" sz="1400" dirty="0"/>
-              <a:t>Ослабить оковы рабочих! </a:t>
+              <a:t>Образование для всех! </a:t>
             </a:r>
             <a:endParaRPr lang="ru-RU" sz="500" dirty="0"/>
           </a:p>
@@ -6820,7 +6665,7 @@
         </p:nvSpPr>
         <p:spPr>
           <a:xfrm>
-            <a:off x="13971541" y="7967201"/>
+            <a:off x="18148197" y="7967201"/>
             <a:ext cx="2115918" cy="1080000"/>
           </a:xfrm>
           <a:prstGeom prst="rect">
@@ -6849,7 +6694,7 @@
             <a:pPr algn="ctr"/>
             <a:r>
               <a:rPr lang="ru-RU" sz="1400" dirty="0"/>
-              <a:t>Образование для всех! </a:t>
+              <a:t>Ослабить оковы рабочих! </a:t>
             </a:r>
             <a:endParaRPr lang="ru-RU" sz="500" dirty="0"/>
           </a:p>
@@ -6869,7 +6714,7 @@
         </p:nvSpPr>
         <p:spPr>
           <a:xfrm>
-            <a:off x="11286480" y="6514211"/>
+            <a:off x="15463136" y="6514211"/>
             <a:ext cx="2115918" cy="1080000"/>
           </a:xfrm>
           <a:prstGeom prst="rect">
@@ -6898,7 +6743,7 @@
             <a:pPr algn="ctr"/>
             <a:r>
               <a:rPr lang="ru-RU" sz="1400" dirty="0"/>
-              <a:t>Национализация частных активов</a:t>
+              <a:t>Дать всем равные права и голоса! </a:t>
             </a:r>
             <a:endParaRPr lang="ru-RU" sz="500" dirty="0"/>
           </a:p>
@@ -6918,7 +6763,7 @@
         </p:nvSpPr>
         <p:spPr>
           <a:xfrm>
-            <a:off x="19341663" y="5093041"/>
+            <a:off x="23518319" y="5093041"/>
             <a:ext cx="2115918" cy="1080000"/>
           </a:xfrm>
           <a:prstGeom prst="rect">
@@ -6953,22 +6798,6 @@
               <a:rPr lang="ru-RU" sz="1400" dirty="0" err="1"/>
               <a:t>Азания</a:t>
             </a:r>
-            <a:r>
-              <a:rPr lang="ru-RU" sz="1400" dirty="0"/>
-              <a:t> </a:t>
-            </a:r>
-            <a:r>
-              <a:rPr lang="ru-RU" sz="400" dirty="0"/>
-              <a:t>(южноафриканское национально -освободительное панафриканское движение, которое в настоящее время является политической партией. Он был основан группой африканистов во главе с Робертом </a:t>
-            </a:r>
-            <a:r>
-              <a:rPr lang="ru-RU" sz="400" dirty="0" err="1"/>
-              <a:t>Собукве</a:t>
-            </a:r>
-            <a:r>
-              <a:rPr lang="ru-RU" sz="400" dirty="0"/>
-              <a:t> , которая отделилась от Африканского национального конгресса (АНК) в 1959 году, поскольку ПАК возражал против утверждения АНК, что «земля принадлежит всем, кто живет на ней, как белым, так и черным» и также отверг многорасовое мировоззрение, вместо этого выступая за Южную Африку, основанную на африканском национализме.)</a:t>
-            </a:r>
             <a:endParaRPr lang="ru-RU" sz="800" dirty="0"/>
           </a:p>
         </p:txBody>
@@ -6987,7 +6816,7 @@
         </p:nvSpPr>
         <p:spPr>
           <a:xfrm>
-            <a:off x="13971541" y="6514211"/>
+            <a:off x="18148197" y="6514211"/>
             <a:ext cx="2115918" cy="1080000"/>
           </a:xfrm>
           <a:prstGeom prst="rect">
@@ -7016,7 +6845,7 @@
             <a:pPr algn="ctr"/>
             <a:r>
               <a:rPr lang="ru-RU" sz="1400" dirty="0"/>
-              <a:t>Дать всем равные права и голоса! </a:t>
+              <a:t>Национализация частных активов</a:t>
             </a:r>
             <a:endParaRPr lang="ru-RU" sz="500" dirty="0"/>
           </a:p>
@@ -7036,7 +6865,7 @@
         </p:nvSpPr>
         <p:spPr>
           <a:xfrm>
-            <a:off x="16656602" y="7957676"/>
+            <a:off x="20833258" y="7957676"/>
             <a:ext cx="2115918" cy="1080000"/>
           </a:xfrm>
           <a:prstGeom prst="rect">
@@ -7065,11 +6894,7 @@
             <a:pPr algn="ctr"/>
             <a:r>
               <a:rPr lang="ru-RU" sz="1400" dirty="0"/>
-              <a:t>Помочь аграриям </a:t>
-            </a:r>
-            <a:r>
-              <a:rPr lang="ru-RU" sz="1000" dirty="0"/>
-              <a:t>(Государство должно помочь крестьянам орудиями, семенами, тракторами и плотинами, чтобы спасти землю и помочь землепашцам;)</a:t>
+              <a:t>Помочь аграриям</a:t>
             </a:r>
             <a:endParaRPr lang="ru-RU" sz="500" dirty="0"/>
           </a:p>
@@ -7089,7 +6914,7 @@
         </p:nvSpPr>
         <p:spPr>
           <a:xfrm>
-            <a:off x="15312812" y="9423761"/>
+            <a:off x="19489468" y="9423761"/>
             <a:ext cx="2115918" cy="1080000"/>
           </a:xfrm>
           <a:prstGeom prst="rect">
@@ -7118,36 +6943,9 @@
             <a:pPr algn="ctr"/>
             <a:r>
               <a:rPr lang="ru-RU" sz="1400" dirty="0"/>
-              <a:t>Государственный план массового образования </a:t>
-            </a:r>
-            <a:r>
-              <a:rPr lang="ru-RU" sz="500" dirty="0"/>
-              <a:t>(Высшее образование и техническое обучение должны быть открыты для всех посредством государственных пособий и стипендий, присуждаемых на основе </a:t>
-            </a:r>
-            <a:r>
-              <a:rPr lang="ru-RU" sz="500" dirty="0" err="1"/>
-              <a:t>заслуг;Неграмотность</a:t>
-            </a:r>
-            <a:r>
-              <a:rPr lang="ru-RU" sz="500" dirty="0"/>
-              <a:t> взрослых должна быть ликвидирована посредством государственного плана массового </a:t>
-            </a:r>
-            <a:r>
-              <a:rPr lang="ru-RU" sz="500" dirty="0" err="1"/>
-              <a:t>образования;Учителя</a:t>
-            </a:r>
-            <a:r>
-              <a:rPr lang="ru-RU" sz="500" dirty="0"/>
-              <a:t> имеют все права других </a:t>
-            </a:r>
-            <a:r>
-              <a:rPr lang="ru-RU" sz="500" dirty="0" err="1"/>
-              <a:t>граждан;Цветовая</a:t>
-            </a:r>
-            <a:r>
-              <a:rPr lang="ru-RU" sz="500" dirty="0"/>
-              <a:t> полоса в культурной жизни, в спорте и в образовании отменяется.)</a:t>
-            </a:r>
+              <a:t>Государственный план массового образования</a:t>
+            </a:r>
+            <a:endParaRPr lang="ru-RU" sz="500" dirty="0"/>
           </a:p>
         </p:txBody>
       </p:sp>
@@ -7165,7 +6963,7 @@
         </p:nvSpPr>
         <p:spPr>
           <a:xfrm>
-            <a:off x="18001280" y="9423761"/>
+            <a:off x="22177936" y="9423761"/>
             <a:ext cx="2115918" cy="1080000"/>
           </a:xfrm>
           <a:prstGeom prst="rect">
@@ -7194,35 +6992,7 @@
             <a:pPr algn="ctr"/>
             <a:r>
               <a:rPr lang="ru-RU" sz="1400" dirty="0"/>
-              <a:t>Реконструкция трущоб </a:t>
-            </a:r>
-            <a:r>
-              <a:rPr lang="ru-RU" sz="400" dirty="0"/>
-              <a:t>(Трущобы должны быть снесены и построены новые пригороды, где везде есть транспорт, дороги, освещение, игровые площадки, ясли и социальные </a:t>
-            </a:r>
-            <a:r>
-              <a:rPr lang="ru-RU" sz="400" dirty="0" err="1"/>
-              <a:t>центры;Престарелые</a:t>
-            </a:r>
-            <a:r>
-              <a:rPr lang="ru-RU" sz="400" dirty="0"/>
-              <a:t>, сироты, инвалиды и больные находятся на попечении </a:t>
-            </a:r>
-            <a:r>
-              <a:rPr lang="ru-RU" sz="400" dirty="0" err="1"/>
-              <a:t>государства;Отдых</a:t>
-            </a:r>
-            <a:r>
-              <a:rPr lang="ru-RU" sz="400" dirty="0"/>
-              <a:t>, досуг и развлечения должны быть правом </a:t>
-            </a:r>
-            <a:r>
-              <a:rPr lang="ru-RU" sz="400" dirty="0" err="1"/>
-              <a:t>всех;Ограждения</a:t>
-            </a:r>
-            <a:r>
-              <a:rPr lang="ru-RU" sz="400" dirty="0"/>
-              <a:t> и гетто должны быть упразднены, а законы, разделяющие семьи, должны быть отменены.)</a:t>
+              <a:t>Реконструкция трущоб</a:t>
             </a:r>
             <a:endParaRPr lang="ru-RU" sz="500" dirty="0"/>
           </a:p>
@@ -7242,7 +7012,7 @@
         </p:nvSpPr>
         <p:spPr>
           <a:xfrm>
-            <a:off x="4579805" y="7964025"/>
+            <a:off x="9181004" y="7964025"/>
             <a:ext cx="2115918" cy="1080000"/>
           </a:xfrm>
           <a:prstGeom prst="rect">
@@ -7277,20 +7047,9 @@
             <a:pPr algn="ctr"/>
             <a:r>
               <a:rPr lang="ru-RU" sz="1400" dirty="0"/>
-              <a:t>Будущее малых протекторатов </a:t>
-            </a:r>
-            <a:r>
-              <a:rPr lang="ru-RU" sz="500" dirty="0"/>
-              <a:t>(Народы протекторатов — </a:t>
-            </a:r>
-            <a:r>
-              <a:rPr lang="ru-RU" sz="500" dirty="0" err="1"/>
-              <a:t>Басутоленда</a:t>
-            </a:r>
-            <a:r>
-              <a:rPr lang="ru-RU" sz="500" dirty="0"/>
-              <a:t>, Бечуаналенда и Свазиленда — будут свободны в выборе своего будущего; Право всех народов Африки на независимость и самоуправление должно быть признано и должно быть основой тесного сотрудничества.)</a:t>
-            </a:r>
+              <a:t>Будущее малых протекторатов</a:t>
+            </a:r>
+            <a:endParaRPr lang="ru-RU" sz="500" dirty="0"/>
           </a:p>
         </p:txBody>
       </p:sp>
@@ -7308,7 +7067,7 @@
         </p:nvSpPr>
         <p:spPr>
           <a:xfrm>
-            <a:off x="19341663" y="6514211"/>
+            <a:off x="23518319" y="6514211"/>
             <a:ext cx="2115918" cy="1080000"/>
           </a:xfrm>
           <a:prstGeom prst="rect">
@@ -7339,10 +7098,6 @@
               <a:rPr lang="ru-RU" sz="1400" dirty="0"/>
               <a:t>Изгнать угнетателей! </a:t>
             </a:r>
-            <a:r>
-              <a:rPr lang="ru-RU" sz="700" dirty="0"/>
-              <a:t>(минус белое население ПКК в то время считал Южную Африку африканским государством по праву «неотъемлемым правом коренных африканских народов» и отказывался поддерживать равные права угнетенных и угнетателей, эксплуататоров и эксплуатируемых, обездоленных и безземельных африканцев «обиженных».)</a:t>
-            </a:r>
             <a:endParaRPr lang="ru-RU" sz="500" dirty="0"/>
           </a:p>
         </p:txBody>
@@ -7361,7 +7116,7 @@
         </p:nvSpPr>
         <p:spPr>
           <a:xfrm>
-            <a:off x="22026724" y="6514211"/>
+            <a:off x="26203380" y="6514211"/>
             <a:ext cx="2115918" cy="1080000"/>
           </a:xfrm>
           <a:prstGeom prst="rect">
@@ -7396,22 +7151,6 @@
               <a:rPr lang="ru-RU" sz="1400" dirty="0" err="1"/>
               <a:t>Азании</a:t>
             </a:r>
-            <a:r>
-              <a:rPr lang="ru-RU" sz="1400" dirty="0"/>
-              <a:t> </a:t>
-            </a:r>
-            <a:r>
-              <a:rPr lang="ru-RU" sz="800" dirty="0"/>
-              <a:t>(была военным крылом Панафриканского конгресса , африканского националистического движения в Южной Африке . На языке коса слово «</a:t>
-            </a:r>
-            <a:r>
-              <a:rPr lang="ru-RU" sz="800" dirty="0" err="1"/>
-              <a:t>поко</a:t>
-            </a:r>
-            <a:r>
-              <a:rPr lang="ru-RU" sz="800" dirty="0"/>
-              <a:t>» означает «чистый». </a:t>
-            </a:r>
             <a:endParaRPr lang="ru-RU" sz="500" dirty="0"/>
           </a:p>
         </p:txBody>
@@ -7430,7 +7169,7 @@
         </p:nvSpPr>
         <p:spPr>
           <a:xfrm>
-            <a:off x="19343148" y="7957675"/>
+            <a:off x="23519804" y="7957675"/>
             <a:ext cx="2115918" cy="1080000"/>
           </a:xfrm>
           <a:prstGeom prst="rect">
@@ -7459,28 +7198,9 @@
             <a:pPr algn="ctr"/>
             <a:r>
               <a:rPr lang="ru-RU" sz="1400" dirty="0"/>
-              <a:t>Африканское правительство </a:t>
-            </a:r>
-            <a:r>
-              <a:rPr lang="ru-RU" sz="500" dirty="0"/>
-              <a:t>(ПКК следовал идее о том, что правительство Южной Африки должно быть сформировано африканским народом, обязанным своей верностью только Африке, как заявил </a:t>
-            </a:r>
-            <a:r>
-              <a:rPr lang="ru-RU" sz="500" dirty="0" err="1"/>
-              <a:t>Собукве</a:t>
-            </a:r>
-            <a:r>
-              <a:rPr lang="ru-RU" sz="500" dirty="0"/>
-              <a:t> в инаугурационной речи </a:t>
-            </a:r>
-            <a:r>
-              <a:rPr lang="ru-RU" sz="500" dirty="0" err="1"/>
-              <a:t>ПКК:«Политически</a:t>
-            </a:r>
-            <a:r>
-              <a:rPr lang="ru-RU" sz="500" dirty="0"/>
-              <a:t> мы стремимся к тому, чтобы африканцы управляли африканцами, для африканцев, чтобы каждый, кто обязан своей единственной лояльностью Африке и готов принять демократическое правление африканского большинства, считался африканцем»</a:t>
-            </a:r>
+              <a:t>Африканское правительство</a:t>
+            </a:r>
+            <a:endParaRPr lang="ru-RU" sz="500" dirty="0"/>
           </a:p>
         </p:txBody>
       </p:sp>
@@ -7498,7 +7218,7 @@
         </p:nvSpPr>
         <p:spPr>
           <a:xfrm>
-            <a:off x="19348013" y="2882714"/>
+            <a:off x="23487282" y="3017958"/>
             <a:ext cx="2115918" cy="1080000"/>
           </a:xfrm>
           <a:prstGeom prst="rect">
@@ -7559,7 +7279,7 @@
         </p:nvCxnSpPr>
         <p:spPr>
           <a:xfrm rot="5400000">
-            <a:off x="13516385" y="5001096"/>
+            <a:off x="17693041" y="5001096"/>
             <a:ext cx="341170" cy="2685061"/>
           </a:xfrm>
           <a:prstGeom prst="bentConnector3">
@@ -7604,7 +7324,7 @@
         </p:nvCxnSpPr>
         <p:spPr>
           <a:xfrm rot="5400000">
-            <a:off x="12159751" y="7778899"/>
+            <a:off x="16336407" y="7778899"/>
             <a:ext cx="369377" cy="12700"/>
           </a:xfrm>
           <a:prstGeom prst="bentConnector3">
@@ -7649,7 +7369,7 @@
         </p:nvCxnSpPr>
         <p:spPr>
           <a:xfrm rot="5400000">
-            <a:off x="14858915" y="6343626"/>
+            <a:off x="19035571" y="6343626"/>
             <a:ext cx="341170" cy="12700"/>
           </a:xfrm>
           <a:prstGeom prst="bentConnector3">
@@ -7694,7 +7414,7 @@
         </p:nvCxnSpPr>
         <p:spPr>
           <a:xfrm rot="5400000">
-            <a:off x="14843005" y="7780706"/>
+            <a:off x="19019661" y="7780706"/>
             <a:ext cx="372990" cy="12700"/>
           </a:xfrm>
           <a:prstGeom prst="bentConnector3">
@@ -7739,7 +7459,7 @@
         </p:nvCxnSpPr>
         <p:spPr>
           <a:xfrm rot="16200000" flipH="1">
-            <a:off x="16200814" y="5001726"/>
+            <a:off x="20377470" y="5001726"/>
             <a:ext cx="342432" cy="2685061"/>
           </a:xfrm>
           <a:prstGeom prst="bentConnector3">
@@ -7785,7 +7505,7 @@
         </p:nvCxnSpPr>
         <p:spPr>
           <a:xfrm rot="5400000">
-            <a:off x="19537130" y="8559784"/>
+            <a:off x="23713786" y="8559784"/>
             <a:ext cx="386086" cy="1341868"/>
           </a:xfrm>
           <a:prstGeom prst="bentConnector3">
@@ -7831,7 +7551,7 @@
         </p:nvCxnSpPr>
         <p:spPr>
           <a:xfrm rot="5400000">
-            <a:off x="18192896" y="7215550"/>
+            <a:off x="22369552" y="7215550"/>
             <a:ext cx="386086" cy="4030336"/>
           </a:xfrm>
           <a:prstGeom prst="bentConnector3">
@@ -7877,7 +7597,7 @@
         </p:nvCxnSpPr>
         <p:spPr>
           <a:xfrm rot="16200000" flipH="1">
-            <a:off x="15511855" y="8564845"/>
+            <a:off x="19688511" y="8564845"/>
             <a:ext cx="376560" cy="1341271"/>
           </a:xfrm>
           <a:prstGeom prst="bentConnector3">
@@ -7923,7 +7643,7 @@
         </p:nvCxnSpPr>
         <p:spPr>
           <a:xfrm rot="16200000" flipH="1">
-            <a:off x="16856089" y="7220611"/>
+            <a:off x="21032745" y="7220611"/>
             <a:ext cx="376560" cy="4029739"/>
           </a:xfrm>
           <a:prstGeom prst="bentConnector3">
@@ -7969,7 +7689,7 @@
         </p:nvCxnSpPr>
         <p:spPr>
           <a:xfrm rot="5400000">
-            <a:off x="18885876" y="5001727"/>
+            <a:off x="23062532" y="5001727"/>
             <a:ext cx="342432" cy="2685061"/>
           </a:xfrm>
           <a:prstGeom prst="bentConnector3">
@@ -8015,7 +7735,7 @@
         </p:nvCxnSpPr>
         <p:spPr>
           <a:xfrm rot="16200000" flipH="1">
-            <a:off x="21571567" y="5001095"/>
+            <a:off x="25748223" y="5001095"/>
             <a:ext cx="341170" cy="2685061"/>
           </a:xfrm>
           <a:prstGeom prst="bentConnector3">
@@ -8060,7 +7780,7 @@
         </p:nvCxnSpPr>
         <p:spPr>
           <a:xfrm rot="5400000">
-            <a:off x="20229037" y="6343626"/>
+            <a:off x="24405693" y="6343626"/>
             <a:ext cx="341170" cy="12700"/>
           </a:xfrm>
           <a:prstGeom prst="bentConnector3">
@@ -8105,7 +7825,7 @@
         </p:nvCxnSpPr>
         <p:spPr>
           <a:xfrm rot="16200000" flipH="1">
-            <a:off x="20218632" y="7775200"/>
+            <a:off x="24395288" y="7775200"/>
             <a:ext cx="363464" cy="1485"/>
           </a:xfrm>
           <a:prstGeom prst="bentConnector3">
@@ -8150,7 +7870,7 @@
         </p:nvCxnSpPr>
         <p:spPr>
           <a:xfrm rot="5400000">
-            <a:off x="17533460" y="7776574"/>
+            <a:off x="21710116" y="7776574"/>
             <a:ext cx="362203" cy="12700"/>
           </a:xfrm>
           <a:prstGeom prst="bentConnector3">
@@ -8191,7 +7911,7 @@
         </p:nvSpPr>
         <p:spPr>
           <a:xfrm>
-            <a:off x="22030132" y="7957675"/>
+            <a:off x="26206788" y="7957675"/>
             <a:ext cx="2115918" cy="1080000"/>
           </a:xfrm>
           <a:prstGeom prst="rect">
@@ -8252,7 +7972,7 @@
         </p:nvCxnSpPr>
         <p:spPr>
           <a:xfrm rot="16200000" flipH="1">
-            <a:off x="22904655" y="7774239"/>
+            <a:off x="27081311" y="7774239"/>
             <a:ext cx="363464" cy="3408"/>
           </a:xfrm>
           <a:prstGeom prst="bentConnector3">
@@ -8293,7 +8013,7 @@
         </p:nvSpPr>
         <p:spPr>
           <a:xfrm>
-            <a:off x="20689748" y="9423761"/>
+            <a:off x="24866404" y="9423761"/>
             <a:ext cx="2115918" cy="1080000"/>
           </a:xfrm>
           <a:prstGeom prst="rect">
@@ -8322,19 +8042,7 @@
             <a:pPr algn="ctr"/>
             <a:r>
               <a:rPr lang="ru-RU" sz="1400" dirty="0"/>
-              <a:t>Объединение континента </a:t>
-            </a:r>
-            <a:r>
-              <a:rPr lang="ru-RU" sz="1050" dirty="0"/>
-              <a:t>(Это </a:t>
-            </a:r>
-            <a:r>
-              <a:rPr lang="ru-RU" sz="1050" dirty="0" err="1"/>
-              <a:t>панафриканизм</a:t>
-            </a:r>
-            <a:r>
-              <a:rPr lang="ru-RU" sz="1050" dirty="0"/>
-              <a:t> с тремя принципами африканского национализма , социализма и континентального единства)</a:t>
+              <a:t>Объединение континента</a:t>
             </a:r>
             <a:endParaRPr lang="ru-RU" sz="500" dirty="0"/>
           </a:p>
@@ -8358,7 +8066,7 @@
         </p:nvCxnSpPr>
         <p:spPr>
           <a:xfrm rot="16200000" flipH="1">
-            <a:off x="20881364" y="8557418"/>
+            <a:off x="25058020" y="8557418"/>
             <a:ext cx="386086" cy="1346600"/>
           </a:xfrm>
           <a:prstGeom prst="bentConnector3">
@@ -8403,7 +8111,7 @@
         </p:nvCxnSpPr>
         <p:spPr>
           <a:xfrm rot="5400000">
-            <a:off x="22224856" y="8560526"/>
+            <a:off x="26401512" y="8560526"/>
             <a:ext cx="386086" cy="1340384"/>
           </a:xfrm>
           <a:prstGeom prst="bentConnector3">
@@ -8444,7 +8152,7 @@
         </p:nvSpPr>
         <p:spPr>
           <a:xfrm>
-            <a:off x="12623456" y="9423761"/>
+            <a:off x="16800112" y="9423761"/>
             <a:ext cx="2115918" cy="1080000"/>
           </a:xfrm>
           <a:prstGeom prst="rect">
@@ -8497,7 +8205,7 @@
         </p:nvCxnSpPr>
         <p:spPr>
           <a:xfrm rot="16200000" flipH="1">
-            <a:off x="12822841" y="8565186"/>
+            <a:off x="16999497" y="8565186"/>
             <a:ext cx="380173" cy="1336976"/>
           </a:xfrm>
           <a:prstGeom prst="bentConnector3">
@@ -8542,7 +8250,7 @@
         </p:nvCxnSpPr>
         <p:spPr>
           <a:xfrm rot="5400000">
-            <a:off x="14167178" y="8561439"/>
+            <a:off x="18343834" y="8561439"/>
             <a:ext cx="376560" cy="1348085"/>
           </a:xfrm>
           <a:prstGeom prst="bentConnector3">
@@ -8583,7 +8291,7 @@
         </p:nvSpPr>
         <p:spPr>
           <a:xfrm>
-            <a:off x="4579805" y="5043857"/>
+            <a:off x="9181004" y="5043857"/>
             <a:ext cx="2115918" cy="1080000"/>
           </a:xfrm>
           <a:prstGeom prst="rect">
@@ -8638,7 +8346,7 @@
         </p:nvSpPr>
         <p:spPr>
           <a:xfrm>
-            <a:off x="3241530" y="9436461"/>
+            <a:off x="7842729" y="9436461"/>
             <a:ext cx="2115918" cy="1080000"/>
           </a:xfrm>
           <a:prstGeom prst="rect">
@@ -8693,7 +8401,7 @@
         </p:nvSpPr>
         <p:spPr>
           <a:xfrm>
-            <a:off x="4579805" y="10872814"/>
+            <a:off x="9181004" y="10872814"/>
             <a:ext cx="2115918" cy="1080000"/>
           </a:xfrm>
           <a:prstGeom prst="rect">
@@ -8748,7 +8456,7 @@
         </p:nvSpPr>
         <p:spPr>
           <a:xfrm>
-            <a:off x="1892738" y="10868439"/>
+            <a:off x="6493937" y="10868439"/>
             <a:ext cx="2115918" cy="1080000"/>
           </a:xfrm>
           <a:prstGeom prst="rect">
@@ -8803,7 +8511,7 @@
         </p:nvSpPr>
         <p:spPr>
           <a:xfrm>
-            <a:off x="5931457" y="9436461"/>
+            <a:off x="10532656" y="9436461"/>
             <a:ext cx="2115918" cy="1080000"/>
           </a:xfrm>
           <a:prstGeom prst="rect">
@@ -8862,7 +8570,7 @@
         </p:nvCxnSpPr>
         <p:spPr>
           <a:xfrm>
-            <a:off x="5357448" y="9976461"/>
+            <a:off x="9958647" y="9976461"/>
             <a:ext cx="574009" cy="0"/>
           </a:xfrm>
           <a:prstGeom prst="line">
@@ -8903,7 +8611,7 @@
         </p:nvSpPr>
         <p:spPr>
           <a:xfrm>
-            <a:off x="5930027" y="12339661"/>
+            <a:off x="10531226" y="12339661"/>
             <a:ext cx="2115918" cy="1080000"/>
           </a:xfrm>
           <a:prstGeom prst="rect">
@@ -8958,7 +8666,7 @@
         </p:nvSpPr>
         <p:spPr>
           <a:xfrm>
-            <a:off x="7220111" y="13715614"/>
+            <a:off x="11821310" y="13715614"/>
             <a:ext cx="2115918" cy="1080000"/>
           </a:xfrm>
           <a:prstGeom prst="rect">
@@ -9013,7 +8721,7 @@
         </p:nvSpPr>
         <p:spPr>
           <a:xfrm>
-            <a:off x="4572867" y="13715614"/>
+            <a:off x="9174066" y="13715614"/>
             <a:ext cx="2115918" cy="1080000"/>
           </a:xfrm>
           <a:prstGeom prst="rect">
@@ -9072,7 +8780,7 @@
         </p:nvCxnSpPr>
         <p:spPr>
           <a:xfrm>
-            <a:off x="6688785" y="14255614"/>
+            <a:off x="11289984" y="14255614"/>
             <a:ext cx="531326" cy="0"/>
           </a:xfrm>
           <a:prstGeom prst="line">
@@ -9117,7 +8825,7 @@
         </p:nvCxnSpPr>
         <p:spPr>
           <a:xfrm rot="5400000">
-            <a:off x="4769077" y="5645522"/>
+            <a:off x="9370276" y="5645522"/>
             <a:ext cx="390353" cy="1347022"/>
           </a:xfrm>
           <a:prstGeom prst="bentConnector3">
@@ -9162,7 +8870,7 @@
         </p:nvCxnSpPr>
         <p:spPr>
           <a:xfrm rot="16200000" flipH="1">
-            <a:off x="6114344" y="5647276"/>
+            <a:off x="10715543" y="5647276"/>
             <a:ext cx="390353" cy="1343513"/>
           </a:xfrm>
           <a:prstGeom prst="bentConnector3">
@@ -9207,7 +8915,7 @@
         </p:nvCxnSpPr>
         <p:spPr>
           <a:xfrm rot="16200000" flipH="1">
-            <a:off x="4790450" y="10025499"/>
+            <a:off x="9391649" y="10025499"/>
             <a:ext cx="356353" cy="1338275"/>
           </a:xfrm>
           <a:prstGeom prst="bentConnector3">
@@ -9252,7 +8960,7 @@
         </p:nvCxnSpPr>
         <p:spPr>
           <a:xfrm rot="5400000">
-            <a:off x="3449104" y="10018054"/>
+            <a:off x="8050303" y="10018054"/>
             <a:ext cx="351978" cy="1348792"/>
           </a:xfrm>
           <a:prstGeom prst="bentConnector3">
@@ -9297,7 +9005,7 @@
         </p:nvCxnSpPr>
         <p:spPr>
           <a:xfrm rot="5400000">
-            <a:off x="6077101" y="11427346"/>
+            <a:off x="10678300" y="11427346"/>
             <a:ext cx="1823200" cy="1430"/>
           </a:xfrm>
           <a:prstGeom prst="bentConnector3">
@@ -9342,7 +9050,7 @@
         </p:nvCxnSpPr>
         <p:spPr>
           <a:xfrm rot="5400000">
-            <a:off x="6161430" y="12889057"/>
+            <a:off x="10762629" y="12889057"/>
             <a:ext cx="295953" cy="1357160"/>
           </a:xfrm>
           <a:prstGeom prst="bentConnector3">
@@ -9387,7 +9095,7 @@
         </p:nvCxnSpPr>
         <p:spPr>
           <a:xfrm rot="16200000" flipH="1">
-            <a:off x="7485052" y="12922595"/>
+            <a:off x="12086251" y="12922595"/>
             <a:ext cx="295953" cy="1290084"/>
           </a:xfrm>
           <a:prstGeom prst="bentConnector3">
@@ -9428,7 +9136,7 @@
         </p:nvSpPr>
         <p:spPr>
           <a:xfrm>
-            <a:off x="9944264" y="13715614"/>
+            <a:off x="14545463" y="13715614"/>
             <a:ext cx="2115918" cy="1080000"/>
           </a:xfrm>
           <a:prstGeom prst="rect">
@@ -9483,7 +9191,7 @@
         </p:nvSpPr>
         <p:spPr>
           <a:xfrm>
-            <a:off x="9944264" y="10870329"/>
+            <a:off x="14545463" y="10870329"/>
             <a:ext cx="2115918" cy="1080000"/>
           </a:xfrm>
           <a:prstGeom prst="rect">
@@ -9538,7 +9246,7 @@
         </p:nvSpPr>
         <p:spPr>
           <a:xfrm>
-            <a:off x="8618524" y="12304198"/>
+            <a:off x="13219723" y="12304198"/>
             <a:ext cx="2115918" cy="1080000"/>
           </a:xfrm>
           <a:prstGeom prst="rect">
@@ -9593,7 +9301,7 @@
         </p:nvSpPr>
         <p:spPr>
           <a:xfrm>
-            <a:off x="7270040" y="10870330"/>
+            <a:off x="11871239" y="10870330"/>
             <a:ext cx="2115918" cy="1080000"/>
           </a:xfrm>
           <a:prstGeom prst="rect">
@@ -9652,7 +9360,7 @@
         </p:nvCxnSpPr>
         <p:spPr>
           <a:xfrm rot="16200000" flipH="1">
-            <a:off x="8818885" y="8686991"/>
+            <a:off x="13420084" y="8686991"/>
             <a:ext cx="353868" cy="4012807"/>
           </a:xfrm>
           <a:prstGeom prst="bentConnector3">
@@ -9697,7 +9405,7 @@
         </p:nvCxnSpPr>
         <p:spPr>
           <a:xfrm rot="16200000" flipH="1">
-            <a:off x="7481773" y="10024103"/>
+            <a:off x="12082972" y="10024103"/>
             <a:ext cx="353869" cy="1338583"/>
           </a:xfrm>
           <a:prstGeom prst="bentConnector3">
@@ -9742,7 +9450,7 @@
         </p:nvCxnSpPr>
         <p:spPr>
           <a:xfrm rot="16200000" flipH="1">
-            <a:off x="8847128" y="11560518"/>
+            <a:off x="13448327" y="11560518"/>
             <a:ext cx="295953" cy="4014237"/>
           </a:xfrm>
           <a:prstGeom prst="bentConnector3">
@@ -9787,7 +9495,7 @@
         </p:nvCxnSpPr>
         <p:spPr>
           <a:xfrm rot="16200000" flipH="1">
-            <a:off x="7439081" y="10066795"/>
+            <a:off x="12040280" y="10066795"/>
             <a:ext cx="1787737" cy="2687067"/>
           </a:xfrm>
           <a:prstGeom prst="bentConnector3">
@@ -9828,7 +9536,7 @@
         </p:nvSpPr>
         <p:spPr>
           <a:xfrm>
-            <a:off x="27396758" y="5099389"/>
+            <a:off x="31377474" y="5099389"/>
             <a:ext cx="2115918" cy="1080000"/>
           </a:xfrm>
           <a:prstGeom prst="rect">
@@ -9892,7 +9600,7 @@
         </p:nvSpPr>
         <p:spPr>
           <a:xfrm>
-            <a:off x="24713269" y="6514210"/>
+            <a:off x="28693985" y="6514210"/>
             <a:ext cx="2115918" cy="1080000"/>
           </a:xfrm>
           <a:prstGeom prst="rect">
@@ -9952,7 +9660,7 @@
         </p:nvCxnSpPr>
         <p:spPr>
           <a:xfrm>
-            <a:off x="37342124" y="7124607"/>
+            <a:off x="42766613" y="7124607"/>
             <a:ext cx="570355" cy="0"/>
           </a:xfrm>
           <a:prstGeom prst="line">
@@ -9993,7 +9701,7 @@
         </p:nvSpPr>
         <p:spPr>
           <a:xfrm>
-            <a:off x="27396845" y="6514210"/>
+            <a:off x="31377561" y="6514210"/>
             <a:ext cx="2115918" cy="1080000"/>
           </a:xfrm>
           <a:prstGeom prst="rect">
@@ -10049,7 +9757,7 @@
         </p:nvSpPr>
         <p:spPr>
           <a:xfrm>
-            <a:off x="30081906" y="6518619"/>
+            <a:off x="34062622" y="6518619"/>
             <a:ext cx="2115918" cy="1080000"/>
           </a:xfrm>
           <a:prstGeom prst="rect">
@@ -10105,7 +9813,7 @@
         </p:nvSpPr>
         <p:spPr>
           <a:xfrm>
-            <a:off x="23381708" y="9430111"/>
+            <a:off x="27362424" y="9430111"/>
             <a:ext cx="2115918" cy="1080000"/>
           </a:xfrm>
           <a:prstGeom prst="rect">
@@ -10165,7 +9873,7 @@
         </p:nvCxnSpPr>
         <p:spPr>
           <a:xfrm>
-            <a:off x="26829187" y="7054210"/>
+            <a:off x="30809903" y="7054210"/>
             <a:ext cx="567658" cy="0"/>
           </a:xfrm>
           <a:prstGeom prst="line">
@@ -10206,7 +9914,7 @@
         </p:nvSpPr>
         <p:spPr>
           <a:xfrm>
-            <a:off x="22026724" y="10813193"/>
+            <a:off x="26007440" y="10813193"/>
             <a:ext cx="2115918" cy="1080000"/>
           </a:xfrm>
           <a:prstGeom prst="rect">
@@ -10266,7 +9974,7 @@
         </p:nvCxnSpPr>
         <p:spPr>
           <a:xfrm rot="5400000">
-            <a:off x="23610634" y="9984160"/>
+            <a:off x="27591350" y="9984160"/>
             <a:ext cx="303082" cy="1354984"/>
           </a:xfrm>
           <a:prstGeom prst="bentConnector3">
@@ -10311,7 +10019,7 @@
         </p:nvCxnSpPr>
         <p:spPr>
           <a:xfrm rot="5400000">
-            <a:off x="26945563" y="5005055"/>
+            <a:off x="30926279" y="5005055"/>
             <a:ext cx="334821" cy="2683489"/>
           </a:xfrm>
           <a:prstGeom prst="bentConnector3">
@@ -10356,7 +10064,7 @@
         </p:nvCxnSpPr>
         <p:spPr>
           <a:xfrm rot="16200000" flipH="1">
-            <a:off x="28287350" y="6346755"/>
+            <a:off x="32268066" y="6346755"/>
             <a:ext cx="334821" cy="87"/>
           </a:xfrm>
           <a:prstGeom prst="bentConnector3">
@@ -10401,7 +10109,7 @@
         </p:nvCxnSpPr>
         <p:spPr>
           <a:xfrm rot="16200000" flipH="1">
-            <a:off x="29627676" y="5006430"/>
+            <a:off x="33608392" y="5006430"/>
             <a:ext cx="339230" cy="2685148"/>
           </a:xfrm>
           <a:prstGeom prst="bentConnector3">
@@ -10446,7 +10154,7 @@
         </p:nvCxnSpPr>
         <p:spPr>
           <a:xfrm rot="5400000">
-            <a:off x="25591514" y="7772266"/>
+            <a:off x="29572230" y="7772266"/>
             <a:ext cx="357771" cy="1659"/>
           </a:xfrm>
           <a:prstGeom prst="bentConnector3">
@@ -10491,7 +10199,7 @@
         </p:nvCxnSpPr>
         <p:spPr>
           <a:xfrm>
-            <a:off x="25497626" y="9970111"/>
+            <a:off x="29478342" y="9970111"/>
             <a:ext cx="563811" cy="1618"/>
           </a:xfrm>
           <a:prstGeom prst="line">
@@ -10532,7 +10240,7 @@
         </p:nvSpPr>
         <p:spPr>
           <a:xfrm>
-            <a:off x="22036249" y="12304197"/>
+            <a:off x="26016965" y="12304197"/>
             <a:ext cx="2115918" cy="1080000"/>
           </a:xfrm>
           <a:prstGeom prst="rect">
@@ -10588,7 +10296,7 @@
         </p:nvSpPr>
         <p:spPr>
           <a:xfrm>
-            <a:off x="24721135" y="12319741"/>
+            <a:off x="28701851" y="12319741"/>
             <a:ext cx="2115918" cy="1080000"/>
           </a:xfrm>
           <a:prstGeom prst="rect">
@@ -10644,7 +10352,7 @@
         </p:nvSpPr>
         <p:spPr>
           <a:xfrm>
-            <a:off x="26061856" y="13684922"/>
+            <a:off x="30042572" y="13684922"/>
             <a:ext cx="2115918" cy="1080000"/>
           </a:xfrm>
           <a:prstGeom prst="rect">
@@ -10700,7 +10408,7 @@
         </p:nvSpPr>
         <p:spPr>
           <a:xfrm>
-            <a:off x="26055057" y="15112508"/>
+            <a:off x="30035773" y="15112508"/>
             <a:ext cx="2115918" cy="1080000"/>
           </a:xfrm>
           <a:prstGeom prst="rect">
@@ -10756,7 +10464,7 @@
         </p:nvSpPr>
         <p:spPr>
           <a:xfrm>
-            <a:off x="23376249" y="13684922"/>
+            <a:off x="27356965" y="13684922"/>
             <a:ext cx="2115918" cy="1080000"/>
           </a:xfrm>
           <a:prstGeom prst="rect">
@@ -10812,7 +10520,7 @@
         </p:nvSpPr>
         <p:spPr>
           <a:xfrm>
-            <a:off x="28735124" y="13684922"/>
+            <a:off x="32715840" y="13684922"/>
             <a:ext cx="2115918" cy="1080000"/>
           </a:xfrm>
           <a:prstGeom prst="rect">
@@ -10880,7 +10588,7 @@
         </p:nvCxnSpPr>
         <p:spPr>
           <a:xfrm rot="16200000" flipH="1">
-            <a:off x="22883943" y="12093932"/>
+            <a:off x="26864659" y="12093932"/>
             <a:ext cx="411004" cy="9525"/>
           </a:xfrm>
           <a:prstGeom prst="bentConnector3">
@@ -10925,7 +10633,7 @@
         </p:nvCxnSpPr>
         <p:spPr>
           <a:xfrm rot="5400000">
-            <a:off x="24880937" y="11446463"/>
+            <a:off x="28861653" y="11446463"/>
             <a:ext cx="1791730" cy="2685188"/>
           </a:xfrm>
           <a:prstGeom prst="bentConnector3">
@@ -10970,7 +10678,7 @@
         </p:nvCxnSpPr>
         <p:spPr>
           <a:xfrm rot="5400000">
-            <a:off x="26942623" y="14935316"/>
+            <a:off x="30923339" y="14935316"/>
             <a:ext cx="347586" cy="6799"/>
           </a:xfrm>
           <a:prstGeom prst="bentConnector3">
@@ -11011,7 +10719,7 @@
         </p:nvSpPr>
         <p:spPr>
           <a:xfrm>
-            <a:off x="30081906" y="7962475"/>
+            <a:off x="34062622" y="7962475"/>
             <a:ext cx="2115918" cy="1080000"/>
           </a:xfrm>
           <a:prstGeom prst="rect">
@@ -11071,7 +10779,7 @@
         </p:nvCxnSpPr>
         <p:spPr>
           <a:xfrm rot="5400000">
-            <a:off x="26968665" y="10662460"/>
+            <a:off x="30949381" y="10662460"/>
             <a:ext cx="301463" cy="12700"/>
           </a:xfrm>
           <a:prstGeom prst="bentConnector3">
@@ -11117,7 +10825,7 @@
         </p:nvCxnSpPr>
         <p:spPr>
           <a:xfrm rot="16200000" flipH="1">
-            <a:off x="25627991" y="9321786"/>
+            <a:off x="29608707" y="9321786"/>
             <a:ext cx="303081" cy="2679729"/>
           </a:xfrm>
           <a:prstGeom prst="bentConnector3">
@@ -11159,7 +10867,7 @@
         </p:nvSpPr>
         <p:spPr>
           <a:xfrm>
-            <a:off x="3232783" y="6514210"/>
+            <a:off x="7833982" y="6514210"/>
             <a:ext cx="2115918" cy="1080000"/>
           </a:xfrm>
           <a:prstGeom prst="rect">
@@ -11194,19 +10902,7 @@
             <a:pPr algn="ctr"/>
             <a:r>
               <a:rPr lang="ru-RU" sz="1400" dirty="0"/>
-              <a:t>Путь мирной пропаганды </a:t>
-            </a:r>
-            <a:r>
-              <a:rPr lang="ru-RU" sz="600" dirty="0"/>
-              <a:t>(Он планировал агитировать за изменения посредством «мирной пропаганды», избрания в законодательные органы сторонников Конгресса, посредством протестов и запросов и, наконец, посредством «пассивных действий или продолжающегося </a:t>
-            </a:r>
-            <a:r>
-              <a:rPr lang="ru-RU" sz="600" dirty="0" err="1"/>
-              <a:t>движения».Община</a:t>
-            </a:r>
-            <a:r>
-              <a:rPr lang="ru-RU" sz="600" dirty="0"/>
-              <a:t> южноафриканских индейцев .)</a:t>
+              <a:t>Путь мирной пропаганды</a:t>
             </a:r>
             <a:endParaRPr lang="ru-RU" sz="500" dirty="0"/>
           </a:p>
@@ -11226,7 +10922,7 @@
         </p:nvSpPr>
         <p:spPr>
           <a:xfrm>
-            <a:off x="554280" y="6514210"/>
+            <a:off x="5155479" y="6514210"/>
             <a:ext cx="2115918" cy="1080000"/>
           </a:xfrm>
           <a:prstGeom prst="rect">
@@ -11261,13 +10957,9 @@
             <a:pPr algn="ctr"/>
             <a:r>
               <a:rPr lang="ru-RU" sz="1400" dirty="0"/>
-              <a:t>Разрешить женщинам вступать в конгресс</a:t>
-            </a:r>
-            <a:r>
-              <a:rPr lang="ru-RU" sz="600" dirty="0"/>
-              <a:t>(Другой пример децентрализации: официально членство было открыто только для чернокожих мужчин (женщинам разрешалось вступать только с 1943 г.), но на местном уровне практика, похоже, была иной.)</a:t>
-            </a:r>
-            <a:endParaRPr lang="ru-RU" sz="500" dirty="0"/>
+              <a:t>Репрессировать коммунистов</a:t>
+            </a:r>
+            <a:endParaRPr lang="ru-RU" sz="800" dirty="0"/>
           </a:p>
         </p:txBody>
       </p:sp>
@@ -11285,7 +10977,7 @@
         </p:nvSpPr>
         <p:spPr>
           <a:xfrm>
-            <a:off x="5923318" y="6514210"/>
+            <a:off x="10524517" y="6514210"/>
             <a:ext cx="2115918" cy="1080000"/>
           </a:xfrm>
           <a:prstGeom prst="rect">
@@ -11320,27 +11012,7 @@
             <a:pPr algn="ctr"/>
             <a:r>
               <a:rPr lang="ru-RU" sz="1400" dirty="0"/>
-              <a:t>Умеренная радикализация партии </a:t>
-            </a:r>
-            <a:r>
-              <a:rPr lang="ru-RU" sz="800" dirty="0"/>
-              <a:t>(Однако на фоне всплеска профсоюзной активности в 1940-х годах АНК пережил возрождение и умеренную радикализацию при генерал-президенте Альфреде </a:t>
-            </a:r>
-            <a:r>
-              <a:rPr lang="ru-RU" sz="800" dirty="0" err="1"/>
-              <a:t>Битини</a:t>
-            </a:r>
-            <a:r>
-              <a:rPr lang="ru-RU" sz="800" dirty="0"/>
-              <a:t> </a:t>
-            </a:r>
-            <a:r>
-              <a:rPr lang="ru-RU" sz="800" dirty="0" err="1"/>
-              <a:t>Ксуме</a:t>
-            </a:r>
-            <a:r>
-              <a:rPr lang="ru-RU" sz="800" dirty="0"/>
-              <a:t>)</a:t>
+              <a:t>Умеренная радикализация партии</a:t>
             </a:r>
             <a:endParaRPr lang="ru-RU" sz="500" dirty="0"/>
           </a:p>
@@ -11360,7 +11032,7 @@
         </p:nvSpPr>
         <p:spPr>
           <a:xfrm>
-            <a:off x="8599496" y="6514210"/>
+            <a:off x="13200695" y="6514210"/>
             <a:ext cx="2115918" cy="1080000"/>
           </a:xfrm>
           <a:prstGeom prst="rect">
@@ -11394,22 +11066,10 @@
           <a:p>
             <a:pPr algn="ctr"/>
             <a:r>
-              <a:rPr lang="ru-RU" sz="1400" dirty="0"/>
-              <a:t>Репрессировать коммунистов </a:t>
-            </a:r>
-            <a:r>
-              <a:rPr lang="ru-RU" sz="600" dirty="0"/>
-              <a:t>(Он был избран президентом Африканского национального конгресса с 1924 по 1927 год, он был противником коммунизма и, следовательно, выступал против Дж. Т. </a:t>
-            </a:r>
-            <a:r>
-              <a:rPr lang="ru-RU" sz="600" dirty="0" err="1"/>
-              <a:t>Гумеде</a:t>
-            </a:r>
-            <a:r>
-              <a:rPr lang="ru-RU" sz="600" dirty="0"/>
-              <a:t> .)</a:t>
-            </a:r>
-            <a:endParaRPr lang="ru-RU" sz="500" dirty="0"/>
+              <a:rPr lang="ru-RU" sz="1200" dirty="0"/>
+              <a:t>Разрешить женщинам вступать в конгресс</a:t>
+            </a:r>
+            <a:endParaRPr lang="ru-RU" sz="800" dirty="0"/>
           </a:p>
         </p:txBody>
       </p:sp>
@@ -11427,7 +11087,7 @@
         </p:nvSpPr>
         <p:spPr>
           <a:xfrm>
-            <a:off x="5923318" y="3962714"/>
+            <a:off x="10524517" y="3962714"/>
             <a:ext cx="2115918" cy="550618"/>
           </a:xfrm>
           <a:prstGeom prst="rect">
@@ -11494,7 +11154,7 @@
         </p:nvSpPr>
         <p:spPr>
           <a:xfrm>
-            <a:off x="3239970" y="3962974"/>
+            <a:off x="7841169" y="3962974"/>
             <a:ext cx="2115918" cy="540883"/>
           </a:xfrm>
           <a:prstGeom prst="rect">
@@ -11553,7 +11213,7 @@
         </p:nvSpPr>
         <p:spPr>
           <a:xfrm>
-            <a:off x="1896229" y="7947058"/>
+            <a:off x="6497428" y="7947058"/>
             <a:ext cx="2115918" cy="1080000"/>
           </a:xfrm>
           <a:prstGeom prst="rect">
@@ -11588,11 +11248,7 @@
             <a:pPr algn="ctr"/>
             <a:r>
               <a:rPr lang="ru-RU" sz="1400" dirty="0"/>
-              <a:t>Межконфессиональная африканская федерация министров </a:t>
-            </a:r>
-            <a:r>
-              <a:rPr lang="ru-RU" sz="700" dirty="0"/>
-              <a:t>(В 1940-х годах он сосредоточился на религиозных организациях, в том числе на Межконфессиональной африканской федерации министров, основанной в 1945 году)</a:t>
+              <a:t>Межконфессиональная африканская федерация министров</a:t>
             </a:r>
             <a:endParaRPr lang="ru-RU" sz="500" dirty="0"/>
           </a:p>
@@ -11612,7 +11268,7 @@
         </p:nvSpPr>
         <p:spPr>
           <a:xfrm>
-            <a:off x="26061437" y="9431729"/>
+            <a:off x="30042153" y="9431729"/>
             <a:ext cx="2115918" cy="1080000"/>
           </a:xfrm>
           <a:prstGeom prst="rect">
@@ -11668,7 +11324,7 @@
         </p:nvCxnSpPr>
         <p:spPr>
           <a:xfrm>
-            <a:off x="5348701" y="7054210"/>
+            <a:off x="9949900" y="7054210"/>
             <a:ext cx="574617" cy="0"/>
           </a:xfrm>
           <a:prstGeom prst="line">
@@ -11713,7 +11369,7 @@
         </p:nvCxnSpPr>
         <p:spPr>
           <a:xfrm rot="16200000" flipH="1">
-            <a:off x="7452433" y="4309187"/>
+            <a:off x="12053632" y="4309187"/>
             <a:ext cx="390353" cy="4019691"/>
           </a:xfrm>
           <a:prstGeom prst="bentConnector3">
@@ -11758,7 +11414,7 @@
         </p:nvCxnSpPr>
         <p:spPr>
           <a:xfrm rot="5400000">
-            <a:off x="3429826" y="4306271"/>
+            <a:off x="8031025" y="4306271"/>
             <a:ext cx="390353" cy="4025525"/>
           </a:xfrm>
           <a:prstGeom prst="bentConnector3">
@@ -11803,7 +11459,7 @@
         </p:nvCxnSpPr>
         <p:spPr>
           <a:xfrm rot="5400000">
-            <a:off x="3446041" y="7102357"/>
+            <a:off x="8047240" y="7102357"/>
             <a:ext cx="352848" cy="1336554"/>
           </a:xfrm>
           <a:prstGeom prst="bentConnector3">
@@ -11848,7 +11504,7 @@
         </p:nvCxnSpPr>
         <p:spPr>
           <a:xfrm rot="16200000" flipH="1">
-            <a:off x="7475858" y="7099629"/>
+            <a:off x="12077057" y="7099629"/>
             <a:ext cx="353871" cy="1343032"/>
           </a:xfrm>
           <a:prstGeom prst="bentConnector3">
@@ -11893,7 +11549,7 @@
         </p:nvCxnSpPr>
         <p:spPr>
           <a:xfrm rot="16200000" flipH="1">
-            <a:off x="4779346" y="7105606"/>
+            <a:off x="9380545" y="7105606"/>
             <a:ext cx="369815" cy="1347022"/>
           </a:xfrm>
           <a:prstGeom prst="bentConnector3">
@@ -11939,7 +11595,7 @@
         </p:nvCxnSpPr>
         <p:spPr>
           <a:xfrm rot="5400000">
-            <a:off x="6124614" y="7107361"/>
+            <a:off x="10725813" y="7107361"/>
             <a:ext cx="369815" cy="1343513"/>
           </a:xfrm>
           <a:prstGeom prst="bentConnector3">
@@ -11985,7 +11641,7 @@
         </p:nvCxnSpPr>
         <p:spPr>
           <a:xfrm rot="16200000" flipH="1">
-            <a:off x="6117372" y="8564417"/>
+            <a:off x="10718571" y="8564417"/>
             <a:ext cx="392436" cy="1351652"/>
           </a:xfrm>
           <a:prstGeom prst="bentConnector3">
@@ -12030,7 +11686,7 @@
         </p:nvCxnSpPr>
         <p:spPr>
           <a:xfrm rot="5400000">
-            <a:off x="4772409" y="8571106"/>
+            <a:off x="9373608" y="8571106"/>
             <a:ext cx="392436" cy="1338275"/>
           </a:xfrm>
           <a:prstGeom prst="bentConnector3">
@@ -12071,7 +11727,7 @@
         </p:nvSpPr>
         <p:spPr>
           <a:xfrm>
-            <a:off x="3239970" y="12355543"/>
+            <a:off x="7841169" y="12355543"/>
             <a:ext cx="2115918" cy="1080000"/>
           </a:xfrm>
           <a:prstGeom prst="rect">
@@ -12130,7 +11786,7 @@
         </p:nvCxnSpPr>
         <p:spPr>
           <a:xfrm rot="5400000">
-            <a:off x="3379168" y="11435222"/>
+            <a:off x="7980367" y="11435222"/>
             <a:ext cx="1839082" cy="1560"/>
           </a:xfrm>
           <a:prstGeom prst="bentConnector3">
@@ -12171,7 +11827,7 @@
         </p:nvSpPr>
         <p:spPr>
           <a:xfrm>
-            <a:off x="11286480" y="12304197"/>
+            <a:off x="15887679" y="12304197"/>
             <a:ext cx="2115918" cy="1080000"/>
           </a:xfrm>
           <a:prstGeom prst="rect">
@@ -12230,7 +11886,7 @@
         </p:nvCxnSpPr>
         <p:spPr>
           <a:xfrm rot="16200000" flipH="1">
-            <a:off x="8773059" y="8732817"/>
+            <a:off x="13374258" y="8732817"/>
             <a:ext cx="1787736" cy="5355023"/>
           </a:xfrm>
           <a:prstGeom prst="bentConnector3">
@@ -12271,7 +11927,7 @@
         </p:nvSpPr>
         <p:spPr>
           <a:xfrm>
-            <a:off x="21768315" y="881634"/>
+            <a:off x="23258426" y="262606"/>
             <a:ext cx="2115918" cy="1080000"/>
           </a:xfrm>
           <a:prstGeom prst="rect">
@@ -12324,7 +11980,7 @@
         </p:nvSpPr>
         <p:spPr>
           <a:xfrm>
-            <a:off x="24713269" y="2097086"/>
+            <a:off x="26203380" y="1478058"/>
             <a:ext cx="2115918" cy="1080000"/>
           </a:xfrm>
           <a:prstGeom prst="rect">
@@ -12377,7 +12033,7 @@
         </p:nvSpPr>
         <p:spPr>
           <a:xfrm>
-            <a:off x="21768315" y="2143138"/>
+            <a:off x="23258426" y="1524110"/>
             <a:ext cx="2115918" cy="1080000"/>
           </a:xfrm>
           <a:prstGeom prst="rect">
@@ -12430,7 +12086,7 @@
         </p:nvSpPr>
         <p:spPr>
           <a:xfrm>
-            <a:off x="24721135" y="760078"/>
+            <a:off x="26211246" y="141050"/>
             <a:ext cx="2115918" cy="1080000"/>
           </a:xfrm>
           <a:prstGeom prst="rect">
@@ -12483,7 +12139,7 @@
         </p:nvSpPr>
         <p:spPr>
           <a:xfrm>
-            <a:off x="33934068" y="13725138"/>
+            <a:off x="39358557" y="13725138"/>
             <a:ext cx="2115918" cy="1080000"/>
           </a:xfrm>
           <a:prstGeom prst="rect">
@@ -12547,7 +12203,7 @@
         </p:nvSpPr>
         <p:spPr>
           <a:xfrm>
-            <a:off x="36500821" y="5139374"/>
+            <a:off x="41925310" y="5139374"/>
             <a:ext cx="2115918" cy="1080000"/>
           </a:xfrm>
           <a:prstGeom prst="rect">
@@ -12599,7 +12255,7 @@
         </p:nvSpPr>
         <p:spPr>
           <a:xfrm>
-            <a:off x="36576505" y="10876461"/>
+            <a:off x="42000994" y="10876461"/>
             <a:ext cx="2115918" cy="1080000"/>
           </a:xfrm>
           <a:prstGeom prst="rect">
@@ -12651,7 +12307,7 @@
         </p:nvSpPr>
         <p:spPr>
           <a:xfrm>
-            <a:off x="35226206" y="6584607"/>
+            <a:off x="40650695" y="6584607"/>
             <a:ext cx="2115918" cy="1080000"/>
           </a:xfrm>
           <a:prstGeom prst="rect">
@@ -12703,7 +12359,7 @@
         </p:nvSpPr>
         <p:spPr>
           <a:xfrm>
-            <a:off x="36576505" y="8042559"/>
+            <a:off x="42000994" y="8042559"/>
             <a:ext cx="2115918" cy="1080000"/>
           </a:xfrm>
           <a:prstGeom prst="rect">
@@ -12755,7 +12411,7 @@
         </p:nvSpPr>
         <p:spPr>
           <a:xfrm>
-            <a:off x="37912479" y="6584607"/>
+            <a:off x="43336968" y="6584607"/>
             <a:ext cx="2115918" cy="1080000"/>
           </a:xfrm>
           <a:prstGeom prst="rect">
@@ -12807,7 +12463,7 @@
         </p:nvSpPr>
         <p:spPr>
           <a:xfrm>
-            <a:off x="35232556" y="12299823"/>
+            <a:off x="40657045" y="12299823"/>
             <a:ext cx="2115918" cy="1080000"/>
           </a:xfrm>
           <a:prstGeom prst="rect">
@@ -12859,7 +12515,7 @@
         </p:nvSpPr>
         <p:spPr>
           <a:xfrm>
-            <a:off x="37906395" y="12297697"/>
+            <a:off x="43330884" y="12297697"/>
             <a:ext cx="2115918" cy="1080000"/>
           </a:xfrm>
           <a:prstGeom prst="rect">
@@ -12935,7 +12591,7 @@
         </p:nvSpPr>
         <p:spPr>
           <a:xfrm>
-            <a:off x="33915088" y="10879746"/>
+            <a:off x="39339577" y="10879746"/>
             <a:ext cx="2115918" cy="1080000"/>
           </a:xfrm>
           <a:prstGeom prst="rect">
@@ -12987,7 +12643,7 @@
         </p:nvSpPr>
         <p:spPr>
           <a:xfrm>
-            <a:off x="39249734" y="8038705"/>
+            <a:off x="44674223" y="8038705"/>
             <a:ext cx="2115918" cy="1080000"/>
           </a:xfrm>
           <a:prstGeom prst="rect">
@@ -13039,7 +12695,7 @@
         </p:nvSpPr>
         <p:spPr>
           <a:xfrm>
-            <a:off x="41930837" y="8041865"/>
+            <a:off x="47355326" y="8041865"/>
             <a:ext cx="2115918" cy="1080000"/>
           </a:xfrm>
           <a:prstGeom prst="rect">
@@ -13091,7 +12747,7 @@
         </p:nvSpPr>
         <p:spPr>
           <a:xfrm>
-            <a:off x="40594863" y="9500509"/>
+            <a:off x="46019352" y="9500509"/>
             <a:ext cx="2115918" cy="1080000"/>
           </a:xfrm>
           <a:prstGeom prst="rect">
@@ -13147,7 +12803,7 @@
         </p:nvCxnSpPr>
         <p:spPr>
           <a:xfrm rot="5400000">
-            <a:off x="36738857" y="5764683"/>
+            <a:off x="42163346" y="5764683"/>
             <a:ext cx="365233" cy="1274615"/>
           </a:xfrm>
           <a:prstGeom prst="bentConnector3">
@@ -13192,7 +12848,7 @@
         </p:nvCxnSpPr>
         <p:spPr>
           <a:xfrm rot="16200000" flipH="1">
-            <a:off x="38081993" y="5696161"/>
+            <a:off x="43506482" y="5696161"/>
             <a:ext cx="365233" cy="1411658"/>
           </a:xfrm>
           <a:prstGeom prst="bentConnector3">
@@ -13237,7 +12893,7 @@
         </p:nvCxnSpPr>
         <p:spPr>
           <a:xfrm rot="16200000" flipH="1">
-            <a:off x="39452016" y="7183028"/>
+            <a:off x="44876505" y="7183028"/>
             <a:ext cx="374098" cy="1337255"/>
           </a:xfrm>
           <a:prstGeom prst="bentConnector3">
@@ -13282,7 +12938,7 @@
         </p:nvCxnSpPr>
         <p:spPr>
           <a:xfrm rot="16200000" flipH="1">
-            <a:off x="40790988" y="5844057"/>
+            <a:off x="46215477" y="5844057"/>
             <a:ext cx="377258" cy="4018358"/>
           </a:xfrm>
           <a:prstGeom prst="bentConnector3">
@@ -13327,7 +12983,7 @@
         </p:nvCxnSpPr>
         <p:spPr>
           <a:xfrm rot="16200000" flipH="1">
-            <a:off x="39393679" y="7241366"/>
+            <a:off x="44818168" y="7241366"/>
             <a:ext cx="1835902" cy="2682384"/>
           </a:xfrm>
           <a:prstGeom prst="bentConnector3">
@@ -13372,7 +13028,7 @@
         </p:nvCxnSpPr>
         <p:spPr>
           <a:xfrm rot="5400000">
-            <a:off x="38113475" y="7185596"/>
+            <a:off x="43537964" y="7185596"/>
             <a:ext cx="377952" cy="1335974"/>
           </a:xfrm>
           <a:prstGeom prst="bentConnector3">
@@ -13418,7 +13074,7 @@
         </p:nvCxnSpPr>
         <p:spPr>
           <a:xfrm rot="16200000" flipH="1">
-            <a:off x="36770338" y="7178433"/>
+            <a:off x="42194827" y="7178433"/>
             <a:ext cx="377952" cy="1350299"/>
           </a:xfrm>
           <a:prstGeom prst="bentConnector3">
@@ -13460,7 +13116,7 @@
         </p:nvSpPr>
         <p:spPr>
           <a:xfrm>
-            <a:off x="31265965" y="13715614"/>
+            <a:off x="36690454" y="13715614"/>
             <a:ext cx="2115918" cy="1080000"/>
           </a:xfrm>
           <a:prstGeom prst="rect">
@@ -13516,7 +13172,7 @@
         </p:nvSpPr>
         <p:spPr>
           <a:xfrm>
-            <a:off x="26061437" y="10813192"/>
+            <a:off x="30042153" y="10813192"/>
             <a:ext cx="2115918" cy="1080000"/>
           </a:xfrm>
           <a:prstGeom prst="rect">
@@ -13572,7 +13228,7 @@
         </p:nvSpPr>
         <p:spPr>
           <a:xfrm>
-            <a:off x="32650088" y="12339661"/>
+            <a:off x="38074577" y="12339661"/>
             <a:ext cx="2115918" cy="1080000"/>
           </a:xfrm>
           <a:prstGeom prst="rect">
@@ -13628,7 +13284,7 @@
         </p:nvSpPr>
         <p:spPr>
           <a:xfrm>
-            <a:off x="35248196" y="15170514"/>
+            <a:off x="40672685" y="15170514"/>
             <a:ext cx="2115918" cy="1080000"/>
           </a:xfrm>
           <a:prstGeom prst="rect">
@@ -13683,7 +13339,7 @@
         </p:nvSpPr>
         <p:spPr>
           <a:xfrm>
-            <a:off x="32623366" y="15186264"/>
+            <a:off x="38047855" y="15186264"/>
             <a:ext cx="2115918" cy="1080000"/>
           </a:xfrm>
           <a:prstGeom prst="rect">
@@ -13739,7 +13395,7 @@
         </p:nvSpPr>
         <p:spPr>
           <a:xfrm>
-            <a:off x="36555759" y="13713391"/>
+            <a:off x="41980248" y="13713391"/>
             <a:ext cx="2115918" cy="1080000"/>
           </a:xfrm>
           <a:prstGeom prst="rect">
@@ -13803,7 +13459,7 @@
         </p:nvSpPr>
         <p:spPr>
           <a:xfrm>
-            <a:off x="33971180" y="8074522"/>
+            <a:off x="39395669" y="8074522"/>
             <a:ext cx="2115918" cy="1080000"/>
           </a:xfrm>
           <a:prstGeom prst="rect">
@@ -13859,7 +13515,7 @@
         </p:nvSpPr>
         <p:spPr>
           <a:xfrm>
-            <a:off x="37906395" y="9467362"/>
+            <a:off x="43330884" y="9467362"/>
             <a:ext cx="2115918" cy="1080000"/>
           </a:xfrm>
           <a:prstGeom prst="rect">
@@ -13915,7 +13571,7 @@
         </p:nvSpPr>
         <p:spPr>
           <a:xfrm>
-            <a:off x="35226205" y="9467362"/>
+            <a:off x="40650694" y="9467362"/>
             <a:ext cx="2115918" cy="1080000"/>
           </a:xfrm>
           <a:prstGeom prst="rect">
@@ -13979,7 +13635,7 @@
         </p:nvSpPr>
         <p:spPr>
           <a:xfrm>
-            <a:off x="43283331" y="9430111"/>
+            <a:off x="48707820" y="9499123"/>
             <a:ext cx="2115918" cy="1080000"/>
           </a:xfrm>
           <a:prstGeom prst="rect">
@@ -14035,12 +13691,12 @@
         </p:nvCxnSpPr>
         <p:spPr>
           <a:xfrm rot="16200000" flipH="1">
-            <a:off x="40773112" y="5861933"/>
-            <a:ext cx="1765504" cy="5370852"/>
+            <a:off x="46163095" y="5896439"/>
+            <a:ext cx="1834516" cy="5370852"/>
           </a:xfrm>
           <a:prstGeom prst="bentConnector3">
             <a:avLst>
-              <a:gd name="adj1" fmla="val 11156"/>
+              <a:gd name="adj1" fmla="val 10837"/>
             </a:avLst>
           </a:prstGeom>
           <a:ln w="28575">
@@ -14080,7 +13736,7 @@
         </p:nvCxnSpPr>
         <p:spPr>
           <a:xfrm rot="5400000">
-            <a:off x="35366386" y="5882128"/>
+            <a:off x="40790875" y="5882128"/>
             <a:ext cx="1855148" cy="2529641"/>
           </a:xfrm>
           <a:prstGeom prst="bentConnector3">
@@ -14125,7 +13781,7 @@
         </p:nvCxnSpPr>
         <p:spPr>
           <a:xfrm rot="5400000">
-            <a:off x="32573271" y="7354151"/>
+            <a:off x="37997760" y="7354151"/>
             <a:ext cx="6120287" cy="3850733"/>
           </a:xfrm>
           <a:prstGeom prst="bentConnector3">
@@ -14170,7 +13826,7 @@
         </p:nvCxnSpPr>
         <p:spPr>
           <a:xfrm rot="5400000">
-            <a:off x="32868010" y="12875576"/>
+            <a:off x="38292499" y="12875576"/>
             <a:ext cx="295953" cy="1384123"/>
           </a:xfrm>
           <a:prstGeom prst="bentConnector3">
@@ -14215,7 +13871,7 @@
         </p:nvCxnSpPr>
         <p:spPr>
           <a:xfrm rot="16200000" flipH="1">
-            <a:off x="35514017" y="11613690"/>
+            <a:off x="40938506" y="11613690"/>
             <a:ext cx="293730" cy="3905671"/>
           </a:xfrm>
           <a:prstGeom prst="bentConnector3">
@@ -14260,7 +13916,7 @@
         </p:nvCxnSpPr>
         <p:spPr>
           <a:xfrm rot="16200000" flipH="1">
-            <a:off x="34197299" y="12930409"/>
+            <a:off x="39621788" y="12930409"/>
             <a:ext cx="305477" cy="1283980"/>
           </a:xfrm>
           <a:prstGeom prst="bentConnector3">
@@ -14305,7 +13961,7 @@
         </p:nvCxnSpPr>
         <p:spPr>
           <a:xfrm rot="16200000" flipH="1">
-            <a:off x="32807299" y="14312238"/>
+            <a:off x="38231788" y="14312238"/>
             <a:ext cx="390650" cy="1357401"/>
           </a:xfrm>
           <a:prstGeom prst="bentConnector3">
@@ -14350,7 +14006,7 @@
         </p:nvCxnSpPr>
         <p:spPr>
           <a:xfrm rot="5400000">
-            <a:off x="34146113" y="14340350"/>
+            <a:off x="39570602" y="14340350"/>
             <a:ext cx="381126" cy="1310702"/>
           </a:xfrm>
           <a:prstGeom prst="bentConnector3">
@@ -14395,7 +14051,7 @@
         </p:nvCxnSpPr>
         <p:spPr>
           <a:xfrm rot="5400000">
-            <a:off x="36771376" y="14328171"/>
+            <a:off x="42195865" y="14328171"/>
             <a:ext cx="377123" cy="1307563"/>
           </a:xfrm>
           <a:prstGeom prst="bentConnector3">
@@ -14440,7 +14096,7 @@
         </p:nvCxnSpPr>
         <p:spPr>
           <a:xfrm rot="5400000">
-            <a:off x="36786913" y="8619810"/>
+            <a:off x="42211402" y="8619810"/>
             <a:ext cx="344803" cy="1350300"/>
           </a:xfrm>
           <a:prstGeom prst="bentConnector3">
@@ -14485,7 +14141,7 @@
         </p:nvCxnSpPr>
         <p:spPr>
           <a:xfrm rot="16200000" flipH="1">
-            <a:off x="38127008" y="8630015"/>
+            <a:off x="43551497" y="8630015"/>
             <a:ext cx="344803" cy="1329890"/>
           </a:xfrm>
           <a:prstGeom prst="bentConnector3">
@@ -14530,7 +14186,7 @@
         </p:nvCxnSpPr>
         <p:spPr>
           <a:xfrm rot="16200000" flipH="1">
-            <a:off x="36794765" y="10036761"/>
+            <a:off x="42219254" y="10036761"/>
             <a:ext cx="329099" cy="1350300"/>
           </a:xfrm>
           <a:prstGeom prst="bentConnector3">
@@ -14576,7 +14232,7 @@
         </p:nvCxnSpPr>
         <p:spPr>
           <a:xfrm rot="5400000">
-            <a:off x="38134860" y="10046966"/>
+            <a:off x="43559349" y="10046966"/>
             <a:ext cx="329099" cy="1329890"/>
           </a:xfrm>
           <a:prstGeom prst="bentConnector3">
@@ -14622,7 +14278,7 @@
         </p:nvCxnSpPr>
         <p:spPr>
           <a:xfrm rot="5400000">
-            <a:off x="35462414" y="10057996"/>
+            <a:off x="40886903" y="10057996"/>
             <a:ext cx="332384" cy="1311117"/>
           </a:xfrm>
           <a:prstGeom prst="bentConnector3">
@@ -14667,7 +14323,7 @@
         </p:nvCxnSpPr>
         <p:spPr>
           <a:xfrm rot="16200000" flipH="1">
-            <a:off x="35411109" y="11420416"/>
+            <a:off x="40835598" y="11420416"/>
             <a:ext cx="1752461" cy="6351"/>
           </a:xfrm>
           <a:prstGeom prst="bentConnector3">
@@ -14712,7 +14368,7 @@
         </p:nvCxnSpPr>
         <p:spPr>
           <a:xfrm rot="16200000" flipH="1">
-            <a:off x="36749092" y="10082434"/>
+            <a:off x="42173581" y="10082434"/>
             <a:ext cx="1750335" cy="2680190"/>
           </a:xfrm>
           <a:prstGeom prst="bentConnector3">
@@ -14753,7 +14409,7 @@
         </p:nvSpPr>
         <p:spPr>
           <a:xfrm>
-            <a:off x="39249734" y="10869040"/>
+            <a:off x="44674223" y="10869040"/>
             <a:ext cx="2115918" cy="1080000"/>
           </a:xfrm>
           <a:prstGeom prst="rect">
@@ -14817,7 +14473,7 @@
         </p:nvCxnSpPr>
         <p:spPr>
           <a:xfrm rot="16200000" flipH="1">
-            <a:off x="38135089" y="8696436"/>
+            <a:off x="43559578" y="8696436"/>
             <a:ext cx="321678" cy="4023529"/>
           </a:xfrm>
           <a:prstGeom prst="bentConnector3">
@@ -14858,7 +14514,7 @@
         </p:nvSpPr>
         <p:spPr>
           <a:xfrm>
-            <a:off x="24721135" y="16540094"/>
+            <a:off x="28701851" y="16540094"/>
             <a:ext cx="2115918" cy="1080000"/>
           </a:xfrm>
           <a:prstGeom prst="rect">
@@ -14910,7 +14566,7 @@
         </p:nvSpPr>
         <p:spPr>
           <a:xfrm>
-            <a:off x="27396845" y="16540094"/>
+            <a:off x="31377561" y="16540094"/>
             <a:ext cx="2115918" cy="1080000"/>
           </a:xfrm>
           <a:prstGeom prst="rect">
@@ -14962,7 +14618,7 @@
         </p:nvSpPr>
         <p:spPr>
           <a:xfrm>
-            <a:off x="28735124" y="9430111"/>
+            <a:off x="32715840" y="9430111"/>
             <a:ext cx="2115918" cy="1080000"/>
           </a:xfrm>
           <a:prstGeom prst="rect">
@@ -15026,7 +14682,7 @@
         </p:nvSpPr>
         <p:spPr>
           <a:xfrm>
-            <a:off x="29506413" y="2797352"/>
+            <a:off x="31802715" y="2797352"/>
             <a:ext cx="2115918" cy="1080000"/>
           </a:xfrm>
           <a:prstGeom prst="rect">
@@ -15435,7 +15091,7 @@
         </p:nvSpPr>
         <p:spPr>
           <a:xfrm>
-            <a:off x="32176845" y="2797352"/>
+            <a:off x="34473147" y="2797352"/>
             <a:ext cx="2115918" cy="1080000"/>
           </a:xfrm>
           <a:prstGeom prst="rect">
@@ -15736,7 +15392,7 @@
         </p:nvSpPr>
         <p:spPr>
           <a:xfrm>
-            <a:off x="31372677" y="9442811"/>
+            <a:off x="35353393" y="9442811"/>
             <a:ext cx="2115918" cy="1080000"/>
           </a:xfrm>
           <a:prstGeom prst="rect">
@@ -15796,7 +15452,7 @@
         </p:nvCxnSpPr>
         <p:spPr>
           <a:xfrm rot="5400000">
-            <a:off x="30957937" y="7780547"/>
+            <a:off x="34938653" y="7780547"/>
             <a:ext cx="363856" cy="12700"/>
           </a:xfrm>
           <a:prstGeom prst="bentConnector3">
@@ -15841,7 +15497,7 @@
         </p:nvCxnSpPr>
         <p:spPr>
           <a:xfrm rot="5400000">
-            <a:off x="29620610" y="6432726"/>
+            <a:off x="33601326" y="6432726"/>
             <a:ext cx="353362" cy="2685148"/>
           </a:xfrm>
           <a:prstGeom prst="bentConnector3">
@@ -15886,7 +15542,7 @@
         </p:nvCxnSpPr>
         <p:spPr>
           <a:xfrm rot="5400000">
-            <a:off x="24905553" y="8566095"/>
+            <a:off x="28886269" y="8566095"/>
             <a:ext cx="398130" cy="1329902"/>
           </a:xfrm>
           <a:prstGeom prst="bentConnector3">
@@ -15931,7 +15587,7 @@
         </p:nvCxnSpPr>
         <p:spPr>
           <a:xfrm rot="16200000" flipH="1">
-            <a:off x="26244608" y="8556941"/>
+            <a:off x="30225324" y="8556941"/>
             <a:ext cx="399748" cy="1349827"/>
           </a:xfrm>
           <a:prstGeom prst="bentConnector3">
@@ -15976,7 +15632,7 @@
         </p:nvCxnSpPr>
         <p:spPr>
           <a:xfrm rot="16200000" flipH="1">
-            <a:off x="27582261" y="7219289"/>
+            <a:off x="31562977" y="7219289"/>
             <a:ext cx="398130" cy="4023514"/>
           </a:xfrm>
           <a:prstGeom prst="bentConnector3">
@@ -16017,7 +15673,7 @@
         </p:nvSpPr>
         <p:spPr>
           <a:xfrm>
-            <a:off x="27396845" y="12319741"/>
+            <a:off x="31377561" y="12319741"/>
             <a:ext cx="2115918" cy="1080000"/>
           </a:xfrm>
           <a:prstGeom prst="rect">
@@ -16077,7 +15733,7 @@
         </p:nvCxnSpPr>
         <p:spPr>
           <a:xfrm rot="5400000">
-            <a:off x="27644720" y="12874837"/>
+            <a:off x="31625436" y="12874837"/>
             <a:ext cx="285181" cy="1334989"/>
           </a:xfrm>
           <a:prstGeom prst="bentConnector3">
@@ -16122,7 +15778,7 @@
         </p:nvCxnSpPr>
         <p:spPr>
           <a:xfrm rot="16200000" flipH="1">
-            <a:off x="26306864" y="12871970"/>
+            <a:off x="30287580" y="12871970"/>
             <a:ext cx="285181" cy="1340721"/>
           </a:xfrm>
           <a:prstGeom prst="bentConnector3">
@@ -16167,7 +15823,7 @@
         </p:nvCxnSpPr>
         <p:spPr>
           <a:xfrm rot="5400000">
-            <a:off x="26235971" y="11436315"/>
+            <a:off x="30216687" y="11436315"/>
             <a:ext cx="426549" cy="1340302"/>
           </a:xfrm>
           <a:prstGeom prst="bentConnector3">
@@ -16212,7 +15868,7 @@
         </p:nvCxnSpPr>
         <p:spPr>
           <a:xfrm rot="16200000" flipH="1">
-            <a:off x="27573826" y="11438762"/>
+            <a:off x="31554542" y="11438762"/>
             <a:ext cx="426549" cy="1335408"/>
           </a:xfrm>
           <a:prstGeom prst="bentConnector3">
@@ -16253,7 +15909,7 @@
         </p:nvSpPr>
         <p:spPr>
           <a:xfrm>
-            <a:off x="23376249" y="15112508"/>
+            <a:off x="27356965" y="15112508"/>
             <a:ext cx="2115918" cy="1080000"/>
           </a:xfrm>
           <a:prstGeom prst="rect">
@@ -16313,7 +15969,7 @@
         </p:nvCxnSpPr>
         <p:spPr>
           <a:xfrm rot="16200000" flipH="1">
-            <a:off x="27560374" y="11452213"/>
+            <a:off x="31541090" y="11452213"/>
             <a:ext cx="1791730" cy="2673687"/>
           </a:xfrm>
           <a:prstGeom prst="bentConnector3">
@@ -16354,7 +16010,7 @@
         </p:nvSpPr>
         <p:spPr>
           <a:xfrm>
-            <a:off x="28733864" y="15112508"/>
+            <a:off x="32714580" y="15112508"/>
             <a:ext cx="2115918" cy="1080000"/>
           </a:xfrm>
           <a:prstGeom prst="rect">
@@ -16414,7 +16070,7 @@
         </p:nvCxnSpPr>
         <p:spPr>
           <a:xfrm rot="5400000">
-            <a:off x="24260415" y="14938715"/>
+            <a:off x="28241131" y="14938715"/>
             <a:ext cx="347586" cy="12700"/>
           </a:xfrm>
           <a:prstGeom prst="bentConnector3">
@@ -16459,7 +16115,7 @@
         </p:nvCxnSpPr>
         <p:spPr>
           <a:xfrm rot="5400000">
-            <a:off x="29618660" y="14938085"/>
+            <a:off x="33599376" y="14938085"/>
             <a:ext cx="347586" cy="1260"/>
           </a:xfrm>
           <a:prstGeom prst="bentConnector3">
@@ -16504,7 +16160,7 @@
         </p:nvCxnSpPr>
         <p:spPr>
           <a:xfrm rot="16200000" flipH="1">
-            <a:off x="24932858" y="15693858"/>
+            <a:off x="28913574" y="15693858"/>
             <a:ext cx="347586" cy="1344886"/>
           </a:xfrm>
           <a:prstGeom prst="bentConnector3">
@@ -16550,7 +16206,7 @@
         </p:nvCxnSpPr>
         <p:spPr>
           <a:xfrm rot="16200000" flipH="1">
-            <a:off x="26270713" y="14356003"/>
+            <a:off x="30251429" y="14356003"/>
             <a:ext cx="347586" cy="4020596"/>
           </a:xfrm>
           <a:prstGeom prst="bentConnector3">
@@ -16596,7 +16252,7 @@
         </p:nvCxnSpPr>
         <p:spPr>
           <a:xfrm rot="5400000">
-            <a:off x="26272262" y="15699340"/>
+            <a:off x="30252978" y="15699340"/>
             <a:ext cx="347586" cy="1333922"/>
           </a:xfrm>
           <a:prstGeom prst="bentConnector3">
@@ -16642,7 +16298,7 @@
         </p:nvCxnSpPr>
         <p:spPr>
           <a:xfrm rot="16200000" flipH="1">
-            <a:off x="27610117" y="15695407"/>
+            <a:off x="31590833" y="15695407"/>
             <a:ext cx="347586" cy="1341788"/>
           </a:xfrm>
           <a:prstGeom prst="bentConnector3">
@@ -16688,7 +16344,7 @@
         </p:nvCxnSpPr>
         <p:spPr>
           <a:xfrm rot="5400000">
-            <a:off x="27611666" y="14359937"/>
+            <a:off x="31592382" y="14359937"/>
             <a:ext cx="347586" cy="4012729"/>
           </a:xfrm>
           <a:prstGeom prst="bentConnector3">
@@ -16734,7 +16390,7 @@
         </p:nvCxnSpPr>
         <p:spPr>
           <a:xfrm rot="5400000">
-            <a:off x="28949521" y="15697792"/>
+            <a:off x="32930237" y="15697792"/>
             <a:ext cx="347586" cy="1337019"/>
           </a:xfrm>
           <a:prstGeom prst="bentConnector3">
@@ -16780,7 +16436,7 @@
         </p:nvCxnSpPr>
         <p:spPr>
           <a:xfrm rot="16200000" flipH="1">
-            <a:off x="28894687" y="5906862"/>
+            <a:off x="32875403" y="5906862"/>
             <a:ext cx="410830" cy="6661067"/>
           </a:xfrm>
           <a:prstGeom prst="bentConnector3">
@@ -16821,7 +16477,7 @@
         </p:nvSpPr>
         <p:spPr>
           <a:xfrm>
-            <a:off x="28733864" y="10802042"/>
+            <a:off x="32714580" y="10802042"/>
             <a:ext cx="2115918" cy="1080000"/>
           </a:xfrm>
           <a:prstGeom prst="rect">
@@ -16881,7 +16537,7 @@
         </p:nvCxnSpPr>
         <p:spPr>
           <a:xfrm rot="16200000" flipH="1">
-            <a:off x="28310453" y="9320671"/>
+            <a:off x="32291169" y="9320671"/>
             <a:ext cx="290313" cy="2672427"/>
           </a:xfrm>
           <a:prstGeom prst="bentConnector3">
@@ -16922,7 +16578,7 @@
         </p:nvSpPr>
         <p:spPr>
           <a:xfrm>
-            <a:off x="31372677" y="10795767"/>
+            <a:off x="35353393" y="10795767"/>
             <a:ext cx="2115918" cy="1080000"/>
           </a:xfrm>
           <a:prstGeom prst="rect">
@@ -16982,7 +16638,7 @@
         </p:nvCxnSpPr>
         <p:spPr>
           <a:xfrm rot="16200000" flipH="1">
-            <a:off x="29632997" y="7998128"/>
+            <a:off x="33613713" y="7998128"/>
             <a:ext cx="284038" cy="5311240"/>
           </a:xfrm>
           <a:prstGeom prst="bentConnector3">
@@ -17023,7 +16679,7 @@
         </p:nvSpPr>
         <p:spPr>
           <a:xfrm>
-            <a:off x="30077036" y="12319741"/>
+            <a:off x="34057752" y="12319741"/>
             <a:ext cx="2115918" cy="1080000"/>
           </a:xfrm>
           <a:prstGeom prst="rect">
@@ -17083,7 +16739,7 @@
         </p:nvCxnSpPr>
         <p:spPr>
           <a:xfrm rot="16200000" flipH="1">
-            <a:off x="30244560" y="11429305"/>
+            <a:off x="34225276" y="11429305"/>
             <a:ext cx="437699" cy="1343172"/>
           </a:xfrm>
           <a:prstGeom prst="bentConnector3">
@@ -17129,7 +16785,7 @@
         </p:nvCxnSpPr>
         <p:spPr>
           <a:xfrm rot="5400000">
-            <a:off x="31560829" y="11449934"/>
+            <a:off x="35541545" y="11449934"/>
             <a:ext cx="443974" cy="1295641"/>
           </a:xfrm>
           <a:prstGeom prst="bentConnector3">
@@ -17175,8 +16831,8 @@
         </p:nvCxnSpPr>
         <p:spPr>
           <a:xfrm>
-            <a:off x="29512676" y="5639389"/>
-            <a:ext cx="6988145" cy="39985"/>
+            <a:off x="33493392" y="5639389"/>
+            <a:ext cx="8431918" cy="39985"/>
           </a:xfrm>
           <a:prstGeom prst="line">
             <a:avLst/>
@@ -17251,6 +16907,980 @@
           </a:p>
         </p:txBody>
       </p:sp>
+      <p:sp>
+        <p:nvSpPr>
+          <p:cNvPr id="294" name="Прямоугольник 293">
+            <a:extLst>
+              <a:ext uri="{FF2B5EF4-FFF2-40B4-BE49-F238E27FC236}">
+                <a16:creationId xmlns:a16="http://schemas.microsoft.com/office/drawing/2014/main" id="{6E35469B-525C-4828-B38E-EB394D1EC372}"/>
+              </a:ext>
+            </a:extLst>
+          </p:cNvPr>
+          <p:cNvSpPr/>
+          <p:nvPr/>
+        </p:nvSpPr>
+        <p:spPr>
+          <a:xfrm>
+            <a:off x="36746111" y="6516939"/>
+            <a:ext cx="2115918" cy="1080000"/>
+          </a:xfrm>
+          <a:prstGeom prst="rect">
+            <a:avLst/>
+          </a:prstGeom>
+          <a:solidFill>
+            <a:srgbClr val="FF0000"/>
+          </a:solidFill>
+          <a:ln w="28575"/>
+        </p:spPr>
+        <p:style>
+          <a:lnRef idx="2">
+            <a:schemeClr val="accent1"/>
+          </a:lnRef>
+          <a:fillRef idx="1">
+            <a:schemeClr val="lt1"/>
+          </a:fillRef>
+          <a:effectRef idx="0">
+            <a:schemeClr val="accent1"/>
+          </a:effectRef>
+          <a:fontRef idx="minor">
+            <a:schemeClr val="dk1"/>
+          </a:fontRef>
+        </p:style>
+        <p:txBody>
+          <a:bodyPr lIns="124733" tIns="62367" rIns="124733" bIns="62367" rtlCol="0" anchor="ctr"/>
+          <a:lstStyle/>
+          <a:p>
+            <a:pPr algn="ctr"/>
+            <a:r>
+              <a:rPr lang="ru-RU" sz="1400" dirty="0"/>
+              <a:t>Создание женской секции партии </a:t>
+            </a:r>
+            <a:r>
+              <a:rPr lang="ru-RU" sz="1050" dirty="0"/>
+              <a:t>(</a:t>
+            </a:r>
+            <a:r>
+              <a:rPr lang="en-US" sz="1050" dirty="0"/>
+              <a:t>Josie </a:t>
+            </a:r>
+            <a:r>
+              <a:rPr lang="en-US" sz="1050" dirty="0" err="1"/>
+              <a:t>Mpama</a:t>
+            </a:r>
+            <a:r>
+              <a:rPr lang="ru-RU" sz="1050" dirty="0"/>
+              <a:t> станет доступна как советник)</a:t>
+            </a:r>
+            <a:endParaRPr lang="ru-RU" sz="800" dirty="0"/>
+          </a:p>
+        </p:txBody>
+      </p:sp>
+      <p:cxnSp>
+        <p:nvCxnSpPr>
+          <p:cNvPr id="295" name="Shape 248">
+            <a:extLst>
+              <a:ext uri="{FF2B5EF4-FFF2-40B4-BE49-F238E27FC236}">
+                <a16:creationId xmlns:a16="http://schemas.microsoft.com/office/drawing/2014/main" id="{98250168-2090-4892-8242-4BC7C0F6FB8F}"/>
+              </a:ext>
+            </a:extLst>
+          </p:cNvPr>
+          <p:cNvCxnSpPr>
+            <a:cxnSpLocks/>
+            <a:stCxn id="179" idx="2"/>
+            <a:endCxn id="294" idx="0"/>
+          </p:cNvCxnSpPr>
+          <p:nvPr/>
+        </p:nvCxnSpPr>
+        <p:spPr>
+          <a:xfrm rot="16200000" flipH="1">
+            <a:off x="34950976" y="3663845"/>
+            <a:ext cx="337550" cy="5368637"/>
+          </a:xfrm>
+          <a:prstGeom prst="bentConnector3">
+            <a:avLst>
+              <a:gd name="adj1" fmla="val 50000"/>
+            </a:avLst>
+          </a:prstGeom>
+          <a:ln w="28575">
+            <a:tailEnd type="arrow"/>
+          </a:ln>
+        </p:spPr>
+        <p:style>
+          <a:lnRef idx="1">
+            <a:schemeClr val="accent1"/>
+          </a:lnRef>
+          <a:fillRef idx="0">
+            <a:schemeClr val="accent1"/>
+          </a:fillRef>
+          <a:effectRef idx="0">
+            <a:schemeClr val="accent1"/>
+          </a:effectRef>
+          <a:fontRef idx="minor">
+            <a:schemeClr val="tx1"/>
+          </a:fontRef>
+        </p:style>
+      </p:cxnSp>
+      <p:sp>
+        <p:nvSpPr>
+          <p:cNvPr id="301" name="Прямоугольник 300">
+            <a:extLst>
+              <a:ext uri="{FF2B5EF4-FFF2-40B4-BE49-F238E27FC236}">
+                <a16:creationId xmlns:a16="http://schemas.microsoft.com/office/drawing/2014/main" id="{E0B91D39-873F-4E56-AD7B-A4D2A2CCFE0A}"/>
+              </a:ext>
+            </a:extLst>
+          </p:cNvPr>
+          <p:cNvSpPr/>
+          <p:nvPr/>
+        </p:nvSpPr>
+        <p:spPr>
+          <a:xfrm>
+            <a:off x="1421221" y="7968825"/>
+            <a:ext cx="2115918" cy="1080000"/>
+          </a:xfrm>
+          <a:prstGeom prst="rect">
+            <a:avLst/>
+          </a:prstGeom>
+          <a:ln w="28575"/>
+        </p:spPr>
+        <p:style>
+          <a:lnRef idx="2">
+            <a:schemeClr val="accent1"/>
+          </a:lnRef>
+          <a:fillRef idx="1">
+            <a:schemeClr val="lt1"/>
+          </a:fillRef>
+          <a:effectRef idx="0">
+            <a:schemeClr val="accent1"/>
+          </a:effectRef>
+          <a:fontRef idx="minor">
+            <a:schemeClr val="dk1"/>
+          </a:fontRef>
+        </p:style>
+        <p:txBody>
+          <a:bodyPr lIns="124733" tIns="62367" rIns="124733" bIns="62367" rtlCol="0" anchor="ctr"/>
+          <a:lstStyle/>
+          <a:p>
+            <a:pPr algn="ctr"/>
+            <a:r>
+              <a:rPr lang="ru-RU" sz="1400" dirty="0"/>
+              <a:t>Набрать новых командующих</a:t>
+            </a:r>
+            <a:endParaRPr lang="ru-RU" sz="800" dirty="0"/>
+          </a:p>
+        </p:txBody>
+      </p:sp>
+      <p:sp>
+        <p:nvSpPr>
+          <p:cNvPr id="304" name="Прямоугольник 303">
+            <a:extLst>
+              <a:ext uri="{FF2B5EF4-FFF2-40B4-BE49-F238E27FC236}">
+                <a16:creationId xmlns:a16="http://schemas.microsoft.com/office/drawing/2014/main" id="{1EC70A17-71D7-4837-A6E2-DD76104A96BE}"/>
+              </a:ext>
+            </a:extLst>
+          </p:cNvPr>
+          <p:cNvSpPr/>
+          <p:nvPr/>
+        </p:nvSpPr>
+        <p:spPr>
+          <a:xfrm>
+            <a:off x="36747770" y="7949272"/>
+            <a:ext cx="2115918" cy="1080000"/>
+          </a:xfrm>
+          <a:prstGeom prst="rect">
+            <a:avLst/>
+          </a:prstGeom>
+          <a:solidFill>
+            <a:srgbClr val="FF0000"/>
+          </a:solidFill>
+          <a:ln w="28575"/>
+        </p:spPr>
+        <p:style>
+          <a:lnRef idx="2">
+            <a:schemeClr val="accent1"/>
+          </a:lnRef>
+          <a:fillRef idx="1">
+            <a:schemeClr val="lt1"/>
+          </a:fillRef>
+          <a:effectRef idx="0">
+            <a:schemeClr val="accent1"/>
+          </a:effectRef>
+          <a:fontRef idx="minor">
+            <a:schemeClr val="dk1"/>
+          </a:fontRef>
+        </p:style>
+        <p:txBody>
+          <a:bodyPr lIns="124733" tIns="62367" rIns="124733" bIns="62367" rtlCol="0" anchor="ctr"/>
+          <a:lstStyle/>
+          <a:p>
+            <a:pPr algn="ctr"/>
+            <a:r>
+              <a:rPr lang="ru-RU" sz="1400" dirty="0"/>
+              <a:t>Женские профсоюзы</a:t>
+            </a:r>
+            <a:endParaRPr lang="ru-RU" sz="800" dirty="0"/>
+          </a:p>
+        </p:txBody>
+      </p:sp>
+      <p:cxnSp>
+        <p:nvCxnSpPr>
+          <p:cNvPr id="307" name="Shape 248">
+            <a:extLst>
+              <a:ext uri="{FF2B5EF4-FFF2-40B4-BE49-F238E27FC236}">
+                <a16:creationId xmlns:a16="http://schemas.microsoft.com/office/drawing/2014/main" id="{3D4FFAB0-F1E2-47BA-8A15-E97093B366CB}"/>
+              </a:ext>
+            </a:extLst>
+          </p:cNvPr>
+          <p:cNvCxnSpPr>
+            <a:cxnSpLocks/>
+            <a:stCxn id="294" idx="2"/>
+            <a:endCxn id="304" idx="0"/>
+          </p:cNvCxnSpPr>
+          <p:nvPr/>
+        </p:nvCxnSpPr>
+        <p:spPr>
+          <a:xfrm rot="16200000" flipH="1">
+            <a:off x="37628733" y="7772275"/>
+            <a:ext cx="352333" cy="1659"/>
+          </a:xfrm>
+          <a:prstGeom prst="bentConnector3">
+            <a:avLst>
+              <a:gd name="adj1" fmla="val 50000"/>
+            </a:avLst>
+          </a:prstGeom>
+          <a:ln w="28575">
+            <a:tailEnd type="arrow"/>
+          </a:ln>
+        </p:spPr>
+        <p:style>
+          <a:lnRef idx="1">
+            <a:schemeClr val="accent1"/>
+          </a:lnRef>
+          <a:fillRef idx="0">
+            <a:schemeClr val="accent1"/>
+          </a:fillRef>
+          <a:effectRef idx="0">
+            <a:schemeClr val="accent1"/>
+          </a:effectRef>
+          <a:fontRef idx="minor">
+            <a:schemeClr val="tx1"/>
+          </a:fontRef>
+        </p:style>
+      </p:cxnSp>
+      <p:sp>
+        <p:nvSpPr>
+          <p:cNvPr id="327" name="Прямоугольник 326">
+            <a:extLst>
+              <a:ext uri="{FF2B5EF4-FFF2-40B4-BE49-F238E27FC236}">
+                <a16:creationId xmlns:a16="http://schemas.microsoft.com/office/drawing/2014/main" id="{A2AB9ED9-5B3C-4386-B630-F3FB0647C62A}"/>
+              </a:ext>
+            </a:extLst>
+          </p:cNvPr>
+          <p:cNvSpPr/>
+          <p:nvPr/>
+        </p:nvSpPr>
+        <p:spPr>
+          <a:xfrm>
+            <a:off x="1421221" y="5043855"/>
+            <a:ext cx="2115918" cy="1080000"/>
+          </a:xfrm>
+          <a:prstGeom prst="rect">
+            <a:avLst/>
+          </a:prstGeom>
+          <a:ln w="28575"/>
+        </p:spPr>
+        <p:style>
+          <a:lnRef idx="2">
+            <a:schemeClr val="accent1"/>
+          </a:lnRef>
+          <a:fillRef idx="1">
+            <a:schemeClr val="lt1"/>
+          </a:fillRef>
+          <a:effectRef idx="0">
+            <a:schemeClr val="accent1"/>
+          </a:effectRef>
+          <a:fontRef idx="minor">
+            <a:schemeClr val="dk1"/>
+          </a:fontRef>
+        </p:style>
+        <p:txBody>
+          <a:bodyPr lIns="124733" tIns="62367" rIns="124733" bIns="62367" rtlCol="0" anchor="ctr"/>
+          <a:lstStyle/>
+          <a:p>
+            <a:pPr algn="ctr"/>
+            <a:r>
+              <a:rPr lang="ru-RU" sz="1400" dirty="0"/>
+              <a:t>Копьё Нации</a:t>
+            </a:r>
+            <a:endParaRPr lang="ru-RU" sz="800" dirty="0"/>
+          </a:p>
+        </p:txBody>
+      </p:sp>
+      <p:sp>
+        <p:nvSpPr>
+          <p:cNvPr id="330" name="Прямоугольник 329">
+            <a:extLst>
+              <a:ext uri="{FF2B5EF4-FFF2-40B4-BE49-F238E27FC236}">
+                <a16:creationId xmlns:a16="http://schemas.microsoft.com/office/drawing/2014/main" id="{8934B9E5-7DDC-45E3-B553-D88557E3717A}"/>
+              </a:ext>
+            </a:extLst>
+          </p:cNvPr>
+          <p:cNvSpPr/>
+          <p:nvPr/>
+        </p:nvSpPr>
+        <p:spPr>
+          <a:xfrm>
+            <a:off x="2771979" y="6512894"/>
+            <a:ext cx="2115918" cy="1080000"/>
+          </a:xfrm>
+          <a:prstGeom prst="rect">
+            <a:avLst/>
+          </a:prstGeom>
+          <a:ln w="28575"/>
+        </p:spPr>
+        <p:style>
+          <a:lnRef idx="2">
+            <a:schemeClr val="accent1"/>
+          </a:lnRef>
+          <a:fillRef idx="1">
+            <a:schemeClr val="lt1"/>
+          </a:fillRef>
+          <a:effectRef idx="0">
+            <a:schemeClr val="accent1"/>
+          </a:effectRef>
+          <a:fontRef idx="minor">
+            <a:schemeClr val="dk1"/>
+          </a:fontRef>
+        </p:style>
+        <p:txBody>
+          <a:bodyPr lIns="124733" tIns="62367" rIns="124733" bIns="62367" rtlCol="0" anchor="ctr"/>
+          <a:lstStyle/>
+          <a:p>
+            <a:pPr algn="ctr"/>
+            <a:r>
+              <a:rPr lang="ru-RU" sz="1400" dirty="0"/>
+              <a:t>Подготовиться к партизанской войне</a:t>
+            </a:r>
+            <a:endParaRPr lang="ru-RU" sz="800" dirty="0"/>
+          </a:p>
+        </p:txBody>
+      </p:sp>
+      <p:sp>
+        <p:nvSpPr>
+          <p:cNvPr id="331" name="Прямоугольник 330">
+            <a:extLst>
+              <a:ext uri="{FF2B5EF4-FFF2-40B4-BE49-F238E27FC236}">
+                <a16:creationId xmlns:a16="http://schemas.microsoft.com/office/drawing/2014/main" id="{2A539DFE-7DE2-4F44-A176-FBF949A136E7}"/>
+              </a:ext>
+            </a:extLst>
+          </p:cNvPr>
+          <p:cNvSpPr/>
+          <p:nvPr/>
+        </p:nvSpPr>
+        <p:spPr>
+          <a:xfrm>
+            <a:off x="77348" y="6512894"/>
+            <a:ext cx="2115918" cy="1080000"/>
+          </a:xfrm>
+          <a:prstGeom prst="rect">
+            <a:avLst/>
+          </a:prstGeom>
+          <a:ln w="28575"/>
+        </p:spPr>
+        <p:style>
+          <a:lnRef idx="2">
+            <a:schemeClr val="accent1"/>
+          </a:lnRef>
+          <a:fillRef idx="1">
+            <a:schemeClr val="lt1"/>
+          </a:fillRef>
+          <a:effectRef idx="0">
+            <a:schemeClr val="accent1"/>
+          </a:effectRef>
+          <a:fontRef idx="minor">
+            <a:schemeClr val="dk1"/>
+          </a:fontRef>
+        </p:style>
+        <p:txBody>
+          <a:bodyPr lIns="124733" tIns="62367" rIns="124733" bIns="62367" rtlCol="0" anchor="ctr"/>
+          <a:lstStyle/>
+          <a:p>
+            <a:pPr algn="ctr"/>
+            <a:r>
+              <a:rPr lang="ru-RU" sz="1400" dirty="0"/>
+              <a:t>Провести набор среди населения</a:t>
+            </a:r>
+            <a:endParaRPr lang="ru-RU" sz="800" dirty="0"/>
+          </a:p>
+        </p:txBody>
+      </p:sp>
+      <p:cxnSp>
+        <p:nvCxnSpPr>
+          <p:cNvPr id="333" name="Shape 248">
+            <a:extLst>
+              <a:ext uri="{FF2B5EF4-FFF2-40B4-BE49-F238E27FC236}">
+                <a16:creationId xmlns:a16="http://schemas.microsoft.com/office/drawing/2014/main" id="{B197B95A-64FD-40DB-8AEF-404BEC0A4FAF}"/>
+              </a:ext>
+            </a:extLst>
+          </p:cNvPr>
+          <p:cNvCxnSpPr>
+            <a:cxnSpLocks/>
+            <a:stCxn id="327" idx="2"/>
+            <a:endCxn id="331" idx="0"/>
+          </p:cNvCxnSpPr>
+          <p:nvPr/>
+        </p:nvCxnSpPr>
+        <p:spPr>
+          <a:xfrm rot="5400000">
+            <a:off x="1612725" y="5646438"/>
+            <a:ext cx="389039" cy="1343873"/>
+          </a:xfrm>
+          <a:prstGeom prst="bentConnector3">
+            <a:avLst>
+              <a:gd name="adj1" fmla="val 50000"/>
+            </a:avLst>
+          </a:prstGeom>
+          <a:ln w="28575">
+            <a:tailEnd type="arrow"/>
+          </a:ln>
+        </p:spPr>
+        <p:style>
+          <a:lnRef idx="1">
+            <a:schemeClr val="accent1"/>
+          </a:lnRef>
+          <a:fillRef idx="0">
+            <a:schemeClr val="accent1"/>
+          </a:fillRef>
+          <a:effectRef idx="0">
+            <a:schemeClr val="accent1"/>
+          </a:effectRef>
+          <a:fontRef idx="minor">
+            <a:schemeClr val="tx1"/>
+          </a:fontRef>
+        </p:style>
+      </p:cxnSp>
+      <p:cxnSp>
+        <p:nvCxnSpPr>
+          <p:cNvPr id="334" name="Shape 248">
+            <a:extLst>
+              <a:ext uri="{FF2B5EF4-FFF2-40B4-BE49-F238E27FC236}">
+                <a16:creationId xmlns:a16="http://schemas.microsoft.com/office/drawing/2014/main" id="{AEF02320-8584-4B14-9DA4-9E158D4E6BE1}"/>
+              </a:ext>
+            </a:extLst>
+          </p:cNvPr>
+          <p:cNvCxnSpPr>
+            <a:cxnSpLocks/>
+            <a:stCxn id="327" idx="2"/>
+            <a:endCxn id="330" idx="0"/>
+          </p:cNvCxnSpPr>
+          <p:nvPr/>
+        </p:nvCxnSpPr>
+        <p:spPr>
+          <a:xfrm rot="16200000" flipH="1">
+            <a:off x="2960040" y="5642995"/>
+            <a:ext cx="389039" cy="1350758"/>
+          </a:xfrm>
+          <a:prstGeom prst="bentConnector3">
+            <a:avLst>
+              <a:gd name="adj1" fmla="val 50000"/>
+            </a:avLst>
+          </a:prstGeom>
+          <a:ln w="28575">
+            <a:tailEnd type="arrow"/>
+          </a:ln>
+        </p:spPr>
+        <p:style>
+          <a:lnRef idx="1">
+            <a:schemeClr val="accent1"/>
+          </a:lnRef>
+          <a:fillRef idx="0">
+            <a:schemeClr val="accent1"/>
+          </a:fillRef>
+          <a:effectRef idx="0">
+            <a:schemeClr val="accent1"/>
+          </a:effectRef>
+          <a:fontRef idx="minor">
+            <a:schemeClr val="tx1"/>
+          </a:fontRef>
+        </p:style>
+      </p:cxnSp>
+      <p:cxnSp>
+        <p:nvCxnSpPr>
+          <p:cNvPr id="336" name="Shape 248">
+            <a:extLst>
+              <a:ext uri="{FF2B5EF4-FFF2-40B4-BE49-F238E27FC236}">
+                <a16:creationId xmlns:a16="http://schemas.microsoft.com/office/drawing/2014/main" id="{FFE49214-3D1A-47C5-853C-A519DED7E626}"/>
+              </a:ext>
+            </a:extLst>
+          </p:cNvPr>
+          <p:cNvCxnSpPr>
+            <a:cxnSpLocks/>
+            <a:stCxn id="327" idx="2"/>
+            <a:endCxn id="301" idx="0"/>
+          </p:cNvCxnSpPr>
+          <p:nvPr/>
+        </p:nvCxnSpPr>
+        <p:spPr>
+          <a:xfrm rot="5400000">
+            <a:off x="1556695" y="7046340"/>
+            <a:ext cx="1844970" cy="12700"/>
+          </a:xfrm>
+          <a:prstGeom prst="bentConnector3">
+            <a:avLst>
+              <a:gd name="adj1" fmla="val 50000"/>
+            </a:avLst>
+          </a:prstGeom>
+          <a:ln w="28575">
+            <a:tailEnd type="arrow"/>
+          </a:ln>
+        </p:spPr>
+        <p:style>
+          <a:lnRef idx="1">
+            <a:schemeClr val="accent1"/>
+          </a:lnRef>
+          <a:fillRef idx="0">
+            <a:schemeClr val="accent1"/>
+          </a:fillRef>
+          <a:effectRef idx="0">
+            <a:schemeClr val="accent1"/>
+          </a:effectRef>
+          <a:fontRef idx="minor">
+            <a:schemeClr val="tx1"/>
+          </a:fontRef>
+        </p:style>
+      </p:cxnSp>
+      <p:sp>
+        <p:nvSpPr>
+          <p:cNvPr id="337" name="Прямоугольник 336">
+            <a:extLst>
+              <a:ext uri="{FF2B5EF4-FFF2-40B4-BE49-F238E27FC236}">
+                <a16:creationId xmlns:a16="http://schemas.microsoft.com/office/drawing/2014/main" id="{4810CE09-044F-4028-9963-17F645CF17E1}"/>
+              </a:ext>
+            </a:extLst>
+          </p:cNvPr>
+          <p:cNvSpPr/>
+          <p:nvPr/>
+        </p:nvSpPr>
+        <p:spPr>
+          <a:xfrm>
+            <a:off x="85299" y="9436461"/>
+            <a:ext cx="2115918" cy="1080000"/>
+          </a:xfrm>
+          <a:prstGeom prst="rect">
+            <a:avLst/>
+          </a:prstGeom>
+          <a:ln w="28575"/>
+        </p:spPr>
+        <p:style>
+          <a:lnRef idx="2">
+            <a:schemeClr val="accent1"/>
+          </a:lnRef>
+          <a:fillRef idx="1">
+            <a:schemeClr val="lt1"/>
+          </a:fillRef>
+          <a:effectRef idx="0">
+            <a:schemeClr val="accent1"/>
+          </a:effectRef>
+          <a:fontRef idx="minor">
+            <a:schemeClr val="dk1"/>
+          </a:fontRef>
+        </p:style>
+        <p:txBody>
+          <a:bodyPr lIns="124733" tIns="62367" rIns="124733" bIns="62367" rtlCol="0" anchor="ctr"/>
+          <a:lstStyle/>
+          <a:p>
+            <a:pPr algn="ctr"/>
+            <a:r>
+              <a:rPr lang="ru-RU" sz="1400" dirty="0"/>
+              <a:t>Разработать тактику боевых групп</a:t>
+            </a:r>
+            <a:endParaRPr lang="ru-RU" sz="800" dirty="0"/>
+          </a:p>
+        </p:txBody>
+      </p:sp>
+      <p:sp>
+        <p:nvSpPr>
+          <p:cNvPr id="339" name="Прямоугольник 338">
+            <a:extLst>
+              <a:ext uri="{FF2B5EF4-FFF2-40B4-BE49-F238E27FC236}">
+                <a16:creationId xmlns:a16="http://schemas.microsoft.com/office/drawing/2014/main" id="{DACD93FF-4987-4926-8F38-D945341E780F}"/>
+              </a:ext>
+            </a:extLst>
+          </p:cNvPr>
+          <p:cNvSpPr/>
+          <p:nvPr/>
+        </p:nvSpPr>
+        <p:spPr>
+          <a:xfrm>
+            <a:off x="2772818" y="9430111"/>
+            <a:ext cx="2115918" cy="1080000"/>
+          </a:xfrm>
+          <a:prstGeom prst="rect">
+            <a:avLst/>
+          </a:prstGeom>
+          <a:ln w="28575"/>
+        </p:spPr>
+        <p:style>
+          <a:lnRef idx="2">
+            <a:schemeClr val="accent1"/>
+          </a:lnRef>
+          <a:fillRef idx="1">
+            <a:schemeClr val="lt1"/>
+          </a:fillRef>
+          <a:effectRef idx="0">
+            <a:schemeClr val="accent1"/>
+          </a:effectRef>
+          <a:fontRef idx="minor">
+            <a:schemeClr val="dk1"/>
+          </a:fontRef>
+        </p:style>
+        <p:txBody>
+          <a:bodyPr lIns="124733" tIns="62367" rIns="124733" bIns="62367" rtlCol="0" anchor="ctr"/>
+          <a:lstStyle/>
+          <a:p>
+            <a:pPr algn="ctr"/>
+            <a:r>
+              <a:rPr lang="ru-RU" sz="1400" dirty="0"/>
+              <a:t>Обучение методам саботажа</a:t>
+            </a:r>
+            <a:endParaRPr lang="ru-RU" sz="800" dirty="0"/>
+          </a:p>
+        </p:txBody>
+      </p:sp>
+      <p:cxnSp>
+        <p:nvCxnSpPr>
+          <p:cNvPr id="340" name="Shape 248">
+            <a:extLst>
+              <a:ext uri="{FF2B5EF4-FFF2-40B4-BE49-F238E27FC236}">
+                <a16:creationId xmlns:a16="http://schemas.microsoft.com/office/drawing/2014/main" id="{57ED5092-06C9-451A-9497-EE2BA068B736}"/>
+              </a:ext>
+            </a:extLst>
+          </p:cNvPr>
+          <p:cNvCxnSpPr>
+            <a:cxnSpLocks/>
+            <a:stCxn id="331" idx="2"/>
+            <a:endCxn id="337" idx="0"/>
+          </p:cNvCxnSpPr>
+          <p:nvPr/>
+        </p:nvCxnSpPr>
+        <p:spPr>
+          <a:xfrm rot="16200000" flipH="1">
+            <a:off x="217499" y="8510701"/>
+            <a:ext cx="1843567" cy="7951"/>
+          </a:xfrm>
+          <a:prstGeom prst="bentConnector3">
+            <a:avLst>
+              <a:gd name="adj1" fmla="val 50000"/>
+            </a:avLst>
+          </a:prstGeom>
+          <a:ln w="28575">
+            <a:tailEnd type="arrow"/>
+          </a:ln>
+        </p:spPr>
+        <p:style>
+          <a:lnRef idx="1">
+            <a:schemeClr val="accent1"/>
+          </a:lnRef>
+          <a:fillRef idx="0">
+            <a:schemeClr val="accent1"/>
+          </a:fillRef>
+          <a:effectRef idx="0">
+            <a:schemeClr val="accent1"/>
+          </a:effectRef>
+          <a:fontRef idx="minor">
+            <a:schemeClr val="tx1"/>
+          </a:fontRef>
+        </p:style>
+      </p:cxnSp>
+      <p:cxnSp>
+        <p:nvCxnSpPr>
+          <p:cNvPr id="342" name="Shape 248">
+            <a:extLst>
+              <a:ext uri="{FF2B5EF4-FFF2-40B4-BE49-F238E27FC236}">
+                <a16:creationId xmlns:a16="http://schemas.microsoft.com/office/drawing/2014/main" id="{89C02F00-0F9E-417D-B0F2-B3BC9ACDD8E7}"/>
+              </a:ext>
+            </a:extLst>
+          </p:cNvPr>
+          <p:cNvCxnSpPr>
+            <a:cxnSpLocks/>
+            <a:stCxn id="330" idx="2"/>
+            <a:endCxn id="339" idx="0"/>
+          </p:cNvCxnSpPr>
+          <p:nvPr/>
+        </p:nvCxnSpPr>
+        <p:spPr>
+          <a:xfrm rot="16200000" flipH="1">
+            <a:off x="2911749" y="8511082"/>
+            <a:ext cx="1837217" cy="839"/>
+          </a:xfrm>
+          <a:prstGeom prst="bentConnector3">
+            <a:avLst>
+              <a:gd name="adj1" fmla="val 50000"/>
+            </a:avLst>
+          </a:prstGeom>
+          <a:ln w="28575">
+            <a:tailEnd type="arrow"/>
+          </a:ln>
+        </p:spPr>
+        <p:style>
+          <a:lnRef idx="1">
+            <a:schemeClr val="accent1"/>
+          </a:lnRef>
+          <a:fillRef idx="0">
+            <a:schemeClr val="accent1"/>
+          </a:fillRef>
+          <a:effectRef idx="0">
+            <a:schemeClr val="accent1"/>
+          </a:effectRef>
+          <a:fontRef idx="minor">
+            <a:schemeClr val="tx1"/>
+          </a:fontRef>
+        </p:style>
+      </p:cxnSp>
+      <p:sp>
+        <p:nvSpPr>
+          <p:cNvPr id="343" name="Прямоугольник 342">
+            <a:extLst>
+              <a:ext uri="{FF2B5EF4-FFF2-40B4-BE49-F238E27FC236}">
+                <a16:creationId xmlns:a16="http://schemas.microsoft.com/office/drawing/2014/main" id="{84AADFEF-C44F-4A0C-B548-AD6C27E9481A}"/>
+              </a:ext>
+            </a:extLst>
+          </p:cNvPr>
+          <p:cNvSpPr/>
+          <p:nvPr/>
+        </p:nvSpPr>
+        <p:spPr>
+          <a:xfrm>
+            <a:off x="13197215" y="9428151"/>
+            <a:ext cx="2115918" cy="1080000"/>
+          </a:xfrm>
+          <a:prstGeom prst="rect">
+            <a:avLst/>
+          </a:prstGeom>
+          <a:solidFill>
+            <a:schemeClr val="accent1">
+              <a:lumMod val="60000"/>
+              <a:lumOff val="40000"/>
+            </a:schemeClr>
+          </a:solidFill>
+          <a:ln w="28575"/>
+        </p:spPr>
+        <p:style>
+          <a:lnRef idx="2">
+            <a:schemeClr val="accent1"/>
+          </a:lnRef>
+          <a:fillRef idx="1">
+            <a:schemeClr val="lt1"/>
+          </a:fillRef>
+          <a:effectRef idx="0">
+            <a:schemeClr val="accent1"/>
+          </a:effectRef>
+          <a:fontRef idx="minor">
+            <a:schemeClr val="dk1"/>
+          </a:fontRef>
+        </p:style>
+        <p:txBody>
+          <a:bodyPr lIns="124733" tIns="62367" rIns="124733" bIns="62367" rtlCol="0" anchor="ctr"/>
+          <a:lstStyle/>
+          <a:p>
+            <a:pPr algn="ctr"/>
+            <a:r>
+              <a:rPr lang="ru-RU" sz="1400" dirty="0"/>
+              <a:t>Женская лига Африканского национального конгресса</a:t>
+            </a:r>
+            <a:endParaRPr lang="ru-RU" sz="500" dirty="0"/>
+          </a:p>
+        </p:txBody>
+      </p:sp>
+      <p:cxnSp>
+        <p:nvCxnSpPr>
+          <p:cNvPr id="345" name="Shape 248">
+            <a:extLst>
+              <a:ext uri="{FF2B5EF4-FFF2-40B4-BE49-F238E27FC236}">
+                <a16:creationId xmlns:a16="http://schemas.microsoft.com/office/drawing/2014/main" id="{ED164C79-E745-4E00-B162-C077CEB94B3D}"/>
+              </a:ext>
+            </a:extLst>
+          </p:cNvPr>
+          <p:cNvCxnSpPr>
+            <a:cxnSpLocks/>
+            <a:stCxn id="82" idx="2"/>
+            <a:endCxn id="343" idx="0"/>
+          </p:cNvCxnSpPr>
+          <p:nvPr/>
+        </p:nvCxnSpPr>
+        <p:spPr>
+          <a:xfrm rot="5400000">
+            <a:off x="14471165" y="7378221"/>
+            <a:ext cx="1833940" cy="2265921"/>
+          </a:xfrm>
+          <a:prstGeom prst="bentConnector3">
+            <a:avLst>
+              <a:gd name="adj1" fmla="val 10112"/>
+            </a:avLst>
+          </a:prstGeom>
+          <a:ln w="28575">
+            <a:tailEnd type="arrow"/>
+          </a:ln>
+        </p:spPr>
+        <p:style>
+          <a:lnRef idx="1">
+            <a:schemeClr val="accent1"/>
+          </a:lnRef>
+          <a:fillRef idx="0">
+            <a:schemeClr val="accent1"/>
+          </a:fillRef>
+          <a:effectRef idx="0">
+            <a:schemeClr val="accent1"/>
+          </a:effectRef>
+          <a:fontRef idx="minor">
+            <a:schemeClr val="tx1"/>
+          </a:fontRef>
+        </p:style>
+      </p:cxnSp>
+      <p:cxnSp>
+        <p:nvCxnSpPr>
+          <p:cNvPr id="346" name="Shape 248">
+            <a:extLst>
+              <a:ext uri="{FF2B5EF4-FFF2-40B4-BE49-F238E27FC236}">
+                <a16:creationId xmlns:a16="http://schemas.microsoft.com/office/drawing/2014/main" id="{AB025B75-CA82-4738-9584-661FF1F9AFC7}"/>
+              </a:ext>
+            </a:extLst>
+          </p:cNvPr>
+          <p:cNvCxnSpPr>
+            <a:cxnSpLocks/>
+            <a:stCxn id="247" idx="2"/>
+            <a:endCxn id="343" idx="0"/>
+          </p:cNvCxnSpPr>
+          <p:nvPr/>
+        </p:nvCxnSpPr>
+        <p:spPr>
+          <a:xfrm rot="5400000">
+            <a:off x="13339944" y="8509440"/>
+            <a:ext cx="1833941" cy="3480"/>
+          </a:xfrm>
+          <a:prstGeom prst="bentConnector3">
+            <a:avLst>
+              <a:gd name="adj1" fmla="val 50000"/>
+            </a:avLst>
+          </a:prstGeom>
+          <a:ln w="28575">
+            <a:tailEnd type="arrow"/>
+          </a:ln>
+        </p:spPr>
+        <p:style>
+          <a:lnRef idx="1">
+            <a:schemeClr val="accent1"/>
+          </a:lnRef>
+          <a:fillRef idx="0">
+            <a:schemeClr val="accent1"/>
+          </a:fillRef>
+          <a:effectRef idx="0">
+            <a:schemeClr val="accent1"/>
+          </a:effectRef>
+          <a:fontRef idx="minor">
+            <a:schemeClr val="tx1"/>
+          </a:fontRef>
+        </p:style>
+      </p:cxnSp>
+      <p:sp>
+        <p:nvSpPr>
+          <p:cNvPr id="348" name="Прямоугольник 347">
+            <a:extLst>
+              <a:ext uri="{FF2B5EF4-FFF2-40B4-BE49-F238E27FC236}">
+                <a16:creationId xmlns:a16="http://schemas.microsoft.com/office/drawing/2014/main" id="{D55A3798-78DE-4AEA-B65A-44853BA63CDC}"/>
+              </a:ext>
+            </a:extLst>
+          </p:cNvPr>
+          <p:cNvSpPr/>
+          <p:nvPr/>
+        </p:nvSpPr>
+        <p:spPr>
+          <a:xfrm>
+            <a:off x="5155354" y="9467362"/>
+            <a:ext cx="2115918" cy="1080000"/>
+          </a:xfrm>
+          <a:prstGeom prst="rect">
+            <a:avLst/>
+          </a:prstGeom>
+          <a:solidFill>
+            <a:schemeClr val="accent1">
+              <a:lumMod val="60000"/>
+              <a:lumOff val="40000"/>
+            </a:schemeClr>
+          </a:solidFill>
+          <a:ln w="28575"/>
+        </p:spPr>
+        <p:style>
+          <a:lnRef idx="2">
+            <a:schemeClr val="accent1"/>
+          </a:lnRef>
+          <a:fillRef idx="1">
+            <a:schemeClr val="lt1"/>
+          </a:fillRef>
+          <a:effectRef idx="0">
+            <a:schemeClr val="accent1"/>
+          </a:effectRef>
+          <a:fontRef idx="minor">
+            <a:schemeClr val="dk1"/>
+          </a:fontRef>
+        </p:style>
+        <p:txBody>
+          <a:bodyPr lIns="124733" tIns="62367" rIns="124733" bIns="62367" rtlCol="0" anchor="ctr"/>
+          <a:lstStyle/>
+          <a:p>
+            <a:pPr algn="ctr"/>
+            <a:r>
+              <a:rPr lang="ru-RU" sz="1400" dirty="0"/>
+              <a:t>Восстановить уничтоженные профсоюзы</a:t>
+            </a:r>
+            <a:endParaRPr lang="ru-RU" sz="500" dirty="0"/>
+          </a:p>
+        </p:txBody>
+      </p:sp>
+      <p:cxnSp>
+        <p:nvCxnSpPr>
+          <p:cNvPr id="349" name="Shape 248">
+            <a:extLst>
+              <a:ext uri="{FF2B5EF4-FFF2-40B4-BE49-F238E27FC236}">
+                <a16:creationId xmlns:a16="http://schemas.microsoft.com/office/drawing/2014/main" id="{0D3B46AE-B282-44B8-8A12-4E5EECB02E66}"/>
+              </a:ext>
+            </a:extLst>
+          </p:cNvPr>
+          <p:cNvCxnSpPr>
+            <a:cxnSpLocks/>
+            <a:stCxn id="244" idx="2"/>
+            <a:endCxn id="348" idx="0"/>
+          </p:cNvCxnSpPr>
+          <p:nvPr/>
+        </p:nvCxnSpPr>
+        <p:spPr>
+          <a:xfrm rot="5400000">
+            <a:off x="5276800" y="8530724"/>
+            <a:ext cx="1873152" cy="125"/>
+          </a:xfrm>
+          <a:prstGeom prst="bentConnector3">
+            <a:avLst>
+              <a:gd name="adj1" fmla="val 50000"/>
+            </a:avLst>
+          </a:prstGeom>
+          <a:ln w="28575">
+            <a:tailEnd type="arrow"/>
+          </a:ln>
+        </p:spPr>
+        <p:style>
+          <a:lnRef idx="1">
+            <a:schemeClr val="accent1"/>
+          </a:lnRef>
+          <a:fillRef idx="0">
+            <a:schemeClr val="accent1"/>
+          </a:fillRef>
+          <a:effectRef idx="0">
+            <a:schemeClr val="accent1"/>
+          </a:effectRef>
+          <a:fontRef idx="minor">
+            <a:schemeClr val="tx1"/>
+          </a:fontRef>
+        </p:style>
+      </p:cxnSp>
     </p:spTree>
     <p:extLst>
       <p:ext uri="{BB962C8B-B14F-4D97-AF65-F5344CB8AC3E}">

--- a/Наработки/диздоки/ЮАС/ЮАС.pptx
+++ b/Наработки/диздоки/ЮАС/ЮАС.pptx
@@ -11927,7 +11927,7 @@
         </p:nvSpPr>
         <p:spPr>
           <a:xfrm>
-            <a:off x="23258426" y="262606"/>
+            <a:off x="29670188" y="26697908"/>
             <a:ext cx="2115918" cy="1080000"/>
           </a:xfrm>
           <a:prstGeom prst="rect">
@@ -11980,7 +11980,7 @@
         </p:nvSpPr>
         <p:spPr>
           <a:xfrm>
-            <a:off x="26203380" y="1478058"/>
+            <a:off x="10188403" y="19321646"/>
             <a:ext cx="2115918" cy="1080000"/>
           </a:xfrm>
           <a:prstGeom prst="rect">
@@ -12033,7 +12033,7 @@
         </p:nvSpPr>
         <p:spPr>
           <a:xfrm>
-            <a:off x="23258426" y="1524110"/>
+            <a:off x="32151598" y="26697908"/>
             <a:ext cx="2115918" cy="1080000"/>
           </a:xfrm>
           <a:prstGeom prst="rect">
@@ -12086,7 +12086,7 @@
         </p:nvSpPr>
         <p:spPr>
           <a:xfrm>
-            <a:off x="26211246" y="141050"/>
+            <a:off x="16189605" y="25289048"/>
             <a:ext cx="2115918" cy="1080000"/>
           </a:xfrm>
           <a:prstGeom prst="rect">
@@ -17861,6 +17861,4056 @@
             <a:avLst>
               <a:gd name="adj1" fmla="val 50000"/>
             </a:avLst>
+          </a:prstGeom>
+          <a:ln w="28575">
+            <a:tailEnd type="arrow"/>
+          </a:ln>
+        </p:spPr>
+        <p:style>
+          <a:lnRef idx="1">
+            <a:schemeClr val="accent1"/>
+          </a:lnRef>
+          <a:fillRef idx="0">
+            <a:schemeClr val="accent1"/>
+          </a:fillRef>
+          <a:effectRef idx="0">
+            <a:schemeClr val="accent1"/>
+          </a:effectRef>
+          <a:fontRef idx="minor">
+            <a:schemeClr val="tx1"/>
+          </a:fontRef>
+        </p:style>
+      </p:cxnSp>
+      <p:sp>
+        <p:nvSpPr>
+          <p:cNvPr id="291" name="Прямоугольник 290">
+            <a:extLst>
+              <a:ext uri="{FF2B5EF4-FFF2-40B4-BE49-F238E27FC236}">
+                <a16:creationId xmlns:a16="http://schemas.microsoft.com/office/drawing/2014/main" id="{BBE97868-F913-4A04-B315-FFBD7C869FB8}"/>
+              </a:ext>
+            </a:extLst>
+          </p:cNvPr>
+          <p:cNvSpPr/>
+          <p:nvPr/>
+        </p:nvSpPr>
+        <p:spPr>
+          <a:xfrm>
+            <a:off x="23559833" y="23865182"/>
+            <a:ext cx="2115918" cy="1080000"/>
+          </a:xfrm>
+          <a:prstGeom prst="rect">
+            <a:avLst/>
+          </a:prstGeom>
+          <a:ln w="28575"/>
+        </p:spPr>
+        <p:style>
+          <a:lnRef idx="2">
+            <a:schemeClr val="accent1"/>
+          </a:lnRef>
+          <a:fillRef idx="1">
+            <a:schemeClr val="lt1"/>
+          </a:fillRef>
+          <a:effectRef idx="0">
+            <a:schemeClr val="accent1"/>
+          </a:effectRef>
+          <a:fontRef idx="minor">
+            <a:schemeClr val="dk1"/>
+          </a:fontRef>
+        </p:style>
+        <p:txBody>
+          <a:bodyPr lIns="124733" tIns="62367" rIns="124733" bIns="62367" rtlCol="0" anchor="ctr"/>
+          <a:lstStyle/>
+          <a:p>
+            <a:pPr algn="ctr"/>
+            <a:r>
+              <a:rPr lang="ru-RU" sz="1400" dirty="0"/>
+              <a:t>Открыть троллейбусное движение в Кейптауне (текущее)</a:t>
+            </a:r>
+            <a:endParaRPr lang="ru-RU" sz="800" dirty="0"/>
+          </a:p>
+        </p:txBody>
+      </p:sp>
+      <p:sp>
+        <p:nvSpPr>
+          <p:cNvPr id="293" name="Прямоугольник 292">
+            <a:extLst>
+              <a:ext uri="{FF2B5EF4-FFF2-40B4-BE49-F238E27FC236}">
+                <a16:creationId xmlns:a16="http://schemas.microsoft.com/office/drawing/2014/main" id="{19E19291-2883-482A-9158-780CCDD02818}"/>
+              </a:ext>
+            </a:extLst>
+          </p:cNvPr>
+          <p:cNvSpPr/>
+          <p:nvPr/>
+        </p:nvSpPr>
+        <p:spPr>
+          <a:xfrm>
+            <a:off x="21103961" y="25289048"/>
+            <a:ext cx="2115918" cy="1080000"/>
+          </a:xfrm>
+          <a:prstGeom prst="rect">
+            <a:avLst/>
+          </a:prstGeom>
+          <a:ln w="28575"/>
+        </p:spPr>
+        <p:style>
+          <a:lnRef idx="2">
+            <a:schemeClr val="accent1"/>
+          </a:lnRef>
+          <a:fillRef idx="1">
+            <a:schemeClr val="lt1"/>
+          </a:fillRef>
+          <a:effectRef idx="0">
+            <a:schemeClr val="accent1"/>
+          </a:effectRef>
+          <a:fontRef idx="minor">
+            <a:schemeClr val="dk1"/>
+          </a:fontRef>
+        </p:style>
+        <p:txBody>
+          <a:bodyPr lIns="124733" tIns="62367" rIns="124733" bIns="62367" rtlCol="0" anchor="ctr"/>
+          <a:lstStyle/>
+          <a:p>
+            <a:pPr algn="ctr"/>
+            <a:r>
+              <a:rPr lang="ru-RU" sz="1400" dirty="0"/>
+              <a:t>Внедрить новые локомотивы (тут бы поезда) </a:t>
+            </a:r>
+            <a:r>
+              <a:rPr lang="ru-RU" sz="800" dirty="0"/>
+              <a:t>(текущее)</a:t>
+            </a:r>
+          </a:p>
+        </p:txBody>
+      </p:sp>
+      <p:sp>
+        <p:nvSpPr>
+          <p:cNvPr id="298" name="Прямоугольник 297">
+            <a:extLst>
+              <a:ext uri="{FF2B5EF4-FFF2-40B4-BE49-F238E27FC236}">
+                <a16:creationId xmlns:a16="http://schemas.microsoft.com/office/drawing/2014/main" id="{4BA95604-B998-4EA7-9838-175247CF76FD}"/>
+              </a:ext>
+            </a:extLst>
+          </p:cNvPr>
+          <p:cNvSpPr/>
+          <p:nvPr/>
+        </p:nvSpPr>
+        <p:spPr>
+          <a:xfrm>
+            <a:off x="39395669" y="28123567"/>
+            <a:ext cx="2115918" cy="1080000"/>
+          </a:xfrm>
+          <a:prstGeom prst="rect">
+            <a:avLst/>
+          </a:prstGeom>
+          <a:ln w="28575"/>
+        </p:spPr>
+        <p:style>
+          <a:lnRef idx="2">
+            <a:schemeClr val="accent1"/>
+          </a:lnRef>
+          <a:fillRef idx="1">
+            <a:schemeClr val="lt1"/>
+          </a:fillRef>
+          <a:effectRef idx="0">
+            <a:schemeClr val="accent1"/>
+          </a:effectRef>
+          <a:fontRef idx="minor">
+            <a:schemeClr val="dk1"/>
+          </a:fontRef>
+        </p:style>
+        <p:txBody>
+          <a:bodyPr lIns="124733" tIns="62367" rIns="124733" bIns="62367" rtlCol="0" anchor="ctr"/>
+          <a:lstStyle/>
+          <a:p>
+            <a:pPr algn="ctr"/>
+            <a:r>
+              <a:rPr lang="ru-RU" sz="1400" dirty="0"/>
+              <a:t>Поддержка фермеров </a:t>
+            </a:r>
+            <a:r>
+              <a:rPr lang="ru-RU" sz="800" dirty="0"/>
+              <a:t>(текущее)</a:t>
+            </a:r>
+          </a:p>
+        </p:txBody>
+      </p:sp>
+      <p:sp>
+        <p:nvSpPr>
+          <p:cNvPr id="328" name="Прямоугольник 327">
+            <a:extLst>
+              <a:ext uri="{FF2B5EF4-FFF2-40B4-BE49-F238E27FC236}">
+                <a16:creationId xmlns:a16="http://schemas.microsoft.com/office/drawing/2014/main" id="{53C43E60-FC48-46CC-864E-BD598363B666}"/>
+              </a:ext>
+            </a:extLst>
+          </p:cNvPr>
+          <p:cNvSpPr/>
+          <p:nvPr/>
+        </p:nvSpPr>
+        <p:spPr>
+          <a:xfrm>
+            <a:off x="39395669" y="29565533"/>
+            <a:ext cx="2115918" cy="1080000"/>
+          </a:xfrm>
+          <a:prstGeom prst="rect">
+            <a:avLst/>
+          </a:prstGeom>
+          <a:ln w="28575"/>
+        </p:spPr>
+        <p:style>
+          <a:lnRef idx="2">
+            <a:schemeClr val="accent1"/>
+          </a:lnRef>
+          <a:fillRef idx="1">
+            <a:schemeClr val="lt1"/>
+          </a:fillRef>
+          <a:effectRef idx="0">
+            <a:schemeClr val="accent1"/>
+          </a:effectRef>
+          <a:fontRef idx="minor">
+            <a:schemeClr val="dk1"/>
+          </a:fontRef>
+        </p:style>
+        <p:txBody>
+          <a:bodyPr lIns="124733" tIns="62367" rIns="124733" bIns="62367" rtlCol="0" anchor="ctr"/>
+          <a:lstStyle/>
+          <a:p>
+            <a:pPr algn="ctr"/>
+            <a:r>
+              <a:rPr lang="ru-RU" sz="1400" dirty="0"/>
+              <a:t>Протекционистская политика в сельском хозяйстве </a:t>
+            </a:r>
+            <a:r>
+              <a:rPr lang="ru-RU" sz="800" dirty="0"/>
+              <a:t>(текущее)</a:t>
+            </a:r>
+          </a:p>
+        </p:txBody>
+      </p:sp>
+      <p:sp>
+        <p:nvSpPr>
+          <p:cNvPr id="352" name="Прямоугольник 351">
+            <a:extLst>
+              <a:ext uri="{FF2B5EF4-FFF2-40B4-BE49-F238E27FC236}">
+                <a16:creationId xmlns:a16="http://schemas.microsoft.com/office/drawing/2014/main" id="{D82CBD72-A5B1-4138-A246-8784A951427E}"/>
+              </a:ext>
+            </a:extLst>
+          </p:cNvPr>
+          <p:cNvSpPr/>
+          <p:nvPr/>
+        </p:nvSpPr>
+        <p:spPr>
+          <a:xfrm>
+            <a:off x="39395669" y="30984095"/>
+            <a:ext cx="2115918" cy="1080000"/>
+          </a:xfrm>
+          <a:prstGeom prst="rect">
+            <a:avLst/>
+          </a:prstGeom>
+          <a:ln w="28575"/>
+        </p:spPr>
+        <p:style>
+          <a:lnRef idx="2">
+            <a:schemeClr val="accent1"/>
+          </a:lnRef>
+          <a:fillRef idx="1">
+            <a:schemeClr val="lt1"/>
+          </a:fillRef>
+          <a:effectRef idx="0">
+            <a:schemeClr val="accent1"/>
+          </a:effectRef>
+          <a:fontRef idx="minor">
+            <a:schemeClr val="dk1"/>
+          </a:fontRef>
+        </p:style>
+        <p:txBody>
+          <a:bodyPr lIns="124733" tIns="62367" rIns="124733" bIns="62367" rtlCol="0" anchor="ctr"/>
+          <a:lstStyle/>
+          <a:p>
+            <a:pPr algn="ctr"/>
+            <a:r>
+              <a:rPr lang="ru-RU" sz="1400" dirty="0"/>
+              <a:t>Принять поддержку от </a:t>
+            </a:r>
+            <a:r>
+              <a:rPr lang="ru-RU" sz="1400" dirty="0" err="1"/>
+              <a:t>Реддингсдаадбонд</a:t>
+            </a:r>
+            <a:r>
+              <a:rPr lang="ru-RU" sz="1400" dirty="0"/>
+              <a:t> </a:t>
+            </a:r>
+            <a:r>
+              <a:rPr lang="ru-RU" sz="800" dirty="0"/>
+              <a:t>(текущее)</a:t>
+            </a:r>
+          </a:p>
+        </p:txBody>
+      </p:sp>
+      <p:sp>
+        <p:nvSpPr>
+          <p:cNvPr id="356" name="Прямоугольник 355">
+            <a:extLst>
+              <a:ext uri="{FF2B5EF4-FFF2-40B4-BE49-F238E27FC236}">
+                <a16:creationId xmlns:a16="http://schemas.microsoft.com/office/drawing/2014/main" id="{F30D2F31-8C89-4480-AD61-A748CEF20503}"/>
+              </a:ext>
+            </a:extLst>
+          </p:cNvPr>
+          <p:cNvSpPr/>
+          <p:nvPr/>
+        </p:nvSpPr>
+        <p:spPr>
+          <a:xfrm>
+            <a:off x="24722844" y="29567400"/>
+            <a:ext cx="2115918" cy="1080000"/>
+          </a:xfrm>
+          <a:prstGeom prst="rect">
+            <a:avLst/>
+          </a:prstGeom>
+          <a:ln w="28575"/>
+        </p:spPr>
+        <p:style>
+          <a:lnRef idx="2">
+            <a:schemeClr val="accent1"/>
+          </a:lnRef>
+          <a:fillRef idx="1">
+            <a:schemeClr val="lt1"/>
+          </a:fillRef>
+          <a:effectRef idx="0">
+            <a:schemeClr val="accent1"/>
+          </a:effectRef>
+          <a:fontRef idx="minor">
+            <a:schemeClr val="dk1"/>
+          </a:fontRef>
+        </p:style>
+        <p:txBody>
+          <a:bodyPr lIns="124733" tIns="62367" rIns="124733" bIns="62367" rtlCol="0" anchor="ctr"/>
+          <a:lstStyle/>
+          <a:p>
+            <a:pPr algn="ctr"/>
+            <a:r>
+              <a:rPr lang="ru-RU" sz="1400" dirty="0"/>
+              <a:t>Вложения в пятую провинцию </a:t>
+            </a:r>
+            <a:r>
+              <a:rPr lang="ru-RU" sz="800" dirty="0"/>
+              <a:t>(текущее)</a:t>
+            </a:r>
+          </a:p>
+        </p:txBody>
+      </p:sp>
+      <p:sp>
+        <p:nvSpPr>
+          <p:cNvPr id="357" name="Прямоугольник 356">
+            <a:extLst>
+              <a:ext uri="{FF2B5EF4-FFF2-40B4-BE49-F238E27FC236}">
+                <a16:creationId xmlns:a16="http://schemas.microsoft.com/office/drawing/2014/main" id="{2FEA859D-10FB-4DAA-9DBD-D0DC7593E82F}"/>
+              </a:ext>
+            </a:extLst>
+          </p:cNvPr>
+          <p:cNvSpPr/>
+          <p:nvPr/>
+        </p:nvSpPr>
+        <p:spPr>
+          <a:xfrm>
+            <a:off x="27300505" y="29566467"/>
+            <a:ext cx="2115918" cy="1080000"/>
+          </a:xfrm>
+          <a:prstGeom prst="rect">
+            <a:avLst/>
+          </a:prstGeom>
+          <a:ln w="28575"/>
+        </p:spPr>
+        <p:style>
+          <a:lnRef idx="2">
+            <a:schemeClr val="accent1"/>
+          </a:lnRef>
+          <a:fillRef idx="1">
+            <a:schemeClr val="lt1"/>
+          </a:fillRef>
+          <a:effectRef idx="0">
+            <a:schemeClr val="accent1"/>
+          </a:effectRef>
+          <a:fontRef idx="minor">
+            <a:schemeClr val="dk1"/>
+          </a:fontRef>
+        </p:style>
+        <p:txBody>
+          <a:bodyPr lIns="124733" tIns="62367" rIns="124733" bIns="62367" rtlCol="0" anchor="ctr"/>
+          <a:lstStyle/>
+          <a:p>
+            <a:pPr algn="ctr"/>
+            <a:r>
+              <a:rPr lang="ru-RU" sz="1400" dirty="0"/>
+              <a:t>Расширить автономию ЮЗА</a:t>
+            </a:r>
+            <a:r>
+              <a:rPr lang="ru-RU" sz="800" dirty="0"/>
+              <a:t> (текущее)</a:t>
+            </a:r>
+          </a:p>
+        </p:txBody>
+      </p:sp>
+      <p:sp>
+        <p:nvSpPr>
+          <p:cNvPr id="360" name="Прямоугольник 359">
+            <a:extLst>
+              <a:ext uri="{FF2B5EF4-FFF2-40B4-BE49-F238E27FC236}">
+                <a16:creationId xmlns:a16="http://schemas.microsoft.com/office/drawing/2014/main" id="{1151439D-42B9-4DDC-B179-24BAE7966164}"/>
+              </a:ext>
+            </a:extLst>
+          </p:cNvPr>
+          <p:cNvSpPr/>
+          <p:nvPr/>
+        </p:nvSpPr>
+        <p:spPr>
+          <a:xfrm>
+            <a:off x="25956271" y="30991574"/>
+            <a:ext cx="2115918" cy="1080000"/>
+          </a:xfrm>
+          <a:prstGeom prst="rect">
+            <a:avLst/>
+          </a:prstGeom>
+          <a:ln w="28575"/>
+        </p:spPr>
+        <p:style>
+          <a:lnRef idx="2">
+            <a:schemeClr val="accent1"/>
+          </a:lnRef>
+          <a:fillRef idx="1">
+            <a:schemeClr val="lt1"/>
+          </a:fillRef>
+          <a:effectRef idx="0">
+            <a:schemeClr val="accent1"/>
+          </a:effectRef>
+          <a:fontRef idx="minor">
+            <a:schemeClr val="dk1"/>
+          </a:fontRef>
+        </p:style>
+        <p:txBody>
+          <a:bodyPr lIns="124733" tIns="62367" rIns="124733" bIns="62367" rtlCol="0" anchor="ctr"/>
+          <a:lstStyle/>
+          <a:p>
+            <a:pPr algn="ctr"/>
+            <a:r>
+              <a:rPr lang="ru-RU" sz="1400" dirty="0"/>
+              <a:t>Дешёвая чернокожая сила </a:t>
+            </a:r>
+            <a:r>
+              <a:rPr lang="ru-RU" sz="800" dirty="0"/>
+              <a:t>(текущее)</a:t>
+            </a:r>
+          </a:p>
+        </p:txBody>
+      </p:sp>
+      <p:cxnSp>
+        <p:nvCxnSpPr>
+          <p:cNvPr id="365" name="Shape 248">
+            <a:extLst>
+              <a:ext uri="{FF2B5EF4-FFF2-40B4-BE49-F238E27FC236}">
+                <a16:creationId xmlns:a16="http://schemas.microsoft.com/office/drawing/2014/main" id="{A31771CB-5275-4C25-86A3-AEC450D8ADA5}"/>
+              </a:ext>
+            </a:extLst>
+          </p:cNvPr>
+          <p:cNvCxnSpPr>
+            <a:cxnSpLocks/>
+            <a:stCxn id="373" idx="2"/>
+            <a:endCxn id="357" idx="0"/>
+          </p:cNvCxnSpPr>
+          <p:nvPr/>
+        </p:nvCxnSpPr>
+        <p:spPr>
+          <a:xfrm rot="16200000" flipH="1">
+            <a:off x="27547250" y="28755252"/>
+            <a:ext cx="337629" cy="1284800"/>
+          </a:xfrm>
+          <a:prstGeom prst="bentConnector3">
+            <a:avLst>
+              <a:gd name="adj1" fmla="val 50000"/>
+            </a:avLst>
+          </a:prstGeom>
+          <a:ln w="28575">
+            <a:tailEnd type="arrow"/>
+          </a:ln>
+        </p:spPr>
+        <p:style>
+          <a:lnRef idx="1">
+            <a:schemeClr val="accent1"/>
+          </a:lnRef>
+          <a:fillRef idx="0">
+            <a:schemeClr val="accent1"/>
+          </a:fillRef>
+          <a:effectRef idx="0">
+            <a:schemeClr val="accent1"/>
+          </a:effectRef>
+          <a:fontRef idx="minor">
+            <a:schemeClr val="tx1"/>
+          </a:fontRef>
+        </p:style>
+      </p:cxnSp>
+      <p:cxnSp>
+        <p:nvCxnSpPr>
+          <p:cNvPr id="366" name="Shape 248">
+            <a:extLst>
+              <a:ext uri="{FF2B5EF4-FFF2-40B4-BE49-F238E27FC236}">
+                <a16:creationId xmlns:a16="http://schemas.microsoft.com/office/drawing/2014/main" id="{0B92EA90-7AF8-459E-B3F8-E86651C88809}"/>
+              </a:ext>
+            </a:extLst>
+          </p:cNvPr>
+          <p:cNvCxnSpPr>
+            <a:cxnSpLocks/>
+            <a:stCxn id="373" idx="2"/>
+            <a:endCxn id="356" idx="0"/>
+          </p:cNvCxnSpPr>
+          <p:nvPr/>
+        </p:nvCxnSpPr>
+        <p:spPr>
+          <a:xfrm rot="5400000">
+            <a:off x="26257953" y="28751689"/>
+            <a:ext cx="338562" cy="1292861"/>
+          </a:xfrm>
+          <a:prstGeom prst="bentConnector3">
+            <a:avLst>
+              <a:gd name="adj1" fmla="val 50000"/>
+            </a:avLst>
+          </a:prstGeom>
+          <a:ln w="28575">
+            <a:tailEnd type="arrow"/>
+          </a:ln>
+        </p:spPr>
+        <p:style>
+          <a:lnRef idx="1">
+            <a:schemeClr val="accent1"/>
+          </a:lnRef>
+          <a:fillRef idx="0">
+            <a:schemeClr val="accent1"/>
+          </a:fillRef>
+          <a:effectRef idx="0">
+            <a:schemeClr val="accent1"/>
+          </a:effectRef>
+          <a:fontRef idx="minor">
+            <a:schemeClr val="tx1"/>
+          </a:fontRef>
+        </p:style>
+      </p:cxnSp>
+      <p:cxnSp>
+        <p:nvCxnSpPr>
+          <p:cNvPr id="367" name="Shape 248">
+            <a:extLst>
+              <a:ext uri="{FF2B5EF4-FFF2-40B4-BE49-F238E27FC236}">
+                <a16:creationId xmlns:a16="http://schemas.microsoft.com/office/drawing/2014/main" id="{E0B58690-7BFB-4341-9B0B-D2CF51567296}"/>
+              </a:ext>
+            </a:extLst>
+          </p:cNvPr>
+          <p:cNvCxnSpPr>
+            <a:cxnSpLocks/>
+            <a:stCxn id="357" idx="2"/>
+            <a:endCxn id="360" idx="0"/>
+          </p:cNvCxnSpPr>
+          <p:nvPr/>
+        </p:nvCxnSpPr>
+        <p:spPr>
+          <a:xfrm rot="5400000">
+            <a:off x="27513794" y="30146903"/>
+            <a:ext cx="345107" cy="1344234"/>
+          </a:xfrm>
+          <a:prstGeom prst="bentConnector3">
+            <a:avLst>
+              <a:gd name="adj1" fmla="val 50000"/>
+            </a:avLst>
+          </a:prstGeom>
+          <a:ln w="28575">
+            <a:prstDash val="dash"/>
+            <a:tailEnd type="arrow"/>
+          </a:ln>
+        </p:spPr>
+        <p:style>
+          <a:lnRef idx="1">
+            <a:schemeClr val="accent1"/>
+          </a:lnRef>
+          <a:fillRef idx="0">
+            <a:schemeClr val="accent1"/>
+          </a:fillRef>
+          <a:effectRef idx="0">
+            <a:schemeClr val="accent1"/>
+          </a:effectRef>
+          <a:fontRef idx="minor">
+            <a:schemeClr val="tx1"/>
+          </a:fontRef>
+        </p:style>
+      </p:cxnSp>
+      <p:cxnSp>
+        <p:nvCxnSpPr>
+          <p:cNvPr id="368" name="Shape 248">
+            <a:extLst>
+              <a:ext uri="{FF2B5EF4-FFF2-40B4-BE49-F238E27FC236}">
+                <a16:creationId xmlns:a16="http://schemas.microsoft.com/office/drawing/2014/main" id="{A0D9E41C-B9B6-4B98-AA22-DCB7343A00A2}"/>
+              </a:ext>
+            </a:extLst>
+          </p:cNvPr>
+          <p:cNvCxnSpPr>
+            <a:cxnSpLocks/>
+            <a:stCxn id="356" idx="2"/>
+            <a:endCxn id="360" idx="0"/>
+          </p:cNvCxnSpPr>
+          <p:nvPr/>
+        </p:nvCxnSpPr>
+        <p:spPr>
+          <a:xfrm rot="16200000" flipH="1">
+            <a:off x="26225429" y="30202773"/>
+            <a:ext cx="344174" cy="1233427"/>
+          </a:xfrm>
+          <a:prstGeom prst="bentConnector3">
+            <a:avLst>
+              <a:gd name="adj1" fmla="val 50000"/>
+            </a:avLst>
+          </a:prstGeom>
+          <a:ln w="28575">
+            <a:prstDash val="dash"/>
+            <a:tailEnd type="arrow"/>
+          </a:ln>
+        </p:spPr>
+        <p:style>
+          <a:lnRef idx="1">
+            <a:schemeClr val="accent1"/>
+          </a:lnRef>
+          <a:fillRef idx="0">
+            <a:schemeClr val="accent1"/>
+          </a:fillRef>
+          <a:effectRef idx="0">
+            <a:schemeClr val="accent1"/>
+          </a:effectRef>
+          <a:fontRef idx="minor">
+            <a:schemeClr val="tx1"/>
+          </a:fontRef>
+        </p:style>
+      </p:cxnSp>
+      <p:cxnSp>
+        <p:nvCxnSpPr>
+          <p:cNvPr id="369" name="Прямая со стрелкой 368">
+            <a:extLst>
+              <a:ext uri="{FF2B5EF4-FFF2-40B4-BE49-F238E27FC236}">
+                <a16:creationId xmlns:a16="http://schemas.microsoft.com/office/drawing/2014/main" id="{9D249F8A-B7A7-43BA-92E6-20E880B1B672}"/>
+              </a:ext>
+            </a:extLst>
+          </p:cNvPr>
+          <p:cNvCxnSpPr>
+            <a:cxnSpLocks/>
+            <a:stCxn id="298" idx="2"/>
+            <a:endCxn id="328" idx="0"/>
+          </p:cNvCxnSpPr>
+          <p:nvPr/>
+        </p:nvCxnSpPr>
+        <p:spPr>
+          <a:xfrm>
+            <a:off x="40453628" y="29203567"/>
+            <a:ext cx="0" cy="361966"/>
+          </a:xfrm>
+          <a:prstGeom prst="straightConnector1">
+            <a:avLst/>
+          </a:prstGeom>
+          <a:ln w="28575">
+            <a:tailEnd type="arrow"/>
+          </a:ln>
+        </p:spPr>
+        <p:style>
+          <a:lnRef idx="1">
+            <a:schemeClr val="accent1"/>
+          </a:lnRef>
+          <a:fillRef idx="0">
+            <a:schemeClr val="accent1"/>
+          </a:fillRef>
+          <a:effectRef idx="0">
+            <a:schemeClr val="accent1"/>
+          </a:effectRef>
+          <a:fontRef idx="minor">
+            <a:schemeClr val="tx1"/>
+          </a:fontRef>
+        </p:style>
+      </p:cxnSp>
+      <p:cxnSp>
+        <p:nvCxnSpPr>
+          <p:cNvPr id="370" name="Прямая со стрелкой 369">
+            <a:extLst>
+              <a:ext uri="{FF2B5EF4-FFF2-40B4-BE49-F238E27FC236}">
+                <a16:creationId xmlns:a16="http://schemas.microsoft.com/office/drawing/2014/main" id="{AACC8D4D-10C2-4D31-B6DD-52A4CBAEACD4}"/>
+              </a:ext>
+            </a:extLst>
+          </p:cNvPr>
+          <p:cNvCxnSpPr>
+            <a:cxnSpLocks/>
+            <a:stCxn id="328" idx="2"/>
+            <a:endCxn id="352" idx="0"/>
+          </p:cNvCxnSpPr>
+          <p:nvPr/>
+        </p:nvCxnSpPr>
+        <p:spPr>
+          <a:xfrm>
+            <a:off x="40453628" y="30645533"/>
+            <a:ext cx="0" cy="338562"/>
+          </a:xfrm>
+          <a:prstGeom prst="straightConnector1">
+            <a:avLst/>
+          </a:prstGeom>
+          <a:ln w="28575">
+            <a:tailEnd type="arrow"/>
+          </a:ln>
+        </p:spPr>
+        <p:style>
+          <a:lnRef idx="1">
+            <a:schemeClr val="accent1"/>
+          </a:lnRef>
+          <a:fillRef idx="0">
+            <a:schemeClr val="accent1"/>
+          </a:fillRef>
+          <a:effectRef idx="0">
+            <a:schemeClr val="accent1"/>
+          </a:effectRef>
+          <a:fontRef idx="minor">
+            <a:schemeClr val="tx1"/>
+          </a:fontRef>
+        </p:style>
+      </p:cxnSp>
+      <p:sp>
+        <p:nvSpPr>
+          <p:cNvPr id="371" name="Прямоугольник 370">
+            <a:extLst>
+              <a:ext uri="{FF2B5EF4-FFF2-40B4-BE49-F238E27FC236}">
+                <a16:creationId xmlns:a16="http://schemas.microsoft.com/office/drawing/2014/main" id="{6589CDF3-EA74-4502-BEF2-691BB87A46C4}"/>
+              </a:ext>
+            </a:extLst>
+          </p:cNvPr>
+          <p:cNvSpPr/>
+          <p:nvPr/>
+        </p:nvSpPr>
+        <p:spPr>
+          <a:xfrm>
+            <a:off x="23559833" y="28148838"/>
+            <a:ext cx="2115918" cy="1080000"/>
+          </a:xfrm>
+          <a:prstGeom prst="rect">
+            <a:avLst/>
+          </a:prstGeom>
+          <a:ln w="28575"/>
+        </p:spPr>
+        <p:style>
+          <a:lnRef idx="2">
+            <a:schemeClr val="accent1"/>
+          </a:lnRef>
+          <a:fillRef idx="1">
+            <a:schemeClr val="lt1"/>
+          </a:fillRef>
+          <a:effectRef idx="0">
+            <a:schemeClr val="accent1"/>
+          </a:effectRef>
+          <a:fontRef idx="minor">
+            <a:schemeClr val="dk1"/>
+          </a:fontRef>
+        </p:style>
+        <p:txBody>
+          <a:bodyPr lIns="124733" tIns="62367" rIns="124733" bIns="62367" rtlCol="0" anchor="ctr"/>
+          <a:lstStyle/>
+          <a:p>
+            <a:pPr algn="ctr"/>
+            <a:r>
+              <a:rPr lang="ru-RU" sz="1400" dirty="0"/>
+              <a:t>Заложить новые доки в Кейптауне (1945 </a:t>
+            </a:r>
+            <a:r>
+              <a:rPr lang="ru-RU" sz="1400" dirty="0" err="1"/>
+              <a:t>г.Построен</a:t>
+            </a:r>
+            <a:r>
+              <a:rPr lang="ru-RU" sz="1400" dirty="0"/>
+              <a:t> Дункан Док.)</a:t>
+            </a:r>
+            <a:endParaRPr lang="ru-RU" sz="800" dirty="0"/>
+          </a:p>
+        </p:txBody>
+      </p:sp>
+      <p:sp>
+        <p:nvSpPr>
+          <p:cNvPr id="373" name="Прямоугольник 372">
+            <a:extLst>
+              <a:ext uri="{FF2B5EF4-FFF2-40B4-BE49-F238E27FC236}">
+                <a16:creationId xmlns:a16="http://schemas.microsoft.com/office/drawing/2014/main" id="{2FC2B334-CF25-4EFB-958E-A3877D34A5B4}"/>
+              </a:ext>
+            </a:extLst>
+          </p:cNvPr>
+          <p:cNvSpPr/>
+          <p:nvPr/>
+        </p:nvSpPr>
+        <p:spPr>
+          <a:xfrm>
+            <a:off x="26015705" y="28148838"/>
+            <a:ext cx="2115918" cy="1080000"/>
+          </a:xfrm>
+          <a:prstGeom prst="rect">
+            <a:avLst/>
+          </a:prstGeom>
+          <a:ln w="28575"/>
+        </p:spPr>
+        <p:style>
+          <a:lnRef idx="2">
+            <a:schemeClr val="accent1"/>
+          </a:lnRef>
+          <a:fillRef idx="1">
+            <a:schemeClr val="lt1"/>
+          </a:fillRef>
+          <a:effectRef idx="0">
+            <a:schemeClr val="accent1"/>
+          </a:effectRef>
+          <a:fontRef idx="minor">
+            <a:schemeClr val="dk1"/>
+          </a:fontRef>
+        </p:style>
+        <p:txBody>
+          <a:bodyPr lIns="124733" tIns="62367" rIns="124733" bIns="62367" rtlCol="0" anchor="ctr"/>
+          <a:lstStyle/>
+          <a:p>
+            <a:pPr algn="ctr"/>
+            <a:r>
+              <a:rPr lang="ru-RU" sz="1400" dirty="0"/>
+              <a:t>Развитие внутренних регионов (текущее)</a:t>
+            </a:r>
+            <a:endParaRPr lang="ru-RU" sz="800" dirty="0"/>
+          </a:p>
+        </p:txBody>
+      </p:sp>
+      <p:sp>
+        <p:nvSpPr>
+          <p:cNvPr id="383" name="Прямоугольник 382">
+            <a:extLst>
+              <a:ext uri="{FF2B5EF4-FFF2-40B4-BE49-F238E27FC236}">
+                <a16:creationId xmlns:a16="http://schemas.microsoft.com/office/drawing/2014/main" id="{74E3C8C4-8719-4232-8983-702495896567}"/>
+              </a:ext>
+            </a:extLst>
+          </p:cNvPr>
+          <p:cNvSpPr/>
+          <p:nvPr/>
+        </p:nvSpPr>
+        <p:spPr>
+          <a:xfrm>
+            <a:off x="29670188" y="23860728"/>
+            <a:ext cx="2115918" cy="1080000"/>
+          </a:xfrm>
+          <a:prstGeom prst="rect">
+            <a:avLst/>
+          </a:prstGeom>
+          <a:ln w="28575"/>
+        </p:spPr>
+        <p:style>
+          <a:lnRef idx="2">
+            <a:schemeClr val="accent1"/>
+          </a:lnRef>
+          <a:fillRef idx="1">
+            <a:schemeClr val="lt1"/>
+          </a:fillRef>
+          <a:effectRef idx="0">
+            <a:schemeClr val="accent1"/>
+          </a:effectRef>
+          <a:fontRef idx="minor">
+            <a:schemeClr val="dk1"/>
+          </a:fontRef>
+        </p:style>
+        <p:txBody>
+          <a:bodyPr lIns="124733" tIns="62367" rIns="124733" bIns="62367" rtlCol="0" anchor="ctr"/>
+          <a:lstStyle/>
+          <a:p>
+            <a:pPr algn="ctr"/>
+            <a:r>
+              <a:rPr lang="ru-RU" sz="1400" dirty="0"/>
+              <a:t>Начать социальные реформы (текущее)</a:t>
+            </a:r>
+            <a:endParaRPr lang="ru-RU" sz="800" dirty="0"/>
+          </a:p>
+        </p:txBody>
+      </p:sp>
+      <p:sp>
+        <p:nvSpPr>
+          <p:cNvPr id="384" name="Прямоугольник 383">
+            <a:extLst>
+              <a:ext uri="{FF2B5EF4-FFF2-40B4-BE49-F238E27FC236}">
+                <a16:creationId xmlns:a16="http://schemas.microsoft.com/office/drawing/2014/main" id="{34CBEC2C-B29B-4008-BB32-C0D97A96B6A4}"/>
+              </a:ext>
+            </a:extLst>
+          </p:cNvPr>
+          <p:cNvSpPr/>
+          <p:nvPr/>
+        </p:nvSpPr>
+        <p:spPr>
+          <a:xfrm>
+            <a:off x="28471577" y="25279318"/>
+            <a:ext cx="2115918" cy="1080000"/>
+          </a:xfrm>
+          <a:prstGeom prst="rect">
+            <a:avLst/>
+          </a:prstGeom>
+          <a:ln w="28575"/>
+        </p:spPr>
+        <p:style>
+          <a:lnRef idx="2">
+            <a:schemeClr val="accent1"/>
+          </a:lnRef>
+          <a:fillRef idx="1">
+            <a:schemeClr val="lt1"/>
+          </a:fillRef>
+          <a:effectRef idx="0">
+            <a:schemeClr val="accent1"/>
+          </a:effectRef>
+          <a:fontRef idx="minor">
+            <a:schemeClr val="dk1"/>
+          </a:fontRef>
+        </p:style>
+        <p:txBody>
+          <a:bodyPr lIns="124733" tIns="62367" rIns="124733" bIns="62367" rtlCol="0" anchor="ctr"/>
+          <a:lstStyle/>
+          <a:p>
+            <a:pPr algn="ctr"/>
+            <a:r>
+              <a:rPr lang="ru-RU" sz="1400" dirty="0"/>
+              <a:t>Расширить сеть школ для чёрных(текущее)</a:t>
+            </a:r>
+            <a:endParaRPr lang="ru-RU" sz="800" dirty="0"/>
+          </a:p>
+        </p:txBody>
+      </p:sp>
+      <p:sp>
+        <p:nvSpPr>
+          <p:cNvPr id="385" name="Прямоугольник 384">
+            <a:extLst>
+              <a:ext uri="{FF2B5EF4-FFF2-40B4-BE49-F238E27FC236}">
+                <a16:creationId xmlns:a16="http://schemas.microsoft.com/office/drawing/2014/main" id="{F6212F07-8BD3-444F-ADFF-B5C47CFD3244}"/>
+              </a:ext>
+            </a:extLst>
+          </p:cNvPr>
+          <p:cNvSpPr/>
+          <p:nvPr/>
+        </p:nvSpPr>
+        <p:spPr>
+          <a:xfrm>
+            <a:off x="30927448" y="25279318"/>
+            <a:ext cx="2115918" cy="1080000"/>
+          </a:xfrm>
+          <a:prstGeom prst="rect">
+            <a:avLst/>
+          </a:prstGeom>
+          <a:ln w="28575"/>
+        </p:spPr>
+        <p:style>
+          <a:lnRef idx="2">
+            <a:schemeClr val="accent1"/>
+          </a:lnRef>
+          <a:fillRef idx="1">
+            <a:schemeClr val="lt1"/>
+          </a:fillRef>
+          <a:effectRef idx="0">
+            <a:schemeClr val="accent1"/>
+          </a:effectRef>
+          <a:fontRef idx="minor">
+            <a:schemeClr val="dk1"/>
+          </a:fontRef>
+        </p:style>
+        <p:txBody>
+          <a:bodyPr lIns="124733" tIns="62367" rIns="124733" bIns="62367" rtlCol="0" anchor="ctr"/>
+          <a:lstStyle/>
+          <a:p>
+            <a:pPr algn="ctr"/>
+            <a:r>
+              <a:rPr lang="ru-RU" sz="1400" dirty="0"/>
+              <a:t>Вложиться в образование для белых (текущее)</a:t>
+            </a:r>
+            <a:endParaRPr lang="ru-RU" sz="800" dirty="0"/>
+          </a:p>
+        </p:txBody>
+      </p:sp>
+      <p:sp>
+        <p:nvSpPr>
+          <p:cNvPr id="387" name="Прямоугольник 386">
+            <a:extLst>
+              <a:ext uri="{FF2B5EF4-FFF2-40B4-BE49-F238E27FC236}">
+                <a16:creationId xmlns:a16="http://schemas.microsoft.com/office/drawing/2014/main" id="{98064EED-8B9F-4A13-90EE-26802E23532C}"/>
+              </a:ext>
+            </a:extLst>
+          </p:cNvPr>
+          <p:cNvSpPr/>
+          <p:nvPr/>
+        </p:nvSpPr>
+        <p:spPr>
+          <a:xfrm>
+            <a:off x="18690173" y="29566467"/>
+            <a:ext cx="2115918" cy="1080000"/>
+          </a:xfrm>
+          <a:prstGeom prst="rect">
+            <a:avLst/>
+          </a:prstGeom>
+          <a:ln w="28575"/>
+        </p:spPr>
+        <p:style>
+          <a:lnRef idx="2">
+            <a:schemeClr val="accent1"/>
+          </a:lnRef>
+          <a:fillRef idx="1">
+            <a:schemeClr val="lt1"/>
+          </a:fillRef>
+          <a:effectRef idx="0">
+            <a:schemeClr val="accent1"/>
+          </a:effectRef>
+          <a:fontRef idx="minor">
+            <a:schemeClr val="dk1"/>
+          </a:fontRef>
+        </p:style>
+        <p:txBody>
+          <a:bodyPr lIns="124733" tIns="62367" rIns="124733" bIns="62367" rtlCol="0" anchor="ctr"/>
+          <a:lstStyle/>
+          <a:p>
+            <a:pPr algn="ctr"/>
+            <a:r>
+              <a:rPr lang="ru-RU" sz="1400" dirty="0"/>
+              <a:t>Расширить университет Претории (текущее)</a:t>
+            </a:r>
+            <a:endParaRPr lang="ru-RU" sz="800" dirty="0"/>
+          </a:p>
+        </p:txBody>
+      </p:sp>
+      <p:sp>
+        <p:nvSpPr>
+          <p:cNvPr id="393" name="Прямоугольник 392">
+            <a:extLst>
+              <a:ext uri="{FF2B5EF4-FFF2-40B4-BE49-F238E27FC236}">
+                <a16:creationId xmlns:a16="http://schemas.microsoft.com/office/drawing/2014/main" id="{7D821894-30E4-4D16-B7A3-4288BF3A8DD5}"/>
+              </a:ext>
+            </a:extLst>
+          </p:cNvPr>
+          <p:cNvSpPr/>
+          <p:nvPr/>
+        </p:nvSpPr>
+        <p:spPr>
+          <a:xfrm>
+            <a:off x="17418194" y="30991574"/>
+            <a:ext cx="2115918" cy="1080000"/>
+          </a:xfrm>
+          <a:prstGeom prst="rect">
+            <a:avLst/>
+          </a:prstGeom>
+          <a:ln w="28575"/>
+        </p:spPr>
+        <p:style>
+          <a:lnRef idx="2">
+            <a:schemeClr val="accent1"/>
+          </a:lnRef>
+          <a:fillRef idx="1">
+            <a:schemeClr val="lt1"/>
+          </a:fillRef>
+          <a:effectRef idx="0">
+            <a:schemeClr val="accent1"/>
+          </a:effectRef>
+          <a:fontRef idx="minor">
+            <a:schemeClr val="dk1"/>
+          </a:fontRef>
+        </p:style>
+        <p:txBody>
+          <a:bodyPr lIns="124733" tIns="62367" rIns="124733" bIns="62367" rtlCol="0" anchor="ctr"/>
+          <a:lstStyle/>
+          <a:p>
+            <a:pPr algn="ctr"/>
+            <a:r>
+              <a:rPr lang="ru-RU" sz="1400" dirty="0"/>
+              <a:t>Изучение атомной энергетики (текущее)</a:t>
+            </a:r>
+            <a:endParaRPr lang="ru-RU" sz="800" dirty="0"/>
+          </a:p>
+        </p:txBody>
+      </p:sp>
+      <p:sp>
+        <p:nvSpPr>
+          <p:cNvPr id="394" name="Прямоугольник 393">
+            <a:extLst>
+              <a:ext uri="{FF2B5EF4-FFF2-40B4-BE49-F238E27FC236}">
+                <a16:creationId xmlns:a16="http://schemas.microsoft.com/office/drawing/2014/main" id="{85C37AE4-8F03-4A08-9707-A3ADEC64EC29}"/>
+              </a:ext>
+            </a:extLst>
+          </p:cNvPr>
+          <p:cNvSpPr/>
+          <p:nvPr/>
+        </p:nvSpPr>
+        <p:spPr>
+          <a:xfrm>
+            <a:off x="19875372" y="30984096"/>
+            <a:ext cx="2115918" cy="1080000"/>
+          </a:xfrm>
+          <a:prstGeom prst="rect">
+            <a:avLst/>
+          </a:prstGeom>
+          <a:ln w="28575"/>
+        </p:spPr>
+        <p:style>
+          <a:lnRef idx="2">
+            <a:schemeClr val="accent1"/>
+          </a:lnRef>
+          <a:fillRef idx="1">
+            <a:schemeClr val="lt1"/>
+          </a:fillRef>
+          <a:effectRef idx="0">
+            <a:schemeClr val="accent1"/>
+          </a:effectRef>
+          <a:fontRef idx="minor">
+            <a:schemeClr val="dk1"/>
+          </a:fontRef>
+        </p:style>
+        <p:txBody>
+          <a:bodyPr lIns="124733" tIns="62367" rIns="124733" bIns="62367" rtlCol="0" anchor="ctr"/>
+          <a:lstStyle/>
+          <a:p>
+            <a:pPr algn="ctr"/>
+            <a:r>
+              <a:rPr lang="ru-RU" sz="1400" dirty="0"/>
+              <a:t>Изучение ракетных технологий (текущее)</a:t>
+            </a:r>
+            <a:endParaRPr lang="ru-RU" sz="800" dirty="0"/>
+          </a:p>
+        </p:txBody>
+      </p:sp>
+      <p:cxnSp>
+        <p:nvCxnSpPr>
+          <p:cNvPr id="395" name="Прямая соединительная линия 394">
+            <a:extLst>
+              <a:ext uri="{FF2B5EF4-FFF2-40B4-BE49-F238E27FC236}">
+                <a16:creationId xmlns:a16="http://schemas.microsoft.com/office/drawing/2014/main" id="{EA678973-43FE-47C6-B2EF-08BFA8BDCB5C}"/>
+              </a:ext>
+            </a:extLst>
+          </p:cNvPr>
+          <p:cNvCxnSpPr>
+            <a:cxnSpLocks/>
+            <a:stCxn id="356" idx="3"/>
+            <a:endCxn id="357" idx="1"/>
+          </p:cNvCxnSpPr>
+          <p:nvPr/>
+        </p:nvCxnSpPr>
+        <p:spPr>
+          <a:xfrm flipV="1">
+            <a:off x="26838762" y="30106467"/>
+            <a:ext cx="461743" cy="933"/>
+          </a:xfrm>
+          <a:prstGeom prst="line">
+            <a:avLst/>
+          </a:prstGeom>
+          <a:ln w="38100">
+            <a:solidFill>
+              <a:srgbClr val="FF0000"/>
+            </a:solidFill>
+          </a:ln>
+        </p:spPr>
+        <p:style>
+          <a:lnRef idx="1">
+            <a:schemeClr val="accent2"/>
+          </a:lnRef>
+          <a:fillRef idx="0">
+            <a:schemeClr val="accent2"/>
+          </a:fillRef>
+          <a:effectRef idx="0">
+            <a:schemeClr val="accent2"/>
+          </a:effectRef>
+          <a:fontRef idx="minor">
+            <a:schemeClr val="tx1"/>
+          </a:fontRef>
+        </p:style>
+      </p:cxnSp>
+      <p:cxnSp>
+        <p:nvCxnSpPr>
+          <p:cNvPr id="396" name="Прямая соединительная линия 395">
+            <a:extLst>
+              <a:ext uri="{FF2B5EF4-FFF2-40B4-BE49-F238E27FC236}">
+                <a16:creationId xmlns:a16="http://schemas.microsoft.com/office/drawing/2014/main" id="{E8A01847-02CC-4C2D-B6D4-08D7E256ABCB}"/>
+              </a:ext>
+            </a:extLst>
+          </p:cNvPr>
+          <p:cNvCxnSpPr>
+            <a:cxnSpLocks/>
+            <a:stCxn id="393" idx="3"/>
+            <a:endCxn id="394" idx="1"/>
+          </p:cNvCxnSpPr>
+          <p:nvPr/>
+        </p:nvCxnSpPr>
+        <p:spPr>
+          <a:xfrm flipV="1">
+            <a:off x="19534112" y="31524096"/>
+            <a:ext cx="341260" cy="7478"/>
+          </a:xfrm>
+          <a:prstGeom prst="line">
+            <a:avLst/>
+          </a:prstGeom>
+          <a:ln w="38100">
+            <a:solidFill>
+              <a:srgbClr val="FF0000"/>
+            </a:solidFill>
+          </a:ln>
+        </p:spPr>
+        <p:style>
+          <a:lnRef idx="1">
+            <a:schemeClr val="accent2"/>
+          </a:lnRef>
+          <a:fillRef idx="0">
+            <a:schemeClr val="accent2"/>
+          </a:fillRef>
+          <a:effectRef idx="0">
+            <a:schemeClr val="accent2"/>
+          </a:effectRef>
+          <a:fontRef idx="minor">
+            <a:schemeClr val="tx1"/>
+          </a:fontRef>
+        </p:style>
+      </p:cxnSp>
+      <p:cxnSp>
+        <p:nvCxnSpPr>
+          <p:cNvPr id="397" name="Прямая соединительная линия 396">
+            <a:extLst>
+              <a:ext uri="{FF2B5EF4-FFF2-40B4-BE49-F238E27FC236}">
+                <a16:creationId xmlns:a16="http://schemas.microsoft.com/office/drawing/2014/main" id="{1BE9E3DD-A17F-40ED-BBBC-532AEDB0BD61}"/>
+              </a:ext>
+            </a:extLst>
+          </p:cNvPr>
+          <p:cNvCxnSpPr>
+            <a:cxnSpLocks/>
+            <a:stCxn id="384" idx="3"/>
+            <a:endCxn id="385" idx="1"/>
+          </p:cNvCxnSpPr>
+          <p:nvPr/>
+        </p:nvCxnSpPr>
+        <p:spPr>
+          <a:xfrm>
+            <a:off x="30587495" y="25819318"/>
+            <a:ext cx="339953" cy="0"/>
+          </a:xfrm>
+          <a:prstGeom prst="line">
+            <a:avLst/>
+          </a:prstGeom>
+          <a:ln w="38100">
+            <a:solidFill>
+              <a:srgbClr val="FF0000"/>
+            </a:solidFill>
+          </a:ln>
+        </p:spPr>
+        <p:style>
+          <a:lnRef idx="1">
+            <a:schemeClr val="accent2"/>
+          </a:lnRef>
+          <a:fillRef idx="0">
+            <a:schemeClr val="accent2"/>
+          </a:fillRef>
+          <a:effectRef idx="0">
+            <a:schemeClr val="accent2"/>
+          </a:effectRef>
+          <a:fontRef idx="minor">
+            <a:schemeClr val="tx1"/>
+          </a:fontRef>
+        </p:style>
+      </p:cxnSp>
+      <p:cxnSp>
+        <p:nvCxnSpPr>
+          <p:cNvPr id="398" name="Shape 248">
+            <a:extLst>
+              <a:ext uri="{FF2B5EF4-FFF2-40B4-BE49-F238E27FC236}">
+                <a16:creationId xmlns:a16="http://schemas.microsoft.com/office/drawing/2014/main" id="{EC82461A-7A55-41A3-80AF-7A628CA5F8E5}"/>
+              </a:ext>
+            </a:extLst>
+          </p:cNvPr>
+          <p:cNvCxnSpPr>
+            <a:cxnSpLocks/>
+            <a:stCxn id="387" idx="2"/>
+            <a:endCxn id="394" idx="0"/>
+          </p:cNvCxnSpPr>
+          <p:nvPr/>
+        </p:nvCxnSpPr>
+        <p:spPr>
+          <a:xfrm rot="16200000" flipH="1">
+            <a:off x="20171917" y="30222681"/>
+            <a:ext cx="337629" cy="1185199"/>
+          </a:xfrm>
+          <a:prstGeom prst="bentConnector3">
+            <a:avLst>
+              <a:gd name="adj1" fmla="val 50000"/>
+            </a:avLst>
+          </a:prstGeom>
+          <a:ln w="28575">
+            <a:tailEnd type="arrow"/>
+          </a:ln>
+        </p:spPr>
+        <p:style>
+          <a:lnRef idx="1">
+            <a:schemeClr val="accent1"/>
+          </a:lnRef>
+          <a:fillRef idx="0">
+            <a:schemeClr val="accent1"/>
+          </a:fillRef>
+          <a:effectRef idx="0">
+            <a:schemeClr val="accent1"/>
+          </a:effectRef>
+          <a:fontRef idx="minor">
+            <a:schemeClr val="tx1"/>
+          </a:fontRef>
+        </p:style>
+      </p:cxnSp>
+      <p:cxnSp>
+        <p:nvCxnSpPr>
+          <p:cNvPr id="399" name="Shape 248">
+            <a:extLst>
+              <a:ext uri="{FF2B5EF4-FFF2-40B4-BE49-F238E27FC236}">
+                <a16:creationId xmlns:a16="http://schemas.microsoft.com/office/drawing/2014/main" id="{04663475-868B-4441-B2AC-AFF94DAC204A}"/>
+              </a:ext>
+            </a:extLst>
+          </p:cNvPr>
+          <p:cNvCxnSpPr>
+            <a:cxnSpLocks/>
+            <a:stCxn id="387" idx="2"/>
+            <a:endCxn id="393" idx="0"/>
+          </p:cNvCxnSpPr>
+          <p:nvPr/>
+        </p:nvCxnSpPr>
+        <p:spPr>
+          <a:xfrm rot="5400000">
+            <a:off x="18939590" y="30183031"/>
+            <a:ext cx="345107" cy="1271979"/>
+          </a:xfrm>
+          <a:prstGeom prst="bentConnector3">
+            <a:avLst>
+              <a:gd name="adj1" fmla="val 50000"/>
+            </a:avLst>
+          </a:prstGeom>
+          <a:ln w="28575">
+            <a:tailEnd type="arrow"/>
+          </a:ln>
+        </p:spPr>
+        <p:style>
+          <a:lnRef idx="1">
+            <a:schemeClr val="accent1"/>
+          </a:lnRef>
+          <a:fillRef idx="0">
+            <a:schemeClr val="accent1"/>
+          </a:fillRef>
+          <a:effectRef idx="0">
+            <a:schemeClr val="accent1"/>
+          </a:effectRef>
+          <a:fontRef idx="minor">
+            <a:schemeClr val="tx1"/>
+          </a:fontRef>
+        </p:style>
+      </p:cxnSp>
+      <p:sp>
+        <p:nvSpPr>
+          <p:cNvPr id="400" name="Прямоугольник 399">
+            <a:extLst>
+              <a:ext uri="{FF2B5EF4-FFF2-40B4-BE49-F238E27FC236}">
+                <a16:creationId xmlns:a16="http://schemas.microsoft.com/office/drawing/2014/main" id="{98CB1FCD-D016-4556-A623-C25C9F69458D}"/>
+              </a:ext>
+            </a:extLst>
+          </p:cNvPr>
+          <p:cNvSpPr/>
+          <p:nvPr/>
+        </p:nvSpPr>
+        <p:spPr>
+          <a:xfrm>
+            <a:off x="18690174" y="32683317"/>
+            <a:ext cx="2115918" cy="1080000"/>
+          </a:xfrm>
+          <a:prstGeom prst="rect">
+            <a:avLst/>
+          </a:prstGeom>
+          <a:ln w="28575"/>
+        </p:spPr>
+        <p:style>
+          <a:lnRef idx="2">
+            <a:schemeClr val="accent1"/>
+          </a:lnRef>
+          <a:fillRef idx="1">
+            <a:schemeClr val="lt1"/>
+          </a:fillRef>
+          <a:effectRef idx="0">
+            <a:schemeClr val="accent1"/>
+          </a:effectRef>
+          <a:fontRef idx="minor">
+            <a:schemeClr val="dk1"/>
+          </a:fontRef>
+        </p:style>
+        <p:txBody>
+          <a:bodyPr lIns="124733" tIns="62367" rIns="124733" bIns="62367" rtlCol="0" anchor="ctr"/>
+          <a:lstStyle/>
+          <a:p>
+            <a:pPr algn="ctr"/>
+            <a:r>
+              <a:rPr lang="ru-RU" sz="1400" dirty="0"/>
+              <a:t>Внедрить современные стандарты образования (текущее)</a:t>
+            </a:r>
+            <a:endParaRPr lang="ru-RU" sz="800" dirty="0"/>
+          </a:p>
+        </p:txBody>
+      </p:sp>
+      <p:sp>
+        <p:nvSpPr>
+          <p:cNvPr id="402" name="Прямоугольник 401">
+            <a:extLst>
+              <a:ext uri="{FF2B5EF4-FFF2-40B4-BE49-F238E27FC236}">
+                <a16:creationId xmlns:a16="http://schemas.microsoft.com/office/drawing/2014/main" id="{76B6BE5D-EF5C-4074-A4B4-832065D90F0E}"/>
+              </a:ext>
+            </a:extLst>
+          </p:cNvPr>
+          <p:cNvSpPr/>
+          <p:nvPr/>
+        </p:nvSpPr>
+        <p:spPr>
+          <a:xfrm>
+            <a:off x="18690174" y="34113109"/>
+            <a:ext cx="2115918" cy="1080000"/>
+          </a:xfrm>
+          <a:prstGeom prst="rect">
+            <a:avLst/>
+          </a:prstGeom>
+          <a:ln w="28575"/>
+        </p:spPr>
+        <p:style>
+          <a:lnRef idx="2">
+            <a:schemeClr val="accent1"/>
+          </a:lnRef>
+          <a:fillRef idx="1">
+            <a:schemeClr val="lt1"/>
+          </a:fillRef>
+          <a:effectRef idx="0">
+            <a:schemeClr val="accent1"/>
+          </a:effectRef>
+          <a:fontRef idx="minor">
+            <a:schemeClr val="dk1"/>
+          </a:fontRef>
+        </p:style>
+        <p:txBody>
+          <a:bodyPr lIns="124733" tIns="62367" rIns="124733" bIns="62367" rtlCol="0" anchor="ctr"/>
+          <a:lstStyle/>
+          <a:p>
+            <a:pPr algn="ctr"/>
+            <a:r>
+              <a:rPr lang="ru-RU" sz="1400" dirty="0"/>
+              <a:t>Поднять грамотность до высочайшего уровня (текущее)</a:t>
+            </a:r>
+            <a:endParaRPr lang="ru-RU" sz="800" dirty="0"/>
+          </a:p>
+        </p:txBody>
+      </p:sp>
+      <p:cxnSp>
+        <p:nvCxnSpPr>
+          <p:cNvPr id="403" name="Shape 248">
+            <a:extLst>
+              <a:ext uri="{FF2B5EF4-FFF2-40B4-BE49-F238E27FC236}">
+                <a16:creationId xmlns:a16="http://schemas.microsoft.com/office/drawing/2014/main" id="{B3D5614B-64AC-46FA-9641-F98A81F2C35D}"/>
+              </a:ext>
+            </a:extLst>
+          </p:cNvPr>
+          <p:cNvCxnSpPr>
+            <a:cxnSpLocks/>
+            <a:stCxn id="394" idx="2"/>
+            <a:endCxn id="400" idx="0"/>
+          </p:cNvCxnSpPr>
+          <p:nvPr/>
+        </p:nvCxnSpPr>
+        <p:spPr>
+          <a:xfrm rot="5400000">
+            <a:off x="20031122" y="31781107"/>
+            <a:ext cx="619221" cy="1185198"/>
+          </a:xfrm>
+          <a:prstGeom prst="bentConnector3">
+            <a:avLst>
+              <a:gd name="adj1" fmla="val 50000"/>
+            </a:avLst>
+          </a:prstGeom>
+          <a:ln w="28575">
+            <a:tailEnd type="arrow"/>
+          </a:ln>
+        </p:spPr>
+        <p:style>
+          <a:lnRef idx="1">
+            <a:schemeClr val="accent1"/>
+          </a:lnRef>
+          <a:fillRef idx="0">
+            <a:schemeClr val="accent1"/>
+          </a:fillRef>
+          <a:effectRef idx="0">
+            <a:schemeClr val="accent1"/>
+          </a:effectRef>
+          <a:fontRef idx="minor">
+            <a:schemeClr val="tx1"/>
+          </a:fontRef>
+        </p:style>
+      </p:cxnSp>
+      <p:cxnSp>
+        <p:nvCxnSpPr>
+          <p:cNvPr id="404" name="Shape 248">
+            <a:extLst>
+              <a:ext uri="{FF2B5EF4-FFF2-40B4-BE49-F238E27FC236}">
+                <a16:creationId xmlns:a16="http://schemas.microsoft.com/office/drawing/2014/main" id="{58E38658-E864-43E9-A148-A077C3FEA59C}"/>
+              </a:ext>
+            </a:extLst>
+          </p:cNvPr>
+          <p:cNvCxnSpPr>
+            <a:cxnSpLocks/>
+            <a:stCxn id="393" idx="2"/>
+            <a:endCxn id="400" idx="0"/>
+          </p:cNvCxnSpPr>
+          <p:nvPr/>
+        </p:nvCxnSpPr>
+        <p:spPr>
+          <a:xfrm rot="16200000" flipH="1">
+            <a:off x="18806272" y="31741455"/>
+            <a:ext cx="611743" cy="1271980"/>
+          </a:xfrm>
+          <a:prstGeom prst="bentConnector3">
+            <a:avLst>
+              <a:gd name="adj1" fmla="val 50000"/>
+            </a:avLst>
+          </a:prstGeom>
+          <a:ln w="28575">
+            <a:tailEnd type="arrow"/>
+          </a:ln>
+        </p:spPr>
+        <p:style>
+          <a:lnRef idx="1">
+            <a:schemeClr val="accent1"/>
+          </a:lnRef>
+          <a:fillRef idx="0">
+            <a:schemeClr val="accent1"/>
+          </a:fillRef>
+          <a:effectRef idx="0">
+            <a:schemeClr val="accent1"/>
+          </a:effectRef>
+          <a:fontRef idx="minor">
+            <a:schemeClr val="tx1"/>
+          </a:fontRef>
+        </p:style>
+      </p:cxnSp>
+      <p:cxnSp>
+        <p:nvCxnSpPr>
+          <p:cNvPr id="405" name="Прямая со стрелкой 404">
+            <a:extLst>
+              <a:ext uri="{FF2B5EF4-FFF2-40B4-BE49-F238E27FC236}">
+                <a16:creationId xmlns:a16="http://schemas.microsoft.com/office/drawing/2014/main" id="{EC4112ED-EFAE-47CF-8D4A-2D56C5D17F7D}"/>
+              </a:ext>
+            </a:extLst>
+          </p:cNvPr>
+          <p:cNvCxnSpPr>
+            <a:cxnSpLocks/>
+            <a:stCxn id="400" idx="2"/>
+            <a:endCxn id="402" idx="0"/>
+          </p:cNvCxnSpPr>
+          <p:nvPr/>
+        </p:nvCxnSpPr>
+        <p:spPr>
+          <a:xfrm>
+            <a:off x="19748133" y="33763317"/>
+            <a:ext cx="0" cy="349792"/>
+          </a:xfrm>
+          <a:prstGeom prst="straightConnector1">
+            <a:avLst/>
+          </a:prstGeom>
+          <a:ln w="28575">
+            <a:tailEnd type="arrow"/>
+          </a:ln>
+        </p:spPr>
+        <p:style>
+          <a:lnRef idx="1">
+            <a:schemeClr val="accent1"/>
+          </a:lnRef>
+          <a:fillRef idx="0">
+            <a:schemeClr val="accent1"/>
+          </a:fillRef>
+          <a:effectRef idx="0">
+            <a:schemeClr val="accent1"/>
+          </a:effectRef>
+          <a:fontRef idx="minor">
+            <a:schemeClr val="tx1"/>
+          </a:fontRef>
+        </p:style>
+      </p:cxnSp>
+      <p:sp>
+        <p:nvSpPr>
+          <p:cNvPr id="406" name="Прямоугольник 405">
+            <a:extLst>
+              <a:ext uri="{FF2B5EF4-FFF2-40B4-BE49-F238E27FC236}">
+                <a16:creationId xmlns:a16="http://schemas.microsoft.com/office/drawing/2014/main" id="{11D53174-6F15-4B59-9C87-AEC60385AFE0}"/>
+              </a:ext>
+            </a:extLst>
+          </p:cNvPr>
+          <p:cNvSpPr/>
+          <p:nvPr/>
+        </p:nvSpPr>
+        <p:spPr>
+          <a:xfrm>
+            <a:off x="32151598" y="28150071"/>
+            <a:ext cx="2115918" cy="1080000"/>
+          </a:xfrm>
+          <a:prstGeom prst="rect">
+            <a:avLst/>
+          </a:prstGeom>
+          <a:ln w="28575"/>
+        </p:spPr>
+        <p:style>
+          <a:lnRef idx="2">
+            <a:schemeClr val="accent1"/>
+          </a:lnRef>
+          <a:fillRef idx="1">
+            <a:schemeClr val="lt1"/>
+          </a:fillRef>
+          <a:effectRef idx="0">
+            <a:schemeClr val="accent1"/>
+          </a:effectRef>
+          <a:fontRef idx="minor">
+            <a:schemeClr val="dk1"/>
+          </a:fontRef>
+        </p:style>
+        <p:txBody>
+          <a:bodyPr lIns="124733" tIns="62367" rIns="124733" bIns="62367" rtlCol="0" anchor="ctr"/>
+          <a:lstStyle/>
+          <a:p>
+            <a:pPr algn="ctr"/>
+            <a:r>
+              <a:rPr lang="ru-RU" sz="1400" dirty="0"/>
+              <a:t>Винодельни Пинотаж (1941) </a:t>
+            </a:r>
+            <a:r>
+              <a:rPr lang="ru-RU" sz="300" dirty="0"/>
+              <a:t>(Пинотаж / ˈ p ɪ n ə t ɑː ʒ / PIN -ə-</a:t>
+            </a:r>
+            <a:r>
+              <a:rPr lang="ru-RU" sz="300" dirty="0" err="1"/>
+              <a:t>tahzh</a:t>
+            </a:r>
+            <a:r>
+              <a:rPr lang="ru-RU" sz="300" dirty="0"/>
+              <a:t> [1] - красный винный виноград, который является фирменным сортом Южной Африки . Он был выращен там в 1925 году как помесь </a:t>
+            </a:r>
+            <a:r>
+              <a:rPr lang="ru-RU" sz="300" dirty="0" err="1"/>
+              <a:t>Пино</a:t>
+            </a:r>
+            <a:r>
+              <a:rPr lang="ru-RU" sz="300" dirty="0"/>
+              <a:t> нуар и </a:t>
+            </a:r>
+            <a:r>
+              <a:rPr lang="ru-RU" sz="300" dirty="0" err="1"/>
+              <a:t>Синсо</a:t>
+            </a:r>
+            <a:r>
+              <a:rPr lang="ru-RU" sz="300" dirty="0"/>
+              <a:t> (в то время </a:t>
+            </a:r>
+            <a:r>
+              <a:rPr lang="ru-RU" sz="300" dirty="0" err="1"/>
+              <a:t>Сенсо</a:t>
+            </a:r>
+            <a:r>
+              <a:rPr lang="ru-RU" sz="300" dirty="0"/>
+              <a:t> был известен в Южной Африке как «Эрмитаж», отсюда и название) . Обычно из него производят темно-красные сортовые вина с дымным, ежевичным и землистым вкусом, иногда с нотками бананов и тропических фруктов , но его критикуют за то, что иногда </a:t>
+            </a:r>
+            <a:r>
+              <a:rPr lang="ru-RU" sz="300" dirty="0" err="1"/>
+              <a:t>пахнетацетон</a:t>
+            </a:r>
+            <a:r>
+              <a:rPr lang="ru-RU" sz="300" dirty="0"/>
+              <a:t> . [2] Виноград является виноградарским внутривидовым скрещиванием двух разновидностей </a:t>
+            </a:r>
+            <a:r>
+              <a:rPr lang="ru-RU" sz="300" dirty="0" err="1"/>
+              <a:t>Vitis</a:t>
+            </a:r>
+            <a:r>
+              <a:rPr lang="ru-RU" sz="300" dirty="0"/>
+              <a:t> </a:t>
+            </a:r>
+            <a:r>
+              <a:rPr lang="ru-RU" sz="300" dirty="0" err="1"/>
+              <a:t>vinifera</a:t>
+            </a:r>
+            <a:r>
+              <a:rPr lang="ru-RU" sz="300" dirty="0"/>
+              <a:t> , а не межвидовым гибридом . Молодые растения были перемещены в сельскохозяйственный колледж </a:t>
+            </a:r>
+            <a:r>
+              <a:rPr lang="ru-RU" sz="300" dirty="0" err="1"/>
+              <a:t>Эльзенбурга</a:t>
+            </a:r>
+            <a:r>
+              <a:rPr lang="ru-RU" sz="300" dirty="0"/>
+              <a:t> под руководством преемника </a:t>
+            </a:r>
+            <a:r>
+              <a:rPr lang="ru-RU" sz="300" dirty="0" err="1"/>
+              <a:t>Перольда</a:t>
+            </a:r>
+            <a:r>
+              <a:rPr lang="ru-RU" sz="300" dirty="0"/>
+              <a:t>, Си </a:t>
+            </a:r>
+            <a:r>
+              <a:rPr lang="ru-RU" sz="300" dirty="0" err="1"/>
+              <a:t>Джей</a:t>
+            </a:r>
+            <a:r>
+              <a:rPr lang="ru-RU" sz="300" dirty="0"/>
+              <a:t> </a:t>
+            </a:r>
+            <a:r>
+              <a:rPr lang="ru-RU" sz="300" dirty="0" err="1"/>
+              <a:t>Терона</a:t>
+            </a:r>
+            <a:r>
+              <a:rPr lang="ru-RU" sz="300" dirty="0"/>
+              <a:t>. В 1935 году </a:t>
+            </a:r>
+            <a:r>
+              <a:rPr lang="ru-RU" sz="300" dirty="0" err="1"/>
+              <a:t>Терон</a:t>
+            </a:r>
+            <a:r>
+              <a:rPr lang="ru-RU" sz="300" dirty="0"/>
+              <a:t> привил их к недавно созданным подвоям </a:t>
+            </a:r>
+            <a:r>
+              <a:rPr lang="ru-RU" sz="300" dirty="0" err="1"/>
+              <a:t>Richter</a:t>
+            </a:r>
+            <a:r>
+              <a:rPr lang="ru-RU" sz="300" dirty="0"/>
+              <a:t> 99 и </a:t>
+            </a:r>
+            <a:r>
+              <a:rPr lang="ru-RU" sz="300" dirty="0" err="1"/>
+              <a:t>Richter</a:t>
+            </a:r>
+            <a:r>
+              <a:rPr lang="ru-RU" sz="300" dirty="0"/>
+              <a:t> 57 в </a:t>
+            </a:r>
+            <a:r>
+              <a:rPr lang="ru-RU" sz="300" dirty="0" err="1"/>
+              <a:t>Велгеваллене</a:t>
+            </a:r>
+            <a:r>
+              <a:rPr lang="ru-RU" sz="300" dirty="0"/>
+              <a:t>. [3] Тем временем </a:t>
+            </a:r>
+            <a:r>
+              <a:rPr lang="ru-RU" sz="300" dirty="0" err="1"/>
+              <a:t>Перольд</a:t>
+            </a:r>
+            <a:r>
+              <a:rPr lang="ru-RU" sz="300" dirty="0"/>
+              <a:t> продолжал навещать своих бывших коллег. </a:t>
+            </a:r>
+            <a:r>
+              <a:rPr lang="ru-RU" sz="300" dirty="0" err="1"/>
+              <a:t>Терон</a:t>
+            </a:r>
+            <a:r>
+              <a:rPr lang="ru-RU" sz="300" dirty="0"/>
+              <a:t> показал ему только что привитые лозы, и тот, который прижился лучше всего, был выбран для размножения и получил название Пинотаж. Первое вино было произведено в 1941 году в </a:t>
+            </a:r>
+            <a:r>
+              <a:rPr lang="ru-RU" sz="300" dirty="0" err="1"/>
+              <a:t>Эльзенбурге</a:t>
+            </a:r>
+            <a:r>
+              <a:rPr lang="ru-RU" sz="300" dirty="0"/>
+              <a:t>, а первые коммерческие посадки были произведены в </a:t>
+            </a:r>
+            <a:r>
+              <a:rPr lang="ru-RU" sz="300" dirty="0" err="1"/>
+              <a:t>Миртл-Гроув</a:t>
+            </a:r>
+            <a:r>
+              <a:rPr lang="ru-RU" sz="300" dirty="0"/>
+              <a:t> недалеко от перевала сэра </a:t>
+            </a:r>
+            <a:r>
+              <a:rPr lang="ru-RU" sz="300" dirty="0" err="1"/>
+              <a:t>Лоури</a:t>
+            </a:r>
+            <a:r>
+              <a:rPr lang="ru-RU" sz="300" dirty="0"/>
+              <a:t> . [3] Также в 1941 году Пол </a:t>
+            </a:r>
+            <a:r>
+              <a:rPr lang="ru-RU" sz="300" dirty="0" err="1"/>
+              <a:t>Зауэр</a:t>
+            </a:r>
+            <a:r>
+              <a:rPr lang="ru-RU" sz="300" dirty="0"/>
+              <a:t> посадил лозы Пинотажа в поместье </a:t>
+            </a:r>
+            <a:r>
+              <a:rPr lang="ru-RU" sz="300" dirty="0" err="1"/>
+              <a:t>Канонкоп.и</a:t>
+            </a:r>
+            <a:r>
+              <a:rPr lang="ru-RU" sz="300" dirty="0"/>
+              <a:t> </a:t>
+            </a:r>
+            <a:r>
+              <a:rPr lang="ru-RU" sz="300" dirty="0" err="1"/>
+              <a:t>Danie</a:t>
+            </a:r>
+            <a:r>
+              <a:rPr lang="ru-RU" sz="300" dirty="0"/>
+              <a:t> </a:t>
+            </a:r>
+            <a:r>
+              <a:rPr lang="ru-RU" sz="300" dirty="0" err="1"/>
+              <a:t>Rossouw</a:t>
+            </a:r>
+            <a:r>
+              <a:rPr lang="ru-RU" sz="300" dirty="0"/>
+              <a:t>, вина которого впоследствии приобрели большую известность и могут выдерживаться до 25 лет, так что это поместье даже называют «грозным лидером набора красных вин Кейптауна». [)</a:t>
+            </a:r>
+            <a:endParaRPr lang="ru-RU" sz="800" dirty="0"/>
+          </a:p>
+        </p:txBody>
+      </p:sp>
+      <p:sp>
+        <p:nvSpPr>
+          <p:cNvPr id="407" name="Прямоугольник 406">
+            <a:extLst>
+              <a:ext uri="{FF2B5EF4-FFF2-40B4-BE49-F238E27FC236}">
+                <a16:creationId xmlns:a16="http://schemas.microsoft.com/office/drawing/2014/main" id="{B2BDEA18-D950-4D2A-84E0-6AFC7BFECBD1}"/>
+              </a:ext>
+            </a:extLst>
+          </p:cNvPr>
+          <p:cNvSpPr/>
+          <p:nvPr/>
+        </p:nvSpPr>
+        <p:spPr>
+          <a:xfrm>
+            <a:off x="13732000" y="26704113"/>
+            <a:ext cx="2115918" cy="1080000"/>
+          </a:xfrm>
+          <a:prstGeom prst="rect">
+            <a:avLst/>
+          </a:prstGeom>
+          <a:ln w="28575"/>
+        </p:spPr>
+        <p:style>
+          <a:lnRef idx="2">
+            <a:schemeClr val="accent1"/>
+          </a:lnRef>
+          <a:fillRef idx="1">
+            <a:schemeClr val="lt1"/>
+          </a:fillRef>
+          <a:effectRef idx="0">
+            <a:schemeClr val="accent1"/>
+          </a:effectRef>
+          <a:fontRef idx="minor">
+            <a:schemeClr val="dk1"/>
+          </a:fontRef>
+        </p:style>
+        <p:txBody>
+          <a:bodyPr lIns="124733" tIns="62367" rIns="124733" bIns="62367" rtlCol="0" anchor="ctr"/>
+          <a:lstStyle/>
+          <a:p>
+            <a:pPr algn="ctr"/>
+            <a:r>
+              <a:rPr lang="ru-RU" sz="1400" dirty="0"/>
+              <a:t>Увеличить добычу Хрома </a:t>
+            </a:r>
+            <a:r>
+              <a:rPr lang="ru-RU" sz="300" dirty="0"/>
+              <a:t>(Хром — еще один ведущий продукт горнодобывающей промышленности Южной Африки. Металл, используемый в производстве нержавеющей стали и для различных промышленных применений, добывается на 10 участках по всей стране. Производство хрома в Южной Африке составляло 100% от общего объема производства в мире в 2005 году и состояло из 7 490 000 метрических тонн (7 370 000 длинных тонн ; 8 260 000 коротких тонн ) материала. [24] Южная Африка обладает примерно тремя четвертями жизнеспособных ресурсов </a:t>
+            </a:r>
+            <a:r>
+              <a:rPr lang="ru-RU" sz="300" dirty="0" err="1"/>
+              <a:t>хромитовой</a:t>
+            </a:r>
+            <a:r>
+              <a:rPr lang="ru-RU" sz="300" dirty="0"/>
+              <a:t> руды в мире. В 2012 году в Южной Африке насчитывалось четырнадцать отдельных плавильных заводов по производству феррохрома с общей производственной мощностью более 4,7 млн ​​тонн в год. [37])</a:t>
+            </a:r>
+            <a:endParaRPr lang="ru-RU" sz="800" dirty="0"/>
+          </a:p>
+        </p:txBody>
+      </p:sp>
+      <p:sp>
+        <p:nvSpPr>
+          <p:cNvPr id="408" name="Прямоугольник 407">
+            <a:extLst>
+              <a:ext uri="{FF2B5EF4-FFF2-40B4-BE49-F238E27FC236}">
+                <a16:creationId xmlns:a16="http://schemas.microsoft.com/office/drawing/2014/main" id="{B510A4A1-0CB1-4B30-877B-8169A826C48F}"/>
+              </a:ext>
+            </a:extLst>
+          </p:cNvPr>
+          <p:cNvSpPr/>
+          <p:nvPr/>
+        </p:nvSpPr>
+        <p:spPr>
+          <a:xfrm>
+            <a:off x="16189605" y="23868483"/>
+            <a:ext cx="2115918" cy="1080000"/>
+          </a:xfrm>
+          <a:prstGeom prst="rect">
+            <a:avLst/>
+          </a:prstGeom>
+          <a:ln w="28575"/>
+        </p:spPr>
+        <p:style>
+          <a:lnRef idx="2">
+            <a:schemeClr val="accent1"/>
+          </a:lnRef>
+          <a:fillRef idx="1">
+            <a:schemeClr val="lt1"/>
+          </a:fillRef>
+          <a:effectRef idx="0">
+            <a:schemeClr val="accent1"/>
+          </a:effectRef>
+          <a:fontRef idx="minor">
+            <a:schemeClr val="dk1"/>
+          </a:fontRef>
+        </p:style>
+        <p:txBody>
+          <a:bodyPr lIns="124733" tIns="62367" rIns="124733" bIns="62367" rtlCol="0" anchor="ctr"/>
+          <a:lstStyle/>
+          <a:p>
+            <a:pPr algn="ctr"/>
+            <a:r>
+              <a:rPr lang="ru-RU" sz="1400" dirty="0"/>
+              <a:t>Экспериментальные работы в алмазной </a:t>
+            </a:r>
+            <a:r>
+              <a:rPr lang="ru-RU" sz="1400" dirty="0" err="1"/>
+              <a:t>отрасле</a:t>
+            </a:r>
+            <a:r>
+              <a:rPr lang="ru-RU" sz="1400" dirty="0"/>
+              <a:t> </a:t>
+            </a:r>
+            <a:r>
+              <a:rPr lang="ru-RU" sz="500" dirty="0"/>
+              <a:t>(начале 1930-х годов компания провела экспериментальные работы, которые в значительной степени стали первыми в использовании алмазных сверл . Это было весьма предпочтительно по сравнению с более дорогими и более редкими углеродами, использовавшимися ранее. [33] Золотая лихорадка в Свободном штате стала возможной отчасти благодаря этому нововведению, поскольку месторождения требовали глубокого бурения для достижения золотоносных рифов . [33])</a:t>
+            </a:r>
+            <a:endParaRPr lang="ru-RU" sz="800" dirty="0"/>
+          </a:p>
+        </p:txBody>
+      </p:sp>
+      <p:sp>
+        <p:nvSpPr>
+          <p:cNvPr id="409" name="Прямоугольник 408">
+            <a:extLst>
+              <a:ext uri="{FF2B5EF4-FFF2-40B4-BE49-F238E27FC236}">
+                <a16:creationId xmlns:a16="http://schemas.microsoft.com/office/drawing/2014/main" id="{5B3B97FD-E9A5-466E-B336-C13C2EC33A2A}"/>
+              </a:ext>
+            </a:extLst>
+          </p:cNvPr>
+          <p:cNvSpPr/>
+          <p:nvPr/>
+        </p:nvSpPr>
+        <p:spPr>
+          <a:xfrm>
+            <a:off x="18646783" y="25289048"/>
+            <a:ext cx="2115918" cy="1080000"/>
+          </a:xfrm>
+          <a:prstGeom prst="rect">
+            <a:avLst/>
+          </a:prstGeom>
+          <a:ln w="28575"/>
+        </p:spPr>
+        <p:style>
+          <a:lnRef idx="2">
+            <a:schemeClr val="accent1"/>
+          </a:lnRef>
+          <a:fillRef idx="1">
+            <a:schemeClr val="lt1"/>
+          </a:fillRef>
+          <a:effectRef idx="0">
+            <a:schemeClr val="accent1"/>
+          </a:effectRef>
+          <a:fontRef idx="minor">
+            <a:schemeClr val="dk1"/>
+          </a:fontRef>
+        </p:style>
+        <p:txBody>
+          <a:bodyPr lIns="124733" tIns="62367" rIns="124733" bIns="62367" rtlCol="0" anchor="ctr"/>
+          <a:lstStyle/>
+          <a:p>
+            <a:pPr algn="ctr"/>
+            <a:r>
+              <a:rPr lang="ru-RU" sz="1400" dirty="0"/>
+              <a:t>Развитие угледобывающих кампаний</a:t>
+            </a:r>
+            <a:endParaRPr lang="ru-RU" sz="800" dirty="0"/>
+          </a:p>
+        </p:txBody>
+      </p:sp>
+      <p:sp>
+        <p:nvSpPr>
+          <p:cNvPr id="410" name="Прямоугольник 409">
+            <a:extLst>
+              <a:ext uri="{FF2B5EF4-FFF2-40B4-BE49-F238E27FC236}">
+                <a16:creationId xmlns:a16="http://schemas.microsoft.com/office/drawing/2014/main" id="{A6251E2A-62E6-457D-B6AD-4AB5C5F67C14}"/>
+              </a:ext>
+            </a:extLst>
+          </p:cNvPr>
+          <p:cNvSpPr/>
+          <p:nvPr/>
+        </p:nvSpPr>
+        <p:spPr>
+          <a:xfrm>
+            <a:off x="16189605" y="26715768"/>
+            <a:ext cx="2115918" cy="1080000"/>
+          </a:xfrm>
+          <a:prstGeom prst="rect">
+            <a:avLst/>
+          </a:prstGeom>
+          <a:ln w="28575"/>
+        </p:spPr>
+        <p:style>
+          <a:lnRef idx="2">
+            <a:schemeClr val="accent1"/>
+          </a:lnRef>
+          <a:fillRef idx="1">
+            <a:schemeClr val="lt1"/>
+          </a:fillRef>
+          <a:effectRef idx="0">
+            <a:schemeClr val="accent1"/>
+          </a:effectRef>
+          <a:fontRef idx="minor">
+            <a:schemeClr val="dk1"/>
+          </a:fontRef>
+        </p:style>
+        <p:txBody>
+          <a:bodyPr lIns="124733" tIns="62367" rIns="124733" bIns="62367" rtlCol="0" anchor="ctr"/>
+          <a:lstStyle/>
+          <a:p>
+            <a:pPr algn="ctr"/>
+            <a:r>
+              <a:rPr lang="ru-RU" sz="1400" dirty="0"/>
+              <a:t>Начать добычу урана</a:t>
+            </a:r>
+            <a:endParaRPr lang="ru-RU" sz="800" dirty="0"/>
+          </a:p>
+        </p:txBody>
+      </p:sp>
+      <p:sp>
+        <p:nvSpPr>
+          <p:cNvPr id="411" name="Прямоугольник 410">
+            <a:extLst>
+              <a:ext uri="{FF2B5EF4-FFF2-40B4-BE49-F238E27FC236}">
+                <a16:creationId xmlns:a16="http://schemas.microsoft.com/office/drawing/2014/main" id="{A810956C-8C81-46CD-82F1-2C73CD6A360D}"/>
+              </a:ext>
+            </a:extLst>
+          </p:cNvPr>
+          <p:cNvSpPr/>
+          <p:nvPr/>
+        </p:nvSpPr>
+        <p:spPr>
+          <a:xfrm>
+            <a:off x="14946375" y="28148838"/>
+            <a:ext cx="2115918" cy="1080000"/>
+          </a:xfrm>
+          <a:prstGeom prst="rect">
+            <a:avLst/>
+          </a:prstGeom>
+          <a:ln w="28575"/>
+        </p:spPr>
+        <p:style>
+          <a:lnRef idx="2">
+            <a:schemeClr val="accent1"/>
+          </a:lnRef>
+          <a:fillRef idx="1">
+            <a:schemeClr val="lt1"/>
+          </a:fillRef>
+          <a:effectRef idx="0">
+            <a:schemeClr val="accent1"/>
+          </a:effectRef>
+          <a:fontRef idx="minor">
+            <a:schemeClr val="dk1"/>
+          </a:fontRef>
+        </p:style>
+        <p:txBody>
+          <a:bodyPr lIns="124733" tIns="62367" rIns="124733" bIns="62367" rtlCol="0" anchor="ctr"/>
+          <a:lstStyle/>
+          <a:p>
+            <a:pPr algn="ctr"/>
+            <a:r>
+              <a:rPr lang="ru-RU" sz="1400" dirty="0"/>
+              <a:t>Углубить раскопки железной руды</a:t>
+            </a:r>
+            <a:endParaRPr lang="ru-RU" sz="800" dirty="0"/>
+          </a:p>
+        </p:txBody>
+      </p:sp>
+      <p:sp>
+        <p:nvSpPr>
+          <p:cNvPr id="412" name="Прямоугольник 411">
+            <a:extLst>
+              <a:ext uri="{FF2B5EF4-FFF2-40B4-BE49-F238E27FC236}">
+                <a16:creationId xmlns:a16="http://schemas.microsoft.com/office/drawing/2014/main" id="{E013B640-13C2-4561-A980-61EEF4C9936B}"/>
+              </a:ext>
+            </a:extLst>
+          </p:cNvPr>
+          <p:cNvSpPr/>
+          <p:nvPr/>
+        </p:nvSpPr>
+        <p:spPr>
+          <a:xfrm>
+            <a:off x="13732427" y="25282698"/>
+            <a:ext cx="2115918" cy="1080000"/>
+          </a:xfrm>
+          <a:prstGeom prst="rect">
+            <a:avLst/>
+          </a:prstGeom>
+          <a:ln w="28575"/>
+        </p:spPr>
+        <p:style>
+          <a:lnRef idx="2">
+            <a:schemeClr val="accent1"/>
+          </a:lnRef>
+          <a:fillRef idx="1">
+            <a:schemeClr val="lt1"/>
+          </a:fillRef>
+          <a:effectRef idx="0">
+            <a:schemeClr val="accent1"/>
+          </a:effectRef>
+          <a:fontRef idx="minor">
+            <a:schemeClr val="dk1"/>
+          </a:fontRef>
+        </p:style>
+        <p:txBody>
+          <a:bodyPr lIns="124733" tIns="62367" rIns="124733" bIns="62367" rtlCol="0" anchor="ctr"/>
+          <a:lstStyle/>
+          <a:p>
+            <a:pPr algn="ctr"/>
+            <a:r>
+              <a:rPr lang="ru-RU" sz="1400" dirty="0"/>
+              <a:t>Занять лидирующее место в алмазной отрасли</a:t>
+            </a:r>
+            <a:endParaRPr lang="ru-RU" sz="800" dirty="0"/>
+          </a:p>
+        </p:txBody>
+      </p:sp>
+      <p:sp>
+        <p:nvSpPr>
+          <p:cNvPr id="413" name="Прямоугольник 412">
+            <a:extLst>
+              <a:ext uri="{FF2B5EF4-FFF2-40B4-BE49-F238E27FC236}">
+                <a16:creationId xmlns:a16="http://schemas.microsoft.com/office/drawing/2014/main" id="{8BB552E8-5927-43C6-9CBE-BD94613D3A4F}"/>
+              </a:ext>
+            </a:extLst>
+          </p:cNvPr>
+          <p:cNvSpPr/>
+          <p:nvPr/>
+        </p:nvSpPr>
+        <p:spPr>
+          <a:xfrm>
+            <a:off x="23378812" y="21705824"/>
+            <a:ext cx="2115918" cy="1080000"/>
+          </a:xfrm>
+          <a:prstGeom prst="rect">
+            <a:avLst/>
+          </a:prstGeom>
+          <a:ln w="28575"/>
+        </p:spPr>
+        <p:style>
+          <a:lnRef idx="2">
+            <a:schemeClr val="accent1"/>
+          </a:lnRef>
+          <a:fillRef idx="1">
+            <a:schemeClr val="lt1"/>
+          </a:fillRef>
+          <a:effectRef idx="0">
+            <a:schemeClr val="accent1"/>
+          </a:effectRef>
+          <a:fontRef idx="minor">
+            <a:schemeClr val="dk1"/>
+          </a:fontRef>
+        </p:style>
+        <p:txBody>
+          <a:bodyPr lIns="124733" tIns="62367" rIns="124733" bIns="62367" rtlCol="0" anchor="ctr"/>
+          <a:lstStyle/>
+          <a:p>
+            <a:pPr algn="ctr"/>
+            <a:r>
+              <a:rPr lang="en-US" sz="1400" dirty="0"/>
+              <a:t>https://en.m.wikipedia.org/wiki/De_Beers</a:t>
+            </a:r>
+            <a:endParaRPr lang="ru-RU" sz="800" dirty="0"/>
+          </a:p>
+        </p:txBody>
+      </p:sp>
+      <p:sp>
+        <p:nvSpPr>
+          <p:cNvPr id="414" name="Прямоугольник 413">
+            <a:extLst>
+              <a:ext uri="{FF2B5EF4-FFF2-40B4-BE49-F238E27FC236}">
+                <a16:creationId xmlns:a16="http://schemas.microsoft.com/office/drawing/2014/main" id="{3B68D7CC-ADC7-45FC-AAC2-C4834B00D8D4}"/>
+              </a:ext>
+            </a:extLst>
+          </p:cNvPr>
+          <p:cNvSpPr/>
+          <p:nvPr/>
+        </p:nvSpPr>
+        <p:spPr>
+          <a:xfrm>
+            <a:off x="26015705" y="25289048"/>
+            <a:ext cx="2115918" cy="1080000"/>
+          </a:xfrm>
+          <a:prstGeom prst="rect">
+            <a:avLst/>
+          </a:prstGeom>
+          <a:ln w="28575"/>
+        </p:spPr>
+        <p:style>
+          <a:lnRef idx="2">
+            <a:schemeClr val="accent1"/>
+          </a:lnRef>
+          <a:fillRef idx="1">
+            <a:schemeClr val="lt1"/>
+          </a:fillRef>
+          <a:effectRef idx="0">
+            <a:schemeClr val="accent1"/>
+          </a:effectRef>
+          <a:fontRef idx="minor">
+            <a:schemeClr val="dk1"/>
+          </a:fontRef>
+        </p:style>
+        <p:txBody>
+          <a:bodyPr lIns="124733" tIns="62367" rIns="124733" bIns="62367" rtlCol="0" anchor="ctr"/>
+          <a:lstStyle/>
+          <a:p>
+            <a:pPr algn="ctr"/>
+            <a:r>
+              <a:rPr lang="ru-RU" sz="1400" dirty="0"/>
+              <a:t>Обезопасить горнодобывающую отрасль </a:t>
+            </a:r>
+            <a:r>
+              <a:rPr lang="ru-RU" sz="100" dirty="0"/>
+              <a:t>(Условия на большинстве рудников в Южной Африке очень похожи на условия в других местах [47], за исключением золотых рудников, где низкий геотермический градиент , т. е. скорость, с которой температура повышается с глубиной, часто составляет всего 9 °C на километр глубины ( по сравнению со среднемировым значением около 25 °C/км [48] ), и это, в сочетании с узкими и очень непрерывными рудными телами в крепких и прочных породах, позволяет вести добычу на глубинах, недоступных где-либо еще в </a:t>
+            </a:r>
+            <a:r>
+              <a:rPr lang="ru-RU" sz="100" dirty="0" err="1"/>
+              <a:t>мире.Кварцевая</a:t>
+            </a:r>
+            <a:r>
+              <a:rPr lang="ru-RU" sz="100" dirty="0"/>
+              <a:t> пыль представляет собой постоянную потенциальную опасность, поэтому всю буровую пыль и рыхлую породу необходимо постоянно смачивать, чтобы предотвратить силикоз , смертельную болезнь, поражающую легкие. К сожалению, узость наклонных рифов/рудных тел препятствует механизации, за исключением очень немногих случаев, и большинство работ очень трудоемки. Требования к вентиляции для поддержания приемлемых условий труда огромны, и обследование золотых приисков в Южной Африке показало, что среднее количество циркулирующего вентиляционного воздуха составляло около 6 кубических метров в секунду (210 куб. Футов / с) на 1000 тонн добытой породы в месяц. [49]Еще одна серьезная проблема — тепло. В более глубоких рудниках охлаждение всасываемого воздуха часто необходимо для поддержания приемлемых условий, и теперь это становится необходимым на некоторых платиновых рудниках, которые, хотя и неглубокие, имеют более высокий геотермический градиент. [50] Охлаждение очень </a:t>
+            </a:r>
+            <a:r>
+              <a:rPr lang="ru-RU" sz="100" dirty="0" err="1"/>
+              <a:t>энергозатратно</a:t>
+            </a:r>
+            <a:r>
+              <a:rPr lang="ru-RU" sz="100" dirty="0"/>
+              <a:t>, и в настоящее время остается спорным вопрос, сможет ли ЭСКОМ , государственная энергетическая компания, обеспечить необходимую мощность после недавнего [ когда? ] проблем, которые сократят энергоснабжение до 90% от прежнего уровня как минимум до 2012 года, когда будет готова новая электростанция. [51] [52]Горнодобывающую промышленность Южной Африки часто критикуют за плохие показатели безопасности и большое количество смертельных случаев, но условия улучшаются. Общее число погибших составило 533 человека в 1995 г. и снизилось до 199 в 2006 г. [53] В период с 1984 по 2005 г. погибло более 11 000 горняков. [54] Общий коэффициент смертности в 2006 г. составлял 0,43 на 1000 человек в год, но за этим скрываются некоторые важные различия. Коэффициент добычи золота составил 0,71, добычи платины — 0,24, добычи прочего — 0,35. (Для сравнения, в шестидесятые годы этот показатель составлял около 1,5 — см. любой ежегодник Горной палаты того периода). Причина различия совершенно ясна; золотые рудники намного глубже, а условия более трудные и опасные, чем на более мелких платиновых </a:t>
+            </a:r>
+            <a:r>
+              <a:rPr lang="ru-RU" sz="100" dirty="0" err="1"/>
+              <a:t>рудниках.Падение</a:t>
+            </a:r>
+            <a:r>
+              <a:rPr lang="ru-RU" sz="100" dirty="0"/>
+              <a:t> грунта преобладало среди причин в 72 случаях, несчастные случаи с машинами, транспортом и горнодобывающей промышленностью стали причиной 70, а остальные были классифицированы как общие. [55] Падения земли, </a:t>
+            </a:r>
+            <a:r>
+              <a:rPr lang="ru-RU" sz="100" dirty="0" err="1"/>
+              <a:t>ок</a:t>
+            </a:r>
+            <a:r>
+              <a:rPr lang="ru-RU" sz="100" dirty="0"/>
+              <a:t>. две трети были на глубоких золотых приисках, что является отражением чрезвычайного давления на глубине и постоянного движения вмещающей породы . Среди машин, горнодобывающих и транспортных смертей работали гризли [ требуется уточнение ]без ремней безопасности, работа под рыхлой породой в рудоспусках, раздавливание этой смертоносной комбинацией локомотива и вентиляционной дверной рамы (зазор между ними всего несколько дюймов) и работа на работающих конвейерах — все это прямое нарушение правил техники безопасности. . Также упоминалось бурение осечек, явный пример небрежной и небезопасной </a:t>
+            </a:r>
+            <a:r>
+              <a:rPr lang="ru-RU" sz="100" dirty="0" err="1"/>
+              <a:t>добычи.Трудно</a:t>
+            </a:r>
+            <a:r>
+              <a:rPr lang="ru-RU" sz="100" dirty="0"/>
+              <a:t> понять, как можно устранить провалы грунта, учитывая их частую непредсказуемость, возрастающую с глубиной, и трудности с обеспечением непрерывной крепи кровли, как на угольных шахтах лавой из-за сильного забойного взрыва в крепких породах рудника. золотых приисках, но очевидно, что многое можно сделать для улучшения обучения и привития горнякам, многие из которых относительно неопытны, чувства безопасности.)</a:t>
+            </a:r>
+            <a:endParaRPr lang="ru-RU" sz="800" dirty="0"/>
+          </a:p>
+        </p:txBody>
+      </p:sp>
+      <p:sp>
+        <p:nvSpPr>
+          <p:cNvPr id="415" name="Прямоугольник 414">
+            <a:extLst>
+              <a:ext uri="{FF2B5EF4-FFF2-40B4-BE49-F238E27FC236}">
+                <a16:creationId xmlns:a16="http://schemas.microsoft.com/office/drawing/2014/main" id="{0208E2E7-22A1-4E23-AD59-E183A4AB30B4}"/>
+              </a:ext>
+            </a:extLst>
+          </p:cNvPr>
+          <p:cNvSpPr/>
+          <p:nvPr/>
+        </p:nvSpPr>
+        <p:spPr>
+          <a:xfrm>
+            <a:off x="33383319" y="25279318"/>
+            <a:ext cx="2115918" cy="1080000"/>
+          </a:xfrm>
+          <a:prstGeom prst="rect">
+            <a:avLst/>
+          </a:prstGeom>
+          <a:ln w="28575"/>
+        </p:spPr>
+        <p:style>
+          <a:lnRef idx="2">
+            <a:schemeClr val="accent1"/>
+          </a:lnRef>
+          <a:fillRef idx="1">
+            <a:schemeClr val="lt1"/>
+          </a:fillRef>
+          <a:effectRef idx="0">
+            <a:schemeClr val="accent1"/>
+          </a:effectRef>
+          <a:fontRef idx="minor">
+            <a:schemeClr val="dk1"/>
+          </a:fontRef>
+        </p:style>
+        <p:txBody>
+          <a:bodyPr lIns="124733" tIns="62367" rIns="124733" bIns="62367" rtlCol="0" anchor="ctr"/>
+          <a:lstStyle/>
+          <a:p>
+            <a:pPr algn="ctr"/>
+            <a:r>
+              <a:rPr lang="ru-RU" sz="1400" dirty="0"/>
+              <a:t>Закон о туземном тресте и земле </a:t>
+            </a:r>
+            <a:r>
+              <a:rPr lang="ru-RU" sz="300" dirty="0"/>
+              <a:t>(Это постановление предусматривало, что резервные земли, которые чернокожему населению в соответствии с Законом о землях коренных народов 1913 года, были выделены на 7,13% (9 709 586 акров) для увеличения примерно до 13,6% от общей площади тогдашней Южной Африки. Это значение не было достигнуто и оставалось таким невыполненным до 1980-х годов. (Ссылка 1) Еще в 1972 году правительство приобрело 1 146 451 акр земли, чтобы удовлетворить это требование на родине. [1]Ввиду того, что чернокожее население составляло в это время около 61% в общей численности населения, этот коэффициент площади был очень мал. Во время мировой экономической депрессии ущерб, нанесенный сельскохозяйственным угодьям в результате эрозии и чрезмерного выпаса скота , сыграл важную роль в подготовке Закона. В то же время права чернокожих как фермеров-арендаторов были ограничены белыми владельцами. С тех пор чернокожим разрешалось жить только на фермах, принадлежавших белым, и на них работали чернокожие </a:t>
+            </a:r>
+            <a:r>
+              <a:rPr lang="ru-RU" sz="300" dirty="0" err="1"/>
+              <a:t>служащие.Это</a:t>
+            </a:r>
+            <a:r>
+              <a:rPr lang="ru-RU" sz="300" dirty="0"/>
+              <a:t> давление со стороны продавцов, вызванное законом, вынудило многих чернокожих искать работу по найму за пределами своей семьи и племенных традиций, уходящих корнями в жилые районы. Пунктами назначения этих миграций были крупные фермы белых и города, преимущественно промышленные городские центры. [2])</a:t>
+            </a:r>
+            <a:endParaRPr lang="ru-RU" sz="800" dirty="0"/>
+          </a:p>
+        </p:txBody>
+      </p:sp>
+      <p:sp>
+        <p:nvSpPr>
+          <p:cNvPr id="416" name="Прямоугольник 415">
+            <a:extLst>
+              <a:ext uri="{FF2B5EF4-FFF2-40B4-BE49-F238E27FC236}">
+                <a16:creationId xmlns:a16="http://schemas.microsoft.com/office/drawing/2014/main" id="{5183ADFB-0CE9-4641-8F3A-B7B41140F3D9}"/>
+              </a:ext>
+            </a:extLst>
+          </p:cNvPr>
+          <p:cNvSpPr/>
+          <p:nvPr/>
+        </p:nvSpPr>
+        <p:spPr>
+          <a:xfrm>
+            <a:off x="23563377" y="26715768"/>
+            <a:ext cx="2115918" cy="1080000"/>
+          </a:xfrm>
+          <a:prstGeom prst="rect">
+            <a:avLst/>
+          </a:prstGeom>
+          <a:ln w="28575"/>
+        </p:spPr>
+        <p:style>
+          <a:lnRef idx="2">
+            <a:schemeClr val="accent1"/>
+          </a:lnRef>
+          <a:fillRef idx="1">
+            <a:schemeClr val="lt1"/>
+          </a:fillRef>
+          <a:effectRef idx="0">
+            <a:schemeClr val="accent1"/>
+          </a:effectRef>
+          <a:fontRef idx="minor">
+            <a:schemeClr val="dk1"/>
+          </a:fontRef>
+        </p:style>
+        <p:txBody>
+          <a:bodyPr lIns="124733" tIns="62367" rIns="124733" bIns="62367" rtlCol="0" anchor="ctr"/>
+          <a:lstStyle/>
+          <a:p>
+            <a:pPr algn="ctr"/>
+            <a:r>
+              <a:rPr lang="ru-RU" sz="1400" dirty="0"/>
+              <a:t>Южноафриканская радиовещательная корпорация </a:t>
+            </a:r>
+            <a:r>
+              <a:rPr lang="ru-RU" sz="700" dirty="0"/>
+              <a:t>(1936. ЗАКОН № 22.По словам </a:t>
+            </a:r>
+            <a:r>
+              <a:rPr lang="ru-RU" sz="700" dirty="0" err="1"/>
+              <a:t>Риджа</a:t>
+            </a:r>
+            <a:r>
+              <a:rPr lang="ru-RU" sz="700" dirty="0"/>
+              <a:t>, в результате была создана Южноафриканская радиовещательная корпорация (1996: 34, примечание 10).)</a:t>
+            </a:r>
+            <a:endParaRPr lang="ru-RU" sz="800" dirty="0"/>
+          </a:p>
+        </p:txBody>
+      </p:sp>
+      <p:sp>
+        <p:nvSpPr>
+          <p:cNvPr id="417" name="Прямоугольник 416">
+            <a:extLst>
+              <a:ext uri="{FF2B5EF4-FFF2-40B4-BE49-F238E27FC236}">
+                <a16:creationId xmlns:a16="http://schemas.microsoft.com/office/drawing/2014/main" id="{8DAA09BF-0621-4F87-82F3-0F2D1D560DB6}"/>
+              </a:ext>
+            </a:extLst>
+          </p:cNvPr>
+          <p:cNvSpPr/>
+          <p:nvPr/>
+        </p:nvSpPr>
+        <p:spPr>
+          <a:xfrm>
+            <a:off x="27235394" y="26697908"/>
+            <a:ext cx="2115918" cy="1080000"/>
+          </a:xfrm>
+          <a:prstGeom prst="rect">
+            <a:avLst/>
+          </a:prstGeom>
+          <a:ln w="28575"/>
+        </p:spPr>
+        <p:style>
+          <a:lnRef idx="2">
+            <a:schemeClr val="accent1"/>
+          </a:lnRef>
+          <a:fillRef idx="1">
+            <a:schemeClr val="lt1"/>
+          </a:fillRef>
+          <a:effectRef idx="0">
+            <a:schemeClr val="accent1"/>
+          </a:effectRef>
+          <a:fontRef idx="minor">
+            <a:schemeClr val="dk1"/>
+          </a:fontRef>
+        </p:style>
+        <p:txBody>
+          <a:bodyPr lIns="124733" tIns="62367" rIns="124733" bIns="62367" rtlCol="0" anchor="ctr"/>
+          <a:lstStyle/>
+          <a:p>
+            <a:pPr algn="ctr"/>
+            <a:r>
+              <a:rPr lang="ru-RU" sz="1400" dirty="0"/>
+              <a:t>Закон о промышленном примирении и заработной плате </a:t>
+            </a:r>
+            <a:r>
+              <a:rPr lang="ru-RU" sz="300" dirty="0"/>
+              <a:t>(1937. ЗАКОН О ПРИМИРЕНИИ В ПРОМЫШЛЕННОСТИ [ПОПРАВКА] № 36.Это вместе с Законом о заработной плате того же года «применяло правило равной оплаты за равный труд на всех уровнях. Ни одному агентству по установлению заработной платы не разрешалось дискриминировать по признаку расы или цвета кожи. То, что казалось редким примером щедрости, на самом деле представляло собой грубую дискриминацию. Так как это не позволяло африканцам и цветным подрезаться, и это был единственный способ, с помощью которого они могли компенсировать предрассудки и отсутствие навыков» (</a:t>
+            </a:r>
+            <a:r>
+              <a:rPr lang="ru-RU" sz="300" dirty="0" err="1"/>
+              <a:t>Simons</a:t>
+            </a:r>
+            <a:r>
+              <a:rPr lang="ru-RU" sz="300" dirty="0"/>
+              <a:t> &amp; </a:t>
+            </a:r>
+            <a:r>
+              <a:rPr lang="ru-RU" sz="300" dirty="0" err="1"/>
+              <a:t>Simons</a:t>
+            </a:r>
+            <a:r>
+              <a:rPr lang="ru-RU" sz="300" dirty="0"/>
+              <a:t> 1969: 515).)</a:t>
+            </a:r>
+            <a:endParaRPr lang="ru-RU" sz="800" dirty="0"/>
+          </a:p>
+        </p:txBody>
+      </p:sp>
+      <p:sp>
+        <p:nvSpPr>
+          <p:cNvPr id="418" name="Прямоугольник 417">
+            <a:extLst>
+              <a:ext uri="{FF2B5EF4-FFF2-40B4-BE49-F238E27FC236}">
+                <a16:creationId xmlns:a16="http://schemas.microsoft.com/office/drawing/2014/main" id="{CCF4112B-78CF-44C9-BFC8-E5AE5800A998}"/>
+              </a:ext>
+            </a:extLst>
+          </p:cNvPr>
+          <p:cNvSpPr/>
+          <p:nvPr/>
+        </p:nvSpPr>
+        <p:spPr>
+          <a:xfrm>
+            <a:off x="34633008" y="26697908"/>
+            <a:ext cx="2115918" cy="1080000"/>
+          </a:xfrm>
+          <a:prstGeom prst="rect">
+            <a:avLst/>
+          </a:prstGeom>
+          <a:ln w="28575"/>
+        </p:spPr>
+        <p:style>
+          <a:lnRef idx="2">
+            <a:schemeClr val="accent1"/>
+          </a:lnRef>
+          <a:fillRef idx="1">
+            <a:schemeClr val="lt1"/>
+          </a:fillRef>
+          <a:effectRef idx="0">
+            <a:schemeClr val="accent1"/>
+          </a:effectRef>
+          <a:fontRef idx="minor">
+            <a:schemeClr val="dk1"/>
+          </a:fontRef>
+        </p:style>
+        <p:txBody>
+          <a:bodyPr lIns="124733" tIns="62367" rIns="124733" bIns="62367" rtlCol="0" anchor="ctr"/>
+          <a:lstStyle/>
+          <a:p>
+            <a:pPr algn="ctr"/>
+            <a:r>
+              <a:rPr lang="ru-RU" sz="1400" dirty="0"/>
+              <a:t>Закон о маркетинге</a:t>
+            </a:r>
+            <a:r>
+              <a:rPr lang="ru-RU" sz="500" dirty="0"/>
+              <a:t>(1937. ЗАКОН О </a:t>
+            </a:r>
+            <a:r>
+              <a:rPr lang="ru-RU" sz="500" dirty="0" err="1"/>
+              <a:t>МАРКЕТИНГЕ.Это</a:t>
+            </a:r>
+            <a:r>
+              <a:rPr lang="ru-RU" sz="500" dirty="0"/>
+              <a:t> «устанавливало контроль над ценами на сельскую продукцию, искусственно удерживая доходы сельских жителей на уровне, соизмеримом с доходами городских производителей» (</a:t>
+            </a:r>
+            <a:r>
+              <a:rPr lang="ru-RU" sz="500" dirty="0" err="1"/>
+              <a:t>Worden</a:t>
+            </a:r>
+            <a:r>
+              <a:rPr lang="ru-RU" sz="500" dirty="0"/>
+              <a:t> 1994: 58). Советы по контролю были созданы ранее, но Закон о маркетинге регулировал систему как таковую. Советы «будут работать с кооперативами белых фермеров как с единственными покупателями ряда товаров. К 1950 г. более 90% белых фермеров принадлежали по крайней мере к одному кооперативу» (</a:t>
+            </a:r>
+            <a:r>
+              <a:rPr lang="ru-RU" sz="500" dirty="0" err="1"/>
+              <a:t>Beinart</a:t>
+            </a:r>
+            <a:r>
+              <a:rPr lang="ru-RU" sz="500" dirty="0"/>
+              <a:t> 1994: 113). См. также ЗАКОН ОБ ЭРОЗИИ ПОЧВ 1932 г.)</a:t>
+            </a:r>
+            <a:endParaRPr lang="ru-RU" sz="800" dirty="0"/>
+          </a:p>
+        </p:txBody>
+      </p:sp>
+      <p:sp>
+        <p:nvSpPr>
+          <p:cNvPr id="419" name="Прямоугольник 418">
+            <a:extLst>
+              <a:ext uri="{FF2B5EF4-FFF2-40B4-BE49-F238E27FC236}">
+                <a16:creationId xmlns:a16="http://schemas.microsoft.com/office/drawing/2014/main" id="{97EDE762-91A1-4BD2-B3B0-16CF467752B1}"/>
+              </a:ext>
+            </a:extLst>
+          </p:cNvPr>
+          <p:cNvSpPr/>
+          <p:nvPr/>
+        </p:nvSpPr>
+        <p:spPr>
+          <a:xfrm>
+            <a:off x="19877236" y="28148838"/>
+            <a:ext cx="2115918" cy="1080000"/>
+          </a:xfrm>
+          <a:prstGeom prst="rect">
+            <a:avLst/>
+          </a:prstGeom>
+          <a:ln w="28575"/>
+        </p:spPr>
+        <p:style>
+          <a:lnRef idx="2">
+            <a:schemeClr val="accent1"/>
+          </a:lnRef>
+          <a:fillRef idx="1">
+            <a:schemeClr val="lt1"/>
+          </a:fillRef>
+          <a:effectRef idx="0">
+            <a:schemeClr val="accent1"/>
+          </a:effectRef>
+          <a:fontRef idx="minor">
+            <a:schemeClr val="dk1"/>
+          </a:fontRef>
+        </p:style>
+        <p:txBody>
+          <a:bodyPr lIns="124733" tIns="62367" rIns="124733" bIns="62367" rtlCol="0" anchor="ctr"/>
+          <a:lstStyle/>
+          <a:p>
+            <a:pPr algn="ctr"/>
+            <a:r>
+              <a:rPr lang="ru-RU" sz="1400" dirty="0"/>
+              <a:t>Постройка трансконтинентальной железной дороги в Африке </a:t>
+            </a:r>
+            <a:r>
+              <a:rPr lang="ru-RU" sz="300" dirty="0"/>
+              <a:t>(Железная дорога Кейптаун — Каир — незавершённый проект трансконтинентальной железной дороги, пересекающей Африку с юга на север. План был инициирован в конце XIX века </a:t>
+            </a:r>
+            <a:r>
+              <a:rPr lang="ru-RU" sz="300" dirty="0" err="1"/>
+              <a:t>Сесилом</a:t>
+            </a:r>
+            <a:r>
+              <a:rPr lang="ru-RU" sz="300" dirty="0"/>
+              <a:t> Джоном </a:t>
+            </a:r>
+            <a:r>
+              <a:rPr lang="ru-RU" sz="300" dirty="0" err="1"/>
+              <a:t>Родсом</a:t>
+            </a:r>
+            <a:r>
+              <a:rPr lang="ru-RU" sz="300" dirty="0"/>
+              <a:t> с целью соединить смежные владения Британской империи непрерывной транспортной линией от Кейптауна (Южная Африка) до Каира (Египет). Большинство участков введены в эксплуатацию, но большая часть между Суданом и Угандой так и не была построена. Имеются два разрыва: Асуан (Египет) - Вади-</a:t>
+            </a:r>
+            <a:r>
+              <a:rPr lang="ru-RU" sz="300" dirty="0" err="1"/>
+              <a:t>Халфа</a:t>
+            </a:r>
+            <a:r>
+              <a:rPr lang="ru-RU" sz="300" dirty="0"/>
+              <a:t> (Судан) и </a:t>
+            </a:r>
+            <a:r>
+              <a:rPr lang="ru-RU" sz="300" dirty="0" err="1"/>
+              <a:t>Вау</a:t>
+            </a:r>
+            <a:r>
+              <a:rPr lang="ru-RU" sz="300" dirty="0"/>
+              <a:t> (Южный Судан) - Кампала (Уганда). На обоих участках запланировано строительство железнодорожных линий. Приблизительно к 2050 году движение от Каира до Кейптауна на поезде станет возможно.)</a:t>
+            </a:r>
+            <a:endParaRPr lang="ru-RU" sz="800" dirty="0"/>
+          </a:p>
+        </p:txBody>
+      </p:sp>
+      <p:sp>
+        <p:nvSpPr>
+          <p:cNvPr id="420" name="Прямоугольник 419">
+            <a:extLst>
+              <a:ext uri="{FF2B5EF4-FFF2-40B4-BE49-F238E27FC236}">
+                <a16:creationId xmlns:a16="http://schemas.microsoft.com/office/drawing/2014/main" id="{026787F2-46EB-48E7-8A00-39DBCA329709}"/>
+              </a:ext>
+            </a:extLst>
+          </p:cNvPr>
+          <p:cNvSpPr/>
+          <p:nvPr/>
+        </p:nvSpPr>
+        <p:spPr>
+          <a:xfrm>
+            <a:off x="18646783" y="26715768"/>
+            <a:ext cx="2115918" cy="1080000"/>
+          </a:xfrm>
+          <a:prstGeom prst="rect">
+            <a:avLst/>
+          </a:prstGeom>
+          <a:ln w="28575"/>
+        </p:spPr>
+        <p:style>
+          <a:lnRef idx="2">
+            <a:schemeClr val="accent1"/>
+          </a:lnRef>
+          <a:fillRef idx="1">
+            <a:schemeClr val="lt1"/>
+          </a:fillRef>
+          <a:effectRef idx="0">
+            <a:schemeClr val="accent1"/>
+          </a:effectRef>
+          <a:fontRef idx="minor">
+            <a:schemeClr val="dk1"/>
+          </a:fontRef>
+        </p:style>
+        <p:txBody>
+          <a:bodyPr lIns="124733" tIns="62367" rIns="124733" bIns="62367" rtlCol="0" anchor="ctr"/>
+          <a:lstStyle/>
+          <a:p>
+            <a:pPr algn="ctr"/>
+            <a:r>
+              <a:rPr lang="ru-RU" sz="1400" dirty="0"/>
+              <a:t>Внутренние железные дороги</a:t>
+            </a:r>
+            <a:endParaRPr lang="ru-RU" sz="800" dirty="0"/>
+          </a:p>
+        </p:txBody>
+      </p:sp>
+      <p:sp>
+        <p:nvSpPr>
+          <p:cNvPr id="421" name="Прямоугольник 420">
+            <a:extLst>
+              <a:ext uri="{FF2B5EF4-FFF2-40B4-BE49-F238E27FC236}">
+                <a16:creationId xmlns:a16="http://schemas.microsoft.com/office/drawing/2014/main" id="{F99920BC-5BD7-4AA3-BB90-FD60CF3820C9}"/>
+              </a:ext>
+            </a:extLst>
+          </p:cNvPr>
+          <p:cNvSpPr/>
+          <p:nvPr/>
+        </p:nvSpPr>
+        <p:spPr>
+          <a:xfrm>
+            <a:off x="21104388" y="26706577"/>
+            <a:ext cx="2115918" cy="1080000"/>
+          </a:xfrm>
+          <a:prstGeom prst="rect">
+            <a:avLst/>
+          </a:prstGeom>
+          <a:ln w="28575"/>
+        </p:spPr>
+        <p:style>
+          <a:lnRef idx="2">
+            <a:schemeClr val="accent1"/>
+          </a:lnRef>
+          <a:fillRef idx="1">
+            <a:schemeClr val="lt1"/>
+          </a:fillRef>
+          <a:effectRef idx="0">
+            <a:schemeClr val="accent1"/>
+          </a:effectRef>
+          <a:fontRef idx="minor">
+            <a:schemeClr val="dk1"/>
+          </a:fontRef>
+        </p:style>
+        <p:txBody>
+          <a:bodyPr lIns="124733" tIns="62367" rIns="124733" bIns="62367" rtlCol="0" anchor="ctr"/>
+          <a:lstStyle/>
+          <a:p>
+            <a:pPr algn="ctr"/>
+            <a:r>
+              <a:rPr lang="ru-RU" sz="1400" dirty="0"/>
+              <a:t>Трансвааль –центр железных дорог</a:t>
+            </a:r>
+            <a:endParaRPr lang="ru-RU" sz="800" dirty="0"/>
+          </a:p>
+        </p:txBody>
+      </p:sp>
+      <p:sp>
+        <p:nvSpPr>
+          <p:cNvPr id="422" name="Прямоугольник 421">
+            <a:extLst>
+              <a:ext uri="{FF2B5EF4-FFF2-40B4-BE49-F238E27FC236}">
+                <a16:creationId xmlns:a16="http://schemas.microsoft.com/office/drawing/2014/main" id="{C9A6598D-6EBA-41F5-A086-7422F7D1CBBC}"/>
+              </a:ext>
+            </a:extLst>
+          </p:cNvPr>
+          <p:cNvSpPr/>
+          <p:nvPr/>
+        </p:nvSpPr>
+        <p:spPr>
+          <a:xfrm>
+            <a:off x="23559833" y="25289048"/>
+            <a:ext cx="2115918" cy="1080000"/>
+          </a:xfrm>
+          <a:prstGeom prst="rect">
+            <a:avLst/>
+          </a:prstGeom>
+          <a:ln w="28575"/>
+        </p:spPr>
+        <p:style>
+          <a:lnRef idx="2">
+            <a:schemeClr val="accent1"/>
+          </a:lnRef>
+          <a:fillRef idx="1">
+            <a:schemeClr val="lt1"/>
+          </a:fillRef>
+          <a:effectRef idx="0">
+            <a:schemeClr val="accent1"/>
+          </a:effectRef>
+          <a:fontRef idx="minor">
+            <a:schemeClr val="dk1"/>
+          </a:fontRef>
+        </p:style>
+        <p:txBody>
+          <a:bodyPr lIns="124733" tIns="62367" rIns="124733" bIns="62367" rtlCol="0" anchor="ctr"/>
+          <a:lstStyle/>
+          <a:p>
+            <a:pPr algn="ctr"/>
+            <a:r>
+              <a:rPr lang="ru-RU" sz="1400" dirty="0"/>
+              <a:t>Запустить электростанцию Столовой бухты (1936) </a:t>
+            </a:r>
+            <a:r>
+              <a:rPr lang="ru-RU" sz="1000" dirty="0"/>
+              <a:t>(1936 г. - построены Георгиевский собор и электростанция Столовой бухты)</a:t>
+            </a:r>
+            <a:endParaRPr lang="ru-RU" sz="800" dirty="0"/>
+          </a:p>
+        </p:txBody>
+      </p:sp>
+      <p:cxnSp>
+        <p:nvCxnSpPr>
+          <p:cNvPr id="425" name="Shape 248">
+            <a:extLst>
+              <a:ext uri="{FF2B5EF4-FFF2-40B4-BE49-F238E27FC236}">
+                <a16:creationId xmlns:a16="http://schemas.microsoft.com/office/drawing/2014/main" id="{1C0E1EDA-6112-449B-8D45-E7C72731CCF7}"/>
+              </a:ext>
+            </a:extLst>
+          </p:cNvPr>
+          <p:cNvCxnSpPr>
+            <a:cxnSpLocks/>
+            <a:stCxn id="408" idx="2"/>
+            <a:endCxn id="412" idx="0"/>
+          </p:cNvCxnSpPr>
+          <p:nvPr/>
+        </p:nvCxnSpPr>
+        <p:spPr>
+          <a:xfrm rot="5400000">
+            <a:off x="15851868" y="23887001"/>
+            <a:ext cx="334215" cy="2457178"/>
+          </a:xfrm>
+          <a:prstGeom prst="bentConnector3">
+            <a:avLst>
+              <a:gd name="adj1" fmla="val 50000"/>
+            </a:avLst>
+          </a:prstGeom>
+          <a:ln w="28575">
+            <a:tailEnd type="arrow"/>
+          </a:ln>
+        </p:spPr>
+        <p:style>
+          <a:lnRef idx="1">
+            <a:schemeClr val="accent1"/>
+          </a:lnRef>
+          <a:fillRef idx="0">
+            <a:schemeClr val="accent1"/>
+          </a:fillRef>
+          <a:effectRef idx="0">
+            <a:schemeClr val="accent1"/>
+          </a:effectRef>
+          <a:fontRef idx="minor">
+            <a:schemeClr val="tx1"/>
+          </a:fontRef>
+        </p:style>
+      </p:cxnSp>
+      <p:cxnSp>
+        <p:nvCxnSpPr>
+          <p:cNvPr id="428" name="Shape 248">
+            <a:extLst>
+              <a:ext uri="{FF2B5EF4-FFF2-40B4-BE49-F238E27FC236}">
+                <a16:creationId xmlns:a16="http://schemas.microsoft.com/office/drawing/2014/main" id="{A1569A00-87C6-4ACC-9C9F-5AE7DDFE889E}"/>
+              </a:ext>
+            </a:extLst>
+          </p:cNvPr>
+          <p:cNvCxnSpPr>
+            <a:cxnSpLocks/>
+            <a:stCxn id="408" idx="2"/>
+            <a:endCxn id="409" idx="0"/>
+          </p:cNvCxnSpPr>
+          <p:nvPr/>
+        </p:nvCxnSpPr>
+        <p:spPr>
+          <a:xfrm rot="16200000" flipH="1">
+            <a:off x="18305871" y="23890176"/>
+            <a:ext cx="340565" cy="2457178"/>
+          </a:xfrm>
+          <a:prstGeom prst="bentConnector3">
+            <a:avLst>
+              <a:gd name="adj1" fmla="val 50000"/>
+            </a:avLst>
+          </a:prstGeom>
+          <a:ln w="28575">
+            <a:tailEnd type="arrow"/>
+          </a:ln>
+        </p:spPr>
+        <p:style>
+          <a:lnRef idx="1">
+            <a:schemeClr val="accent1"/>
+          </a:lnRef>
+          <a:fillRef idx="0">
+            <a:schemeClr val="accent1"/>
+          </a:fillRef>
+          <a:effectRef idx="0">
+            <a:schemeClr val="accent1"/>
+          </a:effectRef>
+          <a:fontRef idx="minor">
+            <a:schemeClr val="tx1"/>
+          </a:fontRef>
+        </p:style>
+      </p:cxnSp>
+      <p:cxnSp>
+        <p:nvCxnSpPr>
+          <p:cNvPr id="431" name="Shape 248">
+            <a:extLst>
+              <a:ext uri="{FF2B5EF4-FFF2-40B4-BE49-F238E27FC236}">
+                <a16:creationId xmlns:a16="http://schemas.microsoft.com/office/drawing/2014/main" id="{56649A38-32E3-4575-AD86-B79539030BD1}"/>
+              </a:ext>
+            </a:extLst>
+          </p:cNvPr>
+          <p:cNvCxnSpPr>
+            <a:cxnSpLocks/>
+            <a:stCxn id="291" idx="2"/>
+            <a:endCxn id="293" idx="0"/>
+          </p:cNvCxnSpPr>
+          <p:nvPr/>
+        </p:nvCxnSpPr>
+        <p:spPr>
+          <a:xfrm rot="5400000">
+            <a:off x="23217923" y="23889179"/>
+            <a:ext cx="343866" cy="2455872"/>
+          </a:xfrm>
+          <a:prstGeom prst="bentConnector3">
+            <a:avLst>
+              <a:gd name="adj1" fmla="val 50000"/>
+            </a:avLst>
+          </a:prstGeom>
+          <a:ln w="28575">
+            <a:tailEnd type="arrow"/>
+          </a:ln>
+        </p:spPr>
+        <p:style>
+          <a:lnRef idx="1">
+            <a:schemeClr val="accent1"/>
+          </a:lnRef>
+          <a:fillRef idx="0">
+            <a:schemeClr val="accent1"/>
+          </a:fillRef>
+          <a:effectRef idx="0">
+            <a:schemeClr val="accent1"/>
+          </a:effectRef>
+          <a:fontRef idx="minor">
+            <a:schemeClr val="tx1"/>
+          </a:fontRef>
+        </p:style>
+      </p:cxnSp>
+      <p:cxnSp>
+        <p:nvCxnSpPr>
+          <p:cNvPr id="434" name="Shape 248">
+            <a:extLst>
+              <a:ext uri="{FF2B5EF4-FFF2-40B4-BE49-F238E27FC236}">
+                <a16:creationId xmlns:a16="http://schemas.microsoft.com/office/drawing/2014/main" id="{4393AA00-4777-49B6-A614-A445AD9E48FA}"/>
+              </a:ext>
+            </a:extLst>
+          </p:cNvPr>
+          <p:cNvCxnSpPr>
+            <a:cxnSpLocks/>
+            <a:stCxn id="293" idx="2"/>
+            <a:endCxn id="420" idx="0"/>
+          </p:cNvCxnSpPr>
+          <p:nvPr/>
+        </p:nvCxnSpPr>
+        <p:spPr>
+          <a:xfrm rot="5400000">
+            <a:off x="20759971" y="25313819"/>
+            <a:ext cx="346720" cy="2457178"/>
+          </a:xfrm>
+          <a:prstGeom prst="bentConnector3">
+            <a:avLst>
+              <a:gd name="adj1" fmla="val 50000"/>
+            </a:avLst>
+          </a:prstGeom>
+          <a:ln w="28575">
+            <a:tailEnd type="arrow"/>
+          </a:ln>
+        </p:spPr>
+        <p:style>
+          <a:lnRef idx="1">
+            <a:schemeClr val="accent1"/>
+          </a:lnRef>
+          <a:fillRef idx="0">
+            <a:schemeClr val="accent1"/>
+          </a:fillRef>
+          <a:effectRef idx="0">
+            <a:schemeClr val="accent1"/>
+          </a:effectRef>
+          <a:fontRef idx="minor">
+            <a:schemeClr val="tx1"/>
+          </a:fontRef>
+        </p:style>
+      </p:cxnSp>
+      <p:cxnSp>
+        <p:nvCxnSpPr>
+          <p:cNvPr id="437" name="Shape 248">
+            <a:extLst>
+              <a:ext uri="{FF2B5EF4-FFF2-40B4-BE49-F238E27FC236}">
+                <a16:creationId xmlns:a16="http://schemas.microsoft.com/office/drawing/2014/main" id="{95CC49D0-1574-4AE3-9C68-91FF8A89FF0B}"/>
+              </a:ext>
+            </a:extLst>
+          </p:cNvPr>
+          <p:cNvCxnSpPr>
+            <a:cxnSpLocks/>
+            <a:stCxn id="420" idx="2"/>
+            <a:endCxn id="419" idx="0"/>
+          </p:cNvCxnSpPr>
+          <p:nvPr/>
+        </p:nvCxnSpPr>
+        <p:spPr>
+          <a:xfrm rot="16200000" flipH="1">
+            <a:off x="20143433" y="27357076"/>
+            <a:ext cx="353070" cy="1230453"/>
+          </a:xfrm>
+          <a:prstGeom prst="bentConnector3">
+            <a:avLst>
+              <a:gd name="adj1" fmla="val 50000"/>
+            </a:avLst>
+          </a:prstGeom>
+          <a:ln w="28575">
+            <a:tailEnd type="arrow"/>
+          </a:ln>
+        </p:spPr>
+        <p:style>
+          <a:lnRef idx="1">
+            <a:schemeClr val="accent1"/>
+          </a:lnRef>
+          <a:fillRef idx="0">
+            <a:schemeClr val="accent1"/>
+          </a:fillRef>
+          <a:effectRef idx="0">
+            <a:schemeClr val="accent1"/>
+          </a:effectRef>
+          <a:fontRef idx="minor">
+            <a:schemeClr val="tx1"/>
+          </a:fontRef>
+        </p:style>
+      </p:cxnSp>
+      <p:cxnSp>
+        <p:nvCxnSpPr>
+          <p:cNvPr id="440" name="Shape 248">
+            <a:extLst>
+              <a:ext uri="{FF2B5EF4-FFF2-40B4-BE49-F238E27FC236}">
+                <a16:creationId xmlns:a16="http://schemas.microsoft.com/office/drawing/2014/main" id="{CA5992D2-100E-4BF6-8084-8A327F4990F1}"/>
+              </a:ext>
+            </a:extLst>
+          </p:cNvPr>
+          <p:cNvCxnSpPr>
+            <a:cxnSpLocks/>
+            <a:stCxn id="421" idx="2"/>
+            <a:endCxn id="419" idx="0"/>
+          </p:cNvCxnSpPr>
+          <p:nvPr/>
+        </p:nvCxnSpPr>
+        <p:spPr>
+          <a:xfrm rot="5400000">
+            <a:off x="21367641" y="27354131"/>
+            <a:ext cx="362261" cy="1227152"/>
+          </a:xfrm>
+          <a:prstGeom prst="bentConnector3">
+            <a:avLst>
+              <a:gd name="adj1" fmla="val 50000"/>
+            </a:avLst>
+          </a:prstGeom>
+          <a:ln w="28575">
+            <a:tailEnd type="arrow"/>
+          </a:ln>
+        </p:spPr>
+        <p:style>
+          <a:lnRef idx="1">
+            <a:schemeClr val="accent1"/>
+          </a:lnRef>
+          <a:fillRef idx="0">
+            <a:schemeClr val="accent1"/>
+          </a:fillRef>
+          <a:effectRef idx="0">
+            <a:schemeClr val="accent1"/>
+          </a:effectRef>
+          <a:fontRef idx="minor">
+            <a:schemeClr val="tx1"/>
+          </a:fontRef>
+        </p:style>
+      </p:cxnSp>
+      <p:cxnSp>
+        <p:nvCxnSpPr>
+          <p:cNvPr id="443" name="Shape 248">
+            <a:extLst>
+              <a:ext uri="{FF2B5EF4-FFF2-40B4-BE49-F238E27FC236}">
+                <a16:creationId xmlns:a16="http://schemas.microsoft.com/office/drawing/2014/main" id="{75DBBB45-4351-426F-9388-2BEF9986DFAD}"/>
+              </a:ext>
+            </a:extLst>
+          </p:cNvPr>
+          <p:cNvCxnSpPr>
+            <a:cxnSpLocks/>
+            <a:stCxn id="408" idx="2"/>
+            <a:endCxn id="411" idx="0"/>
+          </p:cNvCxnSpPr>
+          <p:nvPr/>
+        </p:nvCxnSpPr>
+        <p:spPr>
+          <a:xfrm rot="5400000">
+            <a:off x="15025772" y="25927045"/>
+            <a:ext cx="3200355" cy="1243230"/>
+          </a:xfrm>
+          <a:prstGeom prst="bentConnector3">
+            <a:avLst>
+              <a:gd name="adj1" fmla="val 5263"/>
+            </a:avLst>
+          </a:prstGeom>
+          <a:ln w="28575">
+            <a:tailEnd type="arrow"/>
+          </a:ln>
+        </p:spPr>
+        <p:style>
+          <a:lnRef idx="1">
+            <a:schemeClr val="accent1"/>
+          </a:lnRef>
+          <a:fillRef idx="0">
+            <a:schemeClr val="accent1"/>
+          </a:fillRef>
+          <a:effectRef idx="0">
+            <a:schemeClr val="accent1"/>
+          </a:effectRef>
+          <a:fontRef idx="minor">
+            <a:schemeClr val="tx1"/>
+          </a:fontRef>
+        </p:style>
+      </p:cxnSp>
+      <p:cxnSp>
+        <p:nvCxnSpPr>
+          <p:cNvPr id="448" name="Прямая со стрелкой 447">
+            <a:extLst>
+              <a:ext uri="{FF2B5EF4-FFF2-40B4-BE49-F238E27FC236}">
+                <a16:creationId xmlns:a16="http://schemas.microsoft.com/office/drawing/2014/main" id="{D054572B-74CE-49FB-B23F-137ACAB3AA29}"/>
+              </a:ext>
+            </a:extLst>
+          </p:cNvPr>
+          <p:cNvCxnSpPr>
+            <a:cxnSpLocks/>
+            <a:stCxn id="412" idx="2"/>
+            <a:endCxn id="407" idx="0"/>
+          </p:cNvCxnSpPr>
+          <p:nvPr/>
+        </p:nvCxnSpPr>
+        <p:spPr>
+          <a:xfrm flipH="1">
+            <a:off x="14789959" y="26362698"/>
+            <a:ext cx="427" cy="341415"/>
+          </a:xfrm>
+          <a:prstGeom prst="straightConnector1">
+            <a:avLst/>
+          </a:prstGeom>
+          <a:ln w="28575">
+            <a:tailEnd type="arrow"/>
+          </a:ln>
+        </p:spPr>
+        <p:style>
+          <a:lnRef idx="1">
+            <a:schemeClr val="accent1"/>
+          </a:lnRef>
+          <a:fillRef idx="0">
+            <a:schemeClr val="accent1"/>
+          </a:fillRef>
+          <a:effectRef idx="0">
+            <a:schemeClr val="accent1"/>
+          </a:effectRef>
+          <a:fontRef idx="minor">
+            <a:schemeClr val="tx1"/>
+          </a:fontRef>
+        </p:style>
+      </p:cxnSp>
+      <p:cxnSp>
+        <p:nvCxnSpPr>
+          <p:cNvPr id="451" name="Прямая со стрелкой 450">
+            <a:extLst>
+              <a:ext uri="{FF2B5EF4-FFF2-40B4-BE49-F238E27FC236}">
+                <a16:creationId xmlns:a16="http://schemas.microsoft.com/office/drawing/2014/main" id="{2C43F354-059D-4DB0-8721-719221C10B3F}"/>
+              </a:ext>
+            </a:extLst>
+          </p:cNvPr>
+          <p:cNvCxnSpPr>
+            <a:cxnSpLocks/>
+            <a:stCxn id="322" idx="2"/>
+            <a:endCxn id="410" idx="0"/>
+          </p:cNvCxnSpPr>
+          <p:nvPr/>
+        </p:nvCxnSpPr>
+        <p:spPr>
+          <a:xfrm>
+            <a:off x="17247564" y="26369048"/>
+            <a:ext cx="0" cy="346720"/>
+          </a:xfrm>
+          <a:prstGeom prst="straightConnector1">
+            <a:avLst/>
+          </a:prstGeom>
+          <a:ln w="28575">
+            <a:tailEnd type="arrow"/>
+          </a:ln>
+        </p:spPr>
+        <p:style>
+          <a:lnRef idx="1">
+            <a:schemeClr val="accent1"/>
+          </a:lnRef>
+          <a:fillRef idx="0">
+            <a:schemeClr val="accent1"/>
+          </a:fillRef>
+          <a:effectRef idx="0">
+            <a:schemeClr val="accent1"/>
+          </a:effectRef>
+          <a:fontRef idx="minor">
+            <a:schemeClr val="tx1"/>
+          </a:fontRef>
+        </p:style>
+      </p:cxnSp>
+      <p:cxnSp>
+        <p:nvCxnSpPr>
+          <p:cNvPr id="454" name="Прямая со стрелкой 453">
+            <a:extLst>
+              <a:ext uri="{FF2B5EF4-FFF2-40B4-BE49-F238E27FC236}">
+                <a16:creationId xmlns:a16="http://schemas.microsoft.com/office/drawing/2014/main" id="{B6C01A1F-50D4-4C7F-90CA-A7766887112D}"/>
+              </a:ext>
+            </a:extLst>
+          </p:cNvPr>
+          <p:cNvCxnSpPr>
+            <a:cxnSpLocks/>
+            <a:stCxn id="409" idx="2"/>
+            <a:endCxn id="420" idx="0"/>
+          </p:cNvCxnSpPr>
+          <p:nvPr/>
+        </p:nvCxnSpPr>
+        <p:spPr>
+          <a:xfrm>
+            <a:off x="19704742" y="26369048"/>
+            <a:ext cx="0" cy="346720"/>
+          </a:xfrm>
+          <a:prstGeom prst="straightConnector1">
+            <a:avLst/>
+          </a:prstGeom>
+          <a:ln w="28575">
+            <a:tailEnd type="arrow"/>
+          </a:ln>
+        </p:spPr>
+        <p:style>
+          <a:lnRef idx="1">
+            <a:schemeClr val="accent1"/>
+          </a:lnRef>
+          <a:fillRef idx="0">
+            <a:schemeClr val="accent1"/>
+          </a:fillRef>
+          <a:effectRef idx="0">
+            <a:schemeClr val="accent1"/>
+          </a:effectRef>
+          <a:fontRef idx="minor">
+            <a:schemeClr val="tx1"/>
+          </a:fontRef>
+        </p:style>
+      </p:cxnSp>
+      <p:cxnSp>
+        <p:nvCxnSpPr>
+          <p:cNvPr id="457" name="Shape 248">
+            <a:extLst>
+              <a:ext uri="{FF2B5EF4-FFF2-40B4-BE49-F238E27FC236}">
+                <a16:creationId xmlns:a16="http://schemas.microsoft.com/office/drawing/2014/main" id="{585F9789-D5B6-4751-945B-516EC2C58F23}"/>
+              </a:ext>
+            </a:extLst>
+          </p:cNvPr>
+          <p:cNvCxnSpPr>
+            <a:cxnSpLocks/>
+            <a:stCxn id="409" idx="2"/>
+            <a:endCxn id="421" idx="0"/>
+          </p:cNvCxnSpPr>
+          <p:nvPr/>
+        </p:nvCxnSpPr>
+        <p:spPr>
+          <a:xfrm rot="16200000" flipH="1">
+            <a:off x="20764780" y="25309009"/>
+            <a:ext cx="337529" cy="2457605"/>
+          </a:xfrm>
+          <a:prstGeom prst="bentConnector3">
+            <a:avLst>
+              <a:gd name="adj1" fmla="val 50000"/>
+            </a:avLst>
+          </a:prstGeom>
+          <a:ln w="28575">
+            <a:tailEnd type="arrow"/>
+          </a:ln>
+        </p:spPr>
+        <p:style>
+          <a:lnRef idx="1">
+            <a:schemeClr val="accent1"/>
+          </a:lnRef>
+          <a:fillRef idx="0">
+            <a:schemeClr val="accent1"/>
+          </a:fillRef>
+          <a:effectRef idx="0">
+            <a:schemeClr val="accent1"/>
+          </a:effectRef>
+          <a:fontRef idx="minor">
+            <a:schemeClr val="tx1"/>
+          </a:fontRef>
+        </p:style>
+      </p:cxnSp>
+      <p:cxnSp>
+        <p:nvCxnSpPr>
+          <p:cNvPr id="460" name="Прямая со стрелкой 459">
+            <a:extLst>
+              <a:ext uri="{FF2B5EF4-FFF2-40B4-BE49-F238E27FC236}">
+                <a16:creationId xmlns:a16="http://schemas.microsoft.com/office/drawing/2014/main" id="{08C12D7C-36D5-4E12-9188-111687479AB6}"/>
+              </a:ext>
+            </a:extLst>
+          </p:cNvPr>
+          <p:cNvCxnSpPr>
+            <a:cxnSpLocks/>
+            <a:stCxn id="291" idx="2"/>
+            <a:endCxn id="422" idx="0"/>
+          </p:cNvCxnSpPr>
+          <p:nvPr/>
+        </p:nvCxnSpPr>
+        <p:spPr>
+          <a:xfrm>
+            <a:off x="24617792" y="24945182"/>
+            <a:ext cx="0" cy="343866"/>
+          </a:xfrm>
+          <a:prstGeom prst="straightConnector1">
+            <a:avLst/>
+          </a:prstGeom>
+          <a:ln w="28575">
+            <a:tailEnd type="arrow"/>
+          </a:ln>
+        </p:spPr>
+        <p:style>
+          <a:lnRef idx="1">
+            <a:schemeClr val="accent1"/>
+          </a:lnRef>
+          <a:fillRef idx="0">
+            <a:schemeClr val="accent1"/>
+          </a:fillRef>
+          <a:effectRef idx="0">
+            <a:schemeClr val="accent1"/>
+          </a:effectRef>
+          <a:fontRef idx="minor">
+            <a:schemeClr val="tx1"/>
+          </a:fontRef>
+        </p:style>
+      </p:cxnSp>
+      <p:cxnSp>
+        <p:nvCxnSpPr>
+          <p:cNvPr id="463" name="Прямая со стрелкой 462">
+            <a:extLst>
+              <a:ext uri="{FF2B5EF4-FFF2-40B4-BE49-F238E27FC236}">
+                <a16:creationId xmlns:a16="http://schemas.microsoft.com/office/drawing/2014/main" id="{BE6B48E0-57CB-4905-B3CF-5A9AF18FA3F4}"/>
+              </a:ext>
+            </a:extLst>
+          </p:cNvPr>
+          <p:cNvCxnSpPr>
+            <a:cxnSpLocks/>
+            <a:stCxn id="422" idx="2"/>
+            <a:endCxn id="416" idx="0"/>
+          </p:cNvCxnSpPr>
+          <p:nvPr/>
+        </p:nvCxnSpPr>
+        <p:spPr>
+          <a:xfrm>
+            <a:off x="24617792" y="26369048"/>
+            <a:ext cx="3544" cy="346720"/>
+          </a:xfrm>
+          <a:prstGeom prst="straightConnector1">
+            <a:avLst/>
+          </a:prstGeom>
+          <a:ln w="28575">
+            <a:tailEnd type="arrow"/>
+          </a:ln>
+        </p:spPr>
+        <p:style>
+          <a:lnRef idx="1">
+            <a:schemeClr val="accent1"/>
+          </a:lnRef>
+          <a:fillRef idx="0">
+            <a:schemeClr val="accent1"/>
+          </a:fillRef>
+          <a:effectRef idx="0">
+            <a:schemeClr val="accent1"/>
+          </a:effectRef>
+          <a:fontRef idx="minor">
+            <a:schemeClr val="tx1"/>
+          </a:fontRef>
+        </p:style>
+      </p:cxnSp>
+      <p:cxnSp>
+        <p:nvCxnSpPr>
+          <p:cNvPr id="470" name="Shape 248">
+            <a:extLst>
+              <a:ext uri="{FF2B5EF4-FFF2-40B4-BE49-F238E27FC236}">
+                <a16:creationId xmlns:a16="http://schemas.microsoft.com/office/drawing/2014/main" id="{163D0B73-AD3F-45C1-9871-F265D332646A}"/>
+              </a:ext>
+            </a:extLst>
+          </p:cNvPr>
+          <p:cNvCxnSpPr>
+            <a:cxnSpLocks/>
+            <a:stCxn id="422" idx="2"/>
+            <a:endCxn id="373" idx="0"/>
+          </p:cNvCxnSpPr>
+          <p:nvPr/>
+        </p:nvCxnSpPr>
+        <p:spPr>
+          <a:xfrm rot="16200000" flipH="1">
+            <a:off x="24955833" y="26031007"/>
+            <a:ext cx="1779790" cy="2455872"/>
+          </a:xfrm>
+          <a:prstGeom prst="bentConnector3">
+            <a:avLst>
+              <a:gd name="adj1" fmla="val 8763"/>
+            </a:avLst>
+          </a:prstGeom>
+          <a:ln w="28575">
+            <a:tailEnd type="arrow"/>
+          </a:ln>
+        </p:spPr>
+        <p:style>
+          <a:lnRef idx="1">
+            <a:schemeClr val="accent1"/>
+          </a:lnRef>
+          <a:fillRef idx="0">
+            <a:schemeClr val="accent1"/>
+          </a:fillRef>
+          <a:effectRef idx="0">
+            <a:schemeClr val="accent1"/>
+          </a:effectRef>
+          <a:fontRef idx="minor">
+            <a:schemeClr val="tx1"/>
+          </a:fontRef>
+        </p:style>
+      </p:cxnSp>
+      <p:cxnSp>
+        <p:nvCxnSpPr>
+          <p:cNvPr id="474" name="Shape 248">
+            <a:extLst>
+              <a:ext uri="{FF2B5EF4-FFF2-40B4-BE49-F238E27FC236}">
+                <a16:creationId xmlns:a16="http://schemas.microsoft.com/office/drawing/2014/main" id="{38B97A0C-CF15-45DB-9FD6-EC725FD84812}"/>
+              </a:ext>
+            </a:extLst>
+          </p:cNvPr>
+          <p:cNvCxnSpPr>
+            <a:cxnSpLocks/>
+            <a:stCxn id="417" idx="2"/>
+            <a:endCxn id="373" idx="0"/>
+          </p:cNvCxnSpPr>
+          <p:nvPr/>
+        </p:nvCxnSpPr>
+        <p:spPr>
+          <a:xfrm rot="5400000">
+            <a:off x="27498044" y="27353529"/>
+            <a:ext cx="370930" cy="1219689"/>
+          </a:xfrm>
+          <a:prstGeom prst="bentConnector3">
+            <a:avLst>
+              <a:gd name="adj1" fmla="val 50000"/>
+            </a:avLst>
+          </a:prstGeom>
+          <a:ln w="28575">
+            <a:tailEnd type="arrow"/>
+          </a:ln>
+        </p:spPr>
+        <p:style>
+          <a:lnRef idx="1">
+            <a:schemeClr val="accent1"/>
+          </a:lnRef>
+          <a:fillRef idx="0">
+            <a:schemeClr val="accent1"/>
+          </a:fillRef>
+          <a:effectRef idx="0">
+            <a:schemeClr val="accent1"/>
+          </a:effectRef>
+          <a:fontRef idx="minor">
+            <a:schemeClr val="tx1"/>
+          </a:fontRef>
+        </p:style>
+      </p:cxnSp>
+      <p:cxnSp>
+        <p:nvCxnSpPr>
+          <p:cNvPr id="477" name="Shape 248">
+            <a:extLst>
+              <a:ext uri="{FF2B5EF4-FFF2-40B4-BE49-F238E27FC236}">
+                <a16:creationId xmlns:a16="http://schemas.microsoft.com/office/drawing/2014/main" id="{E43BDC75-E8C3-42B8-B225-CDFD4A24FC1F}"/>
+              </a:ext>
+            </a:extLst>
+          </p:cNvPr>
+          <p:cNvCxnSpPr>
+            <a:cxnSpLocks/>
+            <a:stCxn id="383" idx="2"/>
+            <a:endCxn id="414" idx="0"/>
+          </p:cNvCxnSpPr>
+          <p:nvPr/>
+        </p:nvCxnSpPr>
+        <p:spPr>
+          <a:xfrm rot="5400000">
+            <a:off x="28726746" y="23287647"/>
+            <a:ext cx="348320" cy="3654483"/>
+          </a:xfrm>
+          <a:prstGeom prst="bentConnector3">
+            <a:avLst>
+              <a:gd name="adj1" fmla="val 50000"/>
+            </a:avLst>
+          </a:prstGeom>
+          <a:ln w="28575">
+            <a:tailEnd type="arrow"/>
+          </a:ln>
+        </p:spPr>
+        <p:style>
+          <a:lnRef idx="1">
+            <a:schemeClr val="accent1"/>
+          </a:lnRef>
+          <a:fillRef idx="0">
+            <a:schemeClr val="accent1"/>
+          </a:fillRef>
+          <a:effectRef idx="0">
+            <a:schemeClr val="accent1"/>
+          </a:effectRef>
+          <a:fontRef idx="minor">
+            <a:schemeClr val="tx1"/>
+          </a:fontRef>
+        </p:style>
+      </p:cxnSp>
+      <p:cxnSp>
+        <p:nvCxnSpPr>
+          <p:cNvPr id="480" name="Shape 248">
+            <a:extLst>
+              <a:ext uri="{FF2B5EF4-FFF2-40B4-BE49-F238E27FC236}">
+                <a16:creationId xmlns:a16="http://schemas.microsoft.com/office/drawing/2014/main" id="{87234C00-795E-4185-BB78-B4DFED59D8D5}"/>
+              </a:ext>
+            </a:extLst>
+          </p:cNvPr>
+          <p:cNvCxnSpPr>
+            <a:cxnSpLocks/>
+            <a:stCxn id="383" idx="2"/>
+            <a:endCxn id="384" idx="0"/>
+          </p:cNvCxnSpPr>
+          <p:nvPr/>
+        </p:nvCxnSpPr>
+        <p:spPr>
+          <a:xfrm rot="5400000">
+            <a:off x="29959547" y="24510718"/>
+            <a:ext cx="338590" cy="1198611"/>
+          </a:xfrm>
+          <a:prstGeom prst="bentConnector3">
+            <a:avLst>
+              <a:gd name="adj1" fmla="val 50000"/>
+            </a:avLst>
+          </a:prstGeom>
+          <a:ln w="28575">
+            <a:tailEnd type="arrow"/>
+          </a:ln>
+        </p:spPr>
+        <p:style>
+          <a:lnRef idx="1">
+            <a:schemeClr val="accent1"/>
+          </a:lnRef>
+          <a:fillRef idx="0">
+            <a:schemeClr val="accent1"/>
+          </a:fillRef>
+          <a:effectRef idx="0">
+            <a:schemeClr val="accent1"/>
+          </a:effectRef>
+          <a:fontRef idx="minor">
+            <a:schemeClr val="tx1"/>
+          </a:fontRef>
+        </p:style>
+      </p:cxnSp>
+      <p:cxnSp>
+        <p:nvCxnSpPr>
+          <p:cNvPr id="483" name="Shape 248">
+            <a:extLst>
+              <a:ext uri="{FF2B5EF4-FFF2-40B4-BE49-F238E27FC236}">
+                <a16:creationId xmlns:a16="http://schemas.microsoft.com/office/drawing/2014/main" id="{D4CCABE6-97D4-4105-93E9-32A70EB5ACB6}"/>
+              </a:ext>
+            </a:extLst>
+          </p:cNvPr>
+          <p:cNvCxnSpPr>
+            <a:cxnSpLocks/>
+            <a:stCxn id="383" idx="2"/>
+            <a:endCxn id="385" idx="0"/>
+          </p:cNvCxnSpPr>
+          <p:nvPr/>
+        </p:nvCxnSpPr>
+        <p:spPr>
+          <a:xfrm rot="16200000" flipH="1">
+            <a:off x="31187482" y="24481393"/>
+            <a:ext cx="338590" cy="1257260"/>
+          </a:xfrm>
+          <a:prstGeom prst="bentConnector3">
+            <a:avLst>
+              <a:gd name="adj1" fmla="val 50000"/>
+            </a:avLst>
+          </a:prstGeom>
+          <a:ln w="28575">
+            <a:tailEnd type="arrow"/>
+          </a:ln>
+        </p:spPr>
+        <p:style>
+          <a:lnRef idx="1">
+            <a:schemeClr val="accent1"/>
+          </a:lnRef>
+          <a:fillRef idx="0">
+            <a:schemeClr val="accent1"/>
+          </a:fillRef>
+          <a:effectRef idx="0">
+            <a:schemeClr val="accent1"/>
+          </a:effectRef>
+          <a:fontRef idx="minor">
+            <a:schemeClr val="tx1"/>
+          </a:fontRef>
+        </p:style>
+      </p:cxnSp>
+      <p:cxnSp>
+        <p:nvCxnSpPr>
+          <p:cNvPr id="488" name="Shape 248">
+            <a:extLst>
+              <a:ext uri="{FF2B5EF4-FFF2-40B4-BE49-F238E27FC236}">
+                <a16:creationId xmlns:a16="http://schemas.microsoft.com/office/drawing/2014/main" id="{04406A94-4D68-4E3B-A185-816972AAD50D}"/>
+              </a:ext>
+            </a:extLst>
+          </p:cNvPr>
+          <p:cNvCxnSpPr>
+            <a:cxnSpLocks/>
+            <a:stCxn id="384" idx="2"/>
+            <a:endCxn id="417" idx="0"/>
+          </p:cNvCxnSpPr>
+          <p:nvPr/>
+        </p:nvCxnSpPr>
+        <p:spPr>
+          <a:xfrm rot="5400000">
+            <a:off x="28742150" y="25910522"/>
+            <a:ext cx="338590" cy="1236183"/>
+          </a:xfrm>
+          <a:prstGeom prst="bentConnector3">
+            <a:avLst>
+              <a:gd name="adj1" fmla="val 50000"/>
+            </a:avLst>
+          </a:prstGeom>
+          <a:ln w="28575">
+            <a:prstDash val="dash"/>
+            <a:tailEnd type="arrow"/>
+          </a:ln>
+        </p:spPr>
+        <p:style>
+          <a:lnRef idx="1">
+            <a:schemeClr val="accent1"/>
+          </a:lnRef>
+          <a:fillRef idx="0">
+            <a:schemeClr val="accent1"/>
+          </a:fillRef>
+          <a:effectRef idx="0">
+            <a:schemeClr val="accent1"/>
+          </a:effectRef>
+          <a:fontRef idx="minor">
+            <a:schemeClr val="tx1"/>
+          </a:fontRef>
+        </p:style>
+      </p:cxnSp>
+      <p:cxnSp>
+        <p:nvCxnSpPr>
+          <p:cNvPr id="491" name="Shape 248">
+            <a:extLst>
+              <a:ext uri="{FF2B5EF4-FFF2-40B4-BE49-F238E27FC236}">
+                <a16:creationId xmlns:a16="http://schemas.microsoft.com/office/drawing/2014/main" id="{379DA79B-7B03-4CE3-B5C7-7E9C569C7BFF}"/>
+              </a:ext>
+            </a:extLst>
+          </p:cNvPr>
+          <p:cNvCxnSpPr>
+            <a:cxnSpLocks/>
+            <a:stCxn id="385" idx="2"/>
+            <a:endCxn id="417" idx="0"/>
+          </p:cNvCxnSpPr>
+          <p:nvPr/>
+        </p:nvCxnSpPr>
+        <p:spPr>
+          <a:xfrm rot="5400000">
+            <a:off x="29970085" y="24682586"/>
+            <a:ext cx="338590" cy="3692054"/>
+          </a:xfrm>
+          <a:prstGeom prst="bentConnector3">
+            <a:avLst>
+              <a:gd name="adj1" fmla="val 50000"/>
+            </a:avLst>
+          </a:prstGeom>
+          <a:ln w="28575">
+            <a:prstDash val="dash"/>
+            <a:tailEnd type="arrow"/>
+          </a:ln>
+        </p:spPr>
+        <p:style>
+          <a:lnRef idx="1">
+            <a:schemeClr val="accent1"/>
+          </a:lnRef>
+          <a:fillRef idx="0">
+            <a:schemeClr val="accent1"/>
+          </a:fillRef>
+          <a:effectRef idx="0">
+            <a:schemeClr val="accent1"/>
+          </a:effectRef>
+          <a:fontRef idx="minor">
+            <a:schemeClr val="tx1"/>
+          </a:fontRef>
+        </p:style>
+      </p:cxnSp>
+      <p:cxnSp>
+        <p:nvCxnSpPr>
+          <p:cNvPr id="494" name="Shape 248">
+            <a:extLst>
+              <a:ext uri="{FF2B5EF4-FFF2-40B4-BE49-F238E27FC236}">
+                <a16:creationId xmlns:a16="http://schemas.microsoft.com/office/drawing/2014/main" id="{D41A89F4-AADC-494A-A04C-F120E6B71608}"/>
+              </a:ext>
+            </a:extLst>
+          </p:cNvPr>
+          <p:cNvCxnSpPr>
+            <a:cxnSpLocks/>
+            <a:stCxn id="385" idx="2"/>
+            <a:endCxn id="319" idx="0"/>
+          </p:cNvCxnSpPr>
+          <p:nvPr/>
+        </p:nvCxnSpPr>
+        <p:spPr>
+          <a:xfrm rot="5400000">
+            <a:off x="31187482" y="25899983"/>
+            <a:ext cx="338590" cy="1257260"/>
+          </a:xfrm>
+          <a:prstGeom prst="bentConnector3">
+            <a:avLst>
+              <a:gd name="adj1" fmla="val 50000"/>
+            </a:avLst>
+          </a:prstGeom>
+          <a:ln w="28575">
+            <a:prstDash val="dash"/>
+            <a:tailEnd type="arrow"/>
+          </a:ln>
+        </p:spPr>
+        <p:style>
+          <a:lnRef idx="1">
+            <a:schemeClr val="accent1"/>
+          </a:lnRef>
+          <a:fillRef idx="0">
+            <a:schemeClr val="accent1"/>
+          </a:fillRef>
+          <a:effectRef idx="0">
+            <a:schemeClr val="accent1"/>
+          </a:effectRef>
+          <a:fontRef idx="minor">
+            <a:schemeClr val="tx1"/>
+          </a:fontRef>
+        </p:style>
+      </p:cxnSp>
+      <p:cxnSp>
+        <p:nvCxnSpPr>
+          <p:cNvPr id="497" name="Shape 248">
+            <a:extLst>
+              <a:ext uri="{FF2B5EF4-FFF2-40B4-BE49-F238E27FC236}">
+                <a16:creationId xmlns:a16="http://schemas.microsoft.com/office/drawing/2014/main" id="{3687ACE2-F7C0-4ECB-9022-B8221549BF70}"/>
+              </a:ext>
+            </a:extLst>
+          </p:cNvPr>
+          <p:cNvCxnSpPr>
+            <a:cxnSpLocks/>
+            <a:stCxn id="384" idx="2"/>
+            <a:endCxn id="319" idx="0"/>
+          </p:cNvCxnSpPr>
+          <p:nvPr/>
+        </p:nvCxnSpPr>
+        <p:spPr>
+          <a:xfrm rot="16200000" flipH="1">
+            <a:off x="29959546" y="25929307"/>
+            <a:ext cx="338590" cy="1198611"/>
+          </a:xfrm>
+          <a:prstGeom prst="bentConnector3">
+            <a:avLst>
+              <a:gd name="adj1" fmla="val 50000"/>
+            </a:avLst>
+          </a:prstGeom>
+          <a:ln w="28575">
+            <a:prstDash val="dash"/>
+            <a:tailEnd type="arrow"/>
+          </a:ln>
+        </p:spPr>
+        <p:style>
+          <a:lnRef idx="1">
+            <a:schemeClr val="accent1"/>
+          </a:lnRef>
+          <a:fillRef idx="0">
+            <a:schemeClr val="accent1"/>
+          </a:fillRef>
+          <a:effectRef idx="0">
+            <a:schemeClr val="accent1"/>
+          </a:effectRef>
+          <a:fontRef idx="minor">
+            <a:schemeClr val="tx1"/>
+          </a:fontRef>
+        </p:style>
+      </p:cxnSp>
+      <p:cxnSp>
+        <p:nvCxnSpPr>
+          <p:cNvPr id="500" name="Shape 248">
+            <a:extLst>
+              <a:ext uri="{FF2B5EF4-FFF2-40B4-BE49-F238E27FC236}">
+                <a16:creationId xmlns:a16="http://schemas.microsoft.com/office/drawing/2014/main" id="{592B8110-494B-4B66-B594-90A5E025E9F1}"/>
+              </a:ext>
+            </a:extLst>
+          </p:cNvPr>
+          <p:cNvCxnSpPr>
+            <a:cxnSpLocks/>
+            <a:stCxn id="383" idx="2"/>
+            <a:endCxn id="415" idx="0"/>
+          </p:cNvCxnSpPr>
+          <p:nvPr/>
+        </p:nvCxnSpPr>
+        <p:spPr>
+          <a:xfrm rot="16200000" flipH="1">
+            <a:off x="32415417" y="23253457"/>
+            <a:ext cx="338590" cy="3713131"/>
+          </a:xfrm>
+          <a:prstGeom prst="bentConnector3">
+            <a:avLst>
+              <a:gd name="adj1" fmla="val 50000"/>
+            </a:avLst>
+          </a:prstGeom>
+          <a:ln w="28575">
+            <a:tailEnd type="arrow"/>
+          </a:ln>
+        </p:spPr>
+        <p:style>
+          <a:lnRef idx="1">
+            <a:schemeClr val="accent1"/>
+          </a:lnRef>
+          <a:fillRef idx="0">
+            <a:schemeClr val="accent1"/>
+          </a:fillRef>
+          <a:effectRef idx="0">
+            <a:schemeClr val="accent1"/>
+          </a:effectRef>
+          <a:fontRef idx="minor">
+            <a:schemeClr val="tx1"/>
+          </a:fontRef>
+        </p:style>
+      </p:cxnSp>
+      <p:cxnSp>
+        <p:nvCxnSpPr>
+          <p:cNvPr id="505" name="Shape 248">
+            <a:extLst>
+              <a:ext uri="{FF2B5EF4-FFF2-40B4-BE49-F238E27FC236}">
+                <a16:creationId xmlns:a16="http://schemas.microsoft.com/office/drawing/2014/main" id="{5A4B961B-3733-4129-BC73-3B4C2244B2D4}"/>
+              </a:ext>
+            </a:extLst>
+          </p:cNvPr>
+          <p:cNvCxnSpPr>
+            <a:cxnSpLocks/>
+            <a:stCxn id="415" idx="2"/>
+            <a:endCxn id="321" idx="0"/>
+          </p:cNvCxnSpPr>
+          <p:nvPr/>
+        </p:nvCxnSpPr>
+        <p:spPr>
+          <a:xfrm rot="5400000">
+            <a:off x="33656123" y="25912753"/>
+            <a:ext cx="338590" cy="1231721"/>
+          </a:xfrm>
+          <a:prstGeom prst="bentConnector3">
+            <a:avLst>
+              <a:gd name="adj1" fmla="val 50000"/>
+            </a:avLst>
+          </a:prstGeom>
+          <a:ln w="28575">
+            <a:tailEnd type="arrow"/>
+          </a:ln>
+        </p:spPr>
+        <p:style>
+          <a:lnRef idx="1">
+            <a:schemeClr val="accent1"/>
+          </a:lnRef>
+          <a:fillRef idx="0">
+            <a:schemeClr val="accent1"/>
+          </a:fillRef>
+          <a:effectRef idx="0">
+            <a:schemeClr val="accent1"/>
+          </a:effectRef>
+          <a:fontRef idx="minor">
+            <a:schemeClr val="tx1"/>
+          </a:fontRef>
+        </p:style>
+      </p:cxnSp>
+      <p:cxnSp>
+        <p:nvCxnSpPr>
+          <p:cNvPr id="509" name="Shape 248">
+            <a:extLst>
+              <a:ext uri="{FF2B5EF4-FFF2-40B4-BE49-F238E27FC236}">
+                <a16:creationId xmlns:a16="http://schemas.microsoft.com/office/drawing/2014/main" id="{0E49FC30-7F95-414C-BCF1-C89612144E07}"/>
+              </a:ext>
+            </a:extLst>
+          </p:cNvPr>
+          <p:cNvCxnSpPr>
+            <a:cxnSpLocks/>
+            <a:stCxn id="415" idx="2"/>
+            <a:endCxn id="418" idx="0"/>
+          </p:cNvCxnSpPr>
+          <p:nvPr/>
+        </p:nvCxnSpPr>
+        <p:spPr>
+          <a:xfrm rot="16200000" flipH="1">
+            <a:off x="34896827" y="25903768"/>
+            <a:ext cx="338590" cy="1249689"/>
+          </a:xfrm>
+          <a:prstGeom prst="bentConnector3">
+            <a:avLst>
+              <a:gd name="adj1" fmla="val 50000"/>
+            </a:avLst>
+          </a:prstGeom>
+          <a:ln w="28575">
+            <a:tailEnd type="arrow"/>
+          </a:ln>
+        </p:spPr>
+        <p:style>
+          <a:lnRef idx="1">
+            <a:schemeClr val="accent1"/>
+          </a:lnRef>
+          <a:fillRef idx="0">
+            <a:schemeClr val="accent1"/>
+          </a:fillRef>
+          <a:effectRef idx="0">
+            <a:schemeClr val="accent1"/>
+          </a:effectRef>
+          <a:fontRef idx="minor">
+            <a:schemeClr val="tx1"/>
+          </a:fontRef>
+        </p:style>
+      </p:cxnSp>
+      <p:cxnSp>
+        <p:nvCxnSpPr>
+          <p:cNvPr id="576" name="Прямая со стрелкой 575">
+            <a:extLst>
+              <a:ext uri="{FF2B5EF4-FFF2-40B4-BE49-F238E27FC236}">
+                <a16:creationId xmlns:a16="http://schemas.microsoft.com/office/drawing/2014/main" id="{9786A1C4-F115-4707-BEB8-7BD45F18AFA1}"/>
+              </a:ext>
+            </a:extLst>
+          </p:cNvPr>
+          <p:cNvCxnSpPr>
+            <a:cxnSpLocks/>
+            <a:stCxn id="321" idx="2"/>
+            <a:endCxn id="406" idx="0"/>
+          </p:cNvCxnSpPr>
+          <p:nvPr/>
+        </p:nvCxnSpPr>
+        <p:spPr>
+          <a:xfrm>
+            <a:off x="33209557" y="27777908"/>
+            <a:ext cx="0" cy="372163"/>
+          </a:xfrm>
+          <a:prstGeom prst="straightConnector1">
+            <a:avLst/>
+          </a:prstGeom>
+          <a:ln w="28575">
+            <a:tailEnd type="arrow"/>
+          </a:ln>
+        </p:spPr>
+        <p:style>
+          <a:lnRef idx="1">
+            <a:schemeClr val="accent1"/>
+          </a:lnRef>
+          <a:fillRef idx="0">
+            <a:schemeClr val="accent1"/>
+          </a:fillRef>
+          <a:effectRef idx="0">
+            <a:schemeClr val="accent1"/>
+          </a:effectRef>
+          <a:fontRef idx="minor">
+            <a:schemeClr val="tx1"/>
+          </a:fontRef>
+        </p:style>
+      </p:cxnSp>
+      <p:cxnSp>
+        <p:nvCxnSpPr>
+          <p:cNvPr id="577" name="Shape 248">
+            <a:extLst>
+              <a:ext uri="{FF2B5EF4-FFF2-40B4-BE49-F238E27FC236}">
+                <a16:creationId xmlns:a16="http://schemas.microsoft.com/office/drawing/2014/main" id="{753EC60F-B04B-4CC8-905A-0721667E1DD6}"/>
+              </a:ext>
+            </a:extLst>
+          </p:cNvPr>
+          <p:cNvCxnSpPr>
+            <a:cxnSpLocks/>
+            <a:stCxn id="373" idx="2"/>
+            <a:endCxn id="387" idx="0"/>
+          </p:cNvCxnSpPr>
+          <p:nvPr/>
+        </p:nvCxnSpPr>
+        <p:spPr>
+          <a:xfrm rot="5400000">
+            <a:off x="23242084" y="25734886"/>
+            <a:ext cx="337629" cy="7325532"/>
+          </a:xfrm>
+          <a:prstGeom prst="bentConnector3">
+            <a:avLst>
+              <a:gd name="adj1" fmla="val 50000"/>
+            </a:avLst>
+          </a:prstGeom>
+          <a:ln w="28575">
+            <a:prstDash val="dash"/>
+            <a:tailEnd type="arrow"/>
+          </a:ln>
+        </p:spPr>
+        <p:style>
+          <a:lnRef idx="1">
+            <a:schemeClr val="accent1"/>
+          </a:lnRef>
+          <a:fillRef idx="0">
+            <a:schemeClr val="accent1"/>
+          </a:fillRef>
+          <a:effectRef idx="0">
+            <a:schemeClr val="accent1"/>
+          </a:effectRef>
+          <a:fontRef idx="minor">
+            <a:schemeClr val="tx1"/>
+          </a:fontRef>
+        </p:style>
+      </p:cxnSp>
+      <p:cxnSp>
+        <p:nvCxnSpPr>
+          <p:cNvPr id="578" name="Shape 248">
+            <a:extLst>
+              <a:ext uri="{FF2B5EF4-FFF2-40B4-BE49-F238E27FC236}">
+                <a16:creationId xmlns:a16="http://schemas.microsoft.com/office/drawing/2014/main" id="{79E19F73-D641-4C7A-AA27-959AAEAD578F}"/>
+              </a:ext>
+            </a:extLst>
+          </p:cNvPr>
+          <p:cNvCxnSpPr>
+            <a:cxnSpLocks/>
+            <a:stCxn id="410" idx="2"/>
+            <a:endCxn id="393" idx="0"/>
+          </p:cNvCxnSpPr>
+          <p:nvPr/>
+        </p:nvCxnSpPr>
+        <p:spPr>
+          <a:xfrm rot="16200000" flipH="1">
+            <a:off x="16263955" y="28779376"/>
+            <a:ext cx="3195806" cy="1228589"/>
+          </a:xfrm>
+          <a:prstGeom prst="bentConnector3">
+            <a:avLst>
+              <a:gd name="adj1" fmla="val 7081"/>
+            </a:avLst>
+          </a:prstGeom>
+          <a:ln w="28575">
+            <a:tailEnd type="arrow"/>
+          </a:ln>
+        </p:spPr>
+        <p:style>
+          <a:lnRef idx="1">
+            <a:schemeClr val="accent1"/>
+          </a:lnRef>
+          <a:fillRef idx="0">
+            <a:schemeClr val="accent1"/>
+          </a:fillRef>
+          <a:effectRef idx="0">
+            <a:schemeClr val="accent1"/>
+          </a:effectRef>
+          <a:fontRef idx="minor">
+            <a:schemeClr val="tx1"/>
+          </a:fontRef>
+        </p:style>
+      </p:cxnSp>
+      <p:cxnSp>
+        <p:nvCxnSpPr>
+          <p:cNvPr id="597" name="Прямая со стрелкой 596">
+            <a:extLst>
+              <a:ext uri="{FF2B5EF4-FFF2-40B4-BE49-F238E27FC236}">
+                <a16:creationId xmlns:a16="http://schemas.microsoft.com/office/drawing/2014/main" id="{EFF7721C-2831-4027-8613-EB301D241B42}"/>
+              </a:ext>
+            </a:extLst>
+          </p:cNvPr>
+          <p:cNvCxnSpPr>
+            <a:cxnSpLocks/>
+            <a:stCxn id="416" idx="2"/>
+            <a:endCxn id="371" idx="0"/>
+          </p:cNvCxnSpPr>
+          <p:nvPr/>
+        </p:nvCxnSpPr>
+        <p:spPr>
+          <a:xfrm flipH="1">
+            <a:off x="24617792" y="27795768"/>
+            <a:ext cx="3544" cy="353070"/>
+          </a:xfrm>
+          <a:prstGeom prst="straightConnector1">
+            <a:avLst/>
           </a:prstGeom>
           <a:ln w="28575">
             <a:tailEnd type="arrow"/>

--- a/Наработки/диздоки/ЮАС/ЮАС.pptx
+++ b/Наработки/диздоки/ЮАС/ЮАС.pptx
@@ -209,7 +209,7 @@
             <a:fld id="{33E3D7F9-E251-484C-A6FF-FA958879DF69}" type="datetimeFigureOut">
               <a:rPr lang="ru-RU" smtClean="0"/>
               <a:pPr/>
-              <a:t>06.04.2023</a:t>
+              <a:t>07.04.2023</a:t>
             </a:fld>
             <a:endParaRPr lang="ru-RU"/>
           </a:p>
@@ -699,7 +699,7 @@
             <a:fld id="{85A5DE44-605B-4D3B-B2B7-94543DF81A36}" type="datetimeFigureOut">
               <a:rPr lang="ru-RU" smtClean="0"/>
               <a:pPr/>
-              <a:t>06.04.2023</a:t>
+              <a:t>07.04.2023</a:t>
             </a:fld>
             <a:endParaRPr lang="ru-RU"/>
           </a:p>
@@ -871,7 +871,7 @@
             <a:fld id="{85A5DE44-605B-4D3B-B2B7-94543DF81A36}" type="datetimeFigureOut">
               <a:rPr lang="ru-RU" smtClean="0"/>
               <a:pPr/>
-              <a:t>06.04.2023</a:t>
+              <a:t>07.04.2023</a:t>
             </a:fld>
             <a:endParaRPr lang="ru-RU"/>
           </a:p>
@@ -1053,7 +1053,7 @@
             <a:fld id="{85A5DE44-605B-4D3B-B2B7-94543DF81A36}" type="datetimeFigureOut">
               <a:rPr lang="ru-RU" smtClean="0"/>
               <a:pPr/>
-              <a:t>06.04.2023</a:t>
+              <a:t>07.04.2023</a:t>
             </a:fld>
             <a:endParaRPr lang="ru-RU"/>
           </a:p>
@@ -1225,7 +1225,7 @@
             <a:fld id="{85A5DE44-605B-4D3B-B2B7-94543DF81A36}" type="datetimeFigureOut">
               <a:rPr lang="ru-RU" smtClean="0"/>
               <a:pPr/>
-              <a:t>06.04.2023</a:t>
+              <a:t>07.04.2023</a:t>
             </a:fld>
             <a:endParaRPr lang="ru-RU"/>
           </a:p>
@@ -1473,7 +1473,7 @@
             <a:fld id="{85A5DE44-605B-4D3B-B2B7-94543DF81A36}" type="datetimeFigureOut">
               <a:rPr lang="ru-RU" smtClean="0"/>
               <a:pPr/>
-              <a:t>06.04.2023</a:t>
+              <a:t>07.04.2023</a:t>
             </a:fld>
             <a:endParaRPr lang="ru-RU"/>
           </a:p>
@@ -1707,7 +1707,7 @@
             <a:fld id="{85A5DE44-605B-4D3B-B2B7-94543DF81A36}" type="datetimeFigureOut">
               <a:rPr lang="ru-RU" smtClean="0"/>
               <a:pPr/>
-              <a:t>06.04.2023</a:t>
+              <a:t>07.04.2023</a:t>
             </a:fld>
             <a:endParaRPr lang="ru-RU"/>
           </a:p>
@@ -2076,7 +2076,7 @@
             <a:fld id="{85A5DE44-605B-4D3B-B2B7-94543DF81A36}" type="datetimeFigureOut">
               <a:rPr lang="ru-RU" smtClean="0"/>
               <a:pPr/>
-              <a:t>06.04.2023</a:t>
+              <a:t>07.04.2023</a:t>
             </a:fld>
             <a:endParaRPr lang="ru-RU"/>
           </a:p>
@@ -2196,7 +2196,7 @@
             <a:fld id="{85A5DE44-605B-4D3B-B2B7-94543DF81A36}" type="datetimeFigureOut">
               <a:rPr lang="ru-RU" smtClean="0"/>
               <a:pPr/>
-              <a:t>06.04.2023</a:t>
+              <a:t>07.04.2023</a:t>
             </a:fld>
             <a:endParaRPr lang="ru-RU"/>
           </a:p>
@@ -2293,7 +2293,7 @@
             <a:fld id="{85A5DE44-605B-4D3B-B2B7-94543DF81A36}" type="datetimeFigureOut">
               <a:rPr lang="ru-RU" smtClean="0"/>
               <a:pPr/>
-              <a:t>06.04.2023</a:t>
+              <a:t>07.04.2023</a:t>
             </a:fld>
             <a:endParaRPr lang="ru-RU"/>
           </a:p>
@@ -2572,7 +2572,7 @@
             <a:fld id="{85A5DE44-605B-4D3B-B2B7-94543DF81A36}" type="datetimeFigureOut">
               <a:rPr lang="ru-RU" smtClean="0"/>
               <a:pPr/>
-              <a:t>06.04.2023</a:t>
+              <a:t>07.04.2023</a:t>
             </a:fld>
             <a:endParaRPr lang="ru-RU"/>
           </a:p>
@@ -2831,7 +2831,7 @@
             <a:fld id="{85A5DE44-605B-4D3B-B2B7-94543DF81A36}" type="datetimeFigureOut">
               <a:rPr lang="ru-RU" smtClean="0"/>
               <a:pPr/>
-              <a:t>06.04.2023</a:t>
+              <a:t>07.04.2023</a:t>
             </a:fld>
             <a:endParaRPr lang="ru-RU"/>
           </a:p>
@@ -3046,7 +3046,7 @@
             <a:fld id="{85A5DE44-605B-4D3B-B2B7-94543DF81A36}" type="datetimeFigureOut">
               <a:rPr lang="ru-RU" smtClean="0"/>
               <a:pPr/>
-              <a:t>06.04.2023</a:t>
+              <a:t>07.04.2023</a:t>
             </a:fld>
             <a:endParaRPr lang="ru-RU"/>
           </a:p>
@@ -11956,7 +11956,56 @@
             <a:pPr algn="ctr"/>
             <a:r>
               <a:rPr lang="ru-RU" sz="1400" dirty="0"/>
-              <a:t>Мастерские чернокожих </a:t>
+              <a:t>Мастерские чернокожих</a:t>
+            </a:r>
+            <a:endParaRPr lang="ru-RU" sz="500" dirty="0"/>
+          </a:p>
+        </p:txBody>
+      </p:sp>
+      <p:sp>
+        <p:nvSpPr>
+          <p:cNvPr id="320" name="Прямоугольник 319">
+            <a:extLst>
+              <a:ext uri="{FF2B5EF4-FFF2-40B4-BE49-F238E27FC236}">
+                <a16:creationId xmlns:a16="http://schemas.microsoft.com/office/drawing/2014/main" id="{C77885C1-D5CA-4930-ADE1-7C46C64D16E5}"/>
+              </a:ext>
+            </a:extLst>
+          </p:cNvPr>
+          <p:cNvSpPr/>
+          <p:nvPr/>
+        </p:nvSpPr>
+        <p:spPr>
+          <a:xfrm>
+            <a:off x="10188403" y="19321646"/>
+            <a:ext cx="2115918" cy="1080000"/>
+          </a:xfrm>
+          <a:prstGeom prst="rect">
+            <a:avLst/>
+          </a:prstGeom>
+          <a:ln w="28575"/>
+        </p:spPr>
+        <p:style>
+          <a:lnRef idx="2">
+            <a:schemeClr val="accent1"/>
+          </a:lnRef>
+          <a:fillRef idx="1">
+            <a:schemeClr val="lt1"/>
+          </a:fillRef>
+          <a:effectRef idx="0">
+            <a:schemeClr val="accent1"/>
+          </a:effectRef>
+          <a:fontRef idx="minor">
+            <a:schemeClr val="dk1"/>
+          </a:fontRef>
+        </p:style>
+        <p:txBody>
+          <a:bodyPr lIns="124733" tIns="62367" rIns="124733" bIns="62367" rtlCol="0" anchor="ctr"/>
+          <a:lstStyle/>
+          <a:p>
+            <a:pPr algn="ctr"/>
+            <a:r>
+              <a:rPr lang="ru-RU" sz="1400" dirty="0"/>
+              <a:t>Новые дороги для оборонительных целей </a:t>
             </a:r>
             <a:r>
               <a:rPr lang="ru-RU" sz="300" dirty="0"/>
@@ -11968,10 +12017,10 @@
       </p:sp>
       <p:sp>
         <p:nvSpPr>
-          <p:cNvPr id="320" name="Прямоугольник 319">
-            <a:extLst>
-              <a:ext uri="{FF2B5EF4-FFF2-40B4-BE49-F238E27FC236}">
-                <a16:creationId xmlns:a16="http://schemas.microsoft.com/office/drawing/2014/main" id="{C77885C1-D5CA-4930-ADE1-7C46C64D16E5}"/>
+          <p:cNvPr id="321" name="Прямоугольник 320">
+            <a:extLst>
+              <a:ext uri="{FF2B5EF4-FFF2-40B4-BE49-F238E27FC236}">
+                <a16:creationId xmlns:a16="http://schemas.microsoft.com/office/drawing/2014/main" id="{961053D9-AAA7-4CAF-848A-3DA66DABCD04}"/>
               </a:ext>
             </a:extLst>
           </p:cNvPr>
@@ -11980,7 +12029,7 @@
         </p:nvSpPr>
         <p:spPr>
           <a:xfrm>
-            <a:off x="10188403" y="19321646"/>
+            <a:off x="32151598" y="26697908"/>
             <a:ext cx="2115918" cy="1080000"/>
           </a:xfrm>
           <a:prstGeom prst="rect">
@@ -12009,64 +12058,7 @@
             <a:pPr algn="ctr"/>
             <a:r>
               <a:rPr lang="ru-RU" sz="1400" dirty="0"/>
-              <a:t>Новые дороги для оборонительных целей </a:t>
-            </a:r>
-            <a:r>
-              <a:rPr lang="ru-RU" sz="300" dirty="0"/>
-              <a:t>(Хотя количество чернокожих рабочих росло и в 1930-е годы существовала значительная организация, их положение в производстве заметно изменилось только во время Второй мировой войны, когда они заменили белых, которые добровольно пошли на службу в армию. Увеличилось количество небольших мастерских, чтобы заменить ранее импортированные товары, ускорилось строительство дорог для потенциальных оборонных целей, а производство золота было увеличено для оплаты британской военной машины. Действительно, часть монет была отправлена ​​​​прямо в США за счет Великобритании. Сельское хозяйство также расширилось, чтобы прокормить войска в Африке, на экспорт в Западную Африку и на местный рынок. Все это были области увеличения занятости чернокожих.)</a:t>
-            </a:r>
-            <a:endParaRPr lang="ru-RU" sz="500" dirty="0"/>
-          </a:p>
-        </p:txBody>
-      </p:sp>
-      <p:sp>
-        <p:nvSpPr>
-          <p:cNvPr id="321" name="Прямоугольник 320">
-            <a:extLst>
-              <a:ext uri="{FF2B5EF4-FFF2-40B4-BE49-F238E27FC236}">
-                <a16:creationId xmlns:a16="http://schemas.microsoft.com/office/drawing/2014/main" id="{961053D9-AAA7-4CAF-848A-3DA66DABCD04}"/>
-              </a:ext>
-            </a:extLst>
-          </p:cNvPr>
-          <p:cNvSpPr/>
-          <p:nvPr/>
-        </p:nvSpPr>
-        <p:spPr>
-          <a:xfrm>
-            <a:off x="32151598" y="26697908"/>
-            <a:ext cx="2115918" cy="1080000"/>
-          </a:xfrm>
-          <a:prstGeom prst="rect">
-            <a:avLst/>
-          </a:prstGeom>
-          <a:ln w="28575"/>
-        </p:spPr>
-        <p:style>
-          <a:lnRef idx="2">
-            <a:schemeClr val="accent1"/>
-          </a:lnRef>
-          <a:fillRef idx="1">
-            <a:schemeClr val="lt1"/>
-          </a:fillRef>
-          <a:effectRef idx="0">
-            <a:schemeClr val="accent1"/>
-          </a:effectRef>
-          <a:fontRef idx="minor">
-            <a:schemeClr val="dk1"/>
-          </a:fontRef>
-        </p:style>
-        <p:txBody>
-          <a:bodyPr lIns="124733" tIns="62367" rIns="124733" bIns="62367" rtlCol="0" anchor="ctr"/>
-          <a:lstStyle/>
-          <a:p>
-            <a:pPr algn="ctr"/>
-            <a:r>
-              <a:rPr lang="ru-RU" sz="1400" dirty="0"/>
-              <a:t>Расширение сельского хозяйства </a:t>
-            </a:r>
-            <a:r>
-              <a:rPr lang="ru-RU" sz="300" dirty="0"/>
-              <a:t>(Хотя количество чернокожих рабочих росло и в 1930-е годы существовала значительная организация, их положение в производстве заметно изменилось только во время Второй мировой войны, когда они заменили белых, которые добровольно пошли на службу в армию. Увеличилось количество небольших мастерских, чтобы заменить ранее импортированные товары, ускорилось строительство дорог для потенциальных оборонных целей, а производство золота было увеличено для оплаты британской военной машины. Действительно, часть монет была отправлена ​​​​прямо в США за счет Великобритании. Сельское хозяйство также расширилось, чтобы прокормить войска в Африке, на экспорт в Западную Африку и на местный рынок. Все это были области увеличения занятости чернокожих.)</a:t>
+              <a:t>Расширение сельского хозяйства</a:t>
             </a:r>
             <a:endParaRPr lang="ru-RU" sz="500" dirty="0"/>
           </a:p>
@@ -17984,10 +17976,10 @@
       </p:sp>
       <p:sp>
         <p:nvSpPr>
-          <p:cNvPr id="298" name="Прямоугольник 297">
-            <a:extLst>
-              <a:ext uri="{FF2B5EF4-FFF2-40B4-BE49-F238E27FC236}">
-                <a16:creationId xmlns:a16="http://schemas.microsoft.com/office/drawing/2014/main" id="{4BA95604-B998-4EA7-9838-175247CF76FD}"/>
+          <p:cNvPr id="356" name="Прямоугольник 355">
+            <a:extLst>
+              <a:ext uri="{FF2B5EF4-FFF2-40B4-BE49-F238E27FC236}">
+                <a16:creationId xmlns:a16="http://schemas.microsoft.com/office/drawing/2014/main" id="{F30D2F31-8C89-4480-AD61-A748CEF20503}"/>
               </a:ext>
             </a:extLst>
           </p:cNvPr>
@@ -17996,7 +17988,7 @@
         </p:nvSpPr>
         <p:spPr>
           <a:xfrm>
-            <a:off x="39395669" y="28123567"/>
+            <a:off x="24722844" y="29567400"/>
             <a:ext cx="2115918" cy="1080000"/>
           </a:xfrm>
           <a:prstGeom prst="rect">
@@ -18025,7 +18017,7 @@
             <a:pPr algn="ctr"/>
             <a:r>
               <a:rPr lang="ru-RU" sz="1400" dirty="0"/>
-              <a:t>Поддержка фермеров </a:t>
+              <a:t>Вложения в пятую провинцию </a:t>
             </a:r>
             <a:r>
               <a:rPr lang="ru-RU" sz="800" dirty="0"/>
@@ -18036,10 +18028,10 @@
       </p:sp>
       <p:sp>
         <p:nvSpPr>
-          <p:cNvPr id="328" name="Прямоугольник 327">
-            <a:extLst>
-              <a:ext uri="{FF2B5EF4-FFF2-40B4-BE49-F238E27FC236}">
-                <a16:creationId xmlns:a16="http://schemas.microsoft.com/office/drawing/2014/main" id="{53C43E60-FC48-46CC-864E-BD598363B666}"/>
+          <p:cNvPr id="357" name="Прямоугольник 356">
+            <a:extLst>
+              <a:ext uri="{FF2B5EF4-FFF2-40B4-BE49-F238E27FC236}">
+                <a16:creationId xmlns:a16="http://schemas.microsoft.com/office/drawing/2014/main" id="{2FEA859D-10FB-4DAA-9DBD-D0DC7593E82F}"/>
               </a:ext>
             </a:extLst>
           </p:cNvPr>
@@ -18048,7 +18040,7 @@
         </p:nvSpPr>
         <p:spPr>
           <a:xfrm>
-            <a:off x="39395669" y="29565533"/>
+            <a:off x="27300505" y="29566467"/>
             <a:ext cx="2115918" cy="1080000"/>
           </a:xfrm>
           <a:prstGeom prst="rect">
@@ -18077,170 +18069,6 @@
             <a:pPr algn="ctr"/>
             <a:r>
               <a:rPr lang="ru-RU" sz="1400" dirty="0"/>
-              <a:t>Протекционистская политика в сельском хозяйстве </a:t>
-            </a:r>
-            <a:r>
-              <a:rPr lang="ru-RU" sz="800" dirty="0"/>
-              <a:t>(текущее)</a:t>
-            </a:r>
-          </a:p>
-        </p:txBody>
-      </p:sp>
-      <p:sp>
-        <p:nvSpPr>
-          <p:cNvPr id="352" name="Прямоугольник 351">
-            <a:extLst>
-              <a:ext uri="{FF2B5EF4-FFF2-40B4-BE49-F238E27FC236}">
-                <a16:creationId xmlns:a16="http://schemas.microsoft.com/office/drawing/2014/main" id="{D82CBD72-A5B1-4138-A246-8784A951427E}"/>
-              </a:ext>
-            </a:extLst>
-          </p:cNvPr>
-          <p:cNvSpPr/>
-          <p:nvPr/>
-        </p:nvSpPr>
-        <p:spPr>
-          <a:xfrm>
-            <a:off x="39395669" y="30984095"/>
-            <a:ext cx="2115918" cy="1080000"/>
-          </a:xfrm>
-          <a:prstGeom prst="rect">
-            <a:avLst/>
-          </a:prstGeom>
-          <a:ln w="28575"/>
-        </p:spPr>
-        <p:style>
-          <a:lnRef idx="2">
-            <a:schemeClr val="accent1"/>
-          </a:lnRef>
-          <a:fillRef idx="1">
-            <a:schemeClr val="lt1"/>
-          </a:fillRef>
-          <a:effectRef idx="0">
-            <a:schemeClr val="accent1"/>
-          </a:effectRef>
-          <a:fontRef idx="minor">
-            <a:schemeClr val="dk1"/>
-          </a:fontRef>
-        </p:style>
-        <p:txBody>
-          <a:bodyPr lIns="124733" tIns="62367" rIns="124733" bIns="62367" rtlCol="0" anchor="ctr"/>
-          <a:lstStyle/>
-          <a:p>
-            <a:pPr algn="ctr"/>
-            <a:r>
-              <a:rPr lang="ru-RU" sz="1400" dirty="0"/>
-              <a:t>Принять поддержку от </a:t>
-            </a:r>
-            <a:r>
-              <a:rPr lang="ru-RU" sz="1400" dirty="0" err="1"/>
-              <a:t>Реддингсдаадбонд</a:t>
-            </a:r>
-            <a:r>
-              <a:rPr lang="ru-RU" sz="1400" dirty="0"/>
-              <a:t> </a:t>
-            </a:r>
-            <a:r>
-              <a:rPr lang="ru-RU" sz="800" dirty="0"/>
-              <a:t>(текущее)</a:t>
-            </a:r>
-          </a:p>
-        </p:txBody>
-      </p:sp>
-      <p:sp>
-        <p:nvSpPr>
-          <p:cNvPr id="356" name="Прямоугольник 355">
-            <a:extLst>
-              <a:ext uri="{FF2B5EF4-FFF2-40B4-BE49-F238E27FC236}">
-                <a16:creationId xmlns:a16="http://schemas.microsoft.com/office/drawing/2014/main" id="{F30D2F31-8C89-4480-AD61-A748CEF20503}"/>
-              </a:ext>
-            </a:extLst>
-          </p:cNvPr>
-          <p:cNvSpPr/>
-          <p:nvPr/>
-        </p:nvSpPr>
-        <p:spPr>
-          <a:xfrm>
-            <a:off x="24722844" y="29567400"/>
-            <a:ext cx="2115918" cy="1080000"/>
-          </a:xfrm>
-          <a:prstGeom prst="rect">
-            <a:avLst/>
-          </a:prstGeom>
-          <a:ln w="28575"/>
-        </p:spPr>
-        <p:style>
-          <a:lnRef idx="2">
-            <a:schemeClr val="accent1"/>
-          </a:lnRef>
-          <a:fillRef idx="1">
-            <a:schemeClr val="lt1"/>
-          </a:fillRef>
-          <a:effectRef idx="0">
-            <a:schemeClr val="accent1"/>
-          </a:effectRef>
-          <a:fontRef idx="minor">
-            <a:schemeClr val="dk1"/>
-          </a:fontRef>
-        </p:style>
-        <p:txBody>
-          <a:bodyPr lIns="124733" tIns="62367" rIns="124733" bIns="62367" rtlCol="0" anchor="ctr"/>
-          <a:lstStyle/>
-          <a:p>
-            <a:pPr algn="ctr"/>
-            <a:r>
-              <a:rPr lang="ru-RU" sz="1400" dirty="0"/>
-              <a:t>Вложения в пятую провинцию </a:t>
-            </a:r>
-            <a:r>
-              <a:rPr lang="ru-RU" sz="800" dirty="0"/>
-              <a:t>(текущее)</a:t>
-            </a:r>
-          </a:p>
-        </p:txBody>
-      </p:sp>
-      <p:sp>
-        <p:nvSpPr>
-          <p:cNvPr id="357" name="Прямоугольник 356">
-            <a:extLst>
-              <a:ext uri="{FF2B5EF4-FFF2-40B4-BE49-F238E27FC236}">
-                <a16:creationId xmlns:a16="http://schemas.microsoft.com/office/drawing/2014/main" id="{2FEA859D-10FB-4DAA-9DBD-D0DC7593E82F}"/>
-              </a:ext>
-            </a:extLst>
-          </p:cNvPr>
-          <p:cNvSpPr/>
-          <p:nvPr/>
-        </p:nvSpPr>
-        <p:spPr>
-          <a:xfrm>
-            <a:off x="27300505" y="29566467"/>
-            <a:ext cx="2115918" cy="1080000"/>
-          </a:xfrm>
-          <a:prstGeom prst="rect">
-            <a:avLst/>
-          </a:prstGeom>
-          <a:ln w="28575"/>
-        </p:spPr>
-        <p:style>
-          <a:lnRef idx="2">
-            <a:schemeClr val="accent1"/>
-          </a:lnRef>
-          <a:fillRef idx="1">
-            <a:schemeClr val="lt1"/>
-          </a:fillRef>
-          <a:effectRef idx="0">
-            <a:schemeClr val="accent1"/>
-          </a:effectRef>
-          <a:fontRef idx="minor">
-            <a:schemeClr val="dk1"/>
-          </a:fontRef>
-        </p:style>
-        <p:txBody>
-          <a:bodyPr lIns="124733" tIns="62367" rIns="124733" bIns="62367" rtlCol="0" anchor="ctr"/>
-          <a:lstStyle/>
-          <a:p>
-            <a:pPr algn="ctr"/>
-            <a:r>
-              <a:rPr lang="ru-RU" sz="1400" dirty="0"/>
               <a:t>Расширить автономию ЮЗА</a:t>
             </a:r>
             <a:r>
@@ -18264,7 +18092,7 @@
         </p:nvSpPr>
         <p:spPr>
           <a:xfrm>
-            <a:off x="25956271" y="30991574"/>
+            <a:off x="27296824" y="30984095"/>
             <a:ext cx="2115918" cy="1080000"/>
           </a:xfrm>
           <a:prstGeom prst="rect">
@@ -18410,8 +18238,8 @@
         </p:nvCxnSpPr>
         <p:spPr>
           <a:xfrm rot="5400000">
-            <a:off x="27513794" y="30146903"/>
-            <a:ext cx="345107" cy="1344234"/>
+            <a:off x="28187810" y="30813441"/>
+            <a:ext cx="337628" cy="3681"/>
           </a:xfrm>
           <a:prstGeom prst="bentConnector3">
             <a:avLst>
@@ -18456,8 +18284,8 @@
         </p:nvCxnSpPr>
         <p:spPr>
           <a:xfrm rot="16200000" flipH="1">
-            <a:off x="26225429" y="30202773"/>
-            <a:ext cx="344174" cy="1233427"/>
+            <a:off x="26899446" y="29528757"/>
+            <a:ext cx="336695" cy="2573980"/>
           </a:xfrm>
           <a:prstGeom prst="bentConnector3">
             <a:avLst>
@@ -18484,92 +18312,6 @@
           </a:fontRef>
         </p:style>
       </p:cxnSp>
-      <p:cxnSp>
-        <p:nvCxnSpPr>
-          <p:cNvPr id="369" name="Прямая со стрелкой 368">
-            <a:extLst>
-              <a:ext uri="{FF2B5EF4-FFF2-40B4-BE49-F238E27FC236}">
-                <a16:creationId xmlns:a16="http://schemas.microsoft.com/office/drawing/2014/main" id="{9D249F8A-B7A7-43BA-92E6-20E880B1B672}"/>
-              </a:ext>
-            </a:extLst>
-          </p:cNvPr>
-          <p:cNvCxnSpPr>
-            <a:cxnSpLocks/>
-            <a:stCxn id="298" idx="2"/>
-            <a:endCxn id="328" idx="0"/>
-          </p:cNvCxnSpPr>
-          <p:nvPr/>
-        </p:nvCxnSpPr>
-        <p:spPr>
-          <a:xfrm>
-            <a:off x="40453628" y="29203567"/>
-            <a:ext cx="0" cy="361966"/>
-          </a:xfrm>
-          <a:prstGeom prst="straightConnector1">
-            <a:avLst/>
-          </a:prstGeom>
-          <a:ln w="28575">
-            <a:tailEnd type="arrow"/>
-          </a:ln>
-        </p:spPr>
-        <p:style>
-          <a:lnRef idx="1">
-            <a:schemeClr val="accent1"/>
-          </a:lnRef>
-          <a:fillRef idx="0">
-            <a:schemeClr val="accent1"/>
-          </a:fillRef>
-          <a:effectRef idx="0">
-            <a:schemeClr val="accent1"/>
-          </a:effectRef>
-          <a:fontRef idx="minor">
-            <a:schemeClr val="tx1"/>
-          </a:fontRef>
-        </p:style>
-      </p:cxnSp>
-      <p:cxnSp>
-        <p:nvCxnSpPr>
-          <p:cNvPr id="370" name="Прямая со стрелкой 369">
-            <a:extLst>
-              <a:ext uri="{FF2B5EF4-FFF2-40B4-BE49-F238E27FC236}">
-                <a16:creationId xmlns:a16="http://schemas.microsoft.com/office/drawing/2014/main" id="{AACC8D4D-10C2-4D31-B6DD-52A4CBAEACD4}"/>
-              </a:ext>
-            </a:extLst>
-          </p:cNvPr>
-          <p:cNvCxnSpPr>
-            <a:cxnSpLocks/>
-            <a:stCxn id="328" idx="2"/>
-            <a:endCxn id="352" idx="0"/>
-          </p:cNvCxnSpPr>
-          <p:nvPr/>
-        </p:nvCxnSpPr>
-        <p:spPr>
-          <a:xfrm>
-            <a:off x="40453628" y="30645533"/>
-            <a:ext cx="0" cy="338562"/>
-          </a:xfrm>
-          <a:prstGeom prst="straightConnector1">
-            <a:avLst/>
-          </a:prstGeom>
-          <a:ln w="28575">
-            <a:tailEnd type="arrow"/>
-          </a:ln>
-        </p:spPr>
-        <p:style>
-          <a:lnRef idx="1">
-            <a:schemeClr val="accent1"/>
-          </a:lnRef>
-          <a:fillRef idx="0">
-            <a:schemeClr val="accent1"/>
-          </a:fillRef>
-          <a:effectRef idx="0">
-            <a:schemeClr val="accent1"/>
-          </a:effectRef>
-          <a:fontRef idx="minor">
-            <a:schemeClr val="tx1"/>
-          </a:fontRef>
-        </p:style>
-      </p:cxnSp>
       <p:sp>
         <p:nvSpPr>
           <p:cNvPr id="371" name="Прямоугольник 370">
@@ -18621,7 +18363,7 @@
             </a:r>
             <a:r>
               <a:rPr lang="ru-RU" sz="1400" dirty="0"/>
-              <a:t> Дункан Док.)</a:t>
+              <a:t> Дункан Док.) (изменить описание)</a:t>
             </a:r>
             <a:endParaRPr lang="ru-RU" sz="800" dirty="0"/>
           </a:p>
@@ -18719,7 +18461,7 @@
             <a:pPr algn="ctr"/>
             <a:r>
               <a:rPr lang="ru-RU" sz="1400" dirty="0"/>
-              <a:t>Начать социальные реформы (текущее)</a:t>
+              <a:t>Начать социальные изменения (изменено)</a:t>
             </a:r>
             <a:endParaRPr lang="ru-RU" sz="800" dirty="0"/>
           </a:p>
@@ -18768,7 +18510,7 @@
             <a:pPr algn="ctr"/>
             <a:r>
               <a:rPr lang="ru-RU" sz="1400" dirty="0"/>
-              <a:t>Расширить сеть школ для чёрных(текущее)</a:t>
+              <a:t>Расширить сеть школ для чёрных(изменено)</a:t>
             </a:r>
             <a:endParaRPr lang="ru-RU" sz="800" dirty="0"/>
           </a:p>
@@ -18817,7 +18559,7 @@
             <a:pPr algn="ctr"/>
             <a:r>
               <a:rPr lang="ru-RU" sz="1400" dirty="0"/>
-              <a:t>Вложиться в образование для белых (текущее)</a:t>
+              <a:t>Вложиться в образование для белых (изменено) (1936)</a:t>
             </a:r>
             <a:endParaRPr lang="ru-RU" sz="800" dirty="0"/>
           </a:p>
@@ -19244,55 +18986,6 @@
           </a:p>
         </p:txBody>
       </p:sp>
-      <p:sp>
-        <p:nvSpPr>
-          <p:cNvPr id="402" name="Прямоугольник 401">
-            <a:extLst>
-              <a:ext uri="{FF2B5EF4-FFF2-40B4-BE49-F238E27FC236}">
-                <a16:creationId xmlns:a16="http://schemas.microsoft.com/office/drawing/2014/main" id="{76B6BE5D-EF5C-4074-A4B4-832065D90F0E}"/>
-              </a:ext>
-            </a:extLst>
-          </p:cNvPr>
-          <p:cNvSpPr/>
-          <p:nvPr/>
-        </p:nvSpPr>
-        <p:spPr>
-          <a:xfrm>
-            <a:off x="18690174" y="34113109"/>
-            <a:ext cx="2115918" cy="1080000"/>
-          </a:xfrm>
-          <a:prstGeom prst="rect">
-            <a:avLst/>
-          </a:prstGeom>
-          <a:ln w="28575"/>
-        </p:spPr>
-        <p:style>
-          <a:lnRef idx="2">
-            <a:schemeClr val="accent1"/>
-          </a:lnRef>
-          <a:fillRef idx="1">
-            <a:schemeClr val="lt1"/>
-          </a:fillRef>
-          <a:effectRef idx="0">
-            <a:schemeClr val="accent1"/>
-          </a:effectRef>
-          <a:fontRef idx="minor">
-            <a:schemeClr val="dk1"/>
-          </a:fontRef>
-        </p:style>
-        <p:txBody>
-          <a:bodyPr lIns="124733" tIns="62367" rIns="124733" bIns="62367" rtlCol="0" anchor="ctr"/>
-          <a:lstStyle/>
-          <a:p>
-            <a:pPr algn="ctr"/>
-            <a:r>
-              <a:rPr lang="ru-RU" sz="1400" dirty="0"/>
-              <a:t>Поднять грамотность до высочайшего уровня (текущее)</a:t>
-            </a:r>
-            <a:endParaRPr lang="ru-RU" sz="800" dirty="0"/>
-          </a:p>
-        </p:txBody>
-      </p:sp>
       <p:cxnSp>
         <p:nvCxnSpPr>
           <p:cNvPr id="403" name="Shape 248">
@@ -19383,49 +19076,6 @@
           </a:fontRef>
         </p:style>
       </p:cxnSp>
-      <p:cxnSp>
-        <p:nvCxnSpPr>
-          <p:cNvPr id="405" name="Прямая со стрелкой 404">
-            <a:extLst>
-              <a:ext uri="{FF2B5EF4-FFF2-40B4-BE49-F238E27FC236}">
-                <a16:creationId xmlns:a16="http://schemas.microsoft.com/office/drawing/2014/main" id="{EC4112ED-EFAE-47CF-8D4A-2D56C5D17F7D}"/>
-              </a:ext>
-            </a:extLst>
-          </p:cNvPr>
-          <p:cNvCxnSpPr>
-            <a:cxnSpLocks/>
-            <a:stCxn id="400" idx="2"/>
-            <a:endCxn id="402" idx="0"/>
-          </p:cNvCxnSpPr>
-          <p:nvPr/>
-        </p:nvCxnSpPr>
-        <p:spPr>
-          <a:xfrm>
-            <a:off x="19748133" y="33763317"/>
-            <a:ext cx="0" cy="349792"/>
-          </a:xfrm>
-          <a:prstGeom prst="straightConnector1">
-            <a:avLst/>
-          </a:prstGeom>
-          <a:ln w="28575">
-            <a:tailEnd type="arrow"/>
-          </a:ln>
-        </p:spPr>
-        <p:style>
-          <a:lnRef idx="1">
-            <a:schemeClr val="accent1"/>
-          </a:lnRef>
-          <a:fillRef idx="0">
-            <a:schemeClr val="accent1"/>
-          </a:fillRef>
-          <a:effectRef idx="0">
-            <a:schemeClr val="accent1"/>
-          </a:effectRef>
-          <a:fontRef idx="minor">
-            <a:schemeClr val="tx1"/>
-          </a:fontRef>
-        </p:style>
-      </p:cxnSp>
       <p:sp>
         <p:nvSpPr>
           <p:cNvPr id="406" name="Прямоугольник 405">
@@ -19469,203 +19119,7 @@
             <a:pPr algn="ctr"/>
             <a:r>
               <a:rPr lang="ru-RU" sz="1400" dirty="0"/>
-              <a:t>Винодельни Пинотаж (1941) </a:t>
-            </a:r>
-            <a:r>
-              <a:rPr lang="ru-RU" sz="300" dirty="0"/>
-              <a:t>(Пинотаж / ˈ p ɪ n ə t ɑː ʒ / PIN -ə-</a:t>
-            </a:r>
-            <a:r>
-              <a:rPr lang="ru-RU" sz="300" dirty="0" err="1"/>
-              <a:t>tahzh</a:t>
-            </a:r>
-            <a:r>
-              <a:rPr lang="ru-RU" sz="300" dirty="0"/>
-              <a:t> [1] - красный винный виноград, который является фирменным сортом Южной Африки . Он был выращен там в 1925 году как помесь </a:t>
-            </a:r>
-            <a:r>
-              <a:rPr lang="ru-RU" sz="300" dirty="0" err="1"/>
-              <a:t>Пино</a:t>
-            </a:r>
-            <a:r>
-              <a:rPr lang="ru-RU" sz="300" dirty="0"/>
-              <a:t> нуар и </a:t>
-            </a:r>
-            <a:r>
-              <a:rPr lang="ru-RU" sz="300" dirty="0" err="1"/>
-              <a:t>Синсо</a:t>
-            </a:r>
-            <a:r>
-              <a:rPr lang="ru-RU" sz="300" dirty="0"/>
-              <a:t> (в то время </a:t>
-            </a:r>
-            <a:r>
-              <a:rPr lang="ru-RU" sz="300" dirty="0" err="1"/>
-              <a:t>Сенсо</a:t>
-            </a:r>
-            <a:r>
-              <a:rPr lang="ru-RU" sz="300" dirty="0"/>
-              <a:t> был известен в Южной Африке как «Эрмитаж», отсюда и название) . Обычно из него производят темно-красные сортовые вина с дымным, ежевичным и землистым вкусом, иногда с нотками бананов и тропических фруктов , но его критикуют за то, что иногда </a:t>
-            </a:r>
-            <a:r>
-              <a:rPr lang="ru-RU" sz="300" dirty="0" err="1"/>
-              <a:t>пахнетацетон</a:t>
-            </a:r>
-            <a:r>
-              <a:rPr lang="ru-RU" sz="300" dirty="0"/>
-              <a:t> . [2] Виноград является виноградарским внутривидовым скрещиванием двух разновидностей </a:t>
-            </a:r>
-            <a:r>
-              <a:rPr lang="ru-RU" sz="300" dirty="0" err="1"/>
-              <a:t>Vitis</a:t>
-            </a:r>
-            <a:r>
-              <a:rPr lang="ru-RU" sz="300" dirty="0"/>
-              <a:t> </a:t>
-            </a:r>
-            <a:r>
-              <a:rPr lang="ru-RU" sz="300" dirty="0" err="1"/>
-              <a:t>vinifera</a:t>
-            </a:r>
-            <a:r>
-              <a:rPr lang="ru-RU" sz="300" dirty="0"/>
-              <a:t> , а не межвидовым гибридом . Молодые растения были перемещены в сельскохозяйственный колледж </a:t>
-            </a:r>
-            <a:r>
-              <a:rPr lang="ru-RU" sz="300" dirty="0" err="1"/>
-              <a:t>Эльзенбурга</a:t>
-            </a:r>
-            <a:r>
-              <a:rPr lang="ru-RU" sz="300" dirty="0"/>
-              <a:t> под руководством преемника </a:t>
-            </a:r>
-            <a:r>
-              <a:rPr lang="ru-RU" sz="300" dirty="0" err="1"/>
-              <a:t>Перольда</a:t>
-            </a:r>
-            <a:r>
-              <a:rPr lang="ru-RU" sz="300" dirty="0"/>
-              <a:t>, Си </a:t>
-            </a:r>
-            <a:r>
-              <a:rPr lang="ru-RU" sz="300" dirty="0" err="1"/>
-              <a:t>Джей</a:t>
-            </a:r>
-            <a:r>
-              <a:rPr lang="ru-RU" sz="300" dirty="0"/>
-              <a:t> </a:t>
-            </a:r>
-            <a:r>
-              <a:rPr lang="ru-RU" sz="300" dirty="0" err="1"/>
-              <a:t>Терона</a:t>
-            </a:r>
-            <a:r>
-              <a:rPr lang="ru-RU" sz="300" dirty="0"/>
-              <a:t>. В 1935 году </a:t>
-            </a:r>
-            <a:r>
-              <a:rPr lang="ru-RU" sz="300" dirty="0" err="1"/>
-              <a:t>Терон</a:t>
-            </a:r>
-            <a:r>
-              <a:rPr lang="ru-RU" sz="300" dirty="0"/>
-              <a:t> привил их к недавно созданным подвоям </a:t>
-            </a:r>
-            <a:r>
-              <a:rPr lang="ru-RU" sz="300" dirty="0" err="1"/>
-              <a:t>Richter</a:t>
-            </a:r>
-            <a:r>
-              <a:rPr lang="ru-RU" sz="300" dirty="0"/>
-              <a:t> 99 и </a:t>
-            </a:r>
-            <a:r>
-              <a:rPr lang="ru-RU" sz="300" dirty="0" err="1"/>
-              <a:t>Richter</a:t>
-            </a:r>
-            <a:r>
-              <a:rPr lang="ru-RU" sz="300" dirty="0"/>
-              <a:t> 57 в </a:t>
-            </a:r>
-            <a:r>
-              <a:rPr lang="ru-RU" sz="300" dirty="0" err="1"/>
-              <a:t>Велгеваллене</a:t>
-            </a:r>
-            <a:r>
-              <a:rPr lang="ru-RU" sz="300" dirty="0"/>
-              <a:t>. [3] Тем временем </a:t>
-            </a:r>
-            <a:r>
-              <a:rPr lang="ru-RU" sz="300" dirty="0" err="1"/>
-              <a:t>Перольд</a:t>
-            </a:r>
-            <a:r>
-              <a:rPr lang="ru-RU" sz="300" dirty="0"/>
-              <a:t> продолжал навещать своих бывших коллег. </a:t>
-            </a:r>
-            <a:r>
-              <a:rPr lang="ru-RU" sz="300" dirty="0" err="1"/>
-              <a:t>Терон</a:t>
-            </a:r>
-            <a:r>
-              <a:rPr lang="ru-RU" sz="300" dirty="0"/>
-              <a:t> показал ему только что привитые лозы, и тот, который прижился лучше всего, был выбран для размножения и получил название Пинотаж. Первое вино было произведено в 1941 году в </a:t>
-            </a:r>
-            <a:r>
-              <a:rPr lang="ru-RU" sz="300" dirty="0" err="1"/>
-              <a:t>Эльзенбурге</a:t>
-            </a:r>
-            <a:r>
-              <a:rPr lang="ru-RU" sz="300" dirty="0"/>
-              <a:t>, а первые коммерческие посадки были произведены в </a:t>
-            </a:r>
-            <a:r>
-              <a:rPr lang="ru-RU" sz="300" dirty="0" err="1"/>
-              <a:t>Миртл-Гроув</a:t>
-            </a:r>
-            <a:r>
-              <a:rPr lang="ru-RU" sz="300" dirty="0"/>
-              <a:t> недалеко от перевала сэра </a:t>
-            </a:r>
-            <a:r>
-              <a:rPr lang="ru-RU" sz="300" dirty="0" err="1"/>
-              <a:t>Лоури</a:t>
-            </a:r>
-            <a:r>
-              <a:rPr lang="ru-RU" sz="300" dirty="0"/>
-              <a:t> . [3] Также в 1941 году Пол </a:t>
-            </a:r>
-            <a:r>
-              <a:rPr lang="ru-RU" sz="300" dirty="0" err="1"/>
-              <a:t>Зауэр</a:t>
-            </a:r>
-            <a:r>
-              <a:rPr lang="ru-RU" sz="300" dirty="0"/>
-              <a:t> посадил лозы Пинотажа в поместье </a:t>
-            </a:r>
-            <a:r>
-              <a:rPr lang="ru-RU" sz="300" dirty="0" err="1"/>
-              <a:t>Канонкоп.и</a:t>
-            </a:r>
-            <a:r>
-              <a:rPr lang="ru-RU" sz="300" dirty="0"/>
-              <a:t> </a:t>
-            </a:r>
-            <a:r>
-              <a:rPr lang="ru-RU" sz="300" dirty="0" err="1"/>
-              <a:t>Danie</a:t>
-            </a:r>
-            <a:r>
-              <a:rPr lang="ru-RU" sz="300" dirty="0"/>
-              <a:t> </a:t>
-            </a:r>
-            <a:r>
-              <a:rPr lang="ru-RU" sz="300" dirty="0" err="1"/>
-              <a:t>Rossouw</a:t>
-            </a:r>
-            <a:r>
-              <a:rPr lang="ru-RU" sz="300" dirty="0"/>
-              <a:t>, вина которого впоследствии приобрели большую известность и могут выдерживаться до 25 лет, так что это поместье даже называют «грозным лидером набора красных вин Кейптауна». [)</a:t>
+              <a:t>Винодельни Пинотаж (1941)</a:t>
             </a:r>
             <a:endParaRPr lang="ru-RU" sz="800" dirty="0"/>
           </a:p>
@@ -19775,19 +19229,7 @@
             <a:pPr algn="ctr"/>
             <a:r>
               <a:rPr lang="ru-RU" sz="1400" dirty="0"/>
-              <a:t>Экспериментальные работы в алмазной </a:t>
-            </a:r>
-            <a:r>
-              <a:rPr lang="ru-RU" sz="1400" dirty="0" err="1"/>
-              <a:t>отрасле</a:t>
-            </a:r>
-            <a:r>
-              <a:rPr lang="ru-RU" sz="1400" dirty="0"/>
-              <a:t> </a:t>
-            </a:r>
-            <a:r>
-              <a:rPr lang="ru-RU" sz="500" dirty="0"/>
-              <a:t>(начале 1930-х годов компания провела экспериментальные работы, которые в значительной степени стали первыми в использовании алмазных сверл . Это было весьма предпочтительно по сравнению с более дорогими и более редкими углеродами, использовавшимися ранее. [33] Золотая лихорадка в Свободном штате стала возможной отчасти благодаря этому нововведению, поскольку месторождения требовали глубокого бурения для достижения золотоносных рифов . [33])</a:t>
+              <a:t>Экспериментальные работы в алмазной отрасли</a:t>
             </a:r>
             <a:endParaRPr lang="ru-RU" sz="800" dirty="0"/>
           </a:p>
@@ -20003,7 +19445,7 @@
         </p:nvSpPr>
         <p:spPr>
           <a:xfrm>
-            <a:off x="23378812" y="21705824"/>
+            <a:off x="21327990" y="21703355"/>
             <a:ext cx="2115918" cy="1080000"/>
           </a:xfrm>
           <a:prstGeom prst="rect">
@@ -20174,19 +19616,7 @@
             <a:pPr algn="ctr"/>
             <a:r>
               <a:rPr lang="ru-RU" sz="1400" dirty="0"/>
-              <a:t>Закон о туземном тресте и земле </a:t>
-            </a:r>
-            <a:r>
-              <a:rPr lang="ru-RU" sz="300" dirty="0"/>
-              <a:t>(Это постановление предусматривало, что резервные земли, которые чернокожему населению в соответствии с Законом о землях коренных народов 1913 года, были выделены на 7,13% (9 709 586 акров) для увеличения примерно до 13,6% от общей площади тогдашней Южной Африки. Это значение не было достигнуто и оставалось таким невыполненным до 1980-х годов. (Ссылка 1) Еще в 1972 году правительство приобрело 1 146 451 акр земли, чтобы удовлетворить это требование на родине. [1]Ввиду того, что чернокожее население составляло в это время около 61% в общей численности населения, этот коэффициент площади был очень мал. Во время мировой экономической депрессии ущерб, нанесенный сельскохозяйственным угодьям в результате эрозии и чрезмерного выпаса скота , сыграл важную роль в подготовке Закона. В то же время права чернокожих как фермеров-арендаторов были ограничены белыми владельцами. С тех пор чернокожим разрешалось жить только на фермах, принадлежавших белым, и на них работали чернокожие </a:t>
-            </a:r>
-            <a:r>
-              <a:rPr lang="ru-RU" sz="300" dirty="0" err="1"/>
-              <a:t>служащие.Это</a:t>
-            </a:r>
-            <a:r>
-              <a:rPr lang="ru-RU" sz="300" dirty="0"/>
-              <a:t> давление со стороны продавцов, вызванное законом, вынудило многих чернокожих искать работу по найму за пределами своей семьи и племенных традиций, уходящих корнями в жилые районы. Пунктами назначения этих миграций были крупные фермы белых и города, преимущественно промышленные городские центры. [2])</a:t>
+              <a:t>Закон о туземном тресте и земле (1936)</a:t>
             </a:r>
             <a:endParaRPr lang="ru-RU" sz="800" dirty="0"/>
           </a:p>
@@ -20239,15 +19669,7 @@
             </a:r>
             <a:r>
               <a:rPr lang="ru-RU" sz="700" dirty="0"/>
-              <a:t>(1936. ЗАКОН № 22.По словам </a:t>
-            </a:r>
-            <a:r>
-              <a:rPr lang="ru-RU" sz="700" dirty="0" err="1"/>
-              <a:t>Риджа</a:t>
-            </a:r>
-            <a:r>
-              <a:rPr lang="ru-RU" sz="700" dirty="0"/>
-              <a:t>, в результате была создана Южноафриканская радиовещательная корпорация (1996: 34, примечание 10).)</a:t>
+              <a:t>(1936)</a:t>
             </a:r>
             <a:endParaRPr lang="ru-RU" sz="800" dirty="0"/>
           </a:p>
@@ -20296,27 +19718,7 @@
             <a:pPr algn="ctr"/>
             <a:r>
               <a:rPr lang="ru-RU" sz="1400" dirty="0"/>
-              <a:t>Закон о промышленном примирении и заработной плате </a:t>
-            </a:r>
-            <a:r>
-              <a:rPr lang="ru-RU" sz="300" dirty="0"/>
-              <a:t>(1937. ЗАКОН О ПРИМИРЕНИИ В ПРОМЫШЛЕННОСТИ [ПОПРАВКА] № 36.Это вместе с Законом о заработной плате того же года «применяло правило равной оплаты за равный труд на всех уровнях. Ни одному агентству по установлению заработной платы не разрешалось дискриминировать по признаку расы или цвета кожи. То, что казалось редким примером щедрости, на самом деле представляло собой грубую дискриминацию. Так как это не позволяло африканцам и цветным подрезаться, и это был единственный способ, с помощью которого они могли компенсировать предрассудки и отсутствие навыков» (</a:t>
-            </a:r>
-            <a:r>
-              <a:rPr lang="ru-RU" sz="300" dirty="0" err="1"/>
-              <a:t>Simons</a:t>
-            </a:r>
-            <a:r>
-              <a:rPr lang="ru-RU" sz="300" dirty="0"/>
-              <a:t> &amp; </a:t>
-            </a:r>
-            <a:r>
-              <a:rPr lang="ru-RU" sz="300" dirty="0" err="1"/>
-              <a:t>Simons</a:t>
-            </a:r>
-            <a:r>
-              <a:rPr lang="ru-RU" sz="300" dirty="0"/>
-              <a:t> 1969: 515).)</a:t>
+              <a:t>Закон о промышленном примирении и заработной плате (1937)</a:t>
             </a:r>
             <a:endParaRPr lang="ru-RU" sz="800" dirty="0"/>
           </a:p>
@@ -20369,31 +19771,15 @@
             </a:r>
             <a:r>
               <a:rPr lang="ru-RU" sz="500" dirty="0"/>
-              <a:t>(1937. ЗАКОН О </a:t>
-            </a:r>
-            <a:r>
-              <a:rPr lang="ru-RU" sz="500" dirty="0" err="1"/>
-              <a:t>МАРКЕТИНГЕ.Это</a:t>
-            </a:r>
-            <a:r>
-              <a:rPr lang="ru-RU" sz="500" dirty="0"/>
-              <a:t> «устанавливало контроль над ценами на сельскую продукцию, искусственно удерживая доходы сельских жителей на уровне, соизмеримом с доходами городских производителей» (</a:t>
-            </a:r>
-            <a:r>
-              <a:rPr lang="ru-RU" sz="500" dirty="0" err="1"/>
-              <a:t>Worden</a:t>
-            </a:r>
-            <a:r>
-              <a:rPr lang="ru-RU" sz="500" dirty="0"/>
-              <a:t> 1994: 58). Советы по контролю были созданы ранее, но Закон о маркетинге регулировал систему как таковую. Советы «будут работать с кооперативами белых фермеров как с единственными покупателями ряда товаров. К 1950 г. более 90% белых фермеров принадлежали по крайней мере к одному кооперативу» (</a:t>
-            </a:r>
-            <a:r>
-              <a:rPr lang="ru-RU" sz="500" dirty="0" err="1"/>
-              <a:t>Beinart</a:t>
-            </a:r>
-            <a:r>
-              <a:rPr lang="ru-RU" sz="500" dirty="0"/>
-              <a:t> 1994: 113). См. также ЗАКОН ОБ ЭРОЗИИ ПОЧВ 1932 г.)</a:t>
+              <a:t> </a:t>
+            </a:r>
+            <a:r>
+              <a:rPr lang="ru-RU" sz="1000" dirty="0"/>
+              <a:t>(</a:t>
+            </a:r>
+            <a:r>
+              <a:rPr lang="ru-RU" sz="1050" dirty="0"/>
+              <a:t>1937) </a:t>
             </a:r>
             <a:endParaRPr lang="ru-RU" sz="800" dirty="0"/>
           </a:p>
@@ -20442,43 +19828,7 @@
             <a:pPr algn="ctr"/>
             <a:r>
               <a:rPr lang="ru-RU" sz="1400" dirty="0"/>
-              <a:t>Постройка трансконтинентальной железной дороги в Африке </a:t>
-            </a:r>
-            <a:r>
-              <a:rPr lang="ru-RU" sz="300" dirty="0"/>
-              <a:t>(Железная дорога Кейптаун — Каир — незавершённый проект трансконтинентальной железной дороги, пересекающей Африку с юга на север. План был инициирован в конце XIX века </a:t>
-            </a:r>
-            <a:r>
-              <a:rPr lang="ru-RU" sz="300" dirty="0" err="1"/>
-              <a:t>Сесилом</a:t>
-            </a:r>
-            <a:r>
-              <a:rPr lang="ru-RU" sz="300" dirty="0"/>
-              <a:t> Джоном </a:t>
-            </a:r>
-            <a:r>
-              <a:rPr lang="ru-RU" sz="300" dirty="0" err="1"/>
-              <a:t>Родсом</a:t>
-            </a:r>
-            <a:r>
-              <a:rPr lang="ru-RU" sz="300" dirty="0"/>
-              <a:t> с целью соединить смежные владения Британской империи непрерывной транспортной линией от Кейптауна (Южная Африка) до Каира (Египет). Большинство участков введены в эксплуатацию, но большая часть между Суданом и Угандой так и не была построена. Имеются два разрыва: Асуан (Египет) - Вади-</a:t>
-            </a:r>
-            <a:r>
-              <a:rPr lang="ru-RU" sz="300" dirty="0" err="1"/>
-              <a:t>Халфа</a:t>
-            </a:r>
-            <a:r>
-              <a:rPr lang="ru-RU" sz="300" dirty="0"/>
-              <a:t> (Судан) и </a:t>
-            </a:r>
-            <a:r>
-              <a:rPr lang="ru-RU" sz="300" dirty="0" err="1"/>
-              <a:t>Вау</a:t>
-            </a:r>
-            <a:r>
-              <a:rPr lang="ru-RU" sz="300" dirty="0"/>
-              <a:t> (Южный Судан) - Кампала (Уганда). На обоих участках запланировано строительство железнодорожных линий. Приблизительно к 2050 году движение от Каира до Кейптауна на поезде станет возможно.)</a:t>
+              <a:t>Закончить постройку трансконтинентальной железной дороги</a:t>
             </a:r>
             <a:endParaRPr lang="ru-RU" sz="800" dirty="0"/>
           </a:p>
@@ -20576,7 +19926,7 @@
             <a:pPr algn="ctr"/>
             <a:r>
               <a:rPr lang="ru-RU" sz="1400" dirty="0"/>
-              <a:t>Трансвааль –центр железных дорог</a:t>
+              <a:t>Трансвааль – центр железных дорог</a:t>
             </a:r>
             <a:endParaRPr lang="ru-RU" sz="800" dirty="0"/>
           </a:p>
@@ -20625,11 +19975,7 @@
             <a:pPr algn="ctr"/>
             <a:r>
               <a:rPr lang="ru-RU" sz="1400" dirty="0"/>
-              <a:t>Запустить электростанцию Столовой бухты (1936) </a:t>
-            </a:r>
-            <a:r>
-              <a:rPr lang="ru-RU" sz="1000" dirty="0"/>
-              <a:t>(1936 г. - построены Георгиевский собор и электростанция Столовой бухты)</a:t>
+              <a:t>Запустить электростанцию Столовой бухты (1936)</a:t>
             </a:r>
             <a:endParaRPr lang="ru-RU" sz="800" dirty="0"/>
           </a:p>
@@ -21799,10 +21145,98 @@
       </p:cxnSp>
       <p:cxnSp>
         <p:nvCxnSpPr>
-          <p:cNvPr id="577" name="Shape 248">
-            <a:extLst>
-              <a:ext uri="{FF2B5EF4-FFF2-40B4-BE49-F238E27FC236}">
-                <a16:creationId xmlns:a16="http://schemas.microsoft.com/office/drawing/2014/main" id="{753EC60F-B04B-4CC8-905A-0721667E1DD6}"/>
+          <p:cNvPr id="578" name="Shape 248">
+            <a:extLst>
+              <a:ext uri="{FF2B5EF4-FFF2-40B4-BE49-F238E27FC236}">
+                <a16:creationId xmlns:a16="http://schemas.microsoft.com/office/drawing/2014/main" id="{79E19F73-D641-4C7A-AA27-959AAEAD578F}"/>
+              </a:ext>
+            </a:extLst>
+          </p:cNvPr>
+          <p:cNvCxnSpPr>
+            <a:cxnSpLocks/>
+            <a:stCxn id="410" idx="2"/>
+            <a:endCxn id="393" idx="0"/>
+          </p:cNvCxnSpPr>
+          <p:nvPr/>
+        </p:nvCxnSpPr>
+        <p:spPr>
+          <a:xfrm rot="16200000" flipH="1">
+            <a:off x="16263955" y="28779376"/>
+            <a:ext cx="3195806" cy="1228589"/>
+          </a:xfrm>
+          <a:prstGeom prst="bentConnector3">
+            <a:avLst>
+              <a:gd name="adj1" fmla="val 7081"/>
+            </a:avLst>
+          </a:prstGeom>
+          <a:ln w="28575">
+            <a:tailEnd type="arrow"/>
+          </a:ln>
+        </p:spPr>
+        <p:style>
+          <a:lnRef idx="1">
+            <a:schemeClr val="accent1"/>
+          </a:lnRef>
+          <a:fillRef idx="0">
+            <a:schemeClr val="accent1"/>
+          </a:fillRef>
+          <a:effectRef idx="0">
+            <a:schemeClr val="accent1"/>
+          </a:effectRef>
+          <a:fontRef idx="minor">
+            <a:schemeClr val="tx1"/>
+          </a:fontRef>
+        </p:style>
+      </p:cxnSp>
+      <p:cxnSp>
+        <p:nvCxnSpPr>
+          <p:cNvPr id="597" name="Прямая со стрелкой 596">
+            <a:extLst>
+              <a:ext uri="{FF2B5EF4-FFF2-40B4-BE49-F238E27FC236}">
+                <a16:creationId xmlns:a16="http://schemas.microsoft.com/office/drawing/2014/main" id="{EFF7721C-2831-4027-8613-EB301D241B42}"/>
+              </a:ext>
+            </a:extLst>
+          </p:cNvPr>
+          <p:cNvCxnSpPr>
+            <a:cxnSpLocks/>
+            <a:stCxn id="416" idx="2"/>
+            <a:endCxn id="371" idx="0"/>
+          </p:cNvCxnSpPr>
+          <p:nvPr/>
+        </p:nvCxnSpPr>
+        <p:spPr>
+          <a:xfrm flipH="1">
+            <a:off x="24617792" y="27795768"/>
+            <a:ext cx="3544" cy="353070"/>
+          </a:xfrm>
+          <a:prstGeom prst="straightConnector1">
+            <a:avLst/>
+          </a:prstGeom>
+          <a:ln w="28575">
+            <a:tailEnd type="arrow"/>
+          </a:ln>
+        </p:spPr>
+        <p:style>
+          <a:lnRef idx="1">
+            <a:schemeClr val="accent1"/>
+          </a:lnRef>
+          <a:fillRef idx="0">
+            <a:schemeClr val="accent1"/>
+          </a:fillRef>
+          <a:effectRef idx="0">
+            <a:schemeClr val="accent1"/>
+          </a:effectRef>
+          <a:fontRef idx="minor">
+            <a:schemeClr val="tx1"/>
+          </a:fontRef>
+        </p:style>
+      </p:cxnSp>
+      <p:cxnSp>
+        <p:nvCxnSpPr>
+          <p:cNvPr id="377" name="Shape 248">
+            <a:extLst>
+              <a:ext uri="{FF2B5EF4-FFF2-40B4-BE49-F238E27FC236}">
+                <a16:creationId xmlns:a16="http://schemas.microsoft.com/office/drawing/2014/main" id="{1BDFD058-3088-4A39-B00D-0D88C5B4D41E}"/>
               </a:ext>
             </a:extLst>
           </p:cNvPr>
@@ -21822,95 +21256,6 @@
             <a:avLst>
               <a:gd name="adj1" fmla="val 50000"/>
             </a:avLst>
-          </a:prstGeom>
-          <a:ln w="28575">
-            <a:prstDash val="dash"/>
-            <a:tailEnd type="arrow"/>
-          </a:ln>
-        </p:spPr>
-        <p:style>
-          <a:lnRef idx="1">
-            <a:schemeClr val="accent1"/>
-          </a:lnRef>
-          <a:fillRef idx="0">
-            <a:schemeClr val="accent1"/>
-          </a:fillRef>
-          <a:effectRef idx="0">
-            <a:schemeClr val="accent1"/>
-          </a:effectRef>
-          <a:fontRef idx="minor">
-            <a:schemeClr val="tx1"/>
-          </a:fontRef>
-        </p:style>
-      </p:cxnSp>
-      <p:cxnSp>
-        <p:nvCxnSpPr>
-          <p:cNvPr id="578" name="Shape 248">
-            <a:extLst>
-              <a:ext uri="{FF2B5EF4-FFF2-40B4-BE49-F238E27FC236}">
-                <a16:creationId xmlns:a16="http://schemas.microsoft.com/office/drawing/2014/main" id="{79E19F73-D641-4C7A-AA27-959AAEAD578F}"/>
-              </a:ext>
-            </a:extLst>
-          </p:cNvPr>
-          <p:cNvCxnSpPr>
-            <a:cxnSpLocks/>
-            <a:stCxn id="410" idx="2"/>
-            <a:endCxn id="393" idx="0"/>
-          </p:cNvCxnSpPr>
-          <p:nvPr/>
-        </p:nvCxnSpPr>
-        <p:spPr>
-          <a:xfrm rot="16200000" flipH="1">
-            <a:off x="16263955" y="28779376"/>
-            <a:ext cx="3195806" cy="1228589"/>
-          </a:xfrm>
-          <a:prstGeom prst="bentConnector3">
-            <a:avLst>
-              <a:gd name="adj1" fmla="val 7081"/>
-            </a:avLst>
-          </a:prstGeom>
-          <a:ln w="28575">
-            <a:tailEnd type="arrow"/>
-          </a:ln>
-        </p:spPr>
-        <p:style>
-          <a:lnRef idx="1">
-            <a:schemeClr val="accent1"/>
-          </a:lnRef>
-          <a:fillRef idx="0">
-            <a:schemeClr val="accent1"/>
-          </a:fillRef>
-          <a:effectRef idx="0">
-            <a:schemeClr val="accent1"/>
-          </a:effectRef>
-          <a:fontRef idx="minor">
-            <a:schemeClr val="tx1"/>
-          </a:fontRef>
-        </p:style>
-      </p:cxnSp>
-      <p:cxnSp>
-        <p:nvCxnSpPr>
-          <p:cNvPr id="597" name="Прямая со стрелкой 596">
-            <a:extLst>
-              <a:ext uri="{FF2B5EF4-FFF2-40B4-BE49-F238E27FC236}">
-                <a16:creationId xmlns:a16="http://schemas.microsoft.com/office/drawing/2014/main" id="{EFF7721C-2831-4027-8613-EB301D241B42}"/>
-              </a:ext>
-            </a:extLst>
-          </p:cNvPr>
-          <p:cNvCxnSpPr>
-            <a:cxnSpLocks/>
-            <a:stCxn id="416" idx="2"/>
-            <a:endCxn id="371" idx="0"/>
-          </p:cNvCxnSpPr>
-          <p:nvPr/>
-        </p:nvCxnSpPr>
-        <p:spPr>
-          <a:xfrm flipH="1">
-            <a:off x="24617792" y="27795768"/>
-            <a:ext cx="3544" cy="353070"/>
-          </a:xfrm>
-          <a:prstGeom prst="straightConnector1">
-            <a:avLst/>
           </a:prstGeom>
           <a:ln w="28575">
             <a:tailEnd type="arrow"/>

--- a/Наработки/диздоки/ЮАС/ЮАС.pptx
+++ b/Наработки/диздоки/ЮАС/ЮАС.pptx
@@ -209,7 +209,7 @@
             <a:fld id="{33E3D7F9-E251-484C-A6FF-FA958879DF69}" type="datetimeFigureOut">
               <a:rPr lang="ru-RU" smtClean="0"/>
               <a:pPr/>
-              <a:t>07.04.2023</a:t>
+              <a:t>09.04.2023</a:t>
             </a:fld>
             <a:endParaRPr lang="ru-RU"/>
           </a:p>
@@ -699,7 +699,7 @@
             <a:fld id="{85A5DE44-605B-4D3B-B2B7-94543DF81A36}" type="datetimeFigureOut">
               <a:rPr lang="ru-RU" smtClean="0"/>
               <a:pPr/>
-              <a:t>07.04.2023</a:t>
+              <a:t>09.04.2023</a:t>
             </a:fld>
             <a:endParaRPr lang="ru-RU"/>
           </a:p>
@@ -871,7 +871,7 @@
             <a:fld id="{85A5DE44-605B-4D3B-B2B7-94543DF81A36}" type="datetimeFigureOut">
               <a:rPr lang="ru-RU" smtClean="0"/>
               <a:pPr/>
-              <a:t>07.04.2023</a:t>
+              <a:t>09.04.2023</a:t>
             </a:fld>
             <a:endParaRPr lang="ru-RU"/>
           </a:p>
@@ -1053,7 +1053,7 @@
             <a:fld id="{85A5DE44-605B-4D3B-B2B7-94543DF81A36}" type="datetimeFigureOut">
               <a:rPr lang="ru-RU" smtClean="0"/>
               <a:pPr/>
-              <a:t>07.04.2023</a:t>
+              <a:t>09.04.2023</a:t>
             </a:fld>
             <a:endParaRPr lang="ru-RU"/>
           </a:p>
@@ -1225,7 +1225,7 @@
             <a:fld id="{85A5DE44-605B-4D3B-B2B7-94543DF81A36}" type="datetimeFigureOut">
               <a:rPr lang="ru-RU" smtClean="0"/>
               <a:pPr/>
-              <a:t>07.04.2023</a:t>
+              <a:t>09.04.2023</a:t>
             </a:fld>
             <a:endParaRPr lang="ru-RU"/>
           </a:p>
@@ -1473,7 +1473,7 @@
             <a:fld id="{85A5DE44-605B-4D3B-B2B7-94543DF81A36}" type="datetimeFigureOut">
               <a:rPr lang="ru-RU" smtClean="0"/>
               <a:pPr/>
-              <a:t>07.04.2023</a:t>
+              <a:t>09.04.2023</a:t>
             </a:fld>
             <a:endParaRPr lang="ru-RU"/>
           </a:p>
@@ -1707,7 +1707,7 @@
             <a:fld id="{85A5DE44-605B-4D3B-B2B7-94543DF81A36}" type="datetimeFigureOut">
               <a:rPr lang="ru-RU" smtClean="0"/>
               <a:pPr/>
-              <a:t>07.04.2023</a:t>
+              <a:t>09.04.2023</a:t>
             </a:fld>
             <a:endParaRPr lang="ru-RU"/>
           </a:p>
@@ -2076,7 +2076,7 @@
             <a:fld id="{85A5DE44-605B-4D3B-B2B7-94543DF81A36}" type="datetimeFigureOut">
               <a:rPr lang="ru-RU" smtClean="0"/>
               <a:pPr/>
-              <a:t>07.04.2023</a:t>
+              <a:t>09.04.2023</a:t>
             </a:fld>
             <a:endParaRPr lang="ru-RU"/>
           </a:p>
@@ -2196,7 +2196,7 @@
             <a:fld id="{85A5DE44-605B-4D3B-B2B7-94543DF81A36}" type="datetimeFigureOut">
               <a:rPr lang="ru-RU" smtClean="0"/>
               <a:pPr/>
-              <a:t>07.04.2023</a:t>
+              <a:t>09.04.2023</a:t>
             </a:fld>
             <a:endParaRPr lang="ru-RU"/>
           </a:p>
@@ -2293,7 +2293,7 @@
             <a:fld id="{85A5DE44-605B-4D3B-B2B7-94543DF81A36}" type="datetimeFigureOut">
               <a:rPr lang="ru-RU" smtClean="0"/>
               <a:pPr/>
-              <a:t>07.04.2023</a:t>
+              <a:t>09.04.2023</a:t>
             </a:fld>
             <a:endParaRPr lang="ru-RU"/>
           </a:p>
@@ -2572,7 +2572,7 @@
             <a:fld id="{85A5DE44-605B-4D3B-B2B7-94543DF81A36}" type="datetimeFigureOut">
               <a:rPr lang="ru-RU" smtClean="0"/>
               <a:pPr/>
-              <a:t>07.04.2023</a:t>
+              <a:t>09.04.2023</a:t>
             </a:fld>
             <a:endParaRPr lang="ru-RU"/>
           </a:p>
@@ -2831,7 +2831,7 @@
             <a:fld id="{85A5DE44-605B-4D3B-B2B7-94543DF81A36}" type="datetimeFigureOut">
               <a:rPr lang="ru-RU" smtClean="0"/>
               <a:pPr/>
-              <a:t>07.04.2023</a:t>
+              <a:t>09.04.2023</a:t>
             </a:fld>
             <a:endParaRPr lang="ru-RU"/>
           </a:p>
@@ -3046,7 +3046,7 @@
             <a:fld id="{85A5DE44-605B-4D3B-B2B7-94543DF81A36}" type="datetimeFigureOut">
               <a:rPr lang="ru-RU" smtClean="0"/>
               <a:pPr/>
-              <a:t>07.04.2023</a:t>
+              <a:t>09.04.2023</a:t>
             </a:fld>
             <a:endParaRPr lang="ru-RU"/>
           </a:p>
@@ -12107,11 +12107,7 @@
             <a:pPr algn="ctr"/>
             <a:r>
               <a:rPr lang="ru-RU" sz="1400" dirty="0"/>
-              <a:t>Увеличить золотодобычу </a:t>
-            </a:r>
-            <a:r>
-              <a:rPr lang="ru-RU" sz="300" dirty="0"/>
-              <a:t>(Хотя количество чернокожих рабочих росло и в 1930-е годы существовала значительная организация, их положение в производстве заметно изменилось только во время Второй мировой войны, когда они заменили белых, которые добровольно пошли на службу в армию. Увеличилось количество небольших мастерских, чтобы заменить ранее импортированные товары, ускорилось строительство дорог для потенциальных оборонных целей, а производство золота было увеличено для оплаты британской военной машины. Действительно, часть монет была отправлена ​​​​прямо в США за счет Великобритании. Сельское хозяйство также расширилось, чтобы прокормить войска в Африке, на экспорт в Западную Африку и на местный рынок. Все это были области увеличения занятости чернокожих.)</a:t>
+              <a:t>Увеличить золотодобычу</a:t>
             </a:r>
             <a:endParaRPr lang="ru-RU" sz="500" dirty="0"/>
           </a:p>
@@ -19139,7 +19135,7 @@
         </p:nvSpPr>
         <p:spPr>
           <a:xfrm>
-            <a:off x="13732000" y="26704113"/>
+            <a:off x="13714653" y="25289046"/>
             <a:ext cx="2115918" cy="1080000"/>
           </a:xfrm>
           <a:prstGeom prst="rect">
@@ -19168,19 +19164,7 @@
             <a:pPr algn="ctr"/>
             <a:r>
               <a:rPr lang="ru-RU" sz="1400" dirty="0"/>
-              <a:t>Увеличить добычу Хрома </a:t>
-            </a:r>
-            <a:r>
-              <a:rPr lang="ru-RU" sz="300" dirty="0"/>
-              <a:t>(Хром — еще один ведущий продукт горнодобывающей промышленности Южной Африки. Металл, используемый в производстве нержавеющей стали и для различных промышленных применений, добывается на 10 участках по всей стране. Производство хрома в Южной Африке составляло 100% от общего объема производства в мире в 2005 году и состояло из 7 490 000 метрических тонн (7 370 000 длинных тонн ; 8 260 000 коротких тонн ) материала. [24] Южная Африка обладает примерно тремя четвертями жизнеспособных ресурсов </a:t>
-            </a:r>
-            <a:r>
-              <a:rPr lang="ru-RU" sz="300" dirty="0" err="1"/>
-              <a:t>хромитовой</a:t>
-            </a:r>
-            <a:r>
-              <a:rPr lang="ru-RU" sz="300" dirty="0"/>
-              <a:t> руды в мире. В 2012 году в Южной Африке насчитывалось четырнадцать отдельных плавильных заводов по производству феррохрома с общей производственной мощностью более 4,7 млн ​​тонн в год. [37])</a:t>
+              <a:t>Увеличить добычу Хрома</a:t>
             </a:r>
             <a:endParaRPr lang="ru-RU" sz="800" dirty="0"/>
           </a:p>
@@ -19278,7 +19262,7 @@
             <a:pPr algn="ctr"/>
             <a:r>
               <a:rPr lang="ru-RU" sz="1400" dirty="0"/>
-              <a:t>Развитие угледобывающих кампаний</a:t>
+              <a:t>Развитие угледобывающих компаний</a:t>
             </a:r>
             <a:endParaRPr lang="ru-RU" sz="800" dirty="0"/>
           </a:p>
@@ -19396,7 +19380,7 @@
         </p:nvSpPr>
         <p:spPr>
           <a:xfrm>
-            <a:off x="13732427" y="25282698"/>
+            <a:off x="13714653" y="26705088"/>
             <a:ext cx="2115918" cy="1080000"/>
           </a:xfrm>
           <a:prstGeom prst="rect">
@@ -19425,7 +19409,7 @@
             <a:pPr algn="ctr"/>
             <a:r>
               <a:rPr lang="ru-RU" sz="1400" dirty="0"/>
-              <a:t>Занять лидирующее место в алмазной отрасли</a:t>
+              <a:t>Упрочнить лидирующее место в алмазной отрасли</a:t>
             </a:r>
             <a:endParaRPr lang="ru-RU" sz="800" dirty="0"/>
           </a:p>
@@ -19523,51 +19507,7 @@
             <a:pPr algn="ctr"/>
             <a:r>
               <a:rPr lang="ru-RU" sz="1400" dirty="0"/>
-              <a:t>Обезопасить горнодобывающую отрасль </a:t>
-            </a:r>
-            <a:r>
-              <a:rPr lang="ru-RU" sz="100" dirty="0"/>
-              <a:t>(Условия на большинстве рудников в Южной Африке очень похожи на условия в других местах [47], за исключением золотых рудников, где низкий геотермический градиент , т. е. скорость, с которой температура повышается с глубиной, часто составляет всего 9 °C на километр глубины ( по сравнению со среднемировым значением около 25 °C/км [48] ), и это, в сочетании с узкими и очень непрерывными рудными телами в крепких и прочных породах, позволяет вести добычу на глубинах, недоступных где-либо еще в </a:t>
-            </a:r>
-            <a:r>
-              <a:rPr lang="ru-RU" sz="100" dirty="0" err="1"/>
-              <a:t>мире.Кварцевая</a:t>
-            </a:r>
-            <a:r>
-              <a:rPr lang="ru-RU" sz="100" dirty="0"/>
-              <a:t> пыль представляет собой постоянную потенциальную опасность, поэтому всю буровую пыль и рыхлую породу необходимо постоянно смачивать, чтобы предотвратить силикоз , смертельную болезнь, поражающую легкие. К сожалению, узость наклонных рифов/рудных тел препятствует механизации, за исключением очень немногих случаев, и большинство работ очень трудоемки. Требования к вентиляции для поддержания приемлемых условий труда огромны, и обследование золотых приисков в Южной Африке показало, что среднее количество циркулирующего вентиляционного воздуха составляло около 6 кубических метров в секунду (210 куб. Футов / с) на 1000 тонн добытой породы в месяц. [49]Еще одна серьезная проблема — тепло. В более глубоких рудниках охлаждение всасываемого воздуха часто необходимо для поддержания приемлемых условий, и теперь это становится необходимым на некоторых платиновых рудниках, которые, хотя и неглубокие, имеют более высокий геотермический градиент. [50] Охлаждение очень </a:t>
-            </a:r>
-            <a:r>
-              <a:rPr lang="ru-RU" sz="100" dirty="0" err="1"/>
-              <a:t>энергозатратно</a:t>
-            </a:r>
-            <a:r>
-              <a:rPr lang="ru-RU" sz="100" dirty="0"/>
-              <a:t>, и в настоящее время остается спорным вопрос, сможет ли ЭСКОМ , государственная энергетическая компания, обеспечить необходимую мощность после недавнего [ когда? ] проблем, которые сократят энергоснабжение до 90% от прежнего уровня как минимум до 2012 года, когда будет готова новая электростанция. [51] [52]Горнодобывающую промышленность Южной Африки часто критикуют за плохие показатели безопасности и большое количество смертельных случаев, но условия улучшаются. Общее число погибших составило 533 человека в 1995 г. и снизилось до 199 в 2006 г. [53] В период с 1984 по 2005 г. погибло более 11 000 горняков. [54] Общий коэффициент смертности в 2006 г. составлял 0,43 на 1000 человек в год, но за этим скрываются некоторые важные различия. Коэффициент добычи золота составил 0,71, добычи платины — 0,24, добычи прочего — 0,35. (Для сравнения, в шестидесятые годы этот показатель составлял около 1,5 — см. любой ежегодник Горной палаты того периода). Причина различия совершенно ясна; золотые рудники намного глубже, а условия более трудные и опасные, чем на более мелких платиновых </a:t>
-            </a:r>
-            <a:r>
-              <a:rPr lang="ru-RU" sz="100" dirty="0" err="1"/>
-              <a:t>рудниках.Падение</a:t>
-            </a:r>
-            <a:r>
-              <a:rPr lang="ru-RU" sz="100" dirty="0"/>
-              <a:t> грунта преобладало среди причин в 72 случаях, несчастные случаи с машинами, транспортом и горнодобывающей промышленностью стали причиной 70, а остальные были классифицированы как общие. [55] Падения земли, </a:t>
-            </a:r>
-            <a:r>
-              <a:rPr lang="ru-RU" sz="100" dirty="0" err="1"/>
-              <a:t>ок</a:t>
-            </a:r>
-            <a:r>
-              <a:rPr lang="ru-RU" sz="100" dirty="0"/>
-              <a:t>. две трети были на глубоких золотых приисках, что является отражением чрезвычайного давления на глубине и постоянного движения вмещающей породы . Среди машин, горнодобывающих и транспортных смертей работали гризли [ требуется уточнение ]без ремней безопасности, работа под рыхлой породой в рудоспусках, раздавливание этой смертоносной комбинацией локомотива и вентиляционной дверной рамы (зазор между ними всего несколько дюймов) и работа на работающих конвейерах — все это прямое нарушение правил техники безопасности. . Также упоминалось бурение осечек, явный пример небрежной и небезопасной </a:t>
-            </a:r>
-            <a:r>
-              <a:rPr lang="ru-RU" sz="100" dirty="0" err="1"/>
-              <a:t>добычи.Трудно</a:t>
-            </a:r>
-            <a:r>
-              <a:rPr lang="ru-RU" sz="100" dirty="0"/>
-              <a:t> понять, как можно устранить провалы грунта, учитывая их частую непредсказуемость, возрастающую с глубиной, и трудности с обеспечением непрерывной крепи кровли, как на угольных шахтах лавой из-за сильного забойного взрыва в крепких породах рудника. золотых приисках, но очевидно, что многое можно сделать для улучшения обучения и привития горнякам, многие из которых относительно неопытны, чувства безопасности.)</a:t>
+              <a:t>Обезопасить горнодобывающую отрасль</a:t>
             </a:r>
             <a:endParaRPr lang="ru-RU" sz="800" dirty="0"/>
           </a:p>
@@ -19993,14 +19933,14 @@
           <p:cNvCxnSpPr>
             <a:cxnSpLocks/>
             <a:stCxn id="408" idx="2"/>
-            <a:endCxn id="412" idx="0"/>
+            <a:endCxn id="407" idx="0"/>
           </p:cNvCxnSpPr>
           <p:nvPr/>
         </p:nvCxnSpPr>
         <p:spPr>
           <a:xfrm rot="5400000">
-            <a:off x="15851868" y="23887001"/>
-            <a:ext cx="334215" cy="2457178"/>
+            <a:off x="15839807" y="23881288"/>
+            <a:ext cx="340563" cy="2474952"/>
           </a:xfrm>
           <a:prstGeom prst="bentConnector3">
             <a:avLst>
@@ -20307,15 +20247,15 @@
           </p:cNvPr>
           <p:cNvCxnSpPr>
             <a:cxnSpLocks/>
-            <a:stCxn id="412" idx="2"/>
-            <a:endCxn id="407" idx="0"/>
+            <a:stCxn id="407" idx="2"/>
+            <a:endCxn id="412" idx="0"/>
           </p:cNvCxnSpPr>
           <p:nvPr/>
         </p:nvCxnSpPr>
         <p:spPr>
-          <a:xfrm flipH="1">
-            <a:off x="14789959" y="26362698"/>
-            <a:ext cx="427" cy="341415"/>
+          <a:xfrm>
+            <a:off x="14772612" y="26369046"/>
+            <a:ext cx="0" cy="336042"/>
           </a:xfrm>
           <a:prstGeom prst="straightConnector1">
             <a:avLst/>

--- a/Наработки/диздоки/ЮАС/ЮАС.pptx
+++ b/Наработки/диздоки/ЮАС/ЮАС.pptx
@@ -209,7 +209,7 @@
             <a:fld id="{33E3D7F9-E251-484C-A6FF-FA958879DF69}" type="datetimeFigureOut">
               <a:rPr lang="ru-RU" smtClean="0"/>
               <a:pPr/>
-              <a:t>09.04.2023</a:t>
+              <a:t>11.04.2023</a:t>
             </a:fld>
             <a:endParaRPr lang="ru-RU"/>
           </a:p>
@@ -699,7 +699,7 @@
             <a:fld id="{85A5DE44-605B-4D3B-B2B7-94543DF81A36}" type="datetimeFigureOut">
               <a:rPr lang="ru-RU" smtClean="0"/>
               <a:pPr/>
-              <a:t>09.04.2023</a:t>
+              <a:t>11.04.2023</a:t>
             </a:fld>
             <a:endParaRPr lang="ru-RU"/>
           </a:p>
@@ -871,7 +871,7 @@
             <a:fld id="{85A5DE44-605B-4D3B-B2B7-94543DF81A36}" type="datetimeFigureOut">
               <a:rPr lang="ru-RU" smtClean="0"/>
               <a:pPr/>
-              <a:t>09.04.2023</a:t>
+              <a:t>11.04.2023</a:t>
             </a:fld>
             <a:endParaRPr lang="ru-RU"/>
           </a:p>
@@ -1053,7 +1053,7 @@
             <a:fld id="{85A5DE44-605B-4D3B-B2B7-94543DF81A36}" type="datetimeFigureOut">
               <a:rPr lang="ru-RU" smtClean="0"/>
               <a:pPr/>
-              <a:t>09.04.2023</a:t>
+              <a:t>11.04.2023</a:t>
             </a:fld>
             <a:endParaRPr lang="ru-RU"/>
           </a:p>
@@ -1225,7 +1225,7 @@
             <a:fld id="{85A5DE44-605B-4D3B-B2B7-94543DF81A36}" type="datetimeFigureOut">
               <a:rPr lang="ru-RU" smtClean="0"/>
               <a:pPr/>
-              <a:t>09.04.2023</a:t>
+              <a:t>11.04.2023</a:t>
             </a:fld>
             <a:endParaRPr lang="ru-RU"/>
           </a:p>
@@ -1473,7 +1473,7 @@
             <a:fld id="{85A5DE44-605B-4D3B-B2B7-94543DF81A36}" type="datetimeFigureOut">
               <a:rPr lang="ru-RU" smtClean="0"/>
               <a:pPr/>
-              <a:t>09.04.2023</a:t>
+              <a:t>11.04.2023</a:t>
             </a:fld>
             <a:endParaRPr lang="ru-RU"/>
           </a:p>
@@ -1707,7 +1707,7 @@
             <a:fld id="{85A5DE44-605B-4D3B-B2B7-94543DF81A36}" type="datetimeFigureOut">
               <a:rPr lang="ru-RU" smtClean="0"/>
               <a:pPr/>
-              <a:t>09.04.2023</a:t>
+              <a:t>11.04.2023</a:t>
             </a:fld>
             <a:endParaRPr lang="ru-RU"/>
           </a:p>
@@ -2076,7 +2076,7 @@
             <a:fld id="{85A5DE44-605B-4D3B-B2B7-94543DF81A36}" type="datetimeFigureOut">
               <a:rPr lang="ru-RU" smtClean="0"/>
               <a:pPr/>
-              <a:t>09.04.2023</a:t>
+              <a:t>11.04.2023</a:t>
             </a:fld>
             <a:endParaRPr lang="ru-RU"/>
           </a:p>
@@ -2196,7 +2196,7 @@
             <a:fld id="{85A5DE44-605B-4D3B-B2B7-94543DF81A36}" type="datetimeFigureOut">
               <a:rPr lang="ru-RU" smtClean="0"/>
               <a:pPr/>
-              <a:t>09.04.2023</a:t>
+              <a:t>11.04.2023</a:t>
             </a:fld>
             <a:endParaRPr lang="ru-RU"/>
           </a:p>
@@ -2293,7 +2293,7 @@
             <a:fld id="{85A5DE44-605B-4D3B-B2B7-94543DF81A36}" type="datetimeFigureOut">
               <a:rPr lang="ru-RU" smtClean="0"/>
               <a:pPr/>
-              <a:t>09.04.2023</a:t>
+              <a:t>11.04.2023</a:t>
             </a:fld>
             <a:endParaRPr lang="ru-RU"/>
           </a:p>
@@ -2572,7 +2572,7 @@
             <a:fld id="{85A5DE44-605B-4D3B-B2B7-94543DF81A36}" type="datetimeFigureOut">
               <a:rPr lang="ru-RU" smtClean="0"/>
               <a:pPr/>
-              <a:t>09.04.2023</a:t>
+              <a:t>11.04.2023</a:t>
             </a:fld>
             <a:endParaRPr lang="ru-RU"/>
           </a:p>
@@ -2831,7 +2831,7 @@
             <a:fld id="{85A5DE44-605B-4D3B-B2B7-94543DF81A36}" type="datetimeFigureOut">
               <a:rPr lang="ru-RU" smtClean="0"/>
               <a:pPr/>
-              <a:t>09.04.2023</a:t>
+              <a:t>11.04.2023</a:t>
             </a:fld>
             <a:endParaRPr lang="ru-RU"/>
           </a:p>
@@ -3046,7 +3046,7 @@
             <a:fld id="{85A5DE44-605B-4D3B-B2B7-94543DF81A36}" type="datetimeFigureOut">
               <a:rPr lang="ru-RU" smtClean="0"/>
               <a:pPr/>
-              <a:t>09.04.2023</a:t>
+              <a:t>11.04.2023</a:t>
             </a:fld>
             <a:endParaRPr lang="ru-RU"/>
           </a:p>

--- a/Наработки/диздоки/ЮАС/ЮАС.pptx
+++ b/Наработки/диздоки/ЮАС/ЮАС.pptx
@@ -209,7 +209,7 @@
             <a:fld id="{33E3D7F9-E251-484C-A6FF-FA958879DF69}" type="datetimeFigureOut">
               <a:rPr lang="ru-RU" smtClean="0"/>
               <a:pPr/>
-              <a:t>11.04.2023</a:t>
+              <a:t>12.04.2023</a:t>
             </a:fld>
             <a:endParaRPr lang="ru-RU"/>
           </a:p>
@@ -699,7 +699,7 @@
             <a:fld id="{85A5DE44-605B-4D3B-B2B7-94543DF81A36}" type="datetimeFigureOut">
               <a:rPr lang="ru-RU" smtClean="0"/>
               <a:pPr/>
-              <a:t>11.04.2023</a:t>
+              <a:t>12.04.2023</a:t>
             </a:fld>
             <a:endParaRPr lang="ru-RU"/>
           </a:p>
@@ -871,7 +871,7 @@
             <a:fld id="{85A5DE44-605B-4D3B-B2B7-94543DF81A36}" type="datetimeFigureOut">
               <a:rPr lang="ru-RU" smtClean="0"/>
               <a:pPr/>
-              <a:t>11.04.2023</a:t>
+              <a:t>12.04.2023</a:t>
             </a:fld>
             <a:endParaRPr lang="ru-RU"/>
           </a:p>
@@ -1053,7 +1053,7 @@
             <a:fld id="{85A5DE44-605B-4D3B-B2B7-94543DF81A36}" type="datetimeFigureOut">
               <a:rPr lang="ru-RU" smtClean="0"/>
               <a:pPr/>
-              <a:t>11.04.2023</a:t>
+              <a:t>12.04.2023</a:t>
             </a:fld>
             <a:endParaRPr lang="ru-RU"/>
           </a:p>
@@ -1225,7 +1225,7 @@
             <a:fld id="{85A5DE44-605B-4D3B-B2B7-94543DF81A36}" type="datetimeFigureOut">
               <a:rPr lang="ru-RU" smtClean="0"/>
               <a:pPr/>
-              <a:t>11.04.2023</a:t>
+              <a:t>12.04.2023</a:t>
             </a:fld>
             <a:endParaRPr lang="ru-RU"/>
           </a:p>
@@ -1473,7 +1473,7 @@
             <a:fld id="{85A5DE44-605B-4D3B-B2B7-94543DF81A36}" type="datetimeFigureOut">
               <a:rPr lang="ru-RU" smtClean="0"/>
               <a:pPr/>
-              <a:t>11.04.2023</a:t>
+              <a:t>12.04.2023</a:t>
             </a:fld>
             <a:endParaRPr lang="ru-RU"/>
           </a:p>
@@ -1707,7 +1707,7 @@
             <a:fld id="{85A5DE44-605B-4D3B-B2B7-94543DF81A36}" type="datetimeFigureOut">
               <a:rPr lang="ru-RU" smtClean="0"/>
               <a:pPr/>
-              <a:t>11.04.2023</a:t>
+              <a:t>12.04.2023</a:t>
             </a:fld>
             <a:endParaRPr lang="ru-RU"/>
           </a:p>
@@ -2076,7 +2076,7 @@
             <a:fld id="{85A5DE44-605B-4D3B-B2B7-94543DF81A36}" type="datetimeFigureOut">
               <a:rPr lang="ru-RU" smtClean="0"/>
               <a:pPr/>
-              <a:t>11.04.2023</a:t>
+              <a:t>12.04.2023</a:t>
             </a:fld>
             <a:endParaRPr lang="ru-RU"/>
           </a:p>
@@ -2196,7 +2196,7 @@
             <a:fld id="{85A5DE44-605B-4D3B-B2B7-94543DF81A36}" type="datetimeFigureOut">
               <a:rPr lang="ru-RU" smtClean="0"/>
               <a:pPr/>
-              <a:t>11.04.2023</a:t>
+              <a:t>12.04.2023</a:t>
             </a:fld>
             <a:endParaRPr lang="ru-RU"/>
           </a:p>
@@ -2293,7 +2293,7 @@
             <a:fld id="{85A5DE44-605B-4D3B-B2B7-94543DF81A36}" type="datetimeFigureOut">
               <a:rPr lang="ru-RU" smtClean="0"/>
               <a:pPr/>
-              <a:t>11.04.2023</a:t>
+              <a:t>12.04.2023</a:t>
             </a:fld>
             <a:endParaRPr lang="ru-RU"/>
           </a:p>
@@ -2572,7 +2572,7 @@
             <a:fld id="{85A5DE44-605B-4D3B-B2B7-94543DF81A36}" type="datetimeFigureOut">
               <a:rPr lang="ru-RU" smtClean="0"/>
               <a:pPr/>
-              <a:t>11.04.2023</a:t>
+              <a:t>12.04.2023</a:t>
             </a:fld>
             <a:endParaRPr lang="ru-RU"/>
           </a:p>
@@ -2831,7 +2831,7 @@
             <a:fld id="{85A5DE44-605B-4D3B-B2B7-94543DF81A36}" type="datetimeFigureOut">
               <a:rPr lang="ru-RU" smtClean="0"/>
               <a:pPr/>
-              <a:t>11.04.2023</a:t>
+              <a:t>12.04.2023</a:t>
             </a:fld>
             <a:endParaRPr lang="ru-RU"/>
           </a:p>
@@ -3046,7 +3046,7 @@
             <a:fld id="{85A5DE44-605B-4D3B-B2B7-94543DF81A36}" type="datetimeFigureOut">
               <a:rPr lang="ru-RU" smtClean="0"/>
               <a:pPr/>
-              <a:t>11.04.2023</a:t>
+              <a:t>12.04.2023</a:t>
             </a:fld>
             <a:endParaRPr lang="ru-RU"/>
           </a:p>
@@ -9568,19 +9568,7 @@
             <a:pPr algn="ctr"/>
             <a:r>
               <a:rPr lang="ru-RU" sz="1400" dirty="0"/>
-              <a:t>Создать чёрную Республику </a:t>
-            </a:r>
-            <a:r>
-              <a:rPr lang="ru-RU" sz="400" dirty="0"/>
-              <a:t>(Текущее, </a:t>
-            </a:r>
-            <a:r>
-              <a:rPr lang="ru-RU" sz="400" dirty="0" err="1"/>
-              <a:t>переименоватьКПСА</a:t>
-            </a:r>
-            <a:r>
-              <a:rPr lang="ru-RU" sz="400" dirty="0"/>
-              <a:t>, которым манипулировали аппаратчики Коминтерна, была вынуждена в 1928 году принять лозунг Черной республики во время пресловутого Третьего периода, который должен был ознаменовать начало мировой революции. В последовавших ссорах ведущие члены были изгнаны и осуждены на самых постыдных условиях. Иногда это было, по-видимому, исключение ради исключения (потому что это был единственный способ держать партию в тонусе!).)</a:t>
+              <a:t>Создать чёрную Республику</a:t>
             </a:r>
             <a:endParaRPr lang="ru-RU" sz="800" dirty="0"/>
           </a:p>

--- a/Наработки/диздоки/ЮАС/ЮАС.pptx
+++ b/Наработки/диздоки/ЮАС/ЮАС.pptx
@@ -6415,28 +6415,9 @@
             <a:pPr algn="ctr"/>
             <a:r>
               <a:rPr lang="ru-RU" sz="1400" dirty="0"/>
-              <a:t>Власть большинства </a:t>
-            </a:r>
-            <a:r>
-              <a:rPr lang="ru-RU" sz="800" dirty="0"/>
-              <a:t>(</a:t>
-            </a:r>
-            <a:r>
-              <a:rPr lang="ru-RU" sz="800" dirty="0" err="1"/>
-              <a:t>Котане</a:t>
-            </a:r>
-            <a:r>
-              <a:rPr lang="ru-RU" sz="800" dirty="0"/>
-              <a:t> был уважаемым участником борьбы за власть большинства в Южной Африке даже среди некоммунистических лидеров. Уолтер </a:t>
-            </a:r>
-            <a:r>
-              <a:rPr lang="ru-RU" sz="800" dirty="0" err="1"/>
-              <a:t>Сисулу</a:t>
-            </a:r>
-            <a:r>
-              <a:rPr lang="ru-RU" sz="800" dirty="0"/>
-              <a:t> назвал его «гигантом борьбы» из-за его логического и недогматического подхода.)</a:t>
-            </a:r>
+              <a:t>Власть большинства</a:t>
+            </a:r>
+            <a:endParaRPr lang="ru-RU" sz="800" dirty="0"/>
           </a:p>
         </p:txBody>
       </p:sp>
@@ -9721,11 +9702,7 @@
             <a:pPr algn="ctr"/>
             <a:r>
               <a:rPr lang="ru-RU" sz="1400" dirty="0"/>
-              <a:t>Межрасовый союз </a:t>
-            </a:r>
-            <a:r>
-              <a:rPr lang="ru-RU" sz="1050" dirty="0"/>
-              <a:t>(Текущее)</a:t>
+              <a:t>Ввести однопартийную систему</a:t>
             </a:r>
             <a:endParaRPr lang="ru-RU" sz="800" dirty="0"/>
           </a:p>
@@ -9843,51 +9820,6 @@
           </a:p>
         </p:txBody>
       </p:sp>
-      <p:cxnSp>
-        <p:nvCxnSpPr>
-          <p:cNvPr id="186" name="Прямая соединительная линия 185">
-            <a:extLst>
-              <a:ext uri="{FF2B5EF4-FFF2-40B4-BE49-F238E27FC236}">
-                <a16:creationId xmlns:a16="http://schemas.microsoft.com/office/drawing/2014/main" id="{44A51570-E354-4BC7-89EE-75BE5AC24237}"/>
-              </a:ext>
-            </a:extLst>
-          </p:cNvPr>
-          <p:cNvCxnSpPr>
-            <a:cxnSpLocks/>
-            <a:stCxn id="180" idx="3"/>
-            <a:endCxn id="182" idx="1"/>
-          </p:cNvCxnSpPr>
-          <p:nvPr/>
-        </p:nvCxnSpPr>
-        <p:spPr>
-          <a:xfrm>
-            <a:off x="30809903" y="7054210"/>
-            <a:ext cx="567658" cy="0"/>
-          </a:xfrm>
-          <a:prstGeom prst="line">
-            <a:avLst/>
-          </a:prstGeom>
-          <a:ln w="38100">
-            <a:solidFill>
-              <a:srgbClr val="FF0000"/>
-            </a:solidFill>
-          </a:ln>
-        </p:spPr>
-        <p:style>
-          <a:lnRef idx="1">
-            <a:schemeClr val="accent2"/>
-          </a:lnRef>
-          <a:fillRef idx="0">
-            <a:schemeClr val="accent2"/>
-          </a:fillRef>
-          <a:effectRef idx="0">
-            <a:schemeClr val="accent2"/>
-          </a:effectRef>
-          <a:fontRef idx="minor">
-            <a:schemeClr val="tx1"/>
-          </a:fontRef>
-        </p:style>
-      </p:cxnSp>
       <p:sp>
         <p:nvSpPr>
           <p:cNvPr id="189" name="Прямоугольник 188">
